--- a/Securing Your API Endpoints.pptx
+++ b/Securing Your API Endpoints.pptx
@@ -36,19 +36,19 @@
     <p:sldId id="449" r:id="rId27"/>
     <p:sldId id="450" r:id="rId28"/>
     <p:sldId id="533" r:id="rId29"/>
-    <p:sldId id="451" r:id="rId30"/>
-    <p:sldId id="453" r:id="rId31"/>
-    <p:sldId id="456" r:id="rId32"/>
-    <p:sldId id="461" r:id="rId33"/>
-    <p:sldId id="457" r:id="rId34"/>
-    <p:sldId id="462" r:id="rId35"/>
-    <p:sldId id="463" r:id="rId36"/>
-    <p:sldId id="459" r:id="rId37"/>
-    <p:sldId id="464" r:id="rId38"/>
-    <p:sldId id="466" r:id="rId39"/>
-    <p:sldId id="467" r:id="rId40"/>
-    <p:sldId id="468" r:id="rId41"/>
-    <p:sldId id="530" r:id="rId42"/>
+    <p:sldId id="453" r:id="rId30"/>
+    <p:sldId id="456" r:id="rId31"/>
+    <p:sldId id="461" r:id="rId32"/>
+    <p:sldId id="457" r:id="rId33"/>
+    <p:sldId id="462" r:id="rId34"/>
+    <p:sldId id="463" r:id="rId35"/>
+    <p:sldId id="459" r:id="rId36"/>
+    <p:sldId id="464" r:id="rId37"/>
+    <p:sldId id="466" r:id="rId38"/>
+    <p:sldId id="467" r:id="rId39"/>
+    <p:sldId id="468" r:id="rId40"/>
+    <p:sldId id="530" r:id="rId41"/>
+    <p:sldId id="534" r:id="rId42"/>
     <p:sldId id="469" r:id="rId43"/>
     <p:sldId id="470" r:id="rId44"/>
     <p:sldId id="471" r:id="rId45"/>
@@ -3114,31 +3114,7 @@
                 <a:ea typeface="+mn-ea"/>
                 <a:cs typeface="+mn-cs"/>
               </a:rPr>
-              <a:t> of those techniques is “client </a:t>
-            </a:r>
-            <a:r>
-              <a:rPr lang="en-US" sz="1200" kern="1200" dirty="0" smtClean="0">
-                <a:solidFill>
-                  <a:schemeClr val="tx1"/>
-                </a:solidFill>
-                <a:effectLst/>
-                <a:latin typeface="+mn-lt"/>
-                <a:ea typeface="+mn-ea"/>
-                <a:cs typeface="+mn-cs"/>
-              </a:rPr>
-              <a:t>certificates” = “reverse TLS”. In TLS, cert on server </a:t>
-            </a:r>
-            <a:r>
-              <a:rPr lang="en-US" sz="1200" kern="1200" dirty="0" smtClean="0">
-                <a:solidFill>
-                  <a:schemeClr val="tx1"/>
-                </a:solidFill>
-                <a:effectLst/>
-                <a:latin typeface="+mn-lt"/>
-                <a:ea typeface="+mn-ea"/>
-                <a:cs typeface="+mn-cs"/>
-              </a:rPr>
-              <a:t>proves identity</a:t>
+              <a:t> of those techniques is “client certificates” = “reverse TLS”. In TLS, cert on server proves identity</a:t>
             </a:r>
             <a:r>
               <a:rPr lang="en-US" sz="1200" kern="1200" baseline="0" dirty="0" smtClean="0">
@@ -3150,19 +3126,7 @@
                 <a:ea typeface="+mn-ea"/>
                 <a:cs typeface="+mn-cs"/>
               </a:rPr>
-              <a:t> </a:t>
-            </a:r>
-            <a:r>
-              <a:rPr lang="en-US" sz="1200" kern="1200" baseline="0" dirty="0" smtClean="0">
-                <a:solidFill>
-                  <a:schemeClr val="tx1"/>
-                </a:solidFill>
-                <a:effectLst/>
-                <a:latin typeface="+mn-lt"/>
-                <a:ea typeface="+mn-ea"/>
-                <a:cs typeface="+mn-cs"/>
-              </a:rPr>
-              <a:t>to client.</a:t>
+              <a:t> to client.</a:t>
             </a:r>
             <a:endParaRPr lang="en-US" sz="1200" kern="1200" dirty="0" smtClean="0">
               <a:solidFill>
@@ -3220,19 +3184,7 @@
                 <a:ea typeface="+mn-ea"/>
                 <a:cs typeface="+mn-cs"/>
               </a:rPr>
-              <a:t>, and </a:t>
-            </a:r>
-            <a:r>
-              <a:rPr lang="en-US" sz="1200" kern="1200" dirty="0" smtClean="0">
-                <a:solidFill>
-                  <a:schemeClr val="tx1"/>
-                </a:solidFill>
-                <a:effectLst/>
-                <a:latin typeface="+mn-lt"/>
-                <a:ea typeface="+mn-ea"/>
-                <a:cs typeface="+mn-cs"/>
-              </a:rPr>
-              <a:t>it proves </a:t>
+              <a:t>, and it proves </a:t>
             </a:r>
             <a:r>
               <a:rPr lang="en-US" sz="1200" i="1" kern="1200" dirty="0" smtClean="0">
@@ -3355,31 +3307,7 @@
                 <a:ea typeface="+mn-ea"/>
                 <a:cs typeface="+mn-cs"/>
               </a:rPr>
-              <a:t>2) In Windows land, this is only </a:t>
-            </a:r>
-            <a:r>
-              <a:rPr lang="en-US" sz="1200" kern="1200" dirty="0" smtClean="0">
-                <a:solidFill>
-                  <a:schemeClr val="tx1"/>
-                </a:solidFill>
-                <a:effectLst/>
-                <a:latin typeface="+mn-lt"/>
-                <a:ea typeface="+mn-ea"/>
-                <a:cs typeface="+mn-cs"/>
-              </a:rPr>
-              <a:t>“simple” </a:t>
-            </a:r>
-            <a:r>
-              <a:rPr lang="en-US" sz="1200" kern="1200" dirty="0" smtClean="0">
-                <a:solidFill>
-                  <a:schemeClr val="tx1"/>
-                </a:solidFill>
-                <a:effectLst/>
-                <a:latin typeface="+mn-lt"/>
-                <a:ea typeface="+mn-ea"/>
-                <a:cs typeface="+mn-cs"/>
-              </a:rPr>
-              <a:t>when using Active Direct</a:t>
+              <a:t>2) In Windows land, this is only “simple” when using Active Direct</a:t>
             </a:r>
           </a:p>
           <a:p>
@@ -3627,19 +3555,7 @@
                 <a:ea typeface="+mn-ea"/>
                 <a:cs typeface="+mn-cs"/>
               </a:rPr>
-              <a:t>The </a:t>
-            </a:r>
-            <a:r>
-              <a:rPr lang="en-US" sz="1200" kern="1200" dirty="0" smtClean="0">
-                <a:solidFill>
-                  <a:schemeClr val="tx1"/>
-                </a:solidFill>
-                <a:effectLst/>
-                <a:latin typeface="+mn-lt"/>
-                <a:ea typeface="+mn-ea"/>
-                <a:cs typeface="+mn-cs"/>
-              </a:rPr>
-              <a:t>“Authorization” header is named poorly. Authentication, not authorization.</a:t>
+              <a:t>The “Authorization” header is named poorly. Authentication, not authorization.</a:t>
             </a:r>
           </a:p>
           <a:p>
@@ -3949,19 +3865,7 @@
                 <a:ea typeface="+mn-ea"/>
                 <a:cs typeface="+mn-cs"/>
               </a:rPr>
-              <a:t>Two main </a:t>
-            </a:r>
-            <a:r>
-              <a:rPr lang="en-US" sz="1200" kern="1200" dirty="0" smtClean="0">
-                <a:solidFill>
-                  <a:schemeClr val="tx1"/>
-                </a:solidFill>
-                <a:effectLst/>
-                <a:latin typeface="+mn-lt"/>
-                <a:ea typeface="+mn-ea"/>
-                <a:cs typeface="+mn-cs"/>
-              </a:rPr>
-              <a:t>drawbacks:</a:t>
+              <a:t>Two main drawbacks:</a:t>
             </a:r>
           </a:p>
           <a:p>
@@ -4096,19 +4000,7 @@
                 <a:ea typeface="+mn-ea"/>
                 <a:cs typeface="+mn-cs"/>
               </a:rPr>
-              <a:t>2) Credentials </a:t>
-            </a:r>
-            <a:r>
-              <a:rPr lang="en-US" sz="1200" kern="1200" dirty="0" smtClean="0">
-                <a:solidFill>
-                  <a:schemeClr val="tx1"/>
-                </a:solidFill>
-                <a:effectLst/>
-                <a:latin typeface="+mn-lt"/>
-                <a:ea typeface="+mn-ea"/>
-                <a:cs typeface="+mn-cs"/>
-              </a:rPr>
-              <a:t>passed on every request &amp; in the clear. </a:t>
+              <a:t>2) Credentials passed on every request &amp; in the clear. </a:t>
             </a:r>
           </a:p>
           <a:p>
@@ -4156,19 +4048,7 @@
                 <a:ea typeface="+mn-ea"/>
                 <a:cs typeface="+mn-cs"/>
               </a:rPr>
-              <a:t> as it travels over the </a:t>
-            </a:r>
-            <a:r>
-              <a:rPr lang="en-US" sz="1200" kern="1200" baseline="0" dirty="0" smtClean="0">
-                <a:solidFill>
-                  <a:schemeClr val="tx1"/>
-                </a:solidFill>
-                <a:effectLst/>
-                <a:latin typeface="+mn-lt"/>
-                <a:ea typeface="+mn-ea"/>
-                <a:cs typeface="+mn-cs"/>
-              </a:rPr>
-              <a:t>wire</a:t>
+              <a:t> as it travels over the wire</a:t>
             </a:r>
           </a:p>
           <a:p>
@@ -4385,19 +4265,7 @@
                 <a:ea typeface="+mn-ea"/>
                 <a:cs typeface="+mn-cs"/>
               </a:rPr>
-              <a:t>is another Internet standard </a:t>
-            </a:r>
-            <a:r>
-              <a:rPr lang="en-US" sz="1200" kern="1200" dirty="0" smtClean="0">
-                <a:solidFill>
-                  <a:schemeClr val="tx1"/>
-                </a:solidFill>
-                <a:effectLst/>
-                <a:latin typeface="+mn-lt"/>
-                <a:ea typeface="+mn-ea"/>
-                <a:cs typeface="+mn-cs"/>
-              </a:rPr>
-              <a:t>called Digest </a:t>
+              <a:t>is another Internet standard called Digest </a:t>
             </a:r>
             <a:r>
               <a:rPr lang="en-US" sz="1200" kern="1200" dirty="0" err="1" smtClean="0">
@@ -4532,19 +4400,7 @@
                 <a:ea typeface="+mn-ea"/>
                 <a:cs typeface="+mn-cs"/>
               </a:rPr>
-              <a:t>Client uses </a:t>
-            </a:r>
-            <a:r>
-              <a:rPr lang="en-US" sz="1200" kern="1200" dirty="0" smtClean="0">
-                <a:solidFill>
-                  <a:schemeClr val="tx1"/>
-                </a:solidFill>
-                <a:effectLst/>
-                <a:latin typeface="+mn-lt"/>
-                <a:ea typeface="+mn-ea"/>
-                <a:cs typeface="+mn-cs"/>
-              </a:rPr>
-              <a:t>nonce to create an MD5 hash of the username and password</a:t>
+              <a:t>Client uses nonce to create an MD5 hash of the username and password</a:t>
             </a:r>
           </a:p>
           <a:p>
@@ -4562,19 +4418,7 @@
                 <a:ea typeface="+mn-ea"/>
                 <a:cs typeface="+mn-cs"/>
               </a:rPr>
-              <a:t>Clients resubmits request, passing </a:t>
-            </a:r>
-            <a:r>
-              <a:rPr lang="en-US" sz="1200" kern="1200" dirty="0" smtClean="0">
-                <a:solidFill>
-                  <a:schemeClr val="tx1"/>
-                </a:solidFill>
-                <a:effectLst/>
-                <a:latin typeface="+mn-lt"/>
-                <a:ea typeface="+mn-ea"/>
-                <a:cs typeface="+mn-cs"/>
-              </a:rPr>
-              <a:t>username and nonce in clear text + hash</a:t>
+              <a:t>Clients resubmits request, passing username and nonce in clear text + hash</a:t>
             </a:r>
           </a:p>
           <a:p>
@@ -4822,19 +4666,7 @@
                 <a:ea typeface="+mn-ea"/>
                 <a:cs typeface="+mn-cs"/>
               </a:rPr>
-              <a:t> </a:t>
-            </a:r>
-            <a:r>
-              <a:rPr lang="en-US" sz="1200" kern="1200" dirty="0" smtClean="0">
-                <a:solidFill>
-                  <a:schemeClr val="tx1"/>
-                </a:solidFill>
-                <a:effectLst/>
-                <a:latin typeface="+mn-lt"/>
-                <a:ea typeface="+mn-ea"/>
-                <a:cs typeface="+mn-cs"/>
-              </a:rPr>
-              <a:t>it’s very easy to integrate</a:t>
+              <a:t> it’s very easy to integrate</a:t>
             </a:r>
             <a:r>
               <a:rPr lang="en-US" sz="1200" kern="1200" baseline="0" dirty="0" smtClean="0">
@@ -4997,19 +4829,7 @@
                 <a:ea typeface="+mn-ea"/>
                 <a:cs typeface="+mn-cs"/>
               </a:rPr>
-              <a:t>First, </a:t>
-            </a:r>
-            <a:r>
-              <a:rPr lang="en-US" sz="1200" kern="1200" dirty="0" smtClean="0">
-                <a:solidFill>
-                  <a:schemeClr val="tx1"/>
-                </a:solidFill>
-                <a:effectLst/>
-                <a:latin typeface="+mn-lt"/>
-                <a:ea typeface="+mn-ea"/>
-                <a:cs typeface="+mn-cs"/>
-              </a:rPr>
-              <a:t>it’s a little less efficient than Basic </a:t>
+              <a:t>First, it’s a little less efficient than Basic </a:t>
             </a:r>
             <a:r>
               <a:rPr lang="en-US" sz="1200" kern="1200" dirty="0" err="1" smtClean="0">
@@ -5081,19 +4901,7 @@
                 <a:ea typeface="+mn-ea"/>
                 <a:cs typeface="+mn-cs"/>
               </a:rPr>
-              <a:t>The main issue is that Digest </a:t>
-            </a:r>
-            <a:r>
-              <a:rPr lang="en-US" sz="1200" kern="1200" dirty="0" smtClean="0">
-                <a:solidFill>
-                  <a:schemeClr val="tx1"/>
-                </a:solidFill>
-                <a:effectLst/>
-                <a:latin typeface="+mn-lt"/>
-                <a:ea typeface="+mn-ea"/>
-                <a:cs typeface="+mn-cs"/>
-              </a:rPr>
-              <a:t>prevents use of strong password encryption in your user database. </a:t>
+              <a:t>The main issue is that Digest prevents use of strong password encryption in your user database. </a:t>
             </a:r>
           </a:p>
           <a:p>
@@ -5564,20 +5372,13 @@
                 <a:ea typeface="+mn-ea"/>
                 <a:cs typeface="+mn-cs"/>
               </a:rPr>
-              <a:t> </a:t>
-            </a:r>
-            <a:r>
-              <a:rPr lang="en-US" sz="1200" kern="1200" dirty="0" smtClean="0">
-                <a:solidFill>
-                  <a:schemeClr val="tx1"/>
-                </a:solidFill>
-                <a:effectLst/>
-                <a:latin typeface="+mn-lt"/>
-                <a:ea typeface="+mn-ea"/>
-                <a:cs typeface="+mn-cs"/>
-              </a:rPr>
-              <a:t>often used when you don’t want the API client to authenticate</a:t>
-            </a:r>
+              <a:t> Primary benefits are </a:t>
+            </a:r>
+          </a:p>
+          <a:p>
+            <a:pPr marL="228600" indent="-228600">
+              <a:buAutoNum type="arabicParenR"/>
+            </a:pPr>
             <a:r>
               <a:rPr lang="en-US" sz="1200" kern="1200" baseline="0" dirty="0" smtClean="0">
                 <a:solidFill>
@@ -5588,8 +5389,28 @@
                 <a:ea typeface="+mn-ea"/>
                 <a:cs typeface="+mn-cs"/>
               </a:rPr>
-              <a:t> with a primary account username and password.</a:t>
-            </a:r>
+              <a:t>Keeps the primary account credentials safe because they are never exposed to a client</a:t>
+            </a:r>
+          </a:p>
+          <a:p>
+            <a:pPr marL="228600" indent="-228600">
+              <a:buAutoNum type="arabicParenR"/>
+            </a:pPr>
+            <a:r>
+              <a:rPr lang="en-US" sz="1200" kern="1200" baseline="0" dirty="0" smtClean="0">
+                <a:solidFill>
+                  <a:schemeClr val="tx1"/>
+                </a:solidFill>
+                <a:effectLst/>
+                <a:latin typeface="+mn-lt"/>
+                <a:ea typeface="+mn-ea"/>
+                <a:cs typeface="+mn-cs"/>
+              </a:rPr>
+              <a:t>Allows each client to have its own unique key to the same account. You can decide to let one Twitter client post to your timeline while another can only read, and you can revoke either of those permissions without impacting the other client.</a:t>
+            </a:r>
+          </a:p>
+          <a:p>
+            <a:pPr lvl="0"/>
             <a:endParaRPr lang="en-US" sz="1200" kern="1200" dirty="0" smtClean="0">
               <a:solidFill>
                 <a:schemeClr val="tx1"/>
@@ -5612,19 +5433,7 @@
                 <a:ea typeface="+mn-ea"/>
                 <a:cs typeface="+mn-cs"/>
               </a:rPr>
-              <a:t>* </a:t>
-            </a:r>
-            <a:r>
-              <a:rPr lang="en-US" sz="1200" kern="1200" dirty="0" smtClean="0">
-                <a:solidFill>
-                  <a:schemeClr val="tx1"/>
-                </a:solidFill>
-                <a:effectLst/>
-                <a:latin typeface="+mn-lt"/>
-                <a:ea typeface="+mn-ea"/>
-                <a:cs typeface="+mn-cs"/>
-              </a:rPr>
-              <a:t>No</a:t>
+              <a:t>You’re replacing</a:t>
             </a:r>
             <a:r>
               <a:rPr lang="en-US" sz="1200" kern="1200" baseline="0" dirty="0" smtClean="0">
@@ -5636,7 +5445,7 @@
                 <a:ea typeface="+mn-ea"/>
                 <a:cs typeface="+mn-cs"/>
               </a:rPr>
-              <a:t> standard format. Usually GUID – </a:t>
+              <a:t> two pieces of info with one, so it needs to be </a:t>
             </a:r>
             <a:r>
               <a:rPr lang="en-US" sz="1200" b="1" kern="1200" baseline="0" dirty="0" smtClean="0">
@@ -5650,44 +5459,17 @@
               </a:rPr>
               <a:t>hard to brute force</a:t>
             </a:r>
-          </a:p>
-          <a:p>
-            <a:pPr lvl="0"/>
-            <a:r>
-              <a:rPr lang="en-US" sz="1200" kern="1200" dirty="0" smtClean="0">
-                <a:solidFill>
-                  <a:schemeClr val="tx1"/>
-                </a:solidFill>
-                <a:effectLst/>
-                <a:latin typeface="+mn-lt"/>
-                <a:ea typeface="+mn-ea"/>
-                <a:cs typeface="+mn-cs"/>
-              </a:rPr>
-              <a:t>* </a:t>
-            </a:r>
-            <a:r>
-              <a:rPr lang="en-US" sz="1200" kern="1200" dirty="0" smtClean="0">
-                <a:solidFill>
-                  <a:schemeClr val="tx1"/>
-                </a:solidFill>
-                <a:effectLst/>
-                <a:latin typeface="+mn-lt"/>
-                <a:ea typeface="+mn-ea"/>
-                <a:cs typeface="+mn-cs"/>
-              </a:rPr>
-              <a:t>Sometimes</a:t>
-            </a:r>
-            <a:r>
-              <a:rPr lang="en-US" sz="1200" kern="1200" baseline="0" dirty="0" smtClean="0">
-                <a:solidFill>
-                  <a:schemeClr val="tx1"/>
-                </a:solidFill>
-                <a:effectLst/>
-                <a:latin typeface="+mn-lt"/>
-                <a:ea typeface="+mn-ea"/>
-                <a:cs typeface="+mn-cs"/>
-              </a:rPr>
-              <a:t> the API key is just a pointer into an account, sometimes there are additional properties associated to the key itself – for example, you might have one API key for your Twitter account that lets one app post messages, and another key that lets a different app only read your messages</a:t>
+            <a:r>
+              <a:rPr lang="en-US" sz="1200" b="0" kern="1200" baseline="0" dirty="0" smtClean="0">
+                <a:solidFill>
+                  <a:schemeClr val="tx1"/>
+                </a:solidFill>
+                <a:effectLst/>
+                <a:latin typeface="+mn-lt"/>
+                <a:ea typeface="+mn-ea"/>
+                <a:cs typeface="+mn-cs"/>
+              </a:rPr>
+              <a:t> like a GUID</a:t>
             </a:r>
             <a:endParaRPr lang="en-US" sz="1200" kern="1200" dirty="0" smtClean="0">
               <a:solidFill>
@@ -5698,6 +5480,49 @@
               <a:ea typeface="+mn-ea"/>
               <a:cs typeface="+mn-cs"/>
             </a:endParaRPr>
+          </a:p>
+          <a:p>
+            <a:pPr lvl="0"/>
+            <a:endParaRPr lang="en-US" sz="1200" kern="1200" dirty="0" smtClean="0">
+              <a:solidFill>
+                <a:schemeClr val="tx1"/>
+              </a:solidFill>
+              <a:effectLst/>
+              <a:latin typeface="+mn-lt"/>
+              <a:ea typeface="+mn-ea"/>
+              <a:cs typeface="+mn-cs"/>
+            </a:endParaRPr>
+          </a:p>
+          <a:p>
+            <a:pPr marL="0" marR="0" lvl="0" indent="0" algn="l" defTabSz="914400" rtl="0" eaLnBrk="1" fontAlgn="auto" latinLnBrk="0" hangingPunct="1">
+              <a:lnSpc>
+                <a:spcPct val="100000"/>
+              </a:lnSpc>
+              <a:spcBef>
+                <a:spcPts val="0"/>
+              </a:spcBef>
+              <a:spcAft>
+                <a:spcPts val="0"/>
+              </a:spcAft>
+              <a:buClrTx/>
+              <a:buSzTx/>
+              <a:buFontTx/>
+              <a:buNone/>
+              <a:tabLst/>
+              <a:defRPr/>
+            </a:pPr>
+            <a:r>
+              <a:rPr lang="en-US" sz="1200" kern="1200" baseline="0" dirty="0" smtClean="0">
+                <a:solidFill>
+                  <a:schemeClr val="tx1"/>
+                </a:solidFill>
+                <a:effectLst/>
+                <a:latin typeface="+mn-lt"/>
+                <a:ea typeface="+mn-ea"/>
+                <a:cs typeface="+mn-cs"/>
+              </a:rPr>
+              <a:t>There are two different ways to use API keys for authentication.</a:t>
+            </a:r>
           </a:p>
           <a:p>
             <a:pPr lvl="0"/>
@@ -5806,13 +5631,56 @@
                 <a:ea typeface="+mn-ea"/>
                 <a:cs typeface="+mn-cs"/>
               </a:rPr>
-              <a:t>Benefits versus password-based authentication.</a:t>
-            </a:r>
-          </a:p>
-          <a:p>
-            <a:pPr marL="228600" indent="-228600">
-              <a:buAutoNum type="arabicParenR"/>
-            </a:pPr>
+              <a:t>Simplest </a:t>
+            </a:r>
+            <a:r>
+              <a:rPr lang="en-US" sz="1200" kern="1200" dirty="0" smtClean="0">
+                <a:solidFill>
+                  <a:schemeClr val="tx1"/>
+                </a:solidFill>
+                <a:effectLst/>
+                <a:latin typeface="+mn-lt"/>
+                <a:ea typeface="+mn-ea"/>
+                <a:cs typeface="+mn-cs"/>
+              </a:rPr>
+              <a:t>way </a:t>
+            </a:r>
+            <a:r>
+              <a:rPr lang="en-US" sz="1200" kern="1200" dirty="0" smtClean="0">
+                <a:solidFill>
+                  <a:schemeClr val="tx1"/>
+                </a:solidFill>
+                <a:effectLst/>
+                <a:latin typeface="+mn-lt"/>
+                <a:ea typeface="+mn-ea"/>
+                <a:cs typeface="+mn-cs"/>
+              </a:rPr>
+              <a:t>to use API keys is </a:t>
+            </a:r>
+            <a:r>
+              <a:rPr lang="en-US" sz="1200" kern="1200" dirty="0" smtClean="0">
+                <a:solidFill>
+                  <a:schemeClr val="tx1"/>
+                </a:solidFill>
+                <a:effectLst/>
+                <a:latin typeface="+mn-lt"/>
+                <a:ea typeface="+mn-ea"/>
+                <a:cs typeface="+mn-cs"/>
+              </a:rPr>
+              <a:t>to treat </a:t>
+            </a:r>
+            <a:r>
+              <a:rPr lang="en-US" sz="1200" kern="1200" dirty="0" smtClean="0">
+                <a:solidFill>
+                  <a:schemeClr val="tx1"/>
+                </a:solidFill>
+                <a:effectLst/>
+                <a:latin typeface="+mn-lt"/>
+                <a:ea typeface="+mn-ea"/>
+                <a:cs typeface="+mn-cs"/>
+              </a:rPr>
+              <a:t>them</a:t>
+            </a:r>
             <a:r>
               <a:rPr lang="en-US" sz="1200" kern="1200" baseline="0" dirty="0" smtClean="0">
                 <a:solidFill>
@@ -5823,72 +5691,73 @@
                 <a:ea typeface="+mn-ea"/>
                 <a:cs typeface="+mn-cs"/>
               </a:rPr>
-              <a:t>Not passing </a:t>
-            </a:r>
-            <a:r>
-              <a:rPr lang="en-US" sz="1200" kern="1200" dirty="0" smtClean="0">
-                <a:solidFill>
-                  <a:schemeClr val="tx1"/>
-                </a:solidFill>
-                <a:effectLst/>
-                <a:latin typeface="+mn-lt"/>
-                <a:ea typeface="+mn-ea"/>
-                <a:cs typeface="+mn-cs"/>
-              </a:rPr>
-              <a:t>actual passwords over the wire. Limits exposure</a:t>
-            </a:r>
-          </a:p>
-          <a:p>
-            <a:pPr marL="228600" indent="-228600">
-              <a:buAutoNum type="arabicParenR"/>
-            </a:pPr>
-            <a:r>
-              <a:rPr lang="en-US" sz="1200" kern="1200" dirty="0" smtClean="0">
-                <a:solidFill>
-                  <a:schemeClr val="tx1"/>
-                </a:solidFill>
-                <a:effectLst/>
-                <a:latin typeface="+mn-lt"/>
-                <a:ea typeface="+mn-ea"/>
-                <a:cs typeface="+mn-cs"/>
-              </a:rPr>
-              <a:t>Revocability.</a:t>
-            </a:r>
-          </a:p>
-          <a:p>
-            <a:pPr marL="228600" indent="-228600">
-              <a:buAutoNum type="arabicParenR"/>
-            </a:pPr>
-            <a:r>
-              <a:rPr lang="en-US" sz="1200" kern="1200" dirty="0" smtClean="0">
-                <a:solidFill>
-                  <a:schemeClr val="tx1"/>
-                </a:solidFill>
-                <a:effectLst/>
-                <a:latin typeface="+mn-lt"/>
-                <a:ea typeface="+mn-ea"/>
-                <a:cs typeface="+mn-cs"/>
-              </a:rPr>
-              <a:t>How you implement API keys is up</a:t>
-            </a:r>
-            <a:r>
-              <a:rPr lang="en-US" sz="1200" kern="1200" baseline="0" dirty="0" smtClean="0">
-                <a:solidFill>
-                  <a:schemeClr val="tx1"/>
-                </a:solidFill>
-                <a:effectLst/>
-                <a:latin typeface="+mn-lt"/>
-                <a:ea typeface="+mn-ea"/>
-                <a:cs typeface="+mn-cs"/>
-              </a:rPr>
-              <a:t> to you – not limited by built-in features.</a:t>
-            </a:r>
-          </a:p>
-          <a:p>
-            <a:pPr marL="228600" indent="-228600">
-              <a:buAutoNum type="arabicParenR"/>
-            </a:pPr>
-            <a:endParaRPr lang="en-US" sz="1200" kern="1200" baseline="0" dirty="0" smtClean="0">
+              <a:t> </a:t>
+            </a:r>
+            <a:r>
+              <a:rPr lang="en-US" sz="1200" kern="1200" dirty="0" smtClean="0">
+                <a:solidFill>
+                  <a:schemeClr val="tx1"/>
+                </a:solidFill>
+                <a:effectLst/>
+                <a:latin typeface="+mn-lt"/>
+                <a:ea typeface="+mn-ea"/>
+                <a:cs typeface="+mn-cs"/>
+              </a:rPr>
+              <a:t>like </a:t>
+            </a:r>
+            <a:r>
+              <a:rPr lang="en-US" sz="1200" kern="1200" dirty="0" smtClean="0">
+                <a:solidFill>
+                  <a:schemeClr val="tx1"/>
+                </a:solidFill>
+                <a:effectLst/>
+                <a:latin typeface="+mn-lt"/>
+                <a:ea typeface="+mn-ea"/>
+                <a:cs typeface="+mn-cs"/>
+              </a:rPr>
+              <a:t>a password &amp; pass with each request, in plain text</a:t>
+            </a:r>
+          </a:p>
+          <a:p>
+            <a:r>
+              <a:rPr lang="en-US" sz="1200" kern="1200" dirty="0" smtClean="0">
+                <a:solidFill>
+                  <a:schemeClr val="tx1"/>
+                </a:solidFill>
+                <a:effectLst/>
+                <a:latin typeface="+mn-lt"/>
+                <a:ea typeface="+mn-ea"/>
+                <a:cs typeface="+mn-cs"/>
+              </a:rPr>
+              <a:t>* Analogous to Basic </a:t>
+            </a:r>
+            <a:r>
+              <a:rPr lang="en-US" sz="1200" kern="1200" dirty="0" err="1" smtClean="0">
+                <a:solidFill>
+                  <a:schemeClr val="tx1"/>
+                </a:solidFill>
+                <a:effectLst/>
+                <a:latin typeface="+mn-lt"/>
+                <a:ea typeface="+mn-ea"/>
+                <a:cs typeface="+mn-cs"/>
+              </a:rPr>
+              <a:t>Auth</a:t>
+            </a:r>
+            <a:r>
+              <a:rPr lang="en-US" sz="1200" kern="1200" dirty="0" smtClean="0">
+                <a:solidFill>
+                  <a:schemeClr val="tx1"/>
+                </a:solidFill>
+                <a:effectLst/>
+                <a:latin typeface="+mn-lt"/>
+                <a:ea typeface="+mn-ea"/>
+                <a:cs typeface="+mn-cs"/>
+              </a:rPr>
+              <a:t> – requires TLS</a:t>
+            </a:r>
+          </a:p>
+          <a:p>
+            <a:endParaRPr lang="en-US" sz="1200" kern="1200" dirty="0" smtClean="0">
               <a:solidFill>
                 <a:schemeClr val="tx1"/>
               </a:solidFill>
@@ -5898,6 +5767,98 @@
               <a:cs typeface="+mn-cs"/>
             </a:endParaRPr>
           </a:p>
+          <a:p>
+            <a:r>
+              <a:rPr lang="en-US" sz="1200" kern="1200" dirty="0" smtClean="0">
+                <a:solidFill>
+                  <a:schemeClr val="tx1"/>
+                </a:solidFill>
+                <a:effectLst/>
+                <a:latin typeface="+mn-lt"/>
+                <a:ea typeface="+mn-ea"/>
+                <a:cs typeface="+mn-cs"/>
+              </a:rPr>
+              <a:t>You can pass the API Key in either the querystring or an HTTP header. </a:t>
+            </a:r>
+          </a:p>
+          <a:p>
+            <a:pPr marL="171450" indent="-171450">
+              <a:buFont typeface="Arial" panose="020B0604020202020204" pitchFamily="34" charset="0"/>
+              <a:buChar char="•"/>
+            </a:pPr>
+            <a:r>
+              <a:rPr lang="en-US" sz="1200" kern="1200" dirty="0" smtClean="0">
+                <a:solidFill>
+                  <a:schemeClr val="tx1"/>
+                </a:solidFill>
+                <a:effectLst/>
+                <a:latin typeface="+mn-lt"/>
+                <a:ea typeface="+mn-ea"/>
+                <a:cs typeface="+mn-cs"/>
+              </a:rPr>
+              <a:t>querystring really easy to do - ideal for scripting scenarios</a:t>
+            </a:r>
+          </a:p>
+          <a:p>
+            <a:pPr marL="171450" indent="-171450">
+              <a:buFont typeface="Arial" panose="020B0604020202020204" pitchFamily="34" charset="0"/>
+              <a:buChar char="•"/>
+            </a:pPr>
+            <a:r>
+              <a:rPr lang="en-US" sz="1200" kern="1200" dirty="0" smtClean="0">
+                <a:solidFill>
+                  <a:schemeClr val="tx1"/>
+                </a:solidFill>
+                <a:effectLst/>
+                <a:latin typeface="+mn-lt"/>
+                <a:ea typeface="+mn-ea"/>
+                <a:cs typeface="+mn-cs"/>
+              </a:rPr>
+              <a:t>Header</a:t>
+            </a:r>
+            <a:r>
+              <a:rPr lang="en-US" sz="1200" kern="1200" baseline="0" dirty="0" smtClean="0">
+                <a:solidFill>
+                  <a:schemeClr val="tx1"/>
+                </a:solidFill>
+                <a:effectLst/>
+                <a:latin typeface="+mn-lt"/>
+                <a:ea typeface="+mn-ea"/>
+                <a:cs typeface="+mn-cs"/>
+              </a:rPr>
+              <a:t> is more secure – not in log files</a:t>
+            </a:r>
+          </a:p>
+          <a:p>
+            <a:pPr marL="171450" indent="-171450">
+              <a:buFont typeface="Arial" panose="020B0604020202020204" pitchFamily="34" charset="0"/>
+              <a:buChar char="•"/>
+            </a:pPr>
+            <a:r>
+              <a:rPr lang="en-US" sz="1200" kern="1200" baseline="0" dirty="0" smtClean="0">
+                <a:solidFill>
+                  <a:schemeClr val="tx1"/>
+                </a:solidFill>
+                <a:effectLst/>
+                <a:latin typeface="+mn-lt"/>
+                <a:ea typeface="+mn-ea"/>
+                <a:cs typeface="+mn-cs"/>
+              </a:rPr>
+              <a:t>Header can’t be leaked via copy/paste</a:t>
+            </a:r>
+            <a:endParaRPr lang="en-US" sz="1200" kern="1200" dirty="0" smtClean="0">
+              <a:solidFill>
+                <a:schemeClr val="tx1"/>
+              </a:solidFill>
+              <a:effectLst/>
+              <a:latin typeface="+mn-lt"/>
+              <a:ea typeface="+mn-ea"/>
+              <a:cs typeface="+mn-cs"/>
+            </a:endParaRPr>
+          </a:p>
+          <a:p>
+            <a:endParaRPr lang="en-US" dirty="0" smtClean="0"/>
+          </a:p>
         </p:txBody>
       </p:sp>
       <p:sp>
@@ -5926,7 +5887,7 @@
     </p:spTree>
     <p:extLst>
       <p:ext uri="{BB962C8B-B14F-4D97-AF65-F5344CB8AC3E}">
-        <p14:creationId xmlns:p14="http://schemas.microsoft.com/office/powerpoint/2010/main" val="1760718919"/>
+        <p14:creationId xmlns:p14="http://schemas.microsoft.com/office/powerpoint/2010/main" val="455136538"/>
       </p:ext>
     </p:extLst>
   </p:cSld>
@@ -6422,24 +6383,204 @@
           <a:bodyPr/>
           <a:lstStyle/>
           <a:p>
-            <a:pPr marL="0" marR="0" indent="0" algn="l" defTabSz="914400" rtl="0" eaLnBrk="1" fontAlgn="auto" latinLnBrk="0" hangingPunct="1">
-              <a:lnSpc>
-                <a:spcPct val="100000"/>
-              </a:lnSpc>
-              <a:spcBef>
-                <a:spcPts val="0"/>
-              </a:spcBef>
-              <a:spcAft>
-                <a:spcPts val="0"/>
-              </a:spcAft>
-              <a:buClrTx/>
-              <a:buSzTx/>
-              <a:buFontTx/>
-              <a:buNone/>
-              <a:tabLst/>
-              <a:defRPr/>
+            <a:r>
+              <a:rPr lang="en-US" sz="1200" kern="1200" dirty="0" smtClean="0">
+                <a:solidFill>
+                  <a:schemeClr val="tx1"/>
+                </a:solidFill>
+                <a:effectLst/>
+                <a:latin typeface="+mn-lt"/>
+                <a:ea typeface="+mn-ea"/>
+                <a:cs typeface="+mn-cs"/>
+              </a:rPr>
+              <a:t>Using keys like this makes them “bearer tokens”, which is basically a password</a:t>
+            </a:r>
+            <a:r>
+              <a:rPr lang="en-US" sz="1200" kern="1200" baseline="0" dirty="0" smtClean="0">
+                <a:solidFill>
+                  <a:schemeClr val="tx1"/>
+                </a:solidFill>
+                <a:effectLst/>
+                <a:latin typeface="+mn-lt"/>
+                <a:ea typeface="+mn-ea"/>
+                <a:cs typeface="+mn-cs"/>
+              </a:rPr>
+              <a:t>. Whomever possesses the token may use it for authorization</a:t>
+            </a:r>
+          </a:p>
+          <a:p>
+            <a:endParaRPr lang="en-US" sz="1200" kern="1200" baseline="0" dirty="0" smtClean="0">
+              <a:solidFill>
+                <a:schemeClr val="tx1"/>
+              </a:solidFill>
+              <a:effectLst/>
+              <a:latin typeface="+mn-lt"/>
+              <a:ea typeface="+mn-ea"/>
+              <a:cs typeface="+mn-cs"/>
+            </a:endParaRPr>
+          </a:p>
+          <a:p>
+            <a:r>
+              <a:rPr lang="en-US" sz="1200" kern="1200" baseline="0" dirty="0" smtClean="0">
+                <a:solidFill>
+                  <a:schemeClr val="tx1"/>
+                </a:solidFill>
+                <a:effectLst/>
+                <a:latin typeface="+mn-lt"/>
+                <a:ea typeface="+mn-ea"/>
+                <a:cs typeface="+mn-cs"/>
+              </a:rPr>
+              <a:t>This means you </a:t>
+            </a:r>
+            <a:r>
+              <a:rPr lang="en-US" sz="1200" b="1" kern="1200" baseline="0" dirty="0" smtClean="0">
+                <a:solidFill>
+                  <a:schemeClr val="tx1"/>
+                </a:solidFill>
+                <a:effectLst/>
+                <a:latin typeface="+mn-lt"/>
+                <a:ea typeface="+mn-ea"/>
+                <a:cs typeface="+mn-cs"/>
+              </a:rPr>
+              <a:t>MUST use TLS</a:t>
+            </a:r>
+            <a:r>
+              <a:rPr lang="en-US" sz="1200" kern="1200" baseline="0" dirty="0" smtClean="0">
+                <a:solidFill>
+                  <a:schemeClr val="tx1"/>
+                </a:solidFill>
+                <a:effectLst/>
+                <a:latin typeface="+mn-lt"/>
+                <a:ea typeface="+mn-ea"/>
+                <a:cs typeface="+mn-cs"/>
+              </a:rPr>
+              <a:t> on all requests, to keep the keys safe in transit. Only as secure as TLS </a:t>
+            </a:r>
+            <a:r>
+              <a:rPr lang="en-US" sz="1200" kern="1200" baseline="0" dirty="0" err="1" smtClean="0">
+                <a:solidFill>
+                  <a:schemeClr val="tx1"/>
+                </a:solidFill>
+                <a:effectLst/>
+                <a:latin typeface="+mn-lt"/>
+                <a:ea typeface="+mn-ea"/>
+                <a:cs typeface="+mn-cs"/>
+              </a:rPr>
+              <a:t>impl</a:t>
+            </a:r>
+            <a:endParaRPr lang="en-US" sz="1200" kern="1200" baseline="0" dirty="0" smtClean="0">
+              <a:solidFill>
+                <a:schemeClr val="tx1"/>
+              </a:solidFill>
+              <a:effectLst/>
+              <a:latin typeface="+mn-lt"/>
+              <a:ea typeface="+mn-ea"/>
+              <a:cs typeface="+mn-cs"/>
+            </a:endParaRPr>
+          </a:p>
+          <a:p>
+            <a:endParaRPr lang="en-US" sz="1200" kern="1200" baseline="0" dirty="0" smtClean="0">
+              <a:solidFill>
+                <a:schemeClr val="tx1"/>
+              </a:solidFill>
+              <a:effectLst/>
+              <a:latin typeface="+mn-lt"/>
+              <a:ea typeface="+mn-ea"/>
+              <a:cs typeface="+mn-cs"/>
+            </a:endParaRPr>
+          </a:p>
+          <a:p>
+            <a:r>
+              <a:rPr lang="en-US" sz="1200" kern="1200" dirty="0" smtClean="0">
+                <a:solidFill>
+                  <a:schemeClr val="tx1"/>
+                </a:solidFill>
+                <a:effectLst/>
+                <a:latin typeface="+mn-lt"/>
+                <a:ea typeface="+mn-ea"/>
+                <a:cs typeface="+mn-cs"/>
+              </a:rPr>
+              <a:t>SHOULD encrypt </a:t>
+            </a:r>
+            <a:r>
+              <a:rPr lang="en-US" sz="1200" kern="1200" baseline="0" dirty="0" smtClean="0">
+                <a:solidFill>
+                  <a:schemeClr val="tx1"/>
+                </a:solidFill>
+                <a:effectLst/>
+                <a:latin typeface="+mn-lt"/>
+                <a:ea typeface="+mn-ea"/>
+                <a:cs typeface="+mn-cs"/>
+              </a:rPr>
+              <a:t>API keys in your database</a:t>
+            </a:r>
+            <a:r>
+              <a:rPr lang="en-US" sz="1200" kern="1200" dirty="0" smtClean="0">
+                <a:solidFill>
+                  <a:schemeClr val="tx1"/>
+                </a:solidFill>
+                <a:effectLst/>
+                <a:latin typeface="+mn-lt"/>
+                <a:ea typeface="+mn-ea"/>
+                <a:cs typeface="+mn-cs"/>
+              </a:rPr>
+              <a:t>, just like passwords. </a:t>
+            </a:r>
+          </a:p>
+          <a:p>
+            <a:pPr marL="171450" indent="-171450">
+              <a:buFont typeface="Arial" panose="020B0604020202020204" pitchFamily="34" charset="0"/>
+              <a:buChar char="•"/>
             </a:pPr>
             <a:r>
+              <a:rPr lang="en-US" sz="1200" kern="1200" dirty="0" smtClean="0">
+                <a:solidFill>
+                  <a:schemeClr val="tx1"/>
+                </a:solidFill>
+                <a:effectLst/>
+                <a:latin typeface="+mn-lt"/>
+                <a:ea typeface="+mn-ea"/>
+                <a:cs typeface="+mn-cs"/>
+              </a:rPr>
+              <a:t>If store as text, and DB is compromised, users get impersonated</a:t>
+            </a:r>
+          </a:p>
+          <a:p>
+            <a:pPr marL="171450" indent="-171450">
+              <a:buFont typeface="Arial" panose="020B0604020202020204" pitchFamily="34" charset="0"/>
+              <a:buChar char="•"/>
+            </a:pPr>
+            <a:r>
+              <a:rPr lang="en-US" sz="1200" kern="1200" dirty="0" smtClean="0">
+                <a:solidFill>
+                  <a:schemeClr val="tx1"/>
+                </a:solidFill>
+                <a:effectLst/>
+                <a:latin typeface="+mn-lt"/>
+                <a:ea typeface="+mn-ea"/>
+                <a:cs typeface="+mn-cs"/>
+              </a:rPr>
+              <a:t>That’s what happened w/ Buffer</a:t>
+            </a:r>
+          </a:p>
+          <a:p>
+            <a:pPr marL="171450" indent="-171450">
+              <a:buFont typeface="Arial" panose="020B0604020202020204" pitchFamily="34" charset="0"/>
+              <a:buChar char="•"/>
+            </a:pPr>
+            <a:r>
+              <a:rPr lang="en-US" sz="1200" kern="1200" dirty="0" smtClean="0">
+                <a:solidFill>
+                  <a:schemeClr val="tx1"/>
+                </a:solidFill>
+                <a:effectLst/>
+                <a:latin typeface="+mn-lt"/>
+                <a:ea typeface="+mn-ea"/>
+                <a:cs typeface="+mn-cs"/>
+              </a:rPr>
+              <a:t>Can’t show users a list of their keys.</a:t>
+            </a:r>
+            <a:r>
               <a:rPr lang="en-US" sz="1200" kern="1200" baseline="0" dirty="0" smtClean="0">
                 <a:solidFill>
                   <a:schemeClr val="tx1"/>
@@ -6449,10 +6590,56 @@
                 <a:ea typeface="+mn-ea"/>
                 <a:cs typeface="+mn-cs"/>
               </a:rPr>
-              <a:t>There are two different ways to use API keys for authentication.</a:t>
-            </a:r>
-          </a:p>
-          <a:p>
+              <a:t> </a:t>
+            </a:r>
+            <a:r>
+              <a:rPr lang="en-US" sz="1200" b="1" kern="1200" baseline="0" dirty="0" smtClean="0">
+                <a:solidFill>
+                  <a:schemeClr val="tx1"/>
+                </a:solidFill>
+                <a:effectLst/>
+                <a:latin typeface="+mn-lt"/>
+                <a:ea typeface="+mn-ea"/>
+                <a:cs typeface="+mn-cs"/>
+              </a:rPr>
+              <a:t>AWS</a:t>
+            </a:r>
+            <a:r>
+              <a:rPr lang="en-US" sz="1200" b="0" kern="1200" baseline="0" dirty="0" smtClean="0">
+                <a:solidFill>
+                  <a:schemeClr val="tx1"/>
+                </a:solidFill>
+                <a:effectLst/>
+                <a:latin typeface="+mn-lt"/>
+                <a:ea typeface="+mn-ea"/>
+                <a:cs typeface="+mn-cs"/>
+              </a:rPr>
+              <a:t> and </a:t>
+            </a:r>
+            <a:r>
+              <a:rPr lang="en-US" sz="1200" b="1" kern="1200" baseline="0" dirty="0" smtClean="0">
+                <a:solidFill>
+                  <a:schemeClr val="tx1"/>
+                </a:solidFill>
+                <a:effectLst/>
+                <a:latin typeface="+mn-lt"/>
+                <a:ea typeface="+mn-ea"/>
+                <a:cs typeface="+mn-cs"/>
+              </a:rPr>
+              <a:t>Octopus Deploy</a:t>
+            </a:r>
+            <a:r>
+              <a:rPr lang="en-US" sz="1200" b="0" kern="1200" baseline="0" dirty="0" smtClean="0">
+                <a:solidFill>
+                  <a:schemeClr val="tx1"/>
+                </a:solidFill>
+                <a:effectLst/>
+                <a:latin typeface="+mn-lt"/>
+                <a:ea typeface="+mn-ea"/>
+                <a:cs typeface="+mn-cs"/>
+              </a:rPr>
+              <a:t> let you associate human readable name</a:t>
+            </a:r>
             <a:endParaRPr lang="en-US" sz="1200" kern="1200" dirty="0" smtClean="0">
               <a:solidFill>
                 <a:schemeClr val="tx1"/>
@@ -6464,158 +6651,6 @@
             </a:endParaRPr>
           </a:p>
           <a:p>
-            <a:r>
-              <a:rPr lang="en-US" sz="1200" kern="1200" dirty="0" smtClean="0">
-                <a:solidFill>
-                  <a:schemeClr val="tx1"/>
-                </a:solidFill>
-                <a:effectLst/>
-                <a:latin typeface="+mn-lt"/>
-                <a:ea typeface="+mn-ea"/>
-                <a:cs typeface="+mn-cs"/>
-              </a:rPr>
-              <a:t>Simplest way is to treat like a password &amp; pass with each request, in plain text</a:t>
-            </a:r>
-          </a:p>
-          <a:p>
-            <a:r>
-              <a:rPr lang="en-US" sz="1200" kern="1200" dirty="0" smtClean="0">
-                <a:solidFill>
-                  <a:schemeClr val="tx1"/>
-                </a:solidFill>
-                <a:effectLst/>
-                <a:latin typeface="+mn-lt"/>
-                <a:ea typeface="+mn-ea"/>
-                <a:cs typeface="+mn-cs"/>
-              </a:rPr>
-              <a:t>* Analogous to Basic </a:t>
-            </a:r>
-            <a:r>
-              <a:rPr lang="en-US" sz="1200" kern="1200" dirty="0" err="1" smtClean="0">
-                <a:solidFill>
-                  <a:schemeClr val="tx1"/>
-                </a:solidFill>
-                <a:effectLst/>
-                <a:latin typeface="+mn-lt"/>
-                <a:ea typeface="+mn-ea"/>
-                <a:cs typeface="+mn-cs"/>
-              </a:rPr>
-              <a:t>Auth</a:t>
-            </a:r>
-            <a:r>
-              <a:rPr lang="en-US" sz="1200" kern="1200" dirty="0" smtClean="0">
-                <a:solidFill>
-                  <a:schemeClr val="tx1"/>
-                </a:solidFill>
-                <a:effectLst/>
-                <a:latin typeface="+mn-lt"/>
-                <a:ea typeface="+mn-ea"/>
-                <a:cs typeface="+mn-cs"/>
-              </a:rPr>
-              <a:t> – requires TLS</a:t>
-            </a:r>
-          </a:p>
-          <a:p>
-            <a:endParaRPr lang="en-US" sz="1200" kern="1200" dirty="0" smtClean="0">
-              <a:solidFill>
-                <a:schemeClr val="tx1"/>
-              </a:solidFill>
-              <a:effectLst/>
-              <a:latin typeface="+mn-lt"/>
-              <a:ea typeface="+mn-ea"/>
-              <a:cs typeface="+mn-cs"/>
-            </a:endParaRPr>
-          </a:p>
-          <a:p>
-            <a:r>
-              <a:rPr lang="en-US" sz="1200" kern="1200" dirty="0" smtClean="0">
-                <a:solidFill>
-                  <a:schemeClr val="tx1"/>
-                </a:solidFill>
-                <a:effectLst/>
-                <a:latin typeface="+mn-lt"/>
-                <a:ea typeface="+mn-ea"/>
-                <a:cs typeface="+mn-cs"/>
-              </a:rPr>
-              <a:t>You can pass the API Key in either the querystring or an HTTP header. </a:t>
-            </a:r>
-          </a:p>
-          <a:p>
-            <a:pPr marL="171450" indent="-171450">
-              <a:buFont typeface="Arial" panose="020B0604020202020204" pitchFamily="34" charset="0"/>
-              <a:buChar char="•"/>
-            </a:pPr>
-            <a:r>
-              <a:rPr lang="en-US" sz="1200" kern="1200" dirty="0" smtClean="0">
-                <a:solidFill>
-                  <a:schemeClr val="tx1"/>
-                </a:solidFill>
-                <a:effectLst/>
-                <a:latin typeface="+mn-lt"/>
-                <a:ea typeface="+mn-ea"/>
-                <a:cs typeface="+mn-cs"/>
-              </a:rPr>
-              <a:t>querystring really easy to do - ideal for scripting scenarios</a:t>
-            </a:r>
-          </a:p>
-          <a:p>
-            <a:pPr marL="171450" indent="-171450">
-              <a:buFont typeface="Arial" panose="020B0604020202020204" pitchFamily="34" charset="0"/>
-              <a:buChar char="•"/>
-            </a:pPr>
-            <a:r>
-              <a:rPr lang="en-US" sz="1200" kern="1200" dirty="0" smtClean="0">
-                <a:solidFill>
-                  <a:schemeClr val="tx1"/>
-                </a:solidFill>
-                <a:effectLst/>
-                <a:latin typeface="+mn-lt"/>
-                <a:ea typeface="+mn-ea"/>
-                <a:cs typeface="+mn-cs"/>
-              </a:rPr>
-              <a:t>Header</a:t>
-            </a:r>
-            <a:r>
-              <a:rPr lang="en-US" sz="1200" kern="1200" baseline="0" dirty="0" smtClean="0">
-                <a:solidFill>
-                  <a:schemeClr val="tx1"/>
-                </a:solidFill>
-                <a:effectLst/>
-                <a:latin typeface="+mn-lt"/>
-                <a:ea typeface="+mn-ea"/>
-                <a:cs typeface="+mn-cs"/>
-              </a:rPr>
-              <a:t> is more secure – not in log files</a:t>
-            </a:r>
-          </a:p>
-          <a:p>
-            <a:pPr marL="171450" indent="-171450">
-              <a:buFont typeface="Arial" panose="020B0604020202020204" pitchFamily="34" charset="0"/>
-              <a:buChar char="•"/>
-            </a:pPr>
-            <a:r>
-              <a:rPr lang="en-US" sz="1200" kern="1200" baseline="0" dirty="0" smtClean="0">
-                <a:solidFill>
-                  <a:schemeClr val="tx1"/>
-                </a:solidFill>
-                <a:effectLst/>
-                <a:latin typeface="+mn-lt"/>
-                <a:ea typeface="+mn-ea"/>
-                <a:cs typeface="+mn-cs"/>
-              </a:rPr>
-              <a:t>Header can’t be leaked via copy/paste</a:t>
-            </a:r>
-            <a:endParaRPr lang="en-US" sz="1200" kern="1200" dirty="0" smtClean="0">
-              <a:solidFill>
-                <a:schemeClr val="tx1"/>
-              </a:solidFill>
-              <a:effectLst/>
-              <a:latin typeface="+mn-lt"/>
-              <a:ea typeface="+mn-ea"/>
-              <a:cs typeface="+mn-cs"/>
-            </a:endParaRPr>
-          </a:p>
-          <a:p>
             <a:endParaRPr lang="en-US" dirty="0" smtClean="0"/>
           </a:p>
         </p:txBody>
@@ -6646,7 +6681,7 @@
     </p:spTree>
     <p:extLst>
       <p:ext uri="{BB962C8B-B14F-4D97-AF65-F5344CB8AC3E}">
-        <p14:creationId xmlns:p14="http://schemas.microsoft.com/office/powerpoint/2010/main" val="455136538"/>
+        <p14:creationId xmlns:p14="http://schemas.microsoft.com/office/powerpoint/2010/main" val="1638783605"/>
       </p:ext>
     </p:extLst>
   </p:cSld>
@@ -6710,7 +6745,7 @@
                 <a:ea typeface="+mn-ea"/>
                 <a:cs typeface="+mn-cs"/>
               </a:rPr>
-              <a:t>Using keys like this makes them “bearer tokens”, which is basically a password</a:t>
+              <a:t>The other way to use API Keys is to use them</a:t>
             </a:r>
             <a:r>
               <a:rPr lang="en-US" sz="1200" kern="1200" baseline="0" dirty="0" smtClean="0">
@@ -6722,10 +6757,192 @@
                 <a:ea typeface="+mn-ea"/>
                 <a:cs typeface="+mn-cs"/>
               </a:rPr>
-              <a:t>. Whomever possesses the token may use it for authorization</a:t>
-            </a:r>
-          </a:p>
-          <a:p>
+              <a:t> as a cryptographic key, and </a:t>
+            </a:r>
+            <a:r>
+              <a:rPr lang="en-US" sz="1200" kern="1200" dirty="0" smtClean="0">
+                <a:solidFill>
+                  <a:schemeClr val="tx1"/>
+                </a:solidFill>
+                <a:effectLst/>
+                <a:latin typeface="+mn-lt"/>
+                <a:ea typeface="+mn-ea"/>
+                <a:cs typeface="+mn-cs"/>
+              </a:rPr>
+              <a:t>digitally sign the HTTP request.</a:t>
+            </a:r>
+          </a:p>
+          <a:p>
+            <a:endParaRPr lang="en-US" sz="1200" kern="1200" dirty="0" smtClean="0">
+              <a:solidFill>
+                <a:schemeClr val="tx1"/>
+              </a:solidFill>
+              <a:effectLst/>
+              <a:latin typeface="+mn-lt"/>
+              <a:ea typeface="+mn-ea"/>
+              <a:cs typeface="+mn-cs"/>
+            </a:endParaRPr>
+          </a:p>
+          <a:p>
+            <a:r>
+              <a:rPr lang="en-US" sz="1200" kern="1200" dirty="0" smtClean="0">
+                <a:solidFill>
+                  <a:schemeClr val="tx1"/>
+                </a:solidFill>
+                <a:effectLst/>
+                <a:latin typeface="+mn-lt"/>
+                <a:ea typeface="+mn-ea"/>
+                <a:cs typeface="+mn-cs"/>
+              </a:rPr>
+              <a:t>Just like we saw with Digest </a:t>
+            </a:r>
+            <a:r>
+              <a:rPr lang="en-US" sz="1200" kern="1200" dirty="0" err="1" smtClean="0">
+                <a:solidFill>
+                  <a:schemeClr val="tx1"/>
+                </a:solidFill>
+                <a:effectLst/>
+                <a:latin typeface="+mn-lt"/>
+                <a:ea typeface="+mn-ea"/>
+                <a:cs typeface="+mn-cs"/>
+              </a:rPr>
+              <a:t>Auth</a:t>
+            </a:r>
+            <a:r>
+              <a:rPr lang="en-US" sz="1200" kern="1200" dirty="0" smtClean="0">
+                <a:solidFill>
+                  <a:schemeClr val="tx1"/>
+                </a:solidFill>
+                <a:effectLst/>
+                <a:latin typeface="+mn-lt"/>
+                <a:ea typeface="+mn-ea"/>
+                <a:cs typeface="+mn-cs"/>
+              </a:rPr>
+              <a:t>, the idea behind “signing” a request is</a:t>
+            </a:r>
+          </a:p>
+          <a:p>
+            <a:pPr marL="171450" indent="-171450">
+              <a:buFont typeface="Arial" panose="020B0604020202020204" pitchFamily="34" charset="0"/>
+              <a:buChar char="•"/>
+            </a:pPr>
+            <a:r>
+              <a:rPr lang="en-US" sz="1200" kern="1200" dirty="0" smtClean="0">
+                <a:solidFill>
+                  <a:schemeClr val="tx1"/>
+                </a:solidFill>
+                <a:effectLst/>
+                <a:latin typeface="+mn-lt"/>
+                <a:ea typeface="+mn-ea"/>
+                <a:cs typeface="+mn-cs"/>
+              </a:rPr>
+              <a:t>Server and client both know some secret value</a:t>
+            </a:r>
+          </a:p>
+          <a:p>
+            <a:pPr marL="171450" indent="-171450">
+              <a:buFont typeface="Arial" panose="020B0604020202020204" pitchFamily="34" charset="0"/>
+              <a:buChar char="•"/>
+            </a:pPr>
+            <a:r>
+              <a:rPr lang="en-US" sz="1200" kern="1200" dirty="0" smtClean="0">
+                <a:solidFill>
+                  <a:schemeClr val="tx1"/>
+                </a:solidFill>
+                <a:effectLst/>
+                <a:latin typeface="+mn-lt"/>
+                <a:ea typeface="+mn-ea"/>
+                <a:cs typeface="+mn-cs"/>
+              </a:rPr>
+              <a:t>Client uses</a:t>
+            </a:r>
+            <a:r>
+              <a:rPr lang="en-US" sz="1200" kern="1200" baseline="0" dirty="0" smtClean="0">
+                <a:solidFill>
+                  <a:schemeClr val="tx1"/>
+                </a:solidFill>
+                <a:effectLst/>
+                <a:latin typeface="+mn-lt"/>
+                <a:ea typeface="+mn-ea"/>
+                <a:cs typeface="+mn-cs"/>
+              </a:rPr>
+              <a:t> the secret to create a hash</a:t>
+            </a:r>
+            <a:endParaRPr lang="en-US" sz="1200" kern="1200" dirty="0" smtClean="0">
+              <a:solidFill>
+                <a:schemeClr val="tx1"/>
+              </a:solidFill>
+              <a:effectLst/>
+              <a:latin typeface="+mn-lt"/>
+              <a:ea typeface="+mn-ea"/>
+              <a:cs typeface="+mn-cs"/>
+            </a:endParaRPr>
+          </a:p>
+          <a:p>
+            <a:pPr marL="171450" indent="-171450">
+              <a:buFont typeface="Arial" panose="020B0604020202020204" pitchFamily="34" charset="0"/>
+              <a:buChar char="•"/>
+            </a:pPr>
+            <a:r>
+              <a:rPr lang="en-US" sz="1200" kern="1200" dirty="0" smtClean="0">
+                <a:solidFill>
+                  <a:schemeClr val="tx1"/>
+                </a:solidFill>
+                <a:effectLst/>
+                <a:latin typeface="+mn-lt"/>
+                <a:ea typeface="+mn-ea"/>
+                <a:cs typeface="+mn-cs"/>
+              </a:rPr>
+              <a:t>Server uses the secret to </a:t>
+            </a:r>
+            <a:r>
+              <a:rPr lang="en-US" sz="1200" i="1" kern="1200" dirty="0" smtClean="0">
+                <a:solidFill>
+                  <a:schemeClr val="tx1"/>
+                </a:solidFill>
+                <a:effectLst/>
+                <a:latin typeface="+mn-lt"/>
+                <a:ea typeface="+mn-ea"/>
+                <a:cs typeface="+mn-cs"/>
+              </a:rPr>
+              <a:t>verify </a:t>
+            </a:r>
+            <a:r>
+              <a:rPr lang="en-US" sz="1200" i="0" kern="1200" dirty="0" smtClean="0">
+                <a:solidFill>
+                  <a:schemeClr val="tx1"/>
+                </a:solidFill>
+                <a:effectLst/>
+                <a:latin typeface="+mn-lt"/>
+                <a:ea typeface="+mn-ea"/>
+                <a:cs typeface="+mn-cs"/>
+              </a:rPr>
+              <a:t>the hash</a:t>
+            </a:r>
+          </a:p>
+          <a:p>
+            <a:pPr marL="171450" indent="-171450">
+              <a:buFont typeface="Arial" panose="020B0604020202020204" pitchFamily="34" charset="0"/>
+              <a:buChar char="•"/>
+            </a:pPr>
+            <a:r>
+              <a:rPr lang="en-US" sz="1200" i="0" kern="1200" baseline="0" dirty="0" smtClean="0">
+                <a:solidFill>
+                  <a:schemeClr val="tx1"/>
+                </a:solidFill>
+                <a:effectLst/>
+                <a:latin typeface="+mn-lt"/>
+                <a:ea typeface="+mn-ea"/>
+                <a:cs typeface="+mn-cs"/>
+              </a:rPr>
+              <a:t>The secret itself is never transmitted, so does not require TLS</a:t>
+            </a:r>
+          </a:p>
+          <a:p>
+            <a:pPr marL="171450" indent="-171450">
+              <a:buFont typeface="Arial" panose="020B0604020202020204" pitchFamily="34" charset="0"/>
+              <a:buChar char="•"/>
+            </a:pPr>
             <a:endParaRPr lang="en-US" sz="1200" kern="1200" baseline="0" dirty="0" smtClean="0">
               <a:solidFill>
                 <a:schemeClr val="tx1"/>
@@ -6737,6 +6954,10 @@
             </a:endParaRPr>
           </a:p>
           <a:p>
+            <a:pPr marL="0" indent="0">
+              <a:buFont typeface="Arial" panose="020B0604020202020204" pitchFamily="34" charset="0"/>
+              <a:buNone/>
+            </a:pPr>
             <a:r>
               <a:rPr lang="en-US" sz="1200" kern="1200" baseline="0" dirty="0" smtClean="0">
                 <a:solidFill>
@@ -6747,215 +6968,7 @@
                 <a:ea typeface="+mn-ea"/>
                 <a:cs typeface="+mn-cs"/>
               </a:rPr>
-              <a:t>This means you </a:t>
-            </a:r>
-            <a:r>
-              <a:rPr lang="en-US" sz="1200" b="1" kern="1200" baseline="0" dirty="0" smtClean="0">
-                <a:solidFill>
-                  <a:schemeClr val="tx1"/>
-                </a:solidFill>
-                <a:effectLst/>
-                <a:latin typeface="+mn-lt"/>
-                <a:ea typeface="+mn-ea"/>
-                <a:cs typeface="+mn-cs"/>
-              </a:rPr>
-              <a:t>MUST use TLS</a:t>
-            </a:r>
-            <a:r>
-              <a:rPr lang="en-US" sz="1200" kern="1200" baseline="0" dirty="0" smtClean="0">
-                <a:solidFill>
-                  <a:schemeClr val="tx1"/>
-                </a:solidFill>
-                <a:effectLst/>
-                <a:latin typeface="+mn-lt"/>
-                <a:ea typeface="+mn-ea"/>
-                <a:cs typeface="+mn-cs"/>
-              </a:rPr>
-              <a:t> on all requests, to keep the keys safe in transit. Only as secure as TLS </a:t>
-            </a:r>
-            <a:r>
-              <a:rPr lang="en-US" sz="1200" kern="1200" baseline="0" dirty="0" err="1" smtClean="0">
-                <a:solidFill>
-                  <a:schemeClr val="tx1"/>
-                </a:solidFill>
-                <a:effectLst/>
-                <a:latin typeface="+mn-lt"/>
-                <a:ea typeface="+mn-ea"/>
-                <a:cs typeface="+mn-cs"/>
-              </a:rPr>
-              <a:t>impl</a:t>
-            </a:r>
-            <a:endParaRPr lang="en-US" sz="1200" kern="1200" baseline="0" dirty="0" smtClean="0">
-              <a:solidFill>
-                <a:schemeClr val="tx1"/>
-              </a:solidFill>
-              <a:effectLst/>
-              <a:latin typeface="+mn-lt"/>
-              <a:ea typeface="+mn-ea"/>
-              <a:cs typeface="+mn-cs"/>
-            </a:endParaRPr>
-          </a:p>
-          <a:p>
-            <a:endParaRPr lang="en-US" sz="1200" kern="1200" baseline="0" dirty="0" smtClean="0">
-              <a:solidFill>
-                <a:schemeClr val="tx1"/>
-              </a:solidFill>
-              <a:effectLst/>
-              <a:latin typeface="+mn-lt"/>
-              <a:ea typeface="+mn-ea"/>
-              <a:cs typeface="+mn-cs"/>
-            </a:endParaRPr>
-          </a:p>
-          <a:p>
-            <a:r>
-              <a:rPr lang="en-US" sz="1200" kern="1200" dirty="0" smtClean="0">
-                <a:solidFill>
-                  <a:schemeClr val="tx1"/>
-                </a:solidFill>
-                <a:effectLst/>
-                <a:latin typeface="+mn-lt"/>
-                <a:ea typeface="+mn-ea"/>
-                <a:cs typeface="+mn-cs"/>
-              </a:rPr>
-              <a:t>SHOULD encrypt </a:t>
-            </a:r>
-            <a:r>
-              <a:rPr lang="en-US" sz="1200" kern="1200" baseline="0" dirty="0" smtClean="0">
-                <a:solidFill>
-                  <a:schemeClr val="tx1"/>
-                </a:solidFill>
-                <a:effectLst/>
-                <a:latin typeface="+mn-lt"/>
-                <a:ea typeface="+mn-ea"/>
-                <a:cs typeface="+mn-cs"/>
-              </a:rPr>
-              <a:t>API keys in your database</a:t>
-            </a:r>
-            <a:r>
-              <a:rPr lang="en-US" sz="1200" kern="1200" dirty="0" smtClean="0">
-                <a:solidFill>
-                  <a:schemeClr val="tx1"/>
-                </a:solidFill>
-                <a:effectLst/>
-                <a:latin typeface="+mn-lt"/>
-                <a:ea typeface="+mn-ea"/>
-                <a:cs typeface="+mn-cs"/>
-              </a:rPr>
-              <a:t>, just like passwords. </a:t>
-            </a:r>
-          </a:p>
-          <a:p>
-            <a:pPr marL="171450" indent="-171450">
-              <a:buFont typeface="Arial" panose="020B0604020202020204" pitchFamily="34" charset="0"/>
-              <a:buChar char="•"/>
-            </a:pPr>
-            <a:r>
-              <a:rPr lang="en-US" sz="1200" kern="1200" dirty="0" smtClean="0">
-                <a:solidFill>
-                  <a:schemeClr val="tx1"/>
-                </a:solidFill>
-                <a:effectLst/>
-                <a:latin typeface="+mn-lt"/>
-                <a:ea typeface="+mn-ea"/>
-                <a:cs typeface="+mn-cs"/>
-              </a:rPr>
-              <a:t>If store as text, and DB is compromised, users get impersonated</a:t>
-            </a:r>
-          </a:p>
-          <a:p>
-            <a:pPr marL="171450" indent="-171450">
-              <a:buFont typeface="Arial" panose="020B0604020202020204" pitchFamily="34" charset="0"/>
-              <a:buChar char="•"/>
-            </a:pPr>
-            <a:r>
-              <a:rPr lang="en-US" sz="1200" kern="1200" dirty="0" smtClean="0">
-                <a:solidFill>
-                  <a:schemeClr val="tx1"/>
-                </a:solidFill>
-                <a:effectLst/>
-                <a:latin typeface="+mn-lt"/>
-                <a:ea typeface="+mn-ea"/>
-                <a:cs typeface="+mn-cs"/>
-              </a:rPr>
-              <a:t>That’s what happened w/ Buffer</a:t>
-            </a:r>
-          </a:p>
-          <a:p>
-            <a:pPr marL="171450" indent="-171450">
-              <a:buFont typeface="Arial" panose="020B0604020202020204" pitchFamily="34" charset="0"/>
-              <a:buChar char="•"/>
-            </a:pPr>
-            <a:r>
-              <a:rPr lang="en-US" sz="1200" kern="1200" dirty="0" smtClean="0">
-                <a:solidFill>
-                  <a:schemeClr val="tx1"/>
-                </a:solidFill>
-                <a:effectLst/>
-                <a:latin typeface="+mn-lt"/>
-                <a:ea typeface="+mn-ea"/>
-                <a:cs typeface="+mn-cs"/>
-              </a:rPr>
-              <a:t>Can’t show users a list of their keys.</a:t>
-            </a:r>
-            <a:r>
-              <a:rPr lang="en-US" sz="1200" kern="1200" baseline="0" dirty="0" smtClean="0">
-                <a:solidFill>
-                  <a:schemeClr val="tx1"/>
-                </a:solidFill>
-                <a:effectLst/>
-                <a:latin typeface="+mn-lt"/>
-                <a:ea typeface="+mn-ea"/>
-                <a:cs typeface="+mn-cs"/>
-              </a:rPr>
-              <a:t> </a:t>
-            </a:r>
-            <a:r>
-              <a:rPr lang="en-US" sz="1200" b="1" kern="1200" baseline="0" dirty="0" smtClean="0">
-                <a:solidFill>
-                  <a:schemeClr val="tx1"/>
-                </a:solidFill>
-                <a:effectLst/>
-                <a:latin typeface="+mn-lt"/>
-                <a:ea typeface="+mn-ea"/>
-                <a:cs typeface="+mn-cs"/>
-              </a:rPr>
-              <a:t>AWS</a:t>
-            </a:r>
-            <a:r>
-              <a:rPr lang="en-US" sz="1200" b="0" kern="1200" baseline="0" dirty="0" smtClean="0">
-                <a:solidFill>
-                  <a:schemeClr val="tx1"/>
-                </a:solidFill>
-                <a:effectLst/>
-                <a:latin typeface="+mn-lt"/>
-                <a:ea typeface="+mn-ea"/>
-                <a:cs typeface="+mn-cs"/>
-              </a:rPr>
-              <a:t> and </a:t>
-            </a:r>
-            <a:r>
-              <a:rPr lang="en-US" sz="1200" b="1" kern="1200" baseline="0" dirty="0" smtClean="0">
-                <a:solidFill>
-                  <a:schemeClr val="tx1"/>
-                </a:solidFill>
-                <a:effectLst/>
-                <a:latin typeface="+mn-lt"/>
-                <a:ea typeface="+mn-ea"/>
-                <a:cs typeface="+mn-cs"/>
-              </a:rPr>
-              <a:t>Octopus Deploy</a:t>
-            </a:r>
-            <a:r>
-              <a:rPr lang="en-US" sz="1200" b="0" kern="1200" baseline="0" dirty="0" smtClean="0">
-                <a:solidFill>
-                  <a:schemeClr val="tx1"/>
-                </a:solidFill>
-                <a:effectLst/>
-                <a:latin typeface="+mn-lt"/>
-                <a:ea typeface="+mn-ea"/>
-                <a:cs typeface="+mn-cs"/>
-              </a:rPr>
-              <a:t> let you associate human readable name</a:t>
+              <a:t>Might use TLS if the message itself is sensitive, but unlike bearer tokens, an attacker that intercepts the message does not gain anything sensitive except the message itself</a:t>
             </a:r>
             <a:endParaRPr lang="en-US" sz="1200" kern="1200" dirty="0" smtClean="0">
               <a:solidFill>
@@ -6967,9 +6980,6 @@
               <a:cs typeface="+mn-cs"/>
             </a:endParaRPr>
           </a:p>
-          <a:p>
-            <a:endParaRPr lang="en-US" dirty="0" smtClean="0"/>
-          </a:p>
         </p:txBody>
       </p:sp>
       <p:sp>
@@ -6998,7 +7008,7 @@
     </p:spTree>
     <p:extLst>
       <p:ext uri="{BB962C8B-B14F-4D97-AF65-F5344CB8AC3E}">
-        <p14:creationId xmlns:p14="http://schemas.microsoft.com/office/powerpoint/2010/main" val="1638783605"/>
+        <p14:creationId xmlns:p14="http://schemas.microsoft.com/office/powerpoint/2010/main" val="1497369391"/>
       </p:ext>
     </p:extLst>
   </p:cSld>
@@ -7062,34 +7072,36 @@
                 <a:ea typeface="+mn-ea"/>
                 <a:cs typeface="+mn-cs"/>
               </a:rPr>
-              <a:t>The other way to use API Keys is to use them</a:t>
-            </a:r>
-            <a:r>
-              <a:rPr lang="en-US" sz="1200" kern="1200" baseline="0" dirty="0" smtClean="0">
-                <a:solidFill>
-                  <a:schemeClr val="tx1"/>
-                </a:solidFill>
-                <a:effectLst/>
-                <a:latin typeface="+mn-lt"/>
-                <a:ea typeface="+mn-ea"/>
-                <a:cs typeface="+mn-cs"/>
-              </a:rPr>
-              <a:t> as a cryptographic key, and </a:t>
-            </a:r>
-            <a:r>
-              <a:rPr lang="en-US" sz="1200" kern="1200" dirty="0" smtClean="0">
-                <a:solidFill>
-                  <a:schemeClr val="tx1"/>
-                </a:solidFill>
-                <a:effectLst/>
-                <a:latin typeface="+mn-lt"/>
-                <a:ea typeface="+mn-ea"/>
-                <a:cs typeface="+mn-cs"/>
-              </a:rPr>
-              <a:t>digitally sign the HTTP request.</a:t>
-            </a:r>
-          </a:p>
-          <a:p>
+              <a:t>Here’s how it works:</a:t>
+            </a:r>
+          </a:p>
+          <a:p>
+            <a:pPr lvl="0"/>
+            <a:r>
+              <a:rPr lang="en-US" sz="1200" kern="1200" dirty="0" smtClean="0">
+                <a:solidFill>
+                  <a:schemeClr val="tx1"/>
+                </a:solidFill>
+                <a:effectLst/>
+                <a:latin typeface="+mn-lt"/>
+                <a:ea typeface="+mn-ea"/>
+                <a:cs typeface="+mn-cs"/>
+              </a:rPr>
+              <a:t>The client prepares its message, which in our case is probably a URL like </a:t>
+            </a:r>
+            <a:r>
+              <a:rPr lang="en-US" sz="1200" i="1" u="sng" kern="1200" dirty="0" smtClean="0">
+                <a:solidFill>
+                  <a:schemeClr val="tx1"/>
+                </a:solidFill>
+                <a:effectLst/>
+                <a:latin typeface="+mn-lt"/>
+                <a:ea typeface="+mn-ea"/>
+                <a:cs typeface="+mn-cs"/>
+                <a:hlinkClick r:id="rId3"/>
+              </a:rPr>
+              <a:t>http://foo.com/bar?bat=42</a:t>
+            </a:r>
             <a:endParaRPr lang="en-US" sz="1200" kern="1200" dirty="0" smtClean="0">
               <a:solidFill>
                 <a:schemeClr val="tx1"/>
@@ -7101,116 +7113,33 @@
             </a:endParaRPr>
           </a:p>
           <a:p>
-            <a:r>
-              <a:rPr lang="en-US" sz="1200" kern="1200" dirty="0" smtClean="0">
-                <a:solidFill>
-                  <a:schemeClr val="tx1"/>
-                </a:solidFill>
-                <a:effectLst/>
-                <a:latin typeface="+mn-lt"/>
-                <a:ea typeface="+mn-ea"/>
-                <a:cs typeface="+mn-cs"/>
-              </a:rPr>
-              <a:t>Just like we saw with Digest </a:t>
-            </a:r>
-            <a:r>
-              <a:rPr lang="en-US" sz="1200" kern="1200" dirty="0" err="1" smtClean="0">
-                <a:solidFill>
-                  <a:schemeClr val="tx1"/>
-                </a:solidFill>
-                <a:effectLst/>
-                <a:latin typeface="+mn-lt"/>
-                <a:ea typeface="+mn-ea"/>
-                <a:cs typeface="+mn-cs"/>
-              </a:rPr>
-              <a:t>Auth</a:t>
-            </a:r>
-            <a:r>
-              <a:rPr lang="en-US" sz="1200" kern="1200" dirty="0" smtClean="0">
-                <a:solidFill>
-                  <a:schemeClr val="tx1"/>
-                </a:solidFill>
-                <a:effectLst/>
-                <a:latin typeface="+mn-lt"/>
-                <a:ea typeface="+mn-ea"/>
-                <a:cs typeface="+mn-cs"/>
-              </a:rPr>
-              <a:t>, the idea behind “signing” a request is</a:t>
-            </a:r>
-          </a:p>
-          <a:p>
-            <a:pPr marL="171450" indent="-171450">
-              <a:buFont typeface="Arial" panose="020B0604020202020204" pitchFamily="34" charset="0"/>
-              <a:buChar char="•"/>
-            </a:pPr>
-            <a:r>
-              <a:rPr lang="en-US" sz="1200" kern="1200" dirty="0" smtClean="0">
-                <a:solidFill>
-                  <a:schemeClr val="tx1"/>
-                </a:solidFill>
-                <a:effectLst/>
-                <a:latin typeface="+mn-lt"/>
-                <a:ea typeface="+mn-ea"/>
-                <a:cs typeface="+mn-cs"/>
-              </a:rPr>
-              <a:t>Server and client both know some secret value</a:t>
-            </a:r>
-          </a:p>
-          <a:p>
-            <a:pPr marL="171450" indent="-171450">
-              <a:buFont typeface="Arial" panose="020B0604020202020204" pitchFamily="34" charset="0"/>
-              <a:buChar char="•"/>
-            </a:pPr>
-            <a:r>
-              <a:rPr lang="en-US" sz="1200" kern="1200" dirty="0" smtClean="0">
-                <a:solidFill>
-                  <a:schemeClr val="tx1"/>
-                </a:solidFill>
-                <a:effectLst/>
-                <a:latin typeface="+mn-lt"/>
-                <a:ea typeface="+mn-ea"/>
-                <a:cs typeface="+mn-cs"/>
-              </a:rPr>
-              <a:t>Client uses</a:t>
-            </a:r>
-            <a:r>
-              <a:rPr lang="en-US" sz="1200" kern="1200" baseline="0" dirty="0" smtClean="0">
-                <a:solidFill>
-                  <a:schemeClr val="tx1"/>
-                </a:solidFill>
-                <a:effectLst/>
-                <a:latin typeface="+mn-lt"/>
-                <a:ea typeface="+mn-ea"/>
-                <a:cs typeface="+mn-cs"/>
-              </a:rPr>
-              <a:t> the secret to create a hash</a:t>
-            </a:r>
-            <a:endParaRPr lang="en-US" sz="1200" kern="1200" dirty="0" smtClean="0">
-              <a:solidFill>
-                <a:schemeClr val="tx1"/>
-              </a:solidFill>
-              <a:effectLst/>
-              <a:latin typeface="+mn-lt"/>
-              <a:ea typeface="+mn-ea"/>
-              <a:cs typeface="+mn-cs"/>
-            </a:endParaRPr>
-          </a:p>
-          <a:p>
-            <a:pPr marL="171450" indent="-171450">
-              <a:buFont typeface="Arial" panose="020B0604020202020204" pitchFamily="34" charset="0"/>
-              <a:buChar char="•"/>
-            </a:pPr>
-            <a:r>
-              <a:rPr lang="en-US" sz="1200" kern="1200" dirty="0" smtClean="0">
-                <a:solidFill>
-                  <a:schemeClr val="tx1"/>
-                </a:solidFill>
-                <a:effectLst/>
-                <a:latin typeface="+mn-lt"/>
-                <a:ea typeface="+mn-ea"/>
-                <a:cs typeface="+mn-cs"/>
-              </a:rPr>
-              <a:t>Server uses the secret to </a:t>
+            <a:pPr lvl="0"/>
+            <a:r>
+              <a:rPr lang="en-US" sz="1200" kern="1200" dirty="0" smtClean="0">
+                <a:solidFill>
+                  <a:schemeClr val="tx1"/>
+                </a:solidFill>
+                <a:effectLst/>
+                <a:latin typeface="+mn-lt"/>
+                <a:ea typeface="+mn-ea"/>
+                <a:cs typeface="+mn-cs"/>
+              </a:rPr>
+              <a:t>The client concatenates the secret value with that message and then runs it through a hashing algorithm to generate a signature</a:t>
+            </a:r>
+          </a:p>
+          <a:p>
+            <a:pPr lvl="0"/>
+            <a:r>
+              <a:rPr lang="en-US" sz="1200" kern="1200" dirty="0" smtClean="0">
+                <a:solidFill>
+                  <a:schemeClr val="tx1"/>
+                </a:solidFill>
+                <a:effectLst/>
+                <a:latin typeface="+mn-lt"/>
+                <a:ea typeface="+mn-ea"/>
+                <a:cs typeface="+mn-cs"/>
+              </a:rPr>
+              <a:t>The client sends the original message to the server, </a:t>
             </a:r>
             <a:r>
               <a:rPr lang="en-US" sz="1200" i="1" kern="1200" dirty="0" smtClean="0">
@@ -7222,80 +7151,52 @@
                 <a:ea typeface="+mn-ea"/>
                 <a:cs typeface="+mn-cs"/>
               </a:rPr>
-              <a:t>verify </a:t>
-            </a:r>
-            <a:r>
-              <a:rPr lang="en-US" sz="1200" i="0" kern="1200" dirty="0" smtClean="0">
-                <a:solidFill>
-                  <a:schemeClr val="tx1"/>
-                </a:solidFill>
-                <a:effectLst/>
-                <a:latin typeface="+mn-lt"/>
-                <a:ea typeface="+mn-ea"/>
-                <a:cs typeface="+mn-cs"/>
-              </a:rPr>
-              <a:t>the hash</a:t>
-            </a:r>
-          </a:p>
-          <a:p>
-            <a:pPr marL="171450" indent="-171450">
-              <a:buFont typeface="Arial" panose="020B0604020202020204" pitchFamily="34" charset="0"/>
-              <a:buChar char="•"/>
-            </a:pPr>
-            <a:r>
-              <a:rPr lang="en-US" sz="1200" i="0" kern="1200" baseline="0" dirty="0" smtClean="0">
-                <a:solidFill>
-                  <a:schemeClr val="tx1"/>
-                </a:solidFill>
-                <a:effectLst/>
-                <a:latin typeface="+mn-lt"/>
-                <a:ea typeface="+mn-ea"/>
-                <a:cs typeface="+mn-cs"/>
-              </a:rPr>
-              <a:t>The secret itself is never transmitted, so does not require TLS</a:t>
-            </a:r>
-          </a:p>
-          <a:p>
-            <a:pPr marL="171450" indent="-171450">
-              <a:buFont typeface="Arial" panose="020B0604020202020204" pitchFamily="34" charset="0"/>
-              <a:buChar char="•"/>
-            </a:pPr>
-            <a:endParaRPr lang="en-US" sz="1200" kern="1200" baseline="0" dirty="0" smtClean="0">
-              <a:solidFill>
-                <a:schemeClr val="tx1"/>
-              </a:solidFill>
-              <a:effectLst/>
-              <a:latin typeface="+mn-lt"/>
-              <a:ea typeface="+mn-ea"/>
-              <a:cs typeface="+mn-cs"/>
-            </a:endParaRPr>
-          </a:p>
-          <a:p>
-            <a:pPr marL="0" indent="0">
-              <a:buFont typeface="Arial" panose="020B0604020202020204" pitchFamily="34" charset="0"/>
-              <a:buNone/>
-            </a:pPr>
-            <a:r>
-              <a:rPr lang="en-US" sz="1200" kern="1200" baseline="0" dirty="0" smtClean="0">
-                <a:solidFill>
-                  <a:schemeClr val="tx1"/>
-                </a:solidFill>
-                <a:effectLst/>
-                <a:latin typeface="+mn-lt"/>
-                <a:ea typeface="+mn-ea"/>
-                <a:cs typeface="+mn-cs"/>
-              </a:rPr>
-              <a:t>Might use TLS if the message itself is sensitive, but unlike bearer tokens, an attacker that intercepts the message does not gain anything sensitive except the message itself</a:t>
-            </a:r>
-            <a:endParaRPr lang="en-US" sz="1200" kern="1200" dirty="0" smtClean="0">
-              <a:solidFill>
-                <a:schemeClr val="tx1"/>
-              </a:solidFill>
-              <a:effectLst/>
-              <a:latin typeface="+mn-lt"/>
-              <a:ea typeface="+mn-ea"/>
-              <a:cs typeface="+mn-cs"/>
-            </a:endParaRPr>
+              <a:t>plus </a:t>
+            </a:r>
+            <a:r>
+              <a:rPr lang="en-US" sz="1200" kern="1200" dirty="0" smtClean="0">
+                <a:solidFill>
+                  <a:schemeClr val="tx1"/>
+                </a:solidFill>
+                <a:effectLst/>
+                <a:latin typeface="+mn-lt"/>
+                <a:ea typeface="+mn-ea"/>
+                <a:cs typeface="+mn-cs"/>
+              </a:rPr>
+              <a:t>the signature in an authorization header.</a:t>
+            </a:r>
+          </a:p>
+          <a:p>
+            <a:pPr lvl="0"/>
+            <a:r>
+              <a:rPr lang="en-US" sz="1200" kern="1200" dirty="0" smtClean="0">
+                <a:solidFill>
+                  <a:schemeClr val="tx1"/>
+                </a:solidFill>
+                <a:effectLst/>
+                <a:latin typeface="+mn-lt"/>
+                <a:ea typeface="+mn-ea"/>
+                <a:cs typeface="+mn-cs"/>
+              </a:rPr>
+              <a:t>The server receives the message and repeats the same hashing operation, then compares the result with the value from the authorization header. If they match, it knows the message was created by someone that knows the secret value AND that the message wasn’t modified in transit. (If either of those things is false, the server would have computed a different hash)</a:t>
+            </a:r>
+          </a:p>
+          <a:p>
+            <a:r>
+              <a:rPr lang="en-US" sz="1200" kern="1200" dirty="0" smtClean="0">
+                <a:solidFill>
+                  <a:schemeClr val="tx1"/>
+                </a:solidFill>
+                <a:effectLst/>
+                <a:latin typeface="+mn-lt"/>
+                <a:ea typeface="+mn-ea"/>
+                <a:cs typeface="+mn-cs"/>
+              </a:rPr>
+              <a:t>Technically speaking the authorization header is a type of “message authentication code”, or MAC. Since this technique uses a hash it’s called a “hash-based message authentication code”, or HMAC.</a:t>
+            </a:r>
+          </a:p>
+          <a:p>
+            <a:endParaRPr lang="en-US" dirty="0"/>
           </a:p>
         </p:txBody>
       </p:sp>
@@ -7325,7 +7226,7 @@
     </p:spTree>
     <p:extLst>
       <p:ext uri="{BB962C8B-B14F-4D97-AF65-F5344CB8AC3E}">
-        <p14:creationId xmlns:p14="http://schemas.microsoft.com/office/powerpoint/2010/main" val="1497369391"/>
+        <p14:creationId xmlns:p14="http://schemas.microsoft.com/office/powerpoint/2010/main" val="751071246"/>
       </p:ext>
     </p:extLst>
   </p:cSld>
@@ -7389,35 +7290,19 @@
                 <a:ea typeface="+mn-ea"/>
                 <a:cs typeface="+mn-cs"/>
               </a:rPr>
-              <a:t>Here’s how it works:</a:t>
-            </a:r>
-          </a:p>
-          <a:p>
-            <a:pPr lvl="0"/>
-            <a:r>
-              <a:rPr lang="en-US" sz="1200" kern="1200" dirty="0" smtClean="0">
-                <a:solidFill>
-                  <a:schemeClr val="tx1"/>
-                </a:solidFill>
-                <a:effectLst/>
-                <a:latin typeface="+mn-lt"/>
-                <a:ea typeface="+mn-ea"/>
-                <a:cs typeface="+mn-cs"/>
-              </a:rPr>
-              <a:t>The client prepares its message, which in our case is probably a URL like </a:t>
-            </a:r>
-            <a:r>
-              <a:rPr lang="en-US" sz="1200" i="1" u="sng" kern="1200" dirty="0" smtClean="0">
-                <a:solidFill>
-                  <a:schemeClr val="tx1"/>
-                </a:solidFill>
-                <a:effectLst/>
-                <a:latin typeface="+mn-lt"/>
-                <a:ea typeface="+mn-ea"/>
-                <a:cs typeface="+mn-cs"/>
-                <a:hlinkClick r:id="rId3"/>
-              </a:rPr>
-              <a:t>http://foo.com/bar?bat=42</a:t>
+              <a:t>Signing a request has some benefits.</a:t>
+            </a:r>
+            <a:r>
+              <a:rPr lang="en-US" sz="1200" kern="1200" baseline="0" dirty="0" smtClean="0">
+                <a:solidFill>
+                  <a:schemeClr val="tx1"/>
+                </a:solidFill>
+                <a:effectLst/>
+                <a:latin typeface="+mn-lt"/>
+                <a:ea typeface="+mn-ea"/>
+                <a:cs typeface="+mn-cs"/>
+              </a:rPr>
+              <a:t> First, as we just discussed, it lets you verify identity without sending secure keys over the wire. This means you don’t have to rely on TLS.</a:t>
             </a:r>
             <a:endParaRPr lang="en-US" sz="1200" kern="1200" dirty="0" smtClean="0">
               <a:solidFill>
@@ -7431,18 +7316,15 @@
           </a:p>
           <a:p>
             <a:pPr lvl="0"/>
-            <a:r>
-              <a:rPr lang="en-US" sz="1200" kern="1200" dirty="0" smtClean="0">
-                <a:solidFill>
-                  <a:schemeClr val="tx1"/>
-                </a:solidFill>
-                <a:effectLst/>
-                <a:latin typeface="+mn-lt"/>
-                <a:ea typeface="+mn-ea"/>
-                <a:cs typeface="+mn-cs"/>
-              </a:rPr>
-              <a:t>The client concatenates the secret value with that message and then runs it through a hashing algorithm to generate a signature</a:t>
-            </a:r>
+            <a:endParaRPr lang="en-US" sz="1200" kern="1200" dirty="0" smtClean="0">
+              <a:solidFill>
+                <a:schemeClr val="tx1"/>
+              </a:solidFill>
+              <a:effectLst/>
+              <a:latin typeface="+mn-lt"/>
+              <a:ea typeface="+mn-ea"/>
+              <a:cs typeface="+mn-cs"/>
+            </a:endParaRPr>
           </a:p>
           <a:p>
             <a:pPr lvl="0"/>
@@ -7456,64 +7338,136 @@
                 <a:ea typeface="+mn-ea"/>
                 <a:cs typeface="+mn-cs"/>
               </a:rPr>
-              <a:t>The client sends the original message to the server, </a:t>
-            </a:r>
-            <a:r>
-              <a:rPr lang="en-US" sz="1200" i="1" kern="1200" dirty="0" smtClean="0">
-                <a:solidFill>
-                  <a:schemeClr val="tx1"/>
-                </a:solidFill>
-                <a:effectLst/>
-                <a:latin typeface="+mn-lt"/>
-                <a:ea typeface="+mn-ea"/>
-                <a:cs typeface="+mn-cs"/>
-              </a:rPr>
-              <a:t>plus </a:t>
-            </a:r>
-            <a:r>
-              <a:rPr lang="en-US" sz="1200" kern="1200" dirty="0" smtClean="0">
-                <a:solidFill>
-                  <a:schemeClr val="tx1"/>
-                </a:solidFill>
-                <a:effectLst/>
-                <a:latin typeface="+mn-lt"/>
-                <a:ea typeface="+mn-ea"/>
-                <a:cs typeface="+mn-cs"/>
-              </a:rPr>
-              <a:t>the signature in an authorization header.</a:t>
+              <a:t>Proves request wasn’t modified –</a:t>
+            </a:r>
+            <a:r>
+              <a:rPr lang="en-US" sz="1200" kern="1200" baseline="0" dirty="0" smtClean="0">
+                <a:solidFill>
+                  <a:schemeClr val="tx1"/>
+                </a:solidFill>
+                <a:effectLst/>
+                <a:latin typeface="+mn-lt"/>
+                <a:ea typeface="+mn-ea"/>
+                <a:cs typeface="+mn-cs"/>
+              </a:rPr>
+              <a:t> any changes to the request data will invalidate the signature. </a:t>
             </a:r>
           </a:p>
           <a:p>
             <a:pPr lvl="0"/>
-            <a:r>
-              <a:rPr lang="en-US" sz="1200" kern="1200" dirty="0" smtClean="0">
-                <a:solidFill>
-                  <a:schemeClr val="tx1"/>
-                </a:solidFill>
-                <a:effectLst/>
-                <a:latin typeface="+mn-lt"/>
-                <a:ea typeface="+mn-ea"/>
-                <a:cs typeface="+mn-cs"/>
-              </a:rPr>
-              <a:t>The server receives the message and repeats the same hashing operation, then compares the result with the value from the authorization header. If they match, it knows the message was created by someone that knows the secret value AND that the message wasn’t modified in transit. (If either of those things is false, the server would have computed a different hash)</a:t>
-            </a:r>
-          </a:p>
-          <a:p>
-            <a:r>
-              <a:rPr lang="en-US" sz="1200" kern="1200" dirty="0" smtClean="0">
-                <a:solidFill>
-                  <a:schemeClr val="tx1"/>
-                </a:solidFill>
-                <a:effectLst/>
-                <a:latin typeface="+mn-lt"/>
-                <a:ea typeface="+mn-ea"/>
-                <a:cs typeface="+mn-cs"/>
-              </a:rPr>
-              <a:t>Technically speaking the authorization header is a type of “message authentication code”, or MAC. Since this technique uses a hash it’s called a “hash-based message authentication code”, or HMAC.</a:t>
-            </a:r>
-          </a:p>
-          <a:p>
-            <a:endParaRPr lang="en-US" dirty="0"/>
+            <a:endParaRPr lang="en-US" sz="1200" kern="1200" baseline="0" dirty="0" smtClean="0">
+              <a:solidFill>
+                <a:schemeClr val="tx1"/>
+              </a:solidFill>
+              <a:effectLst/>
+              <a:latin typeface="+mn-lt"/>
+              <a:ea typeface="+mn-ea"/>
+              <a:cs typeface="+mn-cs"/>
+            </a:endParaRPr>
+          </a:p>
+          <a:p>
+            <a:pPr lvl="0"/>
+            <a:r>
+              <a:rPr lang="en-US" sz="1200" kern="1200" baseline="0" dirty="0" smtClean="0">
+                <a:solidFill>
+                  <a:schemeClr val="tx1"/>
+                </a:solidFill>
+                <a:effectLst/>
+                <a:latin typeface="+mn-lt"/>
+                <a:ea typeface="+mn-ea"/>
+                <a:cs typeface="+mn-cs"/>
+              </a:rPr>
+              <a:t>Attacker can’t capture one MAC value and use it to authenticate a different request – each unique combination of request data will have a unique MAC.</a:t>
+            </a:r>
+          </a:p>
+          <a:p>
+            <a:pPr lvl="0"/>
+            <a:endParaRPr lang="en-US" sz="1200" kern="1200" baseline="0" dirty="0" smtClean="0">
+              <a:solidFill>
+                <a:schemeClr val="tx1"/>
+              </a:solidFill>
+              <a:effectLst/>
+              <a:latin typeface="+mn-lt"/>
+              <a:ea typeface="+mn-ea"/>
+              <a:cs typeface="+mn-cs"/>
+            </a:endParaRPr>
+          </a:p>
+          <a:p>
+            <a:pPr lvl="0"/>
+            <a:r>
+              <a:rPr lang="en-US" sz="1200" kern="1200" baseline="0" dirty="0" smtClean="0">
+                <a:solidFill>
+                  <a:schemeClr val="tx1"/>
+                </a:solidFill>
+                <a:effectLst/>
+                <a:latin typeface="+mn-lt"/>
+                <a:ea typeface="+mn-ea"/>
+                <a:cs typeface="+mn-cs"/>
+              </a:rPr>
+              <a:t>If you’re not using TLS then defend against replay attacks w/ custom nonce or timestamp</a:t>
+            </a:r>
+          </a:p>
+          <a:p>
+            <a:pPr lvl="0"/>
+            <a:endParaRPr lang="en-US" sz="1200" kern="1200" baseline="0" dirty="0" smtClean="0">
+              <a:solidFill>
+                <a:schemeClr val="tx1"/>
+              </a:solidFill>
+              <a:effectLst/>
+              <a:latin typeface="+mn-lt"/>
+              <a:ea typeface="+mn-ea"/>
+              <a:cs typeface="+mn-cs"/>
+            </a:endParaRPr>
+          </a:p>
+          <a:p>
+            <a:pPr lvl="0"/>
+            <a:endParaRPr lang="en-US" sz="1200" kern="1200" baseline="0" dirty="0" smtClean="0">
+              <a:solidFill>
+                <a:schemeClr val="tx1"/>
+              </a:solidFill>
+              <a:effectLst/>
+              <a:latin typeface="+mn-lt"/>
+              <a:ea typeface="+mn-ea"/>
+              <a:cs typeface="+mn-cs"/>
+            </a:endParaRPr>
+          </a:p>
+          <a:p>
+            <a:pPr lvl="0"/>
+            <a:endParaRPr lang="en-US" sz="1200" kern="1200" baseline="0" dirty="0" smtClean="0">
+              <a:solidFill>
+                <a:schemeClr val="tx1"/>
+              </a:solidFill>
+              <a:effectLst/>
+              <a:latin typeface="+mn-lt"/>
+              <a:ea typeface="+mn-ea"/>
+              <a:cs typeface="+mn-cs"/>
+            </a:endParaRPr>
+          </a:p>
+          <a:p>
+            <a:pPr lvl="0"/>
+            <a:endParaRPr lang="en-US" sz="1200" kern="1200" dirty="0" smtClean="0">
+              <a:solidFill>
+                <a:schemeClr val="tx1"/>
+              </a:solidFill>
+              <a:effectLst/>
+              <a:latin typeface="+mn-lt"/>
+              <a:ea typeface="+mn-ea"/>
+              <a:cs typeface="+mn-cs"/>
+            </a:endParaRPr>
+          </a:p>
+          <a:p>
+            <a:r>
+              <a:rPr lang="en-US" sz="1200" kern="1200" dirty="0" smtClean="0">
+                <a:solidFill>
+                  <a:schemeClr val="tx1"/>
+                </a:solidFill>
+                <a:effectLst/>
+                <a:latin typeface="+mn-lt"/>
+                <a:ea typeface="+mn-ea"/>
+                <a:cs typeface="+mn-cs"/>
+              </a:rPr>
+              <a:t> </a:t>
+            </a:r>
           </a:p>
         </p:txBody>
       </p:sp>
@@ -7543,7 +7497,7 @@
     </p:spTree>
     <p:extLst>
       <p:ext uri="{BB962C8B-B14F-4D97-AF65-F5344CB8AC3E}">
-        <p14:creationId xmlns:p14="http://schemas.microsoft.com/office/powerpoint/2010/main" val="751071246"/>
+        <p14:creationId xmlns:p14="http://schemas.microsoft.com/office/powerpoint/2010/main" val="37234802"/>
       </p:ext>
     </p:extLst>
   </p:cSld>
@@ -7607,7 +7561,7 @@
                 <a:ea typeface="+mn-ea"/>
                 <a:cs typeface="+mn-cs"/>
               </a:rPr>
-              <a:t>Signing a request has some benefits.</a:t>
+              <a:t>The primary</a:t>
             </a:r>
             <a:r>
               <a:rPr lang="en-US" sz="1200" kern="1200" baseline="0" dirty="0" smtClean="0">
@@ -7619,8 +7573,22 @@
                 <a:ea typeface="+mn-ea"/>
                 <a:cs typeface="+mn-cs"/>
               </a:rPr>
-              <a:t> First, as we just discussed, it lets you verify identity without sending secure keys over the wire. This means you don’t have to rely on TLS.</a:t>
-            </a:r>
+              <a:t> </a:t>
+            </a:r>
+            <a:r>
+              <a:rPr lang="en-US" sz="1200" kern="1200" dirty="0" smtClean="0">
+                <a:solidFill>
+                  <a:schemeClr val="tx1"/>
+                </a:solidFill>
+                <a:effectLst/>
+                <a:latin typeface="+mn-lt"/>
+                <a:ea typeface="+mn-ea"/>
+                <a:cs typeface="+mn-cs"/>
+              </a:rPr>
+              <a:t>drawback to HMAC is complexity.</a:t>
+            </a:r>
+          </a:p>
+          <a:p>
             <a:endParaRPr lang="en-US" sz="1200" kern="1200" dirty="0" smtClean="0">
               <a:solidFill>
                 <a:schemeClr val="tx1"/>
@@ -7632,7 +7600,72 @@
             </a:endParaRPr>
           </a:p>
           <a:p>
-            <a:pPr lvl="0"/>
+            <a:r>
+              <a:rPr lang="en-US" sz="1200" kern="1200" dirty="0" smtClean="0">
+                <a:solidFill>
+                  <a:schemeClr val="tx1"/>
+                </a:solidFill>
+                <a:effectLst/>
+                <a:latin typeface="+mn-lt"/>
+                <a:ea typeface="+mn-ea"/>
+                <a:cs typeface="+mn-cs"/>
+              </a:rPr>
+              <a:t>* Client and server must compute the hash EXACTLY the same way. </a:t>
+            </a:r>
+          </a:p>
+          <a:p>
+            <a:r>
+              <a:rPr lang="en-US" sz="1200" kern="1200" dirty="0" smtClean="0">
+                <a:solidFill>
+                  <a:schemeClr val="tx1"/>
+                </a:solidFill>
+                <a:effectLst/>
+                <a:latin typeface="+mn-lt"/>
+                <a:ea typeface="+mn-ea"/>
+                <a:cs typeface="+mn-cs"/>
+              </a:rPr>
+              <a:t>* Usually requires publishing detailed instructions that describe how to “</a:t>
+            </a:r>
+            <a:r>
+              <a:rPr lang="en-US" sz="1200" kern="1200" dirty="0" err="1" smtClean="0">
+                <a:solidFill>
+                  <a:schemeClr val="tx1"/>
+                </a:solidFill>
+                <a:effectLst/>
+                <a:latin typeface="+mn-lt"/>
+                <a:ea typeface="+mn-ea"/>
+                <a:cs typeface="+mn-cs"/>
+              </a:rPr>
+              <a:t>canonicalize</a:t>
+            </a:r>
+            <a:r>
+              <a:rPr lang="en-US" sz="1200" kern="1200" dirty="0" smtClean="0">
+                <a:solidFill>
+                  <a:schemeClr val="tx1"/>
+                </a:solidFill>
+                <a:effectLst/>
+                <a:latin typeface="+mn-lt"/>
+                <a:ea typeface="+mn-ea"/>
+                <a:cs typeface="+mn-cs"/>
+              </a:rPr>
+              <a:t>” the request data</a:t>
+            </a:r>
+          </a:p>
+          <a:p>
+            <a:r>
+              <a:rPr lang="en-US" sz="1200" kern="1200" dirty="0" smtClean="0">
+                <a:solidFill>
+                  <a:schemeClr val="tx1"/>
+                </a:solidFill>
+                <a:effectLst/>
+                <a:latin typeface="+mn-lt"/>
+                <a:ea typeface="+mn-ea"/>
+                <a:cs typeface="+mn-cs"/>
+              </a:rPr>
+              <a:t>* Client and server must agree on which headers to include. If middleware network component adds a header to the request, server will calculate different signature.</a:t>
+            </a:r>
+          </a:p>
+          <a:p>
             <a:endParaRPr lang="en-US" sz="1200" kern="1200" dirty="0" smtClean="0">
               <a:solidFill>
                 <a:schemeClr val="tx1"/>
@@ -7644,18 +7677,17 @@
             </a:endParaRPr>
           </a:p>
           <a:p>
-            <a:pPr lvl="0"/>
-            <a:r>
-              <a:rPr lang="en-US" sz="1200" kern="1200" dirty="0" smtClean="0">
-                <a:solidFill>
-                  <a:schemeClr val="tx1"/>
-                </a:solidFill>
-                <a:effectLst/>
-                <a:latin typeface="+mn-lt"/>
-                <a:ea typeface="+mn-ea"/>
-                <a:cs typeface="+mn-cs"/>
-              </a:rPr>
-              <a:t>Proves request wasn’t modified –</a:t>
+            <a:r>
+              <a:rPr lang="en-US" sz="1200" kern="1200" dirty="0" smtClean="0">
+                <a:solidFill>
+                  <a:schemeClr val="tx1"/>
+                </a:solidFill>
+                <a:effectLst/>
+                <a:latin typeface="+mn-lt"/>
+                <a:ea typeface="+mn-ea"/>
+                <a:cs typeface="+mn-cs"/>
+              </a:rPr>
+              <a:t>This image</a:t>
             </a:r>
             <a:r>
               <a:rPr lang="en-US" sz="1200" kern="1200" baseline="0" dirty="0" smtClean="0">
@@ -7667,23 +7699,20 @@
                 <a:ea typeface="+mn-ea"/>
                 <a:cs typeface="+mn-cs"/>
               </a:rPr>
-              <a:t> any changes to the request data will invalidate the signature. </a:t>
-            </a:r>
-          </a:p>
-          <a:p>
-            <a:pPr lvl="0"/>
-            <a:endParaRPr lang="en-US" sz="1200" kern="1200" baseline="0" dirty="0" smtClean="0">
-              <a:solidFill>
-                <a:schemeClr val="tx1"/>
-              </a:solidFill>
-              <a:effectLst/>
-              <a:latin typeface="+mn-lt"/>
-              <a:ea typeface="+mn-ea"/>
-              <a:cs typeface="+mn-cs"/>
-            </a:endParaRPr>
-          </a:p>
-          <a:p>
-            <a:pPr lvl="0"/>
+              <a:t> is a tiny piece of just one portion of instructions for </a:t>
+            </a:r>
+            <a:r>
+              <a:rPr lang="en-US" sz="1200" kern="1200" baseline="0" dirty="0" err="1" smtClean="0">
+                <a:solidFill>
+                  <a:schemeClr val="tx1"/>
+                </a:solidFill>
+                <a:effectLst/>
+                <a:latin typeface="+mn-lt"/>
+                <a:ea typeface="+mn-ea"/>
+                <a:cs typeface="+mn-cs"/>
+              </a:rPr>
+              <a:t>canonicalizing</a:t>
+            </a:r>
             <a:r>
               <a:rPr lang="en-US" sz="1200" kern="1200" baseline="0" dirty="0" smtClean="0">
                 <a:solidFill>
@@ -7694,74 +7723,10 @@
                 <a:ea typeface="+mn-ea"/>
                 <a:cs typeface="+mn-cs"/>
               </a:rPr>
-              <a:t>Attacker can’t capture one MAC value and use it to authenticate a different request – each unique combination of request data will have a unique MAC.</a:t>
-            </a:r>
-          </a:p>
-          <a:p>
-            <a:pPr lvl="0"/>
-            <a:endParaRPr lang="en-US" sz="1200" kern="1200" baseline="0" dirty="0" smtClean="0">
-              <a:solidFill>
-                <a:schemeClr val="tx1"/>
-              </a:solidFill>
-              <a:effectLst/>
-              <a:latin typeface="+mn-lt"/>
-              <a:ea typeface="+mn-ea"/>
-              <a:cs typeface="+mn-cs"/>
-            </a:endParaRPr>
-          </a:p>
-          <a:p>
-            <a:pPr lvl="0"/>
-            <a:r>
-              <a:rPr lang="en-US" sz="1200" kern="1200" baseline="0" dirty="0" smtClean="0">
-                <a:solidFill>
-                  <a:schemeClr val="tx1"/>
-                </a:solidFill>
-                <a:effectLst/>
-                <a:latin typeface="+mn-lt"/>
-                <a:ea typeface="+mn-ea"/>
-                <a:cs typeface="+mn-cs"/>
-              </a:rPr>
-              <a:t>If you’re not using TLS then defend against replay attacks w/ custom nonce or timestamp</a:t>
-            </a:r>
-          </a:p>
-          <a:p>
-            <a:pPr lvl="0"/>
-            <a:endParaRPr lang="en-US" sz="1200" kern="1200" baseline="0" dirty="0" smtClean="0">
-              <a:solidFill>
-                <a:schemeClr val="tx1"/>
-              </a:solidFill>
-              <a:effectLst/>
-              <a:latin typeface="+mn-lt"/>
-              <a:ea typeface="+mn-ea"/>
-              <a:cs typeface="+mn-cs"/>
-            </a:endParaRPr>
-          </a:p>
-          <a:p>
-            <a:pPr lvl="0"/>
-            <a:endParaRPr lang="en-US" sz="1200" kern="1200" baseline="0" dirty="0" smtClean="0">
-              <a:solidFill>
-                <a:schemeClr val="tx1"/>
-              </a:solidFill>
-              <a:effectLst/>
-              <a:latin typeface="+mn-lt"/>
-              <a:ea typeface="+mn-ea"/>
-              <a:cs typeface="+mn-cs"/>
-            </a:endParaRPr>
-          </a:p>
-          <a:p>
-            <a:pPr lvl="0"/>
-            <a:endParaRPr lang="en-US" sz="1200" kern="1200" baseline="0" dirty="0" smtClean="0">
-              <a:solidFill>
-                <a:schemeClr val="tx1"/>
-              </a:solidFill>
-              <a:effectLst/>
-              <a:latin typeface="+mn-lt"/>
-              <a:ea typeface="+mn-ea"/>
-              <a:cs typeface="+mn-cs"/>
-            </a:endParaRPr>
-          </a:p>
-          <a:p>
-            <a:pPr lvl="0"/>
+              <a:t> an AWS API call.</a:t>
+            </a:r>
+          </a:p>
+          <a:p>
             <a:endParaRPr lang="en-US" sz="1200" kern="1200" dirty="0" smtClean="0">
               <a:solidFill>
                 <a:schemeClr val="tx1"/>
@@ -7783,8 +7748,11 @@
                 <a:ea typeface="+mn-ea"/>
                 <a:cs typeface="+mn-cs"/>
               </a:rPr>
-              <a:t> </a:t>
-            </a:r>
+              <a:t>This complexity is a necessary part of using HMAC. It’s the price you pay for the increased security that signed requests provide.</a:t>
+            </a:r>
+          </a:p>
+          <a:p>
+            <a:endParaRPr lang="en-US" dirty="0"/>
           </a:p>
         </p:txBody>
       </p:sp>
@@ -7814,7 +7782,7 @@
     </p:spTree>
     <p:extLst>
       <p:ext uri="{BB962C8B-B14F-4D97-AF65-F5344CB8AC3E}">
-        <p14:creationId xmlns:p14="http://schemas.microsoft.com/office/powerpoint/2010/main" val="37234802"/>
+        <p14:creationId xmlns:p14="http://schemas.microsoft.com/office/powerpoint/2010/main" val="1384979075"/>
       </p:ext>
     </p:extLst>
   </p:cSld>
@@ -7878,34 +7846,350 @@
                 <a:ea typeface="+mn-ea"/>
                 <a:cs typeface="+mn-cs"/>
               </a:rPr>
-              <a:t>The primary</a:t>
-            </a:r>
-            <a:r>
-              <a:rPr lang="en-US" sz="1200" kern="1200" baseline="0" dirty="0" smtClean="0">
-                <a:solidFill>
-                  <a:schemeClr val="tx1"/>
-                </a:solidFill>
-                <a:effectLst/>
-                <a:latin typeface="+mn-lt"/>
-                <a:ea typeface="+mn-ea"/>
-                <a:cs typeface="+mn-cs"/>
-              </a:rPr>
-              <a:t> </a:t>
-            </a:r>
-            <a:r>
-              <a:rPr lang="en-US" sz="1200" kern="1200" dirty="0" smtClean="0">
-                <a:solidFill>
-                  <a:schemeClr val="tx1"/>
-                </a:solidFill>
-                <a:effectLst/>
-                <a:latin typeface="+mn-lt"/>
-                <a:ea typeface="+mn-ea"/>
-                <a:cs typeface="+mn-cs"/>
-              </a:rPr>
-              <a:t>drawback to HMAC is complexity.</a:t>
-            </a:r>
-          </a:p>
-          <a:p>
+              <a:t>In order for signing to work, the request must include at least two things:</a:t>
+            </a:r>
+          </a:p>
+          <a:p>
+            <a:pPr marL="171450" lvl="0" indent="-171450">
+              <a:buFont typeface="Arial" panose="020B0604020202020204" pitchFamily="34" charset="0"/>
+              <a:buChar char="•"/>
+            </a:pPr>
+            <a:r>
+              <a:rPr lang="en-US" sz="1200" kern="1200" dirty="0" smtClean="0">
+                <a:solidFill>
+                  <a:schemeClr val="tx1"/>
+                </a:solidFill>
+                <a:effectLst/>
+                <a:latin typeface="+mn-lt"/>
+                <a:ea typeface="+mn-ea"/>
+                <a:cs typeface="+mn-cs"/>
+              </a:rPr>
+              <a:t>The </a:t>
+            </a:r>
+            <a:r>
+              <a:rPr lang="en-US" sz="1200" b="1" kern="1200" dirty="0" smtClean="0">
+                <a:solidFill>
+                  <a:schemeClr val="tx1"/>
+                </a:solidFill>
+                <a:effectLst/>
+                <a:latin typeface="+mn-lt"/>
+                <a:ea typeface="+mn-ea"/>
+                <a:cs typeface="+mn-cs"/>
+              </a:rPr>
+              <a:t>signature</a:t>
+            </a:r>
+            <a:r>
+              <a:rPr lang="en-US" sz="1200" kern="1200" dirty="0" smtClean="0">
+                <a:solidFill>
+                  <a:schemeClr val="tx1"/>
+                </a:solidFill>
+                <a:effectLst/>
+                <a:latin typeface="+mn-lt"/>
+                <a:ea typeface="+mn-ea"/>
+                <a:cs typeface="+mn-cs"/>
+              </a:rPr>
+              <a:t> created with the secret value</a:t>
+            </a:r>
+          </a:p>
+          <a:p>
+            <a:pPr marL="171450" lvl="0" indent="-171450">
+              <a:buFont typeface="Arial" panose="020B0604020202020204" pitchFamily="34" charset="0"/>
+              <a:buChar char="•"/>
+            </a:pPr>
+            <a:r>
+              <a:rPr lang="en-US" sz="1200" kern="1200" dirty="0" smtClean="0">
+                <a:solidFill>
+                  <a:schemeClr val="tx1"/>
+                </a:solidFill>
+                <a:effectLst/>
+                <a:latin typeface="+mn-lt"/>
+                <a:ea typeface="+mn-ea"/>
+                <a:cs typeface="+mn-cs"/>
+              </a:rPr>
+              <a:t>An pointer to the </a:t>
+            </a:r>
+            <a:r>
+              <a:rPr lang="en-US" sz="1200" b="1" kern="1200" dirty="0" smtClean="0">
+                <a:solidFill>
+                  <a:schemeClr val="tx1"/>
+                </a:solidFill>
+                <a:effectLst/>
+                <a:latin typeface="+mn-lt"/>
+                <a:ea typeface="+mn-ea"/>
+                <a:cs typeface="+mn-cs"/>
+              </a:rPr>
+              <a:t>identity </a:t>
+            </a:r>
+            <a:r>
+              <a:rPr lang="en-US" sz="1200" b="0" kern="1200" dirty="0" smtClean="0">
+                <a:solidFill>
+                  <a:schemeClr val="tx1"/>
+                </a:solidFill>
+                <a:effectLst/>
+                <a:latin typeface="+mn-lt"/>
+                <a:ea typeface="+mn-ea"/>
+                <a:cs typeface="+mn-cs"/>
+              </a:rPr>
+              <a:t>that</a:t>
+            </a:r>
+            <a:r>
+              <a:rPr lang="en-US" sz="1200" b="0" kern="1200" baseline="0" dirty="0" smtClean="0">
+                <a:solidFill>
+                  <a:schemeClr val="tx1"/>
+                </a:solidFill>
+                <a:effectLst/>
+                <a:latin typeface="+mn-lt"/>
+                <a:ea typeface="+mn-ea"/>
+                <a:cs typeface="+mn-cs"/>
+              </a:rPr>
+              <a:t> created the signature</a:t>
+            </a:r>
+          </a:p>
+          <a:p>
+            <a:pPr marL="171450" lvl="0" indent="-171450">
+              <a:buFont typeface="Arial" panose="020B0604020202020204" pitchFamily="34" charset="0"/>
+              <a:buChar char="•"/>
+            </a:pPr>
+            <a:endParaRPr lang="en-US" sz="1200" b="0" kern="1200" baseline="0" dirty="0" smtClean="0">
+              <a:solidFill>
+                <a:schemeClr val="tx1"/>
+              </a:solidFill>
+              <a:effectLst/>
+              <a:latin typeface="+mn-lt"/>
+              <a:ea typeface="+mn-ea"/>
+              <a:cs typeface="+mn-cs"/>
+            </a:endParaRPr>
+          </a:p>
+          <a:p>
+            <a:pPr marL="0" lvl="0" indent="0">
+              <a:buFont typeface="Arial" panose="020B0604020202020204" pitchFamily="34" charset="0"/>
+              <a:buNone/>
+            </a:pPr>
+            <a:r>
+              <a:rPr lang="en-US" sz="1200" b="0" kern="1200" baseline="0" dirty="0" smtClean="0">
+                <a:solidFill>
+                  <a:schemeClr val="tx1"/>
+                </a:solidFill>
+                <a:effectLst/>
+                <a:latin typeface="+mn-lt"/>
+                <a:ea typeface="+mn-ea"/>
+                <a:cs typeface="+mn-cs"/>
+              </a:rPr>
+              <a:t>Identity indicator is required so server knows which secret value to verify with</a:t>
+            </a:r>
+          </a:p>
+          <a:p>
+            <a:pPr marL="0" lvl="0" indent="0">
+              <a:buFont typeface="Arial" panose="020B0604020202020204" pitchFamily="34" charset="0"/>
+              <a:buNone/>
+            </a:pPr>
+            <a:endParaRPr lang="en-US" sz="1200" b="0" kern="1200" baseline="0" dirty="0" smtClean="0">
+              <a:solidFill>
+                <a:schemeClr val="tx1"/>
+              </a:solidFill>
+              <a:effectLst/>
+              <a:latin typeface="+mn-lt"/>
+              <a:ea typeface="+mn-ea"/>
+              <a:cs typeface="+mn-cs"/>
+            </a:endParaRPr>
+          </a:p>
+          <a:p>
+            <a:pPr marL="0" lvl="0" indent="0">
+              <a:buFont typeface="Arial" panose="020B0604020202020204" pitchFamily="34" charset="0"/>
+              <a:buNone/>
+            </a:pPr>
+            <a:r>
+              <a:rPr lang="en-US" sz="1200" kern="1200" dirty="0" smtClean="0">
+                <a:solidFill>
+                  <a:schemeClr val="tx1"/>
+                </a:solidFill>
+                <a:effectLst/>
+                <a:latin typeface="+mn-lt"/>
+                <a:ea typeface="+mn-ea"/>
+                <a:cs typeface="+mn-cs"/>
+              </a:rPr>
+              <a:t>If you build an HMAC system you’ll </a:t>
+            </a:r>
+            <a:r>
+              <a:rPr lang="en-US" sz="1200" b="1" kern="1200" dirty="0" smtClean="0">
+                <a:solidFill>
+                  <a:schemeClr val="tx1"/>
+                </a:solidFill>
+                <a:effectLst/>
+                <a:latin typeface="+mn-lt"/>
+                <a:ea typeface="+mn-ea"/>
+                <a:cs typeface="+mn-cs"/>
+              </a:rPr>
+              <a:t>have to choose</a:t>
+            </a:r>
+            <a:r>
+              <a:rPr lang="en-US" sz="1200" kern="1200" dirty="0" smtClean="0">
+                <a:solidFill>
+                  <a:schemeClr val="tx1"/>
+                </a:solidFill>
+                <a:effectLst/>
+                <a:latin typeface="+mn-lt"/>
+                <a:ea typeface="+mn-ea"/>
+                <a:cs typeface="+mn-cs"/>
+              </a:rPr>
+              <a:t> what to use as the identifier and what to use as the secret value.</a:t>
+            </a:r>
+          </a:p>
+          <a:p>
+            <a:pPr marL="171450" lvl="0" indent="-171450">
+              <a:buFont typeface="Arial" panose="020B0604020202020204" pitchFamily="34" charset="0"/>
+              <a:buChar char="•"/>
+            </a:pPr>
+            <a:r>
+              <a:rPr lang="en-US" sz="1200" kern="1200" dirty="0" smtClean="0">
+                <a:solidFill>
+                  <a:schemeClr val="tx1"/>
+                </a:solidFill>
+                <a:effectLst/>
+                <a:latin typeface="+mn-lt"/>
+                <a:ea typeface="+mn-ea"/>
+                <a:cs typeface="+mn-cs"/>
+              </a:rPr>
+              <a:t>Internal APIs can use </a:t>
+            </a:r>
+            <a:r>
+              <a:rPr lang="en-US" sz="1200" b="1" kern="1200" dirty="0" smtClean="0">
+                <a:solidFill>
+                  <a:schemeClr val="tx1"/>
+                </a:solidFill>
+                <a:effectLst/>
+                <a:latin typeface="+mn-lt"/>
+                <a:ea typeface="+mn-ea"/>
+                <a:cs typeface="+mn-cs"/>
+              </a:rPr>
+              <a:t>member ID or PK</a:t>
+            </a:r>
+            <a:endParaRPr lang="en-US" sz="1200" b="0" kern="1200" dirty="0" smtClean="0">
+              <a:solidFill>
+                <a:schemeClr val="tx1"/>
+              </a:solidFill>
+              <a:effectLst/>
+              <a:latin typeface="+mn-lt"/>
+              <a:ea typeface="+mn-ea"/>
+              <a:cs typeface="+mn-cs"/>
+            </a:endParaRPr>
+          </a:p>
+          <a:p>
+            <a:pPr marL="171450" lvl="0" indent="-171450">
+              <a:buFont typeface="Arial" panose="020B0604020202020204" pitchFamily="34" charset="0"/>
+              <a:buChar char="•"/>
+            </a:pPr>
+            <a:r>
+              <a:rPr lang="en-US" sz="1200" b="0" kern="1200" dirty="0" smtClean="0">
+                <a:solidFill>
+                  <a:schemeClr val="tx1"/>
+                </a:solidFill>
+                <a:effectLst/>
+                <a:latin typeface="+mn-lt"/>
+                <a:ea typeface="+mn-ea"/>
+                <a:cs typeface="+mn-cs"/>
+              </a:rPr>
+              <a:t>Public APIs</a:t>
+            </a:r>
+            <a:r>
+              <a:rPr lang="en-US" sz="1200" b="0" kern="1200" baseline="0" dirty="0" smtClean="0">
+                <a:solidFill>
+                  <a:schemeClr val="tx1"/>
+                </a:solidFill>
+                <a:effectLst/>
+                <a:latin typeface="+mn-lt"/>
+                <a:ea typeface="+mn-ea"/>
+                <a:cs typeface="+mn-cs"/>
+              </a:rPr>
+              <a:t> will probably want to use an </a:t>
+            </a:r>
+            <a:r>
+              <a:rPr lang="en-US" sz="1200" b="1" kern="1200" baseline="0" dirty="0" smtClean="0">
+                <a:solidFill>
+                  <a:schemeClr val="tx1"/>
+                </a:solidFill>
+                <a:effectLst/>
+                <a:latin typeface="+mn-lt"/>
+                <a:ea typeface="+mn-ea"/>
+                <a:cs typeface="+mn-cs"/>
+              </a:rPr>
+              <a:t>API Key</a:t>
+            </a:r>
+          </a:p>
+          <a:p>
+            <a:pPr marL="171450" lvl="0" indent="-171450">
+              <a:buFont typeface="Arial" panose="020B0604020202020204" pitchFamily="34" charset="0"/>
+              <a:buChar char="•"/>
+            </a:pPr>
+            <a:r>
+              <a:rPr lang="en-US" sz="1200" b="0" kern="1200" baseline="0" dirty="0" smtClean="0">
+                <a:solidFill>
+                  <a:schemeClr val="tx1"/>
+                </a:solidFill>
+                <a:effectLst/>
+                <a:latin typeface="+mn-lt"/>
+                <a:ea typeface="+mn-ea"/>
+                <a:cs typeface="+mn-cs"/>
+              </a:rPr>
+              <a:t>In any case, must be something OK to transmit over the wire</a:t>
+            </a:r>
+          </a:p>
+          <a:p>
+            <a:pPr marL="171450" lvl="0" indent="-171450">
+              <a:buFont typeface="Arial" panose="020B0604020202020204" pitchFamily="34" charset="0"/>
+              <a:buChar char="•"/>
+            </a:pPr>
+            <a:endParaRPr lang="en-US" sz="1200" b="0" kern="1200" baseline="0" dirty="0" smtClean="0">
+              <a:solidFill>
+                <a:schemeClr val="tx1"/>
+              </a:solidFill>
+              <a:effectLst/>
+              <a:latin typeface="+mn-lt"/>
+              <a:ea typeface="+mn-ea"/>
+              <a:cs typeface="+mn-cs"/>
+            </a:endParaRPr>
+          </a:p>
+          <a:p>
+            <a:pPr marL="0" lvl="0" indent="0">
+              <a:buFont typeface="Arial" panose="020B0604020202020204" pitchFamily="34" charset="0"/>
+              <a:buNone/>
+            </a:pPr>
+            <a:r>
+              <a:rPr lang="en-US" sz="1200" b="0" kern="1200" baseline="0" dirty="0" smtClean="0">
+                <a:solidFill>
+                  <a:schemeClr val="tx1"/>
+                </a:solidFill>
+                <a:effectLst/>
+                <a:latin typeface="+mn-lt"/>
+                <a:ea typeface="+mn-ea"/>
+                <a:cs typeface="+mn-cs"/>
+              </a:rPr>
+              <a:t>If you use the API Key as the public identifier, what do we use as </a:t>
+            </a:r>
+            <a:r>
+              <a:rPr lang="en-US" sz="1200" b="1" kern="1200" baseline="0" dirty="0" smtClean="0">
+                <a:solidFill>
+                  <a:schemeClr val="tx1"/>
+                </a:solidFill>
+                <a:effectLst/>
+                <a:latin typeface="+mn-lt"/>
+                <a:ea typeface="+mn-ea"/>
+                <a:cs typeface="+mn-cs"/>
+              </a:rPr>
+              <a:t>secret value</a:t>
+            </a:r>
+            <a:r>
+              <a:rPr lang="en-US" sz="1200" b="0" kern="1200" baseline="0" dirty="0" smtClean="0">
+                <a:solidFill>
+                  <a:schemeClr val="tx1"/>
+                </a:solidFill>
+                <a:effectLst/>
+                <a:latin typeface="+mn-lt"/>
+                <a:ea typeface="+mn-ea"/>
+                <a:cs typeface="+mn-cs"/>
+              </a:rPr>
+              <a:t>?</a:t>
+            </a:r>
             <a:endParaRPr lang="en-US" sz="1200" kern="1200" dirty="0" smtClean="0">
               <a:solidFill>
                 <a:schemeClr val="tx1"/>
@@ -7916,161 +8200,6 @@
               <a:cs typeface="+mn-cs"/>
             </a:endParaRPr>
           </a:p>
-          <a:p>
-            <a:r>
-              <a:rPr lang="en-US" sz="1200" kern="1200" dirty="0" smtClean="0">
-                <a:solidFill>
-                  <a:schemeClr val="tx1"/>
-                </a:solidFill>
-                <a:effectLst/>
-                <a:latin typeface="+mn-lt"/>
-                <a:ea typeface="+mn-ea"/>
-                <a:cs typeface="+mn-cs"/>
-              </a:rPr>
-              <a:t>* Client and server must compute the hash EXACTLY the same way. </a:t>
-            </a:r>
-          </a:p>
-          <a:p>
-            <a:r>
-              <a:rPr lang="en-US" sz="1200" kern="1200" dirty="0" smtClean="0">
-                <a:solidFill>
-                  <a:schemeClr val="tx1"/>
-                </a:solidFill>
-                <a:effectLst/>
-                <a:latin typeface="+mn-lt"/>
-                <a:ea typeface="+mn-ea"/>
-                <a:cs typeface="+mn-cs"/>
-              </a:rPr>
-              <a:t>* Usually requires publishing detailed instructions that describe how to “</a:t>
-            </a:r>
-            <a:r>
-              <a:rPr lang="en-US" sz="1200" kern="1200" dirty="0" err="1" smtClean="0">
-                <a:solidFill>
-                  <a:schemeClr val="tx1"/>
-                </a:solidFill>
-                <a:effectLst/>
-                <a:latin typeface="+mn-lt"/>
-                <a:ea typeface="+mn-ea"/>
-                <a:cs typeface="+mn-cs"/>
-              </a:rPr>
-              <a:t>canonicalize</a:t>
-            </a:r>
-            <a:r>
-              <a:rPr lang="en-US" sz="1200" kern="1200" dirty="0" smtClean="0">
-                <a:solidFill>
-                  <a:schemeClr val="tx1"/>
-                </a:solidFill>
-                <a:effectLst/>
-                <a:latin typeface="+mn-lt"/>
-                <a:ea typeface="+mn-ea"/>
-                <a:cs typeface="+mn-cs"/>
-              </a:rPr>
-              <a:t>” the request data</a:t>
-            </a:r>
-          </a:p>
-          <a:p>
-            <a:r>
-              <a:rPr lang="en-US" sz="1200" kern="1200" dirty="0" smtClean="0">
-                <a:solidFill>
-                  <a:schemeClr val="tx1"/>
-                </a:solidFill>
-                <a:effectLst/>
-                <a:latin typeface="+mn-lt"/>
-                <a:ea typeface="+mn-ea"/>
-                <a:cs typeface="+mn-cs"/>
-              </a:rPr>
-              <a:t>* Client and server must agree on which headers to include. If middleware network component adds a header to the request, server will calculate different signature.</a:t>
-            </a:r>
-          </a:p>
-          <a:p>
-            <a:endParaRPr lang="en-US" sz="1200" kern="1200" dirty="0" smtClean="0">
-              <a:solidFill>
-                <a:schemeClr val="tx1"/>
-              </a:solidFill>
-              <a:effectLst/>
-              <a:latin typeface="+mn-lt"/>
-              <a:ea typeface="+mn-ea"/>
-              <a:cs typeface="+mn-cs"/>
-            </a:endParaRPr>
-          </a:p>
-          <a:p>
-            <a:r>
-              <a:rPr lang="en-US" sz="1200" kern="1200" dirty="0" smtClean="0">
-                <a:solidFill>
-                  <a:schemeClr val="tx1"/>
-                </a:solidFill>
-                <a:effectLst/>
-                <a:latin typeface="+mn-lt"/>
-                <a:ea typeface="+mn-ea"/>
-                <a:cs typeface="+mn-cs"/>
-              </a:rPr>
-              <a:t>This image</a:t>
-            </a:r>
-            <a:r>
-              <a:rPr lang="en-US" sz="1200" kern="1200" baseline="0" dirty="0" smtClean="0">
-                <a:solidFill>
-                  <a:schemeClr val="tx1"/>
-                </a:solidFill>
-                <a:effectLst/>
-                <a:latin typeface="+mn-lt"/>
-                <a:ea typeface="+mn-ea"/>
-                <a:cs typeface="+mn-cs"/>
-              </a:rPr>
-              <a:t> is a tiny piece of just one portion of instructions for </a:t>
-            </a:r>
-            <a:r>
-              <a:rPr lang="en-US" sz="1200" kern="1200" baseline="0" dirty="0" err="1" smtClean="0">
-                <a:solidFill>
-                  <a:schemeClr val="tx1"/>
-                </a:solidFill>
-                <a:effectLst/>
-                <a:latin typeface="+mn-lt"/>
-                <a:ea typeface="+mn-ea"/>
-                <a:cs typeface="+mn-cs"/>
-              </a:rPr>
-              <a:t>canonicalizing</a:t>
-            </a:r>
-            <a:r>
-              <a:rPr lang="en-US" sz="1200" kern="1200" baseline="0" dirty="0" smtClean="0">
-                <a:solidFill>
-                  <a:schemeClr val="tx1"/>
-                </a:solidFill>
-                <a:effectLst/>
-                <a:latin typeface="+mn-lt"/>
-                <a:ea typeface="+mn-ea"/>
-                <a:cs typeface="+mn-cs"/>
-              </a:rPr>
-              <a:t> an AWS API call.</a:t>
-            </a:r>
-          </a:p>
-          <a:p>
-            <a:endParaRPr lang="en-US" sz="1200" kern="1200" dirty="0" smtClean="0">
-              <a:solidFill>
-                <a:schemeClr val="tx1"/>
-              </a:solidFill>
-              <a:effectLst/>
-              <a:latin typeface="+mn-lt"/>
-              <a:ea typeface="+mn-ea"/>
-              <a:cs typeface="+mn-cs"/>
-            </a:endParaRPr>
-          </a:p>
-          <a:p>
-            <a:r>
-              <a:rPr lang="en-US" sz="1200" kern="1200" dirty="0" smtClean="0">
-                <a:solidFill>
-                  <a:schemeClr val="tx1"/>
-                </a:solidFill>
-                <a:effectLst/>
-                <a:latin typeface="+mn-lt"/>
-                <a:ea typeface="+mn-ea"/>
-                <a:cs typeface="+mn-cs"/>
-              </a:rPr>
-              <a:t>This complexity is a necessary part of using HMAC. It’s the price you pay for the increased security that signed requests provide.</a:t>
-            </a:r>
-          </a:p>
-          <a:p>
-            <a:endParaRPr lang="en-US" dirty="0"/>
-          </a:p>
         </p:txBody>
       </p:sp>
       <p:sp>
@@ -8099,7 +8228,7 @@
     </p:spTree>
     <p:extLst>
       <p:ext uri="{BB962C8B-B14F-4D97-AF65-F5344CB8AC3E}">
-        <p14:creationId xmlns:p14="http://schemas.microsoft.com/office/powerpoint/2010/main" val="1384979075"/>
+        <p14:creationId xmlns:p14="http://schemas.microsoft.com/office/powerpoint/2010/main" val="3677845339"/>
       </p:ext>
     </p:extLst>
   </p:cSld>
@@ -8163,25 +8292,7 @@
                 <a:ea typeface="+mn-ea"/>
                 <a:cs typeface="+mn-cs"/>
               </a:rPr>
-              <a:t>In order for signing to work, the request must include at least two things:</a:t>
-            </a:r>
-          </a:p>
-          <a:p>
-            <a:pPr marL="171450" lvl="0" indent="-171450">
-              <a:buFont typeface="Arial" panose="020B0604020202020204" pitchFamily="34" charset="0"/>
-              <a:buChar char="•"/>
-            </a:pPr>
-            <a:r>
-              <a:rPr lang="en-US" sz="1200" kern="1200" dirty="0" smtClean="0">
-                <a:solidFill>
-                  <a:schemeClr val="tx1"/>
-                </a:solidFill>
-                <a:effectLst/>
-                <a:latin typeface="+mn-lt"/>
-                <a:ea typeface="+mn-ea"/>
-                <a:cs typeface="+mn-cs"/>
-              </a:rPr>
-              <a:t>The </a:t>
+              <a:t>Whatever value you choose to use as the secret, it must be stored in </a:t>
             </a:r>
             <a:r>
               <a:rPr lang="en-US" sz="1200" b="1" kern="1200" dirty="0" smtClean="0">
@@ -8193,81 +8304,35 @@
                 <a:ea typeface="+mn-ea"/>
                 <a:cs typeface="+mn-cs"/>
               </a:rPr>
-              <a:t>signature</a:t>
-            </a:r>
-            <a:r>
-              <a:rPr lang="en-US" sz="1200" kern="1200" dirty="0" smtClean="0">
-                <a:solidFill>
-                  <a:schemeClr val="tx1"/>
-                </a:solidFill>
-                <a:effectLst/>
-                <a:latin typeface="+mn-lt"/>
-                <a:ea typeface="+mn-ea"/>
-                <a:cs typeface="+mn-cs"/>
-              </a:rPr>
-              <a:t> created with the secret value</a:t>
-            </a:r>
-          </a:p>
-          <a:p>
-            <a:pPr marL="171450" lvl="0" indent="-171450">
-              <a:buFont typeface="Arial" panose="020B0604020202020204" pitchFamily="34" charset="0"/>
-              <a:buChar char="•"/>
-            </a:pPr>
-            <a:r>
-              <a:rPr lang="en-US" sz="1200" kern="1200" dirty="0" smtClean="0">
-                <a:solidFill>
-                  <a:schemeClr val="tx1"/>
-                </a:solidFill>
-                <a:effectLst/>
-                <a:latin typeface="+mn-lt"/>
-                <a:ea typeface="+mn-ea"/>
-                <a:cs typeface="+mn-cs"/>
-              </a:rPr>
-              <a:t>An pointer to the </a:t>
-            </a:r>
-            <a:r>
-              <a:rPr lang="en-US" sz="1200" b="1" kern="1200" dirty="0" smtClean="0">
-                <a:solidFill>
-                  <a:schemeClr val="tx1"/>
-                </a:solidFill>
-                <a:effectLst/>
-                <a:latin typeface="+mn-lt"/>
-                <a:ea typeface="+mn-ea"/>
-                <a:cs typeface="+mn-cs"/>
-              </a:rPr>
-              <a:t>identity </a:t>
-            </a:r>
-            <a:r>
-              <a:rPr lang="en-US" sz="1200" b="0" kern="1200" dirty="0" smtClean="0">
-                <a:solidFill>
-                  <a:schemeClr val="tx1"/>
-                </a:solidFill>
-                <a:effectLst/>
-                <a:latin typeface="+mn-lt"/>
-                <a:ea typeface="+mn-ea"/>
-                <a:cs typeface="+mn-cs"/>
-              </a:rPr>
-              <a:t>that</a:t>
-            </a:r>
-            <a:r>
-              <a:rPr lang="en-US" sz="1200" b="0" kern="1200" baseline="0" dirty="0" smtClean="0">
-                <a:solidFill>
-                  <a:schemeClr val="tx1"/>
-                </a:solidFill>
-                <a:effectLst/>
-                <a:latin typeface="+mn-lt"/>
-                <a:ea typeface="+mn-ea"/>
-                <a:cs typeface="+mn-cs"/>
-              </a:rPr>
-              <a:t> created the signature</a:t>
-            </a:r>
-          </a:p>
-          <a:p>
-            <a:pPr marL="171450" lvl="0" indent="-171450">
-              <a:buFont typeface="Arial" panose="020B0604020202020204" pitchFamily="34" charset="0"/>
-              <a:buChar char="•"/>
-            </a:pPr>
-            <a:endParaRPr lang="en-US" sz="1200" b="0" kern="1200" baseline="0" dirty="0" smtClean="0">
+              <a:t>plain text or using reversible encryption</a:t>
+            </a:r>
+            <a:r>
+              <a:rPr lang="en-US" sz="1200" kern="1200" dirty="0" smtClean="0">
+                <a:solidFill>
+                  <a:schemeClr val="tx1"/>
+                </a:solidFill>
+                <a:effectLst/>
+                <a:latin typeface="+mn-lt"/>
+                <a:ea typeface="+mn-ea"/>
+                <a:cs typeface="+mn-cs"/>
+              </a:rPr>
+              <a:t>. App needs it</a:t>
+            </a:r>
+            <a:r>
+              <a:rPr lang="en-US" sz="1200" kern="1200" baseline="0" dirty="0" smtClean="0">
+                <a:solidFill>
+                  <a:schemeClr val="tx1"/>
+                </a:solidFill>
+                <a:effectLst/>
+                <a:latin typeface="+mn-lt"/>
+                <a:ea typeface="+mn-ea"/>
+                <a:cs typeface="+mn-cs"/>
+              </a:rPr>
+              <a:t> to verify sig.</a:t>
+            </a:r>
+          </a:p>
+          <a:p>
+            <a:endParaRPr lang="en-US" sz="1200" kern="1200" baseline="0" dirty="0" smtClean="0">
               <a:solidFill>
                 <a:schemeClr val="tx1"/>
               </a:solidFill>
@@ -8278,10 +8343,30 @@
             </a:endParaRPr>
           </a:p>
           <a:p>
-            <a:pPr marL="0" lvl="0" indent="0">
-              <a:buFont typeface="Arial" panose="020B0604020202020204" pitchFamily="34" charset="0"/>
-              <a:buNone/>
-            </a:pPr>
+            <a:r>
+              <a:rPr lang="en-US" sz="1200" kern="1200" baseline="0" dirty="0" smtClean="0">
+                <a:solidFill>
+                  <a:schemeClr val="tx1"/>
+                </a:solidFill>
+                <a:effectLst/>
+                <a:latin typeface="+mn-lt"/>
+                <a:ea typeface="+mn-ea"/>
+                <a:cs typeface="+mn-cs"/>
+              </a:rPr>
+              <a:t>Can’t use the user’s password. Whole point of secure password storage is to </a:t>
+            </a:r>
+            <a:r>
+              <a:rPr lang="en-US" sz="1200" b="1" kern="1200" baseline="0" dirty="0" smtClean="0">
+                <a:solidFill>
+                  <a:schemeClr val="tx1"/>
+                </a:solidFill>
+                <a:effectLst/>
+                <a:latin typeface="+mn-lt"/>
+                <a:ea typeface="+mn-ea"/>
+                <a:cs typeface="+mn-cs"/>
+              </a:rPr>
+              <a:t>prevent app from knowing actual password</a:t>
+            </a:r>
             <a:r>
               <a:rPr lang="en-US" sz="1200" b="0" kern="1200" baseline="0" dirty="0" smtClean="0">
                 <a:solidFill>
@@ -8292,221 +8377,56 @@
                 <a:ea typeface="+mn-ea"/>
                 <a:cs typeface="+mn-cs"/>
               </a:rPr>
-              <a:t>Identity indicator is required so server knows which secret value to verify with</a:t>
-            </a:r>
-          </a:p>
-          <a:p>
-            <a:pPr marL="0" lvl="0" indent="0">
-              <a:buFont typeface="Arial" panose="020B0604020202020204" pitchFamily="34" charset="0"/>
-              <a:buNone/>
-            </a:pPr>
-            <a:endParaRPr lang="en-US" sz="1200" b="0" kern="1200" baseline="0" dirty="0" smtClean="0">
-              <a:solidFill>
-                <a:schemeClr val="tx1"/>
-              </a:solidFill>
-              <a:effectLst/>
-              <a:latin typeface="+mn-lt"/>
-              <a:ea typeface="+mn-ea"/>
-              <a:cs typeface="+mn-cs"/>
-            </a:endParaRPr>
-          </a:p>
-          <a:p>
-            <a:pPr marL="0" lvl="0" indent="0">
-              <a:buFont typeface="Arial" panose="020B0604020202020204" pitchFamily="34" charset="0"/>
-              <a:buNone/>
-            </a:pPr>
-            <a:r>
-              <a:rPr lang="en-US" sz="1200" kern="1200" dirty="0" smtClean="0">
-                <a:solidFill>
-                  <a:schemeClr val="tx1"/>
-                </a:solidFill>
-                <a:effectLst/>
-                <a:latin typeface="+mn-lt"/>
-                <a:ea typeface="+mn-ea"/>
-                <a:cs typeface="+mn-cs"/>
-              </a:rPr>
-              <a:t>If you build an HMAC system you’ll </a:t>
-            </a:r>
-            <a:r>
-              <a:rPr lang="en-US" sz="1200" b="1" kern="1200" dirty="0" smtClean="0">
-                <a:solidFill>
-                  <a:schemeClr val="tx1"/>
-                </a:solidFill>
-                <a:effectLst/>
-                <a:latin typeface="+mn-lt"/>
-                <a:ea typeface="+mn-ea"/>
-                <a:cs typeface="+mn-cs"/>
-              </a:rPr>
-              <a:t>have to choose</a:t>
-            </a:r>
-            <a:r>
-              <a:rPr lang="en-US" sz="1200" kern="1200" dirty="0" smtClean="0">
-                <a:solidFill>
-                  <a:schemeClr val="tx1"/>
-                </a:solidFill>
-                <a:effectLst/>
-                <a:latin typeface="+mn-lt"/>
-                <a:ea typeface="+mn-ea"/>
-                <a:cs typeface="+mn-cs"/>
-              </a:rPr>
-              <a:t> what to use as the identifier and what to use as the secret value.</a:t>
-            </a:r>
-          </a:p>
-          <a:p>
-            <a:pPr marL="171450" lvl="0" indent="-171450">
+              <a:t>. </a:t>
+            </a:r>
+          </a:p>
+          <a:p>
+            <a:pPr marL="171450" indent="-171450">
               <a:buFont typeface="Arial" panose="020B0604020202020204" pitchFamily="34" charset="0"/>
               <a:buChar char="•"/>
             </a:pPr>
             <a:r>
-              <a:rPr lang="en-US" sz="1200" kern="1200" dirty="0" smtClean="0">
-                <a:solidFill>
-                  <a:schemeClr val="tx1"/>
-                </a:solidFill>
-                <a:effectLst/>
-                <a:latin typeface="+mn-lt"/>
-                <a:ea typeface="+mn-ea"/>
-                <a:cs typeface="+mn-cs"/>
-              </a:rPr>
-              <a:t>Internal APIs can use </a:t>
-            </a:r>
-            <a:r>
-              <a:rPr lang="en-US" sz="1200" b="1" kern="1200" dirty="0" smtClean="0">
-                <a:solidFill>
-                  <a:schemeClr val="tx1"/>
-                </a:solidFill>
-                <a:effectLst/>
-                <a:latin typeface="+mn-lt"/>
-                <a:ea typeface="+mn-ea"/>
-                <a:cs typeface="+mn-cs"/>
-              </a:rPr>
-              <a:t>member ID or PK</a:t>
-            </a:r>
-            <a:endParaRPr lang="en-US" sz="1200" b="0" kern="1200" dirty="0" smtClean="0">
-              <a:solidFill>
-                <a:schemeClr val="tx1"/>
-              </a:solidFill>
-              <a:effectLst/>
-              <a:latin typeface="+mn-lt"/>
-              <a:ea typeface="+mn-ea"/>
-              <a:cs typeface="+mn-cs"/>
-            </a:endParaRPr>
-          </a:p>
-          <a:p>
-            <a:pPr marL="171450" lvl="0" indent="-171450">
+              <a:rPr lang="en-US" sz="1200" b="0" kern="1200" baseline="0" dirty="0" smtClean="0">
+                <a:solidFill>
+                  <a:schemeClr val="tx1"/>
+                </a:solidFill>
+                <a:effectLst/>
+                <a:latin typeface="+mn-lt"/>
+                <a:ea typeface="+mn-ea"/>
+                <a:cs typeface="+mn-cs"/>
+              </a:rPr>
+              <a:t>If hashing and salting password, server only knows the </a:t>
+            </a:r>
+            <a:r>
+              <a:rPr lang="en-US" sz="1200" b="1" kern="1200" baseline="0" dirty="0" smtClean="0">
+                <a:solidFill>
+                  <a:schemeClr val="tx1"/>
+                </a:solidFill>
+                <a:effectLst/>
+                <a:latin typeface="+mn-lt"/>
+                <a:ea typeface="+mn-ea"/>
+                <a:cs typeface="+mn-cs"/>
+              </a:rPr>
+              <a:t>encrypted password</a:t>
+            </a:r>
+            <a:r>
+              <a:rPr lang="en-US" sz="1200" b="0" kern="1200" baseline="0" dirty="0" smtClean="0">
+                <a:solidFill>
+                  <a:schemeClr val="tx1"/>
+                </a:solidFill>
+                <a:effectLst/>
+                <a:latin typeface="+mn-lt"/>
+                <a:ea typeface="+mn-ea"/>
+                <a:cs typeface="+mn-cs"/>
+              </a:rPr>
+              <a:t>, not the text password</a:t>
+            </a:r>
+          </a:p>
+          <a:p>
+            <a:pPr marL="171450" indent="-171450">
               <a:buFont typeface="Arial" panose="020B0604020202020204" pitchFamily="34" charset="0"/>
               <a:buChar char="•"/>
             </a:pPr>
-            <a:r>
-              <a:rPr lang="en-US" sz="1200" b="0" kern="1200" dirty="0" smtClean="0">
-                <a:solidFill>
-                  <a:schemeClr val="tx1"/>
-                </a:solidFill>
-                <a:effectLst/>
-                <a:latin typeface="+mn-lt"/>
-                <a:ea typeface="+mn-ea"/>
-                <a:cs typeface="+mn-cs"/>
-              </a:rPr>
-              <a:t>Public APIs</a:t>
-            </a:r>
-            <a:r>
-              <a:rPr lang="en-US" sz="1200" b="0" kern="1200" baseline="0" dirty="0" smtClean="0">
-                <a:solidFill>
-                  <a:schemeClr val="tx1"/>
-                </a:solidFill>
-                <a:effectLst/>
-                <a:latin typeface="+mn-lt"/>
-                <a:ea typeface="+mn-ea"/>
-                <a:cs typeface="+mn-cs"/>
-              </a:rPr>
-              <a:t> will probably want to use an </a:t>
-            </a:r>
-            <a:r>
-              <a:rPr lang="en-US" sz="1200" b="1" kern="1200" baseline="0" dirty="0" smtClean="0">
-                <a:solidFill>
-                  <a:schemeClr val="tx1"/>
-                </a:solidFill>
-                <a:effectLst/>
-                <a:latin typeface="+mn-lt"/>
-                <a:ea typeface="+mn-ea"/>
-                <a:cs typeface="+mn-cs"/>
-              </a:rPr>
-              <a:t>API Key</a:t>
-            </a:r>
-          </a:p>
-          <a:p>
-            <a:pPr marL="171450" lvl="0" indent="-171450">
-              <a:buFont typeface="Arial" panose="020B0604020202020204" pitchFamily="34" charset="0"/>
-              <a:buChar char="•"/>
-            </a:pPr>
-            <a:r>
-              <a:rPr lang="en-US" sz="1200" b="0" kern="1200" baseline="0" dirty="0" smtClean="0">
-                <a:solidFill>
-                  <a:schemeClr val="tx1"/>
-                </a:solidFill>
-                <a:effectLst/>
-                <a:latin typeface="+mn-lt"/>
-                <a:ea typeface="+mn-ea"/>
-                <a:cs typeface="+mn-cs"/>
-              </a:rPr>
-              <a:t>In any case, must be something OK to transmit over the wire</a:t>
-            </a:r>
-          </a:p>
-          <a:p>
-            <a:pPr marL="171450" lvl="0" indent="-171450">
-              <a:buFont typeface="Arial" panose="020B0604020202020204" pitchFamily="34" charset="0"/>
-              <a:buChar char="•"/>
-            </a:pPr>
-            <a:endParaRPr lang="en-US" sz="1200" b="0" kern="1200" baseline="0" dirty="0" smtClean="0">
-              <a:solidFill>
-                <a:schemeClr val="tx1"/>
-              </a:solidFill>
-              <a:effectLst/>
-              <a:latin typeface="+mn-lt"/>
-              <a:ea typeface="+mn-ea"/>
-              <a:cs typeface="+mn-cs"/>
-            </a:endParaRPr>
-          </a:p>
-          <a:p>
-            <a:pPr marL="0" lvl="0" indent="0">
-              <a:buFont typeface="Arial" panose="020B0604020202020204" pitchFamily="34" charset="0"/>
-              <a:buNone/>
-            </a:pPr>
-            <a:r>
-              <a:rPr lang="en-US" sz="1200" b="0" kern="1200" baseline="0" dirty="0" smtClean="0">
-                <a:solidFill>
-                  <a:schemeClr val="tx1"/>
-                </a:solidFill>
-                <a:effectLst/>
-                <a:latin typeface="+mn-lt"/>
-                <a:ea typeface="+mn-ea"/>
-                <a:cs typeface="+mn-cs"/>
-              </a:rPr>
-              <a:t>If you use the API Key as the public identifier, what do we use as </a:t>
-            </a:r>
-            <a:r>
-              <a:rPr lang="en-US" sz="1200" b="1" kern="1200" baseline="0" dirty="0" smtClean="0">
-                <a:solidFill>
-                  <a:schemeClr val="tx1"/>
-                </a:solidFill>
-                <a:effectLst/>
-                <a:latin typeface="+mn-lt"/>
-                <a:ea typeface="+mn-ea"/>
-                <a:cs typeface="+mn-cs"/>
-              </a:rPr>
-              <a:t>secret value</a:t>
-            </a:r>
-            <a:r>
-              <a:rPr lang="en-US" sz="1200" b="0" kern="1200" baseline="0" dirty="0" smtClean="0">
-                <a:solidFill>
-                  <a:schemeClr val="tx1"/>
-                </a:solidFill>
-                <a:effectLst/>
-                <a:latin typeface="+mn-lt"/>
-                <a:ea typeface="+mn-ea"/>
-                <a:cs typeface="+mn-cs"/>
-              </a:rPr>
-              <a:t>?</a:t>
-            </a:r>
             <a:endParaRPr lang="en-US" sz="1200" kern="1200" dirty="0" smtClean="0">
               <a:solidFill>
                 <a:schemeClr val="tx1"/>
@@ -8517,6 +8437,160 @@
               <a:cs typeface="+mn-cs"/>
             </a:endParaRPr>
           </a:p>
+          <a:p>
+            <a:r>
+              <a:rPr lang="en-US" sz="1200" kern="1200" dirty="0" smtClean="0">
+                <a:solidFill>
+                  <a:schemeClr val="tx1"/>
+                </a:solidFill>
+                <a:effectLst/>
+                <a:latin typeface="+mn-lt"/>
+                <a:ea typeface="+mn-ea"/>
+                <a:cs typeface="+mn-cs"/>
+              </a:rPr>
+              <a:t>A</a:t>
+            </a:r>
+            <a:r>
+              <a:rPr lang="en-US" sz="1200" kern="1200" baseline="0" dirty="0" smtClean="0">
+                <a:solidFill>
+                  <a:schemeClr val="tx1"/>
+                </a:solidFill>
+                <a:effectLst/>
+                <a:latin typeface="+mn-lt"/>
+                <a:ea typeface="+mn-ea"/>
+                <a:cs typeface="+mn-cs"/>
+              </a:rPr>
+              <a:t> popular </a:t>
+            </a:r>
+            <a:r>
+              <a:rPr lang="en-US" sz="1200" kern="1200" dirty="0" smtClean="0">
+                <a:solidFill>
+                  <a:schemeClr val="tx1"/>
+                </a:solidFill>
+                <a:effectLst/>
+                <a:latin typeface="+mn-lt"/>
+                <a:ea typeface="+mn-ea"/>
+                <a:cs typeface="+mn-cs"/>
+              </a:rPr>
+              <a:t>approach is to issue API Keys as a </a:t>
+            </a:r>
+            <a:r>
+              <a:rPr lang="en-US" sz="1200" b="1" kern="1200" dirty="0" smtClean="0">
+                <a:solidFill>
+                  <a:schemeClr val="tx1"/>
+                </a:solidFill>
+                <a:effectLst/>
+                <a:latin typeface="+mn-lt"/>
+                <a:ea typeface="+mn-ea"/>
+                <a:cs typeface="+mn-cs"/>
+              </a:rPr>
+              <a:t>pair</a:t>
+            </a:r>
+            <a:r>
+              <a:rPr lang="en-US" sz="1200" kern="1200" dirty="0" smtClean="0">
+                <a:solidFill>
+                  <a:schemeClr val="tx1"/>
+                </a:solidFill>
+                <a:effectLst/>
+                <a:latin typeface="+mn-lt"/>
+                <a:ea typeface="+mn-ea"/>
+                <a:cs typeface="+mn-cs"/>
+              </a:rPr>
+              <a:t> of values</a:t>
+            </a:r>
+          </a:p>
+          <a:p>
+            <a:pPr marL="171450" indent="-171450">
+              <a:buFont typeface="Arial" panose="020B0604020202020204" pitchFamily="34" charset="0"/>
+              <a:buChar char="•"/>
+            </a:pPr>
+            <a:r>
+              <a:rPr lang="en-US" sz="1200" kern="1200" dirty="0" smtClean="0">
+                <a:solidFill>
+                  <a:schemeClr val="tx1"/>
+                </a:solidFill>
+                <a:effectLst/>
+                <a:latin typeface="+mn-lt"/>
+                <a:ea typeface="+mn-ea"/>
+                <a:cs typeface="+mn-cs"/>
+              </a:rPr>
+              <a:t>Public API key, that is transmitted over the wire </a:t>
+            </a:r>
+          </a:p>
+          <a:p>
+            <a:pPr marL="171450" indent="-171450">
+              <a:buFont typeface="Arial" panose="020B0604020202020204" pitchFamily="34" charset="0"/>
+              <a:buChar char="•"/>
+            </a:pPr>
+            <a:r>
+              <a:rPr lang="en-US" sz="1200" kern="1200" dirty="0" smtClean="0">
+                <a:solidFill>
+                  <a:schemeClr val="tx1"/>
+                </a:solidFill>
+                <a:effectLst/>
+                <a:latin typeface="+mn-lt"/>
+                <a:ea typeface="+mn-ea"/>
+                <a:cs typeface="+mn-cs"/>
+              </a:rPr>
+              <a:t>Private key that is only known by the client and server. </a:t>
+            </a:r>
+          </a:p>
+          <a:p>
+            <a:endParaRPr lang="en-US" dirty="0" smtClean="0"/>
+          </a:p>
+          <a:p>
+            <a:r>
+              <a:rPr lang="en-US" sz="1200" kern="1200" dirty="0" smtClean="0">
+                <a:solidFill>
+                  <a:schemeClr val="tx1"/>
+                </a:solidFill>
+                <a:effectLst/>
+                <a:latin typeface="+mn-lt"/>
+                <a:ea typeface="+mn-ea"/>
+                <a:cs typeface="+mn-cs"/>
+              </a:rPr>
+              <a:t> </a:t>
+            </a:r>
+          </a:p>
+          <a:p>
+            <a:r>
+              <a:rPr lang="en-US" sz="1200" kern="1200" dirty="0" smtClean="0">
+                <a:solidFill>
+                  <a:schemeClr val="tx1"/>
+                </a:solidFill>
+                <a:effectLst/>
+                <a:latin typeface="+mn-lt"/>
+                <a:ea typeface="+mn-ea"/>
+                <a:cs typeface="+mn-cs"/>
+              </a:rPr>
+              <a:t>Storing in text </a:t>
+            </a:r>
+            <a:r>
+              <a:rPr lang="en-US" sz="1200" b="1" kern="1200" dirty="0" smtClean="0">
+                <a:solidFill>
+                  <a:schemeClr val="tx1"/>
+                </a:solidFill>
+                <a:effectLst/>
+                <a:latin typeface="+mn-lt"/>
+                <a:ea typeface="+mn-ea"/>
+                <a:cs typeface="+mn-cs"/>
+              </a:rPr>
+              <a:t>means it can be compromised</a:t>
+            </a:r>
+            <a:r>
+              <a:rPr lang="en-US" sz="1200" b="0" kern="1200" baseline="0" dirty="0" smtClean="0">
+                <a:solidFill>
+                  <a:schemeClr val="tx1"/>
+                </a:solidFill>
+                <a:effectLst/>
+                <a:latin typeface="+mn-lt"/>
+                <a:ea typeface="+mn-ea"/>
+                <a:cs typeface="+mn-cs"/>
+              </a:rPr>
+              <a:t> if an attacker gains access to your database. To combat this, implement an expiration policy for your API Keys</a:t>
+            </a:r>
+            <a:endParaRPr lang="en-US" dirty="0"/>
+          </a:p>
         </p:txBody>
       </p:sp>
       <p:sp>
@@ -8545,7 +8619,7 @@
     </p:spTree>
     <p:extLst>
       <p:ext uri="{BB962C8B-B14F-4D97-AF65-F5344CB8AC3E}">
-        <p14:creationId xmlns:p14="http://schemas.microsoft.com/office/powerpoint/2010/main" val="3677845339"/>
+        <p14:creationId xmlns:p14="http://schemas.microsoft.com/office/powerpoint/2010/main" val="3211571951"/>
       </p:ext>
     </p:extLst>
   </p:cSld>
@@ -8599,17 +8673,58 @@
           <a:bodyPr/>
           <a:lstStyle/>
           <a:p>
-            <a:r>
-              <a:rPr lang="en-US" sz="1200" kern="1200" dirty="0" smtClean="0">
-                <a:solidFill>
-                  <a:schemeClr val="tx1"/>
-                </a:solidFill>
-                <a:effectLst/>
-                <a:latin typeface="+mn-lt"/>
-                <a:ea typeface="+mn-ea"/>
-                <a:cs typeface="+mn-cs"/>
-              </a:rPr>
-              <a:t>Whatever value you choose to use as the secret, it must be stored in </a:t>
+            <a:pPr marL="0" marR="0" lvl="0" indent="0" algn="l" defTabSz="914400" rtl="0" eaLnBrk="1" fontAlgn="auto" latinLnBrk="0" hangingPunct="1">
+              <a:lnSpc>
+                <a:spcPct val="100000"/>
+              </a:lnSpc>
+              <a:spcBef>
+                <a:spcPts val="0"/>
+              </a:spcBef>
+              <a:spcAft>
+                <a:spcPts val="0"/>
+              </a:spcAft>
+              <a:buClrTx/>
+              <a:buSzTx/>
+              <a:buFontTx/>
+              <a:buNone/>
+              <a:tabLst/>
+              <a:defRPr/>
+            </a:pPr>
+            <a:r>
+              <a:rPr lang="en-US" sz="1200" kern="1200" dirty="0" smtClean="0">
+                <a:solidFill>
+                  <a:schemeClr val="tx1"/>
+                </a:solidFill>
+                <a:effectLst/>
+                <a:latin typeface="+mn-lt"/>
+                <a:ea typeface="+mn-ea"/>
+                <a:cs typeface="+mn-cs"/>
+              </a:rPr>
+              <a:t>The last detail of an API</a:t>
+            </a:r>
+            <a:r>
+              <a:rPr lang="en-US" sz="1200" kern="1200" baseline="0" dirty="0" smtClean="0">
+                <a:solidFill>
+                  <a:schemeClr val="tx1"/>
+                </a:solidFill>
+                <a:effectLst/>
+                <a:latin typeface="+mn-lt"/>
+                <a:ea typeface="+mn-ea"/>
+                <a:cs typeface="+mn-cs"/>
+              </a:rPr>
+              <a:t> Key </a:t>
+            </a:r>
+            <a:r>
+              <a:rPr lang="en-US" sz="1200" kern="1200" dirty="0" smtClean="0">
+                <a:solidFill>
+                  <a:schemeClr val="tx1"/>
+                </a:solidFill>
+                <a:effectLst/>
+                <a:latin typeface="+mn-lt"/>
+                <a:ea typeface="+mn-ea"/>
+                <a:cs typeface="+mn-cs"/>
+              </a:rPr>
+              <a:t>implementation that you need to think about: </a:t>
             </a:r>
             <a:r>
               <a:rPr lang="en-US" sz="1200" b="1" kern="1200" dirty="0" smtClean="0">
@@ -8621,56 +8736,7 @@
                 <a:ea typeface="+mn-ea"/>
                 <a:cs typeface="+mn-cs"/>
               </a:rPr>
-              <a:t>plain text or using reversible encryption</a:t>
-            </a:r>
-            <a:r>
-              <a:rPr lang="en-US" sz="1200" kern="1200" dirty="0" smtClean="0">
-                <a:solidFill>
-                  <a:schemeClr val="tx1"/>
-                </a:solidFill>
-                <a:effectLst/>
-                <a:latin typeface="+mn-lt"/>
-                <a:ea typeface="+mn-ea"/>
-                <a:cs typeface="+mn-cs"/>
-              </a:rPr>
-              <a:t>. App needs it</a:t>
-            </a:r>
-            <a:r>
-              <a:rPr lang="en-US" sz="1200" kern="1200" baseline="0" dirty="0" smtClean="0">
-                <a:solidFill>
-                  <a:schemeClr val="tx1"/>
-                </a:solidFill>
-                <a:effectLst/>
-                <a:latin typeface="+mn-lt"/>
-                <a:ea typeface="+mn-ea"/>
-                <a:cs typeface="+mn-cs"/>
-              </a:rPr>
-              <a:t> to verify sig.</a:t>
-            </a:r>
-          </a:p>
-          <a:p>
-            <a:endParaRPr lang="en-US" sz="1200" kern="1200" baseline="0" dirty="0" smtClean="0">
-              <a:solidFill>
-                <a:schemeClr val="tx1"/>
-              </a:solidFill>
-              <a:effectLst/>
-              <a:latin typeface="+mn-lt"/>
-              <a:ea typeface="+mn-ea"/>
-              <a:cs typeface="+mn-cs"/>
-            </a:endParaRPr>
-          </a:p>
-          <a:p>
-            <a:r>
-              <a:rPr lang="en-US" sz="1200" kern="1200" baseline="0" dirty="0" smtClean="0">
-                <a:solidFill>
-                  <a:schemeClr val="tx1"/>
-                </a:solidFill>
-                <a:effectLst/>
-                <a:latin typeface="+mn-lt"/>
-                <a:ea typeface="+mn-ea"/>
-                <a:cs typeface="+mn-cs"/>
-              </a:rPr>
-              <a:t>Can’t use the user’s password. Whole point of secure password storage is to </a:t>
+              <a:t>how does the client come to</a:t>
             </a:r>
             <a:r>
               <a:rPr lang="en-US" sz="1200" b="1" kern="1200" baseline="0" dirty="0" smtClean="0">
@@ -8682,7 +8748,7 @@
                 <a:ea typeface="+mn-ea"/>
                 <a:cs typeface="+mn-cs"/>
               </a:rPr>
-              <a:t>prevent app from knowing actual password</a:t>
+              <a:t> know the key</a:t>
             </a:r>
             <a:r>
               <a:rPr lang="en-US" sz="1200" b="0" kern="1200" baseline="0" dirty="0" smtClean="0">
@@ -8694,55 +8760,26 @@
                 <a:ea typeface="+mn-ea"/>
                 <a:cs typeface="+mn-cs"/>
               </a:rPr>
-              <a:t>. </a:t>
-            </a:r>
-          </a:p>
-          <a:p>
-            <a:pPr marL="171450" indent="-171450">
-              <a:buFont typeface="Arial" panose="020B0604020202020204" pitchFamily="34" charset="0"/>
-              <a:buChar char="•"/>
-            </a:pPr>
-            <a:r>
-              <a:rPr lang="en-US" sz="1200" b="0" kern="1200" baseline="0" dirty="0" smtClean="0">
-                <a:solidFill>
-                  <a:schemeClr val="tx1"/>
-                </a:solidFill>
-                <a:effectLst/>
-                <a:latin typeface="+mn-lt"/>
-                <a:ea typeface="+mn-ea"/>
-                <a:cs typeface="+mn-cs"/>
-              </a:rPr>
-              <a:t>If hashing and salting password, server only knows the </a:t>
-            </a:r>
-            <a:r>
-              <a:rPr lang="en-US" sz="1200" b="1" kern="1200" baseline="0" dirty="0" smtClean="0">
-                <a:solidFill>
-                  <a:schemeClr val="tx1"/>
-                </a:solidFill>
-                <a:effectLst/>
-                <a:latin typeface="+mn-lt"/>
-                <a:ea typeface="+mn-ea"/>
-                <a:cs typeface="+mn-cs"/>
-              </a:rPr>
-              <a:t>encrypted password</a:t>
-            </a:r>
-            <a:r>
-              <a:rPr lang="en-US" sz="1200" b="0" kern="1200" baseline="0" dirty="0" smtClean="0">
-                <a:solidFill>
-                  <a:schemeClr val="tx1"/>
-                </a:solidFill>
-                <a:effectLst/>
-                <a:latin typeface="+mn-lt"/>
-                <a:ea typeface="+mn-ea"/>
-                <a:cs typeface="+mn-cs"/>
-              </a:rPr>
-              <a:t>, not the text password</a:t>
-            </a:r>
-          </a:p>
-          <a:p>
-            <a:pPr marL="171450" indent="-171450">
-              <a:buFont typeface="Arial" panose="020B0604020202020204" pitchFamily="34" charset="0"/>
-              <a:buChar char="•"/>
+              <a:t> in the first place?</a:t>
+            </a:r>
+          </a:p>
+          <a:p>
+            <a:pPr marL="0" marR="0" lvl="0" indent="0" algn="l" defTabSz="914400" rtl="0" eaLnBrk="1" fontAlgn="auto" latinLnBrk="0" hangingPunct="1">
+              <a:lnSpc>
+                <a:spcPct val="100000"/>
+              </a:lnSpc>
+              <a:spcBef>
+                <a:spcPts val="0"/>
+              </a:spcBef>
+              <a:spcAft>
+                <a:spcPts val="0"/>
+              </a:spcAft>
+              <a:buClrTx/>
+              <a:buSzTx/>
+              <a:buFontTx/>
+              <a:buNone/>
+              <a:tabLst/>
+              <a:defRPr/>
             </a:pPr>
             <a:endParaRPr lang="en-US" sz="1200" kern="1200" dirty="0" smtClean="0">
               <a:solidFill>
@@ -8755,17 +8792,34 @@
             </a:endParaRPr>
           </a:p>
           <a:p>
-            <a:r>
-              <a:rPr lang="en-US" sz="1200" kern="1200" dirty="0" smtClean="0">
-                <a:solidFill>
-                  <a:schemeClr val="tx1"/>
-                </a:solidFill>
-                <a:effectLst/>
-                <a:latin typeface="+mn-lt"/>
-                <a:ea typeface="+mn-ea"/>
-                <a:cs typeface="+mn-cs"/>
-              </a:rPr>
-              <a:t>A</a:t>
+            <a:pPr marL="0" marR="0" lvl="0" indent="0" algn="l" defTabSz="914400" rtl="0" eaLnBrk="1" fontAlgn="auto" latinLnBrk="0" hangingPunct="1">
+              <a:lnSpc>
+                <a:spcPct val="100000"/>
+              </a:lnSpc>
+              <a:spcBef>
+                <a:spcPts val="0"/>
+              </a:spcBef>
+              <a:spcAft>
+                <a:spcPts val="0"/>
+              </a:spcAft>
+              <a:buClrTx/>
+              <a:buSzTx/>
+              <a:buFontTx/>
+              <a:buNone/>
+              <a:tabLst/>
+              <a:defRPr/>
+            </a:pPr>
+            <a:r>
+              <a:rPr lang="en-US" sz="1200" kern="1200" dirty="0" smtClean="0">
+                <a:solidFill>
+                  <a:schemeClr val="tx1"/>
+                </a:solidFill>
+                <a:effectLst/>
+                <a:latin typeface="+mn-lt"/>
+                <a:ea typeface="+mn-ea"/>
+                <a:cs typeface="+mn-cs"/>
+              </a:rPr>
+              <a:t>Regardless of whether you’re using bearer</a:t>
             </a:r>
             <a:r>
               <a:rPr lang="en-US" sz="1200" kern="1200" baseline="0" dirty="0" smtClean="0">
@@ -8777,19 +8831,41 @@
                 <a:ea typeface="+mn-ea"/>
                 <a:cs typeface="+mn-cs"/>
               </a:rPr>
-              <a:t> popular </a:t>
-            </a:r>
-            <a:r>
-              <a:rPr lang="en-US" sz="1200" kern="1200" dirty="0" smtClean="0">
-                <a:solidFill>
-                  <a:schemeClr val="tx1"/>
-                </a:solidFill>
-                <a:effectLst/>
-                <a:latin typeface="+mn-lt"/>
-                <a:ea typeface="+mn-ea"/>
-                <a:cs typeface="+mn-cs"/>
-              </a:rPr>
-              <a:t>approach is to issue API Keys as a </a:t>
+              <a:t> tokens or HMAC, the client must know the secret value.</a:t>
+            </a:r>
+            <a:endParaRPr lang="en-US" sz="1200" kern="1200" dirty="0" smtClean="0">
+              <a:solidFill>
+                <a:schemeClr val="tx1"/>
+              </a:solidFill>
+              <a:effectLst/>
+              <a:latin typeface="+mn-lt"/>
+              <a:ea typeface="+mn-ea"/>
+              <a:cs typeface="+mn-cs"/>
+            </a:endParaRPr>
+          </a:p>
+          <a:p>
+            <a:endParaRPr lang="en-US" sz="1200" kern="1200" dirty="0" smtClean="0">
+              <a:solidFill>
+                <a:schemeClr val="tx1"/>
+              </a:solidFill>
+              <a:effectLst/>
+              <a:latin typeface="+mn-lt"/>
+              <a:ea typeface="+mn-ea"/>
+              <a:cs typeface="+mn-cs"/>
+            </a:endParaRPr>
+          </a:p>
+          <a:p>
+            <a:r>
+              <a:rPr lang="en-US" sz="1200" kern="1200" dirty="0" smtClean="0">
+                <a:solidFill>
+                  <a:schemeClr val="tx1"/>
+                </a:solidFill>
+                <a:effectLst/>
+                <a:latin typeface="+mn-lt"/>
+                <a:ea typeface="+mn-ea"/>
+                <a:cs typeface="+mn-cs"/>
+              </a:rPr>
+              <a:t>If you’re writing a </a:t>
             </a:r>
             <a:r>
               <a:rPr lang="en-US" sz="1200" b="1" kern="1200" dirty="0" smtClean="0">
@@ -8801,111 +8877,176 @@
                 <a:ea typeface="+mn-ea"/>
                 <a:cs typeface="+mn-cs"/>
               </a:rPr>
-              <a:t>pair</a:t>
-            </a:r>
-            <a:r>
-              <a:rPr lang="en-US" sz="1200" kern="1200" dirty="0" smtClean="0">
-                <a:solidFill>
-                  <a:schemeClr val="tx1"/>
-                </a:solidFill>
-                <a:effectLst/>
-                <a:latin typeface="+mn-lt"/>
-                <a:ea typeface="+mn-ea"/>
-                <a:cs typeface="+mn-cs"/>
-              </a:rPr>
-              <a:t> of values</a:t>
-            </a:r>
-          </a:p>
-          <a:p>
-            <a:pPr marL="171450" indent="-171450">
-              <a:buFont typeface="Arial" panose="020B0604020202020204" pitchFamily="34" charset="0"/>
-              <a:buChar char="•"/>
-            </a:pPr>
-            <a:r>
-              <a:rPr lang="en-US" sz="1200" kern="1200" dirty="0" smtClean="0">
-                <a:solidFill>
-                  <a:schemeClr val="tx1"/>
-                </a:solidFill>
-                <a:effectLst/>
-                <a:latin typeface="+mn-lt"/>
-                <a:ea typeface="+mn-ea"/>
-                <a:cs typeface="+mn-cs"/>
-              </a:rPr>
-              <a:t>Public API key, that is transmitted over the wire </a:t>
-            </a:r>
-          </a:p>
-          <a:p>
-            <a:pPr marL="171450" indent="-171450">
-              <a:buFont typeface="Arial" panose="020B0604020202020204" pitchFamily="34" charset="0"/>
-              <a:buChar char="•"/>
-            </a:pPr>
-            <a:r>
-              <a:rPr lang="en-US" sz="1200" kern="1200" dirty="0" smtClean="0">
-                <a:solidFill>
-                  <a:schemeClr val="tx1"/>
-                </a:solidFill>
-                <a:effectLst/>
-                <a:latin typeface="+mn-lt"/>
-                <a:ea typeface="+mn-ea"/>
-                <a:cs typeface="+mn-cs"/>
-              </a:rPr>
-              <a:t>Private key that is only known by the client and server. </a:t>
-            </a:r>
-          </a:p>
-          <a:p>
-            <a:endParaRPr lang="en-US" dirty="0" smtClean="0"/>
-          </a:p>
-          <a:p>
-            <a:r>
-              <a:rPr lang="en-US" sz="1200" kern="1200" dirty="0" smtClean="0">
-                <a:solidFill>
-                  <a:schemeClr val="tx1"/>
-                </a:solidFill>
-                <a:effectLst/>
-                <a:latin typeface="+mn-lt"/>
-                <a:ea typeface="+mn-ea"/>
-                <a:cs typeface="+mn-cs"/>
-              </a:rPr>
-              <a:t> </a:t>
-            </a:r>
-          </a:p>
-          <a:p>
-            <a:r>
-              <a:rPr lang="en-US" sz="1200" kern="1200" dirty="0" smtClean="0">
-                <a:solidFill>
-                  <a:schemeClr val="tx1"/>
-                </a:solidFill>
-                <a:effectLst/>
-                <a:latin typeface="+mn-lt"/>
-                <a:ea typeface="+mn-ea"/>
-                <a:cs typeface="+mn-cs"/>
-              </a:rPr>
-              <a:t>Storing in text </a:t>
-            </a:r>
-            <a:r>
-              <a:rPr lang="en-US" sz="1200" b="1" kern="1200" dirty="0" smtClean="0">
-                <a:solidFill>
-                  <a:schemeClr val="tx1"/>
-                </a:solidFill>
-                <a:effectLst/>
-                <a:latin typeface="+mn-lt"/>
-                <a:ea typeface="+mn-ea"/>
-                <a:cs typeface="+mn-cs"/>
-              </a:rPr>
-              <a:t>means it can be compromised</a:t>
-            </a:r>
-            <a:r>
-              <a:rPr lang="en-US" sz="1200" b="0" kern="1200" baseline="0" dirty="0" smtClean="0">
-                <a:solidFill>
-                  <a:schemeClr val="tx1"/>
-                </a:solidFill>
-                <a:effectLst/>
-                <a:latin typeface="+mn-lt"/>
-                <a:ea typeface="+mn-ea"/>
-                <a:cs typeface="+mn-cs"/>
-              </a:rPr>
-              <a:t> if an attacker gains access to your database. To combat this, implement an expiration policy for your API Keys</a:t>
-            </a:r>
+              <a:t>server-based client</a:t>
+            </a:r>
+            <a:r>
+              <a:rPr lang="en-US" sz="1200" kern="1200" dirty="0" smtClean="0">
+                <a:solidFill>
+                  <a:schemeClr val="tx1"/>
+                </a:solidFill>
+                <a:effectLst/>
+                <a:latin typeface="+mn-lt"/>
+                <a:ea typeface="+mn-ea"/>
+                <a:cs typeface="+mn-cs"/>
+              </a:rPr>
+              <a:t> it’s easy. </a:t>
+            </a:r>
+          </a:p>
+          <a:p>
+            <a:endParaRPr lang="en-US" sz="1200" kern="1200" dirty="0" smtClean="0">
+              <a:solidFill>
+                <a:schemeClr val="tx1"/>
+              </a:solidFill>
+              <a:effectLst/>
+              <a:latin typeface="+mn-lt"/>
+              <a:ea typeface="+mn-ea"/>
+              <a:cs typeface="+mn-cs"/>
+            </a:endParaRPr>
+          </a:p>
+          <a:p>
+            <a:r>
+              <a:rPr lang="en-US" sz="1200" kern="1200" dirty="0" smtClean="0">
+                <a:solidFill>
+                  <a:schemeClr val="tx1"/>
+                </a:solidFill>
+                <a:effectLst/>
+                <a:latin typeface="+mn-lt"/>
+                <a:ea typeface="+mn-ea"/>
+                <a:cs typeface="+mn-cs"/>
+              </a:rPr>
+              <a:t>* Programmer obtains the secret value using some secure mechanism</a:t>
+            </a:r>
+            <a:br>
+              <a:rPr lang="en-US" sz="1200" kern="1200" dirty="0" smtClean="0">
+                <a:solidFill>
+                  <a:schemeClr val="tx1"/>
+                </a:solidFill>
+                <a:effectLst/>
+                <a:latin typeface="+mn-lt"/>
+                <a:ea typeface="+mn-ea"/>
+                <a:cs typeface="+mn-cs"/>
+              </a:rPr>
+            </a:br>
+            <a:r>
+              <a:rPr lang="en-US" sz="1200" kern="1200" dirty="0" smtClean="0">
+                <a:solidFill>
+                  <a:schemeClr val="tx1"/>
+                </a:solidFill>
+                <a:effectLst/>
+                <a:latin typeface="+mn-lt"/>
+                <a:ea typeface="+mn-ea"/>
+                <a:cs typeface="+mn-cs"/>
+              </a:rPr>
+              <a:t>* Puts it into the source code or </a:t>
+            </a:r>
+            <a:r>
+              <a:rPr lang="en-US" sz="1200" kern="1200" dirty="0" err="1" smtClean="0">
+                <a:solidFill>
+                  <a:schemeClr val="tx1"/>
+                </a:solidFill>
+                <a:effectLst/>
+                <a:latin typeface="+mn-lt"/>
+                <a:ea typeface="+mn-ea"/>
+                <a:cs typeface="+mn-cs"/>
+              </a:rPr>
+              <a:t>config</a:t>
+            </a:r>
+            <a:r>
+              <a:rPr lang="en-US" sz="1200" kern="1200" dirty="0" smtClean="0">
+                <a:solidFill>
+                  <a:schemeClr val="tx1"/>
+                </a:solidFill>
+                <a:effectLst/>
+                <a:latin typeface="+mn-lt"/>
+                <a:ea typeface="+mn-ea"/>
+                <a:cs typeface="+mn-cs"/>
+              </a:rPr>
+              <a:t> file for the client. </a:t>
+            </a:r>
+          </a:p>
+          <a:p>
+            <a:endParaRPr lang="en-US" sz="1200" kern="1200" dirty="0" smtClean="0">
+              <a:solidFill>
+                <a:schemeClr val="tx1"/>
+              </a:solidFill>
+              <a:effectLst/>
+              <a:latin typeface="+mn-lt"/>
+              <a:ea typeface="+mn-ea"/>
+              <a:cs typeface="+mn-cs"/>
+            </a:endParaRPr>
+          </a:p>
+          <a:p>
+            <a:r>
+              <a:rPr lang="en-US" sz="1200" kern="1200" dirty="0" smtClean="0">
+                <a:solidFill>
+                  <a:schemeClr val="tx1"/>
+                </a:solidFill>
+                <a:effectLst/>
+                <a:latin typeface="+mn-lt"/>
+                <a:ea typeface="+mn-ea"/>
+                <a:cs typeface="+mn-cs"/>
+              </a:rPr>
+              <a:t>The client</a:t>
+            </a:r>
+            <a:r>
+              <a:rPr lang="en-US" sz="1200" kern="1200" baseline="0" dirty="0" smtClean="0">
+                <a:solidFill>
+                  <a:schemeClr val="tx1"/>
+                </a:solidFill>
+                <a:effectLst/>
+                <a:latin typeface="+mn-lt"/>
+                <a:ea typeface="+mn-ea"/>
+                <a:cs typeface="+mn-cs"/>
+              </a:rPr>
+              <a:t> is </a:t>
+            </a:r>
+            <a:r>
+              <a:rPr lang="en-US" sz="1200" kern="1200" baseline="0" dirty="0" smtClean="0">
+                <a:solidFill>
+                  <a:schemeClr val="tx1"/>
+                </a:solidFill>
+                <a:effectLst/>
+                <a:latin typeface="+mn-lt"/>
+                <a:ea typeface="+mn-ea"/>
+                <a:cs typeface="+mn-cs"/>
+              </a:rPr>
+              <a:t>secure, so as long as </a:t>
+            </a:r>
+            <a:r>
+              <a:rPr lang="en-US" sz="1200" kern="1200" baseline="0" dirty="0" err="1" smtClean="0">
+                <a:solidFill>
+                  <a:schemeClr val="tx1"/>
+                </a:solidFill>
+                <a:effectLst/>
+                <a:latin typeface="+mn-lt"/>
+                <a:ea typeface="+mn-ea"/>
+                <a:cs typeface="+mn-cs"/>
+              </a:rPr>
+              <a:t>your’re</a:t>
+            </a:r>
+            <a:r>
+              <a:rPr lang="en-US" sz="1200" kern="1200" baseline="0" dirty="0" smtClean="0">
+                <a:solidFill>
+                  <a:schemeClr val="tx1"/>
+                </a:solidFill>
+                <a:effectLst/>
+                <a:latin typeface="+mn-lt"/>
+                <a:ea typeface="+mn-ea"/>
+                <a:cs typeface="+mn-cs"/>
+              </a:rPr>
+              <a:t> either using bearer tokens and TLS or HMAC, the key itself is never exposed.</a:t>
+            </a:r>
+            <a:endParaRPr lang="en-US" sz="1200" kern="1200" dirty="0" smtClean="0">
+              <a:solidFill>
+                <a:schemeClr val="tx1"/>
+              </a:solidFill>
+              <a:effectLst/>
+              <a:latin typeface="+mn-lt"/>
+              <a:ea typeface="+mn-ea"/>
+              <a:cs typeface="+mn-cs"/>
+            </a:endParaRPr>
+          </a:p>
+          <a:p>
             <a:endParaRPr lang="en-US" dirty="0"/>
           </a:p>
         </p:txBody>
@@ -8936,7 +9077,7 @@
     </p:spTree>
     <p:extLst>
       <p:ext uri="{BB962C8B-B14F-4D97-AF65-F5344CB8AC3E}">
-        <p14:creationId xmlns:p14="http://schemas.microsoft.com/office/powerpoint/2010/main" val="3211571951"/>
+        <p14:creationId xmlns:p14="http://schemas.microsoft.com/office/powerpoint/2010/main" val="2065950752"/>
       </p:ext>
     </p:extLst>
   </p:cSld>
@@ -9000,44 +9141,248 @@
                 <a:ea typeface="+mn-ea"/>
                 <a:cs typeface="+mn-cs"/>
               </a:rPr>
-              <a:t>There’s one other detail of an HMAC implementation that you need to think about: </a:t>
-            </a:r>
-            <a:r>
-              <a:rPr lang="en-US" sz="1200" b="1" kern="1200" dirty="0" smtClean="0">
-                <a:solidFill>
-                  <a:schemeClr val="tx1"/>
-                </a:solidFill>
-                <a:effectLst/>
-                <a:latin typeface="+mn-lt"/>
-                <a:ea typeface="+mn-ea"/>
-                <a:cs typeface="+mn-cs"/>
-              </a:rPr>
-              <a:t>how does the client come to</a:t>
-            </a:r>
-            <a:r>
-              <a:rPr lang="en-US" sz="1200" b="1" kern="1200" baseline="0" dirty="0" smtClean="0">
-                <a:solidFill>
-                  <a:schemeClr val="tx1"/>
-                </a:solidFill>
-                <a:effectLst/>
-                <a:latin typeface="+mn-lt"/>
-                <a:ea typeface="+mn-ea"/>
-                <a:cs typeface="+mn-cs"/>
-              </a:rPr>
-              <a:t> know the secret key</a:t>
-            </a:r>
-            <a:r>
-              <a:rPr lang="en-US" sz="1200" b="0" kern="1200" baseline="0" dirty="0" smtClean="0">
-                <a:solidFill>
-                  <a:schemeClr val="tx1"/>
-                </a:solidFill>
-                <a:effectLst/>
-                <a:latin typeface="+mn-lt"/>
-                <a:ea typeface="+mn-ea"/>
-                <a:cs typeface="+mn-cs"/>
-              </a:rPr>
-              <a:t> in the first place?</a:t>
-            </a:r>
+              <a:t>More complicated</a:t>
+            </a:r>
+            <a:r>
+              <a:rPr lang="en-US" sz="1200" kern="1200" baseline="0" dirty="0" smtClean="0">
+                <a:solidFill>
+                  <a:schemeClr val="tx1"/>
+                </a:solidFill>
+                <a:effectLst/>
+                <a:latin typeface="+mn-lt"/>
+                <a:ea typeface="+mn-ea"/>
+                <a:cs typeface="+mn-cs"/>
+              </a:rPr>
+              <a:t> for a JS </a:t>
+            </a:r>
+            <a:r>
+              <a:rPr lang="en-US" sz="1200" kern="1200" baseline="0" dirty="0" smtClean="0">
+                <a:solidFill>
+                  <a:schemeClr val="tx1"/>
+                </a:solidFill>
+                <a:effectLst/>
+                <a:latin typeface="+mn-lt"/>
+                <a:ea typeface="+mn-ea"/>
+                <a:cs typeface="+mn-cs"/>
+              </a:rPr>
+              <a:t>client.</a:t>
+            </a:r>
+            <a:endParaRPr lang="en-US" sz="1200" kern="1200" baseline="0" dirty="0" smtClean="0">
+              <a:solidFill>
+                <a:schemeClr val="tx1"/>
+              </a:solidFill>
+              <a:effectLst/>
+              <a:latin typeface="+mn-lt"/>
+              <a:ea typeface="+mn-ea"/>
+              <a:cs typeface="+mn-cs"/>
+            </a:endParaRPr>
+          </a:p>
+          <a:p>
+            <a:endParaRPr lang="en-US" sz="1200" kern="1200" baseline="0" dirty="0" smtClean="0">
+              <a:solidFill>
+                <a:schemeClr val="tx1"/>
+              </a:solidFill>
+              <a:effectLst/>
+              <a:latin typeface="+mn-lt"/>
+              <a:ea typeface="+mn-ea"/>
+              <a:cs typeface="+mn-cs"/>
+            </a:endParaRPr>
+          </a:p>
+          <a:p>
+            <a:r>
+              <a:rPr lang="en-US" sz="1200" kern="1200" baseline="0" dirty="0" smtClean="0">
+                <a:solidFill>
+                  <a:schemeClr val="tx1"/>
+                </a:solidFill>
+                <a:effectLst/>
+                <a:latin typeface="+mn-lt"/>
+                <a:ea typeface="+mn-ea"/>
+                <a:cs typeface="+mn-cs"/>
+              </a:rPr>
+              <a:t>* No </a:t>
+            </a:r>
+            <a:r>
+              <a:rPr lang="en-US" sz="1200" kern="1200" baseline="0" dirty="0" smtClean="0">
+                <a:solidFill>
+                  <a:schemeClr val="tx1"/>
+                </a:solidFill>
+                <a:effectLst/>
+                <a:latin typeface="+mn-lt"/>
+                <a:ea typeface="+mn-ea"/>
+                <a:cs typeface="+mn-cs"/>
+              </a:rPr>
+              <a:t>way to pre-load the key up front; users can log in from any browser at any </a:t>
+            </a:r>
+            <a:r>
+              <a:rPr lang="en-US" sz="1200" kern="1200" baseline="0" dirty="0" smtClean="0">
+                <a:solidFill>
+                  <a:schemeClr val="tx1"/>
+                </a:solidFill>
+                <a:effectLst/>
+                <a:latin typeface="+mn-lt"/>
+                <a:ea typeface="+mn-ea"/>
+                <a:cs typeface="+mn-cs"/>
+              </a:rPr>
+              <a:t>time</a:t>
+            </a:r>
+          </a:p>
+          <a:p>
+            <a:r>
+              <a:rPr lang="en-US" sz="1200" kern="1200" baseline="0" dirty="0" smtClean="0">
+                <a:solidFill>
+                  <a:schemeClr val="tx1"/>
+                </a:solidFill>
+                <a:effectLst/>
+                <a:latin typeface="+mn-lt"/>
+                <a:ea typeface="+mn-ea"/>
+                <a:cs typeface="+mn-cs"/>
+              </a:rPr>
+              <a:t>* Generally speaking, you need the user to actively authenticate themselves by logging in. </a:t>
+            </a:r>
+          </a:p>
+          <a:p>
+            <a:r>
+              <a:rPr lang="en-US" sz="1200" kern="1200" baseline="0" dirty="0" smtClean="0">
+                <a:solidFill>
+                  <a:schemeClr val="tx1"/>
+                </a:solidFill>
+                <a:effectLst/>
+                <a:latin typeface="+mn-lt"/>
+                <a:ea typeface="+mn-ea"/>
+                <a:cs typeface="+mn-cs"/>
+              </a:rPr>
+              <a:t>* Once authenticated, an API or encryption key could </a:t>
+            </a:r>
+            <a:r>
+              <a:rPr lang="en-US" sz="1200" kern="1200" baseline="0" dirty="0" smtClean="0">
+                <a:solidFill>
+                  <a:schemeClr val="tx1"/>
+                </a:solidFill>
+                <a:effectLst/>
+                <a:latin typeface="+mn-lt"/>
+                <a:ea typeface="+mn-ea"/>
+                <a:cs typeface="+mn-cs"/>
+              </a:rPr>
+              <a:t>be securely </a:t>
+            </a:r>
+            <a:r>
+              <a:rPr lang="en-US" sz="1200" i="1" kern="1200" baseline="0" dirty="0" smtClean="0">
+                <a:solidFill>
+                  <a:schemeClr val="tx1"/>
+                </a:solidFill>
+                <a:effectLst/>
+                <a:latin typeface="+mn-lt"/>
+                <a:ea typeface="+mn-ea"/>
+                <a:cs typeface="+mn-cs"/>
+              </a:rPr>
+              <a:t>transmitted </a:t>
+            </a:r>
+            <a:r>
+              <a:rPr lang="en-US" sz="1200" i="1" kern="1200" baseline="0" dirty="0" smtClean="0">
+                <a:solidFill>
+                  <a:schemeClr val="tx1"/>
+                </a:solidFill>
+                <a:effectLst/>
+                <a:latin typeface="+mn-lt"/>
+                <a:ea typeface="+mn-ea"/>
+                <a:cs typeface="+mn-cs"/>
+              </a:rPr>
+              <a:t>back to </a:t>
+            </a:r>
+            <a:r>
+              <a:rPr lang="en-US" sz="1200" i="0" kern="1200" baseline="0" dirty="0" smtClean="0">
+                <a:solidFill>
+                  <a:schemeClr val="tx1"/>
+                </a:solidFill>
+                <a:effectLst/>
+                <a:latin typeface="+mn-lt"/>
+                <a:ea typeface="+mn-ea"/>
+                <a:cs typeface="+mn-cs"/>
+              </a:rPr>
+              <a:t>the client, but the client cannot </a:t>
+            </a:r>
+            <a:r>
+              <a:rPr lang="en-US" sz="1200" i="1" kern="1200" baseline="0" dirty="0" smtClean="0">
+                <a:solidFill>
+                  <a:schemeClr val="tx1"/>
+                </a:solidFill>
+                <a:effectLst/>
+                <a:latin typeface="+mn-lt"/>
+                <a:ea typeface="+mn-ea"/>
+                <a:cs typeface="+mn-cs"/>
+              </a:rPr>
+              <a:t>securely store it</a:t>
+            </a:r>
+            <a:endParaRPr lang="en-US" sz="1200" kern="1200" baseline="0" dirty="0" smtClean="0">
+              <a:solidFill>
+                <a:schemeClr val="tx1"/>
+              </a:solidFill>
+              <a:effectLst/>
+              <a:latin typeface="+mn-lt"/>
+              <a:ea typeface="+mn-ea"/>
+              <a:cs typeface="+mn-cs"/>
+            </a:endParaRPr>
+          </a:p>
+          <a:p>
+            <a:r>
+              <a:rPr lang="en-US" sz="1200" kern="1200" baseline="0" dirty="0" smtClean="0">
+                <a:solidFill>
+                  <a:schemeClr val="tx1"/>
+                </a:solidFill>
+                <a:effectLst/>
+                <a:latin typeface="+mn-lt"/>
+                <a:ea typeface="+mn-ea"/>
+                <a:cs typeface="+mn-cs"/>
+              </a:rPr>
+              <a:t>* That’s </a:t>
+            </a:r>
+            <a:r>
+              <a:rPr lang="en-US" sz="1200" kern="1200" baseline="0" dirty="0" smtClean="0">
+                <a:solidFill>
+                  <a:schemeClr val="tx1"/>
+                </a:solidFill>
+                <a:effectLst/>
+                <a:latin typeface="+mn-lt"/>
+                <a:ea typeface="+mn-ea"/>
+                <a:cs typeface="+mn-cs"/>
+              </a:rPr>
+              <a:t>because JS is not a secure environment. Crypto functions can be monkey patched, local storage is susceptible to </a:t>
+            </a:r>
+            <a:r>
+              <a:rPr lang="en-US" sz="1200" kern="1200" baseline="0" dirty="0" smtClean="0">
+                <a:solidFill>
+                  <a:schemeClr val="tx1"/>
+                </a:solidFill>
+                <a:effectLst/>
+                <a:latin typeface="+mn-lt"/>
+                <a:ea typeface="+mn-ea"/>
+                <a:cs typeface="+mn-cs"/>
+              </a:rPr>
+              <a:t>XSS</a:t>
+            </a:r>
+          </a:p>
+          <a:p>
+            <a:r>
+              <a:rPr lang="en-US" sz="1200" kern="1200" baseline="0" dirty="0" smtClean="0">
+                <a:solidFill>
+                  <a:schemeClr val="tx1"/>
+                </a:solidFill>
+                <a:effectLst/>
+                <a:latin typeface="+mn-lt"/>
+                <a:ea typeface="+mn-ea"/>
+                <a:cs typeface="+mn-cs"/>
+              </a:rPr>
+              <a:t>* As a rule, you should assume that anything you expose to JS is open for inspection</a:t>
+            </a:r>
+            <a:endParaRPr lang="en-US" sz="1200" kern="1200" baseline="0" dirty="0" smtClean="0">
+              <a:solidFill>
+                <a:schemeClr val="tx1"/>
+              </a:solidFill>
+              <a:effectLst/>
+              <a:latin typeface="+mn-lt"/>
+              <a:ea typeface="+mn-ea"/>
+              <a:cs typeface="+mn-cs"/>
+            </a:endParaRPr>
           </a:p>
           <a:p>
             <a:endParaRPr lang="en-US" sz="1200" kern="1200" dirty="0" smtClean="0">
@@ -9052,200 +9397,28 @@
           </a:p>
           <a:p>
             <a:r>
-              <a:rPr lang="en-US" sz="1200" kern="1200" dirty="0" smtClean="0">
-                <a:solidFill>
-                  <a:schemeClr val="tx1"/>
-                </a:solidFill>
-                <a:effectLst/>
-                <a:latin typeface="+mn-lt"/>
-                <a:ea typeface="+mn-ea"/>
-                <a:cs typeface="+mn-cs"/>
-              </a:rPr>
-              <a:t>If you’re writing a </a:t>
-            </a:r>
-            <a:r>
-              <a:rPr lang="en-US" sz="1200" b="1" kern="1200" dirty="0" smtClean="0">
-                <a:solidFill>
-                  <a:schemeClr val="tx1"/>
-                </a:solidFill>
-                <a:effectLst/>
-                <a:latin typeface="+mn-lt"/>
-                <a:ea typeface="+mn-ea"/>
-                <a:cs typeface="+mn-cs"/>
-              </a:rPr>
-              <a:t>server-based client</a:t>
-            </a:r>
-            <a:r>
-              <a:rPr lang="en-US" sz="1200" kern="1200" dirty="0" smtClean="0">
-                <a:solidFill>
-                  <a:schemeClr val="tx1"/>
-                </a:solidFill>
-                <a:effectLst/>
-                <a:latin typeface="+mn-lt"/>
-                <a:ea typeface="+mn-ea"/>
-                <a:cs typeface="+mn-cs"/>
-              </a:rPr>
-              <a:t> it’s easy. </a:t>
-            </a:r>
-          </a:p>
-          <a:p>
-            <a:endParaRPr lang="en-US" sz="1200" kern="1200" dirty="0" smtClean="0">
-              <a:solidFill>
-                <a:schemeClr val="tx1"/>
-              </a:solidFill>
-              <a:effectLst/>
-              <a:latin typeface="+mn-lt"/>
-              <a:ea typeface="+mn-ea"/>
-              <a:cs typeface="+mn-cs"/>
-            </a:endParaRPr>
-          </a:p>
-          <a:p>
-            <a:r>
-              <a:rPr lang="en-US" sz="1200" kern="1200" dirty="0" smtClean="0">
-                <a:solidFill>
-                  <a:schemeClr val="tx1"/>
-                </a:solidFill>
-                <a:effectLst/>
-                <a:latin typeface="+mn-lt"/>
-                <a:ea typeface="+mn-ea"/>
-                <a:cs typeface="+mn-cs"/>
-              </a:rPr>
-              <a:t>* Programmer obtains the secret value using some secure mechanism</a:t>
-            </a:r>
-            <a:br>
-              <a:rPr lang="en-US" sz="1200" kern="1200" dirty="0" smtClean="0">
-                <a:solidFill>
-                  <a:schemeClr val="tx1"/>
-                </a:solidFill>
-                <a:effectLst/>
-                <a:latin typeface="+mn-lt"/>
-                <a:ea typeface="+mn-ea"/>
-                <a:cs typeface="+mn-cs"/>
-              </a:rPr>
-            </a:br>
-            <a:r>
-              <a:rPr lang="en-US" sz="1200" kern="1200" dirty="0" smtClean="0">
-                <a:solidFill>
-                  <a:schemeClr val="tx1"/>
-                </a:solidFill>
-                <a:effectLst/>
-                <a:latin typeface="+mn-lt"/>
-                <a:ea typeface="+mn-ea"/>
-                <a:cs typeface="+mn-cs"/>
-              </a:rPr>
-              <a:t>* Puts it into the source code or </a:t>
-            </a:r>
-            <a:r>
-              <a:rPr lang="en-US" sz="1200" kern="1200" dirty="0" err="1" smtClean="0">
-                <a:solidFill>
-                  <a:schemeClr val="tx1"/>
-                </a:solidFill>
-                <a:effectLst/>
-                <a:latin typeface="+mn-lt"/>
-                <a:ea typeface="+mn-ea"/>
-                <a:cs typeface="+mn-cs"/>
-              </a:rPr>
-              <a:t>config</a:t>
-            </a:r>
-            <a:r>
-              <a:rPr lang="en-US" sz="1200" kern="1200" dirty="0" smtClean="0">
-                <a:solidFill>
-                  <a:schemeClr val="tx1"/>
-                </a:solidFill>
-                <a:effectLst/>
-                <a:latin typeface="+mn-lt"/>
-                <a:ea typeface="+mn-ea"/>
-                <a:cs typeface="+mn-cs"/>
-              </a:rPr>
-              <a:t> file for the client. </a:t>
-            </a:r>
-          </a:p>
-          <a:p>
-            <a:r>
-              <a:rPr lang="en-US" sz="1200" kern="1200" dirty="0" smtClean="0">
-                <a:solidFill>
-                  <a:schemeClr val="tx1"/>
-                </a:solidFill>
-                <a:effectLst/>
-                <a:latin typeface="+mn-lt"/>
-                <a:ea typeface="+mn-ea"/>
-                <a:cs typeface="+mn-cs"/>
-              </a:rPr>
-              <a:t>* Once set, doesn’t need to change; that specific deployed instance of the client will only ever deal with that one pair of values. </a:t>
-            </a:r>
-          </a:p>
-          <a:p>
-            <a:endParaRPr lang="en-US" sz="1200" kern="1200" dirty="0" smtClean="0">
-              <a:solidFill>
-                <a:schemeClr val="tx1"/>
-              </a:solidFill>
-              <a:effectLst/>
-              <a:latin typeface="+mn-lt"/>
-              <a:ea typeface="+mn-ea"/>
-              <a:cs typeface="+mn-cs"/>
-            </a:endParaRPr>
-          </a:p>
-          <a:p>
-            <a:r>
-              <a:rPr lang="en-US" sz="1200" kern="1200" dirty="0" smtClean="0">
-                <a:solidFill>
-                  <a:schemeClr val="tx1"/>
-                </a:solidFill>
-                <a:effectLst/>
-                <a:latin typeface="+mn-lt"/>
-                <a:ea typeface="+mn-ea"/>
-                <a:cs typeface="+mn-cs"/>
-              </a:rPr>
-              <a:t>The client</a:t>
-            </a:r>
-            <a:r>
-              <a:rPr lang="en-US" sz="1200" kern="1200" baseline="0" dirty="0" smtClean="0">
-                <a:solidFill>
-                  <a:schemeClr val="tx1"/>
-                </a:solidFill>
-                <a:effectLst/>
-                <a:latin typeface="+mn-lt"/>
-                <a:ea typeface="+mn-ea"/>
-                <a:cs typeface="+mn-cs"/>
-              </a:rPr>
-              <a:t> is secure and the k</a:t>
-            </a:r>
-            <a:r>
-              <a:rPr lang="en-US" sz="1200" kern="1200" dirty="0" smtClean="0">
-                <a:solidFill>
-                  <a:schemeClr val="tx1"/>
-                </a:solidFill>
-                <a:effectLst/>
-                <a:latin typeface="+mn-lt"/>
-                <a:ea typeface="+mn-ea"/>
-                <a:cs typeface="+mn-cs"/>
-              </a:rPr>
-              <a:t>ey is never exposed</a:t>
-            </a:r>
-            <a:r>
-              <a:rPr lang="en-US" sz="1200" kern="1200" baseline="0" dirty="0" smtClean="0">
-                <a:solidFill>
-                  <a:schemeClr val="tx1"/>
-                </a:solidFill>
-                <a:effectLst/>
-                <a:latin typeface="+mn-lt"/>
-                <a:ea typeface="+mn-ea"/>
-                <a:cs typeface="+mn-cs"/>
-              </a:rPr>
-              <a:t> to attacks.</a:t>
-            </a:r>
-            <a:endParaRPr lang="en-US" sz="1200" kern="1200" dirty="0" smtClean="0">
-              <a:solidFill>
-                <a:schemeClr val="tx1"/>
-              </a:solidFill>
-              <a:effectLst/>
-              <a:latin typeface="+mn-lt"/>
-              <a:ea typeface="+mn-ea"/>
-              <a:cs typeface="+mn-cs"/>
-            </a:endParaRPr>
-          </a:p>
-          <a:p>
-            <a:endParaRPr lang="en-US" dirty="0"/>
+              <a:rPr lang="en-US" dirty="0" smtClean="0"/>
+              <a:t>So</a:t>
+            </a:r>
+            <a:r>
+              <a:rPr lang="en-US" baseline="0" dirty="0" smtClean="0"/>
+              <a:t> if we can’t store the </a:t>
+            </a:r>
+            <a:r>
+              <a:rPr lang="en-US" baseline="0" dirty="0" smtClean="0"/>
+              <a:t>API or encryption keys </a:t>
+            </a:r>
+            <a:r>
+              <a:rPr lang="en-US" baseline="0" dirty="0" smtClean="0"/>
+              <a:t>in JS, how </a:t>
+            </a:r>
+            <a:r>
+              <a:rPr lang="en-US" baseline="0" dirty="0" smtClean="0"/>
+              <a:t>do we secure an API for a JS client?</a:t>
+            </a:r>
+          </a:p>
+          <a:p>
+            <a:endParaRPr lang="en-US" baseline="0" dirty="0" smtClean="0"/>
           </a:p>
         </p:txBody>
       </p:sp>
@@ -9275,7 +9448,7 @@
     </p:spTree>
     <p:extLst>
       <p:ext uri="{BB962C8B-B14F-4D97-AF65-F5344CB8AC3E}">
-        <p14:creationId xmlns:p14="http://schemas.microsoft.com/office/powerpoint/2010/main" val="2065950752"/>
+        <p14:creationId xmlns:p14="http://schemas.microsoft.com/office/powerpoint/2010/main" val="3769464640"/>
       </p:ext>
     </p:extLst>
   </p:cSld>
@@ -9330,149 +9503,62 @@
           <a:lstStyle/>
           <a:p>
             <a:r>
-              <a:rPr lang="en-US" sz="1200" kern="1200" dirty="0" smtClean="0">
-                <a:solidFill>
-                  <a:schemeClr val="tx1"/>
-                </a:solidFill>
-                <a:effectLst/>
-                <a:latin typeface="+mn-lt"/>
-                <a:ea typeface="+mn-ea"/>
-                <a:cs typeface="+mn-cs"/>
-              </a:rPr>
-              <a:t>More complicated</a:t>
-            </a:r>
-            <a:r>
-              <a:rPr lang="en-US" sz="1200" kern="1200" baseline="0" dirty="0" smtClean="0">
-                <a:solidFill>
-                  <a:schemeClr val="tx1"/>
-                </a:solidFill>
-                <a:effectLst/>
-                <a:latin typeface="+mn-lt"/>
-                <a:ea typeface="+mn-ea"/>
-                <a:cs typeface="+mn-cs"/>
-              </a:rPr>
-              <a:t> for a JS or mobile app.</a:t>
-            </a:r>
-          </a:p>
-          <a:p>
-            <a:endParaRPr lang="en-US" sz="1200" kern="1200" baseline="0" dirty="0" smtClean="0">
-              <a:solidFill>
-                <a:schemeClr val="tx1"/>
-              </a:solidFill>
-              <a:effectLst/>
-              <a:latin typeface="+mn-lt"/>
-              <a:ea typeface="+mn-ea"/>
-              <a:cs typeface="+mn-cs"/>
-            </a:endParaRPr>
-          </a:p>
-          <a:p>
-            <a:r>
-              <a:rPr lang="en-US" sz="1200" kern="1200" baseline="0" dirty="0" smtClean="0">
-                <a:solidFill>
-                  <a:schemeClr val="tx1"/>
-                </a:solidFill>
-                <a:effectLst/>
-                <a:latin typeface="+mn-lt"/>
-                <a:ea typeface="+mn-ea"/>
-                <a:cs typeface="+mn-cs"/>
-              </a:rPr>
-              <a:t>* No way to pre-load the key up front; users can log in from any browser at any time</a:t>
-            </a:r>
-          </a:p>
-          <a:p>
-            <a:r>
-              <a:rPr lang="en-US" sz="1200" kern="1200" baseline="0" dirty="0" smtClean="0">
-                <a:solidFill>
-                  <a:schemeClr val="tx1"/>
-                </a:solidFill>
-                <a:effectLst/>
-                <a:latin typeface="+mn-lt"/>
-                <a:ea typeface="+mn-ea"/>
-                <a:cs typeface="+mn-cs"/>
-              </a:rPr>
-              <a:t>* The key can be securely </a:t>
-            </a:r>
-            <a:r>
-              <a:rPr lang="en-US" sz="1200" i="1" kern="1200" baseline="0" dirty="0" smtClean="0">
-                <a:solidFill>
-                  <a:schemeClr val="tx1"/>
-                </a:solidFill>
-                <a:effectLst/>
-                <a:latin typeface="+mn-lt"/>
-                <a:ea typeface="+mn-ea"/>
-                <a:cs typeface="+mn-cs"/>
-              </a:rPr>
-              <a:t>transmitted to </a:t>
-            </a:r>
-            <a:r>
-              <a:rPr lang="en-US" sz="1200" i="0" kern="1200" baseline="0" dirty="0" smtClean="0">
-                <a:solidFill>
-                  <a:schemeClr val="tx1"/>
-                </a:solidFill>
-                <a:effectLst/>
-                <a:latin typeface="+mn-lt"/>
-                <a:ea typeface="+mn-ea"/>
-                <a:cs typeface="+mn-cs"/>
-              </a:rPr>
-              <a:t>the client, but the client cannot </a:t>
-            </a:r>
-            <a:r>
-              <a:rPr lang="en-US" sz="1200" i="1" kern="1200" baseline="0" dirty="0" smtClean="0">
-                <a:solidFill>
-                  <a:schemeClr val="tx1"/>
-                </a:solidFill>
-                <a:effectLst/>
-                <a:latin typeface="+mn-lt"/>
-                <a:ea typeface="+mn-ea"/>
-                <a:cs typeface="+mn-cs"/>
-              </a:rPr>
-              <a:t>securely store it</a:t>
-            </a:r>
-            <a:endParaRPr lang="en-US" sz="1200" kern="1200" baseline="0" dirty="0" smtClean="0">
-              <a:solidFill>
-                <a:schemeClr val="tx1"/>
-              </a:solidFill>
-              <a:effectLst/>
-              <a:latin typeface="+mn-lt"/>
-              <a:ea typeface="+mn-ea"/>
-              <a:cs typeface="+mn-cs"/>
-            </a:endParaRPr>
-          </a:p>
-          <a:p>
-            <a:r>
-              <a:rPr lang="en-US" sz="1200" kern="1200" baseline="0" dirty="0" smtClean="0">
-                <a:solidFill>
-                  <a:schemeClr val="tx1"/>
-                </a:solidFill>
-                <a:effectLst/>
-                <a:latin typeface="+mn-lt"/>
-                <a:ea typeface="+mn-ea"/>
-                <a:cs typeface="+mn-cs"/>
-              </a:rPr>
-              <a:t>* That’s because JS is not a secure environment. Crypto functions can be monkey patched, local storage is susceptible to XSS</a:t>
-            </a:r>
-          </a:p>
-          <a:p>
-            <a:endParaRPr lang="en-US" sz="1200" kern="1200" dirty="0" smtClean="0">
-              <a:solidFill>
-                <a:schemeClr val="tx1"/>
-              </a:solidFill>
-              <a:effectLst/>
-              <a:latin typeface="+mn-lt"/>
-              <a:ea typeface="+mn-ea"/>
-              <a:cs typeface="+mn-cs"/>
-            </a:endParaRPr>
-          </a:p>
-          <a:p>
-            <a:r>
               <a:rPr lang="en-US" dirty="0" smtClean="0"/>
-              <a:t>So</a:t>
+              <a:t>One answer </a:t>
+            </a:r>
+            <a:r>
+              <a:rPr lang="en-US" dirty="0" smtClean="0"/>
+              <a:t>is JSON Web Tokens, pronounced</a:t>
             </a:r>
             <a:r>
               <a:rPr lang="en-US" baseline="0" dirty="0" smtClean="0"/>
-              <a:t> if we can’t store the encryption key in JS, how can a JS client securely use API keys?</a:t>
-            </a:r>
-            <a:endParaRPr lang="en-US" dirty="0"/>
+              <a:t> “JOT”</a:t>
+            </a:r>
+          </a:p>
+          <a:p>
+            <a:endParaRPr lang="en-US" baseline="0" dirty="0" smtClean="0"/>
+          </a:p>
+          <a:p>
+            <a:r>
+              <a:rPr lang="en-US" dirty="0" smtClean="0"/>
+              <a:t>In this approach, the </a:t>
+            </a:r>
+            <a:r>
+              <a:rPr lang="en-US" dirty="0" smtClean="0"/>
+              <a:t>user still needs to securely authenticate themselves by logging in. Once their</a:t>
+            </a:r>
+            <a:r>
+              <a:rPr lang="en-US" baseline="0" dirty="0" smtClean="0"/>
+              <a:t> credentials are validated, the server creates a token indicating that the user has authenticated. The server uses its private encryption key to sign the token and then returns the token and the signature back to the browser.</a:t>
+            </a:r>
+          </a:p>
+          <a:p>
+            <a:endParaRPr lang="en-US" baseline="0" dirty="0" smtClean="0"/>
+          </a:p>
+          <a:p>
+            <a:r>
+              <a:rPr lang="en-US" baseline="0" dirty="0" smtClean="0"/>
+              <a:t>On each request, browser re-submits token + signature, which server verifies it by re-computing the signature.</a:t>
+            </a:r>
+          </a:p>
+          <a:p>
+            <a:endParaRPr lang="en-US" baseline="0" dirty="0" smtClean="0"/>
+          </a:p>
+          <a:p>
+            <a:r>
+              <a:rPr lang="en-US" baseline="0" dirty="0" smtClean="0"/>
+              <a:t>This is very similar to HMAC signing the request. If the token and signature match, then the server knows the token is legit and wasn’t modified in transit.</a:t>
+            </a:r>
+          </a:p>
+          <a:p>
+            <a:endParaRPr lang="en-US" i="0" baseline="0" dirty="0" smtClean="0"/>
+          </a:p>
+          <a:p>
+            <a:r>
+              <a:rPr lang="en-US" i="0" baseline="0" dirty="0" smtClean="0"/>
+              <a:t>As long as the token itself doesn’t contain any sensitive values, there’s no risk.</a:t>
+            </a:r>
+            <a:endParaRPr lang="en-US" i="0" baseline="0" dirty="0" smtClean="0"/>
           </a:p>
         </p:txBody>
       </p:sp>
@@ -9502,7 +9588,7 @@
     </p:spTree>
     <p:extLst>
       <p:ext uri="{BB962C8B-B14F-4D97-AF65-F5344CB8AC3E}">
-        <p14:creationId xmlns:p14="http://schemas.microsoft.com/office/powerpoint/2010/main" val="3769464640"/>
+        <p14:creationId xmlns:p14="http://schemas.microsoft.com/office/powerpoint/2010/main" val="1031525011"/>
       </p:ext>
     </p:extLst>
   </p:cSld>
@@ -9799,12 +9885,8 @@
           <a:lstStyle/>
           <a:p>
             <a:r>
-              <a:rPr lang="en-US" dirty="0" smtClean="0"/>
-              <a:t>The answer is JSON Web Tokens, pronounced</a:t>
-            </a:r>
-            <a:r>
               <a:rPr lang="en-US" baseline="0" dirty="0" smtClean="0"/>
-              <a:t> “JOT”</a:t>
+              <a:t>From a high level, this is what you need to know about JOT.</a:t>
             </a:r>
           </a:p>
           <a:p>
@@ -9812,39 +9894,34 @@
           </a:p>
           <a:p>
             <a:r>
-              <a:rPr lang="en-US" dirty="0" smtClean="0"/>
-              <a:t>In this approach, the client itself is sent a token that has </a:t>
-            </a:r>
-            <a:r>
-              <a:rPr lang="en-US" i="1" dirty="0" smtClean="0"/>
-              <a:t>already been signed</a:t>
-            </a:r>
-            <a:r>
-              <a:rPr lang="en-US" i="0" dirty="0" smtClean="0"/>
-              <a:t>. </a:t>
-            </a:r>
-          </a:p>
-          <a:p>
-            <a:endParaRPr lang="en-US" i="0" dirty="0" smtClean="0"/>
-          </a:p>
-          <a:p>
-            <a:r>
-              <a:rPr lang="en-US" i="0" dirty="0" smtClean="0"/>
-              <a:t>It then resends</a:t>
-            </a:r>
-            <a:r>
-              <a:rPr lang="en-US" i="0" baseline="0" dirty="0" smtClean="0"/>
-              <a:t> that token back with each request for the server to validate.</a:t>
-            </a:r>
-          </a:p>
-          <a:p>
-            <a:endParaRPr lang="en-US" i="0" baseline="0" dirty="0" smtClean="0"/>
-          </a:p>
-          <a:p>
-            <a:r>
-              <a:rPr lang="en-US" i="0" baseline="0" dirty="0" smtClean="0"/>
-              <a:t>This is much safer for JS because the secret key itself is never transmitted, and the insecure client doesn’t have to be trusted with any crypto functions</a:t>
-            </a:r>
+              <a:rPr lang="en-US" baseline="0" dirty="0" smtClean="0"/>
+              <a:t>1) It’s a standard for the secure transmission of JSON objects. These objects contain “claims”, which are really just data properties of the JSON object. Some of those properties are defined by the standard, but you can add custom claims as well.</a:t>
+            </a:r>
+          </a:p>
+          <a:p>
+            <a:r>
+              <a:rPr lang="en-US" baseline="0" dirty="0" smtClean="0"/>
+              <a:t>2) Tokens are self-contained and stateless. This makes them a good fit for APIs when you cannot associate clients with any server-managed state or session</a:t>
+            </a:r>
+          </a:p>
+          <a:p>
+            <a:r>
+              <a:rPr lang="en-US" baseline="0" dirty="0" smtClean="0"/>
+              <a:t>3) The tokens themselves signed via HMAC, so they are tamper proof. The request body is not signed. If you’re concerned about the request being modified in transit,, use TLS.</a:t>
+            </a:r>
+          </a:p>
+          <a:p>
+            <a:r>
+              <a:rPr lang="en-US" baseline="0" dirty="0" smtClean="0"/>
+              <a:t>4) The tokens themselves are encoded, but not encrypted. Avoid storing anything sensitive in the claims themselves, or use JSON Web Encryption </a:t>
+            </a:r>
+            <a:r>
+              <a:rPr lang="en-US" baseline="0" smtClean="0"/>
+              <a:t>to encrypt the token.</a:t>
+            </a:r>
+            <a:endParaRPr lang="en-US" baseline="0" dirty="0" smtClean="0"/>
+          </a:p>
+          <a:p>
             <a:endParaRPr lang="en-US" dirty="0"/>
           </a:p>
         </p:txBody>
@@ -9875,7 +9952,7 @@
     </p:spTree>
     <p:extLst>
       <p:ext uri="{BB962C8B-B14F-4D97-AF65-F5344CB8AC3E}">
-        <p14:creationId xmlns:p14="http://schemas.microsoft.com/office/powerpoint/2010/main" val="1031525011"/>
+        <p14:creationId xmlns:p14="http://schemas.microsoft.com/office/powerpoint/2010/main" val="1155389225"/>
       </p:ext>
     </p:extLst>
   </p:cSld>
@@ -9997,7 +10074,7 @@
     </p:spTree>
     <p:extLst>
       <p:ext uri="{BB962C8B-B14F-4D97-AF65-F5344CB8AC3E}">
-        <p14:creationId xmlns:p14="http://schemas.microsoft.com/office/powerpoint/2010/main" val="1155389225"/>
+        <p14:creationId xmlns:p14="http://schemas.microsoft.com/office/powerpoint/2010/main" val="2364938337"/>
       </p:ext>
     </p:extLst>
   </p:cSld>
@@ -25134,15 +25211,7 @@
             <a:pPr algn="ctr"/>
             <a:r>
               <a:rPr lang="en-US" sz="4800" dirty="0" smtClean="0"/>
-              <a:t>This is </a:t>
-            </a:r>
-            <a:r>
-              <a:rPr lang="en-US" sz="4800" dirty="0" smtClean="0"/>
-              <a:t>“understand the options</a:t>
-            </a:r>
-            <a:r>
-              <a:rPr lang="en-US" sz="4800" dirty="0" smtClean="0"/>
-              <a:t>”</a:t>
+              <a:t>This is “understand the options”</a:t>
             </a:r>
             <a:endParaRPr lang="en-US" sz="4800" dirty="0"/>
           </a:p>
@@ -26036,11 +26105,11 @@
   <p:clrMapOvr>
     <a:masterClrMapping/>
   </p:clrMapOvr>
-  <mc:AlternateContent xmlns:mc="http://schemas.openxmlformats.org/markup-compatibility/2006">
-    <mc:Choice xmlns:p14="http://schemas.microsoft.com/office/powerpoint/2010/main" Requires="p14">
+  <mc:AlternateContent xmlns:mc="http://schemas.openxmlformats.org/markup-compatibility/2006" xmlns:p14="http://schemas.microsoft.com/office/powerpoint/2010/main">
+    <mc:Choice Requires="p14">
       <p:transition spd="slow" p14:dur="2000"/>
     </mc:Choice>
-    <mc:Fallback>
+    <mc:Fallback xmlns="">
       <p:transition spd="slow"/>
     </mc:Fallback>
   </mc:AlternateContent>
@@ -26454,15 +26523,7 @@
           <a:p>
             <a:r>
               <a:rPr lang="en-US" sz="4000" dirty="0" smtClean="0"/>
-              <a:t>“Reverse </a:t>
-            </a:r>
-            <a:r>
-              <a:rPr lang="en-US" sz="4000" dirty="0" smtClean="0"/>
-              <a:t>TLS” </a:t>
-            </a:r>
-            <a:r>
-              <a:rPr lang="en-US" sz="4000" dirty="0" smtClean="0"/>
-              <a:t>– proves client identity to server</a:t>
+              <a:t>“Reverse TLS” – proves client identity to server</a:t>
             </a:r>
           </a:p>
           <a:p>
@@ -26489,23 +26550,7 @@
           <a:p>
             <a:r>
               <a:rPr lang="en-US" sz="4000" dirty="0" smtClean="0"/>
-              <a:t>On </a:t>
-            </a:r>
-            <a:r>
-              <a:rPr lang="en-US" sz="4000" dirty="0" smtClean="0"/>
-              <a:t>IIS, only </a:t>
-            </a:r>
-            <a:r>
-              <a:rPr lang="en-US" sz="4000" dirty="0" smtClean="0"/>
-              <a:t>“simple” </a:t>
-            </a:r>
-            <a:r>
-              <a:rPr lang="en-US" sz="4000" dirty="0" smtClean="0"/>
-              <a:t>w/ Active </a:t>
-            </a:r>
-            <a:r>
-              <a:rPr lang="en-US" sz="4000" dirty="0" smtClean="0"/>
-              <a:t>Directory</a:t>
+              <a:t>On IIS, only “simple” w/ Active Directory</a:t>
             </a:r>
           </a:p>
           <a:p>
@@ -27118,7 +27163,6 @@
               <a:rPr lang="en-US" sz="4000" dirty="0" smtClean="0"/>
               <a:t>Easily integrates w/ other standards-based systems</a:t>
             </a:r>
-            <a:endParaRPr lang="en-US" sz="4000" dirty="0" smtClean="0"/>
           </a:p>
         </p:txBody>
       </p:sp>
@@ -27253,11 +27297,7 @@
           <a:p>
             <a:r>
               <a:rPr lang="en-US" sz="4000" dirty="0" smtClean="0"/>
-              <a:t>Prevents </a:t>
-            </a:r>
-            <a:r>
-              <a:rPr lang="en-US" sz="4000" dirty="0" smtClean="0"/>
-              <a:t>storing passwords with strong encryption!</a:t>
+              <a:t>Prevents storing passwords with strong encryption!</a:t>
             </a:r>
           </a:p>
           <a:p>
@@ -27441,7 +27481,19 @@
           <a:p>
             <a:r>
               <a:rPr lang="en-US" sz="4000" dirty="0" smtClean="0"/>
-              <a:t>Used instead of username/password combo</a:t>
+              <a:t>Used </a:t>
+            </a:r>
+            <a:r>
+              <a:rPr lang="en-US" sz="4000" b="1" dirty="0" smtClean="0"/>
+              <a:t>in place of</a:t>
+            </a:r>
+            <a:r>
+              <a:rPr lang="en-US" sz="4000" dirty="0" smtClean="0"/>
+              <a:t> </a:t>
+            </a:r>
+            <a:r>
+              <a:rPr lang="en-US" sz="4000" dirty="0" smtClean="0"/>
+              <a:t>username/password combo</a:t>
             </a:r>
             <a:br>
               <a:rPr lang="en-US" sz="4000" dirty="0" smtClean="0"/>
@@ -27451,24 +27503,39 @@
           <a:p>
             <a:r>
               <a:rPr lang="en-US" sz="4000" dirty="0" smtClean="0"/>
-              <a:t>No standard format – usually a GUID</a:t>
-            </a:r>
-          </a:p>
-          <a:p>
-            <a:pPr lvl="1"/>
-            <a:r>
-              <a:rPr lang="en-US" sz="3600" dirty="0" smtClean="0"/>
-              <a:t>Designed for computers, not people</a:t>
-            </a:r>
-          </a:p>
-          <a:p>
+              <a:t>Revocable</a:t>
+            </a:r>
+            <a:br>
+              <a:rPr lang="en-US" sz="4000" dirty="0" smtClean="0"/>
+            </a:br>
+            <a:endParaRPr lang="en-US" sz="4000" dirty="0" smtClean="0"/>
+          </a:p>
+          <a:p>
+            <a:r>
+              <a:rPr lang="en-US" sz="4000" dirty="0" smtClean="0"/>
+              <a:t>Usually </a:t>
+            </a:r>
+            <a:r>
+              <a:rPr lang="en-US" sz="4000" dirty="0" smtClean="0"/>
+              <a:t>a </a:t>
+            </a:r>
+            <a:r>
+              <a:rPr lang="en-US" sz="4000" dirty="0" smtClean="0"/>
+              <a:t>GUID – hard to brute force</a:t>
+            </a:r>
+            <a:br>
+              <a:rPr lang="en-US" sz="4000" dirty="0" smtClean="0"/>
+            </a:br>
             <a:endParaRPr lang="en-US" sz="4000" dirty="0"/>
           </a:p>
           <a:p>
             <a:r>
               <a:rPr lang="en-US" sz="4000" dirty="0" smtClean="0"/>
-              <a:t>Sometimes associated w/ additional metadata</a:t>
-            </a:r>
+              <a:t>Use as “bearer token” or to “sign” a request</a:t>
+            </a:r>
+          </a:p>
+          <a:p>
+            <a:endParaRPr lang="en-US" sz="4000" dirty="0" smtClean="0"/>
           </a:p>
           <a:p>
             <a:endParaRPr lang="en-US" sz="4000" u="sng" dirty="0" smtClean="0"/>
@@ -27502,227 +27569,6 @@
 </file>
 
 <file path=ppt/slides/slide29.xml><?xml version="1.0" encoding="utf-8"?>
-<p:sld xmlns:a="http://schemas.openxmlformats.org/drawingml/2006/main" xmlns:r="http://schemas.openxmlformats.org/officeDocument/2006/relationships" xmlns:p="http://schemas.openxmlformats.org/presentationml/2006/main">
-  <p:cSld>
-    <p:spTree>
-      <p:nvGrpSpPr>
-        <p:cNvPr id="1" name=""/>
-        <p:cNvGrpSpPr/>
-        <p:nvPr/>
-      </p:nvGrpSpPr>
-      <p:grpSpPr>
-        <a:xfrm>
-          <a:off x="0" y="0"/>
-          <a:ext cx="0" cy="0"/>
-          <a:chOff x="0" y="0"/>
-          <a:chExt cx="0" cy="0"/>
-        </a:xfrm>
-      </p:grpSpPr>
-      <p:sp>
-        <p:nvSpPr>
-          <p:cNvPr id="2" name="Title 1"/>
-          <p:cNvSpPr>
-            <a:spLocks noGrp="1"/>
-          </p:cNvSpPr>
-          <p:nvPr>
-            <p:ph type="title"/>
-          </p:nvPr>
-        </p:nvSpPr>
-        <p:spPr/>
-        <p:txBody>
-          <a:bodyPr>
-            <a:normAutofit/>
-          </a:bodyPr>
-          <a:lstStyle/>
-          <a:p>
-            <a:r>
-              <a:rPr lang="en-US" sz="4800" dirty="0" smtClean="0"/>
-              <a:t>Why use API Keys?</a:t>
-            </a:r>
-            <a:endParaRPr lang="en-US" sz="4800" dirty="0"/>
-          </a:p>
-        </p:txBody>
-      </p:sp>
-      <p:sp>
-        <p:nvSpPr>
-          <p:cNvPr id="3" name="Content Placeholder 2"/>
-          <p:cNvSpPr>
-            <a:spLocks noGrp="1"/>
-          </p:cNvSpPr>
-          <p:nvPr>
-            <p:ph idx="1"/>
-          </p:nvPr>
-        </p:nvSpPr>
-        <p:spPr>
-          <a:xfrm>
-            <a:off x="838200" y="1928553"/>
-            <a:ext cx="11215255" cy="4505498"/>
-          </a:xfrm>
-        </p:spPr>
-        <p:txBody>
-          <a:bodyPr>
-            <a:noAutofit/>
-          </a:bodyPr>
-          <a:lstStyle/>
-          <a:p>
-            <a:r>
-              <a:rPr lang="en-US" sz="4000" dirty="0" smtClean="0"/>
-              <a:t>Main account password is never shared or passed</a:t>
-            </a:r>
-            <a:br>
-              <a:rPr lang="en-US" sz="4000" dirty="0" smtClean="0"/>
-            </a:br>
-            <a:endParaRPr lang="en-US" sz="4000" dirty="0" smtClean="0"/>
-          </a:p>
-          <a:p>
-            <a:r>
-              <a:rPr lang="en-US" sz="4000" dirty="0" smtClean="0"/>
-              <a:t>Revocability</a:t>
-            </a:r>
-          </a:p>
-          <a:p>
-            <a:endParaRPr lang="en-US" sz="4000" dirty="0"/>
-          </a:p>
-          <a:p>
-            <a:r>
-              <a:rPr lang="en-US" sz="4000" dirty="0" smtClean="0"/>
-              <a:t>Custom implementation; not limited by server platform</a:t>
-            </a:r>
-          </a:p>
-          <a:p>
-            <a:endParaRPr lang="en-US" sz="4000" dirty="0" smtClean="0"/>
-          </a:p>
-          <a:p>
-            <a:endParaRPr lang="en-US" sz="4000" dirty="0"/>
-          </a:p>
-        </p:txBody>
-      </p:sp>
-    </p:spTree>
-    <p:extLst>
-      <p:ext uri="{BB962C8B-B14F-4D97-AF65-F5344CB8AC3E}">
-        <p14:creationId xmlns:p14="http://schemas.microsoft.com/office/powerpoint/2010/main" val="2698326039"/>
-      </p:ext>
-    </p:extLst>
-  </p:cSld>
-  <p:clrMapOvr>
-    <a:masterClrMapping/>
-  </p:clrMapOvr>
-  <p:timing>
-    <p:tnLst>
-      <p:par>
-        <p:cTn id="1" dur="indefinite" restart="never" nodeType="tmRoot"/>
-      </p:par>
-    </p:tnLst>
-  </p:timing>
-</p:sld>
-</file>
-
-<file path=ppt/slides/slide3.xml><?xml version="1.0" encoding="utf-8"?>
-<p:sld xmlns:a="http://schemas.openxmlformats.org/drawingml/2006/main" xmlns:r="http://schemas.openxmlformats.org/officeDocument/2006/relationships" xmlns:p="http://schemas.openxmlformats.org/presentationml/2006/main">
-  <p:cSld>
-    <p:spTree>
-      <p:nvGrpSpPr>
-        <p:cNvPr id="1" name=""/>
-        <p:cNvGrpSpPr/>
-        <p:nvPr/>
-      </p:nvGrpSpPr>
-      <p:grpSpPr>
-        <a:xfrm>
-          <a:off x="0" y="0"/>
-          <a:ext cx="0" cy="0"/>
-          <a:chOff x="0" y="0"/>
-          <a:chExt cx="0" cy="0"/>
-        </a:xfrm>
-      </p:grpSpPr>
-      <p:sp>
-        <p:nvSpPr>
-          <p:cNvPr id="2" name="Title 1"/>
-          <p:cNvSpPr>
-            <a:spLocks noGrp="1"/>
-          </p:cNvSpPr>
-          <p:nvPr>
-            <p:ph type="title"/>
-          </p:nvPr>
-        </p:nvSpPr>
-        <p:spPr/>
-        <p:txBody>
-          <a:bodyPr>
-            <a:normAutofit/>
-          </a:bodyPr>
-          <a:lstStyle/>
-          <a:p>
-            <a:r>
-              <a:rPr lang="en-US" sz="4800" dirty="0" smtClean="0"/>
-              <a:t>30,000 spammed accounts</a:t>
-            </a:r>
-            <a:endParaRPr lang="en-US" sz="4800" dirty="0"/>
-          </a:p>
-        </p:txBody>
-      </p:sp>
-      <p:sp>
-        <p:nvSpPr>
-          <p:cNvPr id="3" name="Content Placeholder 2"/>
-          <p:cNvSpPr>
-            <a:spLocks noGrp="1"/>
-          </p:cNvSpPr>
-          <p:nvPr>
-            <p:ph idx="1"/>
-          </p:nvPr>
-        </p:nvSpPr>
-        <p:spPr/>
-        <p:txBody>
-          <a:bodyPr/>
-          <a:lstStyle/>
-          <a:p>
-            <a:endParaRPr lang="en-US"/>
-          </a:p>
-        </p:txBody>
-      </p:sp>
-      <p:pic>
-        <p:nvPicPr>
-          <p:cNvPr id="5" name="Picture 4"/>
-          <p:cNvPicPr>
-            <a:picLocks noChangeAspect="1"/>
-          </p:cNvPicPr>
-          <p:nvPr/>
-        </p:nvPicPr>
-        <p:blipFill>
-          <a:blip r:embed="rId3"/>
-          <a:stretch>
-            <a:fillRect/>
-          </a:stretch>
-        </p:blipFill>
-        <p:spPr>
-          <a:xfrm>
-            <a:off x="838199" y="1825625"/>
-            <a:ext cx="10938211" cy="4823148"/>
-          </a:xfrm>
-          <a:prstGeom prst="rect">
-            <a:avLst/>
-          </a:prstGeom>
-        </p:spPr>
-      </p:pic>
-    </p:spTree>
-    <p:extLst>
-      <p:ext uri="{BB962C8B-B14F-4D97-AF65-F5344CB8AC3E}">
-        <p14:creationId xmlns:p14="http://schemas.microsoft.com/office/powerpoint/2010/main" val="87832447"/>
-      </p:ext>
-    </p:extLst>
-  </p:cSld>
-  <p:clrMapOvr>
-    <a:masterClrMapping/>
-  </p:clrMapOvr>
-  <p:timing>
-    <p:tnLst>
-      <p:par>
-        <p:cTn id="1" dur="indefinite" restart="never" nodeType="tmRoot"/>
-      </p:par>
-    </p:tnLst>
-  </p:timing>
-</p:sld>
-</file>
-
-<file path=ppt/slides/slide30.xml><?xml version="1.0" encoding="utf-8"?>
 <p:sld xmlns:a="http://schemas.openxmlformats.org/drawingml/2006/main" xmlns:r="http://schemas.openxmlformats.org/officeDocument/2006/relationships" xmlns:p="http://schemas.openxmlformats.org/presentationml/2006/main">
   <p:cSld>
     <p:spTree>
@@ -27906,7 +27752,112 @@
 </p:sld>
 </file>
 
-<file path=ppt/slides/slide31.xml><?xml version="1.0" encoding="utf-8"?>
+<file path=ppt/slides/slide3.xml><?xml version="1.0" encoding="utf-8"?>
+<p:sld xmlns:a="http://schemas.openxmlformats.org/drawingml/2006/main" xmlns:r="http://schemas.openxmlformats.org/officeDocument/2006/relationships" xmlns:p="http://schemas.openxmlformats.org/presentationml/2006/main">
+  <p:cSld>
+    <p:spTree>
+      <p:nvGrpSpPr>
+        <p:cNvPr id="1" name=""/>
+        <p:cNvGrpSpPr/>
+        <p:nvPr/>
+      </p:nvGrpSpPr>
+      <p:grpSpPr>
+        <a:xfrm>
+          <a:off x="0" y="0"/>
+          <a:ext cx="0" cy="0"/>
+          <a:chOff x="0" y="0"/>
+          <a:chExt cx="0" cy="0"/>
+        </a:xfrm>
+      </p:grpSpPr>
+      <p:sp>
+        <p:nvSpPr>
+          <p:cNvPr id="2" name="Title 1"/>
+          <p:cNvSpPr>
+            <a:spLocks noGrp="1"/>
+          </p:cNvSpPr>
+          <p:nvPr>
+            <p:ph type="title"/>
+          </p:nvPr>
+        </p:nvSpPr>
+        <p:spPr/>
+        <p:txBody>
+          <a:bodyPr>
+            <a:normAutofit/>
+          </a:bodyPr>
+          <a:lstStyle/>
+          <a:p>
+            <a:r>
+              <a:rPr lang="en-US" sz="4800" dirty="0" smtClean="0"/>
+              <a:t>30,000 spammed accounts</a:t>
+            </a:r>
+            <a:endParaRPr lang="en-US" sz="4800" dirty="0"/>
+          </a:p>
+        </p:txBody>
+      </p:sp>
+      <p:sp>
+        <p:nvSpPr>
+          <p:cNvPr id="3" name="Content Placeholder 2"/>
+          <p:cNvSpPr>
+            <a:spLocks noGrp="1"/>
+          </p:cNvSpPr>
+          <p:nvPr>
+            <p:ph idx="1"/>
+          </p:nvPr>
+        </p:nvSpPr>
+        <p:spPr/>
+        <p:txBody>
+          <a:bodyPr/>
+          <a:lstStyle/>
+          <a:p>
+            <a:endParaRPr lang="en-US"/>
+          </a:p>
+        </p:txBody>
+      </p:sp>
+      <p:pic>
+        <p:nvPicPr>
+          <p:cNvPr id="5" name="Picture 4"/>
+          <p:cNvPicPr>
+            <a:picLocks noChangeAspect="1"/>
+          </p:cNvPicPr>
+          <p:nvPr/>
+        </p:nvPicPr>
+        <p:blipFill>
+          <a:blip r:embed="rId3"/>
+          <a:stretch>
+            <a:fillRect/>
+          </a:stretch>
+        </p:blipFill>
+        <p:spPr>
+          <a:xfrm>
+            <a:off x="838199" y="1825625"/>
+            <a:ext cx="10938211" cy="4823148"/>
+          </a:xfrm>
+          <a:prstGeom prst="rect">
+            <a:avLst/>
+          </a:prstGeom>
+        </p:spPr>
+      </p:pic>
+    </p:spTree>
+    <p:extLst>
+      <p:ext uri="{BB962C8B-B14F-4D97-AF65-F5344CB8AC3E}">
+        <p14:creationId xmlns:p14="http://schemas.microsoft.com/office/powerpoint/2010/main" val="87832447"/>
+      </p:ext>
+    </p:extLst>
+  </p:cSld>
+  <p:clrMapOvr>
+    <a:masterClrMapping/>
+  </p:clrMapOvr>
+  <p:timing>
+    <p:tnLst>
+      <p:par>
+        <p:cTn id="1" dur="indefinite" restart="never" nodeType="tmRoot"/>
+      </p:par>
+    </p:tnLst>
+  </p:timing>
+</p:sld>
+</file>
+
+<file path=ppt/slides/slide30.xml><?xml version="1.0" encoding="utf-8"?>
 <p:sld xmlns:a="http://schemas.openxmlformats.org/drawingml/2006/main" xmlns:r="http://schemas.openxmlformats.org/officeDocument/2006/relationships" xmlns:p="http://schemas.openxmlformats.org/presentationml/2006/main">
   <p:cSld>
     <p:spTree>
@@ -28031,7 +27982,7 @@
 </p:sld>
 </file>
 
-<file path=ppt/slides/slide32.xml><?xml version="1.0" encoding="utf-8"?>
+<file path=ppt/slides/slide31.xml><?xml version="1.0" encoding="utf-8"?>
 <p:sld xmlns:a="http://schemas.openxmlformats.org/drawingml/2006/main" xmlns:r="http://schemas.openxmlformats.org/officeDocument/2006/relationships" xmlns:p="http://schemas.openxmlformats.org/presentationml/2006/main">
   <p:cSld>
     <p:spTree>
@@ -28168,7 +28119,7 @@
 </p:sld>
 </file>
 
-<file path=ppt/slides/slide33.xml><?xml version="1.0" encoding="utf-8"?>
+<file path=ppt/slides/slide32.xml><?xml version="1.0" encoding="utf-8"?>
 <p:sld xmlns:a="http://schemas.openxmlformats.org/drawingml/2006/main" xmlns:r="http://schemas.openxmlformats.org/officeDocument/2006/relationships" xmlns:p="http://schemas.openxmlformats.org/presentationml/2006/main">
   <p:cSld>
     <p:spTree>
@@ -28263,7 +28214,7 @@
 </p:sld>
 </file>
 
-<file path=ppt/slides/slide34.xml><?xml version="1.0" encoding="utf-8"?>
+<file path=ppt/slides/slide33.xml><?xml version="1.0" encoding="utf-8"?>
 <p:sld xmlns:a="http://schemas.openxmlformats.org/drawingml/2006/main" xmlns:r="http://schemas.openxmlformats.org/officeDocument/2006/relationships" xmlns:p="http://schemas.openxmlformats.org/presentationml/2006/main">
   <p:cSld>
     <p:spTree>
@@ -28404,7 +28355,7 @@
 </p:sld>
 </file>
 
-<file path=ppt/slides/slide35.xml><?xml version="1.0" encoding="utf-8"?>
+<file path=ppt/slides/slide34.xml><?xml version="1.0" encoding="utf-8"?>
 <p:sld xmlns:a="http://schemas.openxmlformats.org/drawingml/2006/main" xmlns:r="http://schemas.openxmlformats.org/officeDocument/2006/relationships" xmlns:p="http://schemas.openxmlformats.org/presentationml/2006/main">
   <p:cSld>
     <p:spTree>
@@ -28548,7 +28499,7 @@
 </p:sld>
 </file>
 
-<file path=ppt/slides/slide36.xml><?xml version="1.0" encoding="utf-8"?>
+<file path=ppt/slides/slide35.xml><?xml version="1.0" encoding="utf-8"?>
 <p:sld xmlns:a="http://schemas.openxmlformats.org/drawingml/2006/main" xmlns:r="http://schemas.openxmlformats.org/officeDocument/2006/relationships" xmlns:p="http://schemas.openxmlformats.org/presentationml/2006/main">
   <p:cSld>
     <p:spTree>
@@ -28668,6 +28619,152 @@
 </p:sld>
 </file>
 
+<file path=ppt/slides/slide36.xml><?xml version="1.0" encoding="utf-8"?>
+<p:sld xmlns:a="http://schemas.openxmlformats.org/drawingml/2006/main" xmlns:r="http://schemas.openxmlformats.org/officeDocument/2006/relationships" xmlns:p="http://schemas.openxmlformats.org/presentationml/2006/main">
+  <p:cSld>
+    <p:spTree>
+      <p:nvGrpSpPr>
+        <p:cNvPr id="1" name=""/>
+        <p:cNvGrpSpPr/>
+        <p:nvPr/>
+      </p:nvGrpSpPr>
+      <p:grpSpPr>
+        <a:xfrm>
+          <a:off x="0" y="0"/>
+          <a:ext cx="0" cy="0"/>
+          <a:chOff x="0" y="0"/>
+          <a:chExt cx="0" cy="0"/>
+        </a:xfrm>
+      </p:grpSpPr>
+      <p:sp>
+        <p:nvSpPr>
+          <p:cNvPr id="2" name="Title 1"/>
+          <p:cNvSpPr>
+            <a:spLocks noGrp="1"/>
+          </p:cNvSpPr>
+          <p:nvPr>
+            <p:ph type="title"/>
+          </p:nvPr>
+        </p:nvSpPr>
+        <p:spPr/>
+        <p:txBody>
+          <a:bodyPr>
+            <a:normAutofit/>
+          </a:bodyPr>
+          <a:lstStyle/>
+          <a:p>
+            <a:r>
+              <a:rPr lang="en-US" sz="4800" dirty="0" smtClean="0"/>
+              <a:t>HMAC: What to use as “secret value”?</a:t>
+            </a:r>
+            <a:endParaRPr lang="en-US" sz="4800" dirty="0"/>
+          </a:p>
+        </p:txBody>
+      </p:sp>
+      <p:sp>
+        <p:nvSpPr>
+          <p:cNvPr id="3" name="Content Placeholder 2"/>
+          <p:cNvSpPr>
+            <a:spLocks noGrp="1"/>
+          </p:cNvSpPr>
+          <p:nvPr>
+            <p:ph idx="1"/>
+          </p:nvPr>
+        </p:nvSpPr>
+        <p:spPr>
+          <a:xfrm>
+            <a:off x="838200" y="1928553"/>
+            <a:ext cx="11215255" cy="4505498"/>
+          </a:xfrm>
+        </p:spPr>
+        <p:txBody>
+          <a:bodyPr>
+            <a:noAutofit/>
+          </a:bodyPr>
+          <a:lstStyle/>
+          <a:p>
+            <a:r>
+              <a:rPr lang="en-US" sz="4000" dirty="0" smtClean="0"/>
+              <a:t>Must be something app can retrieve in clear text</a:t>
+            </a:r>
+          </a:p>
+          <a:p>
+            <a:endParaRPr lang="en-US" sz="4000" dirty="0"/>
+          </a:p>
+          <a:p>
+            <a:r>
+              <a:rPr lang="en-US" sz="4000" dirty="0" smtClean="0"/>
+              <a:t>Salted/hashed passwords won’t work</a:t>
+            </a:r>
+          </a:p>
+          <a:p>
+            <a:endParaRPr lang="en-US" sz="4000" dirty="0"/>
+          </a:p>
+          <a:p>
+            <a:r>
+              <a:rPr lang="en-US" sz="4000" dirty="0" smtClean="0"/>
+              <a:t>Issue API Keys as a </a:t>
+            </a:r>
+            <a:r>
+              <a:rPr lang="en-US" sz="4000" b="1" dirty="0" smtClean="0"/>
+              <a:t>pair</a:t>
+            </a:r>
+            <a:r>
+              <a:rPr lang="en-US" sz="4000" dirty="0" smtClean="0"/>
+              <a:t>: public API Key + private key</a:t>
+            </a:r>
+          </a:p>
+          <a:p>
+            <a:endParaRPr lang="en-US" sz="4000" dirty="0" smtClean="0"/>
+          </a:p>
+          <a:p>
+            <a:r>
+              <a:rPr lang="en-US" sz="4000" dirty="0" smtClean="0"/>
+              <a:t>Add expiration timeout if necessary</a:t>
+            </a:r>
+            <a:endParaRPr lang="en-US" sz="3600" dirty="0" smtClean="0"/>
+          </a:p>
+          <a:p>
+            <a:endParaRPr lang="en-US" sz="4000" dirty="0"/>
+          </a:p>
+          <a:p>
+            <a:endParaRPr lang="en-US" sz="4000" dirty="0"/>
+          </a:p>
+          <a:p>
+            <a:endParaRPr lang="en-US" sz="4000" dirty="0"/>
+          </a:p>
+          <a:p>
+            <a:endParaRPr lang="en-US" sz="4000" dirty="0" smtClean="0"/>
+          </a:p>
+          <a:p>
+            <a:pPr lvl="1"/>
+            <a:endParaRPr lang="en-US" sz="3600" dirty="0" smtClean="0"/>
+          </a:p>
+          <a:p>
+            <a:endParaRPr lang="en-US" sz="4000" dirty="0"/>
+          </a:p>
+        </p:txBody>
+      </p:sp>
+    </p:spTree>
+    <p:extLst>
+      <p:ext uri="{BB962C8B-B14F-4D97-AF65-F5344CB8AC3E}">
+        <p14:creationId xmlns:p14="http://schemas.microsoft.com/office/powerpoint/2010/main" val="1284213564"/>
+      </p:ext>
+    </p:extLst>
+  </p:cSld>
+  <p:clrMapOvr>
+    <a:masterClrMapping/>
+  </p:clrMapOvr>
+  <p:timing>
+    <p:tnLst>
+      <p:par>
+        <p:cTn id="1" dur="indefinite" restart="never" nodeType="tmRoot"/>
+      </p:par>
+    </p:tnLst>
+  </p:timing>
+</p:sld>
+</file>
+
 <file path=ppt/slides/slide37.xml><?xml version="1.0" encoding="utf-8"?>
 <p:sld xmlns:a="http://schemas.openxmlformats.org/drawingml/2006/main" xmlns:r="http://schemas.openxmlformats.org/officeDocument/2006/relationships" xmlns:p="http://schemas.openxmlformats.org/presentationml/2006/main">
   <p:cSld>
@@ -28695,16 +28792,25 @@
             <p:ph type="title"/>
           </p:nvPr>
         </p:nvSpPr>
-        <p:spPr/>
+        <p:spPr>
+          <a:xfrm>
+            <a:off x="838199" y="365125"/>
+            <a:ext cx="11215255" cy="1325563"/>
+          </a:xfrm>
+        </p:spPr>
         <p:txBody>
           <a:bodyPr>
-            <a:normAutofit/>
+            <a:noAutofit/>
           </a:bodyPr>
           <a:lstStyle/>
           <a:p>
             <a:r>
               <a:rPr lang="en-US" sz="4800" dirty="0" smtClean="0"/>
-              <a:t>HMAC: What to use as “secret value”?</a:t>
+              <a:t>API Keys: </a:t>
+            </a:r>
+            <a:r>
+              <a:rPr lang="en-US" sz="4800" dirty="0" smtClean="0"/>
+              <a:t>Great for server-based clients</a:t>
             </a:r>
             <a:endParaRPr lang="en-US" sz="4800" dirty="0"/>
           </a:p>
@@ -28732,48 +28838,6 @@
           </a:bodyPr>
           <a:lstStyle/>
           <a:p>
-            <a:r>
-              <a:rPr lang="en-US" sz="4000" dirty="0" smtClean="0"/>
-              <a:t>Must be something app can retrieve in clear text</a:t>
-            </a:r>
-          </a:p>
-          <a:p>
-            <a:endParaRPr lang="en-US" sz="4000" dirty="0"/>
-          </a:p>
-          <a:p>
-            <a:r>
-              <a:rPr lang="en-US" sz="4000" dirty="0" smtClean="0"/>
-              <a:t>Salted/hashed passwords won’t work</a:t>
-            </a:r>
-          </a:p>
-          <a:p>
-            <a:endParaRPr lang="en-US" sz="4000" dirty="0"/>
-          </a:p>
-          <a:p>
-            <a:r>
-              <a:rPr lang="en-US" sz="4000" dirty="0" smtClean="0"/>
-              <a:t>Issue API Keys as a </a:t>
-            </a:r>
-            <a:r>
-              <a:rPr lang="en-US" sz="4000" b="1" dirty="0" smtClean="0"/>
-              <a:t>pair</a:t>
-            </a:r>
-            <a:r>
-              <a:rPr lang="en-US" sz="4000" dirty="0" smtClean="0"/>
-              <a:t>: public API Key + private key</a:t>
-            </a:r>
-          </a:p>
-          <a:p>
-            <a:endParaRPr lang="en-US" sz="4000" dirty="0" smtClean="0"/>
-          </a:p>
-          <a:p>
-            <a:r>
-              <a:rPr lang="en-US" sz="4000" dirty="0" smtClean="0"/>
-              <a:t>Add expiration timeout if necessary</a:t>
-            </a:r>
-            <a:endParaRPr lang="en-US" sz="3600" dirty="0" smtClean="0"/>
-          </a:p>
-          <a:p>
             <a:endParaRPr lang="en-US" sz="4000" dirty="0"/>
           </a:p>
           <a:p>
@@ -28794,10 +28858,34 @@
           </a:p>
         </p:txBody>
       </p:sp>
+      <p:pic>
+        <p:nvPicPr>
+          <p:cNvPr id="5" name="Picture 4"/>
+          <p:cNvPicPr>
+            <a:picLocks noChangeAspect="1"/>
+          </p:cNvPicPr>
+          <p:nvPr/>
+        </p:nvPicPr>
+        <p:blipFill>
+          <a:blip r:embed="rId3"/>
+          <a:stretch>
+            <a:fillRect/>
+          </a:stretch>
+        </p:blipFill>
+        <p:spPr>
+          <a:xfrm>
+            <a:off x="2773606" y="1690688"/>
+            <a:ext cx="5825271" cy="5132597"/>
+          </a:xfrm>
+          <a:prstGeom prst="rect">
+            <a:avLst/>
+          </a:prstGeom>
+        </p:spPr>
+      </p:pic>
     </p:spTree>
     <p:extLst>
       <p:ext uri="{BB962C8B-B14F-4D97-AF65-F5344CB8AC3E}">
-        <p14:creationId xmlns:p14="http://schemas.microsoft.com/office/powerpoint/2010/main" val="1284213564"/>
+        <p14:creationId xmlns:p14="http://schemas.microsoft.com/office/powerpoint/2010/main" val="4196798407"/>
       </p:ext>
     </p:extLst>
   </p:cSld>
@@ -28841,23 +28929,22 @@
             <p:ph type="title"/>
           </p:nvPr>
         </p:nvSpPr>
-        <p:spPr>
-          <a:xfrm>
-            <a:off x="369277" y="365125"/>
-            <a:ext cx="11684178" cy="1325563"/>
-          </a:xfrm>
-        </p:spPr>
+        <p:spPr/>
         <p:txBody>
           <a:bodyPr>
-            <a:noAutofit/>
+            <a:normAutofit/>
           </a:bodyPr>
           <a:lstStyle/>
           <a:p>
             <a:r>
-              <a:rPr lang="en-US" dirty="0" smtClean="0"/>
-              <a:t>Signed requests: Great for server-based clients</a:t>
-            </a:r>
-            <a:endParaRPr lang="en-US" dirty="0"/>
+              <a:rPr lang="en-US" sz="4800" dirty="0" smtClean="0"/>
+              <a:t>API Keys: </a:t>
+            </a:r>
+            <a:r>
+              <a:rPr lang="en-US" sz="4800" dirty="0" smtClean="0"/>
+              <a:t>Less great for JS clients</a:t>
+            </a:r>
+            <a:endParaRPr lang="en-US" sz="4800" dirty="0"/>
           </a:p>
         </p:txBody>
       </p:sp>
@@ -28919,8 +29006,8 @@
         </p:blipFill>
         <p:spPr>
           <a:xfrm>
-            <a:off x="3123100" y="1576850"/>
-            <a:ext cx="5774715" cy="5281150"/>
+            <a:off x="1921853" y="1690688"/>
+            <a:ext cx="7956120" cy="4743363"/>
           </a:xfrm>
           <a:prstGeom prst="rect">
             <a:avLst/>
@@ -28930,7 +29017,7 @@
     </p:spTree>
     <p:extLst>
       <p:ext uri="{BB962C8B-B14F-4D97-AF65-F5344CB8AC3E}">
-        <p14:creationId xmlns:p14="http://schemas.microsoft.com/office/powerpoint/2010/main" val="4196798407"/>
+        <p14:creationId xmlns:p14="http://schemas.microsoft.com/office/powerpoint/2010/main" val="2822420410"/>
       </p:ext>
     </p:extLst>
   </p:cSld>
@@ -28983,7 +29070,7 @@
           <a:p>
             <a:r>
               <a:rPr lang="en-US" sz="4800" dirty="0" smtClean="0"/>
-              <a:t>Signed requests: Less great for JS clients</a:t>
+              <a:t>JWT: Secure tokens for JS clients</a:t>
             </a:r>
             <a:endParaRPr lang="en-US" sz="4800" dirty="0"/>
           </a:p>
@@ -29010,6 +29097,12 @@
             <a:noAutofit/>
           </a:bodyPr>
           <a:lstStyle/>
+          <a:p>
+            <a:endParaRPr lang="en-US" sz="4000" dirty="0"/>
+          </a:p>
+          <a:p>
+            <a:endParaRPr lang="en-US" sz="4000" dirty="0"/>
+          </a:p>
           <a:p>
             <a:endParaRPr lang="en-US" sz="4000" dirty="0"/>
           </a:p>
@@ -29047,8 +29140,8 @@
         </p:blipFill>
         <p:spPr>
           <a:xfrm>
-            <a:off x="1868732" y="1708507"/>
-            <a:ext cx="7925899" cy="4945589"/>
+            <a:off x="1820007" y="1690688"/>
+            <a:ext cx="8551985" cy="5025679"/>
           </a:xfrm>
           <a:prstGeom prst="rect">
             <a:avLst/>
@@ -29058,7 +29151,7 @@
     </p:spTree>
     <p:extLst>
       <p:ext uri="{BB962C8B-B14F-4D97-AF65-F5344CB8AC3E}">
-        <p14:creationId xmlns:p14="http://schemas.microsoft.com/office/powerpoint/2010/main" val="2822420410"/>
+        <p14:creationId xmlns:p14="http://schemas.microsoft.com/office/powerpoint/2010/main" val="337037338"/>
       </p:ext>
     </p:extLst>
   </p:cSld>
@@ -29220,8 +29313,8 @@
           <a:lstStyle/>
           <a:p>
             <a:r>
-              <a:rPr lang="en-US" sz="4800" dirty="0" smtClean="0"/>
-              <a:t>JWT: Secure tokens for JS clients</a:t>
+              <a:rPr lang="en-US" sz="4800" smtClean="0"/>
+              <a:t>Format of a JWT token</a:t>
             </a:r>
             <a:endParaRPr lang="en-US" sz="4800" dirty="0"/>
           </a:p>
@@ -29249,6 +29342,59 @@
           </a:bodyPr>
           <a:lstStyle/>
           <a:p>
+            <a:r>
+              <a:rPr lang="en-US" sz="4000" dirty="0" smtClean="0"/>
+              <a:t>Tokens contain mix of standard &amp; custom “claims”</a:t>
+            </a:r>
+          </a:p>
+          <a:p>
+            <a:endParaRPr lang="en-US" sz="4000" dirty="0" smtClean="0"/>
+          </a:p>
+          <a:p>
+            <a:r>
+              <a:rPr lang="en-US" sz="4000" dirty="0" smtClean="0"/>
+              <a:t>Tokens are </a:t>
+            </a:r>
+            <a:r>
+              <a:rPr lang="en-US" sz="4000" u="sng" dirty="0" smtClean="0"/>
+              <a:t>self-contained</a:t>
+            </a:r>
+            <a:r>
+              <a:rPr lang="en-US" sz="4000" dirty="0" smtClean="0"/>
+              <a:t> and </a:t>
+            </a:r>
+            <a:r>
+              <a:rPr lang="en-US" sz="4000" u="sng" dirty="0" smtClean="0"/>
+              <a:t>stateless</a:t>
+            </a:r>
+          </a:p>
+          <a:p>
+            <a:endParaRPr lang="en-US" sz="4000" u="sng" dirty="0" smtClean="0"/>
+          </a:p>
+          <a:p>
+            <a:r>
+              <a:rPr lang="en-US" sz="4000" dirty="0" smtClean="0"/>
+              <a:t>Tokens are HMAC signed; request is not. Use TLS.</a:t>
+            </a:r>
+          </a:p>
+          <a:p>
+            <a:endParaRPr lang="en-US" sz="4000" dirty="0"/>
+          </a:p>
+          <a:p>
+            <a:r>
+              <a:rPr lang="en-US" sz="4000" dirty="0" smtClean="0"/>
+              <a:t>Tokens are </a:t>
+            </a:r>
+            <a:r>
+              <a:rPr lang="en-US" sz="4000" u="sng" dirty="0" smtClean="0"/>
+              <a:t>not encrypted</a:t>
+            </a:r>
+            <a:r>
+              <a:rPr lang="en-US" sz="4000" dirty="0" smtClean="0"/>
+              <a:t>, unless you also use JWE</a:t>
+            </a:r>
+          </a:p>
+          <a:p>
             <a:endParaRPr lang="en-US" sz="4000" dirty="0"/>
           </a:p>
           <a:p>
@@ -29275,34 +29421,10 @@
           </a:p>
         </p:txBody>
       </p:sp>
-      <p:pic>
-        <p:nvPicPr>
-          <p:cNvPr id="4" name="Picture 3"/>
-          <p:cNvPicPr>
-            <a:picLocks noChangeAspect="1"/>
-          </p:cNvPicPr>
-          <p:nvPr/>
-        </p:nvPicPr>
-        <p:blipFill>
-          <a:blip r:embed="rId3"/>
-          <a:stretch>
-            <a:fillRect/>
-          </a:stretch>
-        </p:blipFill>
-        <p:spPr>
-          <a:xfrm>
-            <a:off x="1846385" y="1777305"/>
-            <a:ext cx="8071338" cy="4807994"/>
-          </a:xfrm>
-          <a:prstGeom prst="rect">
-            <a:avLst/>
-          </a:prstGeom>
-        </p:spPr>
-      </p:pic>
     </p:spTree>
     <p:extLst>
       <p:ext uri="{BB962C8B-B14F-4D97-AF65-F5344CB8AC3E}">
-        <p14:creationId xmlns:p14="http://schemas.microsoft.com/office/powerpoint/2010/main" val="337037338"/>
+        <p14:creationId xmlns:p14="http://schemas.microsoft.com/office/powerpoint/2010/main" val="2040309541"/>
       </p:ext>
     </p:extLst>
   </p:cSld>
@@ -29465,7 +29587,7 @@
     </p:spTree>
     <p:extLst>
       <p:ext uri="{BB962C8B-B14F-4D97-AF65-F5344CB8AC3E}">
-        <p14:creationId xmlns:p14="http://schemas.microsoft.com/office/powerpoint/2010/main" val="2040309541"/>
+        <p14:creationId xmlns:p14="http://schemas.microsoft.com/office/powerpoint/2010/main" val="3687016330"/>
       </p:ext>
     </p:extLst>
   </p:cSld>

--- a/Securing Your API Endpoints.pptx
+++ b/Securing Your API Endpoints.pptx
@@ -288,7 +288,7 @@
           <a:p>
             <a:fld id="{C54A4886-B4AF-42F7-97BE-95CDF82A73E3}" type="datetimeFigureOut">
               <a:rPr lang="en-US" smtClean="0"/>
-              <a:t>12/16/2018</a:t>
+              <a:t>12/17/2018</a:t>
             </a:fld>
             <a:endParaRPr lang="en-US"/>
           </a:p>
@@ -16803,20 +16803,10 @@
                 <a:ea typeface="+mn-ea"/>
                 <a:cs typeface="+mn-cs"/>
               </a:rPr>
-              <a:t>To wrap up our list I want to briefly mention two additional technologies that are used in large enterprise</a:t>
-            </a:r>
-            <a:r>
-              <a:rPr lang="en-US" sz="1200" kern="1200" baseline="0" dirty="0" smtClean="0">
-                <a:solidFill>
-                  <a:schemeClr val="tx1"/>
-                </a:solidFill>
-                <a:effectLst/>
-                <a:latin typeface="+mn-lt"/>
-                <a:ea typeface="+mn-ea"/>
-                <a:cs typeface="+mn-cs"/>
-              </a:rPr>
-              <a:t> scenarios.</a:t>
-            </a:r>
+              <a:t>To wrap up our review of authentication options I want to touch very briefly on two additional techniques that you might want to be aware of. </a:t>
+            </a:r>
+          </a:p>
+          <a:p>
             <a:endParaRPr lang="en-US" sz="1200" kern="1200" dirty="0" smtClean="0">
               <a:solidFill>
                 <a:schemeClr val="tx1"/>
@@ -16828,6 +16818,20 @@
             </a:endParaRPr>
           </a:p>
           <a:p>
+            <a:r>
+              <a:rPr lang="en-US" sz="1200" kern="1200" dirty="0" smtClean="0">
+                <a:solidFill>
+                  <a:schemeClr val="tx1"/>
+                </a:solidFill>
+                <a:effectLst/>
+                <a:latin typeface="+mn-lt"/>
+                <a:ea typeface="+mn-ea"/>
+                <a:cs typeface="+mn-cs"/>
+              </a:rPr>
+              <a:t>The first is SAML, which stands for “Security Assertion Markup Language”. It provides similar functionality as JSON Web Tokens in that it allows for the secure exchange of authentication and authorization data between different parties, but using SOAP and XML rather than JSON over HTTP. SAML is significantly older and more complex than JWT, but it does offer some additional functionality such as additional transport protocols and different types of encryption. SAML is very commonly used for enterprise single-sign-on scenarios, although JWT is starting to see some adoption in this area.</a:t>
+            </a:r>
+          </a:p>
+          <a:p>
             <a:endParaRPr lang="en-US" sz="1200" kern="1200" dirty="0" smtClean="0">
               <a:solidFill>
                 <a:schemeClr val="tx1"/>
@@ -16849,11 +16853,9 @@
                 <a:ea typeface="+mn-ea"/>
                 <a:cs typeface="+mn-cs"/>
               </a:rPr>
-              <a:t>The first is SAML, which stands for “Security Assertion Markup Language”. It’s an “XML-based data format for exchanging authentication and authorization data between parties”. SAML is commonly used in enterprise SSO scenarios.</a:t>
-            </a:r>
-          </a:p>
-          <a:p>
-            <a:endParaRPr lang="en-US" sz="1200" kern="1200" dirty="0" smtClean="0">
+              <a:t>The second is WS-Security, and honestly I don’t know much about it. If you’re dealing with very complex, enterprise-grade authentication scenarios then you might want to hire a security expert to help. It’s probably safe to say that nobody attending my 101-level intro to authentication systems has any business implementing WS-Security in PROD without a little help.</a:t>
+            </a:r>
+            <a:endParaRPr lang="en-US" sz="1200" kern="1200" dirty="0">
               <a:solidFill>
                 <a:schemeClr val="tx1"/>
               </a:solidFill>
@@ -16862,44 +16864,6 @@
               <a:ea typeface="+mn-ea"/>
               <a:cs typeface="+mn-cs"/>
             </a:endParaRPr>
-          </a:p>
-          <a:p>
-            <a:r>
-              <a:rPr lang="en-US" sz="1200" kern="1200" dirty="0" smtClean="0">
-                <a:solidFill>
-                  <a:schemeClr val="tx1"/>
-                </a:solidFill>
-                <a:effectLst/>
-                <a:latin typeface="+mn-lt"/>
-                <a:ea typeface="+mn-ea"/>
-                <a:cs typeface="+mn-cs"/>
-              </a:rPr>
-              <a:t>The second is WS-Security. This is the king of complexity and deals with things such</a:t>
-            </a:r>
-            <a:r>
-              <a:rPr lang="en-US" sz="1200" kern="1200" baseline="0" dirty="0" smtClean="0">
-                <a:solidFill>
-                  <a:schemeClr val="tx1"/>
-                </a:solidFill>
-                <a:effectLst/>
-                <a:latin typeface="+mn-lt"/>
-                <a:ea typeface="+mn-ea"/>
-                <a:cs typeface="+mn-cs"/>
-              </a:rPr>
-              <a:t> as “messaging across trust domains”. God help you if that’s a use case your API cares about!</a:t>
-            </a:r>
-            <a:endParaRPr lang="en-US" sz="1200" kern="1200" dirty="0" smtClean="0">
-              <a:solidFill>
-                <a:schemeClr val="tx1"/>
-              </a:solidFill>
-              <a:effectLst/>
-              <a:latin typeface="+mn-lt"/>
-              <a:ea typeface="+mn-ea"/>
-              <a:cs typeface="+mn-cs"/>
-            </a:endParaRPr>
-          </a:p>
-          <a:p>
-            <a:endParaRPr lang="en-US" dirty="0"/>
           </a:p>
         </p:txBody>
       </p:sp>
@@ -16993,23 +16957,33 @@
                 <a:ea typeface="+mn-ea"/>
                 <a:cs typeface="+mn-cs"/>
               </a:rPr>
-              <a:t>So what</a:t>
-            </a:r>
-            <a:r>
-              <a:rPr lang="en-US" sz="1200" kern="1200" baseline="0" dirty="0" smtClean="0">
-                <a:solidFill>
-                  <a:schemeClr val="tx1"/>
-                </a:solidFill>
-                <a:effectLst/>
-                <a:latin typeface="+mn-lt"/>
-                <a:ea typeface="+mn-ea"/>
-                <a:cs typeface="+mn-cs"/>
-              </a:rPr>
-              <a:t> should you use?</a:t>
-            </a:r>
-          </a:p>
-          <a:p>
-            <a:endParaRPr lang="en-US" sz="1200" kern="1200" dirty="0" smtClean="0">
+              <a:t>OK, so I just threw a metric </a:t>
+            </a:r>
+            <a:r>
+              <a:rPr lang="en-US" sz="1200" kern="1200" dirty="0" err="1" smtClean="0">
+                <a:solidFill>
+                  <a:schemeClr val="tx1"/>
+                </a:solidFill>
+                <a:effectLst/>
+                <a:latin typeface="+mn-lt"/>
+                <a:ea typeface="+mn-ea"/>
+                <a:cs typeface="+mn-cs"/>
+              </a:rPr>
+              <a:t>crapton</a:t>
+            </a:r>
+            <a:r>
+              <a:rPr lang="en-US" sz="1200" kern="1200" dirty="0" smtClean="0">
+                <a:solidFill>
+                  <a:schemeClr val="tx1"/>
+                </a:solidFill>
+                <a:effectLst/>
+                <a:latin typeface="+mn-lt"/>
+                <a:ea typeface="+mn-ea"/>
+                <a:cs typeface="+mn-cs"/>
+              </a:rPr>
+              <a:t> of information at you. We talked about a lot of different authentication choices with a lot of different trade-offs. Like most things in this industry, the correct answer to this question is “it depends”.</a:t>
+            </a:r>
+            <a:endParaRPr lang="en-US" sz="1200" kern="1200" dirty="0">
               <a:solidFill>
                 <a:schemeClr val="tx1"/>
               </a:solidFill>
@@ -17018,94 +16992,6 @@
               <a:ea typeface="+mn-ea"/>
               <a:cs typeface="+mn-cs"/>
             </a:endParaRPr>
-          </a:p>
-          <a:p>
-            <a:r>
-              <a:rPr lang="en-US" sz="1200" kern="1200" dirty="0" smtClean="0">
-                <a:solidFill>
-                  <a:schemeClr val="tx1"/>
-                </a:solidFill>
-                <a:effectLst/>
-                <a:latin typeface="+mn-lt"/>
-                <a:ea typeface="+mn-ea"/>
-                <a:cs typeface="+mn-cs"/>
-              </a:rPr>
-              <a:t>I just threw a ton of choices</a:t>
-            </a:r>
-            <a:r>
-              <a:rPr lang="en-US" sz="1200" kern="1200" baseline="0" dirty="0" smtClean="0">
-                <a:solidFill>
-                  <a:schemeClr val="tx1"/>
-                </a:solidFill>
-                <a:effectLst/>
-                <a:latin typeface="+mn-lt"/>
-                <a:ea typeface="+mn-ea"/>
-                <a:cs typeface="+mn-cs"/>
-              </a:rPr>
-              <a:t> </a:t>
-            </a:r>
-            <a:r>
-              <a:rPr lang="en-US" sz="1200" kern="1200" dirty="0" smtClean="0">
-                <a:solidFill>
-                  <a:schemeClr val="tx1"/>
-                </a:solidFill>
-                <a:effectLst/>
-                <a:latin typeface="+mn-lt"/>
-                <a:ea typeface="+mn-ea"/>
-                <a:cs typeface="+mn-cs"/>
-              </a:rPr>
-              <a:t>at you, and as usual the correct answer</a:t>
-            </a:r>
-            <a:r>
-              <a:rPr lang="en-US" sz="1200" kern="1200" baseline="0" dirty="0" smtClean="0">
-                <a:solidFill>
-                  <a:schemeClr val="tx1"/>
-                </a:solidFill>
-                <a:effectLst/>
-                <a:latin typeface="+mn-lt"/>
-                <a:ea typeface="+mn-ea"/>
-                <a:cs typeface="+mn-cs"/>
-              </a:rPr>
-              <a:t> is “it depends”. </a:t>
-            </a:r>
-          </a:p>
-          <a:p>
-            <a:endParaRPr lang="en-US" sz="1200" kern="1200" baseline="0" dirty="0" smtClean="0">
-              <a:solidFill>
-                <a:schemeClr val="tx1"/>
-              </a:solidFill>
-              <a:effectLst/>
-              <a:latin typeface="+mn-lt"/>
-              <a:ea typeface="+mn-ea"/>
-              <a:cs typeface="+mn-cs"/>
-            </a:endParaRPr>
-          </a:p>
-          <a:p>
-            <a:r>
-              <a:rPr lang="en-US" sz="1200" kern="1200" baseline="0" dirty="0" smtClean="0">
-                <a:solidFill>
-                  <a:schemeClr val="tx1"/>
-                </a:solidFill>
-                <a:effectLst/>
-                <a:latin typeface="+mn-lt"/>
-                <a:ea typeface="+mn-ea"/>
-                <a:cs typeface="+mn-cs"/>
-              </a:rPr>
-              <a:t>Let’s briefly recap those options and talk about the ideal use cases for each</a:t>
-            </a:r>
-            <a:r>
-              <a:rPr lang="en-US" sz="1200" kern="1200" dirty="0" smtClean="0">
-                <a:solidFill>
-                  <a:schemeClr val="tx1"/>
-                </a:solidFill>
-                <a:effectLst/>
-                <a:latin typeface="+mn-lt"/>
-                <a:ea typeface="+mn-ea"/>
-                <a:cs typeface="+mn-cs"/>
-              </a:rPr>
-              <a:t>.</a:t>
-            </a:r>
-            <a:endParaRPr lang="en-US" dirty="0"/>
           </a:p>
         </p:txBody>
       </p:sp>
@@ -17391,23 +17277,6 @@
           <a:bodyPr/>
           <a:lstStyle/>
           <a:p>
-            <a:pPr marL="0" marR="0" indent="0" algn="l" defTabSz="914400" rtl="0" eaLnBrk="1" fontAlgn="auto" latinLnBrk="0" hangingPunct="1">
-              <a:lnSpc>
-                <a:spcPct val="100000"/>
-              </a:lnSpc>
-              <a:spcBef>
-                <a:spcPts val="0"/>
-              </a:spcBef>
-              <a:spcAft>
-                <a:spcPts val="0"/>
-              </a:spcAft>
-              <a:buClrTx/>
-              <a:buSzTx/>
-              <a:buFontTx/>
-              <a:buNone/>
-              <a:tabLst/>
-              <a:defRPr/>
-            </a:pPr>
             <a:r>
               <a:rPr lang="en-US" sz="1200" kern="1200" dirty="0" smtClean="0">
                 <a:solidFill>
@@ -17418,122 +17287,34 @@
                 <a:ea typeface="+mn-ea"/>
                 <a:cs typeface="+mn-cs"/>
               </a:rPr>
-              <a:t>Client certs are</a:t>
-            </a:r>
-            <a:r>
-              <a:rPr lang="en-US" sz="1200" kern="1200" baseline="0" dirty="0" smtClean="0">
-                <a:solidFill>
-                  <a:schemeClr val="tx1"/>
-                </a:solidFill>
-                <a:effectLst/>
-                <a:latin typeface="+mn-lt"/>
-                <a:ea typeface="+mn-ea"/>
-                <a:cs typeface="+mn-cs"/>
-              </a:rPr>
-              <a:t> useful </a:t>
-            </a:r>
-            <a:r>
-              <a:rPr lang="en-US" sz="1200" b="1" kern="1200" baseline="0" dirty="0" smtClean="0">
-                <a:solidFill>
-                  <a:schemeClr val="tx1"/>
-                </a:solidFill>
-                <a:effectLst/>
-                <a:latin typeface="+mn-lt"/>
-                <a:ea typeface="+mn-ea"/>
-                <a:cs typeface="+mn-cs"/>
-              </a:rPr>
-              <a:t>if you can get users to install them</a:t>
-            </a:r>
-          </a:p>
-          <a:p>
-            <a:pPr marL="0" marR="0" indent="0" algn="l" defTabSz="914400" rtl="0" eaLnBrk="1" fontAlgn="auto" latinLnBrk="0" hangingPunct="1">
-              <a:lnSpc>
-                <a:spcPct val="100000"/>
-              </a:lnSpc>
-              <a:spcBef>
-                <a:spcPts val="0"/>
-              </a:spcBef>
-              <a:spcAft>
-                <a:spcPts val="0"/>
-              </a:spcAft>
-              <a:buClrTx/>
-              <a:buSzTx/>
-              <a:buFontTx/>
-              <a:buNone/>
-              <a:tabLst/>
-              <a:defRPr/>
-            </a:pPr>
-            <a:endParaRPr lang="en-US" sz="1200" b="1" kern="1200" baseline="0" dirty="0" smtClean="0">
-              <a:solidFill>
-                <a:schemeClr val="tx1"/>
-              </a:solidFill>
-              <a:effectLst/>
-              <a:latin typeface="+mn-lt"/>
-              <a:ea typeface="+mn-ea"/>
-              <a:cs typeface="+mn-cs"/>
-            </a:endParaRPr>
-          </a:p>
-          <a:p>
-            <a:pPr marL="0" marR="0" indent="0" algn="l" defTabSz="914400" rtl="0" eaLnBrk="1" fontAlgn="auto" latinLnBrk="0" hangingPunct="1">
-              <a:lnSpc>
-                <a:spcPct val="100000"/>
-              </a:lnSpc>
-              <a:spcBef>
-                <a:spcPts val="0"/>
-              </a:spcBef>
-              <a:spcAft>
-                <a:spcPts val="0"/>
-              </a:spcAft>
-              <a:buClrTx/>
-              <a:buSzTx/>
-              <a:buFontTx/>
-              <a:buNone/>
-              <a:tabLst/>
-              <a:defRPr/>
-            </a:pPr>
-            <a:r>
-              <a:rPr lang="en-US" sz="1200" b="0" kern="1200" baseline="0" dirty="0" smtClean="0">
-                <a:solidFill>
-                  <a:schemeClr val="tx1"/>
-                </a:solidFill>
-                <a:effectLst/>
-                <a:latin typeface="+mn-lt"/>
-                <a:ea typeface="+mn-ea"/>
-                <a:cs typeface="+mn-cs"/>
-              </a:rPr>
-              <a:t>Bad choice for </a:t>
-            </a:r>
-            <a:r>
-              <a:rPr lang="en-US" sz="1200" b="1" kern="1200" baseline="0" dirty="0" smtClean="0">
-                <a:solidFill>
-                  <a:schemeClr val="tx1"/>
-                </a:solidFill>
-                <a:effectLst/>
-                <a:latin typeface="+mn-lt"/>
-                <a:ea typeface="+mn-ea"/>
-                <a:cs typeface="+mn-cs"/>
-              </a:rPr>
-              <a:t>public API</a:t>
-            </a:r>
-          </a:p>
-          <a:p>
-            <a:pPr marL="0" marR="0" indent="0" algn="l" defTabSz="914400" rtl="0" eaLnBrk="1" fontAlgn="auto" latinLnBrk="0" hangingPunct="1">
-              <a:lnSpc>
-                <a:spcPct val="100000"/>
-              </a:lnSpc>
-              <a:spcBef>
-                <a:spcPts val="0"/>
-              </a:spcBef>
-              <a:spcAft>
-                <a:spcPts val="0"/>
-              </a:spcAft>
-              <a:buClrTx/>
-              <a:buSzTx/>
-              <a:buFontTx/>
-              <a:buNone/>
-              <a:tabLst/>
-              <a:defRPr/>
-            </a:pPr>
+              <a:t>Client certificates are pretty easy to use, </a:t>
+            </a:r>
+            <a:r>
+              <a:rPr lang="en-US" sz="1200" b="1" kern="1200" dirty="0" smtClean="0">
+                <a:solidFill>
+                  <a:schemeClr val="tx1"/>
+                </a:solidFill>
+                <a:effectLst/>
+                <a:latin typeface="+mn-lt"/>
+                <a:ea typeface="+mn-ea"/>
+                <a:cs typeface="+mn-cs"/>
+              </a:rPr>
+              <a:t>IF you can get your users to install them</a:t>
+            </a:r>
+            <a:r>
+              <a:rPr lang="en-US" sz="1200" kern="1200" dirty="0" smtClean="0">
+                <a:solidFill>
+                  <a:schemeClr val="tx1"/>
+                </a:solidFill>
+                <a:effectLst/>
+                <a:latin typeface="+mn-lt"/>
+                <a:ea typeface="+mn-ea"/>
+                <a:cs typeface="+mn-cs"/>
+              </a:rPr>
+              <a:t>. </a:t>
+            </a:r>
+          </a:p>
+          <a:p>
             <a:endParaRPr lang="en-US" sz="1200" kern="1200" dirty="0" smtClean="0">
               <a:solidFill>
                 <a:schemeClr val="tx1"/>
@@ -17545,23 +17326,6 @@
             </a:endParaRPr>
           </a:p>
           <a:p>
-            <a:pPr marL="0" marR="0" indent="0" algn="l" defTabSz="914400" rtl="0" eaLnBrk="1" fontAlgn="auto" latinLnBrk="0" hangingPunct="1">
-              <a:lnSpc>
-                <a:spcPct val="100000"/>
-              </a:lnSpc>
-              <a:spcBef>
-                <a:spcPts val="0"/>
-              </a:spcBef>
-              <a:spcAft>
-                <a:spcPts val="0"/>
-              </a:spcAft>
-              <a:buClrTx/>
-              <a:buSzTx/>
-              <a:buFontTx/>
-              <a:buNone/>
-              <a:tabLst/>
-              <a:defRPr/>
-            </a:pPr>
             <a:r>
               <a:rPr lang="en-US" sz="1200" kern="1200" dirty="0" smtClean="0">
                 <a:solidFill>
@@ -17572,64 +17336,11 @@
                 <a:ea typeface="+mn-ea"/>
                 <a:cs typeface="+mn-cs"/>
               </a:rPr>
-              <a:t>Work best for securing </a:t>
-            </a:r>
-            <a:r>
-              <a:rPr lang="en-US" sz="1200" b="1" kern="1200" dirty="0" smtClean="0">
-                <a:solidFill>
-                  <a:schemeClr val="tx1"/>
-                </a:solidFill>
-                <a:effectLst/>
-                <a:latin typeface="+mn-lt"/>
-                <a:ea typeface="+mn-ea"/>
-                <a:cs typeface="+mn-cs"/>
-              </a:rPr>
-              <a:t>private API</a:t>
-            </a:r>
-            <a:r>
-              <a:rPr lang="en-US" sz="1200" kern="1200" dirty="0" smtClean="0">
-                <a:solidFill>
-                  <a:schemeClr val="tx1"/>
-                </a:solidFill>
-                <a:effectLst/>
-                <a:latin typeface="+mn-lt"/>
-                <a:ea typeface="+mn-ea"/>
-                <a:cs typeface="+mn-cs"/>
-              </a:rPr>
-              <a:t> on trusted</a:t>
-            </a:r>
-            <a:r>
-              <a:rPr lang="en-US" sz="1200" kern="1200" baseline="0" dirty="0" smtClean="0">
-                <a:solidFill>
-                  <a:schemeClr val="tx1"/>
-                </a:solidFill>
-                <a:effectLst/>
-                <a:latin typeface="+mn-lt"/>
-                <a:ea typeface="+mn-ea"/>
-                <a:cs typeface="+mn-cs"/>
-              </a:rPr>
-              <a:t> network.</a:t>
-            </a:r>
-          </a:p>
-          <a:p>
-            <a:pPr marL="0" marR="0" indent="0" algn="l" defTabSz="914400" rtl="0" eaLnBrk="1" fontAlgn="auto" latinLnBrk="0" hangingPunct="1">
-              <a:lnSpc>
-                <a:spcPct val="100000"/>
-              </a:lnSpc>
-              <a:spcBef>
-                <a:spcPts val="0"/>
-              </a:spcBef>
-              <a:spcAft>
-                <a:spcPts val="0"/>
-              </a:spcAft>
-              <a:buClrTx/>
-              <a:buSzTx/>
-              <a:buFontTx/>
-              <a:buNone/>
-              <a:tabLst/>
-              <a:defRPr/>
-            </a:pPr>
-            <a:endParaRPr lang="en-US" sz="1200" kern="1200" baseline="0" dirty="0" smtClean="0">
+              <a:t>If you’re securing a private API on a trusted network, and you’re authenticating against Active Directory, then this is a really nice way to avoid login prompts altogether.</a:t>
+            </a:r>
+          </a:p>
+          <a:p>
+            <a:endParaRPr lang="en-US" sz="1200" kern="1200" dirty="0" smtClean="0">
               <a:solidFill>
                 <a:schemeClr val="tx1"/>
               </a:solidFill>
@@ -17640,143 +17351,19 @@
             </a:endParaRPr>
           </a:p>
           <a:p>
-            <a:pPr marL="0" marR="0" indent="0" algn="l" defTabSz="914400" rtl="0" eaLnBrk="1" fontAlgn="auto" latinLnBrk="0" hangingPunct="1">
-              <a:lnSpc>
-                <a:spcPct val="100000"/>
-              </a:lnSpc>
-              <a:spcBef>
-                <a:spcPts val="0"/>
-              </a:spcBef>
-              <a:spcAft>
-                <a:spcPts val="0"/>
-              </a:spcAft>
-              <a:buClrTx/>
-              <a:buSzTx/>
-              <a:buFontTx/>
-              <a:buNone/>
-              <a:tabLst/>
-              <a:defRPr/>
-            </a:pPr>
-            <a:r>
-              <a:rPr lang="en-US" sz="1200" kern="1200" baseline="0" dirty="0" smtClean="0">
-                <a:solidFill>
-                  <a:schemeClr val="tx1"/>
-                </a:solidFill>
-                <a:effectLst/>
-                <a:latin typeface="+mn-lt"/>
-                <a:ea typeface="+mn-ea"/>
-                <a:cs typeface="+mn-cs"/>
-              </a:rPr>
-              <a:t>In Windows land, the sweet spot is when using IIS and Active Directory, because the tooling to link certs to identities already exists.</a:t>
-            </a:r>
-          </a:p>
-          <a:p>
-            <a:pPr marL="0" marR="0" indent="0" algn="l" defTabSz="914400" rtl="0" eaLnBrk="1" fontAlgn="auto" latinLnBrk="0" hangingPunct="1">
-              <a:lnSpc>
-                <a:spcPct val="100000"/>
-              </a:lnSpc>
-              <a:spcBef>
-                <a:spcPts val="0"/>
-              </a:spcBef>
-              <a:spcAft>
-                <a:spcPts val="0"/>
-              </a:spcAft>
-              <a:buClrTx/>
-              <a:buSzTx/>
-              <a:buFontTx/>
-              <a:buNone/>
-              <a:tabLst/>
-              <a:defRPr/>
-            </a:pPr>
-            <a:endParaRPr lang="en-US" sz="1200" kern="1200" baseline="0" dirty="0" smtClean="0">
-              <a:solidFill>
-                <a:schemeClr val="tx1"/>
-              </a:solidFill>
-              <a:effectLst/>
-              <a:latin typeface="+mn-lt"/>
-              <a:ea typeface="+mn-ea"/>
-              <a:cs typeface="+mn-cs"/>
-            </a:endParaRPr>
-          </a:p>
-          <a:p>
-            <a:pPr marL="0" marR="0" indent="0" algn="l" defTabSz="914400" rtl="0" eaLnBrk="1" fontAlgn="auto" latinLnBrk="0" hangingPunct="1">
-              <a:lnSpc>
-                <a:spcPct val="100000"/>
-              </a:lnSpc>
-              <a:spcBef>
-                <a:spcPts val="0"/>
-              </a:spcBef>
-              <a:spcAft>
-                <a:spcPts val="0"/>
-              </a:spcAft>
-              <a:buClrTx/>
-              <a:buSzTx/>
-              <a:buFontTx/>
-              <a:buNone/>
-              <a:tabLst/>
-              <a:defRPr/>
-            </a:pPr>
-            <a:r>
-              <a:rPr lang="en-US" sz="1200" kern="1200" baseline="0" dirty="0" smtClean="0">
-                <a:solidFill>
-                  <a:schemeClr val="tx1"/>
-                </a:solidFill>
-                <a:effectLst/>
-                <a:latin typeface="+mn-lt"/>
-                <a:ea typeface="+mn-ea"/>
-                <a:cs typeface="+mn-cs"/>
-              </a:rPr>
-              <a:t>Also a good fit for </a:t>
-            </a:r>
-            <a:r>
-              <a:rPr lang="en-US" sz="1200" b="1" kern="1200" baseline="0" dirty="0" smtClean="0">
-                <a:solidFill>
-                  <a:schemeClr val="tx1"/>
-                </a:solidFill>
-                <a:effectLst/>
-                <a:latin typeface="+mn-lt"/>
-                <a:ea typeface="+mn-ea"/>
-                <a:cs typeface="+mn-cs"/>
-              </a:rPr>
-              <a:t>server to server</a:t>
-            </a:r>
-            <a:r>
-              <a:rPr lang="en-US" sz="1200" b="0" kern="1200" baseline="0" dirty="0" smtClean="0">
-                <a:solidFill>
-                  <a:schemeClr val="tx1"/>
-                </a:solidFill>
-                <a:effectLst/>
-                <a:latin typeface="+mn-lt"/>
-                <a:ea typeface="+mn-ea"/>
-                <a:cs typeface="+mn-cs"/>
-              </a:rPr>
-              <a:t> </a:t>
-            </a:r>
-            <a:r>
-              <a:rPr lang="en-US" sz="1200" b="0" kern="1200" baseline="0" dirty="0" err="1" smtClean="0">
-                <a:solidFill>
-                  <a:schemeClr val="tx1"/>
-                </a:solidFill>
-                <a:effectLst/>
-                <a:latin typeface="+mn-lt"/>
-                <a:ea typeface="+mn-ea"/>
-                <a:cs typeface="+mn-cs"/>
-              </a:rPr>
-              <a:t>auth</a:t>
-            </a:r>
-            <a:r>
-              <a:rPr lang="en-US" sz="1200" b="0" kern="1200" baseline="0" dirty="0" smtClean="0">
-                <a:solidFill>
-                  <a:schemeClr val="tx1"/>
-                </a:solidFill>
-                <a:effectLst/>
-                <a:latin typeface="+mn-lt"/>
-                <a:ea typeface="+mn-ea"/>
-                <a:cs typeface="+mn-cs"/>
-              </a:rPr>
-              <a:t> because you don’t have to manage passwords</a:t>
-            </a:r>
-            <a:endParaRPr lang="en-US" sz="1200" kern="1200" dirty="0" smtClean="0">
+            <a:r>
+              <a:rPr lang="en-US" sz="1200" kern="1200" dirty="0" smtClean="0">
+                <a:solidFill>
+                  <a:schemeClr val="tx1"/>
+                </a:solidFill>
+                <a:effectLst/>
+                <a:latin typeface="+mn-lt"/>
+                <a:ea typeface="+mn-ea"/>
+                <a:cs typeface="+mn-cs"/>
+              </a:rPr>
+              <a:t>Client certificates are also a nice option for server-to-server authentication.</a:t>
+            </a:r>
+            <a:endParaRPr lang="en-US" sz="1200" kern="1200" dirty="0">
               <a:solidFill>
                 <a:schemeClr val="tx1"/>
               </a:solidFill>
@@ -17878,22 +17465,10 @@
                 <a:ea typeface="+mn-ea"/>
                 <a:cs typeface="+mn-cs"/>
               </a:rPr>
-              <a:t>Basic</a:t>
-            </a:r>
-            <a:r>
-              <a:rPr lang="en-US" sz="1200" kern="1200" baseline="0" dirty="0" smtClean="0">
-                <a:solidFill>
-                  <a:schemeClr val="tx1"/>
-                </a:solidFill>
-                <a:effectLst/>
-                <a:latin typeface="+mn-lt"/>
-                <a:ea typeface="+mn-ea"/>
-                <a:cs typeface="+mn-cs"/>
-              </a:rPr>
-              <a:t> </a:t>
-            </a:r>
-            <a:r>
-              <a:rPr lang="en-US" sz="1200" kern="1200" baseline="0" dirty="0" err="1" smtClean="0">
+              <a:t>If you’re looking for the simplest possible thing you could do, then using Basic </a:t>
+            </a:r>
+            <a:r>
+              <a:rPr lang="en-US" sz="1200" kern="1200" dirty="0" err="1" smtClean="0">
                 <a:solidFill>
                   <a:schemeClr val="tx1"/>
                 </a:solidFill>
@@ -17905,182 +17480,43 @@
               <a:t>Auth</a:t>
             </a:r>
             <a:r>
-              <a:rPr lang="en-US" sz="1200" kern="1200" baseline="0" dirty="0" smtClean="0">
-                <a:solidFill>
-                  <a:schemeClr val="tx1"/>
-                </a:solidFill>
-                <a:effectLst/>
-                <a:latin typeface="+mn-lt"/>
-                <a:ea typeface="+mn-ea"/>
-                <a:cs typeface="+mn-cs"/>
-              </a:rPr>
-              <a:t> is ideal if</a:t>
-            </a:r>
-          </a:p>
-          <a:p>
-            <a:pPr marL="171450" indent="-171450">
-              <a:buFont typeface="Arial" panose="020B0604020202020204" pitchFamily="34" charset="0"/>
-              <a:buChar char="•"/>
-            </a:pPr>
-            <a:r>
-              <a:rPr lang="en-US" sz="1200" kern="1200" baseline="0" dirty="0" smtClean="0">
-                <a:solidFill>
-                  <a:schemeClr val="tx1"/>
-                </a:solidFill>
-                <a:effectLst/>
-                <a:latin typeface="+mn-lt"/>
-                <a:ea typeface="+mn-ea"/>
-                <a:cs typeface="+mn-cs"/>
-              </a:rPr>
-              <a:t>You want to write </a:t>
-            </a:r>
-            <a:r>
-              <a:rPr lang="en-US" sz="1200" b="1" kern="1200" baseline="0" dirty="0" smtClean="0">
-                <a:solidFill>
-                  <a:schemeClr val="tx1"/>
-                </a:solidFill>
-                <a:effectLst/>
-                <a:latin typeface="+mn-lt"/>
-                <a:ea typeface="+mn-ea"/>
-                <a:cs typeface="+mn-cs"/>
-              </a:rPr>
-              <a:t>very little code</a:t>
-            </a:r>
-            <a:r>
-              <a:rPr lang="en-US" sz="1200" b="0" kern="1200" baseline="0" dirty="0" smtClean="0">
-                <a:solidFill>
-                  <a:schemeClr val="tx1"/>
-                </a:solidFill>
-                <a:effectLst/>
-                <a:latin typeface="+mn-lt"/>
-                <a:ea typeface="+mn-ea"/>
-                <a:cs typeface="+mn-cs"/>
-              </a:rPr>
-              <a:t>, and</a:t>
-            </a:r>
-          </a:p>
-          <a:p>
-            <a:pPr marL="171450" indent="-171450">
-              <a:buFont typeface="Arial" panose="020B0604020202020204" pitchFamily="34" charset="0"/>
-              <a:buChar char="•"/>
-            </a:pPr>
-            <a:r>
-              <a:rPr lang="en-US" sz="1200" b="0" kern="1200" baseline="0" dirty="0" smtClean="0">
-                <a:solidFill>
-                  <a:schemeClr val="tx1"/>
-                </a:solidFill>
-                <a:effectLst/>
-                <a:latin typeface="+mn-lt"/>
-                <a:ea typeface="+mn-ea"/>
-                <a:cs typeface="+mn-cs"/>
-              </a:rPr>
-              <a:t>You’re comfortable relying on </a:t>
-            </a:r>
-            <a:r>
-              <a:rPr lang="en-US" sz="1200" b="1" kern="1200" baseline="0" dirty="0" smtClean="0">
-                <a:solidFill>
-                  <a:schemeClr val="tx1"/>
-                </a:solidFill>
-                <a:effectLst/>
-                <a:latin typeface="+mn-lt"/>
-                <a:ea typeface="+mn-ea"/>
-                <a:cs typeface="+mn-cs"/>
-              </a:rPr>
-              <a:t>TLS </a:t>
-            </a:r>
-            <a:r>
-              <a:rPr lang="en-US" sz="1200" b="0" kern="1200" baseline="0" dirty="0" smtClean="0">
-                <a:solidFill>
-                  <a:schemeClr val="tx1"/>
-                </a:solidFill>
-                <a:effectLst/>
-                <a:latin typeface="+mn-lt"/>
-                <a:ea typeface="+mn-ea"/>
-                <a:cs typeface="+mn-cs"/>
-              </a:rPr>
-              <a:t>to keep passwords safe over the wire</a:t>
-            </a:r>
-          </a:p>
-          <a:p>
-            <a:pPr marL="171450" indent="-171450">
-              <a:buFont typeface="Arial" panose="020B0604020202020204" pitchFamily="34" charset="0"/>
-              <a:buChar char="•"/>
-            </a:pPr>
-            <a:endParaRPr lang="en-US" sz="1200" b="0" kern="1200" baseline="0" dirty="0" smtClean="0">
-              <a:solidFill>
-                <a:schemeClr val="tx1"/>
-              </a:solidFill>
-              <a:effectLst/>
-              <a:latin typeface="+mn-lt"/>
-              <a:ea typeface="+mn-ea"/>
-              <a:cs typeface="+mn-cs"/>
-            </a:endParaRPr>
-          </a:p>
-          <a:p>
-            <a:pPr marL="0" indent="0">
-              <a:buFont typeface="Arial" panose="020B0604020202020204" pitchFamily="34" charset="0"/>
-              <a:buNone/>
-            </a:pPr>
-            <a:r>
-              <a:rPr lang="en-US" sz="1200" b="0" kern="1200" baseline="0" dirty="0" smtClean="0">
-                <a:solidFill>
-                  <a:schemeClr val="tx1"/>
-                </a:solidFill>
-                <a:effectLst/>
-                <a:latin typeface="+mn-lt"/>
-                <a:ea typeface="+mn-ea"/>
-                <a:cs typeface="+mn-cs"/>
-              </a:rPr>
-              <a:t>An ideal use case is </a:t>
-            </a:r>
-            <a:r>
-              <a:rPr lang="en-US" sz="1200" b="1" kern="1200" baseline="0" dirty="0" smtClean="0">
-                <a:solidFill>
-                  <a:schemeClr val="tx1"/>
-                </a:solidFill>
-                <a:effectLst/>
-                <a:latin typeface="+mn-lt"/>
-                <a:ea typeface="+mn-ea"/>
-                <a:cs typeface="+mn-cs"/>
-              </a:rPr>
-              <a:t>server to server API calls</a:t>
-            </a:r>
-            <a:r>
-              <a:rPr lang="en-US" sz="1200" b="0" kern="1200" baseline="0" dirty="0" smtClean="0">
-                <a:solidFill>
-                  <a:schemeClr val="tx1"/>
-                </a:solidFill>
-                <a:effectLst/>
-                <a:latin typeface="+mn-lt"/>
-                <a:ea typeface="+mn-ea"/>
-                <a:cs typeface="+mn-cs"/>
-              </a:rPr>
-              <a:t> where you can’t use </a:t>
-            </a:r>
-            <a:r>
-              <a:rPr lang="en-US" sz="1200" b="1" kern="1200" baseline="0" dirty="0" smtClean="0">
-                <a:solidFill>
-                  <a:schemeClr val="tx1"/>
-                </a:solidFill>
-                <a:effectLst/>
-                <a:latin typeface="+mn-lt"/>
-                <a:ea typeface="+mn-ea"/>
-                <a:cs typeface="+mn-cs"/>
-              </a:rPr>
-              <a:t>client certs</a:t>
-            </a:r>
-            <a:r>
-              <a:rPr lang="en-US" sz="1200" b="0" kern="1200" baseline="0" dirty="0" smtClean="0">
-                <a:solidFill>
-                  <a:schemeClr val="tx1"/>
-                </a:solidFill>
-                <a:effectLst/>
-                <a:latin typeface="+mn-lt"/>
-                <a:ea typeface="+mn-ea"/>
-                <a:cs typeface="+mn-cs"/>
-              </a:rPr>
-              <a:t>. </a:t>
-            </a:r>
+              <a:rPr lang="en-US" sz="1200" kern="1200" dirty="0" smtClean="0">
+                <a:solidFill>
+                  <a:schemeClr val="tx1"/>
+                </a:solidFill>
+                <a:effectLst/>
+                <a:latin typeface="+mn-lt"/>
+                <a:ea typeface="+mn-ea"/>
+                <a:cs typeface="+mn-cs"/>
+              </a:rPr>
+              <a:t> to authenticate against a standard platform such as </a:t>
+            </a:r>
+            <a:r>
+              <a:rPr lang="en-US" sz="1200" kern="1200" dirty="0" err="1" smtClean="0">
+                <a:solidFill>
+                  <a:schemeClr val="tx1"/>
+                </a:solidFill>
+                <a:effectLst/>
+                <a:latin typeface="+mn-lt"/>
+                <a:ea typeface="+mn-ea"/>
+                <a:cs typeface="+mn-cs"/>
+              </a:rPr>
+              <a:t>ActiveDirectory</a:t>
+            </a:r>
+            <a:r>
+              <a:rPr lang="en-US" sz="1200" kern="1200" dirty="0" smtClean="0">
+                <a:solidFill>
+                  <a:schemeClr val="tx1"/>
+                </a:solidFill>
+                <a:effectLst/>
+                <a:latin typeface="+mn-lt"/>
+                <a:ea typeface="+mn-ea"/>
+                <a:cs typeface="+mn-cs"/>
+              </a:rPr>
+              <a:t> is worth a shot. You give up some flexibility, but will need to write very little code to make it work.</a:t>
+            </a:r>
+          </a:p>
+          <a:p>
             <a:endParaRPr lang="en-US" sz="1200" kern="1200" dirty="0" smtClean="0">
               <a:solidFill>
                 <a:schemeClr val="tx1"/>
@@ -18092,7 +17528,67 @@
             </a:endParaRPr>
           </a:p>
           <a:p>
-            <a:endParaRPr lang="en-US" sz="1200" kern="1200" dirty="0" smtClean="0">
+            <a:r>
+              <a:rPr lang="en-US" sz="1200" kern="1200" dirty="0" smtClean="0">
+                <a:solidFill>
+                  <a:schemeClr val="tx1"/>
+                </a:solidFill>
+                <a:effectLst/>
+                <a:latin typeface="+mn-lt"/>
+                <a:ea typeface="+mn-ea"/>
+                <a:cs typeface="+mn-cs"/>
+              </a:rPr>
+              <a:t>Basic </a:t>
+            </a:r>
+            <a:r>
+              <a:rPr lang="en-US" sz="1200" kern="1200" dirty="0" err="1" smtClean="0">
+                <a:solidFill>
+                  <a:schemeClr val="tx1"/>
+                </a:solidFill>
+                <a:effectLst/>
+                <a:latin typeface="+mn-lt"/>
+                <a:ea typeface="+mn-ea"/>
+                <a:cs typeface="+mn-cs"/>
+              </a:rPr>
+              <a:t>Auth</a:t>
+            </a:r>
+            <a:r>
+              <a:rPr lang="en-US" sz="1200" kern="1200" dirty="0" smtClean="0">
+                <a:solidFill>
+                  <a:schemeClr val="tx1"/>
+                </a:solidFill>
+                <a:effectLst/>
+                <a:latin typeface="+mn-lt"/>
+                <a:ea typeface="+mn-ea"/>
+                <a:cs typeface="+mn-cs"/>
+              </a:rPr>
+              <a:t> is </a:t>
+            </a:r>
+            <a:r>
+              <a:rPr lang="en-US" sz="1200" i="1" kern="1200" dirty="0" smtClean="0">
+                <a:solidFill>
+                  <a:schemeClr val="tx1"/>
+                </a:solidFill>
+                <a:effectLst/>
+                <a:latin typeface="+mn-lt"/>
+                <a:ea typeface="+mn-ea"/>
+                <a:cs typeface="+mn-cs"/>
+              </a:rPr>
+              <a:t>not </a:t>
+            </a:r>
+            <a:r>
+              <a:rPr lang="en-US" sz="1200" kern="1200" dirty="0" smtClean="0">
+                <a:solidFill>
+                  <a:schemeClr val="tx1"/>
+                </a:solidFill>
+                <a:effectLst/>
+                <a:latin typeface="+mn-lt"/>
+                <a:ea typeface="+mn-ea"/>
+                <a:cs typeface="+mn-cs"/>
+              </a:rPr>
+              <a:t>a good idea for a pure JS client because it requires storing the credentials somewhere in browser memory, which is generally a bad idea.</a:t>
+            </a:r>
+            <a:endParaRPr lang="en-US" sz="1200" kern="1200" dirty="0">
               <a:solidFill>
                 <a:schemeClr val="tx1"/>
               </a:solidFill>
@@ -18101,44 +17597,6 @@
               <a:ea typeface="+mn-ea"/>
               <a:cs typeface="+mn-cs"/>
             </a:endParaRPr>
-          </a:p>
-          <a:p>
-            <a:r>
-              <a:rPr lang="en-US" sz="1200" kern="1200" dirty="0" smtClean="0">
-                <a:solidFill>
-                  <a:schemeClr val="tx1"/>
-                </a:solidFill>
-                <a:effectLst/>
-                <a:latin typeface="+mn-lt"/>
-                <a:ea typeface="+mn-ea"/>
-                <a:cs typeface="+mn-cs"/>
-              </a:rPr>
-              <a:t>Not ideal for pure JS clients b/c it requires</a:t>
-            </a:r>
-            <a:r>
-              <a:rPr lang="en-US" sz="1200" kern="1200" baseline="0" dirty="0" smtClean="0">
-                <a:solidFill>
-                  <a:schemeClr val="tx1"/>
-                </a:solidFill>
-                <a:effectLst/>
-                <a:latin typeface="+mn-lt"/>
-                <a:ea typeface="+mn-ea"/>
-                <a:cs typeface="+mn-cs"/>
-              </a:rPr>
-              <a:t> storing the credentials somewhere in browser memory.</a:t>
-            </a:r>
-            <a:endParaRPr lang="en-US" sz="1200" kern="1200" dirty="0" smtClean="0">
-              <a:solidFill>
-                <a:schemeClr val="tx1"/>
-              </a:solidFill>
-              <a:effectLst/>
-              <a:latin typeface="+mn-lt"/>
-              <a:ea typeface="+mn-ea"/>
-              <a:cs typeface="+mn-cs"/>
-            </a:endParaRPr>
-          </a:p>
-          <a:p>
-            <a:endParaRPr lang="en-US" dirty="0"/>
           </a:p>
         </p:txBody>
       </p:sp>
@@ -18222,23 +17680,6 @@
           <a:bodyPr/>
           <a:lstStyle/>
           <a:p>
-            <a:pPr marL="0" marR="0" indent="0" algn="l" defTabSz="914400" rtl="0" eaLnBrk="1" fontAlgn="auto" latinLnBrk="0" hangingPunct="1">
-              <a:lnSpc>
-                <a:spcPct val="100000"/>
-              </a:lnSpc>
-              <a:spcBef>
-                <a:spcPts val="0"/>
-              </a:spcBef>
-              <a:spcAft>
-                <a:spcPts val="0"/>
-              </a:spcAft>
-              <a:buClrTx/>
-              <a:buSzTx/>
-              <a:buFontTx/>
-              <a:buNone/>
-              <a:tabLst/>
-              <a:defRPr/>
-            </a:pPr>
             <a:r>
               <a:rPr lang="en-US" sz="1200" kern="1200" dirty="0" smtClean="0">
                 <a:solidFill>
@@ -18249,28 +17690,9 @@
                 <a:ea typeface="+mn-ea"/>
                 <a:cs typeface="+mn-cs"/>
               </a:rPr>
-              <a:t>There’s no good reason to use Digest Auth. </a:t>
-            </a:r>
-          </a:p>
-          <a:p>
-            <a:pPr marL="0" marR="0" indent="0" algn="l" defTabSz="914400" rtl="0" eaLnBrk="1" fontAlgn="auto" latinLnBrk="0" hangingPunct="1">
-              <a:lnSpc>
-                <a:spcPct val="100000"/>
-              </a:lnSpc>
-              <a:spcBef>
-                <a:spcPts val="0"/>
-              </a:spcBef>
-              <a:spcAft>
-                <a:spcPts val="0"/>
-              </a:spcAft>
-              <a:buClrTx/>
-              <a:buSzTx/>
-              <a:buFontTx/>
-              <a:buNone/>
-              <a:tabLst/>
-              <a:defRPr/>
-            </a:pPr>
-            <a:endParaRPr lang="en-US" sz="1200" kern="1200" dirty="0" smtClean="0">
+              <a:t>There’s no good reason to use Digest Auth. Anyone that tells you to do this is about 15 years out of date.</a:t>
+            </a:r>
+            <a:endParaRPr lang="en-US" sz="1200" kern="1200" dirty="0">
               <a:solidFill>
                 <a:schemeClr val="tx1"/>
               </a:solidFill>
@@ -18279,50 +17701,6 @@
               <a:ea typeface="+mn-ea"/>
               <a:cs typeface="+mn-cs"/>
             </a:endParaRPr>
-          </a:p>
-          <a:p>
-            <a:pPr marL="0" marR="0" indent="0" algn="l" defTabSz="914400" rtl="0" eaLnBrk="1" fontAlgn="auto" latinLnBrk="0" hangingPunct="1">
-              <a:lnSpc>
-                <a:spcPct val="100000"/>
-              </a:lnSpc>
-              <a:spcBef>
-                <a:spcPts val="0"/>
-              </a:spcBef>
-              <a:spcAft>
-                <a:spcPts val="0"/>
-              </a:spcAft>
-              <a:buClrTx/>
-              <a:buSzTx/>
-              <a:buFontTx/>
-              <a:buNone/>
-              <a:tabLst/>
-              <a:defRPr/>
-            </a:pPr>
-            <a:r>
-              <a:rPr lang="en-US" sz="1200" kern="1200" dirty="0" smtClean="0">
-                <a:solidFill>
-                  <a:schemeClr val="tx1"/>
-                </a:solidFill>
-                <a:effectLst/>
-                <a:latin typeface="+mn-lt"/>
-                <a:ea typeface="+mn-ea"/>
-                <a:cs typeface="+mn-cs"/>
-              </a:rPr>
-              <a:t>If you can tolerate TLS on all requests then just use Basic Auth. If you can’t,</a:t>
-            </a:r>
-            <a:r>
-              <a:rPr lang="en-US" sz="1200" kern="1200" baseline="0" dirty="0" smtClean="0">
-                <a:solidFill>
-                  <a:schemeClr val="tx1"/>
-                </a:solidFill>
-                <a:effectLst/>
-                <a:latin typeface="+mn-lt"/>
-                <a:ea typeface="+mn-ea"/>
-                <a:cs typeface="+mn-cs"/>
-              </a:rPr>
-              <a:t> use signed requests or JWT.</a:t>
-            </a:r>
-            <a:endParaRPr lang="en-US" dirty="0"/>
           </a:p>
         </p:txBody>
       </p:sp>
@@ -18416,125 +17794,10 @@
                 <a:ea typeface="+mn-ea"/>
                 <a:cs typeface="+mn-cs"/>
               </a:rPr>
-              <a:t>You</a:t>
-            </a:r>
-            <a:r>
-              <a:rPr lang="en-US" sz="1200" kern="1200" baseline="0" dirty="0" smtClean="0">
-                <a:solidFill>
-                  <a:schemeClr val="tx1"/>
-                </a:solidFill>
-                <a:effectLst/>
-                <a:latin typeface="+mn-lt"/>
-                <a:ea typeface="+mn-ea"/>
-                <a:cs typeface="+mn-cs"/>
-              </a:rPr>
-              <a:t> can use API keys as “bearer tokens”, where you pass the key itself with every request, when</a:t>
-            </a:r>
-          </a:p>
-          <a:p>
-            <a:pPr marL="171450" indent="-171450">
-              <a:buFont typeface="Arial" panose="020B0604020202020204" pitchFamily="34" charset="0"/>
-              <a:buChar char="•"/>
-            </a:pPr>
-            <a:r>
-              <a:rPr lang="en-US" sz="1200" kern="1200" baseline="0" dirty="0" smtClean="0">
-                <a:solidFill>
-                  <a:schemeClr val="tx1"/>
-                </a:solidFill>
-                <a:effectLst/>
-                <a:latin typeface="+mn-lt"/>
-                <a:ea typeface="+mn-ea"/>
-                <a:cs typeface="+mn-cs"/>
-              </a:rPr>
-              <a:t>You own </a:t>
-            </a:r>
-            <a:r>
-              <a:rPr lang="en-US" sz="1200" b="1" kern="1200" baseline="0" dirty="0" smtClean="0">
-                <a:solidFill>
-                  <a:schemeClr val="tx1"/>
-                </a:solidFill>
-                <a:effectLst/>
-                <a:latin typeface="+mn-lt"/>
-                <a:ea typeface="+mn-ea"/>
-                <a:cs typeface="+mn-cs"/>
-              </a:rPr>
-              <a:t>both client and API</a:t>
-            </a:r>
-          </a:p>
-          <a:p>
-            <a:pPr marL="171450" indent="-171450">
-              <a:buFont typeface="Arial" panose="020B0604020202020204" pitchFamily="34" charset="0"/>
-              <a:buChar char="•"/>
-            </a:pPr>
-            <a:r>
-              <a:rPr lang="en-US" sz="1200" kern="1200" baseline="0" dirty="0" smtClean="0">
-                <a:solidFill>
-                  <a:schemeClr val="tx1"/>
-                </a:solidFill>
-                <a:effectLst/>
-                <a:latin typeface="+mn-lt"/>
-                <a:ea typeface="+mn-ea"/>
-                <a:cs typeface="+mn-cs"/>
-              </a:rPr>
-              <a:t>You prefer the </a:t>
-            </a:r>
-            <a:r>
-              <a:rPr lang="en-US" sz="1200" b="1" kern="1200" baseline="0" dirty="0" smtClean="0">
-                <a:solidFill>
-                  <a:schemeClr val="tx1"/>
-                </a:solidFill>
-                <a:effectLst/>
-                <a:latin typeface="+mn-lt"/>
-                <a:ea typeface="+mn-ea"/>
-                <a:cs typeface="+mn-cs"/>
-              </a:rPr>
-              <a:t>simplicity</a:t>
-            </a:r>
-            <a:r>
-              <a:rPr lang="en-US" sz="1200" b="0" kern="1200" baseline="0" dirty="0" smtClean="0">
-                <a:solidFill>
-                  <a:schemeClr val="tx1"/>
-                </a:solidFill>
-                <a:effectLst/>
-                <a:latin typeface="+mn-lt"/>
-                <a:ea typeface="+mn-ea"/>
-                <a:cs typeface="+mn-cs"/>
-              </a:rPr>
-              <a:t> of bearer tokens over signing</a:t>
-            </a:r>
-          </a:p>
-          <a:p>
-            <a:pPr marL="171450" indent="-171450">
-              <a:buFont typeface="Arial" panose="020B0604020202020204" pitchFamily="34" charset="0"/>
-              <a:buChar char="•"/>
-            </a:pPr>
-            <a:endParaRPr lang="en-US" sz="1200" b="0" kern="1200" baseline="0" dirty="0" smtClean="0">
-              <a:solidFill>
-                <a:schemeClr val="tx1"/>
-              </a:solidFill>
-              <a:effectLst/>
-              <a:latin typeface="+mn-lt"/>
-              <a:ea typeface="+mn-ea"/>
-              <a:cs typeface="+mn-cs"/>
-            </a:endParaRPr>
-          </a:p>
-          <a:p>
-            <a:pPr marL="0" indent="0">
-              <a:buFont typeface="Arial" panose="020B0604020202020204" pitchFamily="34" charset="0"/>
-              <a:buNone/>
-            </a:pPr>
-            <a:r>
-              <a:rPr lang="en-US" sz="1200" b="0" kern="1200" baseline="0" dirty="0" smtClean="0">
-                <a:solidFill>
-                  <a:schemeClr val="tx1"/>
-                </a:solidFill>
-                <a:effectLst/>
-                <a:latin typeface="+mn-lt"/>
-                <a:ea typeface="+mn-ea"/>
-                <a:cs typeface="+mn-cs"/>
-              </a:rPr>
-              <a:t>Slight risk: keys only as safe as TLS implementation. </a:t>
-            </a:r>
+              <a:t>Using API Keys as “bearer tokens”, where you pass the key itself with each request, is really easy to implement so it’s great for rapidly standing up a new API when you don’t need top-notch security.</a:t>
+            </a:r>
+          </a:p>
+          <a:p>
             <a:endParaRPr lang="en-US" sz="1200" kern="1200" dirty="0" smtClean="0">
               <a:solidFill>
                 <a:schemeClr val="tx1"/>
@@ -18546,7 +17809,27 @@
             </a:endParaRPr>
           </a:p>
           <a:p>
-            <a:endParaRPr lang="en-US" dirty="0"/>
+            <a:r>
+              <a:rPr lang="en-US" sz="1200" kern="1200" dirty="0" smtClean="0">
+                <a:solidFill>
+                  <a:schemeClr val="tx1"/>
+                </a:solidFill>
+                <a:effectLst/>
+                <a:latin typeface="+mn-lt"/>
+                <a:ea typeface="+mn-ea"/>
+                <a:cs typeface="+mn-cs"/>
+              </a:rPr>
+              <a:t>The primary drawbacks to bearer tokens are that you’re sending the credentials over the wire with every request, and there’s no way to validate the authenticity of a message that you receive. Using TLS can help by protecting credentials in transit, but that may not be enough if security is very important to your API.</a:t>
+            </a:r>
+            <a:endParaRPr lang="en-US" sz="1200" kern="1200" dirty="0">
+              <a:solidFill>
+                <a:schemeClr val="tx1"/>
+              </a:solidFill>
+              <a:effectLst/>
+              <a:latin typeface="+mn-lt"/>
+              <a:ea typeface="+mn-ea"/>
+              <a:cs typeface="+mn-cs"/>
+            </a:endParaRPr>
           </a:p>
         </p:txBody>
       </p:sp>
@@ -18640,67 +17923,7 @@
                 <a:ea typeface="+mn-ea"/>
                 <a:cs typeface="+mn-cs"/>
               </a:rPr>
-              <a:t>If</a:t>
-            </a:r>
-            <a:r>
-              <a:rPr lang="en-US" sz="1200" kern="1200" baseline="0" dirty="0" smtClean="0">
-                <a:solidFill>
-                  <a:schemeClr val="tx1"/>
-                </a:solidFill>
-                <a:effectLst/>
-                <a:latin typeface="+mn-lt"/>
-                <a:ea typeface="+mn-ea"/>
-                <a:cs typeface="+mn-cs"/>
-              </a:rPr>
-              <a:t> </a:t>
-            </a:r>
-            <a:r>
-              <a:rPr lang="en-US" sz="1200" b="1" kern="1200" baseline="0" dirty="0" smtClean="0">
-                <a:solidFill>
-                  <a:schemeClr val="tx1"/>
-                </a:solidFill>
-                <a:effectLst/>
-                <a:latin typeface="+mn-lt"/>
-                <a:ea typeface="+mn-ea"/>
-                <a:cs typeface="+mn-cs"/>
-              </a:rPr>
-              <a:t>your own client AND API </a:t>
-            </a:r>
-            <a:r>
-              <a:rPr lang="en-US" sz="1200" b="0" kern="1200" baseline="0" dirty="0" smtClean="0">
-                <a:solidFill>
-                  <a:schemeClr val="tx1"/>
-                </a:solidFill>
-                <a:effectLst/>
-                <a:latin typeface="+mn-lt"/>
-                <a:ea typeface="+mn-ea"/>
-                <a:cs typeface="+mn-cs"/>
-              </a:rPr>
-              <a:t>and you want </a:t>
-            </a:r>
-            <a:r>
-              <a:rPr lang="en-US" sz="1200" b="1" kern="1200" dirty="0" smtClean="0">
-                <a:solidFill>
-                  <a:schemeClr val="tx1"/>
-                </a:solidFill>
-                <a:effectLst/>
-                <a:latin typeface="+mn-lt"/>
-                <a:ea typeface="+mn-ea"/>
-                <a:cs typeface="+mn-cs"/>
-              </a:rPr>
-              <a:t>more security</a:t>
-            </a:r>
-            <a:r>
-              <a:rPr lang="en-US" sz="1200" kern="1200" dirty="0" smtClean="0">
-                <a:solidFill>
-                  <a:schemeClr val="tx1"/>
-                </a:solidFill>
-                <a:effectLst/>
-                <a:latin typeface="+mn-lt"/>
-                <a:ea typeface="+mn-ea"/>
-                <a:cs typeface="+mn-cs"/>
-              </a:rPr>
-              <a:t> than passing them as bearer tokens, then consider using signed requests.</a:t>
+              <a:t>If you want more security than you get with bearer tokens, then use API Keys to sign requests.</a:t>
             </a:r>
           </a:p>
           <a:p>
@@ -18715,25 +17938,6 @@
             </a:endParaRPr>
           </a:p>
           <a:p>
-            <a:pPr marL="171450" indent="-171450">
-              <a:buFont typeface="Arial" panose="020B0604020202020204" pitchFamily="34" charset="0"/>
-              <a:buChar char="•"/>
-            </a:pPr>
-            <a:endParaRPr lang="en-US" sz="1200" kern="1200" dirty="0" smtClean="0">
-              <a:solidFill>
-                <a:schemeClr val="tx1"/>
-              </a:solidFill>
-              <a:effectLst/>
-              <a:latin typeface="+mn-lt"/>
-              <a:ea typeface="+mn-ea"/>
-              <a:cs typeface="+mn-cs"/>
-            </a:endParaRPr>
-          </a:p>
-          <a:p>
-            <a:pPr marL="0" indent="0">
-              <a:buFont typeface="Arial" panose="020B0604020202020204" pitchFamily="34" charset="0"/>
-              <a:buNone/>
-            </a:pPr>
             <a:r>
               <a:rPr lang="en-US" sz="1200" kern="1200" dirty="0" smtClean="0">
                 <a:solidFill>
@@ -18744,82 +17948,10 @@
                 <a:ea typeface="+mn-ea"/>
                 <a:cs typeface="+mn-cs"/>
               </a:rPr>
-              <a:t>Remember that</a:t>
-            </a:r>
-            <a:r>
-              <a:rPr lang="en-US" sz="1200" kern="1200" baseline="0" dirty="0" smtClean="0">
-                <a:solidFill>
-                  <a:schemeClr val="tx1"/>
-                </a:solidFill>
-                <a:effectLst/>
-                <a:latin typeface="+mn-lt"/>
-                <a:ea typeface="+mn-ea"/>
-                <a:cs typeface="+mn-cs"/>
-              </a:rPr>
-              <a:t> creating the signature can be </a:t>
-            </a:r>
-            <a:r>
-              <a:rPr lang="en-US" sz="1200" b="1" kern="1200" baseline="0" dirty="0" smtClean="0">
-                <a:solidFill>
-                  <a:schemeClr val="tx1"/>
-                </a:solidFill>
-                <a:effectLst/>
-                <a:latin typeface="+mn-lt"/>
-                <a:ea typeface="+mn-ea"/>
-                <a:cs typeface="+mn-cs"/>
-              </a:rPr>
-              <a:t>complex</a:t>
-            </a:r>
-            <a:r>
-              <a:rPr lang="en-US" sz="1200" b="0" kern="1200" baseline="0" dirty="0" smtClean="0">
-                <a:solidFill>
-                  <a:schemeClr val="tx1"/>
-                </a:solidFill>
-                <a:effectLst/>
-                <a:latin typeface="+mn-lt"/>
-                <a:ea typeface="+mn-ea"/>
-                <a:cs typeface="+mn-cs"/>
-              </a:rPr>
-              <a:t> </a:t>
-            </a:r>
-          </a:p>
-          <a:p>
-            <a:pPr marL="171450" indent="-171450">
-              <a:buFont typeface="Arial" panose="020B0604020202020204" pitchFamily="34" charset="0"/>
-              <a:buChar char="•"/>
-            </a:pPr>
-            <a:r>
-              <a:rPr lang="en-US" sz="1200" b="0" kern="1200" baseline="0" dirty="0" smtClean="0">
-                <a:solidFill>
-                  <a:schemeClr val="tx1"/>
-                </a:solidFill>
-                <a:effectLst/>
-                <a:latin typeface="+mn-lt"/>
-                <a:ea typeface="+mn-ea"/>
-                <a:cs typeface="+mn-cs"/>
-              </a:rPr>
-              <a:t>client and server must do it in the same way</a:t>
-            </a:r>
-          </a:p>
-          <a:p>
-            <a:pPr marL="171450" indent="-171450">
-              <a:buFont typeface="Arial" panose="020B0604020202020204" pitchFamily="34" charset="0"/>
-              <a:buChar char="•"/>
-            </a:pPr>
-            <a:r>
-              <a:rPr lang="en-US" sz="1200" b="0" kern="1200" baseline="0" dirty="0" smtClean="0">
-                <a:solidFill>
-                  <a:schemeClr val="tx1"/>
-                </a:solidFill>
-                <a:effectLst/>
-                <a:latin typeface="+mn-lt"/>
-                <a:ea typeface="+mn-ea"/>
-                <a:cs typeface="+mn-cs"/>
-              </a:rPr>
-              <a:t>3</a:t>
-            </a:r>
-            <a:r>
-              <a:rPr lang="en-US" sz="1200" b="0" kern="1200" baseline="30000" dirty="0" smtClean="0">
+              <a:t>Remember that creating the signature can be complex and requires that the client and server create the hash in exactly the same way. If you’re dealing with 3</a:t>
+            </a:r>
+            <a:r>
+              <a:rPr lang="en-US" sz="1200" kern="1200" baseline="30000" dirty="0" smtClean="0">
                 <a:solidFill>
                   <a:schemeClr val="tx1"/>
                 </a:solidFill>
@@ -18831,55 +17963,6 @@
               <a:t>rd</a:t>
             </a:r>
             <a:r>
-              <a:rPr lang="en-US" sz="1200" b="0" kern="1200" baseline="0" dirty="0" smtClean="0">
-                <a:solidFill>
-                  <a:schemeClr val="tx1"/>
-                </a:solidFill>
-                <a:effectLst/>
-                <a:latin typeface="+mn-lt"/>
-                <a:ea typeface="+mn-ea"/>
-                <a:cs typeface="+mn-cs"/>
-              </a:rPr>
-              <a:t> party client support means you’ll need to document and support </a:t>
-            </a:r>
-            <a:r>
-              <a:rPr lang="en-US" sz="1200" b="1" kern="1200" baseline="0" dirty="0" smtClean="0">
-                <a:solidFill>
-                  <a:schemeClr val="tx1"/>
-                </a:solidFill>
-                <a:effectLst/>
-                <a:latin typeface="+mn-lt"/>
-                <a:ea typeface="+mn-ea"/>
-                <a:cs typeface="+mn-cs"/>
-              </a:rPr>
-              <a:t>canonicalization</a:t>
-            </a:r>
-            <a:r>
-              <a:rPr lang="en-US" sz="1200" b="0" kern="1200" baseline="0" dirty="0" smtClean="0">
-                <a:solidFill>
-                  <a:schemeClr val="tx1"/>
-                </a:solidFill>
-                <a:effectLst/>
-                <a:latin typeface="+mn-lt"/>
-                <a:ea typeface="+mn-ea"/>
-                <a:cs typeface="+mn-cs"/>
-              </a:rPr>
-              <a:t> process</a:t>
-            </a:r>
-          </a:p>
-          <a:p>
-            <a:endParaRPr lang="en-US" sz="1200" kern="1200" dirty="0" smtClean="0">
-              <a:solidFill>
-                <a:schemeClr val="tx1"/>
-              </a:solidFill>
-              <a:effectLst/>
-              <a:latin typeface="+mn-lt"/>
-              <a:ea typeface="+mn-ea"/>
-              <a:cs typeface="+mn-cs"/>
-            </a:endParaRPr>
-          </a:p>
-          <a:p>
-            <a:r>
               <a:rPr lang="en-US" sz="1200" kern="1200" dirty="0" smtClean="0">
                 <a:solidFill>
                   <a:schemeClr val="tx1"/>
@@ -18889,56 +17972,33 @@
                 <a:ea typeface="+mn-ea"/>
                 <a:cs typeface="+mn-cs"/>
               </a:rPr>
-              <a:t>Good </a:t>
-            </a:r>
-            <a:r>
-              <a:rPr lang="en-US" sz="1200" kern="1200" baseline="0" dirty="0" smtClean="0">
-                <a:solidFill>
-                  <a:schemeClr val="tx1"/>
-                </a:solidFill>
-                <a:effectLst/>
-                <a:latin typeface="+mn-lt"/>
-                <a:ea typeface="+mn-ea"/>
-                <a:cs typeface="+mn-cs"/>
-              </a:rPr>
-              <a:t>for </a:t>
-            </a:r>
-            <a:r>
-              <a:rPr lang="en-US" sz="1200" b="1" kern="1200" baseline="0" dirty="0" smtClean="0">
-                <a:solidFill>
-                  <a:schemeClr val="tx1"/>
-                </a:solidFill>
-                <a:effectLst/>
-                <a:latin typeface="+mn-lt"/>
-                <a:ea typeface="+mn-ea"/>
-                <a:cs typeface="+mn-cs"/>
-              </a:rPr>
-              <a:t>server to server</a:t>
-            </a:r>
-            <a:r>
-              <a:rPr lang="en-US" sz="1200" b="0" kern="1200" baseline="0" dirty="0" smtClean="0">
-                <a:solidFill>
-                  <a:schemeClr val="tx1"/>
-                </a:solidFill>
-                <a:effectLst/>
-                <a:latin typeface="+mn-lt"/>
-                <a:ea typeface="+mn-ea"/>
-                <a:cs typeface="+mn-cs"/>
-              </a:rPr>
-              <a:t> API calls where you need extra security</a:t>
-            </a:r>
-            <a:endParaRPr lang="en-US" sz="1200" kern="1200" dirty="0" smtClean="0">
-              <a:solidFill>
-                <a:schemeClr val="tx1"/>
-              </a:solidFill>
-              <a:effectLst/>
-              <a:latin typeface="+mn-lt"/>
-              <a:ea typeface="+mn-ea"/>
-              <a:cs typeface="+mn-cs"/>
-            </a:endParaRPr>
-          </a:p>
-          <a:p>
-            <a:endParaRPr lang="en-US" sz="1200" kern="1200" dirty="0" smtClean="0">
+              <a:t> party clients, you may find that documenting and supporting the canonicalization process is more trouble than its worth, so rolling your own HMAC approach might be best if you’re writing </a:t>
+            </a:r>
+            <a:r>
+              <a:rPr lang="en-US" sz="1200" i="1" kern="1200" dirty="0" smtClean="0">
+                <a:solidFill>
+                  <a:schemeClr val="tx1"/>
+                </a:solidFill>
+                <a:effectLst/>
+                <a:latin typeface="+mn-lt"/>
+                <a:ea typeface="+mn-ea"/>
+                <a:cs typeface="+mn-cs"/>
+              </a:rPr>
+              <a:t>both </a:t>
+            </a:r>
+            <a:r>
+              <a:rPr lang="en-US" sz="1200" kern="1200" dirty="0" smtClean="0">
+                <a:solidFill>
+                  <a:schemeClr val="tx1"/>
+                </a:solidFill>
+                <a:effectLst/>
+                <a:latin typeface="+mn-lt"/>
+                <a:ea typeface="+mn-ea"/>
+                <a:cs typeface="+mn-cs"/>
+              </a:rPr>
+              <a:t>the client and server yourself.</a:t>
+            </a:r>
+            <a:endParaRPr lang="en-US" sz="1200" kern="1200" dirty="0">
               <a:solidFill>
                 <a:schemeClr val="tx1"/>
               </a:solidFill>
@@ -19040,129 +18100,10 @@
                 <a:ea typeface="+mn-ea"/>
                 <a:cs typeface="+mn-cs"/>
               </a:rPr>
-              <a:t>If you’re writing a </a:t>
-            </a:r>
-            <a:r>
-              <a:rPr lang="en-US" sz="1200" b="1" kern="1200" dirty="0" smtClean="0">
-                <a:solidFill>
-                  <a:schemeClr val="tx1"/>
-                </a:solidFill>
-                <a:effectLst/>
-                <a:latin typeface="+mn-lt"/>
-                <a:ea typeface="+mn-ea"/>
-                <a:cs typeface="+mn-cs"/>
-              </a:rPr>
-              <a:t>JS client</a:t>
-            </a:r>
-            <a:r>
-              <a:rPr lang="en-US" sz="1200" b="0" kern="1200" dirty="0" smtClean="0">
-                <a:solidFill>
-                  <a:schemeClr val="tx1"/>
-                </a:solidFill>
-                <a:effectLst/>
-                <a:latin typeface="+mn-lt"/>
-                <a:ea typeface="+mn-ea"/>
-                <a:cs typeface="+mn-cs"/>
-              </a:rPr>
-              <a:t> for your </a:t>
-            </a:r>
-            <a:r>
-              <a:rPr lang="en-US" sz="1200" b="1" kern="1200" dirty="0" smtClean="0">
-                <a:solidFill>
-                  <a:schemeClr val="tx1"/>
-                </a:solidFill>
-                <a:effectLst/>
-                <a:latin typeface="+mn-lt"/>
-                <a:ea typeface="+mn-ea"/>
-                <a:cs typeface="+mn-cs"/>
-              </a:rPr>
-              <a:t>own application</a:t>
-            </a:r>
-            <a:r>
-              <a:rPr lang="en-US" sz="1200" b="0" kern="1200" dirty="0" smtClean="0">
-                <a:solidFill>
-                  <a:schemeClr val="tx1"/>
-                </a:solidFill>
-                <a:effectLst/>
-                <a:latin typeface="+mn-lt"/>
-                <a:ea typeface="+mn-ea"/>
-                <a:cs typeface="+mn-cs"/>
-              </a:rPr>
-              <a:t>,</a:t>
-            </a:r>
-            <a:r>
-              <a:rPr lang="en-US" sz="1200" b="0" kern="1200" baseline="0" dirty="0" smtClean="0">
-                <a:solidFill>
-                  <a:schemeClr val="tx1"/>
-                </a:solidFill>
-                <a:effectLst/>
-                <a:latin typeface="+mn-lt"/>
-                <a:ea typeface="+mn-ea"/>
-                <a:cs typeface="+mn-cs"/>
-              </a:rPr>
-              <a:t> such as the front-end of a SPA, then JWT might be a good fit.</a:t>
-            </a:r>
-          </a:p>
-          <a:p>
-            <a:endParaRPr lang="en-US" sz="1200" b="0" kern="1200" baseline="0" dirty="0" smtClean="0">
-              <a:solidFill>
-                <a:schemeClr val="tx1"/>
-              </a:solidFill>
-              <a:effectLst/>
-              <a:latin typeface="+mn-lt"/>
-              <a:ea typeface="+mn-ea"/>
-              <a:cs typeface="+mn-cs"/>
-            </a:endParaRPr>
-          </a:p>
-          <a:p>
-            <a:r>
-              <a:rPr lang="en-US" sz="1200" kern="1200" dirty="0" smtClean="0">
-                <a:solidFill>
-                  <a:schemeClr val="tx1"/>
-                </a:solidFill>
-                <a:effectLst/>
-                <a:latin typeface="+mn-lt"/>
-                <a:ea typeface="+mn-ea"/>
-                <a:cs typeface="+mn-cs"/>
-              </a:rPr>
-              <a:t>Remember</a:t>
-            </a:r>
-            <a:r>
-              <a:rPr lang="en-US" sz="1200" kern="1200" baseline="0" dirty="0" smtClean="0">
-                <a:solidFill>
-                  <a:schemeClr val="tx1"/>
-                </a:solidFill>
-                <a:effectLst/>
-                <a:latin typeface="+mn-lt"/>
-                <a:ea typeface="+mn-ea"/>
-                <a:cs typeface="+mn-cs"/>
-              </a:rPr>
-              <a:t> that </a:t>
-            </a:r>
-            <a:r>
-              <a:rPr lang="en-US" sz="1200" kern="1200" dirty="0" smtClean="0">
-                <a:solidFill>
-                  <a:schemeClr val="tx1"/>
-                </a:solidFill>
-                <a:effectLst/>
-                <a:latin typeface="+mn-lt"/>
-                <a:ea typeface="+mn-ea"/>
-                <a:cs typeface="+mn-cs"/>
-              </a:rPr>
-              <a:t>this does require a secure login</a:t>
-            </a:r>
-            <a:r>
-              <a:rPr lang="en-US" sz="1200" kern="1200" baseline="0" dirty="0" smtClean="0">
-                <a:solidFill>
-                  <a:schemeClr val="tx1"/>
-                </a:solidFill>
-                <a:effectLst/>
-                <a:latin typeface="+mn-lt"/>
-                <a:ea typeface="+mn-ea"/>
-                <a:cs typeface="+mn-cs"/>
-              </a:rPr>
-              <a:t> with user-entered credentials to initialize the token. If you need to support server-to-server interaction then this probably won’t work for you.</a:t>
-            </a:r>
+              <a:t>JSON Web Tokens might be a good fit if you’re writing a JS client or you want a standards-based, self-contained, stateless alternative to in-memory sessions on the application server.</a:t>
+            </a:r>
+          </a:p>
+          <a:p>
             <a:endParaRPr lang="en-US" sz="1200" kern="1200" dirty="0" smtClean="0">
               <a:solidFill>
                 <a:schemeClr val="tx1"/>
@@ -19174,7 +18115,109 @@
             </a:endParaRPr>
           </a:p>
           <a:p>
+            <a:pPr marL="0" marR="0" lvl="0" indent="0" algn="l" defTabSz="914400" rtl="0" eaLnBrk="1" fontAlgn="auto" latinLnBrk="0" hangingPunct="1">
+              <a:lnSpc>
+                <a:spcPct val="100000"/>
+              </a:lnSpc>
+              <a:spcBef>
+                <a:spcPts val="0"/>
+              </a:spcBef>
+              <a:spcAft>
+                <a:spcPts val="0"/>
+              </a:spcAft>
+              <a:buClrTx/>
+              <a:buSzTx/>
+              <a:buFontTx/>
+              <a:buNone/>
+              <a:tabLst/>
+              <a:defRPr/>
+            </a:pPr>
+            <a:r>
+              <a:rPr lang="en-US" sz="1200" kern="1200" dirty="0" smtClean="0">
+                <a:solidFill>
+                  <a:schemeClr val="tx1"/>
+                </a:solidFill>
+                <a:effectLst/>
+                <a:latin typeface="+mn-lt"/>
+                <a:ea typeface="+mn-ea"/>
+                <a:cs typeface="+mn-cs"/>
+              </a:rPr>
+              <a:t>If API performance is a mission critical concern for you then JWT may help you reduce your database lookups by storing commonly-queried data in the token itself.</a:t>
+            </a:r>
+          </a:p>
+          <a:p>
             <a:endParaRPr lang="en-US" sz="1200" kern="1200" dirty="0" smtClean="0">
+              <a:solidFill>
+                <a:schemeClr val="tx1"/>
+              </a:solidFill>
+              <a:effectLst/>
+              <a:latin typeface="+mn-lt"/>
+              <a:ea typeface="+mn-ea"/>
+              <a:cs typeface="+mn-cs"/>
+            </a:endParaRPr>
+          </a:p>
+          <a:p>
+            <a:r>
+              <a:rPr lang="en-US" sz="1200" kern="1200" dirty="0" smtClean="0">
+                <a:solidFill>
+                  <a:schemeClr val="tx1"/>
+                </a:solidFill>
+                <a:effectLst/>
+                <a:latin typeface="+mn-lt"/>
+                <a:ea typeface="+mn-ea"/>
+                <a:cs typeface="+mn-cs"/>
+              </a:rPr>
+              <a:t>Remember that this does require a secure login with user-entered credentials to initialize the token, so JWT isn’t a good fit for automated, server-to-server interaction. (Or more accurately, JWT is a fine way to handle </a:t>
+            </a:r>
+            <a:r>
+              <a:rPr lang="en-US" sz="1200" i="1" kern="1200" dirty="0" smtClean="0">
+                <a:solidFill>
+                  <a:schemeClr val="tx1"/>
+                </a:solidFill>
+                <a:effectLst/>
+                <a:latin typeface="+mn-lt"/>
+                <a:ea typeface="+mn-ea"/>
+                <a:cs typeface="+mn-cs"/>
+              </a:rPr>
+              <a:t>authorization </a:t>
+            </a:r>
+            <a:r>
+              <a:rPr lang="en-US" sz="1200" kern="1200" dirty="0" smtClean="0">
+                <a:solidFill>
+                  <a:schemeClr val="tx1"/>
+                </a:solidFill>
+                <a:effectLst/>
+                <a:latin typeface="+mn-lt"/>
+                <a:ea typeface="+mn-ea"/>
+                <a:cs typeface="+mn-cs"/>
+              </a:rPr>
+              <a:t>in a server-to-server model, but it relies on something else to handle the initial </a:t>
+            </a:r>
+            <a:r>
+              <a:rPr lang="en-US" sz="1200" i="1" kern="1200" dirty="0" smtClean="0">
+                <a:solidFill>
+                  <a:schemeClr val="tx1"/>
+                </a:solidFill>
+                <a:effectLst/>
+                <a:latin typeface="+mn-lt"/>
+                <a:ea typeface="+mn-ea"/>
+                <a:cs typeface="+mn-cs"/>
+              </a:rPr>
+              <a:t>authentication</a:t>
+            </a:r>
+            <a:r>
+              <a:rPr lang="en-US" sz="1200" kern="1200" dirty="0" smtClean="0">
+                <a:solidFill>
+                  <a:schemeClr val="tx1"/>
+                </a:solidFill>
+                <a:effectLst/>
+                <a:latin typeface="+mn-lt"/>
+                <a:ea typeface="+mn-ea"/>
+                <a:cs typeface="+mn-cs"/>
+              </a:rPr>
+              <a:t>)</a:t>
+            </a:r>
+            <a:endParaRPr lang="en-US" sz="1200" kern="1200" dirty="0">
               <a:solidFill>
                 <a:schemeClr val="tx1"/>
               </a:solidFill>
@@ -19276,67 +18319,7 @@
                 <a:ea typeface="+mn-ea"/>
                 <a:cs typeface="+mn-cs"/>
               </a:rPr>
-              <a:t>If your API will support</a:t>
-            </a:r>
-            <a:r>
-              <a:rPr lang="en-US" sz="1200" kern="1200" baseline="0" dirty="0" smtClean="0">
-                <a:solidFill>
-                  <a:schemeClr val="tx1"/>
-                </a:solidFill>
-                <a:effectLst/>
-                <a:latin typeface="+mn-lt"/>
-                <a:ea typeface="+mn-ea"/>
-                <a:cs typeface="+mn-cs"/>
-              </a:rPr>
-              <a:t> </a:t>
-            </a:r>
-            <a:r>
-              <a:rPr lang="en-US" sz="1200" b="1" kern="1200" baseline="0" dirty="0" smtClean="0">
-                <a:solidFill>
-                  <a:schemeClr val="tx1"/>
-                </a:solidFill>
-                <a:effectLst/>
-                <a:latin typeface="+mn-lt"/>
-                <a:ea typeface="+mn-ea"/>
-                <a:cs typeface="+mn-cs"/>
-              </a:rPr>
-              <a:t>3</a:t>
-            </a:r>
-            <a:r>
-              <a:rPr lang="en-US" sz="1200" b="1" kern="1200" baseline="30000" dirty="0" smtClean="0">
-                <a:solidFill>
-                  <a:schemeClr val="tx1"/>
-                </a:solidFill>
-                <a:effectLst/>
-                <a:latin typeface="+mn-lt"/>
-                <a:ea typeface="+mn-ea"/>
-                <a:cs typeface="+mn-cs"/>
-              </a:rPr>
-              <a:t>rd</a:t>
-            </a:r>
-            <a:r>
-              <a:rPr lang="en-US" sz="1200" b="1" kern="1200" baseline="0" dirty="0" smtClean="0">
-                <a:solidFill>
-                  <a:schemeClr val="tx1"/>
-                </a:solidFill>
-                <a:effectLst/>
-                <a:latin typeface="+mn-lt"/>
-                <a:ea typeface="+mn-ea"/>
-                <a:cs typeface="+mn-cs"/>
-              </a:rPr>
-              <a:t> party clients </a:t>
-            </a:r>
-            <a:r>
-              <a:rPr lang="en-US" sz="1200" kern="1200" dirty="0" smtClean="0">
-                <a:solidFill>
-                  <a:schemeClr val="tx1"/>
-                </a:solidFill>
-                <a:effectLst/>
-                <a:latin typeface="+mn-lt"/>
-                <a:ea typeface="+mn-ea"/>
-                <a:cs typeface="+mn-cs"/>
-              </a:rPr>
-              <a:t>then OAuth is worth a loo.</a:t>
+              <a:t>OAuth is a good fit if you need to support delegated access to user data.</a:t>
             </a:r>
           </a:p>
           <a:p>
@@ -19361,134 +18344,10 @@
                 <a:ea typeface="+mn-ea"/>
                 <a:cs typeface="+mn-cs"/>
               </a:rPr>
-              <a:t>Consider </a:t>
-            </a:r>
-            <a:r>
-              <a:rPr lang="en-US" sz="1200" b="1" kern="1200" dirty="0" smtClean="0">
-                <a:solidFill>
-                  <a:schemeClr val="tx1"/>
-                </a:solidFill>
-                <a:effectLst/>
-                <a:latin typeface="+mn-lt"/>
-                <a:ea typeface="+mn-ea"/>
-                <a:cs typeface="+mn-cs"/>
-              </a:rPr>
-              <a:t>version 1</a:t>
-            </a:r>
-            <a:r>
-              <a:rPr lang="en-US" sz="1200" b="0" kern="1200" dirty="0" smtClean="0">
-                <a:solidFill>
-                  <a:schemeClr val="tx1"/>
-                </a:solidFill>
-                <a:effectLst/>
-                <a:latin typeface="+mn-lt"/>
-                <a:ea typeface="+mn-ea"/>
-                <a:cs typeface="+mn-cs"/>
-              </a:rPr>
-              <a:t> if</a:t>
-            </a:r>
-          </a:p>
-          <a:p>
-            <a:pPr marL="171450" indent="-171450">
-              <a:buFont typeface="Arial" panose="020B0604020202020204" pitchFamily="34" charset="0"/>
-              <a:buChar char="•"/>
-            </a:pPr>
-            <a:r>
-              <a:rPr lang="en-US" sz="1200" b="0" kern="1200" dirty="0" smtClean="0">
-                <a:solidFill>
-                  <a:schemeClr val="tx1"/>
-                </a:solidFill>
-                <a:effectLst/>
-                <a:latin typeface="+mn-lt"/>
-                <a:ea typeface="+mn-ea"/>
-                <a:cs typeface="+mn-cs"/>
-              </a:rPr>
-              <a:t>You’re writing a </a:t>
-            </a:r>
-            <a:r>
-              <a:rPr lang="en-US" sz="1200" b="1" kern="1200" dirty="0" smtClean="0">
-                <a:solidFill>
-                  <a:schemeClr val="tx1"/>
-                </a:solidFill>
-                <a:effectLst/>
-                <a:latin typeface="+mn-lt"/>
-                <a:ea typeface="+mn-ea"/>
-                <a:cs typeface="+mn-cs"/>
-              </a:rPr>
-              <a:t>web-based</a:t>
-            </a:r>
-            <a:r>
-              <a:rPr lang="en-US" sz="1200" b="1" kern="1200" baseline="0" dirty="0" smtClean="0">
-                <a:solidFill>
-                  <a:schemeClr val="tx1"/>
-                </a:solidFill>
-                <a:effectLst/>
-                <a:latin typeface="+mn-lt"/>
-                <a:ea typeface="+mn-ea"/>
-                <a:cs typeface="+mn-cs"/>
-              </a:rPr>
-              <a:t> app</a:t>
-            </a:r>
-            <a:r>
-              <a:rPr lang="en-US" sz="1200" b="0" kern="1200" baseline="0" dirty="0" smtClean="0">
-                <a:solidFill>
-                  <a:schemeClr val="tx1"/>
-                </a:solidFill>
-                <a:effectLst/>
-                <a:latin typeface="+mn-lt"/>
-                <a:ea typeface="+mn-ea"/>
-                <a:cs typeface="+mn-cs"/>
-              </a:rPr>
-              <a:t>, and</a:t>
-            </a:r>
-          </a:p>
-          <a:p>
-            <a:pPr marL="171450" indent="-171450">
-              <a:buFont typeface="Arial" panose="020B0604020202020204" pitchFamily="34" charset="0"/>
-              <a:buChar char="•"/>
-            </a:pPr>
-            <a:r>
-              <a:rPr lang="en-US" sz="1200" b="0" kern="1200" baseline="0" dirty="0" smtClean="0">
-                <a:solidFill>
-                  <a:schemeClr val="tx1"/>
-                </a:solidFill>
-                <a:effectLst/>
-                <a:latin typeface="+mn-lt"/>
-                <a:ea typeface="+mn-ea"/>
-                <a:cs typeface="+mn-cs"/>
-              </a:rPr>
-              <a:t>You can’t or don’t want to rely on </a:t>
-            </a:r>
-            <a:r>
-              <a:rPr lang="en-US" sz="1200" b="1" kern="1200" baseline="0" dirty="0" smtClean="0">
-                <a:solidFill>
-                  <a:schemeClr val="tx1"/>
-                </a:solidFill>
-                <a:effectLst/>
-                <a:latin typeface="+mn-lt"/>
-                <a:ea typeface="+mn-ea"/>
-                <a:cs typeface="+mn-cs"/>
-              </a:rPr>
-              <a:t>TLS</a:t>
-            </a:r>
-            <a:r>
-              <a:rPr lang="en-US" sz="1200" b="0" kern="1200" baseline="0" dirty="0" smtClean="0">
-                <a:solidFill>
-                  <a:schemeClr val="tx1"/>
-                </a:solidFill>
-                <a:effectLst/>
-                <a:latin typeface="+mn-lt"/>
-                <a:ea typeface="+mn-ea"/>
-                <a:cs typeface="+mn-cs"/>
-              </a:rPr>
-              <a:t> for security</a:t>
-            </a:r>
-          </a:p>
-          <a:p>
-            <a:pPr marL="171450" indent="-171450">
-              <a:buFont typeface="Arial" panose="020B0604020202020204" pitchFamily="34" charset="0"/>
-              <a:buChar char="•"/>
-            </a:pPr>
+              <a:t>You should consider the 1.0 version if you can’t, or don’t want to, rely on TLS for security, or if you care about client/provider interoperability. For instance, if you want to support clients that can connect to multiple API providers with just a few configuration changes.</a:t>
+            </a:r>
+          </a:p>
+          <a:p>
             <a:endParaRPr lang="en-US" sz="1200" kern="1200" dirty="0" smtClean="0">
               <a:solidFill>
                 <a:schemeClr val="tx1"/>
@@ -19510,57 +18369,33 @@
                 <a:ea typeface="+mn-ea"/>
                 <a:cs typeface="+mn-cs"/>
               </a:rPr>
-              <a:t>You might also consider version 1.0a if you care about </a:t>
-            </a:r>
-            <a:r>
-              <a:rPr lang="en-US" sz="1200" b="1" kern="1200" dirty="0" smtClean="0">
-                <a:solidFill>
-                  <a:schemeClr val="tx1"/>
-                </a:solidFill>
-                <a:effectLst/>
-                <a:latin typeface="+mn-lt"/>
-                <a:ea typeface="+mn-ea"/>
-                <a:cs typeface="+mn-cs"/>
-              </a:rPr>
-              <a:t>client/provider interoperability</a:t>
-            </a:r>
-            <a:r>
-              <a:rPr lang="en-US" sz="1200" b="0" kern="1200" baseline="0" dirty="0" smtClean="0">
-                <a:solidFill>
-                  <a:schemeClr val="tx1"/>
-                </a:solidFill>
-                <a:effectLst/>
-                <a:latin typeface="+mn-lt"/>
-                <a:ea typeface="+mn-ea"/>
-                <a:cs typeface="+mn-cs"/>
-              </a:rPr>
-              <a:t> and want to support clients that can connect to multiple API providers with just a few </a:t>
-            </a:r>
-            <a:r>
-              <a:rPr lang="en-US" sz="1200" b="0" kern="1200" baseline="0" dirty="0" err="1" smtClean="0">
-                <a:solidFill>
-                  <a:schemeClr val="tx1"/>
-                </a:solidFill>
-                <a:effectLst/>
-                <a:latin typeface="+mn-lt"/>
-                <a:ea typeface="+mn-ea"/>
-                <a:cs typeface="+mn-cs"/>
-              </a:rPr>
-              <a:t>config</a:t>
-            </a:r>
-            <a:r>
-              <a:rPr lang="en-US" sz="1200" b="0" kern="1200" baseline="0" dirty="0" smtClean="0">
-                <a:solidFill>
-                  <a:schemeClr val="tx1"/>
-                </a:solidFill>
-                <a:effectLst/>
-                <a:latin typeface="+mn-lt"/>
-                <a:ea typeface="+mn-ea"/>
-                <a:cs typeface="+mn-cs"/>
-              </a:rPr>
-              <a:t> changes</a:t>
-            </a:r>
-            <a:endParaRPr lang="en-US" sz="1200" b="1" kern="1200" dirty="0" smtClean="0">
+              <a:t>The primary drawbacks with OAuth 1.0 are the complexity involved in making signed requests and limited support for non-browser clients, so make sure you’re prepared to deal with that complexity. 3</a:t>
+            </a:r>
+            <a:r>
+              <a:rPr lang="en-US" sz="1200" kern="1200" baseline="30000" dirty="0" smtClean="0">
+                <a:solidFill>
+                  <a:schemeClr val="tx1"/>
+                </a:solidFill>
+                <a:effectLst/>
+                <a:latin typeface="+mn-lt"/>
+                <a:ea typeface="+mn-ea"/>
+                <a:cs typeface="+mn-cs"/>
+              </a:rPr>
+              <a:t>rd</a:t>
+            </a:r>
+            <a:r>
+              <a:rPr lang="en-US" sz="1200" kern="1200" dirty="0" smtClean="0">
+                <a:solidFill>
+                  <a:schemeClr val="tx1"/>
+                </a:solidFill>
+                <a:effectLst/>
+                <a:latin typeface="+mn-lt"/>
+                <a:ea typeface="+mn-ea"/>
+                <a:cs typeface="+mn-cs"/>
+              </a:rPr>
+              <a:t> party libraries can help with that.</a:t>
+            </a:r>
+            <a:endParaRPr lang="en-US" sz="1200" kern="1200" dirty="0">
               <a:solidFill>
                 <a:schemeClr val="tx1"/>
               </a:solidFill>
@@ -19569,130 +18404,6 @@
               <a:ea typeface="+mn-ea"/>
               <a:cs typeface="+mn-cs"/>
             </a:endParaRPr>
-          </a:p>
-          <a:p>
-            <a:endParaRPr lang="en-US" sz="1200" kern="1200" dirty="0" smtClean="0">
-              <a:solidFill>
-                <a:schemeClr val="tx1"/>
-              </a:solidFill>
-              <a:effectLst/>
-              <a:latin typeface="+mn-lt"/>
-              <a:ea typeface="+mn-ea"/>
-              <a:cs typeface="+mn-cs"/>
-            </a:endParaRPr>
-          </a:p>
-          <a:p>
-            <a:r>
-              <a:rPr lang="en-US" sz="1200" kern="1200" dirty="0" smtClean="0">
-                <a:solidFill>
-                  <a:schemeClr val="tx1"/>
-                </a:solidFill>
-                <a:effectLst/>
-                <a:latin typeface="+mn-lt"/>
-                <a:ea typeface="+mn-ea"/>
-                <a:cs typeface="+mn-cs"/>
-              </a:rPr>
-              <a:t>The </a:t>
-            </a:r>
-            <a:r>
-              <a:rPr lang="en-US" sz="1200" b="1" kern="1200" dirty="0" smtClean="0">
-                <a:solidFill>
-                  <a:schemeClr val="tx1"/>
-                </a:solidFill>
-                <a:effectLst/>
-                <a:latin typeface="+mn-lt"/>
-                <a:ea typeface="+mn-ea"/>
-                <a:cs typeface="+mn-cs"/>
-              </a:rPr>
-              <a:t>primary drawbacks</a:t>
-            </a:r>
-            <a:r>
-              <a:rPr lang="en-US" sz="1200" kern="1200" dirty="0" smtClean="0">
-                <a:solidFill>
-                  <a:schemeClr val="tx1"/>
-                </a:solidFill>
-                <a:effectLst/>
-                <a:latin typeface="+mn-lt"/>
-                <a:ea typeface="+mn-ea"/>
-                <a:cs typeface="+mn-cs"/>
-              </a:rPr>
-              <a:t> with OAuth 1.0 are </a:t>
-            </a:r>
-          </a:p>
-          <a:p>
-            <a:pPr marL="171450" indent="-171450">
-              <a:buFont typeface="Arial" panose="020B0604020202020204" pitchFamily="34" charset="0"/>
-              <a:buChar char="•"/>
-            </a:pPr>
-            <a:r>
-              <a:rPr lang="en-US" sz="1200" b="1" kern="1200" dirty="0" smtClean="0">
-                <a:solidFill>
-                  <a:schemeClr val="tx1"/>
-                </a:solidFill>
-                <a:effectLst/>
-                <a:latin typeface="+mn-lt"/>
-                <a:ea typeface="+mn-ea"/>
-                <a:cs typeface="+mn-cs"/>
-              </a:rPr>
-              <a:t>complexity</a:t>
-            </a:r>
-            <a:r>
-              <a:rPr lang="en-US" sz="1200" kern="1200" dirty="0" smtClean="0">
-                <a:solidFill>
-                  <a:schemeClr val="tx1"/>
-                </a:solidFill>
-                <a:effectLst/>
-                <a:latin typeface="+mn-lt"/>
-                <a:ea typeface="+mn-ea"/>
-                <a:cs typeface="+mn-cs"/>
-              </a:rPr>
-              <a:t> involved in making signed requests </a:t>
-            </a:r>
-          </a:p>
-          <a:p>
-            <a:pPr marL="171450" indent="-171450">
-              <a:buFont typeface="Arial" panose="020B0604020202020204" pitchFamily="34" charset="0"/>
-              <a:buChar char="•"/>
-            </a:pPr>
-            <a:r>
-              <a:rPr lang="en-US" sz="1200" kern="1200" dirty="0" smtClean="0">
-                <a:solidFill>
-                  <a:schemeClr val="tx1"/>
-                </a:solidFill>
-                <a:effectLst/>
-                <a:latin typeface="+mn-lt"/>
-                <a:ea typeface="+mn-ea"/>
-                <a:cs typeface="+mn-cs"/>
-              </a:rPr>
-              <a:t>limited support for </a:t>
-            </a:r>
-            <a:r>
-              <a:rPr lang="en-US" sz="1200" b="1" kern="1200" dirty="0" smtClean="0">
-                <a:solidFill>
-                  <a:schemeClr val="tx1"/>
-                </a:solidFill>
-                <a:effectLst/>
-                <a:latin typeface="+mn-lt"/>
-                <a:ea typeface="+mn-ea"/>
-                <a:cs typeface="+mn-cs"/>
-              </a:rPr>
-              <a:t>non-browser</a:t>
-            </a:r>
-            <a:r>
-              <a:rPr lang="en-US" sz="1200" kern="1200" dirty="0" smtClean="0">
-                <a:solidFill>
-                  <a:schemeClr val="tx1"/>
-                </a:solidFill>
-                <a:effectLst/>
-                <a:latin typeface="+mn-lt"/>
-                <a:ea typeface="+mn-ea"/>
-                <a:cs typeface="+mn-cs"/>
-              </a:rPr>
-              <a:t> clients</a:t>
-            </a:r>
-          </a:p>
-          <a:p>
-            <a:endParaRPr lang="en-US" dirty="0"/>
           </a:p>
         </p:txBody>
       </p:sp>
@@ -19786,92 +18497,7 @@
                 <a:ea typeface="+mn-ea"/>
                 <a:cs typeface="+mn-cs"/>
               </a:rPr>
-              <a:t>If</a:t>
-            </a:r>
-            <a:r>
-              <a:rPr lang="en-US" sz="1200" kern="1200" baseline="0" dirty="0" smtClean="0">
-                <a:solidFill>
-                  <a:schemeClr val="tx1"/>
-                </a:solidFill>
-                <a:effectLst/>
-                <a:latin typeface="+mn-lt"/>
-                <a:ea typeface="+mn-ea"/>
-                <a:cs typeface="+mn-cs"/>
-              </a:rPr>
-              <a:t> you care more about </a:t>
-            </a:r>
-            <a:r>
-              <a:rPr lang="en-US" sz="1200" b="1" kern="1200" baseline="0" dirty="0" smtClean="0">
-                <a:solidFill>
-                  <a:schemeClr val="tx1"/>
-                </a:solidFill>
-                <a:effectLst/>
-                <a:latin typeface="+mn-lt"/>
-                <a:ea typeface="+mn-ea"/>
-                <a:cs typeface="+mn-cs"/>
-              </a:rPr>
-              <a:t>flexibility and simplicity</a:t>
-            </a:r>
-            <a:r>
-              <a:rPr lang="en-US" sz="1200" b="0" kern="1200" baseline="0" dirty="0" smtClean="0">
-                <a:solidFill>
-                  <a:schemeClr val="tx1"/>
-                </a:solidFill>
-                <a:effectLst/>
-                <a:latin typeface="+mn-lt"/>
-                <a:ea typeface="+mn-ea"/>
-                <a:cs typeface="+mn-cs"/>
-              </a:rPr>
-              <a:t> than interoperability and security, and you can </a:t>
-            </a:r>
-            <a:r>
-              <a:rPr lang="en-US" sz="1200" b="1" kern="1200" baseline="0" dirty="0" smtClean="0">
-                <a:solidFill>
-                  <a:schemeClr val="tx1"/>
-                </a:solidFill>
-                <a:effectLst/>
-                <a:latin typeface="+mn-lt"/>
-                <a:ea typeface="+mn-ea"/>
-                <a:cs typeface="+mn-cs"/>
-              </a:rPr>
-              <a:t>require TLS</a:t>
-            </a:r>
-            <a:r>
-              <a:rPr lang="en-US" sz="1200" b="0" kern="1200" baseline="0" dirty="0" smtClean="0">
-                <a:solidFill>
-                  <a:schemeClr val="tx1"/>
-                </a:solidFill>
-                <a:effectLst/>
-                <a:latin typeface="+mn-lt"/>
-                <a:ea typeface="+mn-ea"/>
-                <a:cs typeface="+mn-cs"/>
-              </a:rPr>
-              <a:t> on all requests, then OAuth 2 is better than 1. </a:t>
-            </a:r>
-          </a:p>
-          <a:p>
-            <a:endParaRPr lang="en-US" sz="1200" b="0" kern="1200" baseline="0" dirty="0" smtClean="0">
-              <a:solidFill>
-                <a:schemeClr val="tx1"/>
-              </a:solidFill>
-              <a:effectLst/>
-              <a:latin typeface="+mn-lt"/>
-              <a:ea typeface="+mn-ea"/>
-              <a:cs typeface="+mn-cs"/>
-            </a:endParaRPr>
-          </a:p>
-          <a:p>
-            <a:r>
-              <a:rPr lang="en-US" sz="1200" b="0" kern="1200" baseline="0" dirty="0" smtClean="0">
-                <a:solidFill>
-                  <a:schemeClr val="tx1"/>
-                </a:solidFill>
-                <a:effectLst/>
-                <a:latin typeface="+mn-lt"/>
-                <a:ea typeface="+mn-ea"/>
-                <a:cs typeface="+mn-cs"/>
-              </a:rPr>
-              <a:t>2.0 is also better if you want to support a wider set of devices and flows.</a:t>
+              <a:t>If you care more about flexibility and simplicity than operability and security, and you can require TLS on all requests, then OAuth 2.0 is a better fit than 1.0. 2.0 is also a better fit if you want to support a wider set of devices and authentication flows.</a:t>
             </a:r>
           </a:p>
           <a:p>
@@ -19896,21 +18522,17 @@
                 <a:ea typeface="+mn-ea"/>
                 <a:cs typeface="+mn-cs"/>
               </a:rPr>
-              <a:t>Just remember that code you</a:t>
-            </a:r>
-            <a:r>
-              <a:rPr lang="en-US" sz="1200" kern="1200" baseline="0" dirty="0" smtClean="0">
-                <a:solidFill>
-                  <a:schemeClr val="tx1"/>
-                </a:solidFill>
-                <a:effectLst/>
-                <a:latin typeface="+mn-lt"/>
-                <a:ea typeface="+mn-ea"/>
-                <a:cs typeface="+mn-cs"/>
-              </a:rPr>
-              <a:t> write for one OAuth 2 provider may require significant changes to support a different provider.</a:t>
-            </a:r>
-            <a:endParaRPr lang="en-US" dirty="0"/>
+              <a:t>The primary drawbacks to OAuth 2.0 are reduced security relative to 1.0, and less interoperability as a result of having greater flexibility. Writing a client that can interact with multiple authentication providers will be harder using 2.0 than with other options.</a:t>
+            </a:r>
+            <a:endParaRPr lang="en-US" sz="1200" kern="1200" dirty="0">
+              <a:solidFill>
+                <a:schemeClr val="tx1"/>
+              </a:solidFill>
+              <a:effectLst/>
+              <a:latin typeface="+mn-lt"/>
+              <a:ea typeface="+mn-ea"/>
+              <a:cs typeface="+mn-cs"/>
+            </a:endParaRPr>
           </a:p>
         </p:txBody>
       </p:sp>
@@ -20377,23 +18999,6 @@
           <a:bodyPr/>
           <a:lstStyle/>
           <a:p>
-            <a:pPr marL="0" marR="0" indent="0" algn="l" defTabSz="914400" rtl="0" eaLnBrk="1" fontAlgn="auto" latinLnBrk="0" hangingPunct="1">
-              <a:lnSpc>
-                <a:spcPct val="100000"/>
-              </a:lnSpc>
-              <a:spcBef>
-                <a:spcPts val="0"/>
-              </a:spcBef>
-              <a:spcAft>
-                <a:spcPts val="0"/>
-              </a:spcAft>
-              <a:buClrTx/>
-              <a:buSzTx/>
-              <a:buFontTx/>
-              <a:buNone/>
-              <a:tabLst/>
-              <a:defRPr/>
-            </a:pPr>
             <a:r>
               <a:rPr lang="en-US" sz="1200" kern="1200" dirty="0" smtClean="0">
                 <a:solidFill>
@@ -20404,27 +19009,34 @@
                 <a:ea typeface="+mn-ea"/>
                 <a:cs typeface="+mn-cs"/>
               </a:rPr>
-              <a:t>Lastly, you should use SAML or WS-Security if you literally have no other choice, and/or have a sick love affair with XML. </a:t>
-            </a:r>
-          </a:p>
-          <a:p>
-            <a:pPr marL="0" marR="0" indent="0" algn="l" defTabSz="914400" rtl="0" eaLnBrk="1" fontAlgn="auto" latinLnBrk="0" hangingPunct="1">
-              <a:lnSpc>
-                <a:spcPct val="100000"/>
-              </a:lnSpc>
-              <a:spcBef>
-                <a:spcPts val="0"/>
-              </a:spcBef>
-              <a:spcAft>
-                <a:spcPts val="0"/>
-              </a:spcAft>
-              <a:buClrTx/>
-              <a:buSzTx/>
-              <a:buFontTx/>
-              <a:buNone/>
-              <a:tabLst/>
-              <a:defRPr/>
-            </a:pPr>
+              <a:t>Lastly, you should use SAML or WS-Security if you have a sick love affair with XML, or if you have one of the very complex scenarios that </a:t>
+            </a:r>
+            <a:r>
+              <a:rPr lang="en-US" sz="1200" i="1" kern="1200" dirty="0" smtClean="0">
+                <a:solidFill>
+                  <a:schemeClr val="tx1"/>
+                </a:solidFill>
+                <a:effectLst/>
+                <a:latin typeface="+mn-lt"/>
+                <a:ea typeface="+mn-ea"/>
+                <a:cs typeface="+mn-cs"/>
+              </a:rPr>
+              <a:t>needs </a:t>
+            </a:r>
+            <a:r>
+              <a:rPr lang="en-US" sz="1200" kern="1200" dirty="0" smtClean="0">
+                <a:solidFill>
+                  <a:schemeClr val="tx1"/>
+                </a:solidFill>
+                <a:effectLst/>
+                <a:latin typeface="+mn-lt"/>
+                <a:ea typeface="+mn-ea"/>
+                <a:cs typeface="+mn-cs"/>
+              </a:rPr>
+              <a:t>the extra complexity they entail. </a:t>
+            </a:r>
+          </a:p>
+          <a:p>
             <a:endParaRPr lang="en-US" sz="1200" kern="1200" dirty="0" smtClean="0">
               <a:solidFill>
                 <a:schemeClr val="tx1"/>
@@ -20436,23 +19048,6 @@
             </a:endParaRPr>
           </a:p>
           <a:p>
-            <a:pPr marL="0" marR="0" indent="0" algn="l" defTabSz="914400" rtl="0" eaLnBrk="1" fontAlgn="auto" latinLnBrk="0" hangingPunct="1">
-              <a:lnSpc>
-                <a:spcPct val="100000"/>
-              </a:lnSpc>
-              <a:spcBef>
-                <a:spcPts val="0"/>
-              </a:spcBef>
-              <a:spcAft>
-                <a:spcPts val="0"/>
-              </a:spcAft>
-              <a:buClrTx/>
-              <a:buSzTx/>
-              <a:buFontTx/>
-              <a:buNone/>
-              <a:tabLst/>
-              <a:defRPr/>
-            </a:pPr>
             <a:r>
               <a:rPr lang="en-US" sz="1200" kern="1200" dirty="0" smtClean="0">
                 <a:solidFill>
@@ -20463,35 +19058,17 @@
                 <a:ea typeface="+mn-ea"/>
                 <a:cs typeface="+mn-cs"/>
               </a:rPr>
-              <a:t>If you choose either of these, good luck but</a:t>
-            </a:r>
-            <a:r>
-              <a:rPr lang="en-US" sz="1200" kern="1200" baseline="0" dirty="0" smtClean="0">
-                <a:solidFill>
-                  <a:schemeClr val="tx1"/>
-                </a:solidFill>
-                <a:effectLst/>
-                <a:latin typeface="+mn-lt"/>
-                <a:ea typeface="+mn-ea"/>
-                <a:cs typeface="+mn-cs"/>
-              </a:rPr>
-              <a:t> don’t ask me if you have questions</a:t>
-            </a:r>
-            <a:r>
-              <a:rPr lang="en-US" sz="1200" kern="1200" dirty="0" smtClean="0">
-                <a:solidFill>
-                  <a:schemeClr val="tx1"/>
-                </a:solidFill>
-                <a:effectLst/>
-                <a:latin typeface="+mn-lt"/>
-                <a:ea typeface="+mn-ea"/>
-                <a:cs typeface="+mn-cs"/>
-              </a:rPr>
-              <a:t>.</a:t>
-            </a:r>
-          </a:p>
-          <a:p>
-            <a:endParaRPr lang="en-US" dirty="0"/>
+              <a:t>If you’re creating an API for your own internal use, or for public use on the open internet, these things are overkill and you should stick to something simpler.</a:t>
+            </a:r>
+            <a:endParaRPr lang="en-US" sz="1200" kern="1200" dirty="0">
+              <a:solidFill>
+                <a:schemeClr val="tx1"/>
+              </a:solidFill>
+              <a:effectLst/>
+              <a:latin typeface="+mn-lt"/>
+              <a:ea typeface="+mn-ea"/>
+              <a:cs typeface="+mn-cs"/>
+            </a:endParaRPr>
           </a:p>
         </p:txBody>
       </p:sp>
@@ -20885,10 +19462,25 @@
                 <a:ea typeface="+mn-ea"/>
                 <a:cs typeface="+mn-cs"/>
               </a:rPr>
-              <a:t>Research shows that attendees of a talk such as this will generally remember only 3 things. That means that most of the information I just shared with you will vanish quickly if you don’t act on it.</a:t>
-            </a:r>
-          </a:p>
-          <a:p>
+              <a:t>Research shows that attendees of a talk such as this will only remember 3 things. That means that most of the information I just shared with you will vanish quickly if you don’t act on it.</a:t>
+            </a:r>
+          </a:p>
+          <a:p>
+            <a:r>
+              <a:rPr lang="en-US" sz="1200" kern="1200" dirty="0" smtClean="0">
+                <a:solidFill>
+                  <a:schemeClr val="tx1"/>
+                </a:solidFill>
+                <a:effectLst/>
+                <a:latin typeface="+mn-lt"/>
+                <a:ea typeface="+mn-ea"/>
+                <a:cs typeface="+mn-cs"/>
+              </a:rPr>
+              <a:t>So here are the 3 most important things I want you to remember:</a:t>
+            </a:r>
+          </a:p>
+          <a:p>
+            <a:pPr lvl="0"/>
             <a:endParaRPr lang="en-US" sz="1200" kern="1200" dirty="0" smtClean="0">
               <a:solidFill>
                 <a:schemeClr val="tx1"/>
@@ -20900,6 +19492,7 @@
             </a:endParaRPr>
           </a:p>
           <a:p>
+            <a:pPr lvl="0"/>
             <a:r>
               <a:rPr lang="en-US" sz="1200" kern="1200" dirty="0" smtClean="0">
                 <a:solidFill>
@@ -20910,14 +19503,9 @@
                 <a:ea typeface="+mn-ea"/>
                 <a:cs typeface="+mn-cs"/>
               </a:rPr>
-              <a:t>So here are the 3 most important things I want you to remember:</a:t>
-            </a:r>
-          </a:p>
-          <a:p>
-            <a:pPr marL="228600" indent="-228600">
-              <a:buAutoNum type="arabicParenR"/>
-            </a:pPr>
-            <a:r>
+              <a:t>You can use custom API keys as bearer tokens over TLS for a quick and easy approach, or you can use API Keys to sign request using HMAC if you need additional security.</a:t>
+            </a:r>
+            <a:br>
               <a:rPr lang="en-US" sz="1200" kern="1200" dirty="0" smtClean="0">
                 <a:solidFill>
                   <a:schemeClr val="tx1"/>
@@ -20927,20 +19515,7 @@
                 <a:ea typeface="+mn-ea"/>
                 <a:cs typeface="+mn-cs"/>
               </a:rPr>
-              <a:t>Requests must use EITHER TLS, OR be signed. If you’re passing sensitive data over the wire then use TLS. If you want to verify message integrity, </a:t>
-            </a:r>
-            <a:r>
-              <a:rPr lang="en-US" sz="1200" kern="1200" smtClean="0">
-                <a:solidFill>
-                  <a:schemeClr val="tx1"/>
-                </a:solidFill>
-                <a:effectLst/>
-                <a:latin typeface="+mn-lt"/>
-                <a:ea typeface="+mn-ea"/>
-                <a:cs typeface="+mn-cs"/>
-              </a:rPr>
-              <a:t>use signing</a:t>
-            </a:r>
+            </a:br>
             <a:endParaRPr lang="en-US" sz="1200" kern="1200" dirty="0" smtClean="0">
               <a:solidFill>
                 <a:schemeClr val="tx1"/>
@@ -20952,9 +19527,7 @@
             </a:endParaRPr>
           </a:p>
           <a:p>
-            <a:pPr marL="228600" indent="-228600">
-              <a:buAutoNum type="arabicParenR"/>
-            </a:pPr>
+            <a:pPr lvl="0"/>
             <a:r>
               <a:rPr lang="en-US" sz="1200" kern="1200" dirty="0" smtClean="0">
                 <a:solidFill>
@@ -20965,21 +19538,9 @@
                 <a:ea typeface="+mn-ea"/>
                 <a:cs typeface="+mn-cs"/>
               </a:rPr>
-              <a:t>For server-based clients, you can use Basic </a:t>
-            </a:r>
-            <a:r>
-              <a:rPr lang="en-US" sz="1200" kern="1200" dirty="0" err="1" smtClean="0">
-                <a:solidFill>
-                  <a:schemeClr val="tx1"/>
-                </a:solidFill>
-                <a:effectLst/>
-                <a:latin typeface="+mn-lt"/>
-                <a:ea typeface="+mn-ea"/>
-                <a:cs typeface="+mn-cs"/>
-              </a:rPr>
-              <a:t>Auth</a:t>
-            </a:r>
-            <a:r>
+              <a:t>JSON Web Tokens are a secure, stateless way to share non-sensitive data. Remember that by default tokens are encoded, not encrypted, so anything you put in them can be decoded by the client. You also need to make sure your tokens aren’t vulnerable to cross-site scripting or cross-site request forgery.</a:t>
+            </a:r>
+            <a:br>
               <a:rPr lang="en-US" sz="1200" kern="1200" dirty="0" smtClean="0">
                 <a:solidFill>
                   <a:schemeClr val="tx1"/>
@@ -20989,25 +19550,19 @@
                 <a:ea typeface="+mn-ea"/>
                 <a:cs typeface="+mn-cs"/>
               </a:rPr>
-              <a:t> or API Keys, depending</a:t>
-            </a:r>
-            <a:r>
-              <a:rPr lang="en-US" sz="1200" kern="1200" baseline="0" dirty="0" smtClean="0">
-                <a:solidFill>
-                  <a:schemeClr val="tx1"/>
-                </a:solidFill>
-                <a:effectLst/>
-                <a:latin typeface="+mn-lt"/>
-                <a:ea typeface="+mn-ea"/>
-                <a:cs typeface="+mn-cs"/>
-              </a:rPr>
-              <a:t> on how much flexibility you need. Use JWT for JS clients. </a:t>
-            </a:r>
-          </a:p>
-          <a:p>
-            <a:pPr marL="228600" indent="-228600">
-              <a:buAutoNum type="arabicParenR"/>
-            </a:pPr>
+            </a:br>
+            <a:endParaRPr lang="en-US" sz="1200" kern="1200" dirty="0" smtClean="0">
+              <a:solidFill>
+                <a:schemeClr val="tx1"/>
+              </a:solidFill>
+              <a:effectLst/>
+              <a:latin typeface="+mn-lt"/>
+              <a:ea typeface="+mn-ea"/>
+              <a:cs typeface="+mn-cs"/>
+            </a:endParaRPr>
+          </a:p>
+          <a:p>
+            <a:pPr lvl="0"/>
             <a:r>
               <a:rPr lang="en-US" sz="1200" kern="1200" dirty="0" smtClean="0">
                 <a:solidFill>
@@ -21018,11 +19573,17 @@
                 <a:ea typeface="+mn-ea"/>
                 <a:cs typeface="+mn-cs"/>
               </a:rPr>
-              <a:t>OAuth is for authorization, not authentication. Use OpenID Connect if you need both.</a:t>
-            </a:r>
-          </a:p>
-          <a:p>
-            <a:endParaRPr lang="en-US" dirty="0"/>
+              <a:t>Lastly, OAuth is for authorization, not authentication. Use OpenID Connect if you need both.</a:t>
+            </a:r>
+            <a:endParaRPr lang="en-US" sz="1200" kern="1200" dirty="0">
+              <a:solidFill>
+                <a:schemeClr val="tx1"/>
+              </a:solidFill>
+              <a:effectLst/>
+              <a:latin typeface="+mn-lt"/>
+              <a:ea typeface="+mn-ea"/>
+              <a:cs typeface="+mn-cs"/>
+            </a:endParaRPr>
           </a:p>
         </p:txBody>
       </p:sp>
@@ -21593,7 +20154,7 @@
           <a:p>
             <a:fld id="{75AA6396-395E-4ADA-8EE5-F328BC863A04}" type="datetimeFigureOut">
               <a:rPr lang="en-US" smtClean="0"/>
-              <a:t>12/16/2018</a:t>
+              <a:t>12/17/2018</a:t>
             </a:fld>
             <a:endParaRPr lang="en-US"/>
           </a:p>
@@ -21770,7 +20331,7 @@
           <a:p>
             <a:fld id="{75AA6396-395E-4ADA-8EE5-F328BC863A04}" type="datetimeFigureOut">
               <a:rPr lang="en-US" smtClean="0"/>
-              <a:t>12/16/2018</a:t>
+              <a:t>12/17/2018</a:t>
             </a:fld>
             <a:endParaRPr lang="en-US"/>
           </a:p>
@@ -21950,7 +20511,7 @@
           <a:p>
             <a:fld id="{75AA6396-395E-4ADA-8EE5-F328BC863A04}" type="datetimeFigureOut">
               <a:rPr lang="en-US" smtClean="0"/>
-              <a:t>12/16/2018</a:t>
+              <a:t>12/17/2018</a:t>
             </a:fld>
             <a:endParaRPr lang="en-US"/>
           </a:p>
@@ -22170,7 +20731,7 @@
           <a:p>
             <a:fld id="{75AA6396-395E-4ADA-8EE5-F328BC863A04}" type="datetimeFigureOut">
               <a:rPr lang="en-US" smtClean="0"/>
-              <a:t>12/16/2018</a:t>
+              <a:t>12/17/2018</a:t>
             </a:fld>
             <a:endParaRPr lang="en-US"/>
           </a:p>
@@ -22423,7 +20984,7 @@
           <a:p>
             <a:fld id="{75AA6396-395E-4ADA-8EE5-F328BC863A04}" type="datetimeFigureOut">
               <a:rPr lang="en-US" smtClean="0"/>
-              <a:t>12/16/2018</a:t>
+              <a:t>12/17/2018</a:t>
             </a:fld>
             <a:endParaRPr lang="en-US"/>
           </a:p>
@@ -22662,7 +21223,7 @@
           <a:p>
             <a:fld id="{75AA6396-395E-4ADA-8EE5-F328BC863A04}" type="datetimeFigureOut">
               <a:rPr lang="en-US" smtClean="0"/>
-              <a:t>12/16/2018</a:t>
+              <a:t>12/17/2018</a:t>
             </a:fld>
             <a:endParaRPr lang="en-US"/>
           </a:p>
@@ -23036,7 +21597,7 @@
           <a:p>
             <a:fld id="{75AA6396-395E-4ADA-8EE5-F328BC863A04}" type="datetimeFigureOut">
               <a:rPr lang="en-US" smtClean="0"/>
-              <a:t>12/16/2018</a:t>
+              <a:t>12/17/2018</a:t>
             </a:fld>
             <a:endParaRPr lang="en-US"/>
           </a:p>
@@ -23154,7 +21715,7 @@
           <a:p>
             <a:fld id="{75AA6396-395E-4ADA-8EE5-F328BC863A04}" type="datetimeFigureOut">
               <a:rPr lang="en-US" smtClean="0"/>
-              <a:t>12/16/2018</a:t>
+              <a:t>12/17/2018</a:t>
             </a:fld>
             <a:endParaRPr lang="en-US"/>
           </a:p>
@@ -23249,7 +21810,7 @@
           <a:p>
             <a:fld id="{75AA6396-395E-4ADA-8EE5-F328BC863A04}" type="datetimeFigureOut">
               <a:rPr lang="en-US" smtClean="0"/>
-              <a:t>12/16/2018</a:t>
+              <a:t>12/17/2018</a:t>
             </a:fld>
             <a:endParaRPr lang="en-US"/>
           </a:p>
@@ -23526,7 +22087,7 @@
           <a:p>
             <a:fld id="{75AA6396-395E-4ADA-8EE5-F328BC863A04}" type="datetimeFigureOut">
               <a:rPr lang="en-US" smtClean="0"/>
-              <a:t>12/16/2018</a:t>
+              <a:t>12/17/2018</a:t>
             </a:fld>
             <a:endParaRPr lang="en-US"/>
           </a:p>
@@ -23779,7 +22340,7 @@
           <a:p>
             <a:fld id="{75AA6396-395E-4ADA-8EE5-F328BC863A04}" type="datetimeFigureOut">
               <a:rPr lang="en-US" smtClean="0"/>
-              <a:t>12/16/2018</a:t>
+              <a:t>12/17/2018</a:t>
             </a:fld>
             <a:endParaRPr lang="en-US"/>
           </a:p>
@@ -23992,7 +22553,7 @@
           <a:p>
             <a:fld id="{75AA6396-395E-4ADA-8EE5-F328BC863A04}" type="datetimeFigureOut">
               <a:rPr lang="en-US" smtClean="0"/>
-              <a:t>12/16/2018</a:t>
+              <a:t>12/17/2018</a:t>
             </a:fld>
             <a:endParaRPr lang="en-US"/>
           </a:p>
@@ -34300,7 +32861,15 @@
           <a:p>
             <a:r>
               <a:rPr lang="en-US" sz="3600" dirty="0" smtClean="0"/>
-              <a:t>You’re using IIS + Active Directory (or equivalent) to secure a private API on trusted network, or</a:t>
+              <a:t>You’re using IIS + Active Directory </a:t>
+            </a:r>
+            <a:r>
+              <a:rPr lang="en-US" sz="3600" dirty="0" smtClean="0"/>
+              <a:t>to </a:t>
+            </a:r>
+            <a:r>
+              <a:rPr lang="en-US" sz="3600" dirty="0" smtClean="0"/>
+              <a:t>secure a private API on trusted network, or</a:t>
             </a:r>
           </a:p>
           <a:p>
@@ -34471,49 +33040,28 @@
           <a:p>
             <a:r>
               <a:rPr lang="en-US" sz="3600" dirty="0" smtClean="0"/>
-              <a:t>You </a:t>
+              <a:t>You're authenticating server-to-server API calls using a standard database, like </a:t>
+            </a:r>
+            <a:r>
+              <a:rPr lang="en-US" sz="3600" dirty="0" err="1" smtClean="0"/>
+              <a:t>ActiveDirectory</a:t>
+            </a:r>
+            <a:r>
+              <a:rPr lang="en-US" sz="3600" dirty="0" smtClean="0"/>
+              <a:t>, &amp; you want to </a:t>
             </a:r>
             <a:r>
               <a:rPr lang="en-US" sz="3600" dirty="0"/>
-              <a:t>want to write as little code as </a:t>
+              <a:t>write as little code as </a:t>
             </a:r>
             <a:r>
               <a:rPr lang="en-US" sz="3600" dirty="0" smtClean="0"/>
-              <a:t>possible, and</a:t>
-            </a:r>
-            <a:endParaRPr lang="en-US" sz="3200" dirty="0"/>
-          </a:p>
-          <a:p>
-            <a:r>
-              <a:rPr lang="en-US" sz="3600" dirty="0" smtClean="0"/>
-              <a:t>You </a:t>
-            </a:r>
-            <a:r>
-              <a:rPr lang="en-US" sz="3600" dirty="0"/>
-              <a:t>can tolerate </a:t>
-            </a:r>
-            <a:r>
-              <a:rPr lang="en-US" sz="3600" dirty="0" smtClean="0"/>
-              <a:t>TLS on </a:t>
-            </a:r>
-            <a:r>
-              <a:rPr lang="en-US" sz="3600" dirty="0"/>
-              <a:t>all </a:t>
-            </a:r>
-            <a:r>
-              <a:rPr lang="en-US" sz="3600" dirty="0" smtClean="0"/>
-              <a:t>requests</a:t>
+              <a:t>possible</a:t>
             </a:r>
             <a:endParaRPr lang="en-US" sz="3600" dirty="0"/>
           </a:p>
           <a:p>
             <a:endParaRPr lang="en-US" sz="3600" dirty="0"/>
-          </a:p>
-          <a:p>
-            <a:r>
-              <a:rPr lang="en-US" sz="4000" dirty="0" smtClean="0"/>
-              <a:t>Good for server-to-server API calls</a:t>
-            </a:r>
           </a:p>
           <a:p>
             <a:endParaRPr lang="en-US" sz="4000" dirty="0" smtClean="0"/>
@@ -34813,7 +33361,11 @@
             </a:r>
             <a:r>
               <a:rPr lang="en-US" sz="4000" b="1" dirty="0" smtClean="0"/>
-              <a:t>custom API Keys as </a:t>
+              <a:t>API </a:t>
+            </a:r>
+            <a:r>
+              <a:rPr lang="en-US" sz="4000" b="1" dirty="0" smtClean="0"/>
+              <a:t>Keys as </a:t>
             </a:r>
             <a:r>
               <a:rPr lang="en-US" sz="4000" b="1" u="sng" dirty="0" smtClean="0"/>
@@ -34830,31 +33382,26 @@
           <a:p>
             <a:r>
               <a:rPr lang="en-US" sz="3600" dirty="0" smtClean="0"/>
-              <a:t>You own the client AND the API, and</a:t>
-            </a:r>
-          </a:p>
-          <a:p>
+              <a:t>You value </a:t>
+            </a:r>
+            <a:r>
+              <a:rPr lang="en-US" sz="3600" dirty="0" smtClean="0"/>
+              <a:t>simplicity over </a:t>
+            </a:r>
+            <a:r>
+              <a:rPr lang="en-US" sz="3600" dirty="0" smtClean="0"/>
+              <a:t>security</a:t>
+            </a:r>
+          </a:p>
+          <a:p>
+            <a:endParaRPr lang="en-US" sz="3600" dirty="0"/>
+          </a:p>
+          <a:p>
+            <a:r>
+              <a:rPr lang="en-US" sz="3600" dirty="0" smtClean="0"/>
+              <a:t>You can use TLS for all requests</a:t>
+            </a:r>
             <a:endParaRPr lang="en-US" sz="3600" dirty="0" smtClean="0"/>
-          </a:p>
-          <a:p>
-            <a:r>
-              <a:rPr lang="en-US" sz="3600" dirty="0"/>
-              <a:t>You can require </a:t>
-            </a:r>
-            <a:r>
-              <a:rPr lang="en-US" sz="3600" dirty="0" smtClean="0"/>
-              <a:t>TLS, and</a:t>
-            </a:r>
-            <a:endParaRPr lang="en-US" sz="3600" dirty="0"/>
-          </a:p>
-          <a:p>
-            <a:endParaRPr lang="en-US" sz="3600" dirty="0" smtClean="0"/>
-          </a:p>
-          <a:p>
-            <a:r>
-              <a:rPr lang="en-US" sz="3600" dirty="0" smtClean="0"/>
-              <a:t>You value simplicity over security</a:t>
-            </a:r>
           </a:p>
           <a:p>
             <a:endParaRPr lang="en-US" sz="3600" dirty="0" smtClean="0"/>
@@ -35011,16 +33558,20 @@
               <a:t>Consider </a:t>
             </a:r>
             <a:r>
-              <a:rPr lang="en-US" sz="4000" b="1" dirty="0" smtClean="0"/>
-              <a:t>custom API Keys and </a:t>
-            </a:r>
-            <a:r>
               <a:rPr lang="en-US" sz="4000" b="1" u="sng" dirty="0" smtClean="0"/>
               <a:t>signed requests</a:t>
             </a:r>
             <a:r>
+              <a:rPr lang="en-US" sz="4000" b="1" dirty="0" smtClean="0"/>
+              <a:t> using API Keys</a:t>
+            </a:r>
+            <a:r>
               <a:rPr lang="en-US" sz="4000" dirty="0" smtClean="0"/>
-              <a:t> if…</a:t>
+              <a:t> </a:t>
+            </a:r>
+            <a:r>
+              <a:rPr lang="en-US" sz="4000" dirty="0" smtClean="0"/>
+              <a:t>if…</a:t>
             </a:r>
             <a:br>
               <a:rPr lang="en-US" sz="4000" dirty="0" smtClean="0"/>
@@ -35030,7 +33581,11 @@
           <a:p>
             <a:r>
               <a:rPr lang="en-US" sz="3600" dirty="0" smtClean="0"/>
-              <a:t>You own the client AND the API, and</a:t>
+              <a:t>You </a:t>
+            </a:r>
+            <a:r>
+              <a:rPr lang="en-US" sz="3600" dirty="0" smtClean="0"/>
+              <a:t>want extra security vs bearer tokens, and</a:t>
             </a:r>
             <a:br>
               <a:rPr lang="en-US" sz="3600" dirty="0" smtClean="0"/>
@@ -35040,8 +33595,13 @@
           <a:p>
             <a:r>
               <a:rPr lang="en-US" sz="3600" dirty="0" smtClean="0"/>
-              <a:t>You can’t/don’t want to rely on TLS</a:t>
-            </a:r>
+              <a:t>You </a:t>
+            </a:r>
+            <a:r>
+              <a:rPr lang="en-US" sz="3600" dirty="0" smtClean="0"/>
+              <a:t>can thoroughly document the signing process</a:t>
+            </a:r>
+            <a:endParaRPr lang="en-US" sz="3600" dirty="0" smtClean="0"/>
           </a:p>
           <a:p>
             <a:endParaRPr lang="en-US" sz="3600" dirty="0" smtClean="0"/>
@@ -35203,8 +33763,15 @@
           <a:p>
             <a:r>
               <a:rPr lang="en-US" sz="3600" dirty="0" smtClean="0"/>
-              <a:t>You’re writing a JS client for your own app (i.e. a SPA)</a:t>
-            </a:r>
+              <a:t>You're writing a JS client, or</a:t>
+            </a:r>
+          </a:p>
+          <a:p>
+            <a:r>
+              <a:rPr lang="en-US" sz="3600" dirty="0" smtClean="0"/>
+              <a:t>You want a standards-based, self-contained, stateless alternative to in-memory "sessions"</a:t>
+            </a:r>
+            <a:endParaRPr lang="en-US" sz="3600" dirty="0" smtClean="0"/>
           </a:p>
           <a:p>
             <a:endParaRPr lang="en-US" sz="3600" dirty="0" smtClean="0"/>
@@ -35377,34 +33944,35 @@
           <a:p>
             <a:r>
               <a:rPr lang="en-US" sz="3600" dirty="0" smtClean="0"/>
-              <a:t>You’re supporting 3</a:t>
-            </a:r>
-            <a:r>
-              <a:rPr lang="en-US" sz="3600" baseline="30000" dirty="0" smtClean="0"/>
-              <a:t>rd</a:t>
-            </a:r>
+              <a:t>You need to support delegated access to user data, and</a:t>
+            </a:r>
+            <a:endParaRPr lang="en-US" sz="3600" dirty="0" smtClean="0"/>
+          </a:p>
+          <a:p>
             <a:r>
               <a:rPr lang="en-US" sz="3600" dirty="0" smtClean="0"/>
-              <a:t> party clients, and</a:t>
-            </a:r>
-          </a:p>
-          <a:p>
+              <a:t>You </a:t>
+            </a:r>
             <a:r>
               <a:rPr lang="en-US" sz="3600" dirty="0" smtClean="0"/>
-              <a:t>You’re writing a web-based app, and</a:t>
-            </a:r>
-          </a:p>
-          <a:p>
+              <a:t>can’t/don’t want to require </a:t>
+            </a:r>
             <a:r>
               <a:rPr lang="en-US" sz="3600" dirty="0" smtClean="0"/>
-              <a:t>You can’t/don’t want to require TLS, and/or</a:t>
-            </a:r>
+              <a:t>TLS</a:t>
+            </a:r>
+          </a:p>
+          <a:p>
             <a:endParaRPr lang="en-US" sz="3600" dirty="0"/>
           </a:p>
           <a:p>
             <a:r>
               <a:rPr lang="en-US" sz="3600" dirty="0" smtClean="0"/>
-              <a:t>You care about client/provider interoperability</a:t>
+              <a:t>You </a:t>
+            </a:r>
+            <a:r>
+              <a:rPr lang="en-US" sz="3600" dirty="0" smtClean="0"/>
+              <a:t>care about client/provider interoperability</a:t>
             </a:r>
           </a:p>
           <a:p>
@@ -35568,19 +34136,40 @@
           <a:p>
             <a:r>
               <a:rPr lang="en-US" sz="3600" dirty="0" smtClean="0"/>
-              <a:t>You want to avoid complexity of signed requests, and</a:t>
+              <a:t>You need to support delegated access to user data, and</a:t>
             </a:r>
           </a:p>
           <a:p>
             <a:r>
               <a:rPr lang="en-US" sz="3600" dirty="0" smtClean="0"/>
-              <a:t>You can require TLS on all requests, or</a:t>
-            </a:r>
-          </a:p>
-          <a:p>
+              <a:t>You </a:t>
+            </a:r>
             <a:r>
               <a:rPr lang="en-US" sz="3600" dirty="0" smtClean="0"/>
-              <a:t>You need to support a wider set of devices and “flows”</a:t>
+              <a:t>want to avoid complexity of signed requests, and</a:t>
+            </a:r>
+          </a:p>
+          <a:p>
+            <a:r>
+              <a:rPr lang="en-US" sz="3600" dirty="0" smtClean="0"/>
+              <a:t>You can require TLS on all </a:t>
+            </a:r>
+            <a:r>
+              <a:rPr lang="en-US" sz="3600" dirty="0" smtClean="0"/>
+              <a:t>requests</a:t>
+            </a:r>
+          </a:p>
+          <a:p>
+            <a:endParaRPr lang="en-US" sz="3600" dirty="0"/>
+          </a:p>
+          <a:p>
+            <a:r>
+              <a:rPr lang="en-US" sz="3600" dirty="0" smtClean="0"/>
+              <a:t>You </a:t>
+            </a:r>
+            <a:r>
+              <a:rPr lang="en-US" sz="3600" dirty="0" smtClean="0"/>
+              <a:t>need to support a wider set of devices and “flows”</a:t>
             </a:r>
           </a:p>
           <a:p>
@@ -35936,18 +34525,26 @@
           <a:p>
             <a:r>
               <a:rPr lang="en-US" sz="3600" dirty="0" smtClean="0"/>
-              <a:t>You suffer endlessly in Enterprise Hell, or</a:t>
-            </a:r>
+              <a:t>You </a:t>
+            </a:r>
+            <a:r>
+              <a:rPr lang="en-US" sz="3600" dirty="0" smtClean="0"/>
+              <a:t>find XML to be life-affirming and </a:t>
+            </a:r>
+            <a:r>
+              <a:rPr lang="en-US" sz="3600" dirty="0" smtClean="0"/>
+              <a:t>joyful, or</a:t>
+            </a:r>
+          </a:p>
+          <a:p>
             <a:endParaRPr lang="en-US" sz="3600" dirty="0"/>
           </a:p>
           <a:p>
+            <a:r>
+              <a:rPr lang="en-US" sz="3600" dirty="0" smtClean="0"/>
+              <a:t>You have a Legit Reason To Do It The Hard Way ™</a:t>
+            </a:r>
             <a:endParaRPr lang="en-US" sz="3600" dirty="0" smtClean="0"/>
-          </a:p>
-          <a:p>
-            <a:r>
-              <a:rPr lang="en-US" sz="3600" dirty="0" smtClean="0"/>
-              <a:t>You find XML to be life-affirming and joyful</a:t>
-            </a:r>
           </a:p>
           <a:p>
             <a:endParaRPr lang="en-US" sz="3600" dirty="0"/>
@@ -36226,45 +34823,51 @@
           <a:p>
             <a:r>
               <a:rPr lang="en-US" sz="4000" dirty="0" smtClean="0"/>
-              <a:t>Requests must use TLS, or be signed</a:t>
-            </a:r>
-          </a:p>
-          <a:p>
+              <a:t>Use API Keys as </a:t>
+            </a:r>
+            <a:r>
+              <a:rPr lang="en-US" sz="4000" b="1" dirty="0" smtClean="0"/>
+              <a:t>b</a:t>
+            </a:r>
+            <a:r>
+              <a:rPr lang="en-US" sz="4000" b="1" dirty="0" smtClean="0"/>
+              <a:t>earer tokens</a:t>
+            </a:r>
+            <a:r>
+              <a:rPr lang="en-US" sz="4000" dirty="0" smtClean="0"/>
+              <a:t> or to </a:t>
+            </a:r>
+            <a:r>
+              <a:rPr lang="en-US" sz="4000" b="1" dirty="0" smtClean="0"/>
+              <a:t>sign requests</a:t>
+            </a:r>
+            <a:r>
+              <a:rPr lang="en-US" sz="4000" dirty="0" smtClean="0"/>
+              <a:t>, depending on security/convenience needs</a:t>
+            </a:r>
+            <a:br>
+              <a:rPr lang="en-US" sz="4000" dirty="0" smtClean="0"/>
+            </a:br>
             <a:endParaRPr lang="en-US" sz="4000" dirty="0"/>
           </a:p>
           <a:p>
             <a:r>
+              <a:rPr lang="en-US" sz="4000" b="1" dirty="0" smtClean="0"/>
+              <a:t>JSON Web Tokens</a:t>
+            </a:r>
+            <a:r>
               <a:rPr lang="en-US" sz="4000" dirty="0" smtClean="0"/>
-              <a:t>For server-based clients, use </a:t>
-            </a:r>
-            <a:r>
-              <a:rPr lang="en-US" sz="4000" b="1" dirty="0" smtClean="0"/>
-              <a:t>Basic </a:t>
-            </a:r>
-            <a:r>
-              <a:rPr lang="en-US" sz="4000" b="1" dirty="0" err="1" smtClean="0"/>
-              <a:t>Auth</a:t>
+              <a:t> are a secure, stateless way to share </a:t>
+            </a:r>
+            <a:r>
+              <a:rPr lang="en-US" sz="4000" i="1" dirty="0" smtClean="0"/>
+              <a:t>non-sensitive data</a:t>
             </a:r>
             <a:r>
               <a:rPr lang="en-US" sz="4000" dirty="0" smtClean="0"/>
-              <a:t> or </a:t>
-            </a:r>
-            <a:r>
-              <a:rPr lang="en-US" sz="4000" b="1" dirty="0" smtClean="0"/>
-              <a:t>API Keys</a:t>
-            </a:r>
-            <a:r>
-              <a:rPr lang="en-US" sz="4000" dirty="0" smtClean="0"/>
-              <a:t>. For JS clients, use </a:t>
-            </a:r>
-            <a:r>
-              <a:rPr lang="en-US" sz="4000" b="1" dirty="0" smtClean="0"/>
-              <a:t>JWT</a:t>
-            </a:r>
-            <a:r>
-              <a:rPr lang="en-US" sz="4000" dirty="0" smtClean="0"/>
-              <a:t>. </a:t>
-            </a:r>
+              <a:t>. Careful about XSS/CSRF!</a:t>
+            </a:r>
+            <a:endParaRPr lang="en-US" sz="4000" dirty="0" smtClean="0"/>
           </a:p>
           <a:p>
             <a:endParaRPr lang="en-US" sz="4000" dirty="0" smtClean="0"/>

--- a/Securing Your API Endpoints.pptx
+++ b/Securing Your API Endpoints.pptx
@@ -32,9 +32,9 @@
     <p:sldId id="450" r:id="rId23"/>
     <p:sldId id="533" r:id="rId24"/>
     <p:sldId id="545" r:id="rId25"/>
-    <p:sldId id="544" r:id="rId26"/>
-    <p:sldId id="456" r:id="rId27"/>
-    <p:sldId id="453" r:id="rId28"/>
+    <p:sldId id="456" r:id="rId26"/>
+    <p:sldId id="453" r:id="rId27"/>
+    <p:sldId id="567" r:id="rId28"/>
     <p:sldId id="461" r:id="rId29"/>
     <p:sldId id="457" r:id="rId30"/>
     <p:sldId id="539" r:id="rId31"/>
@@ -288,7 +288,7 @@
           <a:p>
             <a:fld id="{C54A4886-B4AF-42F7-97BE-95CDF82A73E3}" type="datetimeFigureOut">
               <a:rPr lang="en-US" smtClean="0"/>
-              <a:t>12/17/2018</a:t>
+              <a:t>12/18/2018</a:t>
             </a:fld>
             <a:endParaRPr lang="en-US"/>
           </a:p>
@@ -1456,237 +1456,7 @@
             </a:endParaRPr>
           </a:p>
           <a:p>
-            <a:r>
-              <a:rPr lang="en-US" sz="1200" kern="1200" dirty="0" smtClean="0">
-                <a:solidFill>
-                  <a:schemeClr val="tx1"/>
-                </a:solidFill>
-                <a:effectLst/>
-                <a:latin typeface="+mn-lt"/>
-                <a:ea typeface="+mn-ea"/>
-                <a:cs typeface="+mn-cs"/>
-              </a:rPr>
-              <a:t>Client certs do the same thing, but in reverse. You install the certificate on your </a:t>
-            </a:r>
-            <a:r>
-              <a:rPr lang="en-US" sz="1200" i="1" kern="1200" dirty="0" smtClean="0">
-                <a:solidFill>
-                  <a:schemeClr val="tx1"/>
-                </a:solidFill>
-                <a:effectLst/>
-                <a:latin typeface="+mn-lt"/>
-                <a:ea typeface="+mn-ea"/>
-                <a:cs typeface="+mn-cs"/>
-              </a:rPr>
-              <a:t>browser</a:t>
-            </a:r>
-            <a:r>
-              <a:rPr lang="en-US" sz="1200" kern="1200" dirty="0" smtClean="0">
-                <a:solidFill>
-                  <a:schemeClr val="tx1"/>
-                </a:solidFill>
-                <a:effectLst/>
-                <a:latin typeface="+mn-lt"/>
-                <a:ea typeface="+mn-ea"/>
-                <a:cs typeface="+mn-cs"/>
-              </a:rPr>
-              <a:t>, and it proves </a:t>
-            </a:r>
-            <a:r>
-              <a:rPr lang="en-US" sz="1200" i="1" kern="1200" dirty="0" smtClean="0">
-                <a:solidFill>
-                  <a:schemeClr val="tx1"/>
-                </a:solidFill>
-                <a:effectLst/>
-                <a:latin typeface="+mn-lt"/>
-                <a:ea typeface="+mn-ea"/>
-                <a:cs typeface="+mn-cs"/>
-              </a:rPr>
-              <a:t>your </a:t>
-            </a:r>
-            <a:r>
-              <a:rPr lang="en-US" sz="1200" i="0" kern="1200" dirty="0" smtClean="0">
-                <a:solidFill>
-                  <a:schemeClr val="tx1"/>
-                </a:solidFill>
-                <a:effectLst/>
-                <a:latin typeface="+mn-lt"/>
-                <a:ea typeface="+mn-ea"/>
-                <a:cs typeface="+mn-cs"/>
-              </a:rPr>
-              <a:t>identity</a:t>
-            </a:r>
-            <a:r>
-              <a:rPr lang="en-US" sz="1200" i="0" kern="1200" baseline="0" dirty="0" smtClean="0">
-                <a:solidFill>
-                  <a:schemeClr val="tx1"/>
-                </a:solidFill>
-                <a:effectLst/>
-                <a:latin typeface="+mn-lt"/>
-                <a:ea typeface="+mn-ea"/>
-                <a:cs typeface="+mn-cs"/>
-              </a:rPr>
-              <a:t> to the server</a:t>
-            </a:r>
-            <a:endParaRPr lang="en-US" sz="1200" kern="1200" dirty="0" smtClean="0">
-              <a:solidFill>
-                <a:schemeClr val="tx1"/>
-              </a:solidFill>
-              <a:effectLst/>
-              <a:latin typeface="+mn-lt"/>
-              <a:ea typeface="+mn-ea"/>
-              <a:cs typeface="+mn-cs"/>
-            </a:endParaRPr>
-          </a:p>
-          <a:p>
-            <a:endParaRPr lang="en-US" sz="1200" kern="1200" dirty="0" smtClean="0">
-              <a:solidFill>
-                <a:schemeClr val="tx1"/>
-              </a:solidFill>
-              <a:effectLst/>
-              <a:latin typeface="+mn-lt"/>
-              <a:ea typeface="+mn-ea"/>
-              <a:cs typeface="+mn-cs"/>
-            </a:endParaRPr>
-          </a:p>
-          <a:p>
-            <a:r>
-              <a:rPr lang="en-US" sz="1200" kern="1200" dirty="0" smtClean="0">
-                <a:solidFill>
-                  <a:schemeClr val="tx1"/>
-                </a:solidFill>
-                <a:effectLst/>
-                <a:latin typeface="+mn-lt"/>
-                <a:ea typeface="+mn-ea"/>
-                <a:cs typeface="+mn-cs"/>
-              </a:rPr>
-              <a:t>No login screens, no redirects, every request instantly authenticated. </a:t>
-            </a:r>
-          </a:p>
-          <a:p>
-            <a:endParaRPr lang="en-US" sz="1200" kern="1200" dirty="0" smtClean="0">
-              <a:solidFill>
-                <a:schemeClr val="tx1"/>
-              </a:solidFill>
-              <a:effectLst/>
-              <a:latin typeface="+mn-lt"/>
-              <a:ea typeface="+mn-ea"/>
-              <a:cs typeface="+mn-cs"/>
-            </a:endParaRPr>
-          </a:p>
-          <a:p>
-            <a:r>
-              <a:rPr lang="en-US" sz="1200" kern="1200" dirty="0" smtClean="0">
-                <a:solidFill>
-                  <a:schemeClr val="tx1"/>
-                </a:solidFill>
-                <a:effectLst/>
-                <a:latin typeface="+mn-lt"/>
-                <a:ea typeface="+mn-ea"/>
-                <a:cs typeface="+mn-cs"/>
-              </a:rPr>
-              <a:t>Drawbacks: </a:t>
-            </a:r>
-          </a:p>
-          <a:p>
-            <a:r>
-              <a:rPr lang="en-US" sz="1200" kern="1200" dirty="0" smtClean="0">
-                <a:solidFill>
-                  <a:schemeClr val="tx1"/>
-                </a:solidFill>
-                <a:effectLst/>
-                <a:latin typeface="+mn-lt"/>
-                <a:ea typeface="+mn-ea"/>
-                <a:cs typeface="+mn-cs"/>
-              </a:rPr>
-              <a:t>1) all users have to install security certs. Doesn’t scale.</a:t>
-            </a:r>
-          </a:p>
-          <a:p>
-            <a:r>
-              <a:rPr lang="en-US" sz="1200" kern="1200" dirty="0" smtClean="0">
-                <a:solidFill>
-                  <a:schemeClr val="tx1"/>
-                </a:solidFill>
-                <a:effectLst/>
-                <a:latin typeface="+mn-lt"/>
-                <a:ea typeface="+mn-ea"/>
-                <a:cs typeface="+mn-cs"/>
-              </a:rPr>
-              <a:t>2) In Windows land, this is only “simple” when using Active Direct</a:t>
-            </a:r>
-          </a:p>
-          <a:p>
-            <a:endParaRPr lang="en-US" sz="1200" kern="1200" dirty="0" smtClean="0">
-              <a:solidFill>
-                <a:schemeClr val="tx1"/>
-              </a:solidFill>
-              <a:effectLst/>
-              <a:latin typeface="+mn-lt"/>
-              <a:ea typeface="+mn-ea"/>
-              <a:cs typeface="+mn-cs"/>
-            </a:endParaRPr>
-          </a:p>
-          <a:p>
-            <a:r>
-              <a:rPr lang="en-US" sz="1200" kern="1200" dirty="0" smtClean="0">
-                <a:solidFill>
-                  <a:schemeClr val="tx1"/>
-                </a:solidFill>
-                <a:effectLst/>
-                <a:latin typeface="+mn-lt"/>
-                <a:ea typeface="+mn-ea"/>
-                <a:cs typeface="+mn-cs"/>
-              </a:rPr>
-              <a:t>These drawbacks mean that client certs are best suited for </a:t>
-            </a:r>
-            <a:r>
-              <a:rPr lang="en-US" sz="1200" b="1" kern="1200" dirty="0" smtClean="0">
-                <a:solidFill>
-                  <a:schemeClr val="tx1"/>
-                </a:solidFill>
-                <a:effectLst/>
-                <a:latin typeface="+mn-lt"/>
-                <a:ea typeface="+mn-ea"/>
-                <a:cs typeface="+mn-cs"/>
-              </a:rPr>
-              <a:t>internal APIs</a:t>
-            </a:r>
-            <a:r>
-              <a:rPr lang="en-US" sz="1200" b="1" kern="1200" baseline="0" dirty="0" smtClean="0">
-                <a:solidFill>
-                  <a:schemeClr val="tx1"/>
-                </a:solidFill>
-                <a:effectLst/>
-                <a:latin typeface="+mn-lt"/>
-                <a:ea typeface="+mn-ea"/>
-                <a:cs typeface="+mn-cs"/>
-              </a:rPr>
-              <a:t> on a secure network</a:t>
-            </a:r>
-            <a:endParaRPr lang="en-US" sz="1200" kern="1200" dirty="0" smtClean="0">
-              <a:solidFill>
-                <a:schemeClr val="tx1"/>
-              </a:solidFill>
-              <a:effectLst/>
-              <a:latin typeface="+mn-lt"/>
-              <a:ea typeface="+mn-ea"/>
-              <a:cs typeface="+mn-cs"/>
-            </a:endParaRPr>
-          </a:p>
-          <a:p>
-            <a:endParaRPr lang="en-US" sz="1200" kern="1200" dirty="0" smtClean="0">
-              <a:solidFill>
-                <a:schemeClr val="tx1"/>
-              </a:solidFill>
-              <a:effectLst/>
-              <a:latin typeface="+mn-lt"/>
-              <a:ea typeface="+mn-ea"/>
-              <a:cs typeface="+mn-cs"/>
-            </a:endParaRPr>
-          </a:p>
-          <a:p>
-            <a:pPr marL="0" marR="0" indent="0" algn="l" defTabSz="914400" rtl="0" eaLnBrk="1" fontAlgn="auto" latinLnBrk="0" hangingPunct="1">
+            <a:pPr marL="0" marR="0" lvl="0" indent="0" algn="l" defTabSz="914400" rtl="0" eaLnBrk="1" fontAlgn="auto" latinLnBrk="0" hangingPunct="1">
               <a:lnSpc>
                 <a:spcPct val="100000"/>
               </a:lnSpc>
@@ -1704,18 +1474,252 @@
               <a:defRPr/>
             </a:pPr>
             <a:r>
-              <a:rPr lang="en-US" sz="1200" u="sng" kern="1200" dirty="0" smtClean="0">
-                <a:solidFill>
-                  <a:schemeClr val="tx1"/>
-                </a:solidFill>
-                <a:effectLst/>
-                <a:latin typeface="+mn-lt"/>
-                <a:ea typeface="+mn-ea"/>
-                <a:cs typeface="+mn-cs"/>
-                <a:hlinkClick r:id="rId3"/>
-              </a:rPr>
-              <a:t>http://www.networkworld.com/article/2226498/infrastructure-management/simply-put-how-does-certificate-based-authentication-work.html</a:t>
-            </a:r>
+              <a:rPr lang="en-US" sz="1200" kern="1200" dirty="0" smtClean="0">
+                <a:solidFill>
+                  <a:schemeClr val="tx1"/>
+                </a:solidFill>
+                <a:effectLst/>
+                <a:latin typeface="+mn-lt"/>
+                <a:ea typeface="+mn-ea"/>
+                <a:cs typeface="+mn-cs"/>
+              </a:rPr>
+              <a:t>Client certs do the same thing, but in reverse. You install the certificate on your </a:t>
+            </a:r>
+            <a:r>
+              <a:rPr lang="en-US" sz="1200" i="1" kern="1200" dirty="0" smtClean="0">
+                <a:solidFill>
+                  <a:schemeClr val="tx1"/>
+                </a:solidFill>
+                <a:effectLst/>
+                <a:latin typeface="+mn-lt"/>
+                <a:ea typeface="+mn-ea"/>
+                <a:cs typeface="+mn-cs"/>
+              </a:rPr>
+              <a:t>browser</a:t>
+            </a:r>
+            <a:r>
+              <a:rPr lang="en-US" sz="1200" kern="1200" dirty="0" smtClean="0">
+                <a:solidFill>
+                  <a:schemeClr val="tx1"/>
+                </a:solidFill>
+                <a:effectLst/>
+                <a:latin typeface="+mn-lt"/>
+                <a:ea typeface="+mn-ea"/>
+                <a:cs typeface="+mn-cs"/>
+              </a:rPr>
+              <a:t>, and it proves </a:t>
+            </a:r>
+            <a:r>
+              <a:rPr lang="en-US" sz="1200" i="1" kern="1200" dirty="0" smtClean="0">
+                <a:solidFill>
+                  <a:schemeClr val="tx1"/>
+                </a:solidFill>
+                <a:effectLst/>
+                <a:latin typeface="+mn-lt"/>
+                <a:ea typeface="+mn-ea"/>
+                <a:cs typeface="+mn-cs"/>
+              </a:rPr>
+              <a:t>your </a:t>
+            </a:r>
+            <a:r>
+              <a:rPr lang="en-US" sz="1200" i="0" kern="1200" dirty="0" smtClean="0">
+                <a:solidFill>
+                  <a:schemeClr val="tx1"/>
+                </a:solidFill>
+                <a:effectLst/>
+                <a:latin typeface="+mn-lt"/>
+                <a:ea typeface="+mn-ea"/>
+                <a:cs typeface="+mn-cs"/>
+              </a:rPr>
+              <a:t>identity</a:t>
+            </a:r>
+            <a:r>
+              <a:rPr lang="en-US" sz="1200" i="0" kern="1200" baseline="0" dirty="0" smtClean="0">
+                <a:solidFill>
+                  <a:schemeClr val="tx1"/>
+                </a:solidFill>
+                <a:effectLst/>
+                <a:latin typeface="+mn-lt"/>
+                <a:ea typeface="+mn-ea"/>
+                <a:cs typeface="+mn-cs"/>
+              </a:rPr>
+              <a:t> to the </a:t>
+            </a:r>
+            <a:r>
+              <a:rPr lang="en-US" sz="1200" i="0" kern="1200" baseline="0" dirty="0" smtClean="0">
+                <a:solidFill>
+                  <a:schemeClr val="tx1"/>
+                </a:solidFill>
+                <a:effectLst/>
+                <a:latin typeface="+mn-lt"/>
+                <a:ea typeface="+mn-ea"/>
+                <a:cs typeface="+mn-cs"/>
+              </a:rPr>
+              <a:t>server. </a:t>
+            </a:r>
+            <a:r>
+              <a:rPr lang="en-US" sz="1200" kern="1200" dirty="0" smtClean="0">
+                <a:solidFill>
+                  <a:schemeClr val="tx1"/>
+                </a:solidFill>
+                <a:effectLst/>
+                <a:latin typeface="+mn-lt"/>
+                <a:ea typeface="+mn-ea"/>
+                <a:cs typeface="+mn-cs"/>
+              </a:rPr>
+              <a:t>The same tech that tells you it’s safe to give your credit card data to an e-commerce site tells the server that a request is coming from a verified person and hasn’t been modified in transit.</a:t>
+            </a:r>
+          </a:p>
+          <a:p>
+            <a:endParaRPr lang="en-US" sz="1200" kern="1200" dirty="0" smtClean="0">
+              <a:solidFill>
+                <a:schemeClr val="tx1"/>
+              </a:solidFill>
+              <a:effectLst/>
+              <a:latin typeface="+mn-lt"/>
+              <a:ea typeface="+mn-ea"/>
+              <a:cs typeface="+mn-cs"/>
+            </a:endParaRPr>
+          </a:p>
+          <a:p>
+            <a:r>
+              <a:rPr lang="en-US" sz="1200" kern="1200" dirty="0" smtClean="0">
+                <a:solidFill>
+                  <a:schemeClr val="tx1"/>
+                </a:solidFill>
+                <a:effectLst/>
+                <a:latin typeface="+mn-lt"/>
+                <a:ea typeface="+mn-ea"/>
+                <a:cs typeface="+mn-cs"/>
+              </a:rPr>
+              <a:t>No login screens, no redirects, every request instantly authenticated. </a:t>
+            </a:r>
+          </a:p>
+          <a:p>
+            <a:endParaRPr lang="en-US" sz="1200" kern="1200" dirty="0" smtClean="0">
+              <a:solidFill>
+                <a:schemeClr val="tx1"/>
+              </a:solidFill>
+              <a:effectLst/>
+              <a:latin typeface="+mn-lt"/>
+              <a:ea typeface="+mn-ea"/>
+              <a:cs typeface="+mn-cs"/>
+            </a:endParaRPr>
+          </a:p>
+          <a:p>
+            <a:r>
+              <a:rPr lang="en-US" sz="1200" kern="1200" dirty="0" smtClean="0">
+                <a:solidFill>
+                  <a:schemeClr val="tx1"/>
+                </a:solidFill>
+                <a:effectLst/>
+                <a:latin typeface="+mn-lt"/>
+                <a:ea typeface="+mn-ea"/>
+                <a:cs typeface="+mn-cs"/>
+              </a:rPr>
+              <a:t>Drawbacks: </a:t>
+            </a:r>
+          </a:p>
+          <a:p>
+            <a:r>
+              <a:rPr lang="en-US" sz="1200" kern="1200" dirty="0" smtClean="0">
+                <a:solidFill>
+                  <a:schemeClr val="tx1"/>
+                </a:solidFill>
+                <a:effectLst/>
+                <a:latin typeface="+mn-lt"/>
+                <a:ea typeface="+mn-ea"/>
+                <a:cs typeface="+mn-cs"/>
+              </a:rPr>
+              <a:t>1) all users have to install security certs. Doesn’t scale.</a:t>
+            </a:r>
+          </a:p>
+          <a:p>
+            <a:pPr lvl="0"/>
+            <a:r>
+              <a:rPr lang="en-US" sz="1200" kern="1200" dirty="0" smtClean="0">
+                <a:solidFill>
+                  <a:schemeClr val="tx1"/>
+                </a:solidFill>
+                <a:effectLst/>
+                <a:latin typeface="+mn-lt"/>
+                <a:ea typeface="+mn-ea"/>
+                <a:cs typeface="+mn-cs"/>
+              </a:rPr>
+              <a:t>2) </a:t>
+            </a:r>
+            <a:r>
+              <a:rPr lang="en-US" sz="1200" kern="1200" dirty="0" smtClean="0">
+                <a:solidFill>
+                  <a:schemeClr val="tx1"/>
+                </a:solidFill>
+                <a:effectLst/>
+                <a:latin typeface="+mn-lt"/>
+                <a:ea typeface="+mn-ea"/>
+                <a:cs typeface="+mn-cs"/>
+              </a:rPr>
+              <a:t>Secondly, when using IIS, this is only a “simple” approach when authenticating against Active Directory because the tooling to link a client cert to a specific identity is built into Windows. If you want to authenticate against your custom user database it’s definitely possible, it just takes some more work.</a:t>
+            </a:r>
+          </a:p>
+          <a:p>
+            <a:endParaRPr lang="en-US" sz="1200" kern="1200" dirty="0" smtClean="0">
+              <a:solidFill>
+                <a:schemeClr val="tx1"/>
+              </a:solidFill>
+              <a:effectLst/>
+              <a:latin typeface="+mn-lt"/>
+              <a:ea typeface="+mn-ea"/>
+              <a:cs typeface="+mn-cs"/>
+            </a:endParaRPr>
+          </a:p>
+          <a:p>
+            <a:r>
+              <a:rPr lang="en-US" sz="1200" kern="1200" dirty="0" smtClean="0">
+                <a:solidFill>
+                  <a:schemeClr val="tx1"/>
+                </a:solidFill>
+                <a:effectLst/>
+                <a:latin typeface="+mn-lt"/>
+                <a:ea typeface="+mn-ea"/>
+                <a:cs typeface="+mn-cs"/>
+              </a:rPr>
+              <a:t>These drawbacks mean that client certs are best suited for </a:t>
+            </a:r>
+            <a:r>
+              <a:rPr lang="en-US" sz="1200" b="1" kern="1200" dirty="0" smtClean="0">
+                <a:solidFill>
+                  <a:schemeClr val="tx1"/>
+                </a:solidFill>
+                <a:effectLst/>
+                <a:latin typeface="+mn-lt"/>
+                <a:ea typeface="+mn-ea"/>
+                <a:cs typeface="+mn-cs"/>
+              </a:rPr>
+              <a:t>internal APIs</a:t>
+            </a:r>
+            <a:r>
+              <a:rPr lang="en-US" sz="1200" b="1" kern="1200" baseline="0" dirty="0" smtClean="0">
+                <a:solidFill>
+                  <a:schemeClr val="tx1"/>
+                </a:solidFill>
+                <a:effectLst/>
+                <a:latin typeface="+mn-lt"/>
+                <a:ea typeface="+mn-ea"/>
+                <a:cs typeface="+mn-cs"/>
+              </a:rPr>
+              <a:t> on a secure network</a:t>
+            </a:r>
+            <a:endParaRPr lang="en-US" sz="1200" kern="1200" dirty="0" smtClean="0">
+              <a:solidFill>
+                <a:schemeClr val="tx1"/>
+              </a:solidFill>
+              <a:effectLst/>
+              <a:latin typeface="+mn-lt"/>
+              <a:ea typeface="+mn-ea"/>
+              <a:cs typeface="+mn-cs"/>
+            </a:endParaRPr>
+          </a:p>
+          <a:p>
             <a:endParaRPr lang="en-US" sz="1200" kern="1200" dirty="0" smtClean="0">
               <a:solidFill>
                 <a:schemeClr val="tx1"/>
@@ -1872,46 +1876,19 @@
                 <a:ea typeface="+mn-ea"/>
                 <a:cs typeface="+mn-cs"/>
               </a:rPr>
-              <a:t>are Base64 encoded and sent with each request as a header</a:t>
-            </a:r>
-          </a:p>
-          <a:p>
-            <a:r>
-              <a:rPr lang="en-US" sz="1200" kern="1200" dirty="0" smtClean="0">
-                <a:solidFill>
-                  <a:schemeClr val="tx1"/>
-                </a:solidFill>
-                <a:effectLst/>
-                <a:latin typeface="+mn-lt"/>
-                <a:ea typeface="+mn-ea"/>
-                <a:cs typeface="+mn-cs"/>
-              </a:rPr>
-              <a:t>* Server decodes them and authenticates request</a:t>
-            </a:r>
-          </a:p>
-          <a:p>
-            <a:endParaRPr lang="en-US" sz="1200" kern="1200" dirty="0" smtClean="0">
-              <a:solidFill>
-                <a:schemeClr val="tx1"/>
-              </a:solidFill>
-              <a:effectLst/>
-              <a:latin typeface="+mn-lt"/>
-              <a:ea typeface="+mn-ea"/>
-              <a:cs typeface="+mn-cs"/>
-            </a:endParaRPr>
-          </a:p>
-          <a:p>
-            <a:r>
-              <a:rPr lang="en-US" sz="1200" kern="1200" dirty="0" smtClean="0">
-                <a:solidFill>
-                  <a:schemeClr val="tx1"/>
-                </a:solidFill>
-                <a:effectLst/>
-                <a:latin typeface="+mn-lt"/>
-                <a:ea typeface="+mn-ea"/>
-                <a:cs typeface="+mn-cs"/>
-              </a:rPr>
-              <a:t>The “Authorization” header is named poorly. Authentication, not authorization.</a:t>
+              <a:t>are concatenated together and </a:t>
+            </a:r>
+            <a:r>
+              <a:rPr lang="en-US" sz="1200" kern="1200" baseline="0" dirty="0" smtClean="0">
+                <a:solidFill>
+                  <a:schemeClr val="tx1"/>
+                </a:solidFill>
+                <a:effectLst/>
+                <a:latin typeface="+mn-lt"/>
+                <a:ea typeface="+mn-ea"/>
+                <a:cs typeface="+mn-cs"/>
+              </a:rPr>
+              <a:t>Base64 encoded and sent with each request as a header</a:t>
             </a:r>
           </a:p>
           <a:p>
@@ -2037,17 +2014,40 @@
             </a:r>
           </a:p>
           <a:p>
-            <a:r>
-              <a:rPr lang="en-US" sz="1200" kern="1200" dirty="0" smtClean="0">
-                <a:solidFill>
-                  <a:schemeClr val="tx1"/>
-                </a:solidFill>
-                <a:effectLst/>
-                <a:latin typeface="+mn-lt"/>
-                <a:ea typeface="+mn-ea"/>
-                <a:cs typeface="+mn-cs"/>
-              </a:rPr>
-              <a:t>Remember that Base64 encoding is </a:t>
+            <a:endParaRPr lang="en-US" sz="1200" kern="1200" dirty="0" smtClean="0">
+              <a:solidFill>
+                <a:schemeClr val="tx1"/>
+              </a:solidFill>
+              <a:effectLst/>
+              <a:latin typeface="+mn-lt"/>
+              <a:ea typeface="+mn-ea"/>
+              <a:cs typeface="+mn-cs"/>
+            </a:endParaRPr>
+          </a:p>
+          <a:p>
+            <a:r>
+              <a:rPr lang="en-US" sz="1200" kern="1200" dirty="0" smtClean="0">
+                <a:solidFill>
+                  <a:schemeClr val="tx1"/>
+                </a:solidFill>
+                <a:effectLst/>
+                <a:latin typeface="+mn-lt"/>
+                <a:ea typeface="+mn-ea"/>
+                <a:cs typeface="+mn-cs"/>
+              </a:rPr>
+              <a:t>Remember </a:t>
+            </a:r>
+            <a:r>
+              <a:rPr lang="en-US" sz="1200" kern="1200" dirty="0" smtClean="0">
+                <a:solidFill>
+                  <a:schemeClr val="tx1"/>
+                </a:solidFill>
+                <a:effectLst/>
+                <a:latin typeface="+mn-lt"/>
+                <a:ea typeface="+mn-ea"/>
+                <a:cs typeface="+mn-cs"/>
+              </a:rPr>
+              <a:t>that Base64 encoding is </a:t>
             </a:r>
             <a:r>
               <a:rPr lang="en-US" sz="1200" i="1" kern="1200" dirty="0" smtClean="0">
@@ -2095,8 +2095,64 @@
                 <a:ea typeface="+mn-ea"/>
                 <a:cs typeface="+mn-cs"/>
               </a:rPr>
-              <a:t>use TLS to secure every single connection when using Basic Auth. It also means you’re only as secure as the underlying TLS implementation; if TLS gets cracked, like SSL did before it, these credentials are at risk of being stolen.</a:t>
-            </a:r>
+              <a:t>use TLS to secure every single connection when using Basic Auth. It also means you’re only as secure as the underlying TLS implementation; if TLS gets cracked, like SSL did before it, these credentials are at risk of being stolen</a:t>
+            </a:r>
+            <a:r>
+              <a:rPr lang="en-US" sz="1200" kern="1200" dirty="0" smtClean="0">
+                <a:solidFill>
+                  <a:schemeClr val="tx1"/>
+                </a:solidFill>
+                <a:effectLst/>
+                <a:latin typeface="+mn-lt"/>
+                <a:ea typeface="+mn-ea"/>
+                <a:cs typeface="+mn-cs"/>
+              </a:rPr>
+              <a:t>.</a:t>
+            </a:r>
+          </a:p>
+          <a:p>
+            <a:endParaRPr lang="en-US" sz="1200" kern="1200" dirty="0" smtClean="0">
+              <a:solidFill>
+                <a:schemeClr val="tx1"/>
+              </a:solidFill>
+              <a:effectLst/>
+              <a:latin typeface="+mn-lt"/>
+              <a:ea typeface="+mn-ea"/>
+              <a:cs typeface="+mn-cs"/>
+            </a:endParaRPr>
+          </a:p>
+          <a:p>
+            <a:pPr marL="0" marR="0" lvl="0" indent="0" algn="l" defTabSz="914400" rtl="0" eaLnBrk="1" fontAlgn="auto" latinLnBrk="0" hangingPunct="1">
+              <a:lnSpc>
+                <a:spcPct val="100000"/>
+              </a:lnSpc>
+              <a:spcBef>
+                <a:spcPts val="0"/>
+              </a:spcBef>
+              <a:spcAft>
+                <a:spcPts val="0"/>
+              </a:spcAft>
+              <a:buClrTx/>
+              <a:buSzTx/>
+              <a:buFontTx/>
+              <a:buNone/>
+              <a:tabLst/>
+              <a:defRPr/>
+            </a:pPr>
+            <a:r>
+              <a:rPr lang="en-US" sz="1200" kern="1200" dirty="0" smtClean="0">
+                <a:solidFill>
+                  <a:schemeClr val="tx1"/>
+                </a:solidFill>
+                <a:effectLst/>
+                <a:latin typeface="+mn-lt"/>
+                <a:ea typeface="+mn-ea"/>
+                <a:cs typeface="+mn-cs"/>
+              </a:rPr>
+              <a:t>Note that the “Authorization” header is poorly named. This is authentication, not authorization.</a:t>
+            </a:r>
+          </a:p>
+          <a:p>
             <a:endParaRPr lang="en-US" sz="1200" kern="1200" dirty="0">
               <a:solidFill>
                 <a:schemeClr val="tx1"/>
@@ -3553,31 +3609,7 @@
                 <a:ea typeface="+mn-ea"/>
                 <a:cs typeface="+mn-cs"/>
               </a:rPr>
-              <a:t>I have a confession to make. Two</a:t>
-            </a:r>
-            <a:r>
-              <a:rPr lang="en-US" sz="1200" kern="1200" baseline="0" dirty="0" smtClean="0">
-                <a:solidFill>
-                  <a:schemeClr val="tx1"/>
-                </a:solidFill>
-                <a:effectLst/>
-                <a:latin typeface="+mn-lt"/>
-                <a:ea typeface="+mn-ea"/>
-                <a:cs typeface="+mn-cs"/>
-              </a:rPr>
-              <a:t> years </a:t>
-            </a:r>
-            <a:r>
-              <a:rPr lang="en-US" sz="1200" kern="1200" dirty="0" smtClean="0">
-                <a:solidFill>
-                  <a:schemeClr val="tx1"/>
-                </a:solidFill>
-                <a:effectLst/>
-                <a:latin typeface="+mn-lt"/>
-                <a:ea typeface="+mn-ea"/>
-                <a:cs typeface="+mn-cs"/>
-              </a:rPr>
-              <a:t>ago, I made a huge rookie mistake.</a:t>
+              <a:t>I have a confession to make. A few years ago, I made a huge rookie mistake.</a:t>
             </a:r>
           </a:p>
           <a:p>
@@ -3602,31 +3634,7 @@
                 <a:ea typeface="+mn-ea"/>
                 <a:cs typeface="+mn-cs"/>
               </a:rPr>
-              <a:t>My team develops a </a:t>
-            </a:r>
-            <a:r>
-              <a:rPr lang="en-US" sz="1200" b="1" kern="1200" dirty="0" smtClean="0">
-                <a:solidFill>
-                  <a:schemeClr val="tx1"/>
-                </a:solidFill>
-                <a:effectLst/>
-                <a:latin typeface="+mn-lt"/>
-                <a:ea typeface="+mn-ea"/>
-                <a:cs typeface="+mn-cs"/>
-              </a:rPr>
-              <a:t>fairly standard web app</a:t>
-            </a:r>
-            <a:r>
-              <a:rPr lang="en-US" sz="1200" kern="1200" dirty="0" smtClean="0">
-                <a:solidFill>
-                  <a:schemeClr val="tx1"/>
-                </a:solidFill>
-                <a:effectLst/>
-                <a:latin typeface="+mn-lt"/>
-                <a:ea typeface="+mn-ea"/>
-                <a:cs typeface="+mn-cs"/>
-              </a:rPr>
-              <a:t> with session state and server rendered HTML. We eventually want to build a mobile app…</a:t>
+              <a:t>I was writing a feature and I wanted a piece of JavaScript to make an API call back to my server. But since my team develops a fairly standard server-rendered web app, we didn’t have a lot of experience doing this, and one of the problems I encountered into is that I had no idea how to associate that API call with the current user.</a:t>
             </a:r>
           </a:p>
           <a:p>
@@ -3651,31 +3659,7 @@
                 <a:ea typeface="+mn-ea"/>
                 <a:cs typeface="+mn-cs"/>
               </a:rPr>
-              <a:t>RESTful APIs are normally </a:t>
-            </a:r>
-            <a:r>
-              <a:rPr lang="en-US" sz="1200" b="1" kern="1200" dirty="0" smtClean="0">
-                <a:solidFill>
-                  <a:schemeClr val="tx1"/>
-                </a:solidFill>
-                <a:effectLst/>
-                <a:latin typeface="+mn-lt"/>
-                <a:ea typeface="+mn-ea"/>
-                <a:cs typeface="+mn-cs"/>
-              </a:rPr>
-              <a:t>stateless</a:t>
-            </a:r>
-            <a:r>
-              <a:rPr lang="en-US" sz="1200" kern="1200" dirty="0" smtClean="0">
-                <a:solidFill>
-                  <a:schemeClr val="tx1"/>
-                </a:solidFill>
-                <a:effectLst/>
-                <a:latin typeface="+mn-lt"/>
-                <a:ea typeface="+mn-ea"/>
-                <a:cs typeface="+mn-cs"/>
-              </a:rPr>
-              <a:t>…. Need authentication.</a:t>
+              <a:t>The issue of course is that RESTful APIs are normally stateless, so unlike our other code, this API couldn’t just rely on the server automagically knowing who was currently logged in. We had to introduce some sort of API authentication scheme to do that.</a:t>
             </a:r>
           </a:p>
           <a:p>
@@ -3839,6 +3823,33 @@
                 <a:cs typeface="+mn-cs"/>
               </a:rPr>
               <a:t>Oauth</a:t>
+            </a:r>
+            <a:endParaRPr lang="en-US" sz="1200" b="0" kern="1200" baseline="0" dirty="0" smtClean="0">
+              <a:solidFill>
+                <a:schemeClr val="tx1"/>
+              </a:solidFill>
+              <a:effectLst/>
+              <a:latin typeface="+mn-lt"/>
+              <a:ea typeface="+mn-ea"/>
+              <a:cs typeface="+mn-cs"/>
+            </a:endParaRPr>
+          </a:p>
+          <a:p>
+            <a:pPr marL="171450" indent="-171450">
+              <a:buFont typeface="Arial" panose="020B0604020202020204" pitchFamily="34" charset="0"/>
+              <a:buChar char="•"/>
+            </a:pPr>
+            <a:r>
+              <a:rPr lang="en-US" sz="1200" b="0" kern="1200" baseline="0" dirty="0" smtClean="0">
+                <a:solidFill>
+                  <a:schemeClr val="tx1"/>
+                </a:solidFill>
+                <a:effectLst/>
+                <a:latin typeface="+mn-lt"/>
+                <a:ea typeface="+mn-ea"/>
+                <a:cs typeface="+mn-cs"/>
+              </a:rPr>
+              <a:t>Things called web tokens that some people say are God's gift to the internet, and other people call a scourge on all mankind</a:t>
             </a:r>
             <a:endParaRPr lang="en-US" sz="1200" b="0" kern="1200" baseline="0" dirty="0" smtClean="0">
               <a:solidFill>
@@ -4139,7 +4150,31 @@
                 <a:ea typeface="+mn-ea"/>
                 <a:cs typeface="+mn-cs"/>
               </a:rPr>
-              <a:t>And since the password itself is never sent over the wire, and hashes aren’t reversible like Base64 encoding is, you can safely use Digest </a:t>
+              <a:t>And since the password itself is never sent over the wire, </a:t>
+            </a:r>
+            <a:r>
+              <a:rPr lang="en-US" sz="1200" kern="1200" dirty="0" smtClean="0">
+                <a:solidFill>
+                  <a:schemeClr val="tx1"/>
+                </a:solidFill>
+                <a:effectLst/>
+                <a:latin typeface="+mn-lt"/>
+                <a:ea typeface="+mn-ea"/>
+                <a:cs typeface="+mn-cs"/>
+              </a:rPr>
+              <a:t>you </a:t>
+            </a:r>
+            <a:r>
+              <a:rPr lang="en-US" sz="1200" kern="1200" dirty="0" smtClean="0">
+                <a:solidFill>
+                  <a:schemeClr val="tx1"/>
+                </a:solidFill>
+                <a:effectLst/>
+                <a:latin typeface="+mn-lt"/>
+                <a:ea typeface="+mn-ea"/>
+                <a:cs typeface="+mn-cs"/>
+              </a:rPr>
+              <a:t>can safely use Digest </a:t>
             </a:r>
             <a:r>
               <a:rPr lang="en-US" sz="1200" kern="1200" dirty="0" err="1" smtClean="0">
@@ -4164,6 +4199,57 @@
                 <a:cs typeface="+mn-cs"/>
               </a:rPr>
               <a:t> without a secure connection. </a:t>
+            </a:r>
+            <a:endParaRPr lang="en-US" sz="1200" kern="1200" dirty="0" smtClean="0">
+              <a:solidFill>
+                <a:schemeClr val="tx1"/>
+              </a:solidFill>
+              <a:effectLst/>
+              <a:latin typeface="+mn-lt"/>
+              <a:ea typeface="+mn-ea"/>
+              <a:cs typeface="+mn-cs"/>
+            </a:endParaRPr>
+          </a:p>
+          <a:p>
+            <a:endParaRPr lang="en-US" sz="1200" kern="1200" dirty="0" smtClean="0">
+              <a:solidFill>
+                <a:schemeClr val="tx1"/>
+              </a:solidFill>
+              <a:effectLst/>
+              <a:latin typeface="+mn-lt"/>
+              <a:ea typeface="+mn-ea"/>
+              <a:cs typeface="+mn-cs"/>
+            </a:endParaRPr>
+          </a:p>
+          <a:p>
+            <a:pPr marL="0" marR="0" lvl="0" indent="0" algn="l" defTabSz="914400" rtl="0" eaLnBrk="1" fontAlgn="auto" latinLnBrk="0" hangingPunct="1">
+              <a:lnSpc>
+                <a:spcPct val="100000"/>
+              </a:lnSpc>
+              <a:spcBef>
+                <a:spcPts val="0"/>
+              </a:spcBef>
+              <a:spcAft>
+                <a:spcPts val="0"/>
+              </a:spcAft>
+              <a:buClrTx/>
+              <a:buSzTx/>
+              <a:buFontTx/>
+              <a:buNone/>
+              <a:tabLst/>
+              <a:defRPr/>
+            </a:pPr>
+            <a:r>
+              <a:rPr lang="en-US" sz="1200" kern="1200" dirty="0" smtClean="0">
+                <a:solidFill>
+                  <a:schemeClr val="tx1"/>
+                </a:solidFill>
+                <a:effectLst/>
+                <a:latin typeface="+mn-lt"/>
+                <a:ea typeface="+mn-ea"/>
+                <a:cs typeface="+mn-cs"/>
+              </a:rPr>
+              <a:t>In fact, The purpose of the nonce is to make sure that every request results in a different hash value, so that an attacker can’t brute force attack the hashes to reverse engineer the password.</a:t>
             </a:r>
           </a:p>
           <a:p>
@@ -4346,7 +4432,7 @@
                 <a:ea typeface="+mn-ea"/>
                 <a:cs typeface="+mn-cs"/>
               </a:rPr>
-              <a:t>The use of any one-way encryption method, such as salting and hashing passwords according to modern best practices, will prevent you from using Digest Authentication.</a:t>
+              <a:t>But the whole point of modern password security is to make this impossible! The use of any one-way encryption method, such as salting and hashing passwords, will prevent you from using Digest Authentication.</a:t>
             </a:r>
           </a:p>
           <a:p>
@@ -4834,7 +4920,31 @@
                 <a:ea typeface="+mn-ea"/>
                 <a:cs typeface="+mn-cs"/>
               </a:rPr>
-              <a:t>And since API Keys are generally unique, if an API Key does get compromised, the attacker can only use it to access </a:t>
+              <a:t>And since API Keys are generally </a:t>
+            </a:r>
+            <a:r>
+              <a:rPr lang="en-US" sz="1200" kern="1200" dirty="0" smtClean="0">
+                <a:solidFill>
+                  <a:schemeClr val="tx1"/>
+                </a:solidFill>
+                <a:effectLst/>
+                <a:latin typeface="+mn-lt"/>
+                <a:ea typeface="+mn-ea"/>
+                <a:cs typeface="+mn-cs"/>
+              </a:rPr>
+              <a:t>system-assigned, they tend to be unique for each site. If </a:t>
+            </a:r>
+            <a:r>
+              <a:rPr lang="en-US" sz="1200" kern="1200" dirty="0" smtClean="0">
+                <a:solidFill>
+                  <a:schemeClr val="tx1"/>
+                </a:solidFill>
+                <a:effectLst/>
+                <a:latin typeface="+mn-lt"/>
+                <a:ea typeface="+mn-ea"/>
+                <a:cs typeface="+mn-cs"/>
+              </a:rPr>
+              <a:t>an API Key does get compromised, the attacker can only use it to access </a:t>
             </a:r>
             <a:r>
               <a:rPr lang="en-US" sz="1200" i="1" kern="1200" dirty="0" smtClean="0">
@@ -4904,6 +5014,41 @@
             </a:r>
           </a:p>
           <a:p>
+            <a:endParaRPr lang="en-US" sz="1200" kern="1200" dirty="0" smtClean="0">
+              <a:solidFill>
+                <a:schemeClr val="tx1"/>
+              </a:solidFill>
+              <a:effectLst/>
+              <a:latin typeface="+mn-lt"/>
+              <a:ea typeface="+mn-ea"/>
+              <a:cs typeface="+mn-cs"/>
+            </a:endParaRPr>
+          </a:p>
+          <a:p>
+            <a:r>
+              <a:rPr lang="en-US" sz="1200" kern="1200" dirty="0" smtClean="0">
+                <a:solidFill>
+                  <a:schemeClr val="tx1"/>
+                </a:solidFill>
+                <a:effectLst/>
+                <a:latin typeface="+mn-lt"/>
+                <a:ea typeface="+mn-ea"/>
+                <a:cs typeface="+mn-cs"/>
+              </a:rPr>
+              <a:t>There are two different ways</a:t>
+            </a:r>
+            <a:r>
+              <a:rPr lang="en-US" sz="1200" kern="1200" baseline="0" dirty="0" smtClean="0">
+                <a:solidFill>
+                  <a:schemeClr val="tx1"/>
+                </a:solidFill>
+                <a:effectLst/>
+                <a:latin typeface="+mn-lt"/>
+                <a:ea typeface="+mn-ea"/>
+                <a:cs typeface="+mn-cs"/>
+              </a:rPr>
+              <a:t> to use API keys for authentication…</a:t>
+            </a:r>
             <a:endParaRPr lang="en-US" sz="1200" kern="1200" dirty="0">
               <a:solidFill>
                 <a:schemeClr val="tx1"/>
@@ -4996,7 +5141,88 @@
           <a:bodyPr/>
           <a:lstStyle/>
           <a:p>
-            <a:pPr lvl="0"/>
+            <a:r>
+              <a:rPr lang="en-US" sz="1200" kern="1200" dirty="0" smtClean="0">
+                <a:solidFill>
+                  <a:schemeClr val="tx1"/>
+                </a:solidFill>
+                <a:effectLst/>
+                <a:latin typeface="+mn-lt"/>
+                <a:ea typeface="+mn-ea"/>
+                <a:cs typeface="+mn-cs"/>
+              </a:rPr>
+              <a:t>The simplest approach is </a:t>
+            </a:r>
+            <a:r>
+              <a:rPr lang="en-US" sz="1200" kern="1200" dirty="0" smtClean="0">
+                <a:solidFill>
+                  <a:schemeClr val="tx1"/>
+                </a:solidFill>
+                <a:effectLst/>
+                <a:latin typeface="+mn-lt"/>
+                <a:ea typeface="+mn-ea"/>
+                <a:cs typeface="+mn-cs"/>
+              </a:rPr>
+              <a:t>to treat the key like a password</a:t>
+            </a:r>
+            <a:r>
+              <a:rPr lang="en-US" sz="1200" kern="1200" baseline="0" dirty="0" smtClean="0">
+                <a:solidFill>
+                  <a:schemeClr val="tx1"/>
+                </a:solidFill>
+                <a:effectLst/>
+                <a:latin typeface="+mn-lt"/>
+                <a:ea typeface="+mn-ea"/>
+                <a:cs typeface="+mn-cs"/>
+              </a:rPr>
+              <a:t> and pass it over the wire with every request. </a:t>
+            </a:r>
+            <a:endParaRPr lang="en-US" sz="1200" kern="1200" baseline="0" dirty="0" smtClean="0">
+              <a:solidFill>
+                <a:schemeClr val="tx1"/>
+              </a:solidFill>
+              <a:effectLst/>
+              <a:latin typeface="+mn-lt"/>
+              <a:ea typeface="+mn-ea"/>
+              <a:cs typeface="+mn-cs"/>
+            </a:endParaRPr>
+          </a:p>
+          <a:p>
+            <a:endParaRPr lang="en-US" sz="1200" kern="1200" baseline="0" dirty="0" smtClean="0">
+              <a:solidFill>
+                <a:schemeClr val="tx1"/>
+              </a:solidFill>
+              <a:effectLst/>
+              <a:latin typeface="+mn-lt"/>
+              <a:ea typeface="+mn-ea"/>
+              <a:cs typeface="+mn-cs"/>
+            </a:endParaRPr>
+          </a:p>
+          <a:p>
+            <a:r>
+              <a:rPr lang="en-US" sz="1200" kern="1200" baseline="0" dirty="0" smtClean="0">
+                <a:solidFill>
+                  <a:schemeClr val="tx1"/>
+                </a:solidFill>
+                <a:effectLst/>
+                <a:latin typeface="+mn-lt"/>
+                <a:ea typeface="+mn-ea"/>
+                <a:cs typeface="+mn-cs"/>
+              </a:rPr>
+              <a:t>This is called a "bearer token" because anyone that has that API Key may use it to authenticate as a specific </a:t>
+            </a:r>
+            <a:r>
+              <a:rPr lang="en-US" sz="1200" kern="1200" baseline="0" dirty="0" smtClean="0">
+                <a:solidFill>
+                  <a:schemeClr val="tx1"/>
+                </a:solidFill>
+                <a:effectLst/>
+                <a:latin typeface="+mn-lt"/>
+                <a:ea typeface="+mn-ea"/>
+                <a:cs typeface="+mn-cs"/>
+              </a:rPr>
+              <a:t>user; there's no additional security.</a:t>
+            </a:r>
             <a:endParaRPr lang="en-US" sz="1200" kern="1200" dirty="0" smtClean="0">
               <a:solidFill>
                 <a:schemeClr val="tx1"/>
@@ -5008,7 +5234,79 @@
             </a:endParaRPr>
           </a:p>
           <a:p>
-            <a:endParaRPr lang="en-US" dirty="0"/>
+            <a:endParaRPr lang="en-US" sz="1200" kern="1200" baseline="0" dirty="0" smtClean="0">
+              <a:solidFill>
+                <a:schemeClr val="tx1"/>
+              </a:solidFill>
+              <a:effectLst/>
+              <a:latin typeface="+mn-lt"/>
+              <a:ea typeface="+mn-ea"/>
+              <a:cs typeface="+mn-cs"/>
+            </a:endParaRPr>
+          </a:p>
+          <a:p>
+            <a:r>
+              <a:rPr lang="en-US" sz="1200" kern="1200" baseline="0" dirty="0" smtClean="0">
+                <a:solidFill>
+                  <a:schemeClr val="tx1"/>
+                </a:solidFill>
+                <a:effectLst/>
+                <a:latin typeface="+mn-lt"/>
+                <a:ea typeface="+mn-ea"/>
+                <a:cs typeface="+mn-cs"/>
+              </a:rPr>
+              <a:t>And since you're passing the raw account credential over the wire, you </a:t>
+            </a:r>
+            <a:r>
+              <a:rPr lang="en-US" sz="1200" b="1" kern="1200" baseline="0" dirty="0" smtClean="0">
+                <a:solidFill>
+                  <a:schemeClr val="tx1"/>
+                </a:solidFill>
+                <a:effectLst/>
+                <a:latin typeface="+mn-lt"/>
+                <a:ea typeface="+mn-ea"/>
+                <a:cs typeface="+mn-cs"/>
+              </a:rPr>
+              <a:t>MUST use TLS</a:t>
+            </a:r>
+            <a:r>
+              <a:rPr lang="en-US" sz="1200" kern="1200" baseline="0" dirty="0" smtClean="0">
+                <a:solidFill>
+                  <a:schemeClr val="tx1"/>
+                </a:solidFill>
+                <a:effectLst/>
+                <a:latin typeface="+mn-lt"/>
+                <a:ea typeface="+mn-ea"/>
+                <a:cs typeface="+mn-cs"/>
+              </a:rPr>
+              <a:t> on all requests </a:t>
+            </a:r>
+            <a:r>
+              <a:rPr lang="en-US" sz="1200" kern="1200" baseline="0" dirty="0" smtClean="0">
+                <a:solidFill>
+                  <a:schemeClr val="tx1"/>
+                </a:solidFill>
+                <a:effectLst/>
+                <a:latin typeface="+mn-lt"/>
+                <a:ea typeface="+mn-ea"/>
+                <a:cs typeface="+mn-cs"/>
+              </a:rPr>
+              <a:t>to keep it secure.</a:t>
+            </a:r>
+          </a:p>
+          <a:p>
+            <a:endParaRPr lang="en-US" sz="1200" kern="1200" baseline="0" dirty="0" smtClean="0">
+              <a:solidFill>
+                <a:schemeClr val="tx1"/>
+              </a:solidFill>
+              <a:effectLst/>
+              <a:latin typeface="+mn-lt"/>
+              <a:ea typeface="+mn-ea"/>
+              <a:cs typeface="+mn-cs"/>
+            </a:endParaRPr>
+          </a:p>
+          <a:p>
+            <a:endParaRPr lang="en-US" dirty="0" smtClean="0"/>
           </a:p>
         </p:txBody>
       </p:sp>
@@ -5038,7 +5336,7 @@
     </p:spTree>
     <p:extLst>
       <p:ext uri="{BB962C8B-B14F-4D97-AF65-F5344CB8AC3E}">
-        <p14:creationId xmlns:p14="http://schemas.microsoft.com/office/powerpoint/2010/main" val="2397978404"/>
+        <p14:creationId xmlns:p14="http://schemas.microsoft.com/office/powerpoint/2010/main" val="1638783605"/>
       </p:ext>
     </p:extLst>
   </p:cSld>
@@ -5102,45 +5400,14 @@
                 <a:ea typeface="+mn-ea"/>
                 <a:cs typeface="+mn-cs"/>
               </a:rPr>
-              <a:t>The simplest approach is essentially a custom implementation of Basic Authentication,</a:t>
-            </a:r>
-            <a:r>
-              <a:rPr lang="en-US" sz="1200" kern="1200" baseline="0" dirty="0" smtClean="0">
-                <a:solidFill>
-                  <a:schemeClr val="tx1"/>
-                </a:solidFill>
-                <a:effectLst/>
-                <a:latin typeface="+mn-lt"/>
-                <a:ea typeface="+mn-ea"/>
-                <a:cs typeface="+mn-cs"/>
-              </a:rPr>
-              <a:t> but instead of passing the username and password over the wire, you pass an API key instead. The server then uses that key to assign identity and perform authentication. </a:t>
-            </a:r>
-          </a:p>
-          <a:p>
-            <a:endParaRPr lang="en-US" sz="1200" kern="1200" baseline="0" dirty="0" smtClean="0">
-              <a:solidFill>
-                <a:schemeClr val="tx1"/>
-              </a:solidFill>
-              <a:effectLst/>
-              <a:latin typeface="+mn-lt"/>
-              <a:ea typeface="+mn-ea"/>
-              <a:cs typeface="+mn-cs"/>
-            </a:endParaRPr>
-          </a:p>
-          <a:p>
-            <a:r>
-              <a:rPr lang="en-US" sz="1200" kern="1200" baseline="0" dirty="0" smtClean="0">
-                <a:solidFill>
-                  <a:schemeClr val="tx1"/>
-                </a:solidFill>
-                <a:effectLst/>
-                <a:latin typeface="+mn-lt"/>
-                <a:ea typeface="+mn-ea"/>
-                <a:cs typeface="+mn-cs"/>
-              </a:rPr>
-              <a:t>This is called a "bearer token" because anyone that has that API Key may use it to authenticate as a specific user.</a:t>
-            </a:r>
+              <a:t>You can pass the API Key in either the querystring or an HTTP header. </a:t>
+            </a:r>
+          </a:p>
+          <a:p>
+            <a:pPr marL="0" indent="0">
+              <a:buFont typeface="Arial" panose="020B0604020202020204" pitchFamily="34" charset="0"/>
+              <a:buNone/>
+            </a:pPr>
             <a:endParaRPr lang="en-US" sz="1200" kern="1200" dirty="0" smtClean="0">
               <a:solidFill>
                 <a:schemeClr val="tx1"/>
@@ -5152,7 +5419,41 @@
             </a:endParaRPr>
           </a:p>
           <a:p>
-            <a:endParaRPr lang="en-US" sz="1200" kern="1200" baseline="0" dirty="0" smtClean="0">
+            <a:pPr marL="0" indent="0">
+              <a:buFont typeface="Arial" panose="020B0604020202020204" pitchFamily="34" charset="0"/>
+              <a:buNone/>
+            </a:pPr>
+            <a:r>
+              <a:rPr lang="en-US" sz="1200" kern="1200" dirty="0" err="1" smtClean="0">
+                <a:solidFill>
+                  <a:schemeClr val="tx1"/>
+                </a:solidFill>
+                <a:effectLst/>
+                <a:latin typeface="+mn-lt"/>
+                <a:ea typeface="+mn-ea"/>
+                <a:cs typeface="+mn-cs"/>
+              </a:rPr>
+              <a:t>Querystring</a:t>
+            </a:r>
+            <a:r>
+              <a:rPr lang="en-US" sz="1200" kern="1200" dirty="0" smtClean="0">
+                <a:solidFill>
+                  <a:schemeClr val="tx1"/>
+                </a:solidFill>
+                <a:effectLst/>
+                <a:latin typeface="+mn-lt"/>
+                <a:ea typeface="+mn-ea"/>
+                <a:cs typeface="+mn-cs"/>
+              </a:rPr>
+              <a:t> really easy to do - ideal for scripting scenarios.</a:t>
+            </a:r>
+          </a:p>
+          <a:p>
+            <a:pPr marL="0" indent="0">
+              <a:buFont typeface="Arial" panose="020B0604020202020204" pitchFamily="34" charset="0"/>
+              <a:buNone/>
+            </a:pPr>
+            <a:endParaRPr lang="en-US" sz="1200" kern="1200" dirty="0" smtClean="0">
               <a:solidFill>
                 <a:schemeClr val="tx1"/>
               </a:solidFill>
@@ -5163,6 +5464,22 @@
             </a:endParaRPr>
           </a:p>
           <a:p>
+            <a:pPr marL="0" indent="0">
+              <a:buFont typeface="Arial" panose="020B0604020202020204" pitchFamily="34" charset="0"/>
+              <a:buNone/>
+            </a:pPr>
+            <a:r>
+              <a:rPr lang="en-US" sz="1200" kern="1200" dirty="0" smtClean="0">
+                <a:solidFill>
+                  <a:schemeClr val="tx1"/>
+                </a:solidFill>
+                <a:effectLst/>
+                <a:latin typeface="+mn-lt"/>
+                <a:ea typeface="+mn-ea"/>
+                <a:cs typeface="+mn-cs"/>
+              </a:rPr>
+              <a:t>Generally</a:t>
+            </a:r>
             <a:r>
               <a:rPr lang="en-US" sz="1200" kern="1200" baseline="0" dirty="0" smtClean="0">
                 <a:solidFill>
@@ -5173,19 +5490,34 @@
                 <a:ea typeface="+mn-ea"/>
                 <a:cs typeface="+mn-cs"/>
               </a:rPr>
-              <a:t>Just like with Basic </a:t>
-            </a:r>
-            <a:r>
-              <a:rPr lang="en-US" sz="1200" kern="1200" baseline="0" dirty="0" err="1" smtClean="0">
-                <a:solidFill>
-                  <a:schemeClr val="tx1"/>
-                </a:solidFill>
-                <a:effectLst/>
-                <a:latin typeface="+mn-lt"/>
-                <a:ea typeface="+mn-ea"/>
-                <a:cs typeface="+mn-cs"/>
-              </a:rPr>
-              <a:t>Auth</a:t>
+              <a:t> headers are better</a:t>
+            </a:r>
+            <a:endParaRPr lang="en-US" sz="1200" kern="1200" dirty="0" smtClean="0">
+              <a:solidFill>
+                <a:schemeClr val="tx1"/>
+              </a:solidFill>
+              <a:effectLst/>
+              <a:latin typeface="+mn-lt"/>
+              <a:ea typeface="+mn-ea"/>
+              <a:cs typeface="+mn-cs"/>
+            </a:endParaRPr>
+          </a:p>
+          <a:p>
+            <a:pPr marL="171450" indent="-171450">
+              <a:buFont typeface="Arial" panose="020B0604020202020204" pitchFamily="34" charset="0"/>
+              <a:buChar char="•"/>
+            </a:pPr>
+            <a:r>
+              <a:rPr lang="en-US" sz="1200" kern="1200" dirty="0" smtClean="0">
+                <a:solidFill>
+                  <a:schemeClr val="tx1"/>
+                </a:solidFill>
+                <a:effectLst/>
+                <a:latin typeface="+mn-lt"/>
+                <a:ea typeface="+mn-ea"/>
+                <a:cs typeface="+mn-cs"/>
+              </a:rPr>
+              <a:t>Header</a:t>
             </a:r>
             <a:r>
               <a:rPr lang="en-US" sz="1200" kern="1200" baseline="0" dirty="0" smtClean="0">
@@ -5197,20 +5529,14 @@
                 <a:ea typeface="+mn-ea"/>
                 <a:cs typeface="+mn-cs"/>
               </a:rPr>
-              <a:t>, the API key is passed in plain text so you </a:t>
-            </a:r>
-            <a:r>
-              <a:rPr lang="en-US" sz="1200" b="1" kern="1200" baseline="0" dirty="0" smtClean="0">
-                <a:solidFill>
-                  <a:schemeClr val="tx1"/>
-                </a:solidFill>
-                <a:effectLst/>
-                <a:latin typeface="+mn-lt"/>
-                <a:ea typeface="+mn-ea"/>
-                <a:cs typeface="+mn-cs"/>
-              </a:rPr>
-              <a:t>MUST use TLS</a:t>
-            </a:r>
+              <a:t> is more secure – not in log files. Wouldn't want plain-text passwords to be stored in unencrypted log files</a:t>
+            </a:r>
+          </a:p>
+          <a:p>
+            <a:pPr marL="171450" indent="-171450">
+              <a:buFont typeface="Arial" panose="020B0604020202020204" pitchFamily="34" charset="0"/>
+              <a:buChar char="•"/>
+            </a:pPr>
             <a:r>
               <a:rPr lang="en-US" sz="1200" kern="1200" baseline="0" dirty="0" smtClean="0">
                 <a:solidFill>
@@ -5221,32 +5547,17 @@
                 <a:ea typeface="+mn-ea"/>
                 <a:cs typeface="+mn-cs"/>
               </a:rPr>
-              <a:t> on all requests &amp; only as secure as TLS </a:t>
-            </a:r>
-            <a:r>
-              <a:rPr lang="en-US" sz="1200" kern="1200" baseline="0" dirty="0" err="1" smtClean="0">
-                <a:solidFill>
-                  <a:schemeClr val="tx1"/>
-                </a:solidFill>
-                <a:effectLst/>
-                <a:latin typeface="+mn-lt"/>
-                <a:ea typeface="+mn-ea"/>
-                <a:cs typeface="+mn-cs"/>
-              </a:rPr>
-              <a:t>impl</a:t>
-            </a:r>
-            <a:r>
-              <a:rPr lang="en-US" sz="1200" kern="1200" baseline="0" dirty="0" smtClean="0">
-                <a:solidFill>
-                  <a:schemeClr val="tx1"/>
-                </a:solidFill>
-                <a:effectLst/>
-                <a:latin typeface="+mn-lt"/>
-                <a:ea typeface="+mn-ea"/>
-                <a:cs typeface="+mn-cs"/>
-              </a:rPr>
-              <a:t>.</a:t>
-            </a:r>
+              <a:t>Header can’t be leaked via copy/pasting a URL out of Fiddler or the browser's URL bar.</a:t>
+            </a:r>
+            <a:endParaRPr lang="en-US" sz="1200" kern="1200" dirty="0" smtClean="0">
+              <a:solidFill>
+                <a:schemeClr val="tx1"/>
+              </a:solidFill>
+              <a:effectLst/>
+              <a:latin typeface="+mn-lt"/>
+              <a:ea typeface="+mn-ea"/>
+              <a:cs typeface="+mn-cs"/>
+            </a:endParaRPr>
           </a:p>
           <a:p>
             <a:endParaRPr lang="en-US" dirty="0" smtClean="0"/>
@@ -5279,7 +5590,7 @@
     </p:spTree>
     <p:extLst>
       <p:ext uri="{BB962C8B-B14F-4D97-AF65-F5344CB8AC3E}">
-        <p14:creationId xmlns:p14="http://schemas.microsoft.com/office/powerpoint/2010/main" val="1638783605"/>
+        <p14:creationId xmlns:p14="http://schemas.microsoft.com/office/powerpoint/2010/main" val="455136538"/>
       </p:ext>
     </p:extLst>
   </p:cSld>
@@ -5343,14 +5654,68 @@
                 <a:ea typeface="+mn-ea"/>
                 <a:cs typeface="+mn-cs"/>
               </a:rPr>
-              <a:t>You can pass the API Key in either the querystring or an HTTP header. </a:t>
-            </a:r>
-          </a:p>
-          <a:p>
-            <a:pPr marL="0" indent="0">
-              <a:buFont typeface="Arial" panose="020B0604020202020204" pitchFamily="34" charset="0"/>
-              <a:buNone/>
-            </a:pPr>
+              <a:t>Using API Keys as bearer tokens is very easy, but there is one significant trade-off you need to think about. You can </a:t>
+            </a:r>
+            <a:r>
+              <a:rPr lang="en-US" sz="1200" i="1" kern="1200" dirty="0" smtClean="0">
+                <a:solidFill>
+                  <a:schemeClr val="tx1"/>
+                </a:solidFill>
+                <a:effectLst/>
+                <a:latin typeface="+mn-lt"/>
+                <a:ea typeface="+mn-ea"/>
+                <a:cs typeface="+mn-cs"/>
+              </a:rPr>
+              <a:t>either </a:t>
+            </a:r>
+            <a:r>
+              <a:rPr lang="en-US" sz="1200" i="0" kern="1200" dirty="0" smtClean="0">
+                <a:solidFill>
+                  <a:schemeClr val="tx1"/>
+                </a:solidFill>
+                <a:effectLst/>
+                <a:latin typeface="+mn-lt"/>
+                <a:ea typeface="+mn-ea"/>
+                <a:cs typeface="+mn-cs"/>
+              </a:rPr>
+              <a:t>have secure storage</a:t>
+            </a:r>
+            <a:r>
+              <a:rPr lang="en-US" sz="1200" i="0" kern="1200" baseline="0" dirty="0" smtClean="0">
+                <a:solidFill>
+                  <a:schemeClr val="tx1"/>
+                </a:solidFill>
+                <a:effectLst/>
+                <a:latin typeface="+mn-lt"/>
+                <a:ea typeface="+mn-ea"/>
+                <a:cs typeface="+mn-cs"/>
+              </a:rPr>
+              <a:t> of API Keys </a:t>
+            </a:r>
+            <a:r>
+              <a:rPr lang="en-US" sz="1200" i="1" kern="1200" baseline="0" dirty="0" smtClean="0">
+                <a:solidFill>
+                  <a:schemeClr val="tx1"/>
+                </a:solidFill>
+                <a:effectLst/>
+                <a:latin typeface="+mn-lt"/>
+                <a:ea typeface="+mn-ea"/>
+                <a:cs typeface="+mn-cs"/>
+              </a:rPr>
+              <a:t>or </a:t>
+            </a:r>
+            <a:r>
+              <a:rPr lang="en-US" sz="1200" i="0" kern="1200" baseline="0" dirty="0" smtClean="0">
+                <a:solidFill>
+                  <a:schemeClr val="tx1"/>
+                </a:solidFill>
+                <a:effectLst/>
+                <a:latin typeface="+mn-lt"/>
+                <a:ea typeface="+mn-ea"/>
+                <a:cs typeface="+mn-cs"/>
+              </a:rPr>
+              <a:t>the ability to show users a list of their keys. Not both.</a:t>
+            </a:r>
             <a:endParaRPr lang="en-US" sz="1200" kern="1200" dirty="0" smtClean="0">
               <a:solidFill>
                 <a:schemeClr val="tx1"/>
@@ -5362,40 +5727,6 @@
             </a:endParaRPr>
           </a:p>
           <a:p>
-            <a:pPr marL="0" indent="0">
-              <a:buFont typeface="Arial" panose="020B0604020202020204" pitchFamily="34" charset="0"/>
-              <a:buNone/>
-            </a:pPr>
-            <a:r>
-              <a:rPr lang="en-US" sz="1200" kern="1200" dirty="0" err="1" smtClean="0">
-                <a:solidFill>
-                  <a:schemeClr val="tx1"/>
-                </a:solidFill>
-                <a:effectLst/>
-                <a:latin typeface="+mn-lt"/>
-                <a:ea typeface="+mn-ea"/>
-                <a:cs typeface="+mn-cs"/>
-              </a:rPr>
-              <a:t>Querystring</a:t>
-            </a:r>
-            <a:r>
-              <a:rPr lang="en-US" sz="1200" kern="1200" dirty="0" smtClean="0">
-                <a:solidFill>
-                  <a:schemeClr val="tx1"/>
-                </a:solidFill>
-                <a:effectLst/>
-                <a:latin typeface="+mn-lt"/>
-                <a:ea typeface="+mn-ea"/>
-                <a:cs typeface="+mn-cs"/>
-              </a:rPr>
-              <a:t> really easy to do - ideal for scripting scenarios.</a:t>
-            </a:r>
-          </a:p>
-          <a:p>
-            <a:pPr marL="0" indent="0">
-              <a:buFont typeface="Arial" panose="020B0604020202020204" pitchFamily="34" charset="0"/>
-              <a:buNone/>
-            </a:pPr>
             <a:endParaRPr lang="en-US" sz="1200" kern="1200" dirty="0" smtClean="0">
               <a:solidFill>
                 <a:schemeClr val="tx1"/>
@@ -5407,34 +5738,20 @@
             </a:endParaRPr>
           </a:p>
           <a:p>
-            <a:pPr marL="0" indent="0">
-              <a:buFont typeface="Arial" panose="020B0604020202020204" pitchFamily="34" charset="0"/>
-              <a:buNone/>
-            </a:pPr>
-            <a:r>
-              <a:rPr lang="en-US" sz="1200" kern="1200" dirty="0" smtClean="0">
-                <a:solidFill>
-                  <a:schemeClr val="tx1"/>
-                </a:solidFill>
-                <a:effectLst/>
-                <a:latin typeface="+mn-lt"/>
-                <a:ea typeface="+mn-ea"/>
-                <a:cs typeface="+mn-cs"/>
-              </a:rPr>
-              <a:t>Generally</a:t>
-            </a:r>
-            <a:r>
-              <a:rPr lang="en-US" sz="1200" kern="1200" baseline="0" dirty="0" smtClean="0">
-                <a:solidFill>
-                  <a:schemeClr val="tx1"/>
-                </a:solidFill>
-                <a:effectLst/>
-                <a:latin typeface="+mn-lt"/>
-                <a:ea typeface="+mn-ea"/>
-                <a:cs typeface="+mn-cs"/>
-              </a:rPr>
-              <a:t> headers are better</a:t>
-            </a:r>
+            <a:r>
+              <a:rPr lang="en-US" sz="1200" kern="1200" dirty="0" smtClean="0">
+                <a:solidFill>
+                  <a:schemeClr val="tx1"/>
+                </a:solidFill>
+                <a:effectLst/>
+                <a:latin typeface="+mn-lt"/>
+                <a:ea typeface="+mn-ea"/>
+                <a:cs typeface="+mn-cs"/>
+              </a:rPr>
+              <a:t>Since API Keys are basically account passwords, you should consider salting and hashing them when you store them in the database. If you store them as text, and someone were to get access to your database, they would gain access to everything they need to impersonate every user in your system. </a:t>
+            </a:r>
+          </a:p>
+          <a:p>
             <a:endParaRPr lang="en-US" sz="1200" kern="1200" dirty="0" smtClean="0">
               <a:solidFill>
                 <a:schemeClr val="tx1"/>
@@ -5446,52 +5763,44 @@
             </a:endParaRPr>
           </a:p>
           <a:p>
-            <a:pPr marL="171450" indent="-171450">
-              <a:buFont typeface="Arial" panose="020B0604020202020204" pitchFamily="34" charset="0"/>
-              <a:buChar char="•"/>
-            </a:pPr>
-            <a:r>
-              <a:rPr lang="en-US" sz="1200" kern="1200" dirty="0" smtClean="0">
-                <a:solidFill>
-                  <a:schemeClr val="tx1"/>
-                </a:solidFill>
-                <a:effectLst/>
-                <a:latin typeface="+mn-lt"/>
-                <a:ea typeface="+mn-ea"/>
-                <a:cs typeface="+mn-cs"/>
-              </a:rPr>
-              <a:t>Header</a:t>
-            </a:r>
-            <a:r>
-              <a:rPr lang="en-US" sz="1200" kern="1200" baseline="0" dirty="0" smtClean="0">
-                <a:solidFill>
-                  <a:schemeClr val="tx1"/>
-                </a:solidFill>
-                <a:effectLst/>
-                <a:latin typeface="+mn-lt"/>
-                <a:ea typeface="+mn-ea"/>
-                <a:cs typeface="+mn-cs"/>
-              </a:rPr>
-              <a:t> is more secure – not in log files. Wouldn't want plain-text passwords to be stored in unencrypted log files</a:t>
-            </a:r>
-          </a:p>
-          <a:p>
-            <a:pPr marL="171450" indent="-171450">
-              <a:buFont typeface="Arial" panose="020B0604020202020204" pitchFamily="34" charset="0"/>
-              <a:buChar char="•"/>
-            </a:pPr>
-            <a:r>
-              <a:rPr lang="en-US" sz="1200" kern="1200" baseline="0" dirty="0" smtClean="0">
-                <a:solidFill>
-                  <a:schemeClr val="tx1"/>
-                </a:solidFill>
-                <a:effectLst/>
-                <a:latin typeface="+mn-lt"/>
-                <a:ea typeface="+mn-ea"/>
-                <a:cs typeface="+mn-cs"/>
-              </a:rPr>
-              <a:t>Header can’t be leaked via copy/pasting a URL out of Fiddler or the browser's URL bar.</a:t>
-            </a:r>
+            <a:r>
+              <a:rPr lang="en-US" sz="1200" kern="1200" dirty="0" smtClean="0">
+                <a:solidFill>
+                  <a:schemeClr val="tx1"/>
+                </a:solidFill>
+                <a:effectLst/>
+                <a:latin typeface="+mn-lt"/>
+                <a:ea typeface="+mn-ea"/>
+                <a:cs typeface="+mn-cs"/>
+              </a:rPr>
+              <a:t>But if you salt and hash the API Keys when you store them, it will prevent you from showing a user a list of their API Keys. That’s kind of the whole point; you want your system to be able to </a:t>
+            </a:r>
+            <a:r>
+              <a:rPr lang="en-US" sz="1200" i="1" kern="1200" dirty="0" smtClean="0">
+                <a:solidFill>
+                  <a:schemeClr val="tx1"/>
+                </a:solidFill>
+                <a:effectLst/>
+                <a:latin typeface="+mn-lt"/>
+                <a:ea typeface="+mn-ea"/>
+                <a:cs typeface="+mn-cs"/>
+              </a:rPr>
+              <a:t>verify </a:t>
+            </a:r>
+            <a:r>
+              <a:rPr lang="en-US" sz="1200" kern="1200" dirty="0" smtClean="0">
+                <a:solidFill>
+                  <a:schemeClr val="tx1"/>
+                </a:solidFill>
+                <a:effectLst/>
+                <a:latin typeface="+mn-lt"/>
+                <a:ea typeface="+mn-ea"/>
+                <a:cs typeface="+mn-cs"/>
+              </a:rPr>
+              <a:t>a bearer token API Key, but not decrypt it to plain text, just like with passwords.</a:t>
+            </a:r>
+          </a:p>
+          <a:p>
             <a:endParaRPr lang="en-US" sz="1200" kern="1200" dirty="0" smtClean="0">
               <a:solidFill>
                 <a:schemeClr val="tx1"/>
@@ -5503,6 +5812,44 @@
             </a:endParaRPr>
           </a:p>
           <a:p>
+            <a:r>
+              <a:rPr lang="en-US" sz="1200" kern="1200" dirty="0" smtClean="0">
+                <a:solidFill>
+                  <a:schemeClr val="tx1"/>
+                </a:solidFill>
+                <a:effectLst/>
+                <a:latin typeface="+mn-lt"/>
+                <a:ea typeface="+mn-ea"/>
+                <a:cs typeface="+mn-cs"/>
+              </a:rPr>
+              <a:t>If you decide to store these things as plain text, then you should at least implement an expiration policy to limit the vulnerability window if the database </a:t>
+            </a:r>
+            <a:r>
+              <a:rPr lang="en-US" sz="1200" i="1" kern="1200" dirty="0" smtClean="0">
+                <a:solidFill>
+                  <a:schemeClr val="tx1"/>
+                </a:solidFill>
+                <a:effectLst/>
+                <a:latin typeface="+mn-lt"/>
+                <a:ea typeface="+mn-ea"/>
+                <a:cs typeface="+mn-cs"/>
+              </a:rPr>
+              <a:t>is </a:t>
+            </a:r>
+            <a:r>
+              <a:rPr lang="en-US" sz="1200" kern="1200" dirty="0" smtClean="0">
+                <a:solidFill>
+                  <a:schemeClr val="tx1"/>
+                </a:solidFill>
+                <a:effectLst/>
+                <a:latin typeface="+mn-lt"/>
+                <a:ea typeface="+mn-ea"/>
+                <a:cs typeface="+mn-cs"/>
+              </a:rPr>
+              <a:t>compromised.</a:t>
+            </a:r>
+          </a:p>
+          <a:p>
             <a:endParaRPr lang="en-US" dirty="0" smtClean="0"/>
           </a:p>
         </p:txBody>
@@ -5533,7 +5880,7 @@
     </p:spTree>
     <p:extLst>
       <p:ext uri="{BB962C8B-B14F-4D97-AF65-F5344CB8AC3E}">
-        <p14:creationId xmlns:p14="http://schemas.microsoft.com/office/powerpoint/2010/main" val="455136538"/>
+        <p14:creationId xmlns:p14="http://schemas.microsoft.com/office/powerpoint/2010/main" val="2191961611"/>
       </p:ext>
     </p:extLst>
   </p:cSld>
@@ -7289,6 +7636,74 @@
               </a:rPr>
               <a:t>Identity indicator is required so server can look up the API Key that it needs to verify the signature. </a:t>
             </a:r>
+            <a:endParaRPr lang="en-US" sz="1200" b="0" kern="1200" baseline="0" dirty="0" smtClean="0">
+              <a:solidFill>
+                <a:schemeClr val="tx1"/>
+              </a:solidFill>
+              <a:effectLst/>
+              <a:latin typeface="+mn-lt"/>
+              <a:ea typeface="+mn-ea"/>
+              <a:cs typeface="+mn-cs"/>
+            </a:endParaRPr>
+          </a:p>
+          <a:p>
+            <a:pPr marL="0" marR="0" lvl="0" indent="0" algn="l" defTabSz="914400" rtl="0" eaLnBrk="1" fontAlgn="auto" latinLnBrk="0" hangingPunct="1">
+              <a:lnSpc>
+                <a:spcPct val="100000"/>
+              </a:lnSpc>
+              <a:spcBef>
+                <a:spcPts val="0"/>
+              </a:spcBef>
+              <a:spcAft>
+                <a:spcPts val="0"/>
+              </a:spcAft>
+              <a:buClrTx/>
+              <a:buSzTx/>
+              <a:buFont typeface="Arial" panose="020B0604020202020204" pitchFamily="34" charset="0"/>
+              <a:buNone/>
+              <a:tabLst/>
+              <a:defRPr/>
+            </a:pPr>
+            <a:endParaRPr lang="en-US" sz="1200" kern="1200" dirty="0" smtClean="0">
+              <a:solidFill>
+                <a:schemeClr val="tx1"/>
+              </a:solidFill>
+              <a:effectLst/>
+              <a:latin typeface="+mn-lt"/>
+              <a:ea typeface="+mn-ea"/>
+              <a:cs typeface="+mn-cs"/>
+            </a:endParaRPr>
+          </a:p>
+          <a:p>
+            <a:pPr marL="0" marR="0" lvl="0" indent="0" algn="l" defTabSz="914400" rtl="0" eaLnBrk="1" fontAlgn="auto" latinLnBrk="0" hangingPunct="1">
+              <a:lnSpc>
+                <a:spcPct val="100000"/>
+              </a:lnSpc>
+              <a:spcBef>
+                <a:spcPts val="0"/>
+              </a:spcBef>
+              <a:spcAft>
+                <a:spcPts val="0"/>
+              </a:spcAft>
+              <a:buClrTx/>
+              <a:buSzTx/>
+              <a:buFont typeface="Arial" panose="020B0604020202020204" pitchFamily="34" charset="0"/>
+              <a:buNone/>
+              <a:tabLst/>
+              <a:defRPr/>
+            </a:pPr>
+            <a:r>
+              <a:rPr lang="en-US" sz="1200" kern="1200" dirty="0" smtClean="0">
+                <a:solidFill>
+                  <a:schemeClr val="tx1"/>
+                </a:solidFill>
+                <a:effectLst/>
+                <a:latin typeface="+mn-lt"/>
+                <a:ea typeface="+mn-ea"/>
+                <a:cs typeface="+mn-cs"/>
+              </a:rPr>
+              <a:t>This means that if you build an HMAC system you’ll have to choose what to use as the identifier and what to use as the secret value.</a:t>
+            </a:r>
           </a:p>
           <a:p>
             <a:pPr marL="0" lvl="0" indent="0">
@@ -8652,7 +9067,19 @@
                 <a:ea typeface="+mn-ea"/>
                 <a:cs typeface="+mn-cs"/>
               </a:rPr>
-              <a:t>Once those claims are generated, the server cryptographically signs the claims just like we saw with HMAC and creates a token. It gives that token to the browser, and the browser resends the token back to the server with each request. The server then validates the token and then uses the claims as needed, for instance to perform authorization or whatever else is needed.</a:t>
+              <a:t>Once those claims are generated, the server cryptographically signs the claims just like we saw with HMAC and creates a token. It gives that token to the browser, and the browser resends the token back to the server with each request. The server then validates the token and then uses the claims as needed, for instance to perform </a:t>
+            </a:r>
+            <a:r>
+              <a:rPr lang="en-US" sz="1200" kern="1200" dirty="0" smtClean="0">
+                <a:solidFill>
+                  <a:schemeClr val="tx1"/>
+                </a:solidFill>
+                <a:effectLst/>
+                <a:latin typeface="+mn-lt"/>
+                <a:ea typeface="+mn-ea"/>
+                <a:cs typeface="+mn-cs"/>
+              </a:rPr>
+              <a:t>authorization.</a:t>
             </a:r>
             <a:endParaRPr lang="en-US" sz="1200" kern="1200" dirty="0">
               <a:solidFill>
@@ -9697,7 +10124,56 @@
                 <a:ea typeface="+mn-ea"/>
                 <a:cs typeface="+mn-cs"/>
               </a:rPr>
-              <a:t>First is a standard header that typically indicates the type of token and the hashing algorithm being used. In this example we’re using HMAC SHA256, but other options exist.</a:t>
+              <a:t>First is a standard header that typically indicates the type of token and the hashing algorithm being used. In this example we’re using HMAC SHA256, but other options exist</a:t>
+            </a:r>
+            <a:r>
+              <a:rPr lang="en-US" sz="1200" kern="1200" dirty="0" smtClean="0">
+                <a:solidFill>
+                  <a:schemeClr val="tx1"/>
+                </a:solidFill>
+                <a:effectLst/>
+                <a:latin typeface="+mn-lt"/>
+                <a:ea typeface="+mn-ea"/>
+                <a:cs typeface="+mn-cs"/>
+              </a:rPr>
+              <a:t>.</a:t>
+            </a:r>
+          </a:p>
+          <a:p>
+            <a:endParaRPr lang="en-US" sz="1200" kern="1200" dirty="0" smtClean="0">
+              <a:solidFill>
+                <a:schemeClr val="tx1"/>
+              </a:solidFill>
+              <a:effectLst/>
+              <a:latin typeface="+mn-lt"/>
+              <a:ea typeface="+mn-ea"/>
+              <a:cs typeface="+mn-cs"/>
+            </a:endParaRPr>
+          </a:p>
+          <a:p>
+            <a:r>
+              <a:rPr lang="en-US" sz="1200" kern="1200" dirty="0" smtClean="0">
+                <a:solidFill>
+                  <a:schemeClr val="tx1"/>
+                </a:solidFill>
+                <a:effectLst/>
+                <a:latin typeface="+mn-lt"/>
+                <a:ea typeface="+mn-ea"/>
+                <a:cs typeface="+mn-cs"/>
+              </a:rPr>
+              <a:t>In fact, the ability for the client to choose which hashing</a:t>
+            </a:r>
+            <a:r>
+              <a:rPr lang="en-US" sz="1200" kern="1200" baseline="0" dirty="0" smtClean="0">
+                <a:solidFill>
+                  <a:schemeClr val="tx1"/>
+                </a:solidFill>
+                <a:effectLst/>
+                <a:latin typeface="+mn-lt"/>
+                <a:ea typeface="+mn-ea"/>
+                <a:cs typeface="+mn-cs"/>
+              </a:rPr>
+              <a:t> algorithm should be used is a core piece of the JSON Web Token standard. It's also one of the reasons that some security experts don't like JWT, although a discussion of those concerns is out of scope for this talk.</a:t>
             </a:r>
             <a:endParaRPr lang="en-US" sz="1200" kern="1200" dirty="0">
               <a:solidFill>
@@ -10482,7 +10958,31 @@
                 <a:ea typeface="+mn-ea"/>
                 <a:cs typeface="+mn-cs"/>
               </a:rPr>
-              <a:t> is that your JS code can decode the token and access the claims. This is useful if the token contains data that you need for purposes other than API authentication and authorization, such as the user’s preferences or email address or something. The downside is that information stored in </a:t>
+              <a:t> is that your JS code can </a:t>
+            </a:r>
+            <a:r>
+              <a:rPr lang="en-US" sz="1200" kern="1200" dirty="0" smtClean="0">
+                <a:solidFill>
+                  <a:schemeClr val="tx1"/>
+                </a:solidFill>
+                <a:effectLst/>
+                <a:latin typeface="+mn-lt"/>
+                <a:ea typeface="+mn-ea"/>
+                <a:cs typeface="+mn-cs"/>
+              </a:rPr>
+              <a:t>access </a:t>
+            </a:r>
+            <a:r>
+              <a:rPr lang="en-US" sz="1200" kern="1200" dirty="0" smtClean="0">
+                <a:solidFill>
+                  <a:schemeClr val="tx1"/>
+                </a:solidFill>
+                <a:effectLst/>
+                <a:latin typeface="+mn-lt"/>
+                <a:ea typeface="+mn-ea"/>
+                <a:cs typeface="+mn-cs"/>
+              </a:rPr>
+              <a:t>the claims. This is useful if the token contains data that you need for purposes other than API authentication and authorization, such as the user’s preferences or email address or something. The downside is that information stored in </a:t>
             </a:r>
             <a:r>
               <a:rPr lang="en-US" sz="1200" kern="1200" dirty="0" err="1" smtClean="0">
@@ -10627,94 +11127,21 @@
                 <a:ea typeface="+mn-ea"/>
                 <a:cs typeface="+mn-cs"/>
               </a:rPr>
-              <a:t>be used for server-side authentication and authorization and you can’t use the token to make data available to your JS app.</a:t>
-            </a:r>
-          </a:p>
-          <a:p>
-            <a:endParaRPr lang="en-US" sz="1200" kern="1200" smtClean="0">
-              <a:solidFill>
-                <a:schemeClr val="tx1"/>
-              </a:solidFill>
-              <a:effectLst/>
-              <a:latin typeface="+mn-lt"/>
-              <a:ea typeface="+mn-ea"/>
-              <a:cs typeface="+mn-cs"/>
-            </a:endParaRPr>
-          </a:p>
-          <a:p>
-            <a:r>
-              <a:rPr lang="en-US" sz="1200" kern="1200" smtClean="0">
-                <a:solidFill>
-                  <a:schemeClr val="tx1"/>
-                </a:solidFill>
-                <a:effectLst/>
-                <a:latin typeface="+mn-lt"/>
-                <a:ea typeface="+mn-ea"/>
-                <a:cs typeface="+mn-cs"/>
-              </a:rPr>
-              <a:t>If </a:t>
-            </a:r>
-            <a:r>
-              <a:rPr lang="en-US" sz="1200" kern="1200" dirty="0" smtClean="0">
-                <a:solidFill>
-                  <a:schemeClr val="tx1"/>
-                </a:solidFill>
-                <a:effectLst/>
-                <a:latin typeface="+mn-lt"/>
-                <a:ea typeface="+mn-ea"/>
-                <a:cs typeface="+mn-cs"/>
-              </a:rPr>
-              <a:t>you’re writing a </a:t>
-            </a:r>
-            <a:r>
-              <a:rPr lang="en-US" sz="1200" i="1" kern="1200" dirty="0" smtClean="0">
-                <a:solidFill>
-                  <a:schemeClr val="tx1"/>
-                </a:solidFill>
-                <a:effectLst/>
-                <a:latin typeface="+mn-lt"/>
-                <a:ea typeface="+mn-ea"/>
-                <a:cs typeface="+mn-cs"/>
-              </a:rPr>
-              <a:t>server-based </a:t>
-            </a:r>
-            <a:r>
-              <a:rPr lang="en-US" sz="1200" kern="1200" dirty="0" smtClean="0">
-                <a:solidFill>
-                  <a:schemeClr val="tx1"/>
-                </a:solidFill>
-                <a:effectLst/>
-                <a:latin typeface="+mn-lt"/>
-                <a:ea typeface="+mn-ea"/>
-                <a:cs typeface="+mn-cs"/>
-              </a:rPr>
-              <a:t>client, rather than a JS client, then this isn’t an issue. As long as you use TLS to protect the tokens in transit, and as long as the server client is secure, then you could technically get away with putting sensitive data into the claims. But if you’re writing a server-based client then you could probably go ahead and encrypt the claims data themselves, so that even if the token </a:t>
-            </a:r>
-            <a:r>
-              <a:rPr lang="en-US" sz="1200" i="1" kern="1200" dirty="0" smtClean="0">
-                <a:solidFill>
-                  <a:schemeClr val="tx1"/>
-                </a:solidFill>
-                <a:effectLst/>
-                <a:latin typeface="+mn-lt"/>
-                <a:ea typeface="+mn-ea"/>
-                <a:cs typeface="+mn-cs"/>
-              </a:rPr>
-              <a:t>does </a:t>
-            </a:r>
-            <a:r>
-              <a:rPr lang="en-US" sz="1200" kern="1200" dirty="0" smtClean="0">
-                <a:solidFill>
-                  <a:schemeClr val="tx1"/>
-                </a:solidFill>
-                <a:effectLst/>
-                <a:latin typeface="+mn-lt"/>
-                <a:ea typeface="+mn-ea"/>
-                <a:cs typeface="+mn-cs"/>
-              </a:rPr>
-              <a:t>get captured in some way, the sensitive data itself would remain secure.</a:t>
-            </a:r>
-            <a:endParaRPr lang="en-US" sz="1200" kern="1200" dirty="0">
+              <a:t>be used for server-side authentication and authorization and you can’t use the token to make data available to your JS app</a:t>
+            </a:r>
+            <a:r>
+              <a:rPr lang="en-US" sz="1200" kern="1200" dirty="0" smtClean="0">
+                <a:solidFill>
+                  <a:schemeClr val="tx1"/>
+                </a:solidFill>
+                <a:effectLst/>
+                <a:latin typeface="+mn-lt"/>
+                <a:ea typeface="+mn-ea"/>
+                <a:cs typeface="+mn-cs"/>
+              </a:rPr>
+              <a:t>.</a:t>
+            </a:r>
+            <a:endParaRPr lang="en-US" sz="1200" kern="1200" dirty="0" smtClean="0">
               <a:solidFill>
                 <a:schemeClr val="tx1"/>
               </a:solidFill>
@@ -17465,7 +17892,55 @@
                 <a:ea typeface="+mn-ea"/>
                 <a:cs typeface="+mn-cs"/>
               </a:rPr>
-              <a:t>If you’re looking for the simplest possible thing you could do, then using Basic </a:t>
+              <a:t>If </a:t>
+            </a:r>
+            <a:r>
+              <a:rPr lang="en-US" sz="1200" kern="1200" dirty="0" smtClean="0">
+                <a:solidFill>
+                  <a:schemeClr val="tx1"/>
+                </a:solidFill>
+                <a:effectLst/>
+                <a:latin typeface="+mn-lt"/>
+                <a:ea typeface="+mn-ea"/>
+                <a:cs typeface="+mn-cs"/>
+              </a:rPr>
+              <a:t>you're</a:t>
+            </a:r>
+            <a:r>
+              <a:rPr lang="en-US" sz="1200" kern="1200" baseline="0" dirty="0" smtClean="0">
+                <a:solidFill>
+                  <a:schemeClr val="tx1"/>
+                </a:solidFill>
+                <a:effectLst/>
+                <a:latin typeface="+mn-lt"/>
+                <a:ea typeface="+mn-ea"/>
+                <a:cs typeface="+mn-cs"/>
+              </a:rPr>
+              <a:t> </a:t>
+            </a:r>
+            <a:r>
+              <a:rPr lang="en-US" sz="1200" kern="1200" dirty="0" smtClean="0">
+                <a:solidFill>
+                  <a:schemeClr val="tx1"/>
+                </a:solidFill>
+                <a:effectLst/>
+                <a:latin typeface="+mn-lt"/>
+                <a:ea typeface="+mn-ea"/>
+                <a:cs typeface="+mn-cs"/>
+              </a:rPr>
+              <a:t>authenticating server-to-server</a:t>
+            </a:r>
+            <a:r>
+              <a:rPr lang="en-US" sz="1200" kern="1200" baseline="0" dirty="0" smtClean="0">
+                <a:solidFill>
+                  <a:schemeClr val="tx1"/>
+                </a:solidFill>
+                <a:effectLst/>
+                <a:latin typeface="+mn-lt"/>
+                <a:ea typeface="+mn-ea"/>
+                <a:cs typeface="+mn-cs"/>
+              </a:rPr>
+              <a:t> API calls against a standard user database such as </a:t>
             </a:r>
             <a:r>
               <a:rPr lang="en-US" sz="1200" kern="1200" dirty="0" err="1" smtClean="0">
@@ -17477,6 +17952,30 @@
                 <a:ea typeface="+mn-ea"/>
                 <a:cs typeface="+mn-cs"/>
               </a:rPr>
+              <a:t>ActiveDirectory</a:t>
+            </a:r>
+            <a:r>
+              <a:rPr lang="en-US" sz="1200" kern="1200" dirty="0" smtClean="0">
+                <a:solidFill>
+                  <a:schemeClr val="tx1"/>
+                </a:solidFill>
+                <a:effectLst/>
+                <a:latin typeface="+mn-lt"/>
+                <a:ea typeface="+mn-ea"/>
+                <a:cs typeface="+mn-cs"/>
+              </a:rPr>
+              <a:t>, then Basic </a:t>
+            </a:r>
+            <a:r>
+              <a:rPr lang="en-US" sz="1200" kern="1200" dirty="0" err="1" smtClean="0">
+                <a:solidFill>
+                  <a:schemeClr val="tx1"/>
+                </a:solidFill>
+                <a:effectLst/>
+                <a:latin typeface="+mn-lt"/>
+                <a:ea typeface="+mn-ea"/>
+                <a:cs typeface="+mn-cs"/>
+              </a:rPr>
               <a:t>Auth</a:t>
             </a:r>
             <a:r>
@@ -17489,32 +17988,17 @@
                 <a:ea typeface="+mn-ea"/>
                 <a:cs typeface="+mn-cs"/>
               </a:rPr>
-              <a:t> to authenticate against a standard platform such as </a:t>
-            </a:r>
-            <a:r>
-              <a:rPr lang="en-US" sz="1200" kern="1200" dirty="0" err="1" smtClean="0">
-                <a:solidFill>
-                  <a:schemeClr val="tx1"/>
-                </a:solidFill>
-                <a:effectLst/>
-                <a:latin typeface="+mn-lt"/>
-                <a:ea typeface="+mn-ea"/>
-                <a:cs typeface="+mn-cs"/>
-              </a:rPr>
-              <a:t>ActiveDirectory</a:t>
-            </a:r>
-            <a:r>
-              <a:rPr lang="en-US" sz="1200" kern="1200" dirty="0" smtClean="0">
-                <a:solidFill>
-                  <a:schemeClr val="tx1"/>
-                </a:solidFill>
-                <a:effectLst/>
-                <a:latin typeface="+mn-lt"/>
-                <a:ea typeface="+mn-ea"/>
-                <a:cs typeface="+mn-cs"/>
-              </a:rPr>
-              <a:t> is worth a shot. You give up some flexibility, but will need to write very little code to make it work.</a:t>
-            </a:r>
+              <a:t> is worth considering. </a:t>
+            </a:r>
+            <a:endParaRPr lang="en-US" sz="1200" kern="1200" dirty="0" smtClean="0">
+              <a:solidFill>
+                <a:schemeClr val="tx1"/>
+              </a:solidFill>
+              <a:effectLst/>
+              <a:latin typeface="+mn-lt"/>
+              <a:ea typeface="+mn-ea"/>
+              <a:cs typeface="+mn-cs"/>
+            </a:endParaRPr>
           </a:p>
           <a:p>
             <a:endParaRPr lang="en-US" sz="1200" kern="1200" dirty="0" smtClean="0">
@@ -19283,8 +19767,41 @@
                 <a:ea typeface="+mn-ea"/>
                 <a:cs typeface="+mn-cs"/>
               </a:rPr>
-              <a:t> is process through which we securely associate identity w/ request (is it really Alice?)</a:t>
-            </a:r>
+              <a:t> is process through which we securely associate identity w/ request (is it really Alice</a:t>
+            </a:r>
+            <a:r>
+              <a:rPr lang="en-US" sz="1200" kern="1200" dirty="0" smtClean="0">
+                <a:solidFill>
+                  <a:schemeClr val="tx1"/>
+                </a:solidFill>
+                <a:effectLst/>
+                <a:latin typeface="+mn-lt"/>
+                <a:ea typeface="+mn-ea"/>
+                <a:cs typeface="+mn-cs"/>
+              </a:rPr>
+              <a:t>?</a:t>
+            </a:r>
+            <a:r>
+              <a:rPr lang="en-US" sz="1200" kern="1200" baseline="0" dirty="0" smtClean="0">
+                <a:solidFill>
+                  <a:schemeClr val="tx1"/>
+                </a:solidFill>
+                <a:effectLst/>
+                <a:latin typeface="+mn-lt"/>
+                <a:ea typeface="+mn-ea"/>
+                <a:cs typeface="+mn-cs"/>
+              </a:rPr>
+              <a:t> Someone working on her behalf?)</a:t>
+            </a:r>
+            <a:endParaRPr lang="en-US" sz="1200" kern="1200" dirty="0" smtClean="0">
+              <a:solidFill>
+                <a:schemeClr val="tx1"/>
+              </a:solidFill>
+              <a:effectLst/>
+              <a:latin typeface="+mn-lt"/>
+              <a:ea typeface="+mn-ea"/>
+              <a:cs typeface="+mn-cs"/>
+            </a:endParaRPr>
           </a:p>
           <a:p>
             <a:r>
@@ -19701,32 +20218,103 @@
                 <a:ea typeface="+mn-ea"/>
                 <a:cs typeface="+mn-cs"/>
               </a:rPr>
-              <a:t> thing, and that’s my website. From there you can get to my </a:t>
-            </a:r>
-            <a:r>
-              <a:rPr lang="en-US" sz="1200" kern="1200" dirty="0" err="1" smtClean="0">
-                <a:solidFill>
-                  <a:schemeClr val="tx1"/>
-                </a:solidFill>
-                <a:effectLst/>
-                <a:latin typeface="+mn-lt"/>
-                <a:ea typeface="+mn-ea"/>
-                <a:cs typeface="+mn-cs"/>
-              </a:rPr>
-              <a:t>Github</a:t>
-            </a:r>
-            <a:r>
-              <a:rPr lang="en-US" sz="1200" kern="1200" dirty="0" smtClean="0">
-                <a:solidFill>
-                  <a:schemeClr val="tx1"/>
-                </a:solidFill>
-                <a:effectLst/>
-                <a:latin typeface="+mn-lt"/>
-                <a:ea typeface="+mn-ea"/>
-                <a:cs typeface="+mn-cs"/>
-              </a:rPr>
-              <a:t> where these slides are kept and you can also get to my email, my Twitter, my LinkedIn, etc.</a:t>
-            </a:r>
+              <a:t> thing, and that’s my </a:t>
+            </a:r>
+            <a:r>
+              <a:rPr lang="en-US" sz="1200" kern="1200" dirty="0" smtClean="0">
+                <a:solidFill>
+                  <a:schemeClr val="tx1"/>
+                </a:solidFill>
+                <a:effectLst/>
+                <a:latin typeface="+mn-lt"/>
+                <a:ea typeface="+mn-ea"/>
+                <a:cs typeface="+mn-cs"/>
+              </a:rPr>
+              <a:t>GitHub</a:t>
+            </a:r>
+            <a:r>
+              <a:rPr lang="en-US" sz="1200" kern="1200" baseline="0" dirty="0" smtClean="0">
+                <a:solidFill>
+                  <a:schemeClr val="tx1"/>
+                </a:solidFill>
+                <a:effectLst/>
+                <a:latin typeface="+mn-lt"/>
+                <a:ea typeface="+mn-ea"/>
+                <a:cs typeface="+mn-cs"/>
+              </a:rPr>
+              <a:t> link</a:t>
+            </a:r>
+            <a:r>
+              <a:rPr lang="en-US" sz="1200" kern="1200" dirty="0" smtClean="0">
+                <a:solidFill>
+                  <a:schemeClr val="tx1"/>
+                </a:solidFill>
+                <a:effectLst/>
+                <a:latin typeface="+mn-lt"/>
+                <a:ea typeface="+mn-ea"/>
+                <a:cs typeface="+mn-cs"/>
+              </a:rPr>
+              <a:t>. That's where these </a:t>
+            </a:r>
+            <a:r>
+              <a:rPr lang="en-US" sz="1200" kern="1200" dirty="0" smtClean="0">
+                <a:solidFill>
+                  <a:schemeClr val="tx1"/>
+                </a:solidFill>
+                <a:effectLst/>
+                <a:latin typeface="+mn-lt"/>
+                <a:ea typeface="+mn-ea"/>
+                <a:cs typeface="+mn-cs"/>
+              </a:rPr>
+              <a:t>slides are </a:t>
+            </a:r>
+            <a:r>
+              <a:rPr lang="en-US" sz="1200" kern="1200" dirty="0" smtClean="0">
+                <a:solidFill>
+                  <a:schemeClr val="tx1"/>
+                </a:solidFill>
+                <a:effectLst/>
+                <a:latin typeface="+mn-lt"/>
+                <a:ea typeface="+mn-ea"/>
+                <a:cs typeface="+mn-cs"/>
+              </a:rPr>
+              <a:t>kept along</a:t>
+            </a:r>
+            <a:r>
+              <a:rPr lang="en-US" sz="1200" kern="1200" baseline="0" dirty="0" smtClean="0">
+                <a:solidFill>
+                  <a:schemeClr val="tx1"/>
+                </a:solidFill>
+                <a:effectLst/>
+                <a:latin typeface="+mn-lt"/>
+                <a:ea typeface="+mn-ea"/>
+                <a:cs typeface="+mn-cs"/>
+              </a:rPr>
+              <a:t> with all of my speaker notes</a:t>
+            </a:r>
+            <a:r>
+              <a:rPr lang="en-US" sz="1200" kern="1200" baseline="0" smtClean="0">
+                <a:solidFill>
+                  <a:schemeClr val="tx1"/>
+                </a:solidFill>
+                <a:effectLst/>
+                <a:latin typeface="+mn-lt"/>
+                <a:ea typeface="+mn-ea"/>
+                <a:cs typeface="+mn-cs"/>
+              </a:rPr>
+              <a:t>. </a:t>
+            </a:r>
+          </a:p>
+          <a:p>
+            <a:endParaRPr lang="en-US" sz="1200" kern="1200" dirty="0" smtClean="0">
+              <a:solidFill>
+                <a:schemeClr val="tx1"/>
+              </a:solidFill>
+              <a:effectLst/>
+              <a:latin typeface="+mn-lt"/>
+              <a:ea typeface="+mn-ea"/>
+              <a:cs typeface="+mn-cs"/>
+            </a:endParaRPr>
           </a:p>
           <a:p>
             <a:r>
@@ -20154,7 +20742,7 @@
           <a:p>
             <a:fld id="{75AA6396-395E-4ADA-8EE5-F328BC863A04}" type="datetimeFigureOut">
               <a:rPr lang="en-US" smtClean="0"/>
-              <a:t>12/17/2018</a:t>
+              <a:t>12/18/2018</a:t>
             </a:fld>
             <a:endParaRPr lang="en-US"/>
           </a:p>
@@ -20331,7 +20919,7 @@
           <a:p>
             <a:fld id="{75AA6396-395E-4ADA-8EE5-F328BC863A04}" type="datetimeFigureOut">
               <a:rPr lang="en-US" smtClean="0"/>
-              <a:t>12/17/2018</a:t>
+              <a:t>12/18/2018</a:t>
             </a:fld>
             <a:endParaRPr lang="en-US"/>
           </a:p>
@@ -20511,7 +21099,7 @@
           <a:p>
             <a:fld id="{75AA6396-395E-4ADA-8EE5-F328BC863A04}" type="datetimeFigureOut">
               <a:rPr lang="en-US" smtClean="0"/>
-              <a:t>12/17/2018</a:t>
+              <a:t>12/18/2018</a:t>
             </a:fld>
             <a:endParaRPr lang="en-US"/>
           </a:p>
@@ -20731,7 +21319,7 @@
           <a:p>
             <a:fld id="{75AA6396-395E-4ADA-8EE5-F328BC863A04}" type="datetimeFigureOut">
               <a:rPr lang="en-US" smtClean="0"/>
-              <a:t>12/17/2018</a:t>
+              <a:t>12/18/2018</a:t>
             </a:fld>
             <a:endParaRPr lang="en-US"/>
           </a:p>
@@ -20984,7 +21572,7 @@
           <a:p>
             <a:fld id="{75AA6396-395E-4ADA-8EE5-F328BC863A04}" type="datetimeFigureOut">
               <a:rPr lang="en-US" smtClean="0"/>
-              <a:t>12/17/2018</a:t>
+              <a:t>12/18/2018</a:t>
             </a:fld>
             <a:endParaRPr lang="en-US"/>
           </a:p>
@@ -21223,7 +21811,7 @@
           <a:p>
             <a:fld id="{75AA6396-395E-4ADA-8EE5-F328BC863A04}" type="datetimeFigureOut">
               <a:rPr lang="en-US" smtClean="0"/>
-              <a:t>12/17/2018</a:t>
+              <a:t>12/18/2018</a:t>
             </a:fld>
             <a:endParaRPr lang="en-US"/>
           </a:p>
@@ -21597,7 +22185,7 @@
           <a:p>
             <a:fld id="{75AA6396-395E-4ADA-8EE5-F328BC863A04}" type="datetimeFigureOut">
               <a:rPr lang="en-US" smtClean="0"/>
-              <a:t>12/17/2018</a:t>
+              <a:t>12/18/2018</a:t>
             </a:fld>
             <a:endParaRPr lang="en-US"/>
           </a:p>
@@ -21715,7 +22303,7 @@
           <a:p>
             <a:fld id="{75AA6396-395E-4ADA-8EE5-F328BC863A04}" type="datetimeFigureOut">
               <a:rPr lang="en-US" smtClean="0"/>
-              <a:t>12/17/2018</a:t>
+              <a:t>12/18/2018</a:t>
             </a:fld>
             <a:endParaRPr lang="en-US"/>
           </a:p>
@@ -21810,7 +22398,7 @@
           <a:p>
             <a:fld id="{75AA6396-395E-4ADA-8EE5-F328BC863A04}" type="datetimeFigureOut">
               <a:rPr lang="en-US" smtClean="0"/>
-              <a:t>12/17/2018</a:t>
+              <a:t>12/18/2018</a:t>
             </a:fld>
             <a:endParaRPr lang="en-US"/>
           </a:p>
@@ -22087,7 +22675,7 @@
           <a:p>
             <a:fld id="{75AA6396-395E-4ADA-8EE5-F328BC863A04}" type="datetimeFigureOut">
               <a:rPr lang="en-US" smtClean="0"/>
-              <a:t>12/17/2018</a:t>
+              <a:t>12/18/2018</a:t>
             </a:fld>
             <a:endParaRPr lang="en-US"/>
           </a:p>
@@ -22340,7 +22928,7 @@
           <a:p>
             <a:fld id="{75AA6396-395E-4ADA-8EE5-F328BC863A04}" type="datetimeFigureOut">
               <a:rPr lang="en-US" smtClean="0"/>
-              <a:t>12/17/2018</a:t>
+              <a:t>12/18/2018</a:t>
             </a:fld>
             <a:endParaRPr lang="en-US"/>
           </a:p>
@@ -22553,7 +23141,7 @@
           <a:p>
             <a:fld id="{75AA6396-395E-4ADA-8EE5-F328BC863A04}" type="datetimeFigureOut">
               <a:rPr lang="en-US" smtClean="0"/>
-              <a:t>12/17/2018</a:t>
+              <a:t>12/18/2018</a:t>
             </a:fld>
             <a:endParaRPr lang="en-US"/>
           </a:p>
@@ -24969,7 +25557,15 @@
           <a:p>
             <a:r>
               <a:rPr lang="en-US" sz="4800" dirty="0" smtClean="0"/>
-              <a:t>API Keys</a:t>
+              <a:t>API Keys as "</a:t>
+            </a:r>
+            <a:r>
+              <a:rPr lang="en-US" sz="4800" b="1" dirty="0" smtClean="0"/>
+              <a:t>bearer tokens</a:t>
+            </a:r>
+            <a:r>
+              <a:rPr lang="en-US" sz="4800" dirty="0" smtClean="0"/>
+              <a:t>“</a:t>
             </a:r>
             <a:endParaRPr lang="en-US" sz="4800" dirty="0"/>
           </a:p>
@@ -24999,7 +25595,15 @@
           <a:p>
             <a:r>
               <a:rPr lang="en-US" sz="4000" dirty="0" smtClean="0"/>
-              <a:t>Revocable</a:t>
+              <a:t>Pass the key in </a:t>
+            </a:r>
+            <a:r>
+              <a:rPr lang="en-US" sz="4000" b="1" dirty="0" smtClean="0"/>
+              <a:t>plain text</a:t>
+            </a:r>
+            <a:r>
+              <a:rPr lang="en-US" sz="4000" dirty="0" smtClean="0"/>
+              <a:t> with each request</a:t>
             </a:r>
             <a:br>
               <a:rPr lang="en-US" sz="4000" dirty="0" smtClean="0"/>
@@ -25008,162 +25612,18 @@
           </a:p>
           <a:p>
             <a:r>
-              <a:rPr lang="en-US" sz="4000" dirty="0" smtClean="0"/>
-              <a:t>Usually a GUID – hard to brute force</a:t>
-            </a:r>
-            <a:br>
-              <a:rPr lang="en-US" sz="4000" dirty="0" smtClean="0"/>
-            </a:br>
-            <a:endParaRPr lang="en-US" sz="4000" dirty="0"/>
-          </a:p>
-          <a:p>
-            <a:r>
-              <a:rPr lang="en-US" sz="4000" dirty="0" smtClean="0"/>
-              <a:t>2 options: "bearer tokens" or "request signing"</a:t>
-            </a:r>
-          </a:p>
-          <a:p>
-            <a:endParaRPr lang="en-US" sz="4000" dirty="0" smtClean="0"/>
-          </a:p>
-          <a:p>
-            <a:endParaRPr lang="en-US" sz="4000" u="sng" dirty="0" smtClean="0"/>
-          </a:p>
-          <a:p>
-            <a:endParaRPr lang="en-US" sz="4000" dirty="0" smtClean="0"/>
-          </a:p>
-          <a:p>
-            <a:endParaRPr lang="en-US" sz="4000" dirty="0"/>
-          </a:p>
-        </p:txBody>
-      </p:sp>
-    </p:spTree>
-    <p:extLst>
-      <p:ext uri="{BB962C8B-B14F-4D97-AF65-F5344CB8AC3E}">
-        <p14:creationId xmlns:p14="http://schemas.microsoft.com/office/powerpoint/2010/main" val="2373494129"/>
-      </p:ext>
-    </p:extLst>
-  </p:cSld>
-  <p:clrMapOvr>
-    <a:masterClrMapping/>
-  </p:clrMapOvr>
-  <p:timing>
-    <p:tnLst>
-      <p:par>
-        <p:cTn id="1" dur="indefinite" restart="never" nodeType="tmRoot"/>
-      </p:par>
-    </p:tnLst>
-  </p:timing>
-</p:sld>
-</file>
-
-<file path=ppt/slides/slide26.xml><?xml version="1.0" encoding="utf-8"?>
-<p:sld xmlns:a="http://schemas.openxmlformats.org/drawingml/2006/main" xmlns:r="http://schemas.openxmlformats.org/officeDocument/2006/relationships" xmlns:p="http://schemas.openxmlformats.org/presentationml/2006/main">
-  <p:cSld>
-    <p:spTree>
-      <p:nvGrpSpPr>
-        <p:cNvPr id="1" name=""/>
-        <p:cNvGrpSpPr/>
-        <p:nvPr/>
-      </p:nvGrpSpPr>
-      <p:grpSpPr>
-        <a:xfrm>
-          <a:off x="0" y="0"/>
-          <a:ext cx="0" cy="0"/>
-          <a:chOff x="0" y="0"/>
-          <a:chExt cx="0" cy="0"/>
-        </a:xfrm>
-      </p:grpSpPr>
-      <p:sp>
-        <p:nvSpPr>
-          <p:cNvPr id="2" name="Title 1"/>
-          <p:cNvSpPr>
-            <a:spLocks noGrp="1"/>
-          </p:cNvSpPr>
-          <p:nvPr>
-            <p:ph type="title"/>
-          </p:nvPr>
-        </p:nvSpPr>
-        <p:spPr/>
-        <p:txBody>
-          <a:bodyPr>
-            <a:normAutofit/>
-          </a:bodyPr>
-          <a:lstStyle/>
-          <a:p>
-            <a:r>
-              <a:rPr lang="en-US" sz="4800" dirty="0" smtClean="0"/>
-              <a:t>API Keys as "</a:t>
-            </a:r>
-            <a:r>
-              <a:rPr lang="en-US" sz="4800" b="1" dirty="0" smtClean="0"/>
-              <a:t>bearer tokens</a:t>
-            </a:r>
-            <a:r>
-              <a:rPr lang="en-US" sz="4800" dirty="0" smtClean="0"/>
-              <a:t>“</a:t>
-            </a:r>
-            <a:endParaRPr lang="en-US" sz="4800" dirty="0"/>
-          </a:p>
-        </p:txBody>
-      </p:sp>
-      <p:sp>
-        <p:nvSpPr>
-          <p:cNvPr id="3" name="Content Placeholder 2"/>
-          <p:cNvSpPr>
-            <a:spLocks noGrp="1"/>
-          </p:cNvSpPr>
-          <p:nvPr>
-            <p:ph idx="1"/>
-          </p:nvPr>
-        </p:nvSpPr>
-        <p:spPr>
-          <a:xfrm>
-            <a:off x="838200" y="1928553"/>
-            <a:ext cx="11215255" cy="4505498"/>
-          </a:xfrm>
-        </p:spPr>
-        <p:txBody>
-          <a:bodyPr>
-            <a:noAutofit/>
-          </a:bodyPr>
-          <a:lstStyle/>
-          <a:p>
-            <a:r>
-              <a:rPr lang="en-US" sz="4000" dirty="0" smtClean="0"/>
-              <a:t>Custom version of HTTP Basic </a:t>
-            </a:r>
-            <a:r>
-              <a:rPr lang="en-US" sz="4000" dirty="0" err="1" smtClean="0"/>
-              <a:t>Auth</a:t>
-            </a:r>
-            <a:r>
-              <a:rPr lang="en-US" sz="4000" dirty="0" smtClean="0"/>
-              <a:t>, with API Key instead of username + password</a:t>
-            </a:r>
-            <a:br>
-              <a:rPr lang="en-US" sz="4000" dirty="0" smtClean="0"/>
-            </a:br>
-            <a:endParaRPr lang="en-US" sz="4000" dirty="0" smtClean="0"/>
-          </a:p>
-          <a:p>
-            <a:r>
               <a:rPr lang="en-US" sz="4000" dirty="0"/>
               <a:t>Anyone that has the key, gets </a:t>
             </a:r>
             <a:r>
               <a:rPr lang="en-US" sz="4000" dirty="0" smtClean="0"/>
-              <a:t>access</a:t>
-            </a:r>
-          </a:p>
-          <a:p>
-            <a:endParaRPr lang="en-US" sz="4000" dirty="0"/>
-          </a:p>
-          <a:p>
-            <a:r>
-              <a:rPr lang="en-US" sz="4000" dirty="0" smtClean="0"/>
-              <a:t>Requires TLS</a:t>
-            </a:r>
-            <a:endParaRPr lang="en-US" sz="4000" dirty="0"/>
+              <a:t>access; </a:t>
+            </a:r>
+            <a:r>
+              <a:rPr lang="en-US" sz="4000" b="1" dirty="0" smtClean="0"/>
+              <a:t>requires TLS to keep safe!</a:t>
+            </a:r>
+            <a:endParaRPr lang="en-US" sz="4000" dirty="0" smtClean="0"/>
           </a:p>
           <a:p>
             <a:endParaRPr lang="en-US" sz="4000" dirty="0" smtClean="0"/>
@@ -25206,7 +25666,7 @@
 </p:sld>
 </file>
 
-<file path=ppt/slides/slide27.xml><?xml version="1.0" encoding="utf-8"?>
+<file path=ppt/slides/slide26.xml><?xml version="1.0" encoding="utf-8"?>
 <p:sld xmlns:a="http://schemas.openxmlformats.org/drawingml/2006/main" xmlns:r="http://schemas.openxmlformats.org/officeDocument/2006/relationships" xmlns:p="http://schemas.openxmlformats.org/presentationml/2006/main">
   <p:cSld>
     <p:spTree>
@@ -25378,6 +25838,161 @@
     <p:extLst>
       <p:ext uri="{BB962C8B-B14F-4D97-AF65-F5344CB8AC3E}">
         <p14:creationId xmlns:p14="http://schemas.microsoft.com/office/powerpoint/2010/main" val="3472286026"/>
+      </p:ext>
+    </p:extLst>
+  </p:cSld>
+  <p:clrMapOvr>
+    <a:masterClrMapping/>
+  </p:clrMapOvr>
+  <p:timing>
+    <p:tnLst>
+      <p:par>
+        <p:cTn id="1" dur="indefinite" restart="never" nodeType="tmRoot"/>
+      </p:par>
+    </p:tnLst>
+  </p:timing>
+</p:sld>
+</file>
+
+<file path=ppt/slides/slide27.xml><?xml version="1.0" encoding="utf-8"?>
+<p:sld xmlns:a="http://schemas.openxmlformats.org/drawingml/2006/main" xmlns:r="http://schemas.openxmlformats.org/officeDocument/2006/relationships" xmlns:p="http://schemas.openxmlformats.org/presentationml/2006/main">
+  <p:cSld>
+    <p:spTree>
+      <p:nvGrpSpPr>
+        <p:cNvPr id="1" name=""/>
+        <p:cNvGrpSpPr/>
+        <p:nvPr/>
+      </p:nvGrpSpPr>
+      <p:grpSpPr>
+        <a:xfrm>
+          <a:off x="0" y="0"/>
+          <a:ext cx="0" cy="0"/>
+          <a:chOff x="0" y="0"/>
+          <a:chExt cx="0" cy="0"/>
+        </a:xfrm>
+      </p:grpSpPr>
+      <p:sp>
+        <p:nvSpPr>
+          <p:cNvPr id="2" name="Title 1"/>
+          <p:cNvSpPr>
+            <a:spLocks noGrp="1"/>
+          </p:cNvSpPr>
+          <p:nvPr>
+            <p:ph type="title"/>
+          </p:nvPr>
+        </p:nvSpPr>
+        <p:spPr/>
+        <p:txBody>
+          <a:bodyPr>
+            <a:normAutofit/>
+          </a:bodyPr>
+          <a:lstStyle/>
+          <a:p>
+            <a:r>
+              <a:rPr lang="en-US" sz="4800" dirty="0" smtClean="0"/>
+              <a:t>Trade-offs when storing bearer tokens</a:t>
+            </a:r>
+            <a:endParaRPr lang="en-US" sz="4800" dirty="0"/>
+          </a:p>
+        </p:txBody>
+      </p:sp>
+      <p:sp>
+        <p:nvSpPr>
+          <p:cNvPr id="3" name="Content Placeholder 2"/>
+          <p:cNvSpPr>
+            <a:spLocks noGrp="1"/>
+          </p:cNvSpPr>
+          <p:nvPr>
+            <p:ph idx="1"/>
+          </p:nvPr>
+        </p:nvSpPr>
+        <p:spPr>
+          <a:xfrm>
+            <a:off x="838200" y="1928553"/>
+            <a:ext cx="11215255" cy="4505498"/>
+          </a:xfrm>
+        </p:spPr>
+        <p:txBody>
+          <a:bodyPr>
+            <a:noAutofit/>
+          </a:bodyPr>
+          <a:lstStyle/>
+          <a:p>
+            <a:pPr marL="0" indent="0">
+              <a:buNone/>
+            </a:pPr>
+            <a:r>
+              <a:rPr lang="en-US" sz="4000" dirty="0" smtClean="0"/>
+              <a:t>You can have secure storage of API Keys </a:t>
+            </a:r>
+          </a:p>
+          <a:p>
+            <a:pPr marL="0" indent="0">
+              <a:buNone/>
+            </a:pPr>
+            <a:r>
+              <a:rPr lang="en-US" sz="4000" i="1" dirty="0" smtClean="0"/>
+              <a:t>–or</a:t>
+            </a:r>
+            <a:r>
+              <a:rPr lang="en-US" sz="4000" i="1" dirty="0"/>
+              <a:t> –</a:t>
+            </a:r>
+            <a:r>
+              <a:rPr lang="en-US" sz="4000" i="1" dirty="0" smtClean="0"/>
+              <a:t> </a:t>
+            </a:r>
+          </a:p>
+          <a:p>
+            <a:pPr marL="0" indent="0">
+              <a:buNone/>
+            </a:pPr>
+            <a:r>
+              <a:rPr lang="en-US" sz="4000" dirty="0" smtClean="0"/>
+              <a:t>the ability to show users a list of their keys. </a:t>
+            </a:r>
+          </a:p>
+          <a:p>
+            <a:pPr marL="0" indent="0">
+              <a:buNone/>
+            </a:pPr>
+            <a:endParaRPr lang="en-US" sz="4000" b="1" dirty="0"/>
+          </a:p>
+          <a:p>
+            <a:pPr marL="0" indent="0">
+              <a:buNone/>
+            </a:pPr>
+            <a:r>
+              <a:rPr lang="en-US" sz="4000" b="1" dirty="0" smtClean="0"/>
+              <a:t>Not both!</a:t>
+            </a:r>
+            <a:endParaRPr lang="en-US" sz="4000" b="1" dirty="0" smtClean="0"/>
+          </a:p>
+          <a:p>
+            <a:endParaRPr lang="en-US" sz="4000" dirty="0" smtClean="0"/>
+          </a:p>
+          <a:p>
+            <a:endParaRPr lang="en-US" sz="4000" dirty="0"/>
+          </a:p>
+          <a:p>
+            <a:endParaRPr lang="en-US" sz="4000" dirty="0"/>
+          </a:p>
+          <a:p>
+            <a:endParaRPr lang="en-US" sz="4000" dirty="0" smtClean="0"/>
+          </a:p>
+          <a:p>
+            <a:pPr lvl="1"/>
+            <a:endParaRPr lang="en-US" sz="3600" dirty="0" smtClean="0"/>
+          </a:p>
+          <a:p>
+            <a:endParaRPr lang="en-US" sz="4000" dirty="0"/>
+          </a:p>
+        </p:txBody>
+      </p:sp>
+    </p:spTree>
+    <p:extLst>
+      <p:ext uri="{BB962C8B-B14F-4D97-AF65-F5344CB8AC3E}">
+        <p14:creationId xmlns:p14="http://schemas.microsoft.com/office/powerpoint/2010/main" val="3639229323"/>
       </p:ext>
     </p:extLst>
   </p:cSld>
@@ -32861,15 +33476,7 @@
           <a:p>
             <a:r>
               <a:rPr lang="en-US" sz="3600" dirty="0" smtClean="0"/>
-              <a:t>You’re using IIS + Active Directory </a:t>
-            </a:r>
-            <a:r>
-              <a:rPr lang="en-US" sz="3600" dirty="0" smtClean="0"/>
-              <a:t>to </a:t>
-            </a:r>
-            <a:r>
-              <a:rPr lang="en-US" sz="3600" dirty="0" smtClean="0"/>
-              <a:t>secure a private API on trusted network, or</a:t>
+              <a:t>You’re using IIS + Active Directory to secure a private API on trusted network, or</a:t>
             </a:r>
           </a:p>
           <a:p>
@@ -33361,11 +33968,7 @@
             </a:r>
             <a:r>
               <a:rPr lang="en-US" sz="4000" b="1" dirty="0" smtClean="0"/>
-              <a:t>API </a:t>
-            </a:r>
-            <a:r>
-              <a:rPr lang="en-US" sz="4000" b="1" dirty="0" smtClean="0"/>
-              <a:t>Keys as </a:t>
+              <a:t>API Keys as </a:t>
             </a:r>
             <a:r>
               <a:rPr lang="en-US" sz="4000" b="1" u="sng" dirty="0" smtClean="0"/>
@@ -33382,15 +33985,7 @@
           <a:p>
             <a:r>
               <a:rPr lang="en-US" sz="3600" dirty="0" smtClean="0"/>
-              <a:t>You value </a:t>
-            </a:r>
-            <a:r>
-              <a:rPr lang="en-US" sz="3600" dirty="0" smtClean="0"/>
-              <a:t>simplicity over </a:t>
-            </a:r>
-            <a:r>
-              <a:rPr lang="en-US" sz="3600" dirty="0" smtClean="0"/>
-              <a:t>security</a:t>
+              <a:t>You value simplicity over security</a:t>
             </a:r>
           </a:p>
           <a:p>
@@ -33401,7 +33996,6 @@
               <a:rPr lang="en-US" sz="3600" dirty="0" smtClean="0"/>
               <a:t>You can use TLS for all requests</a:t>
             </a:r>
-            <a:endParaRPr lang="en-US" sz="3600" dirty="0" smtClean="0"/>
           </a:p>
           <a:p>
             <a:endParaRPr lang="en-US" sz="3600" dirty="0" smtClean="0"/>
@@ -33567,11 +34161,7 @@
             </a:r>
             <a:r>
               <a:rPr lang="en-US" sz="4000" dirty="0" smtClean="0"/>
-              <a:t> </a:t>
-            </a:r>
-            <a:r>
-              <a:rPr lang="en-US" sz="4000" dirty="0" smtClean="0"/>
-              <a:t>if…</a:t>
+              <a:t> if…</a:t>
             </a:r>
             <a:br>
               <a:rPr lang="en-US" sz="4000" dirty="0" smtClean="0"/>
@@ -33581,11 +34171,7 @@
           <a:p>
             <a:r>
               <a:rPr lang="en-US" sz="3600" dirty="0" smtClean="0"/>
-              <a:t>You </a:t>
-            </a:r>
-            <a:r>
-              <a:rPr lang="en-US" sz="3600" dirty="0" smtClean="0"/>
-              <a:t>want extra security vs bearer tokens, and</a:t>
+              <a:t>You want extra security vs bearer tokens, and</a:t>
             </a:r>
             <a:br>
               <a:rPr lang="en-US" sz="3600" dirty="0" smtClean="0"/>
@@ -33595,13 +34181,8 @@
           <a:p>
             <a:r>
               <a:rPr lang="en-US" sz="3600" dirty="0" smtClean="0"/>
-              <a:t>You </a:t>
-            </a:r>
-            <a:r>
-              <a:rPr lang="en-US" sz="3600" dirty="0" smtClean="0"/>
-              <a:t>can thoroughly document the signing process</a:t>
-            </a:r>
-            <a:endParaRPr lang="en-US" sz="3600" dirty="0" smtClean="0"/>
+              <a:t>You can thoroughly document the signing process</a:t>
+            </a:r>
           </a:p>
           <a:p>
             <a:endParaRPr lang="en-US" sz="3600" dirty="0" smtClean="0"/>
@@ -33771,7 +34352,6 @@
               <a:rPr lang="en-US" sz="3600" dirty="0" smtClean="0"/>
               <a:t>You want a standards-based, self-contained, stateless alternative to in-memory "sessions"</a:t>
             </a:r>
-            <a:endParaRPr lang="en-US" sz="3600" dirty="0" smtClean="0"/>
           </a:p>
           <a:p>
             <a:endParaRPr lang="en-US" sz="3600" dirty="0" smtClean="0"/>
@@ -33946,33 +34526,20 @@
               <a:rPr lang="en-US" sz="3600" dirty="0" smtClean="0"/>
               <a:t>You need to support delegated access to user data, and</a:t>
             </a:r>
-            <a:endParaRPr lang="en-US" sz="3600" dirty="0" smtClean="0"/>
           </a:p>
           <a:p>
             <a:r>
               <a:rPr lang="en-US" sz="3600" dirty="0" smtClean="0"/>
-              <a:t>You </a:t>
-            </a:r>
+              <a:t>You can’t/don’t want to require TLS</a:t>
+            </a:r>
+          </a:p>
+          <a:p>
+            <a:endParaRPr lang="en-US" sz="3600" dirty="0"/>
+          </a:p>
+          <a:p>
             <a:r>
               <a:rPr lang="en-US" sz="3600" dirty="0" smtClean="0"/>
-              <a:t>can’t/don’t want to require </a:t>
-            </a:r>
-            <a:r>
-              <a:rPr lang="en-US" sz="3600" dirty="0" smtClean="0"/>
-              <a:t>TLS</a:t>
-            </a:r>
-          </a:p>
-          <a:p>
-            <a:endParaRPr lang="en-US" sz="3600" dirty="0"/>
-          </a:p>
-          <a:p>
-            <a:r>
-              <a:rPr lang="en-US" sz="3600" dirty="0" smtClean="0"/>
-              <a:t>You </a:t>
-            </a:r>
-            <a:r>
-              <a:rPr lang="en-US" sz="3600" dirty="0" smtClean="0"/>
-              <a:t>care about client/provider interoperability</a:t>
+              <a:t>You care about client/provider interoperability</a:t>
             </a:r>
           </a:p>
           <a:p>
@@ -34142,34 +34709,22 @@
           <a:p>
             <a:r>
               <a:rPr lang="en-US" sz="3600" dirty="0" smtClean="0"/>
-              <a:t>You </a:t>
-            </a:r>
+              <a:t>You want to avoid complexity of signed requests, and</a:t>
+            </a:r>
+          </a:p>
+          <a:p>
             <a:r>
               <a:rPr lang="en-US" sz="3600" dirty="0" smtClean="0"/>
-              <a:t>want to avoid complexity of signed requests, and</a:t>
-            </a:r>
+              <a:t>You can require TLS on all requests</a:t>
+            </a:r>
+          </a:p>
+          <a:p>
+            <a:endParaRPr lang="en-US" sz="3600" dirty="0"/>
           </a:p>
           <a:p>
             <a:r>
               <a:rPr lang="en-US" sz="3600" dirty="0" smtClean="0"/>
-              <a:t>You can require TLS on all </a:t>
-            </a:r>
-            <a:r>
-              <a:rPr lang="en-US" sz="3600" dirty="0" smtClean="0"/>
-              <a:t>requests</a:t>
-            </a:r>
-          </a:p>
-          <a:p>
-            <a:endParaRPr lang="en-US" sz="3600" dirty="0"/>
-          </a:p>
-          <a:p>
-            <a:r>
-              <a:rPr lang="en-US" sz="3600" dirty="0" smtClean="0"/>
-              <a:t>You </a:t>
-            </a:r>
-            <a:r>
-              <a:rPr lang="en-US" sz="3600" dirty="0" smtClean="0"/>
-              <a:t>need to support a wider set of devices and “flows”</a:t>
+              <a:t>You need to support a wider set of devices and “flows”</a:t>
             </a:r>
           </a:p>
           <a:p>
@@ -34525,15 +35080,7 @@
           <a:p>
             <a:r>
               <a:rPr lang="en-US" sz="3600" dirty="0" smtClean="0"/>
-              <a:t>You </a:t>
-            </a:r>
-            <a:r>
-              <a:rPr lang="en-US" sz="3600" dirty="0" smtClean="0"/>
-              <a:t>find XML to be life-affirming and </a:t>
-            </a:r>
-            <a:r>
-              <a:rPr lang="en-US" sz="3600" dirty="0" smtClean="0"/>
-              <a:t>joyful, or</a:t>
+              <a:t>You find XML to be life-affirming and joyful, or</a:t>
             </a:r>
           </a:p>
           <a:p>
@@ -34544,7 +35091,6 @@
               <a:rPr lang="en-US" sz="3600" dirty="0" smtClean="0"/>
               <a:t>You have a Legit Reason To Do It The Hard Way ™</a:t>
             </a:r>
-            <a:endParaRPr lang="en-US" sz="3600" dirty="0" smtClean="0"/>
           </a:p>
           <a:p>
             <a:endParaRPr lang="en-US" sz="3600" dirty="0"/>
@@ -34827,11 +35373,7 @@
             </a:r>
             <a:r>
               <a:rPr lang="en-US" sz="4000" b="1" dirty="0" smtClean="0"/>
-              <a:t>b</a:t>
-            </a:r>
-            <a:r>
-              <a:rPr lang="en-US" sz="4000" b="1" dirty="0" smtClean="0"/>
-              <a:t>earer tokens</a:t>
+              <a:t>bearer tokens</a:t>
             </a:r>
             <a:r>
               <a:rPr lang="en-US" sz="4000" dirty="0" smtClean="0"/>
@@ -34867,7 +35409,6 @@
               <a:rPr lang="en-US" sz="4000" dirty="0" smtClean="0"/>
               <a:t>. Careful about XSS/CSRF!</a:t>
             </a:r>
-            <a:endParaRPr lang="en-US" sz="4000" dirty="0" smtClean="0"/>
           </a:p>
           <a:p>
             <a:endParaRPr lang="en-US" sz="4000" dirty="0" smtClean="0"/>

--- a/Securing Your API Endpoints.pptx
+++ b/Securing Your API Endpoints.pptx
@@ -64,7 +64,7 @@
     <p:sldId id="475" r:id="rId55"/>
     <p:sldId id="490" r:id="rId56"/>
     <p:sldId id="486" r:id="rId57"/>
-    <p:sldId id="482" r:id="rId58"/>
+    <p:sldId id="576" r:id="rId58"/>
     <p:sldId id="527" r:id="rId59"/>
     <p:sldId id="487" r:id="rId60"/>
     <p:sldId id="488" r:id="rId61"/>
@@ -73,9 +73,9 @@
     <p:sldId id="494" r:id="rId64"/>
     <p:sldId id="521" r:id="rId65"/>
     <p:sldId id="498" r:id="rId66"/>
-    <p:sldId id="499" r:id="rId67"/>
-    <p:sldId id="497" r:id="rId68"/>
-    <p:sldId id="500" r:id="rId69"/>
+    <p:sldId id="577" r:id="rId67"/>
+    <p:sldId id="578" r:id="rId68"/>
+    <p:sldId id="579" r:id="rId69"/>
     <p:sldId id="501" r:id="rId70"/>
     <p:sldId id="502" r:id="rId71"/>
     <p:sldId id="538" r:id="rId72"/>
@@ -10204,6 +10204,52 @@
             </a:r>
           </a:p>
           <a:p>
+            <a:endParaRPr lang="en-US" sz="1200" kern="1200" dirty="0" smtClean="0">
+              <a:solidFill>
+                <a:schemeClr val="tx1"/>
+              </a:solidFill>
+              <a:effectLst/>
+              <a:latin typeface="+mn-lt"/>
+              <a:ea typeface="+mn-ea"/>
+              <a:cs typeface="+mn-cs"/>
+            </a:endParaRPr>
+          </a:p>
+          <a:p>
+            <a:r>
+              <a:rPr lang="en-US" sz="1200" kern="1200" dirty="0" smtClean="0">
+                <a:solidFill>
+                  <a:schemeClr val="tx1"/>
+                </a:solidFill>
+                <a:effectLst/>
+                <a:latin typeface="+mn-lt"/>
+                <a:ea typeface="+mn-ea"/>
+                <a:cs typeface="+mn-cs"/>
+              </a:rPr>
+              <a:t>And if the token passes validation, the server knows it can trust</a:t>
+            </a:r>
+            <a:r>
+              <a:rPr lang="en-US" sz="1200" kern="1200" baseline="0" dirty="0" smtClean="0">
+                <a:solidFill>
+                  <a:schemeClr val="tx1"/>
+                </a:solidFill>
+                <a:effectLst/>
+                <a:latin typeface="+mn-lt"/>
+                <a:ea typeface="+mn-ea"/>
+                <a:cs typeface="+mn-cs"/>
+              </a:rPr>
+              <a:t> the claims.</a:t>
+            </a:r>
+            <a:endParaRPr lang="en-US" sz="1200" kern="1200" dirty="0" smtClean="0">
+              <a:solidFill>
+                <a:schemeClr val="tx1"/>
+              </a:solidFill>
+              <a:effectLst/>
+              <a:latin typeface="+mn-lt"/>
+              <a:ea typeface="+mn-ea"/>
+              <a:cs typeface="+mn-cs"/>
+            </a:endParaRPr>
+          </a:p>
+          <a:p>
             <a:endParaRPr lang="en-US" sz="1200" kern="1200" dirty="0">
               <a:solidFill>
                 <a:schemeClr val="tx1"/>
@@ -13546,7 +13592,7 @@
     </p:spTree>
     <p:extLst>
       <p:ext uri="{BB962C8B-B14F-4D97-AF65-F5344CB8AC3E}">
-        <p14:creationId xmlns:p14="http://schemas.microsoft.com/office/powerpoint/2010/main" val="1119205057"/>
+        <p14:creationId xmlns:p14="http://schemas.microsoft.com/office/powerpoint/2010/main" val="2089552448"/>
       </p:ext>
     </p:extLst>
   </p:cSld>
@@ -15563,19 +15609,19 @@
                 <a:ea typeface="+mn-ea"/>
                 <a:cs typeface="+mn-cs"/>
               </a:rPr>
-              <a:t>securely assign an identity to a request</a:t>
-            </a:r>
-            <a:r>
-              <a:rPr lang="en-US" sz="1200" kern="1200" baseline="0" dirty="0">
-                <a:solidFill>
-                  <a:schemeClr val="tx1"/>
-                </a:solidFill>
-                <a:effectLst/>
-                <a:latin typeface="+mn-lt"/>
-                <a:ea typeface="+mn-ea"/>
-                <a:cs typeface="+mn-cs"/>
-              </a:rPr>
-              <a:t>. </a:t>
+              <a:t>securely </a:t>
+            </a:r>
+            <a:r>
+              <a:rPr lang="en-US" sz="1200" b="1" kern="1200" baseline="0" dirty="0" smtClean="0">
+                <a:solidFill>
+                  <a:schemeClr val="tx1"/>
+                </a:solidFill>
+                <a:effectLst/>
+                <a:latin typeface="+mn-lt"/>
+                <a:ea typeface="+mn-ea"/>
+                <a:cs typeface="+mn-cs"/>
+              </a:rPr>
+              <a:t>associate a request to an identity</a:t>
             </a:r>
           </a:p>
           <a:p>
@@ -15963,19 +16009,19 @@
           </a:p>
           <a:p>
             <a:r>
-              <a:rPr lang="en-US" sz="1200" kern="1200" baseline="0" dirty="0">
-                <a:solidFill>
-                  <a:schemeClr val="tx1"/>
-                </a:solidFill>
-                <a:effectLst/>
-                <a:latin typeface="+mn-lt"/>
-                <a:ea typeface="+mn-ea"/>
-                <a:cs typeface="+mn-cs"/>
-              </a:rPr>
-              <a:t>If you have a token, &amp; token authorized to obtain identity information, is </a:t>
-            </a:r>
-            <a:r>
-              <a:rPr lang="en-US" sz="1200" i="1" kern="1200" baseline="0" dirty="0">
+              <a:rPr lang="en-US" sz="1200" kern="1200" baseline="0" dirty="0" smtClean="0">
+                <a:solidFill>
+                  <a:schemeClr val="tx1"/>
+                </a:solidFill>
+                <a:effectLst/>
+                <a:latin typeface="+mn-lt"/>
+                <a:ea typeface="+mn-ea"/>
+                <a:cs typeface="+mn-cs"/>
+              </a:rPr>
+              <a:t>Let's say you call the authorization server and you get a token. And that token lets you call an API, which will return the email address associated with that token. Is </a:t>
+            </a:r>
+            <a:r>
+              <a:rPr lang="en-US" sz="1200" i="1" kern="1200" baseline="0" dirty="0" smtClean="0">
                 <a:solidFill>
                   <a:schemeClr val="tx1"/>
                 </a:solidFill>
@@ -16182,7 +16228,7 @@
     </p:spTree>
     <p:extLst>
       <p:ext uri="{BB962C8B-B14F-4D97-AF65-F5344CB8AC3E}">
-        <p14:creationId xmlns:p14="http://schemas.microsoft.com/office/powerpoint/2010/main" val="3673203546"/>
+        <p14:creationId xmlns:p14="http://schemas.microsoft.com/office/powerpoint/2010/main" val="3326098829"/>
       </p:ext>
     </p:extLst>
   </p:cSld>
@@ -16246,7 +16292,55 @@
                 <a:ea typeface="+mn-ea"/>
                 <a:cs typeface="+mn-cs"/>
               </a:rPr>
-              <a:t>Let’s say there is a website that lets people “log in with Facebook”. </a:t>
+              <a:t>Let’s say there is a website </a:t>
+            </a:r>
+            <a:r>
+              <a:rPr lang="en-US" sz="1200" kern="1200" dirty="0" smtClean="0">
+                <a:solidFill>
+                  <a:schemeClr val="tx1"/>
+                </a:solidFill>
+                <a:effectLst/>
+                <a:latin typeface="+mn-lt"/>
+                <a:ea typeface="+mn-ea"/>
+                <a:cs typeface="+mn-cs"/>
+              </a:rPr>
+              <a:t>called BadGuy.com</a:t>
+            </a:r>
+            <a:r>
+              <a:rPr lang="en-US" sz="1200" kern="1200" baseline="0" dirty="0" smtClean="0">
+                <a:solidFill>
+                  <a:schemeClr val="tx1"/>
+                </a:solidFill>
+                <a:effectLst/>
+                <a:latin typeface="+mn-lt"/>
+                <a:ea typeface="+mn-ea"/>
+                <a:cs typeface="+mn-cs"/>
+              </a:rPr>
+              <a:t> </a:t>
+            </a:r>
+            <a:r>
+              <a:rPr lang="en-US" sz="1200" kern="1200" dirty="0" smtClean="0">
+                <a:solidFill>
+                  <a:schemeClr val="tx1"/>
+                </a:solidFill>
+                <a:effectLst/>
+                <a:latin typeface="+mn-lt"/>
+                <a:ea typeface="+mn-ea"/>
+                <a:cs typeface="+mn-cs"/>
+              </a:rPr>
+              <a:t>that </a:t>
+            </a:r>
+            <a:r>
+              <a:rPr lang="en-US" sz="1200" kern="1200" dirty="0">
+                <a:solidFill>
+                  <a:schemeClr val="tx1"/>
+                </a:solidFill>
+                <a:effectLst/>
+                <a:latin typeface="+mn-lt"/>
+                <a:ea typeface="+mn-ea"/>
+                <a:cs typeface="+mn-cs"/>
+              </a:rPr>
+              <a:t>lets people “log in with Facebook”. </a:t>
             </a:r>
           </a:p>
           <a:p>
@@ -16275,7 +16369,43 @@
                 <a:ea typeface="+mn-ea"/>
                 <a:cs typeface="+mn-cs"/>
               </a:rPr>
-              <a:t>I go to Foo.com and follow normal OAuth flow and </a:t>
+              <a:t>I go to </a:t>
+            </a:r>
+            <a:r>
+              <a:rPr lang="en-US" sz="1200" kern="1200" dirty="0" smtClean="0">
+                <a:solidFill>
+                  <a:schemeClr val="tx1"/>
+                </a:solidFill>
+                <a:effectLst/>
+                <a:latin typeface="+mn-lt"/>
+                <a:ea typeface="+mn-ea"/>
+                <a:cs typeface="+mn-cs"/>
+              </a:rPr>
+              <a:t>BadGuy.com and, using the normal OAuth</a:t>
+            </a:r>
+            <a:r>
+              <a:rPr lang="en-US" sz="1200" kern="1200" baseline="0" dirty="0" smtClean="0">
+                <a:solidFill>
+                  <a:schemeClr val="tx1"/>
+                </a:solidFill>
+                <a:effectLst/>
+                <a:latin typeface="+mn-lt"/>
+                <a:ea typeface="+mn-ea"/>
+                <a:cs typeface="+mn-cs"/>
+              </a:rPr>
+              <a:t> flow, I </a:t>
+            </a:r>
+            <a:r>
+              <a:rPr lang="en-US" sz="1200" b="1" kern="1200" dirty="0" smtClean="0">
+                <a:solidFill>
+                  <a:schemeClr val="tx1"/>
+                </a:solidFill>
+                <a:effectLst/>
+                <a:latin typeface="+mn-lt"/>
+                <a:ea typeface="+mn-ea"/>
+                <a:cs typeface="+mn-cs"/>
+              </a:rPr>
+              <a:t>authenticate </a:t>
             </a:r>
             <a:r>
               <a:rPr lang="en-US" sz="1200" b="1" kern="1200" dirty="0">
@@ -16287,91 +16417,55 @@
                 <a:ea typeface="+mn-ea"/>
                 <a:cs typeface="+mn-cs"/>
               </a:rPr>
-              <a:t>authenticate against Facebook</a:t>
-            </a:r>
-            <a:r>
-              <a:rPr lang="en-US" sz="1200" kern="1200" dirty="0">
-                <a:solidFill>
-                  <a:schemeClr val="tx1"/>
-                </a:solidFill>
-                <a:effectLst/>
-                <a:latin typeface="+mn-lt"/>
-                <a:ea typeface="+mn-ea"/>
-                <a:cs typeface="+mn-cs"/>
-              </a:rPr>
-              <a:t>, </a:t>
-            </a:r>
-          </a:p>
-          <a:p>
-            <a:pPr marL="171450" indent="-171450">
-              <a:buFont typeface="Arial" panose="020B0604020202020204" pitchFamily="34" charset="0"/>
-              <a:buChar char="•"/>
-            </a:pPr>
-            <a:r>
-              <a:rPr lang="en-US" sz="1200" kern="1200" dirty="0">
-                <a:solidFill>
-                  <a:schemeClr val="tx1"/>
-                </a:solidFill>
-                <a:effectLst/>
-                <a:latin typeface="+mn-lt"/>
-                <a:ea typeface="+mn-ea"/>
-                <a:cs typeface="+mn-cs"/>
-              </a:rPr>
-              <a:t>I authorize Foo.com to access my data and get redirected back to Foo.com with an access token. </a:t>
-            </a:r>
-          </a:p>
-          <a:p>
-            <a:pPr marL="171450" indent="-171450">
-              <a:buFont typeface="Arial" panose="020B0604020202020204" pitchFamily="34" charset="0"/>
-              <a:buChar char="•"/>
-            </a:pPr>
-            <a:r>
-              <a:rPr lang="en-US" sz="1200" kern="1200" dirty="0">
-                <a:solidFill>
-                  <a:schemeClr val="tx1"/>
-                </a:solidFill>
-                <a:effectLst/>
-                <a:latin typeface="+mn-lt"/>
-                <a:ea typeface="+mn-ea"/>
-                <a:cs typeface="+mn-cs"/>
-              </a:rPr>
-              <a:t>Foo.com </a:t>
-            </a:r>
-            <a:r>
-              <a:rPr lang="en-US" sz="1200" b="1" kern="1200" dirty="0">
-                <a:solidFill>
-                  <a:schemeClr val="tx1"/>
-                </a:solidFill>
-                <a:effectLst/>
-                <a:latin typeface="+mn-lt"/>
-                <a:ea typeface="+mn-ea"/>
-                <a:cs typeface="+mn-cs"/>
-              </a:rPr>
-              <a:t>uses token</a:t>
-            </a:r>
-            <a:r>
-              <a:rPr lang="en-US" sz="1200" kern="1200" dirty="0">
-                <a:solidFill>
-                  <a:schemeClr val="tx1"/>
-                </a:solidFill>
-                <a:effectLst/>
-                <a:latin typeface="+mn-lt"/>
-                <a:ea typeface="+mn-ea"/>
-                <a:cs typeface="+mn-cs"/>
-              </a:rPr>
-              <a:t> to call Facebook’s API, gets my email address, and considers me </a:t>
-            </a:r>
-            <a:r>
-              <a:rPr lang="en-US" sz="1200" b="1" kern="1200" dirty="0">
-                <a:solidFill>
-                  <a:schemeClr val="tx1"/>
-                </a:solidFill>
-                <a:effectLst/>
-                <a:latin typeface="+mn-lt"/>
-                <a:ea typeface="+mn-ea"/>
-                <a:cs typeface="+mn-cs"/>
-              </a:rPr>
-              <a:t>logged in to FOO</a:t>
+              <a:t>against </a:t>
+            </a:r>
+            <a:r>
+              <a:rPr lang="en-US" sz="1200" b="1" kern="1200" dirty="0" smtClean="0">
+                <a:solidFill>
+                  <a:schemeClr val="tx1"/>
+                </a:solidFill>
+                <a:effectLst/>
+                <a:latin typeface="+mn-lt"/>
+                <a:ea typeface="+mn-ea"/>
+                <a:cs typeface="+mn-cs"/>
+              </a:rPr>
+              <a:t>Facebook</a:t>
+            </a:r>
+            <a:r>
+              <a:rPr lang="en-US" sz="1200" b="0" kern="1200" baseline="0" dirty="0" smtClean="0">
+                <a:solidFill>
+                  <a:schemeClr val="tx1"/>
+                </a:solidFill>
+                <a:effectLst/>
+                <a:latin typeface="+mn-lt"/>
+                <a:ea typeface="+mn-ea"/>
+                <a:cs typeface="+mn-cs"/>
+              </a:rPr>
+              <a:t> and then </a:t>
+            </a:r>
+            <a:r>
+              <a:rPr lang="en-US" sz="1200" b="1" kern="1200" baseline="0" dirty="0" smtClean="0">
+                <a:solidFill>
+                  <a:schemeClr val="tx1"/>
+                </a:solidFill>
+                <a:effectLst/>
+                <a:latin typeface="+mn-lt"/>
+                <a:ea typeface="+mn-ea"/>
+                <a:cs typeface="+mn-cs"/>
+              </a:rPr>
+              <a:t>authorize Facebook</a:t>
+            </a:r>
+            <a:r>
+              <a:rPr lang="en-US" sz="1200" b="0" kern="1200" baseline="0" dirty="0" smtClean="0">
+                <a:solidFill>
+                  <a:schemeClr val="tx1"/>
+                </a:solidFill>
+                <a:effectLst/>
+                <a:latin typeface="+mn-lt"/>
+                <a:ea typeface="+mn-ea"/>
+                <a:cs typeface="+mn-cs"/>
+              </a:rPr>
+              <a:t> to give my profile data to BadGuy.com</a:t>
             </a:r>
             <a:endParaRPr lang="en-US" sz="1200" kern="1200" dirty="0">
               <a:solidFill>
@@ -16389,6 +16483,54 @@
               <a:buChar char="•"/>
             </a:pPr>
             <a:r>
+              <a:rPr lang="en-US" sz="1200" kern="1200" dirty="0" smtClean="0">
+                <a:solidFill>
+                  <a:schemeClr val="tx1"/>
+                </a:solidFill>
+                <a:effectLst/>
+                <a:latin typeface="+mn-lt"/>
+                <a:ea typeface="+mn-ea"/>
+                <a:cs typeface="+mn-cs"/>
+              </a:rPr>
+              <a:t>BadGuy.com</a:t>
+            </a:r>
+            <a:r>
+              <a:rPr lang="en-US" sz="1200" kern="1200" baseline="0" dirty="0" smtClean="0">
+                <a:solidFill>
+                  <a:schemeClr val="tx1"/>
+                </a:solidFill>
+                <a:effectLst/>
+                <a:latin typeface="+mn-lt"/>
+                <a:ea typeface="+mn-ea"/>
+                <a:cs typeface="+mn-cs"/>
+              </a:rPr>
+              <a:t> </a:t>
+            </a:r>
+            <a:r>
+              <a:rPr lang="en-US" sz="1200" b="1" kern="1200" dirty="0" smtClean="0">
+                <a:solidFill>
+                  <a:schemeClr val="tx1"/>
+                </a:solidFill>
+                <a:effectLst/>
+                <a:latin typeface="+mn-lt"/>
+                <a:ea typeface="+mn-ea"/>
+                <a:cs typeface="+mn-cs"/>
+              </a:rPr>
+              <a:t>uses </a:t>
+            </a:r>
+            <a:r>
+              <a:rPr lang="en-US" sz="1200" b="1" kern="1200" dirty="0">
+                <a:solidFill>
+                  <a:schemeClr val="tx1"/>
+                </a:solidFill>
+                <a:effectLst/>
+                <a:latin typeface="+mn-lt"/>
+                <a:ea typeface="+mn-ea"/>
+                <a:cs typeface="+mn-cs"/>
+              </a:rPr>
+              <a:t>token</a:t>
+            </a:r>
+            <a:r>
               <a:rPr lang="en-US" sz="1200" kern="1200" dirty="0">
                 <a:solidFill>
                   <a:schemeClr val="tx1"/>
@@ -16398,7 +16540,31 @@
                 <a:ea typeface="+mn-ea"/>
                 <a:cs typeface="+mn-cs"/>
               </a:rPr>
-              <a:t>I have </a:t>
+              <a:t> to call Facebook’s API, gets my email address, and </a:t>
+            </a:r>
+            <a:r>
+              <a:rPr lang="en-US" sz="1200" kern="1200" dirty="0" smtClean="0">
+                <a:solidFill>
+                  <a:schemeClr val="tx1"/>
+                </a:solidFill>
+                <a:effectLst/>
+                <a:latin typeface="+mn-lt"/>
+                <a:ea typeface="+mn-ea"/>
+                <a:cs typeface="+mn-cs"/>
+              </a:rPr>
+              <a:t>now considers </a:t>
+            </a:r>
+            <a:r>
+              <a:rPr lang="en-US" sz="1200" kern="1200" dirty="0">
+                <a:solidFill>
+                  <a:schemeClr val="tx1"/>
+                </a:solidFill>
+                <a:effectLst/>
+                <a:latin typeface="+mn-lt"/>
+                <a:ea typeface="+mn-ea"/>
+                <a:cs typeface="+mn-cs"/>
+              </a:rPr>
+              <a:t>me </a:t>
             </a:r>
             <a:r>
               <a:rPr lang="en-US" sz="1200" b="1" kern="1200" dirty="0">
@@ -16410,92 +16576,57 @@
                 <a:ea typeface="+mn-ea"/>
                 <a:cs typeface="+mn-cs"/>
               </a:rPr>
-              <a:t>given Foo</a:t>
-            </a:r>
-            <a:r>
-              <a:rPr lang="en-US" sz="1200" b="1" kern="1200" baseline="0" dirty="0">
-                <a:solidFill>
-                  <a:schemeClr val="tx1"/>
-                </a:solidFill>
-                <a:effectLst/>
-                <a:latin typeface="+mn-lt"/>
-                <a:ea typeface="+mn-ea"/>
-                <a:cs typeface="+mn-cs"/>
-              </a:rPr>
-              <a:t> access to my profile</a:t>
-            </a:r>
-            <a:r>
-              <a:rPr lang="en-US" sz="1200" b="0" kern="1200" baseline="0" dirty="0">
-                <a:solidFill>
-                  <a:schemeClr val="tx1"/>
-                </a:solidFill>
-                <a:effectLst/>
-                <a:latin typeface="+mn-lt"/>
-                <a:ea typeface="+mn-ea"/>
-                <a:cs typeface="+mn-cs"/>
-              </a:rPr>
-              <a:t> and in exchange, </a:t>
-            </a:r>
-            <a:r>
-              <a:rPr lang="en-US" sz="1200" b="1" kern="1200" baseline="0" dirty="0">
-                <a:solidFill>
-                  <a:schemeClr val="tx1"/>
-                </a:solidFill>
-                <a:effectLst/>
-                <a:latin typeface="+mn-lt"/>
-                <a:ea typeface="+mn-ea"/>
-                <a:cs typeface="+mn-cs"/>
-              </a:rPr>
-              <a:t>Foo gives me access to my account</a:t>
-            </a:r>
-            <a:r>
-              <a:rPr lang="en-US" sz="1200" b="0" kern="1200" baseline="0" dirty="0">
-                <a:solidFill>
-                  <a:schemeClr val="tx1"/>
-                </a:solidFill>
-                <a:effectLst/>
-                <a:latin typeface="+mn-lt"/>
-                <a:ea typeface="+mn-ea"/>
-                <a:cs typeface="+mn-cs"/>
-              </a:rPr>
-              <a:t> on FOO</a:t>
-            </a:r>
-            <a:endParaRPr lang="en-US" sz="1200" kern="1200" dirty="0">
-              <a:solidFill>
-                <a:schemeClr val="tx1"/>
-              </a:solidFill>
-              <a:effectLst/>
-              <a:latin typeface="+mn-lt"/>
-              <a:ea typeface="+mn-ea"/>
-              <a:cs typeface="+mn-cs"/>
-            </a:endParaRPr>
-          </a:p>
-          <a:p>
-            <a:pPr marL="0" indent="0">
-              <a:buFont typeface="Arial" panose="020B0604020202020204" pitchFamily="34" charset="0"/>
-              <a:buNone/>
-            </a:pPr>
-            <a:r>
-              <a:rPr lang="en-US" sz="1200" kern="1200" dirty="0">
-                <a:solidFill>
-                  <a:schemeClr val="tx1"/>
-                </a:solidFill>
-                <a:effectLst/>
-                <a:latin typeface="+mn-lt"/>
-                <a:ea typeface="+mn-ea"/>
-                <a:cs typeface="+mn-cs"/>
-              </a:rPr>
-              <a:t> </a:t>
-            </a:r>
-          </a:p>
-          <a:p>
+              <a:t>logged </a:t>
+            </a:r>
+            <a:r>
+              <a:rPr lang="en-US" sz="1200" b="1" kern="1200" dirty="0" smtClean="0">
+                <a:solidFill>
+                  <a:schemeClr val="tx1"/>
+                </a:solidFill>
+                <a:effectLst/>
+                <a:latin typeface="+mn-lt"/>
+                <a:ea typeface="+mn-ea"/>
+                <a:cs typeface="+mn-cs"/>
+              </a:rPr>
+              <a:t>in</a:t>
+            </a:r>
+          </a:p>
+          <a:p>
+            <a:endParaRPr lang="en-US" dirty="0" smtClean="0"/>
+          </a:p>
+          <a:p>
+            <a:r>
+              <a:rPr lang="en-US" dirty="0" smtClean="0"/>
+              <a:t>At </a:t>
+            </a:r>
             <a:r>
               <a:rPr lang="en-US" dirty="0"/>
-              <a:t>At this point, I have</a:t>
-            </a:r>
-            <a:r>
-              <a:rPr lang="en-US" baseline="0" dirty="0"/>
-              <a:t> access to my full FOO account</a:t>
+              <a:t>this point, </a:t>
+            </a:r>
+            <a:r>
+              <a:rPr lang="en-US" baseline="0" dirty="0" err="1" smtClean="0"/>
+              <a:t>BadGuy</a:t>
+            </a:r>
+            <a:r>
+              <a:rPr lang="en-US" baseline="0" dirty="0" smtClean="0"/>
+              <a:t> has access to the email address associated with my FB account, and I have full access to my account at </a:t>
+            </a:r>
+            <a:r>
+              <a:rPr lang="en-US" baseline="0" dirty="0" err="1" smtClean="0"/>
+              <a:t>BadGuy</a:t>
+            </a:r>
+            <a:r>
+              <a:rPr lang="en-US" baseline="0" dirty="0" smtClean="0"/>
+              <a:t>.</a:t>
+            </a:r>
+          </a:p>
+          <a:p>
+            <a:endParaRPr lang="en-US" baseline="0" dirty="0" smtClean="0"/>
+          </a:p>
+          <a:p>
+            <a:r>
+              <a:rPr lang="en-US" baseline="0" dirty="0" smtClean="0"/>
+              <a:t>So far, so good.</a:t>
             </a:r>
             <a:endParaRPr lang="en-US" dirty="0"/>
           </a:p>
@@ -16527,7 +16658,7 @@
     </p:spTree>
     <p:extLst>
       <p:ext uri="{BB962C8B-B14F-4D97-AF65-F5344CB8AC3E}">
-        <p14:creationId xmlns:p14="http://schemas.microsoft.com/office/powerpoint/2010/main" val="1154539823"/>
+        <p14:creationId xmlns:p14="http://schemas.microsoft.com/office/powerpoint/2010/main" val="1833771112"/>
       </p:ext>
     </p:extLst>
   </p:cSld>
@@ -16582,6 +16713,42 @@
           <a:lstStyle/>
           <a:p>
             <a:r>
+              <a:rPr lang="en-US" sz="1200" kern="1200" dirty="0" smtClean="0">
+                <a:solidFill>
+                  <a:schemeClr val="tx1"/>
+                </a:solidFill>
+                <a:effectLst/>
+                <a:latin typeface="+mn-lt"/>
+                <a:ea typeface="+mn-ea"/>
+                <a:cs typeface="+mn-cs"/>
+              </a:rPr>
+              <a:t>Now, shocker, it</a:t>
+            </a:r>
+            <a:r>
+              <a:rPr lang="en-US" sz="1200" kern="1200" baseline="0" dirty="0" smtClean="0">
+                <a:solidFill>
+                  <a:schemeClr val="tx1"/>
+                </a:solidFill>
+                <a:effectLst/>
+                <a:latin typeface="+mn-lt"/>
+                <a:ea typeface="+mn-ea"/>
+                <a:cs typeface="+mn-cs"/>
+              </a:rPr>
+              <a:t> turns out that BadGuy.com isn't trustworthy. </a:t>
+            </a:r>
+            <a:r>
+              <a:rPr lang="en-US" sz="1200" kern="1200" dirty="0" smtClean="0">
+                <a:solidFill>
+                  <a:schemeClr val="tx1"/>
+                </a:solidFill>
+                <a:effectLst/>
+                <a:latin typeface="+mn-lt"/>
+                <a:ea typeface="+mn-ea"/>
+                <a:cs typeface="+mn-cs"/>
+              </a:rPr>
+              <a:t>It </a:t>
+            </a:r>
+            <a:r>
               <a:rPr lang="en-US" sz="1200" kern="1200" dirty="0">
                 <a:solidFill>
                   <a:schemeClr val="tx1"/>
@@ -16591,11 +16758,59 @@
                 <a:ea typeface="+mn-ea"/>
                 <a:cs typeface="+mn-cs"/>
               </a:rPr>
-              <a:t>Let’s say Foo.com isn’t trustworthy. It turns around and makes a login request against Bar.com, which also allows Facebook logins. </a:t>
-            </a:r>
-          </a:p>
-          <a:p>
-            <a:endParaRPr lang="en-US" sz="1200" kern="1200" dirty="0">
+              <a:t>turns around and </a:t>
+            </a:r>
+            <a:r>
+              <a:rPr lang="en-US" sz="1200" kern="1200" dirty="0" smtClean="0">
+                <a:solidFill>
+                  <a:schemeClr val="tx1"/>
+                </a:solidFill>
+                <a:effectLst/>
+                <a:latin typeface="+mn-lt"/>
+                <a:ea typeface="+mn-ea"/>
+                <a:cs typeface="+mn-cs"/>
+              </a:rPr>
+              <a:t>tries to log in </a:t>
+            </a:r>
+            <a:r>
+              <a:rPr lang="en-US" sz="1200" u="sng" kern="1200" dirty="0" smtClean="0">
+                <a:solidFill>
+                  <a:schemeClr val="tx1"/>
+                </a:solidFill>
+                <a:effectLst/>
+                <a:latin typeface="+mn-lt"/>
+                <a:ea typeface="+mn-ea"/>
+                <a:cs typeface="+mn-cs"/>
+              </a:rPr>
+              <a:t>as me</a:t>
+            </a:r>
+            <a:r>
+              <a:rPr lang="en-US" sz="1200" kern="1200" dirty="0" smtClean="0">
+                <a:solidFill>
+                  <a:schemeClr val="tx1"/>
+                </a:solidFill>
+                <a:effectLst/>
+                <a:latin typeface="+mn-lt"/>
+                <a:ea typeface="+mn-ea"/>
+                <a:cs typeface="+mn-cs"/>
+              </a:rPr>
+              <a:t> to Victim.com, </a:t>
+            </a:r>
+            <a:r>
+              <a:rPr lang="en-US" sz="1200" kern="1200" dirty="0">
+                <a:solidFill>
+                  <a:schemeClr val="tx1"/>
+                </a:solidFill>
+                <a:effectLst/>
+                <a:latin typeface="+mn-lt"/>
+                <a:ea typeface="+mn-ea"/>
+                <a:cs typeface="+mn-cs"/>
+              </a:rPr>
+              <a:t>which also allows Facebook logins. </a:t>
+            </a:r>
+          </a:p>
+          <a:p>
+            <a:endParaRPr lang="en-US" sz="1200" kern="1200" dirty="0" smtClean="0">
               <a:solidFill>
                 <a:schemeClr val="tx1"/>
               </a:solidFill>
@@ -16606,57 +16821,53 @@
             </a:endParaRPr>
           </a:p>
           <a:p>
-            <a:pPr marL="171450" indent="-171450">
-              <a:buFont typeface="Arial" panose="020B0604020202020204" pitchFamily="34" charset="0"/>
-              <a:buChar char="•"/>
-            </a:pPr>
-            <a:r>
-              <a:rPr lang="en-US" sz="1200" kern="1200" dirty="0">
-                <a:solidFill>
-                  <a:schemeClr val="tx1"/>
-                </a:solidFill>
-                <a:effectLst/>
-                <a:latin typeface="+mn-lt"/>
-                <a:ea typeface="+mn-ea"/>
-                <a:cs typeface="+mn-cs"/>
-              </a:rPr>
-              <a:t>Instead of going</a:t>
-            </a:r>
-            <a:r>
-              <a:rPr lang="en-US" sz="1200" kern="1200" baseline="0" dirty="0">
-                <a:solidFill>
-                  <a:schemeClr val="tx1"/>
-                </a:solidFill>
-                <a:effectLst/>
-                <a:latin typeface="+mn-lt"/>
-                <a:ea typeface="+mn-ea"/>
-                <a:cs typeface="+mn-cs"/>
-              </a:rPr>
-              <a:t> through </a:t>
-            </a:r>
-            <a:r>
-              <a:rPr lang="en-US" sz="1200" kern="1200" baseline="0" dirty="0" err="1">
-                <a:solidFill>
-                  <a:schemeClr val="tx1"/>
-                </a:solidFill>
-                <a:effectLst/>
-                <a:latin typeface="+mn-lt"/>
-                <a:ea typeface="+mn-ea"/>
-                <a:cs typeface="+mn-cs"/>
-              </a:rPr>
-              <a:t>Auth</a:t>
-            </a:r>
-            <a:r>
-              <a:rPr lang="en-US" sz="1200" kern="1200" baseline="0" dirty="0">
-                <a:solidFill>
-                  <a:schemeClr val="tx1"/>
-                </a:solidFill>
-                <a:effectLst/>
-                <a:latin typeface="+mn-lt"/>
-                <a:ea typeface="+mn-ea"/>
-                <a:cs typeface="+mn-cs"/>
-              </a:rPr>
-              <a:t> process, Foo </a:t>
+            <a:r>
+              <a:rPr lang="en-US" sz="1200" kern="1200" dirty="0" smtClean="0">
+                <a:solidFill>
+                  <a:schemeClr val="tx1"/>
+                </a:solidFill>
+                <a:effectLst/>
+                <a:latin typeface="+mn-lt"/>
+                <a:ea typeface="+mn-ea"/>
+                <a:cs typeface="+mn-cs"/>
+              </a:rPr>
+              <a:t>But instead of going through the </a:t>
+            </a:r>
+            <a:r>
+              <a:rPr lang="en-US" sz="1200" kern="1200" dirty="0" err="1" smtClean="0">
+                <a:solidFill>
+                  <a:schemeClr val="tx1"/>
+                </a:solidFill>
+                <a:effectLst/>
+                <a:latin typeface="+mn-lt"/>
+                <a:ea typeface="+mn-ea"/>
+                <a:cs typeface="+mn-cs"/>
+              </a:rPr>
+              <a:t>auth</a:t>
+            </a:r>
+            <a:r>
+              <a:rPr lang="en-US" sz="1200" kern="1200" baseline="0" dirty="0" smtClean="0">
+                <a:solidFill>
+                  <a:schemeClr val="tx1"/>
+                </a:solidFill>
+                <a:effectLst/>
+                <a:latin typeface="+mn-lt"/>
+                <a:ea typeface="+mn-ea"/>
+                <a:cs typeface="+mn-cs"/>
+              </a:rPr>
+              <a:t> process, BadGuy.com </a:t>
+            </a:r>
+            <a:r>
+              <a:rPr lang="en-US" sz="1200" b="1" kern="1200" baseline="0" dirty="0" smtClean="0">
+                <a:solidFill>
+                  <a:schemeClr val="tx1"/>
+                </a:solidFill>
+                <a:effectLst/>
+                <a:latin typeface="+mn-lt"/>
+                <a:ea typeface="+mn-ea"/>
+                <a:cs typeface="+mn-cs"/>
+              </a:rPr>
+              <a:t>reuses the </a:t>
             </a:r>
             <a:r>
               <a:rPr lang="en-US" sz="1200" b="1" kern="1200" baseline="0" dirty="0">
@@ -16668,7 +16879,7 @@
                 <a:ea typeface="+mn-ea"/>
                 <a:cs typeface="+mn-cs"/>
               </a:rPr>
-              <a:t>resubmits the access token </a:t>
+              <a:t>access token </a:t>
             </a:r>
             <a:r>
               <a:rPr lang="en-US" sz="1200" b="0" kern="1200" baseline="0" dirty="0">
@@ -16680,141 +16891,23 @@
                 <a:ea typeface="+mn-ea"/>
                 <a:cs typeface="+mn-cs"/>
               </a:rPr>
-              <a:t>they obtained from my authorization</a:t>
-            </a:r>
-          </a:p>
-          <a:p>
-            <a:pPr marL="171450" indent="-171450">
-              <a:buFont typeface="Arial" panose="020B0604020202020204" pitchFamily="34" charset="0"/>
-              <a:buChar char="•"/>
-            </a:pPr>
-            <a:r>
-              <a:rPr lang="en-US" sz="1200" b="0" kern="1200" baseline="0" dirty="0">
-                <a:solidFill>
-                  <a:schemeClr val="tx1"/>
-                </a:solidFill>
-                <a:effectLst/>
-                <a:latin typeface="+mn-lt"/>
-                <a:ea typeface="+mn-ea"/>
-                <a:cs typeface="+mn-cs"/>
-              </a:rPr>
-              <a:t>B</a:t>
-            </a:r>
-            <a:r>
-              <a:rPr lang="en-US" sz="1200" kern="1200" dirty="0">
-                <a:solidFill>
-                  <a:schemeClr val="tx1"/>
-                </a:solidFill>
-                <a:effectLst/>
-                <a:latin typeface="+mn-lt"/>
-                <a:ea typeface="+mn-ea"/>
-                <a:cs typeface="+mn-cs"/>
-              </a:rPr>
-              <a:t>ar </a:t>
-            </a:r>
-            <a:r>
-              <a:rPr lang="en-US" sz="1200" b="1" kern="1200" dirty="0">
-                <a:solidFill>
-                  <a:schemeClr val="tx1"/>
-                </a:solidFill>
-                <a:effectLst/>
-                <a:latin typeface="+mn-lt"/>
-                <a:ea typeface="+mn-ea"/>
-                <a:cs typeface="+mn-cs"/>
-              </a:rPr>
-              <a:t>uses that access token</a:t>
-            </a:r>
-            <a:r>
-              <a:rPr lang="en-US" sz="1200" kern="1200" dirty="0">
-                <a:solidFill>
-                  <a:schemeClr val="tx1"/>
-                </a:solidFill>
-                <a:effectLst/>
-                <a:latin typeface="+mn-lt"/>
-                <a:ea typeface="+mn-ea"/>
-                <a:cs typeface="+mn-cs"/>
-              </a:rPr>
-              <a:t> to call Facebook’s API and is given </a:t>
-            </a:r>
-            <a:r>
-              <a:rPr lang="en-US" sz="1200" b="1" kern="1200" dirty="0">
-                <a:solidFill>
-                  <a:schemeClr val="tx1"/>
-                </a:solidFill>
-                <a:effectLst/>
-                <a:latin typeface="+mn-lt"/>
-                <a:ea typeface="+mn-ea"/>
-                <a:cs typeface="+mn-cs"/>
-              </a:rPr>
-              <a:t>my data</a:t>
-            </a:r>
-          </a:p>
-          <a:p>
-            <a:pPr marL="171450" indent="-171450">
-              <a:buFont typeface="Arial" panose="020B0604020202020204" pitchFamily="34" charset="0"/>
-              <a:buChar char="•"/>
-            </a:pPr>
-            <a:r>
-              <a:rPr lang="en-US" sz="1200" b="0" kern="1200" dirty="0">
-                <a:solidFill>
-                  <a:schemeClr val="tx1"/>
-                </a:solidFill>
-                <a:effectLst/>
-                <a:latin typeface="+mn-lt"/>
-                <a:ea typeface="+mn-ea"/>
-                <a:cs typeface="+mn-cs"/>
-              </a:rPr>
-              <a:t>Bar then</a:t>
-            </a:r>
-            <a:r>
-              <a:rPr lang="en-US" sz="1200" b="0" kern="1200" baseline="0" dirty="0">
-                <a:solidFill>
-                  <a:schemeClr val="tx1"/>
-                </a:solidFill>
-                <a:effectLst/>
-                <a:latin typeface="+mn-lt"/>
-                <a:ea typeface="+mn-ea"/>
-                <a:cs typeface="+mn-cs"/>
-              </a:rPr>
-              <a:t> assumes that </a:t>
-            </a:r>
-            <a:r>
-              <a:rPr lang="en-US" sz="1200" b="1" kern="1200" baseline="0" dirty="0">
-                <a:solidFill>
-                  <a:schemeClr val="tx1"/>
-                </a:solidFill>
-                <a:effectLst/>
-                <a:latin typeface="+mn-lt"/>
-                <a:ea typeface="+mn-ea"/>
-                <a:cs typeface="+mn-cs"/>
-              </a:rPr>
-              <a:t>Foo has authenticated as me</a:t>
-            </a:r>
-            <a:r>
-              <a:rPr lang="en-US" sz="1200" kern="1200" baseline="0" dirty="0">
-                <a:solidFill>
-                  <a:schemeClr val="tx1"/>
-                </a:solidFill>
-                <a:effectLst/>
-                <a:latin typeface="+mn-lt"/>
-                <a:ea typeface="+mn-ea"/>
-                <a:cs typeface="+mn-cs"/>
-              </a:rPr>
-              <a:t>, so Foo is logged in and given access to </a:t>
-            </a:r>
-            <a:r>
-              <a:rPr lang="en-US" sz="1200" b="1" kern="1200" baseline="0" dirty="0">
-                <a:solidFill>
-                  <a:schemeClr val="tx1"/>
-                </a:solidFill>
-                <a:effectLst/>
-                <a:latin typeface="+mn-lt"/>
-                <a:ea typeface="+mn-ea"/>
-                <a:cs typeface="+mn-cs"/>
-              </a:rPr>
-              <a:t>my account with BAR</a:t>
-            </a:r>
-            <a:endParaRPr lang="en-US" sz="1200" kern="1200" dirty="0">
+              <a:t>they obtained </a:t>
+            </a:r>
+            <a:r>
+              <a:rPr lang="en-US" sz="1200" b="0" kern="1200" baseline="0" dirty="0" smtClean="0">
+                <a:solidFill>
+                  <a:schemeClr val="tx1"/>
+                </a:solidFill>
+                <a:effectLst/>
+                <a:latin typeface="+mn-lt"/>
+                <a:ea typeface="+mn-ea"/>
+                <a:cs typeface="+mn-cs"/>
+              </a:rPr>
+              <a:t>earlier, when I logged in.</a:t>
+            </a:r>
+          </a:p>
+          <a:p>
+            <a:endParaRPr lang="en-US" sz="1200" b="0" kern="1200" baseline="0" dirty="0" smtClean="0">
               <a:solidFill>
                 <a:schemeClr val="tx1"/>
               </a:solidFill>
@@ -16825,7 +16918,45 @@
             </a:endParaRPr>
           </a:p>
           <a:p>
-            <a:endParaRPr lang="en-US" sz="1200" kern="1200" dirty="0">
+            <a:r>
+              <a:rPr lang="en-US" sz="1200" b="0" kern="1200" baseline="0" dirty="0" smtClean="0">
+                <a:solidFill>
+                  <a:schemeClr val="tx1"/>
+                </a:solidFill>
+                <a:effectLst/>
+                <a:latin typeface="+mn-lt"/>
+                <a:ea typeface="+mn-ea"/>
+                <a:cs typeface="+mn-cs"/>
+              </a:rPr>
+              <a:t>So now, when Victim.com calls the API to get the related user data, they </a:t>
+            </a:r>
+            <a:r>
+              <a:rPr lang="en-US" sz="1200" b="0" i="1" kern="1200" baseline="0" dirty="0" smtClean="0">
+                <a:solidFill>
+                  <a:schemeClr val="tx1"/>
+                </a:solidFill>
+                <a:effectLst/>
+                <a:latin typeface="+mn-lt"/>
+                <a:ea typeface="+mn-ea"/>
+                <a:cs typeface="+mn-cs"/>
+              </a:rPr>
+              <a:t>also </a:t>
+            </a:r>
+            <a:r>
+              <a:rPr lang="en-US" sz="1200" b="0" i="0" kern="1200" baseline="0" dirty="0" smtClean="0">
+                <a:solidFill>
+                  <a:schemeClr val="tx1"/>
+                </a:solidFill>
+                <a:effectLst/>
+                <a:latin typeface="+mn-lt"/>
+                <a:ea typeface="+mn-ea"/>
+                <a:cs typeface="+mn-cs"/>
+              </a:rPr>
+              <a:t>get my email address back.</a:t>
+            </a:r>
+          </a:p>
+          <a:p>
+            <a:endParaRPr lang="en-US" sz="1200" b="0" i="0" kern="1200" baseline="0" dirty="0" smtClean="0">
               <a:solidFill>
                 <a:schemeClr val="tx1"/>
               </a:solidFill>
@@ -16836,7 +16967,56 @@
             </a:endParaRPr>
           </a:p>
           <a:p>
-            <a:pPr marL="171450" marR="0" indent="-171450" algn="l" defTabSz="914400" rtl="0" eaLnBrk="1" fontAlgn="auto" latinLnBrk="0" hangingPunct="1">
+            <a:r>
+              <a:rPr lang="en-US" sz="1200" b="0" i="0" kern="1200" baseline="0" dirty="0" smtClean="0">
+                <a:solidFill>
+                  <a:schemeClr val="tx1"/>
+                </a:solidFill>
+                <a:effectLst/>
+                <a:latin typeface="+mn-lt"/>
+                <a:ea typeface="+mn-ea"/>
+                <a:cs typeface="+mn-cs"/>
+              </a:rPr>
+              <a:t>If Victim uses that as proof of authentication, then it will now have allowed </a:t>
+            </a:r>
+            <a:r>
+              <a:rPr lang="en-US" sz="1200" b="0" i="0" kern="1200" baseline="0" dirty="0" err="1" smtClean="0">
+                <a:solidFill>
+                  <a:schemeClr val="tx1"/>
+                </a:solidFill>
+                <a:effectLst/>
+                <a:latin typeface="+mn-lt"/>
+                <a:ea typeface="+mn-ea"/>
+                <a:cs typeface="+mn-cs"/>
+              </a:rPr>
+              <a:t>BadGuy</a:t>
+            </a:r>
+            <a:r>
+              <a:rPr lang="en-US" sz="1200" b="0" i="0" kern="1200" baseline="0" dirty="0" smtClean="0">
+                <a:solidFill>
+                  <a:schemeClr val="tx1"/>
+                </a:solidFill>
+                <a:effectLst/>
+                <a:latin typeface="+mn-lt"/>
+                <a:ea typeface="+mn-ea"/>
+                <a:cs typeface="+mn-cs"/>
+              </a:rPr>
+              <a:t> to log into my account. </a:t>
+            </a:r>
+          </a:p>
+          <a:p>
+            <a:endParaRPr lang="en-US" sz="1200" b="0" kern="1200" baseline="0" dirty="0" smtClean="0">
+              <a:solidFill>
+                <a:schemeClr val="tx1"/>
+              </a:solidFill>
+              <a:effectLst/>
+              <a:latin typeface="+mn-lt"/>
+              <a:ea typeface="+mn-ea"/>
+              <a:cs typeface="+mn-cs"/>
+            </a:endParaRPr>
+          </a:p>
+          <a:p>
+            <a:pPr marL="0" marR="0" indent="0" algn="l" defTabSz="914400" rtl="0" eaLnBrk="1" fontAlgn="auto" latinLnBrk="0" hangingPunct="1">
               <a:lnSpc>
                 <a:spcPct val="100000"/>
               </a:lnSpc>
@@ -16849,12 +17029,12 @@
               <a:buClrTx/>
               <a:buSzTx/>
               <a:buFont typeface="Arial" panose="020B0604020202020204" pitchFamily="34" charset="0"/>
-              <a:buChar char="•"/>
+              <a:buNone/>
               <a:tabLst/>
               <a:defRPr/>
             </a:pPr>
             <a:r>
-              <a:rPr lang="en-US" sz="1200" kern="1200" dirty="0">
+              <a:rPr lang="en-US" sz="1200" kern="1200" dirty="0" smtClean="0">
                 <a:solidFill>
                   <a:schemeClr val="tx1"/>
                 </a:solidFill>
@@ -16866,6 +17046,42 @@
               <a:t>Neither</a:t>
             </a:r>
             <a:r>
+              <a:rPr lang="en-US" sz="1200" kern="1200" baseline="0" dirty="0" smtClean="0">
+                <a:solidFill>
+                  <a:schemeClr val="tx1"/>
+                </a:solidFill>
+                <a:effectLst/>
+                <a:latin typeface="+mn-lt"/>
+                <a:ea typeface="+mn-ea"/>
+                <a:cs typeface="+mn-cs"/>
+              </a:rPr>
+              <a:t> </a:t>
+            </a:r>
+            <a:r>
+              <a:rPr lang="en-US" sz="1200" kern="1200" baseline="0" dirty="0" err="1" smtClean="0">
+                <a:solidFill>
+                  <a:schemeClr val="tx1"/>
+                </a:solidFill>
+                <a:effectLst/>
+                <a:latin typeface="+mn-lt"/>
+                <a:ea typeface="+mn-ea"/>
+                <a:cs typeface="+mn-cs"/>
+              </a:rPr>
+              <a:t>BadGuy</a:t>
+            </a:r>
+            <a:r>
+              <a:rPr lang="en-US" sz="1200" kern="1200" baseline="0" dirty="0" smtClean="0">
+                <a:solidFill>
+                  <a:schemeClr val="tx1"/>
+                </a:solidFill>
+                <a:effectLst/>
+                <a:latin typeface="+mn-lt"/>
+                <a:ea typeface="+mn-ea"/>
+                <a:cs typeface="+mn-cs"/>
+              </a:rPr>
+              <a:t> nor Victim have </a:t>
+            </a:r>
+            <a:r>
               <a:rPr lang="en-US" sz="1200" kern="1200" baseline="0" dirty="0">
                 <a:solidFill>
                   <a:schemeClr val="tx1"/>
@@ -16875,7 +17091,7 @@
                 <a:ea typeface="+mn-ea"/>
                 <a:cs typeface="+mn-cs"/>
               </a:rPr>
-              <a:t> Foo nor Bar have more access to </a:t>
+              <a:t>more access to </a:t>
             </a:r>
             <a:r>
               <a:rPr lang="en-US" sz="1200" b="1" kern="1200" baseline="0" dirty="0">
@@ -16899,63 +17115,79 @@
                 <a:ea typeface="+mn-ea"/>
                 <a:cs typeface="+mn-cs"/>
               </a:rPr>
-              <a:t>than was authorized</a:t>
-            </a:r>
-          </a:p>
-          <a:p>
-            <a:pPr marL="171450" marR="0" indent="-171450" algn="l" defTabSz="914400" rtl="0" eaLnBrk="1" fontAlgn="auto" latinLnBrk="0" hangingPunct="1">
-              <a:lnSpc>
-                <a:spcPct val="100000"/>
-              </a:lnSpc>
-              <a:spcBef>
-                <a:spcPts val="0"/>
-              </a:spcBef>
-              <a:spcAft>
-                <a:spcPts val="0"/>
-              </a:spcAft>
-              <a:buClrTx/>
-              <a:buSzTx/>
-              <a:buFont typeface="Arial" panose="020B0604020202020204" pitchFamily="34" charset="0"/>
-              <a:buChar char="•"/>
-              <a:tabLst/>
-              <a:defRPr/>
-            </a:pPr>
-            <a:r>
-              <a:rPr lang="en-US" sz="1200" b="0" kern="1200" baseline="0" dirty="0">
-                <a:solidFill>
-                  <a:schemeClr val="tx1"/>
-                </a:solidFill>
-                <a:effectLst/>
-                <a:latin typeface="+mn-lt"/>
-                <a:ea typeface="+mn-ea"/>
-                <a:cs typeface="+mn-cs"/>
-              </a:rPr>
-              <a:t>Foo has </a:t>
-            </a:r>
-            <a:r>
-              <a:rPr lang="en-US" sz="1200" b="1" kern="1200" baseline="0" dirty="0">
-                <a:solidFill>
-                  <a:schemeClr val="tx1"/>
-                </a:solidFill>
-                <a:effectLst/>
-                <a:latin typeface="+mn-lt"/>
-                <a:ea typeface="+mn-ea"/>
-                <a:cs typeface="+mn-cs"/>
-              </a:rPr>
-              <a:t>impersonated me</a:t>
-            </a:r>
-            <a:r>
-              <a:rPr lang="en-US" sz="1200" b="0" kern="1200" baseline="0" dirty="0">
-                <a:solidFill>
-                  <a:schemeClr val="tx1"/>
-                </a:solidFill>
-                <a:effectLst/>
-                <a:latin typeface="+mn-lt"/>
-                <a:ea typeface="+mn-ea"/>
-                <a:cs typeface="+mn-cs"/>
-              </a:rPr>
-              <a:t> at BAR and can access Bar’s data associated with my account</a:t>
-            </a:r>
+              <a:t>than was </a:t>
+            </a:r>
+            <a:r>
+              <a:rPr lang="en-US" sz="1200" b="0" kern="1200" baseline="0" dirty="0" smtClean="0">
+                <a:solidFill>
+                  <a:schemeClr val="tx1"/>
+                </a:solidFill>
+                <a:effectLst/>
+                <a:latin typeface="+mn-lt"/>
+                <a:ea typeface="+mn-ea"/>
+                <a:cs typeface="+mn-cs"/>
+              </a:rPr>
+              <a:t>authorized, but </a:t>
+            </a:r>
+            <a:r>
+              <a:rPr lang="en-US" sz="1200" b="0" kern="1200" baseline="0" dirty="0" err="1" smtClean="0">
+                <a:solidFill>
+                  <a:schemeClr val="tx1"/>
+                </a:solidFill>
+                <a:effectLst/>
+                <a:latin typeface="+mn-lt"/>
+                <a:ea typeface="+mn-ea"/>
+                <a:cs typeface="+mn-cs"/>
+              </a:rPr>
+              <a:t>BadGuy</a:t>
+            </a:r>
+            <a:r>
+              <a:rPr lang="en-US" sz="1200" b="0" kern="1200" baseline="0" dirty="0" smtClean="0">
+                <a:solidFill>
+                  <a:schemeClr val="tx1"/>
+                </a:solidFill>
+                <a:effectLst/>
+                <a:latin typeface="+mn-lt"/>
+                <a:ea typeface="+mn-ea"/>
+                <a:cs typeface="+mn-cs"/>
+              </a:rPr>
+              <a:t> now </a:t>
+            </a:r>
+            <a:r>
+              <a:rPr lang="en-US" sz="1200" b="0" i="1" kern="1200" baseline="0" dirty="0" smtClean="0">
+                <a:solidFill>
+                  <a:schemeClr val="tx1"/>
+                </a:solidFill>
+                <a:effectLst/>
+                <a:latin typeface="+mn-lt"/>
+                <a:ea typeface="+mn-ea"/>
+                <a:cs typeface="+mn-cs"/>
+              </a:rPr>
+              <a:t>also </a:t>
+            </a:r>
+            <a:r>
+              <a:rPr lang="en-US" sz="1200" b="0" i="0" kern="1200" baseline="0" dirty="0" smtClean="0">
+                <a:solidFill>
+                  <a:schemeClr val="tx1"/>
+                </a:solidFill>
+                <a:effectLst/>
+                <a:latin typeface="+mn-lt"/>
+                <a:ea typeface="+mn-ea"/>
+                <a:cs typeface="+mn-cs"/>
+              </a:rPr>
+              <a:t>has access to my data at Victim.</a:t>
+            </a:r>
+            <a:endParaRPr lang="en-US" sz="1200" b="0" kern="1200" baseline="0" dirty="0">
+              <a:solidFill>
+                <a:schemeClr val="tx1"/>
+              </a:solidFill>
+              <a:effectLst/>
+              <a:latin typeface="+mn-lt"/>
+              <a:ea typeface="+mn-ea"/>
+              <a:cs typeface="+mn-cs"/>
+            </a:endParaRPr>
+          </a:p>
+          <a:p>
             <a:endParaRPr lang="en-US" sz="1200" kern="1200" dirty="0">
               <a:solidFill>
                 <a:schemeClr val="tx1"/>
@@ -16967,6 +17199,77 @@
             </a:endParaRPr>
           </a:p>
           <a:p>
+            <a:r>
+              <a:rPr lang="en-US" sz="1200" kern="1200" dirty="0">
+                <a:solidFill>
+                  <a:schemeClr val="tx1"/>
+                </a:solidFill>
+                <a:effectLst/>
+                <a:latin typeface="+mn-lt"/>
+                <a:ea typeface="+mn-ea"/>
+                <a:cs typeface="+mn-cs"/>
+              </a:rPr>
+              <a:t>P</a:t>
+            </a:r>
+            <a:r>
+              <a:rPr lang="en-US" sz="1200" kern="1200" baseline="0" dirty="0">
+                <a:solidFill>
+                  <a:schemeClr val="tx1"/>
+                </a:solidFill>
+                <a:effectLst/>
+                <a:latin typeface="+mn-lt"/>
+                <a:ea typeface="+mn-ea"/>
+                <a:cs typeface="+mn-cs"/>
+              </a:rPr>
+              <a:t>ossible because OAuth access tokens do not have </a:t>
+            </a:r>
+            <a:r>
+              <a:rPr lang="en-US" sz="1200" b="1" kern="1200" baseline="0" dirty="0">
+                <a:solidFill>
+                  <a:schemeClr val="tx1"/>
+                </a:solidFill>
+                <a:effectLst/>
+                <a:latin typeface="+mn-lt"/>
+                <a:ea typeface="+mn-ea"/>
+                <a:cs typeface="+mn-cs"/>
+              </a:rPr>
+              <a:t>audience restriction</a:t>
+            </a:r>
+            <a:r>
+              <a:rPr lang="en-US" sz="1200" kern="1200" baseline="0" dirty="0">
+                <a:solidFill>
+                  <a:schemeClr val="tx1"/>
+                </a:solidFill>
+                <a:effectLst/>
+                <a:latin typeface="+mn-lt"/>
+                <a:ea typeface="+mn-ea"/>
+                <a:cs typeface="+mn-cs"/>
+              </a:rPr>
+              <a:t>. This is a problem with bearer </a:t>
+            </a:r>
+            <a:r>
+              <a:rPr lang="en-US" sz="1200" kern="1200" baseline="0" dirty="0" smtClean="0">
+                <a:solidFill>
+                  <a:schemeClr val="tx1"/>
+                </a:solidFill>
+                <a:effectLst/>
+                <a:latin typeface="+mn-lt"/>
+                <a:ea typeface="+mn-ea"/>
+                <a:cs typeface="+mn-cs"/>
+              </a:rPr>
+              <a:t>tokens in general; Victim has no way to know that it's being compromised.</a:t>
+            </a:r>
+            <a:endParaRPr lang="en-US" sz="1200" kern="1200" baseline="0" dirty="0">
+              <a:solidFill>
+                <a:schemeClr val="tx1"/>
+              </a:solidFill>
+              <a:effectLst/>
+              <a:latin typeface="+mn-lt"/>
+              <a:ea typeface="+mn-ea"/>
+              <a:cs typeface="+mn-cs"/>
+            </a:endParaRPr>
+          </a:p>
+          <a:p>
             <a:endParaRPr lang="en-US" sz="1200" kern="1200" dirty="0">
               <a:solidFill>
                 <a:schemeClr val="tx1"/>
@@ -16978,67 +17281,6 @@
             </a:endParaRPr>
           </a:p>
           <a:p>
-            <a:r>
-              <a:rPr lang="en-US" sz="1200" kern="1200" dirty="0">
-                <a:solidFill>
-                  <a:schemeClr val="tx1"/>
-                </a:solidFill>
-                <a:effectLst/>
-                <a:latin typeface="+mn-lt"/>
-                <a:ea typeface="+mn-ea"/>
-                <a:cs typeface="+mn-cs"/>
-              </a:rPr>
-              <a:t>P</a:t>
-            </a:r>
-            <a:r>
-              <a:rPr lang="en-US" sz="1200" kern="1200" baseline="0" dirty="0">
-                <a:solidFill>
-                  <a:schemeClr val="tx1"/>
-                </a:solidFill>
-                <a:effectLst/>
-                <a:latin typeface="+mn-lt"/>
-                <a:ea typeface="+mn-ea"/>
-                <a:cs typeface="+mn-cs"/>
-              </a:rPr>
-              <a:t>ossible because OAuth access tokens do not have </a:t>
-            </a:r>
-            <a:r>
-              <a:rPr lang="en-US" sz="1200" b="1" kern="1200" baseline="0" dirty="0">
-                <a:solidFill>
-                  <a:schemeClr val="tx1"/>
-                </a:solidFill>
-                <a:effectLst/>
-                <a:latin typeface="+mn-lt"/>
-                <a:ea typeface="+mn-ea"/>
-                <a:cs typeface="+mn-cs"/>
-              </a:rPr>
-              <a:t>audience restriction</a:t>
-            </a:r>
-            <a:r>
-              <a:rPr lang="en-US" sz="1200" kern="1200" baseline="0" dirty="0">
-                <a:solidFill>
-                  <a:schemeClr val="tx1"/>
-                </a:solidFill>
-                <a:effectLst/>
-                <a:latin typeface="+mn-lt"/>
-                <a:ea typeface="+mn-ea"/>
-                <a:cs typeface="+mn-cs"/>
-              </a:rPr>
-              <a:t>. This is a problem with bearer tokens, Bar doesn’t know that the access token is being misused.</a:t>
-            </a:r>
-          </a:p>
-          <a:p>
-            <a:endParaRPr lang="en-US" sz="1200" kern="1200" dirty="0">
-              <a:solidFill>
-                <a:schemeClr val="tx1"/>
-              </a:solidFill>
-              <a:effectLst/>
-              <a:latin typeface="+mn-lt"/>
-              <a:ea typeface="+mn-ea"/>
-              <a:cs typeface="+mn-cs"/>
-            </a:endParaRPr>
-          </a:p>
-          <a:p>
             <a:endParaRPr lang="en-US" dirty="0"/>
           </a:p>
         </p:txBody>
@@ -17069,7 +17311,7 @@
     </p:spTree>
     <p:extLst>
       <p:ext uri="{BB962C8B-B14F-4D97-AF65-F5344CB8AC3E}">
-        <p14:creationId xmlns:p14="http://schemas.microsoft.com/office/powerpoint/2010/main" val="1850142803"/>
+        <p14:creationId xmlns:p14="http://schemas.microsoft.com/office/powerpoint/2010/main" val="3998374396"/>
       </p:ext>
     </p:extLst>
   </p:cSld>
@@ -17209,6 +17451,27 @@
               </a:rPr>
               <a:t> need to </a:t>
             </a:r>
+            <a:r>
+              <a:rPr lang="en-US" sz="1200" kern="1200" baseline="0" dirty="0" smtClean="0">
+                <a:solidFill>
+                  <a:schemeClr val="tx1"/>
+                </a:solidFill>
+                <a:effectLst/>
+                <a:latin typeface="+mn-lt"/>
+                <a:ea typeface="+mn-ea"/>
+                <a:cs typeface="+mn-cs"/>
+              </a:rPr>
+              <a:t>include some additional stuff:</a:t>
+            </a:r>
+            <a:endParaRPr lang="en-US" sz="1200" kern="1200" baseline="0" dirty="0">
+              <a:solidFill>
+                <a:schemeClr val="tx1"/>
+              </a:solidFill>
+              <a:effectLst/>
+              <a:latin typeface="+mn-lt"/>
+              <a:ea typeface="+mn-ea"/>
+              <a:cs typeface="+mn-cs"/>
+            </a:endParaRPr>
           </a:p>
           <a:p>
             <a:pPr marL="171450" indent="-171450">
@@ -17336,19 +17599,55 @@
                 <a:ea typeface="+mn-ea"/>
                 <a:cs typeface="+mn-cs"/>
               </a:rPr>
-              <a:t>That way, only that one authorized client would be able to use the token, and the token itself would be</a:t>
-            </a:r>
-            <a:r>
-              <a:rPr lang="en-US" sz="1200" kern="1200" baseline="0" dirty="0">
-                <a:solidFill>
-                  <a:schemeClr val="tx1"/>
-                </a:solidFill>
-                <a:effectLst/>
-                <a:latin typeface="+mn-lt"/>
-                <a:ea typeface="+mn-ea"/>
-                <a:cs typeface="+mn-cs"/>
-              </a:rPr>
-              <a:t> proof of identity</a:t>
+              <a:t>That way, </a:t>
+            </a:r>
+            <a:r>
+              <a:rPr lang="en-US" sz="1200" kern="1200" dirty="0" smtClean="0">
+                <a:solidFill>
+                  <a:schemeClr val="tx1"/>
+                </a:solidFill>
+                <a:effectLst/>
+                <a:latin typeface="+mn-lt"/>
+                <a:ea typeface="+mn-ea"/>
+                <a:cs typeface="+mn-cs"/>
+              </a:rPr>
+              <a:t>only </a:t>
+            </a:r>
+            <a:r>
+              <a:rPr lang="en-US" sz="1200" kern="1200" dirty="0" err="1" smtClean="0">
+                <a:solidFill>
+                  <a:schemeClr val="tx1"/>
+                </a:solidFill>
+                <a:effectLst/>
+                <a:latin typeface="+mn-lt"/>
+                <a:ea typeface="+mn-ea"/>
+                <a:cs typeface="+mn-cs"/>
+              </a:rPr>
+              <a:t>BadGuy</a:t>
+            </a:r>
+            <a:r>
+              <a:rPr lang="en-US" sz="1200" kern="1200" dirty="0" smtClean="0">
+                <a:solidFill>
+                  <a:schemeClr val="tx1"/>
+                </a:solidFill>
+                <a:effectLst/>
+                <a:latin typeface="+mn-lt"/>
+                <a:ea typeface="+mn-ea"/>
+                <a:cs typeface="+mn-cs"/>
+              </a:rPr>
+              <a:t> would be able to use the token that I authorized, and the</a:t>
+            </a:r>
+            <a:r>
+              <a:rPr lang="en-US" sz="1200" kern="1200" baseline="0" dirty="0" smtClean="0">
+                <a:solidFill>
+                  <a:schemeClr val="tx1"/>
+                </a:solidFill>
+                <a:effectLst/>
+                <a:latin typeface="+mn-lt"/>
+                <a:ea typeface="+mn-ea"/>
+                <a:cs typeface="+mn-cs"/>
+              </a:rPr>
+              <a:t> token could also serve as proof of identity to that authorized client only.</a:t>
             </a:r>
             <a:endParaRPr lang="en-US" sz="1200" kern="1200" dirty="0">
               <a:solidFill>
@@ -18593,16 +18892,76 @@
           <a:lstStyle/>
           <a:p>
             <a:r>
-              <a:rPr lang="en-US" sz="1200" kern="1200" dirty="0">
-                <a:solidFill>
-                  <a:schemeClr val="tx1"/>
-                </a:solidFill>
-                <a:effectLst/>
-                <a:latin typeface="+mn-lt"/>
-                <a:ea typeface="+mn-ea"/>
-                <a:cs typeface="+mn-cs"/>
-              </a:rPr>
-              <a:t>If you're</a:t>
+              <a:rPr lang="en-US" sz="1200" kern="1200" dirty="0" smtClean="0">
+                <a:solidFill>
+                  <a:schemeClr val="tx1"/>
+                </a:solidFill>
+                <a:effectLst/>
+                <a:latin typeface="+mn-lt"/>
+                <a:ea typeface="+mn-ea"/>
+                <a:cs typeface="+mn-cs"/>
+              </a:rPr>
+              <a:t>Basic </a:t>
+            </a:r>
+            <a:r>
+              <a:rPr lang="en-US" sz="1200" kern="1200" dirty="0" err="1" smtClean="0">
+                <a:solidFill>
+                  <a:schemeClr val="tx1"/>
+                </a:solidFill>
+                <a:effectLst/>
+                <a:latin typeface="+mn-lt"/>
+                <a:ea typeface="+mn-ea"/>
+                <a:cs typeface="+mn-cs"/>
+              </a:rPr>
+              <a:t>Auth</a:t>
+            </a:r>
+            <a:r>
+              <a:rPr lang="en-US" sz="1200" kern="1200" dirty="0" smtClean="0">
+                <a:solidFill>
+                  <a:schemeClr val="tx1"/>
+                </a:solidFill>
+                <a:effectLst/>
+                <a:latin typeface="+mn-lt"/>
+                <a:ea typeface="+mn-ea"/>
+                <a:cs typeface="+mn-cs"/>
+              </a:rPr>
+              <a:t> might</a:t>
+            </a:r>
+            <a:r>
+              <a:rPr lang="en-US" sz="1200" kern="1200" baseline="0" dirty="0" smtClean="0">
+                <a:solidFill>
+                  <a:schemeClr val="tx1"/>
+                </a:solidFill>
+                <a:effectLst/>
+                <a:latin typeface="+mn-lt"/>
+                <a:ea typeface="+mn-ea"/>
+                <a:cs typeface="+mn-cs"/>
+              </a:rPr>
+              <a:t> be a good fit for </a:t>
+            </a:r>
+            <a:r>
+              <a:rPr lang="en-US" sz="1200" kern="1200" dirty="0" smtClean="0">
+                <a:solidFill>
+                  <a:schemeClr val="tx1"/>
+                </a:solidFill>
+                <a:effectLst/>
+                <a:latin typeface="+mn-lt"/>
+                <a:ea typeface="+mn-ea"/>
+                <a:cs typeface="+mn-cs"/>
+              </a:rPr>
+              <a:t>server-to-server</a:t>
+            </a:r>
+            <a:r>
+              <a:rPr lang="en-US" sz="1200" kern="1200" baseline="0" dirty="0" smtClean="0">
+                <a:solidFill>
+                  <a:schemeClr val="tx1"/>
+                </a:solidFill>
+                <a:effectLst/>
+                <a:latin typeface="+mn-lt"/>
+                <a:ea typeface="+mn-ea"/>
+                <a:cs typeface="+mn-cs"/>
+              </a:rPr>
+              <a:t> </a:t>
             </a:r>
             <a:r>
               <a:rPr lang="en-US" sz="1200" kern="1200" baseline="0" dirty="0">
@@ -18614,34 +18973,10 @@
                 <a:ea typeface="+mn-ea"/>
                 <a:cs typeface="+mn-cs"/>
               </a:rPr>
-              <a:t> </a:t>
-            </a:r>
-            <a:r>
-              <a:rPr lang="en-US" sz="1200" kern="1200" dirty="0">
-                <a:solidFill>
-                  <a:schemeClr val="tx1"/>
-                </a:solidFill>
-                <a:effectLst/>
-                <a:latin typeface="+mn-lt"/>
-                <a:ea typeface="+mn-ea"/>
-                <a:cs typeface="+mn-cs"/>
-              </a:rPr>
-              <a:t>authenticating server-to-server</a:t>
-            </a:r>
-            <a:r>
-              <a:rPr lang="en-US" sz="1200" kern="1200" baseline="0" dirty="0">
-                <a:solidFill>
-                  <a:schemeClr val="tx1"/>
-                </a:solidFill>
-                <a:effectLst/>
-                <a:latin typeface="+mn-lt"/>
-                <a:ea typeface="+mn-ea"/>
-                <a:cs typeface="+mn-cs"/>
-              </a:rPr>
-              <a:t> API calls against a standard user database such as </a:t>
-            </a:r>
-            <a:r>
-              <a:rPr lang="en-US" sz="1200" kern="1200" dirty="0" err="1">
+              <a:t>API calls against a standard user database such as </a:t>
+            </a:r>
+            <a:r>
+              <a:rPr lang="en-US" sz="1200" kern="1200" dirty="0" err="1" smtClean="0">
                 <a:solidFill>
                   <a:schemeClr val="tx1"/>
                 </a:solidFill>
@@ -18653,43 +18988,29 @@
               <a:t>ActiveDirectory</a:t>
             </a:r>
             <a:r>
-              <a:rPr lang="en-US" sz="1200" kern="1200" dirty="0">
-                <a:solidFill>
-                  <a:schemeClr val="tx1"/>
-                </a:solidFill>
-                <a:effectLst/>
-                <a:latin typeface="+mn-lt"/>
-                <a:ea typeface="+mn-ea"/>
-                <a:cs typeface="+mn-cs"/>
-              </a:rPr>
-              <a:t>, then Basic </a:t>
-            </a:r>
-            <a:r>
-              <a:rPr lang="en-US" sz="1200" kern="1200" dirty="0" err="1">
-                <a:solidFill>
-                  <a:schemeClr val="tx1"/>
-                </a:solidFill>
-                <a:effectLst/>
-                <a:latin typeface="+mn-lt"/>
-                <a:ea typeface="+mn-ea"/>
-                <a:cs typeface="+mn-cs"/>
-              </a:rPr>
-              <a:t>Auth</a:t>
-            </a:r>
-            <a:r>
-              <a:rPr lang="en-US" sz="1200" kern="1200" dirty="0">
-                <a:solidFill>
-                  <a:schemeClr val="tx1"/>
-                </a:solidFill>
-                <a:effectLst/>
-                <a:latin typeface="+mn-lt"/>
-                <a:ea typeface="+mn-ea"/>
-                <a:cs typeface="+mn-cs"/>
-              </a:rPr>
-              <a:t> is worth considering. </a:t>
-            </a:r>
-          </a:p>
-          <a:p>
+              <a:rPr lang="en-US" sz="1200" kern="1200" dirty="0" smtClean="0">
+                <a:solidFill>
+                  <a:schemeClr val="tx1"/>
+                </a:solidFill>
+                <a:effectLst/>
+                <a:latin typeface="+mn-lt"/>
+                <a:ea typeface="+mn-ea"/>
+                <a:cs typeface="+mn-cs"/>
+              </a:rPr>
+              <a:t>. Just remember that you're passing the primary</a:t>
+            </a:r>
+            <a:r>
+              <a:rPr lang="en-US" sz="1200" kern="1200" baseline="0" dirty="0" smtClean="0">
+                <a:solidFill>
+                  <a:schemeClr val="tx1"/>
+                </a:solidFill>
+                <a:effectLst/>
+                <a:latin typeface="+mn-lt"/>
+                <a:ea typeface="+mn-ea"/>
+                <a:cs typeface="+mn-cs"/>
+              </a:rPr>
+              <a:t> account credentials over the wire in plain text.</a:t>
+            </a:r>
             <a:endParaRPr lang="en-US" sz="1200" kern="1200" dirty="0">
               <a:solidFill>
                 <a:schemeClr val="tx1"/>
@@ -18701,66 +19022,15 @@
             </a:endParaRPr>
           </a:p>
           <a:p>
-            <a:r>
-              <a:rPr lang="en-US" sz="1200" kern="1200" dirty="0">
-                <a:solidFill>
-                  <a:schemeClr val="tx1"/>
-                </a:solidFill>
-                <a:effectLst/>
-                <a:latin typeface="+mn-lt"/>
-                <a:ea typeface="+mn-ea"/>
-                <a:cs typeface="+mn-cs"/>
-              </a:rPr>
-              <a:t>Basic </a:t>
-            </a:r>
-            <a:r>
-              <a:rPr lang="en-US" sz="1200" kern="1200" dirty="0" err="1">
-                <a:solidFill>
-                  <a:schemeClr val="tx1"/>
-                </a:solidFill>
-                <a:effectLst/>
-                <a:latin typeface="+mn-lt"/>
-                <a:ea typeface="+mn-ea"/>
-                <a:cs typeface="+mn-cs"/>
-              </a:rPr>
-              <a:t>Auth</a:t>
-            </a:r>
-            <a:r>
-              <a:rPr lang="en-US" sz="1200" kern="1200" dirty="0">
-                <a:solidFill>
-                  <a:schemeClr val="tx1"/>
-                </a:solidFill>
-                <a:effectLst/>
-                <a:latin typeface="+mn-lt"/>
-                <a:ea typeface="+mn-ea"/>
-                <a:cs typeface="+mn-cs"/>
-              </a:rPr>
-              <a:t> is </a:t>
-            </a:r>
-            <a:r>
-              <a:rPr lang="en-US" sz="1200" i="1" kern="1200" dirty="0">
-                <a:solidFill>
-                  <a:schemeClr val="tx1"/>
-                </a:solidFill>
-                <a:effectLst/>
-                <a:latin typeface="+mn-lt"/>
-                <a:ea typeface="+mn-ea"/>
-                <a:cs typeface="+mn-cs"/>
-              </a:rPr>
-              <a:t>not </a:t>
-            </a:r>
-            <a:r>
-              <a:rPr lang="en-US" sz="1200" kern="1200" dirty="0">
-                <a:solidFill>
-                  <a:schemeClr val="tx1"/>
-                </a:solidFill>
-                <a:effectLst/>
-                <a:latin typeface="+mn-lt"/>
-                <a:ea typeface="+mn-ea"/>
-                <a:cs typeface="+mn-cs"/>
-              </a:rPr>
-              <a:t>a good idea for a pure JS client because it requires storing the credentials somewhere in browser memory, which is generally a bad idea.</a:t>
-            </a:r>
+            <a:endParaRPr lang="en-US" sz="1200" kern="1200" dirty="0">
+              <a:solidFill>
+                <a:schemeClr val="tx1"/>
+              </a:solidFill>
+              <a:effectLst/>
+              <a:latin typeface="+mn-lt"/>
+              <a:ea typeface="+mn-ea"/>
+              <a:cs typeface="+mn-cs"/>
+            </a:endParaRPr>
           </a:p>
         </p:txBody>
       </p:sp>
@@ -20461,9 +20731,9 @@
                 <a:ea typeface="+mn-ea"/>
                 <a:cs typeface="+mn-cs"/>
               </a:rPr>
-              <a:t> Connect on top of OAuth 2.0. This will let your users authenticate to your API with their Google accounts, for example.</a:t>
-            </a:r>
-            <a:endParaRPr lang="en-US" sz="1200" kern="1200" dirty="0">
+              <a:t> Connect on top of OAuth 2.0. </a:t>
+            </a:r>
+            <a:endParaRPr lang="en-US" sz="1200" b="0" kern="1200" baseline="0" dirty="0" smtClean="0">
               <a:solidFill>
                 <a:schemeClr val="tx1"/>
               </a:solidFill>
@@ -20845,7 +21115,55 @@
                 <a:ea typeface="+mn-ea"/>
                 <a:cs typeface="+mn-cs"/>
               </a:rPr>
-              <a:t>You can use custom API keys as bearer tokens over TLS for a quick and easy approach, or you can use API Keys to sign request using HMAC if you need additional security.</a:t>
+              <a:t>You can use custom API keys as bearer tokens </a:t>
+            </a:r>
+            <a:r>
+              <a:rPr lang="en-US" sz="1200" kern="1200" dirty="0" smtClean="0">
+                <a:solidFill>
+                  <a:schemeClr val="tx1"/>
+                </a:solidFill>
+                <a:effectLst/>
+                <a:latin typeface="+mn-lt"/>
+                <a:ea typeface="+mn-ea"/>
+                <a:cs typeface="+mn-cs"/>
+              </a:rPr>
+              <a:t>for </a:t>
+            </a:r>
+            <a:r>
+              <a:rPr lang="en-US" sz="1200" kern="1200" dirty="0">
+                <a:solidFill>
+                  <a:schemeClr val="tx1"/>
+                </a:solidFill>
+                <a:effectLst/>
+                <a:latin typeface="+mn-lt"/>
+                <a:ea typeface="+mn-ea"/>
+                <a:cs typeface="+mn-cs"/>
+              </a:rPr>
+              <a:t>a quick and easy approach, or you can use API Keys to sign request using HMAC </a:t>
+            </a:r>
+            <a:r>
+              <a:rPr lang="en-US" sz="1200" kern="1200" dirty="0" smtClean="0">
+                <a:solidFill>
+                  <a:schemeClr val="tx1"/>
+                </a:solidFill>
+                <a:effectLst/>
+                <a:latin typeface="+mn-lt"/>
+                <a:ea typeface="+mn-ea"/>
+                <a:cs typeface="+mn-cs"/>
+              </a:rPr>
+              <a:t>for additional </a:t>
+            </a:r>
+            <a:r>
+              <a:rPr lang="en-US" sz="1200" kern="1200" dirty="0">
+                <a:solidFill>
+                  <a:schemeClr val="tx1"/>
+                </a:solidFill>
+                <a:effectLst/>
+                <a:latin typeface="+mn-lt"/>
+                <a:ea typeface="+mn-ea"/>
+                <a:cs typeface="+mn-cs"/>
+              </a:rPr>
+              <a:t>security.</a:t>
             </a:r>
             <a:br>
               <a:rPr lang="en-US" sz="1200" kern="1200" dirty="0">
@@ -31703,6 +32021,95 @@
           </a:prstGeom>
         </p:spPr>
       </p:pic>
+      <p:pic>
+        <p:nvPicPr>
+          <p:cNvPr id="2" name="Picture 1"/>
+          <p:cNvPicPr>
+            <a:picLocks noChangeAspect="1"/>
+          </p:cNvPicPr>
+          <p:nvPr/>
+        </p:nvPicPr>
+        <p:blipFill>
+          <a:blip r:embed="rId5"/>
+          <a:stretch>
+            <a:fillRect/>
+          </a:stretch>
+        </p:blipFill>
+        <p:spPr>
+          <a:xfrm>
+            <a:off x="1314450" y="2811514"/>
+            <a:ext cx="10338785" cy="4046486"/>
+          </a:xfrm>
+          <a:prstGeom prst="rect">
+            <a:avLst/>
+          </a:prstGeom>
+        </p:spPr>
+      </p:pic>
+      <p:pic>
+        <p:nvPicPr>
+          <p:cNvPr id="4" name="Picture 3"/>
+          <p:cNvPicPr>
+            <a:picLocks noChangeAspect="1"/>
+          </p:cNvPicPr>
+          <p:nvPr/>
+        </p:nvPicPr>
+        <p:blipFill>
+          <a:blip r:embed="rId5"/>
+          <a:stretch>
+            <a:fillRect/>
+          </a:stretch>
+        </p:blipFill>
+        <p:spPr>
+          <a:xfrm>
+            <a:off x="7585482" y="2678943"/>
+            <a:ext cx="855663" cy="228600"/>
+          </a:xfrm>
+          <a:prstGeom prst="rect">
+            <a:avLst/>
+          </a:prstGeom>
+        </p:spPr>
+      </p:pic>
+      <p:pic>
+        <p:nvPicPr>
+          <p:cNvPr id="8" name="Picture 2" descr="Image result for facebook oauth"/>
+          <p:cNvPicPr>
+            <a:picLocks noChangeAspect="1" noChangeArrowheads="1"/>
+          </p:cNvPicPr>
+          <p:nvPr/>
+        </p:nvPicPr>
+        <p:blipFill>
+          <a:blip r:embed="rId6">
+            <a:extLst>
+              <a:ext uri="{28A0092B-C50C-407E-A947-70E740481C1C}">
+                <a14:useLocalDpi xmlns:a14="http://schemas.microsoft.com/office/drawing/2010/main" val="0"/>
+              </a:ext>
+            </a:extLst>
+          </a:blip>
+          <a:srcRect/>
+          <a:stretch>
+            <a:fillRect/>
+          </a:stretch>
+        </p:blipFill>
+        <p:spPr bwMode="auto">
+          <a:xfrm>
+            <a:off x="7585482" y="3003572"/>
+            <a:ext cx="3619500" cy="2355459"/>
+          </a:xfrm>
+          <a:prstGeom prst="rect">
+            <a:avLst/>
+          </a:prstGeom>
+          <a:noFill/>
+          <a:extLst>
+            <a:ext uri="{909E8E84-426E-40DD-AFC4-6F175D3DCCD1}">
+              <a14:hiddenFill xmlns:a14="http://schemas.microsoft.com/office/drawing/2010/main">
+                <a:solidFill>
+                  <a:srgbClr val="FFFFFF"/>
+                </a:solidFill>
+              </a14:hiddenFill>
+            </a:ext>
+          </a:extLst>
+        </p:spPr>
+      </p:pic>
     </p:spTree>
     <p:extLst>
       <p:ext uri="{BB962C8B-B14F-4D97-AF65-F5344CB8AC3E}">
@@ -31776,32 +32183,49 @@
       </p:sp>
       <p:pic>
         <p:nvPicPr>
-          <p:cNvPr id="4" name="Picture 3"/>
+          <p:cNvPr id="1026" name="Picture 2" descr="Image result for facebook oauth"/>
           <p:cNvPicPr>
-            <a:picLocks noChangeAspect="1"/>
+            <a:picLocks noChangeAspect="1" noChangeArrowheads="1"/>
           </p:cNvPicPr>
           <p:nvPr/>
         </p:nvPicPr>
         <p:blipFill>
-          <a:blip r:embed="rId3"/>
+          <a:blip r:embed="rId3">
+            <a:extLst>
+              <a:ext uri="{28A0092B-C50C-407E-A947-70E740481C1C}">
+                <a14:useLocalDpi xmlns:a14="http://schemas.microsoft.com/office/drawing/2010/main" val="0"/>
+              </a:ext>
+            </a:extLst>
+          </a:blip>
+          <a:srcRect/>
           <a:stretch>
             <a:fillRect/>
           </a:stretch>
         </p:blipFill>
-        <p:spPr>
+        <p:spPr bwMode="auto">
           <a:xfrm>
-            <a:off x="0" y="199495"/>
-            <a:ext cx="11591767" cy="6489171"/>
+            <a:off x="838200" y="152227"/>
+            <a:ext cx="10304379" cy="6705773"/>
           </a:xfrm>
           <a:prstGeom prst="rect">
             <a:avLst/>
           </a:prstGeom>
+          <a:noFill/>
+          <a:extLst>
+            <a:ext uri="{909E8E84-426E-40DD-AFC4-6F175D3DCCD1}">
+              <a14:hiddenFill xmlns:a14="http://schemas.microsoft.com/office/drawing/2010/main">
+                <a:solidFill>
+                  <a:srgbClr val="FFFFFF"/>
+                </a:solidFill>
+              </a14:hiddenFill>
+            </a:ext>
+          </a:extLst>
         </p:spPr>
       </p:pic>
     </p:spTree>
     <p:extLst>
       <p:ext uri="{BB962C8B-B14F-4D97-AF65-F5344CB8AC3E}">
-        <p14:creationId xmlns:p14="http://schemas.microsoft.com/office/powerpoint/2010/main" val="325513960"/>
+        <p14:creationId xmlns:p14="http://schemas.microsoft.com/office/powerpoint/2010/main" val="3951009632"/>
       </p:ext>
     </p:extLst>
   </p:cSld>
@@ -33233,7 +33657,7 @@
       </p:sp>
       <p:pic>
         <p:nvPicPr>
-          <p:cNvPr id="6" name="Picture 5"/>
+          <p:cNvPr id="4" name="Picture 3"/>
           <p:cNvPicPr>
             <a:picLocks noChangeAspect="1"/>
           </p:cNvPicPr>
@@ -33247,8 +33671,8 @@
         </p:blipFill>
         <p:spPr>
           <a:xfrm>
-            <a:off x="838200" y="2501765"/>
-            <a:ext cx="10804367" cy="2845150"/>
+            <a:off x="2776320" y="1544588"/>
+            <a:ext cx="6920130" cy="4872530"/>
           </a:xfrm>
           <a:prstGeom prst="rect">
             <a:avLst/>
@@ -33258,7 +33682,7 @@
     </p:spTree>
     <p:extLst>
       <p:ext uri="{BB962C8B-B14F-4D97-AF65-F5344CB8AC3E}">
-        <p14:creationId xmlns:p14="http://schemas.microsoft.com/office/powerpoint/2010/main" val="2795867134"/>
+        <p14:creationId xmlns:p14="http://schemas.microsoft.com/office/powerpoint/2010/main" val="3069347928"/>
       </p:ext>
     </p:extLst>
   </p:cSld>
@@ -33311,8 +33735,9 @@
           <a:p>
             <a:r>
               <a:rPr lang="en-US" sz="4800" dirty="0"/>
-              <a:t>Access tokens lack audience restrictions</a:t>
-            </a:r>
+              <a:t>Access to identity API != authentication</a:t>
+            </a:r>
+            <a:endParaRPr lang="en-US" sz="4800" dirty="0"/>
           </a:p>
         </p:txBody>
       </p:sp>
@@ -33384,7 +33809,7 @@
       </p:sp>
       <p:pic>
         <p:nvPicPr>
-          <p:cNvPr id="4" name="Picture 3"/>
+          <p:cNvPr id="5" name="Picture 4"/>
           <p:cNvPicPr>
             <a:picLocks noChangeAspect="1"/>
           </p:cNvPicPr>
@@ -33398,8 +33823,32 @@
         </p:blipFill>
         <p:spPr>
           <a:xfrm>
-            <a:off x="2487783" y="1591296"/>
-            <a:ext cx="7216433" cy="5146145"/>
+            <a:off x="2095500" y="1911620"/>
+            <a:ext cx="8420100" cy="4904750"/>
+          </a:xfrm>
+          <a:prstGeom prst="rect">
+            <a:avLst/>
+          </a:prstGeom>
+        </p:spPr>
+      </p:pic>
+      <p:pic>
+        <p:nvPicPr>
+          <p:cNvPr id="6" name="Picture 5"/>
+          <p:cNvPicPr>
+            <a:picLocks noChangeAspect="1"/>
+          </p:cNvPicPr>
+          <p:nvPr/>
+        </p:nvPicPr>
+        <p:blipFill>
+          <a:blip r:embed="rId4"/>
+          <a:stretch>
+            <a:fillRect/>
+          </a:stretch>
+        </p:blipFill>
+        <p:spPr>
+          <a:xfrm>
+            <a:off x="3390900" y="5950393"/>
+            <a:ext cx="5407938" cy="865977"/>
           </a:xfrm>
           <a:prstGeom prst="rect">
             <a:avLst/>
@@ -33409,7 +33858,7 @@
     </p:spTree>
     <p:extLst>
       <p:ext uri="{BB962C8B-B14F-4D97-AF65-F5344CB8AC3E}">
-        <p14:creationId xmlns:p14="http://schemas.microsoft.com/office/powerpoint/2010/main" val="3713413243"/>
+        <p14:creationId xmlns:p14="http://schemas.microsoft.com/office/powerpoint/2010/main" val="3565656703"/>
       </p:ext>
     </p:extLst>
   </p:cSld>
@@ -33462,8 +33911,9 @@
           <a:p>
             <a:r>
               <a:rPr lang="en-US" sz="4800" dirty="0"/>
-              <a:t>Access tokens lack audience restrictions</a:t>
-            </a:r>
+              <a:t>Access to identity API != authentication</a:t>
+            </a:r>
+            <a:endParaRPr lang="en-US" sz="4800" dirty="0"/>
           </a:p>
         </p:txBody>
       </p:sp>
@@ -33535,7 +33985,7 @@
       </p:sp>
       <p:pic>
         <p:nvPicPr>
-          <p:cNvPr id="5" name="Picture 4"/>
+          <p:cNvPr id="6" name="Picture 5"/>
           <p:cNvPicPr>
             <a:picLocks noChangeAspect="1"/>
           </p:cNvPicPr>
@@ -33549,8 +33999,32 @@
         </p:blipFill>
         <p:spPr>
           <a:xfrm>
-            <a:off x="2015065" y="1404276"/>
-            <a:ext cx="8212667" cy="5453724"/>
+            <a:off x="2081212" y="1551676"/>
+            <a:ext cx="8396288" cy="5306324"/>
+          </a:xfrm>
+          <a:prstGeom prst="rect">
+            <a:avLst/>
+          </a:prstGeom>
+        </p:spPr>
+      </p:pic>
+      <p:pic>
+        <p:nvPicPr>
+          <p:cNvPr id="8" name="Picture 7"/>
+          <p:cNvPicPr>
+            <a:picLocks noChangeAspect="1"/>
+          </p:cNvPicPr>
+          <p:nvPr/>
+        </p:nvPicPr>
+        <p:blipFill>
+          <a:blip r:embed="rId4"/>
+          <a:stretch>
+            <a:fillRect/>
+          </a:stretch>
+        </p:blipFill>
+        <p:spPr>
+          <a:xfrm>
+            <a:off x="5910262" y="5124450"/>
+            <a:ext cx="433388" cy="979834"/>
           </a:xfrm>
           <a:prstGeom prst="rect">
             <a:avLst/>
@@ -33560,7 +34034,7 @@
     </p:spTree>
     <p:extLst>
       <p:ext uri="{BB962C8B-B14F-4D97-AF65-F5344CB8AC3E}">
-        <p14:creationId xmlns:p14="http://schemas.microsoft.com/office/powerpoint/2010/main" val="3067198004"/>
+        <p14:creationId xmlns:p14="http://schemas.microsoft.com/office/powerpoint/2010/main" val="2766265650"/>
       </p:ext>
     </p:extLst>
   </p:cSld>
@@ -36432,6 +36906,13 @@
   <p:clrMapOvr>
     <a:masterClrMapping/>
   </p:clrMapOvr>
+  <p:timing>
+    <p:tnLst>
+      <p:par>
+        <p:cTn id="1" dur="indefinite" restart="never" nodeType="tmRoot"/>
+      </p:par>
+    </p:tnLst>
+  </p:timing>
 </p:sld>
 </file>
 

--- a/Securing Your API Endpoints.pptx
+++ b/Securing Your API Endpoints.pptx
@@ -291,7 +291,7 @@
           <a:p>
             <a:fld id="{C54A4886-B4AF-42F7-97BE-95CDF82A73E3}" type="datetimeFigureOut">
               <a:rPr lang="en-US" smtClean="0"/>
-              <a:t>12/26/2018</a:t>
+              <a:t>12/27/2018</a:t>
             </a:fld>
             <a:endParaRPr lang="en-US"/>
           </a:p>
@@ -1557,7 +1557,31 @@
                 <a:ea typeface="+mn-ea"/>
                 <a:cs typeface="+mn-cs"/>
               </a:rPr>
-              <a:t> to the server. </a:t>
+              <a:t> to the </a:t>
+            </a:r>
+            <a:r>
+              <a:rPr lang="en-US" sz="1200" i="0" kern="1200" baseline="0" dirty="0" smtClean="0">
+                <a:solidFill>
+                  <a:schemeClr val="tx1"/>
+                </a:solidFill>
+                <a:effectLst/>
+                <a:latin typeface="+mn-lt"/>
+                <a:ea typeface="+mn-ea"/>
+                <a:cs typeface="+mn-cs"/>
+              </a:rPr>
+              <a:t>server and allows the server to verify that the request </a:t>
+            </a:r>
+            <a:r>
+              <a:rPr lang="en-US" sz="1200" kern="1200" dirty="0" smtClean="0">
+                <a:solidFill>
+                  <a:schemeClr val="tx1"/>
+                </a:solidFill>
+                <a:effectLst/>
+                <a:latin typeface="+mn-lt"/>
+                <a:ea typeface="+mn-ea"/>
+                <a:cs typeface="+mn-cs"/>
+              </a:rPr>
+              <a:t>hasn’t </a:t>
             </a:r>
             <a:r>
               <a:rPr lang="en-US" sz="1200" kern="1200" dirty="0">
@@ -1569,7 +1593,7 @@
                 <a:ea typeface="+mn-ea"/>
                 <a:cs typeface="+mn-cs"/>
               </a:rPr>
-              <a:t>The same tech that tells you it’s safe to give your credit card data to an e-commerce site tells the server that a request is coming from a verified person and hasn’t been modified in transit.</a:t>
+              <a:t>been modified in transit.</a:t>
             </a:r>
           </a:p>
           <a:p>
@@ -3786,9 +3810,9 @@
             </a:endParaRPr>
           </a:p>
           <a:p>
-            <a:pPr marL="171450" lvl="0" indent="-171450">
+            <a:pPr marL="0" lvl="0" indent="0">
               <a:buFont typeface="Arial" panose="020B0604020202020204" pitchFamily="34" charset="0"/>
-              <a:buChar char="•"/>
+              <a:buNone/>
             </a:pPr>
             <a:r>
               <a:rPr lang="en-US" sz="1200" i="0" kern="1200" baseline="0" dirty="0">
@@ -18485,7 +18509,103 @@
                 <a:ea typeface="+mn-ea"/>
                 <a:cs typeface="+mn-cs"/>
               </a:rPr>
-              <a:t>The first is SAML, which stands for “Security Assertion Markup Language”. It provides similar functionality as JSON Web Tokens in that it allows for the secure exchange of authentication and authorization data between different parties, but using SOAP and XML rather than JSON over HTTP. SAML is significantly older and more complex than JWT, but it does offer some additional functionality such as additional transport protocols and different types of encryption. SAML is very commonly used for enterprise single-sign-on scenarios, although JWT is starting to see some adoption in this area.</a:t>
+              <a:t>The first is SAML, which stands for “Security Assertion Markup Language”. </a:t>
+            </a:r>
+            <a:r>
+              <a:rPr lang="en-US" sz="1200" kern="1200" dirty="0" smtClean="0">
+                <a:solidFill>
+                  <a:schemeClr val="tx1"/>
+                </a:solidFill>
+                <a:effectLst/>
+                <a:latin typeface="+mn-lt"/>
+                <a:ea typeface="+mn-ea"/>
+                <a:cs typeface="+mn-cs"/>
+              </a:rPr>
+              <a:t>It basically does the same thing as JSON </a:t>
+            </a:r>
+            <a:r>
+              <a:rPr lang="en-US" sz="1200" kern="1200" dirty="0">
+                <a:solidFill>
+                  <a:schemeClr val="tx1"/>
+                </a:solidFill>
+                <a:effectLst/>
+                <a:latin typeface="+mn-lt"/>
+                <a:ea typeface="+mn-ea"/>
+                <a:cs typeface="+mn-cs"/>
+              </a:rPr>
+              <a:t>Web </a:t>
+            </a:r>
+            <a:r>
+              <a:rPr lang="en-US" sz="1200" kern="1200" dirty="0" smtClean="0">
+                <a:solidFill>
+                  <a:schemeClr val="tx1"/>
+                </a:solidFill>
+                <a:effectLst/>
+                <a:latin typeface="+mn-lt"/>
+                <a:ea typeface="+mn-ea"/>
+                <a:cs typeface="+mn-cs"/>
+              </a:rPr>
+              <a:t>Tokens, but uses SOAP </a:t>
+            </a:r>
+            <a:r>
+              <a:rPr lang="en-US" sz="1200" kern="1200" dirty="0">
+                <a:solidFill>
+                  <a:schemeClr val="tx1"/>
+                </a:solidFill>
+                <a:effectLst/>
+                <a:latin typeface="+mn-lt"/>
+                <a:ea typeface="+mn-ea"/>
+                <a:cs typeface="+mn-cs"/>
+              </a:rPr>
+              <a:t>and XML rather than JSON over HTTP. SAML is </a:t>
+            </a:r>
+            <a:r>
+              <a:rPr lang="en-US" sz="1200" kern="1200" dirty="0" smtClean="0">
+                <a:solidFill>
+                  <a:schemeClr val="tx1"/>
+                </a:solidFill>
+                <a:effectLst/>
+                <a:latin typeface="+mn-lt"/>
+                <a:ea typeface="+mn-ea"/>
+                <a:cs typeface="+mn-cs"/>
+              </a:rPr>
+              <a:t>older </a:t>
+            </a:r>
+            <a:r>
+              <a:rPr lang="en-US" sz="1200" kern="1200" dirty="0">
+                <a:solidFill>
+                  <a:schemeClr val="tx1"/>
+                </a:solidFill>
+                <a:effectLst/>
+                <a:latin typeface="+mn-lt"/>
+                <a:ea typeface="+mn-ea"/>
+                <a:cs typeface="+mn-cs"/>
+              </a:rPr>
+              <a:t>and more complex than JWT, but it does offer some additional </a:t>
+            </a:r>
+            <a:r>
+              <a:rPr lang="en-US" sz="1200" kern="1200" dirty="0" smtClean="0">
+                <a:solidFill>
+                  <a:schemeClr val="tx1"/>
+                </a:solidFill>
+                <a:effectLst/>
+                <a:latin typeface="+mn-lt"/>
+                <a:ea typeface="+mn-ea"/>
+                <a:cs typeface="+mn-cs"/>
+              </a:rPr>
+              <a:t>functionality. </a:t>
+            </a:r>
+            <a:r>
+              <a:rPr lang="en-US" sz="1200" kern="1200" dirty="0">
+                <a:solidFill>
+                  <a:schemeClr val="tx1"/>
+                </a:solidFill>
+                <a:effectLst/>
+                <a:latin typeface="+mn-lt"/>
+                <a:ea typeface="+mn-ea"/>
+                <a:cs typeface="+mn-cs"/>
+              </a:rPr>
+              <a:t>SAML is very commonly used for enterprise single-sign-on scenarios, although JWT is starting to see some adoption in this area.</a:t>
             </a:r>
           </a:p>
           <a:p>
@@ -20743,101 +20863,6 @@
               <a:cs typeface="+mn-cs"/>
             </a:endParaRPr>
           </a:p>
-          <a:p>
-            <a:pPr marL="0" marR="0" indent="0" algn="l" defTabSz="914400" rtl="0" eaLnBrk="1" fontAlgn="auto" latinLnBrk="0" hangingPunct="1">
-              <a:lnSpc>
-                <a:spcPct val="100000"/>
-              </a:lnSpc>
-              <a:spcBef>
-                <a:spcPts val="0"/>
-              </a:spcBef>
-              <a:spcAft>
-                <a:spcPts val="0"/>
-              </a:spcAft>
-              <a:buClrTx/>
-              <a:buSzTx/>
-              <a:buFontTx/>
-              <a:buNone/>
-              <a:tabLst/>
-              <a:defRPr/>
-            </a:pPr>
-            <a:endParaRPr lang="en-US" sz="1200" kern="1200" dirty="0">
-              <a:solidFill>
-                <a:schemeClr val="tx1"/>
-              </a:solidFill>
-              <a:effectLst/>
-              <a:latin typeface="+mn-lt"/>
-              <a:ea typeface="+mn-ea"/>
-              <a:cs typeface="+mn-cs"/>
-            </a:endParaRPr>
-          </a:p>
-          <a:p>
-            <a:pPr marL="0" marR="0" indent="0" algn="l" defTabSz="914400" rtl="0" eaLnBrk="1" fontAlgn="auto" latinLnBrk="0" hangingPunct="1">
-              <a:lnSpc>
-                <a:spcPct val="100000"/>
-              </a:lnSpc>
-              <a:spcBef>
-                <a:spcPts val="0"/>
-              </a:spcBef>
-              <a:spcAft>
-                <a:spcPts val="0"/>
-              </a:spcAft>
-              <a:buClrTx/>
-              <a:buSzTx/>
-              <a:buFontTx/>
-              <a:buNone/>
-              <a:tabLst/>
-              <a:defRPr/>
-            </a:pPr>
-            <a:r>
-              <a:rPr lang="en-US" sz="1200" kern="1200" dirty="0">
-                <a:solidFill>
-                  <a:schemeClr val="tx1"/>
-                </a:solidFill>
-                <a:effectLst/>
-                <a:latin typeface="+mn-lt"/>
-                <a:ea typeface="+mn-ea"/>
-                <a:cs typeface="+mn-cs"/>
-              </a:rPr>
-              <a:t>You can also use OpenID Connect if you have</a:t>
-            </a:r>
-            <a:r>
-              <a:rPr lang="en-US" sz="1200" kern="1200" baseline="0" dirty="0">
-                <a:solidFill>
-                  <a:schemeClr val="tx1"/>
-                </a:solidFill>
-                <a:effectLst/>
-                <a:latin typeface="+mn-lt"/>
-                <a:ea typeface="+mn-ea"/>
-                <a:cs typeface="+mn-cs"/>
-              </a:rPr>
-              <a:t> multiple internal systems and you want to set up your own </a:t>
-            </a:r>
-            <a:r>
-              <a:rPr lang="en-US" sz="1200" b="1" kern="1200" baseline="0" dirty="0">
-                <a:solidFill>
-                  <a:schemeClr val="tx1"/>
-                </a:solidFill>
-                <a:effectLst/>
-                <a:latin typeface="+mn-lt"/>
-                <a:ea typeface="+mn-ea"/>
-                <a:cs typeface="+mn-cs"/>
-              </a:rPr>
-              <a:t>centralized Identity</a:t>
-            </a:r>
-            <a:r>
-              <a:rPr lang="en-US" sz="1200" kern="1200" baseline="0" dirty="0">
-                <a:solidFill>
-                  <a:schemeClr val="tx1"/>
-                </a:solidFill>
-                <a:effectLst/>
-                <a:latin typeface="+mn-lt"/>
-                <a:ea typeface="+mn-ea"/>
-                <a:cs typeface="+mn-cs"/>
-              </a:rPr>
-              <a:t> and authentication provider.</a:t>
-            </a:r>
-          </a:p>
         </p:txBody>
       </p:sp>
       <p:sp>
@@ -21198,7 +21223,31 @@
                 <a:ea typeface="+mn-ea"/>
                 <a:cs typeface="+mn-cs"/>
               </a:rPr>
-              <a:t>JSON Web Tokens are a secure, stateless way to share non-sensitive data. Remember that by default tokens are encoded, not encrypted, so anything you put in them can be decoded by the client. You also need to make sure your tokens aren’t vulnerable to cross-site scripting or cross-site request forgery.</a:t>
+              <a:t>JSON Web Tokens are a secure, stateless way to share non-sensitive data. </a:t>
+            </a:r>
+            <a:r>
+              <a:rPr lang="en-US" sz="1200" kern="1200" dirty="0" smtClean="0">
+                <a:solidFill>
+                  <a:schemeClr val="tx1"/>
+                </a:solidFill>
+                <a:effectLst/>
+                <a:latin typeface="+mn-lt"/>
+                <a:ea typeface="+mn-ea"/>
+                <a:cs typeface="+mn-cs"/>
+              </a:rPr>
+              <a:t>Be careful about cross-site </a:t>
+            </a:r>
+            <a:r>
+              <a:rPr lang="en-US" sz="1200" kern="1200" dirty="0">
+                <a:solidFill>
+                  <a:schemeClr val="tx1"/>
+                </a:solidFill>
+                <a:effectLst/>
+                <a:latin typeface="+mn-lt"/>
+                <a:ea typeface="+mn-ea"/>
+                <a:cs typeface="+mn-cs"/>
+              </a:rPr>
+              <a:t>scripting or cross-site request forgery.</a:t>
             </a:r>
             <a:br>
               <a:rPr lang="en-US" sz="1200" kern="1200" dirty="0">
@@ -21829,7 +21878,7 @@
           <a:p>
             <a:fld id="{75AA6396-395E-4ADA-8EE5-F328BC863A04}" type="datetimeFigureOut">
               <a:rPr lang="en-US" smtClean="0"/>
-              <a:t>12/26/2018</a:t>
+              <a:t>12/27/2018</a:t>
             </a:fld>
             <a:endParaRPr lang="en-US"/>
           </a:p>
@@ -21997,7 +22046,7 @@
           <a:p>
             <a:fld id="{75AA6396-395E-4ADA-8EE5-F328BC863A04}" type="datetimeFigureOut">
               <a:rPr lang="en-US" smtClean="0"/>
-              <a:t>12/26/2018</a:t>
+              <a:t>12/27/2018</a:t>
             </a:fld>
             <a:endParaRPr lang="en-US"/>
           </a:p>
@@ -22175,7 +22224,7 @@
           <a:p>
             <a:fld id="{75AA6396-395E-4ADA-8EE5-F328BC863A04}" type="datetimeFigureOut">
               <a:rPr lang="en-US" smtClean="0"/>
-              <a:t>12/26/2018</a:t>
+              <a:t>12/27/2018</a:t>
             </a:fld>
             <a:endParaRPr lang="en-US"/>
           </a:p>
@@ -22393,7 +22442,7 @@
           <a:p>
             <a:fld id="{75AA6396-395E-4ADA-8EE5-F328BC863A04}" type="datetimeFigureOut">
               <a:rPr lang="en-US" smtClean="0"/>
-              <a:t>12/26/2018</a:t>
+              <a:t>12/27/2018</a:t>
             </a:fld>
             <a:endParaRPr lang="en-US"/>
           </a:p>
@@ -22638,7 +22687,7 @@
           <a:p>
             <a:fld id="{75AA6396-395E-4ADA-8EE5-F328BC863A04}" type="datetimeFigureOut">
               <a:rPr lang="en-US" smtClean="0"/>
-              <a:t>12/26/2018</a:t>
+              <a:t>12/27/2018</a:t>
             </a:fld>
             <a:endParaRPr lang="en-US"/>
           </a:p>
@@ -22867,7 +22916,7 @@
           <a:p>
             <a:fld id="{75AA6396-395E-4ADA-8EE5-F328BC863A04}" type="datetimeFigureOut">
               <a:rPr lang="en-US" smtClean="0"/>
-              <a:t>12/26/2018</a:t>
+              <a:t>12/27/2018</a:t>
             </a:fld>
             <a:endParaRPr lang="en-US"/>
           </a:p>
@@ -23231,7 +23280,7 @@
           <a:p>
             <a:fld id="{75AA6396-395E-4ADA-8EE5-F328BC863A04}" type="datetimeFigureOut">
               <a:rPr lang="en-US" smtClean="0"/>
-              <a:t>12/26/2018</a:t>
+              <a:t>12/27/2018</a:t>
             </a:fld>
             <a:endParaRPr lang="en-US"/>
           </a:p>
@@ -23348,7 +23397,7 @@
           <a:p>
             <a:fld id="{75AA6396-395E-4ADA-8EE5-F328BC863A04}" type="datetimeFigureOut">
               <a:rPr lang="en-US" smtClean="0"/>
-              <a:t>12/26/2018</a:t>
+              <a:t>12/27/2018</a:t>
             </a:fld>
             <a:endParaRPr lang="en-US"/>
           </a:p>
@@ -23443,7 +23492,7 @@
           <a:p>
             <a:fld id="{75AA6396-395E-4ADA-8EE5-F328BC863A04}" type="datetimeFigureOut">
               <a:rPr lang="en-US" smtClean="0"/>
-              <a:t>12/26/2018</a:t>
+              <a:t>12/27/2018</a:t>
             </a:fld>
             <a:endParaRPr lang="en-US"/>
           </a:p>
@@ -23718,7 +23767,7 @@
           <a:p>
             <a:fld id="{75AA6396-395E-4ADA-8EE5-F328BC863A04}" type="datetimeFigureOut">
               <a:rPr lang="en-US" smtClean="0"/>
-              <a:t>12/26/2018</a:t>
+              <a:t>12/27/2018</a:t>
             </a:fld>
             <a:endParaRPr lang="en-US"/>
           </a:p>
@@ -23970,7 +24019,7 @@
           <a:p>
             <a:fld id="{75AA6396-395E-4ADA-8EE5-F328BC863A04}" type="datetimeFigureOut">
               <a:rPr lang="en-US" smtClean="0"/>
-              <a:t>12/26/2018</a:t>
+              <a:t>12/27/2018</a:t>
             </a:fld>
             <a:endParaRPr lang="en-US"/>
           </a:p>
@@ -24181,7 +24230,7 @@
           <a:p>
             <a:fld id="{75AA6396-395E-4ADA-8EE5-F328BC863A04}" type="datetimeFigureOut">
               <a:rPr lang="en-US" smtClean="0"/>
-              <a:t>12/26/2018</a:t>
+              <a:t>12/27/2018</a:t>
             </a:fld>
             <a:endParaRPr lang="en-US"/>
           </a:p>
@@ -24786,6 +24835,13 @@
   <p:clrMapOvr>
     <a:masterClrMapping/>
   </p:clrMapOvr>
+  <p:timing>
+    <p:tnLst>
+      <p:par>
+        <p:cTn id="1" dur="indefinite" restart="never" nodeType="tmRoot"/>
+      </p:par>
+    </p:tnLst>
+  </p:timing>
 </p:sld>
 </file>
 
@@ -24840,6 +24896,13 @@
   <p:clrMapOvr>
     <a:masterClrMapping/>
   </p:clrMapOvr>
+  <p:timing>
+    <p:tnLst>
+      <p:par>
+        <p:cTn id="1" dur="indefinite" restart="never" nodeType="tmRoot"/>
+      </p:par>
+    </p:tnLst>
+  </p:timing>
 </p:sld>
 </file>
 
@@ -25057,6 +25120,13 @@
   <p:clrMapOvr>
     <a:masterClrMapping/>
   </p:clrMapOvr>
+  <p:timing>
+    <p:tnLst>
+      <p:par>
+        <p:cTn id="1" dur="indefinite" restart="never" nodeType="tmRoot"/>
+      </p:par>
+    </p:tnLst>
+  </p:timing>
 </p:sld>
 </file>
 
@@ -27269,6 +27339,13 @@
   <p:clrMapOvr>
     <a:masterClrMapping/>
   </p:clrMapOvr>
+  <p:timing>
+    <p:tnLst>
+      <p:par>
+        <p:cTn id="1" dur="indefinite" restart="never" nodeType="tmRoot"/>
+      </p:par>
+    </p:tnLst>
+  </p:timing>
 </p:sld>
 </file>
 
@@ -27579,11 +27656,7 @@
           <a:p>
             <a:r>
               <a:rPr lang="en-US" sz="4000" dirty="0" smtClean="0"/>
-              <a:t>Credentials not sent </a:t>
-            </a:r>
-            <a:r>
-              <a:rPr lang="en-US" sz="4000" dirty="0" smtClean="0"/>
-              <a:t>over the wire </a:t>
+              <a:t>Credentials not sent over the wire </a:t>
             </a:r>
             <a:endParaRPr lang="en-US" sz="4000" dirty="0"/>
           </a:p>
@@ -28780,6 +28853,13 @@
   <p:clrMapOvr>
     <a:masterClrMapping/>
   </p:clrMapOvr>
+  <p:timing>
+    <p:tnLst>
+      <p:par>
+        <p:cTn id="1" dur="indefinite" restart="never" nodeType="tmRoot"/>
+      </p:par>
+    </p:tnLst>
+  </p:timing>
 </p:sld>
 </file>
 
@@ -30747,6 +30827,13 @@
   <p:clrMapOvr>
     <a:masterClrMapping/>
   </p:clrMapOvr>
+  <p:timing>
+    <p:tnLst>
+      <p:par>
+        <p:cTn id="1" dur="indefinite" restart="never" nodeType="tmRoot"/>
+      </p:par>
+    </p:tnLst>
+  </p:timing>
 </p:sld>
 </file>
 
@@ -30873,28 +30960,28 @@
                 <a:gridCol w="2589823">
                   <a:extLst>
                     <a:ext uri="{9D8B030D-6E8A-4147-A177-3AD203B41FA5}">
-                      <a16:colId xmlns:a16="http://schemas.microsoft.com/office/drawing/2014/main" xmlns="" val="20000"/>
+                      <a16:colId xmlns="" xmlns:a16="http://schemas.microsoft.com/office/drawing/2014/main" val="20000"/>
                     </a:ext>
                   </a:extLst>
                 </a:gridCol>
                 <a:gridCol w="2589823">
                   <a:extLst>
                     <a:ext uri="{9D8B030D-6E8A-4147-A177-3AD203B41FA5}">
-                      <a16:colId xmlns:a16="http://schemas.microsoft.com/office/drawing/2014/main" xmlns="" val="20001"/>
+                      <a16:colId xmlns="" xmlns:a16="http://schemas.microsoft.com/office/drawing/2014/main" val="20001"/>
                     </a:ext>
                   </a:extLst>
                 </a:gridCol>
                 <a:gridCol w="2589823">
                   <a:extLst>
                     <a:ext uri="{9D8B030D-6E8A-4147-A177-3AD203B41FA5}">
-                      <a16:colId xmlns:a16="http://schemas.microsoft.com/office/drawing/2014/main" xmlns="" val="20002"/>
+                      <a16:colId xmlns="" xmlns:a16="http://schemas.microsoft.com/office/drawing/2014/main" val="20002"/>
                     </a:ext>
                   </a:extLst>
                 </a:gridCol>
                 <a:gridCol w="2589823">
                   <a:extLst>
                     <a:ext uri="{9D8B030D-6E8A-4147-A177-3AD203B41FA5}">
-                      <a16:colId xmlns:a16="http://schemas.microsoft.com/office/drawing/2014/main" xmlns="" val="20003"/>
+                      <a16:colId xmlns="" xmlns:a16="http://schemas.microsoft.com/office/drawing/2014/main" val="20003"/>
                     </a:ext>
                   </a:extLst>
                 </a:gridCol>
@@ -30969,7 +31056,7 @@
                 </a:tc>
                 <a:extLst>
                   <a:ext uri="{0D108BD9-81ED-4DB2-BD59-A6C34878D82A}">
-                    <a16:rowId xmlns:a16="http://schemas.microsoft.com/office/drawing/2014/main" xmlns="" val="10000"/>
+                    <a16:rowId xmlns="" xmlns:a16="http://schemas.microsoft.com/office/drawing/2014/main" val="10000"/>
                   </a:ext>
                 </a:extLst>
               </a:tr>
@@ -31061,7 +31148,7 @@
                 </a:tc>
                 <a:extLst>
                   <a:ext uri="{0D108BD9-81ED-4DB2-BD59-A6C34878D82A}">
-                    <a16:rowId xmlns:a16="http://schemas.microsoft.com/office/drawing/2014/main" xmlns="" val="10001"/>
+                    <a16:rowId xmlns="" xmlns:a16="http://schemas.microsoft.com/office/drawing/2014/main" val="10001"/>
                   </a:ext>
                 </a:extLst>
               </a:tr>
@@ -31189,7 +31276,7 @@
                 </a:tc>
                 <a:extLst>
                   <a:ext uri="{0D108BD9-81ED-4DB2-BD59-A6C34878D82A}">
-                    <a16:rowId xmlns:a16="http://schemas.microsoft.com/office/drawing/2014/main" xmlns="" val="10002"/>
+                    <a16:rowId xmlns="" xmlns:a16="http://schemas.microsoft.com/office/drawing/2014/main" val="10002"/>
                   </a:ext>
                 </a:extLst>
               </a:tr>
@@ -32577,6 +32664,13 @@
   <p:clrMapOvr>
     <a:masterClrMapping/>
   </p:clrMapOvr>
+  <p:timing>
+    <p:tnLst>
+      <p:par>
+        <p:cTn id="1" dur="indefinite" restart="never" nodeType="tmRoot"/>
+      </p:par>
+    </p:tnLst>
+  </p:timing>
 </p:sld>
 </file>
 
@@ -33737,7 +33831,6 @@
               <a:rPr lang="en-US" sz="4800" dirty="0"/>
               <a:t>Access to identity API != authentication</a:t>
             </a:r>
-            <a:endParaRPr lang="en-US" sz="4800" dirty="0"/>
           </a:p>
         </p:txBody>
       </p:sp>
@@ -33913,7 +34006,6 @@
               <a:rPr lang="en-US" sz="4800" dirty="0"/>
               <a:t>Access to identity API != authentication</a:t>
             </a:r>
-            <a:endParaRPr lang="en-US" sz="4800" dirty="0"/>
           </a:p>
         </p:txBody>
       </p:sp>
@@ -34247,6 +34339,13 @@
   <p:clrMapOvr>
     <a:masterClrMapping/>
   </p:clrMapOvr>
+  <p:timing>
+    <p:tnLst>
+      <p:par>
+        <p:cTn id="1" dur="indefinite" restart="never" nodeType="tmRoot"/>
+      </p:par>
+    </p:tnLst>
+  </p:timing>
 </p:sld>
 </file>
 
@@ -35594,11 +35693,7 @@
           <a:p>
             <a:r>
               <a:rPr lang="en-US" sz="3600" dirty="0" smtClean="0"/>
-              <a:t>A </a:t>
-            </a:r>
-            <a:r>
-              <a:rPr lang="en-US" sz="3600" dirty="0" smtClean="0"/>
-              <a:t>stateless </a:t>
+              <a:t>A stateless </a:t>
             </a:r>
             <a:r>
               <a:rPr lang="en-US" sz="3600" dirty="0"/>
@@ -36003,6 +36098,13 @@
   <p:clrMapOvr>
     <a:masterClrMapping/>
   </p:clrMapOvr>
+  <p:timing>
+    <p:tnLst>
+      <p:par>
+        <p:cTn id="1" dur="indefinite" restart="never" nodeType="tmRoot"/>
+      </p:par>
+    </p:tnLst>
+  </p:timing>
 </p:sld>
 </file>
 
@@ -36320,16 +36422,7 @@
           </a:p>
           <a:p>
             <a:r>
-              <a:rPr lang="en-US" sz="3600" dirty="0"/>
-              <a:t>You want to centralize your own authentication and identity systems</a:t>
-            </a:r>
-          </a:p>
-          <a:p>
-            <a:endParaRPr lang="en-US" sz="2400" dirty="0"/>
-          </a:p>
-          <a:p>
-            <a:r>
-              <a:rPr lang="en-US" sz="3600" dirty="0"/>
+              <a:rPr lang="en-US" sz="3600" dirty="0" smtClean="0"/>
               <a:t>You </a:t>
             </a:r>
             <a:r>
@@ -36917,7 +37010,7 @@
 </file>
 
 <file path=ppt/slides/slide9.xml><?xml version="1.0" encoding="utf-8"?>
-<p:sld xmlns:a="http://schemas.openxmlformats.org/drawingml/2006/main" xmlns:r="http://schemas.openxmlformats.org/officeDocument/2006/relationships" xmlns:p="http://schemas.openxmlformats.org/presentationml/2006/main">
+<p:sld xmlns:a="http://schemas.openxmlformats.org/drawingml/2006/main" xmlns:r="http://schemas.openxmlformats.org/officeDocument/2006/relationships" xmlns:p="http://schemas.openxmlformats.org/presentationml/2006/main" show="0">
   <p:cSld>
     <p:spTree>
       <p:nvGrpSpPr>
@@ -37030,6 +37123,21 @@
   <p:clrMapOvr>
     <a:masterClrMapping/>
   </p:clrMapOvr>
+  <mc:AlternateContent xmlns:mc="http://schemas.openxmlformats.org/markup-compatibility/2006">
+    <mc:Choice xmlns:p14="http://schemas.microsoft.com/office/powerpoint/2010/main" Requires="p14">
+      <p:transition spd="slow" p14:dur="2000"/>
+    </mc:Choice>
+    <mc:Fallback>
+      <p:transition spd="slow"/>
+    </mc:Fallback>
+  </mc:AlternateContent>
+  <p:timing>
+    <p:tnLst>
+      <p:par>
+        <p:cTn id="1" dur="indefinite" restart="never" nodeType="tmRoot"/>
+      </p:par>
+    </p:tnLst>
+  </p:timing>
 </p:sld>
 </file>
 

--- a/Securing Your API Endpoints.pptx
+++ b/Securing Your API Endpoints.pptx
@@ -5,7 +5,7 @@
     <p:sldMasterId id="2147483749" r:id="rId1"/>
   </p:sldMasterIdLst>
   <p:notesMasterIdLst>
-    <p:notesMasterId r:id="rId86"/>
+    <p:notesMasterId r:id="rId85"/>
   </p:notesMasterIdLst>
   <p:sldIdLst>
     <p:sldId id="426" r:id="rId2"/>
@@ -91,7 +91,6 @@
     <p:sldId id="514" r:id="rId82"/>
     <p:sldId id="515" r:id="rId83"/>
     <p:sldId id="504" r:id="rId84"/>
-    <p:sldId id="423" r:id="rId85"/>
   </p:sldIdLst>
   <p:sldSz cx="12192000" cy="6858000"/>
   <p:notesSz cx="6858000" cy="9144000"/>
@@ -291,7 +290,7 @@
           <a:p>
             <a:fld id="{C54A4886-B4AF-42F7-97BE-95CDF82A73E3}" type="datetimeFigureOut">
               <a:rPr lang="en-US" smtClean="0"/>
-              <a:t>12/27/2018</a:t>
+              <a:t>1/8/2019</a:t>
             </a:fld>
             <a:endParaRPr lang="en-US"/>
           </a:p>
@@ -1557,31 +1556,7 @@
                 <a:ea typeface="+mn-ea"/>
                 <a:cs typeface="+mn-cs"/>
               </a:rPr>
-              <a:t> to the </a:t>
-            </a:r>
-            <a:r>
-              <a:rPr lang="en-US" sz="1200" i="0" kern="1200" baseline="0" dirty="0" smtClean="0">
-                <a:solidFill>
-                  <a:schemeClr val="tx1"/>
-                </a:solidFill>
-                <a:effectLst/>
-                <a:latin typeface="+mn-lt"/>
-                <a:ea typeface="+mn-ea"/>
-                <a:cs typeface="+mn-cs"/>
-              </a:rPr>
-              <a:t>server and allows the server to verify that the request </a:t>
-            </a:r>
-            <a:r>
-              <a:rPr lang="en-US" sz="1200" kern="1200" dirty="0" smtClean="0">
-                <a:solidFill>
-                  <a:schemeClr val="tx1"/>
-                </a:solidFill>
-                <a:effectLst/>
-                <a:latin typeface="+mn-lt"/>
-                <a:ea typeface="+mn-ea"/>
-                <a:cs typeface="+mn-cs"/>
-              </a:rPr>
-              <a:t>hasn’t </a:t>
+              <a:t> to the server and allows the server to verify that the request </a:t>
             </a:r>
             <a:r>
               <a:rPr lang="en-US" sz="1200" kern="1200" dirty="0">
@@ -1593,7 +1568,7 @@
                 <a:ea typeface="+mn-ea"/>
                 <a:cs typeface="+mn-cs"/>
               </a:rPr>
-              <a:t>been modified in transit.</a:t>
+              <a:t>hasn’t been modified in transit.</a:t>
             </a:r>
           </a:p>
           <a:p>
@@ -2479,7 +2454,7 @@
               <a:buNone/>
             </a:pPr>
             <a:r>
-              <a:rPr lang="en-US" sz="1200" kern="1200" dirty="0" smtClean="0">
+              <a:rPr lang="en-US" sz="1200" kern="1200" dirty="0">
                 <a:solidFill>
                   <a:schemeClr val="tx1"/>
                 </a:solidFill>
@@ -2491,7 +2466,7 @@
               <a:t>First, using the primary account password to authenticate API calls means that if</a:t>
             </a:r>
             <a:r>
-              <a:rPr lang="en-US" sz="1200" kern="1200" baseline="0" dirty="0" smtClean="0">
+              <a:rPr lang="en-US" sz="1200" kern="1200" baseline="0" dirty="0">
                 <a:solidFill>
                   <a:schemeClr val="tx1"/>
                 </a:solidFill>
@@ -2501,13 +2476,44 @@
                 <a:cs typeface="+mn-cs"/>
               </a:rPr>
               <a:t> the user changes their password it will break all of the API clients, and there's no way to revoke access from one API client without impacting all of them. </a:t>
+            </a:r>
+          </a:p>
+          <a:p>
+            <a:pPr marL="0" indent="0">
+              <a:buNone/>
+            </a:pPr>
+            <a:endParaRPr lang="en-US" sz="1200" kern="1200" baseline="0" dirty="0">
+              <a:solidFill>
+                <a:schemeClr val="tx1"/>
+              </a:solidFill>
+              <a:effectLst/>
+              <a:latin typeface="+mn-lt"/>
+              <a:ea typeface="+mn-ea"/>
+              <a:cs typeface="+mn-cs"/>
+            </a:endParaRPr>
+          </a:p>
+          <a:p>
+            <a:pPr marL="0" indent="0">
+              <a:buNone/>
+            </a:pPr>
+            <a:r>
+              <a:rPr lang="en-US" sz="1200" kern="1200" baseline="0" dirty="0">
+                <a:solidFill>
+                  <a:schemeClr val="tx1"/>
+                </a:solidFill>
+                <a:effectLst/>
+                <a:latin typeface="+mn-lt"/>
+                <a:ea typeface="+mn-ea"/>
+                <a:cs typeface="+mn-cs"/>
+              </a:rPr>
+              <a:t>This means that if your API calls get compromised in any way, and if your users use the same credentials on multiple websites, then you’ve potentially led to them being compromised elsewhere.</a:t>
             </a:r>
           </a:p>
           <a:p>
             <a:pPr marL="228600" indent="-228600">
               <a:buAutoNum type="arabicParenR"/>
             </a:pPr>
-            <a:endParaRPr lang="en-US" sz="1200" kern="1200" baseline="0" dirty="0" smtClean="0">
+            <a:endParaRPr lang="en-US" sz="1200" kern="1200" baseline="0" dirty="0">
               <a:solidFill>
                 <a:schemeClr val="tx1"/>
               </a:solidFill>
@@ -2600,7 +2606,7 @@
           <a:lstStyle/>
           <a:p>
             <a:r>
-              <a:rPr lang="en-US" sz="1200" kern="1200" dirty="0" smtClean="0">
+              <a:rPr lang="en-US" sz="1200" kern="1200" dirty="0">
                 <a:solidFill>
                   <a:schemeClr val="tx1"/>
                 </a:solidFill>
@@ -2612,20 +2618,20 @@
               <a:t>Secondly,</a:t>
             </a:r>
             <a:r>
-              <a:rPr lang="en-US" sz="1200" kern="1200" baseline="0" dirty="0" smtClean="0">
-                <a:solidFill>
-                  <a:schemeClr val="tx1"/>
-                </a:solidFill>
-                <a:effectLst/>
-                <a:latin typeface="+mn-lt"/>
-                <a:ea typeface="+mn-ea"/>
-                <a:cs typeface="+mn-cs"/>
-              </a:rPr>
-              <a:t> encoding is not encryption. If you slip up and don't use TLS on a request, you've potentially leaked the primary account password.</a:t>
-            </a:r>
-          </a:p>
-          <a:p>
-            <a:endParaRPr lang="en-US" sz="1200" kern="1200" baseline="0" dirty="0" smtClean="0">
+              <a:rPr lang="en-US" sz="1200" kern="1200" baseline="0" dirty="0">
+                <a:solidFill>
+                  <a:schemeClr val="tx1"/>
+                </a:solidFill>
+                <a:effectLst/>
+                <a:latin typeface="+mn-lt"/>
+                <a:ea typeface="+mn-ea"/>
+                <a:cs typeface="+mn-cs"/>
+              </a:rPr>
+              <a:t> encoding is not encryption. These credentials are being passed in what is basically clear text, which means you MUST use TLS on all requests.</a:t>
+            </a:r>
+          </a:p>
+          <a:p>
+            <a:endParaRPr lang="en-US" sz="1200" kern="1200" baseline="0" dirty="0">
               <a:solidFill>
                 <a:schemeClr val="tx1"/>
               </a:solidFill>
@@ -2637,7 +2643,7 @@
           </a:p>
           <a:p>
             <a:r>
-              <a:rPr lang="en-US" sz="1200" kern="1200" dirty="0" smtClean="0">
+              <a:rPr lang="en-US" sz="1200" kern="1200" dirty="0">
                 <a:solidFill>
                   <a:schemeClr val="tx1"/>
                 </a:solidFill>
@@ -2649,7 +2655,7 @@
               <a:t>There's a way around this second drawback, and</a:t>
             </a:r>
             <a:r>
-              <a:rPr lang="en-US" sz="1200" kern="1200" baseline="0" dirty="0" smtClean="0">
+              <a:rPr lang="en-US" sz="1200" kern="1200" baseline="0" dirty="0">
                 <a:solidFill>
                   <a:schemeClr val="tx1"/>
                 </a:solidFill>
@@ -2661,7 +2667,7 @@
               <a:t> it's called </a:t>
             </a:r>
             <a:r>
-              <a:rPr lang="en-US" sz="1200" kern="1200" dirty="0" smtClean="0">
+              <a:rPr lang="en-US" sz="1200" kern="1200" dirty="0">
                 <a:solidFill>
                   <a:schemeClr val="tx1"/>
                 </a:solidFill>
@@ -2673,7 +2679,7 @@
               <a:t>Digest Auth. The main difference is that with Digest, the password is never sent over the wire,</a:t>
             </a:r>
             <a:r>
-              <a:rPr lang="en-US" sz="1200" kern="1200" baseline="0" dirty="0" smtClean="0">
+              <a:rPr lang="en-US" sz="1200" kern="1200" baseline="0" dirty="0">
                 <a:solidFill>
                   <a:schemeClr val="tx1"/>
                 </a:solidFill>
@@ -2684,7 +2690,7 @@
               </a:rPr>
               <a:t> so there’s less risk of it being compromised.</a:t>
             </a:r>
-            <a:endParaRPr lang="en-US" sz="1200" kern="1200" dirty="0" smtClean="0">
+            <a:endParaRPr lang="en-US" sz="1200" kern="1200" dirty="0">
               <a:solidFill>
                 <a:schemeClr val="tx1"/>
               </a:solidFill>
@@ -2695,7 +2701,7 @@
             </a:endParaRPr>
           </a:p>
           <a:p>
-            <a:endParaRPr lang="en-US" sz="1200" kern="1200" dirty="0" smtClean="0">
+            <a:endParaRPr lang="en-US" sz="1200" kern="1200" dirty="0">
               <a:solidFill>
                 <a:schemeClr val="tx1"/>
               </a:solidFill>
@@ -2788,7 +2794,7 @@
           <a:lstStyle/>
           <a:p>
             <a:r>
-              <a:rPr lang="en-US" sz="1200" kern="1200" dirty="0" smtClean="0">
+              <a:rPr lang="en-US" sz="1200" kern="1200" dirty="0">
                 <a:solidFill>
                   <a:schemeClr val="tx1"/>
                 </a:solidFill>
@@ -2800,7 +2806,7 @@
               <a:t>Here's</a:t>
             </a:r>
             <a:r>
-              <a:rPr lang="en-US" sz="1200" kern="1200" baseline="0" dirty="0" smtClean="0">
+              <a:rPr lang="en-US" sz="1200" kern="1200" baseline="0" dirty="0">
                 <a:solidFill>
                   <a:schemeClr val="tx1"/>
                 </a:solidFill>
@@ -2812,7 +2818,7 @@
               <a:t> how Digest </a:t>
             </a:r>
             <a:r>
-              <a:rPr lang="en-US" sz="1200" kern="1200" baseline="0" dirty="0" err="1" smtClean="0">
+              <a:rPr lang="en-US" sz="1200" kern="1200" baseline="0" dirty="0" err="1">
                 <a:solidFill>
                   <a:schemeClr val="tx1"/>
                 </a:solidFill>
@@ -2824,7 +2830,7 @@
               <a:t>Auth</a:t>
             </a:r>
             <a:r>
-              <a:rPr lang="en-US" sz="1200" kern="1200" baseline="0" dirty="0" smtClean="0">
+              <a:rPr lang="en-US" sz="1200" kern="1200" baseline="0" dirty="0">
                 <a:solidFill>
                   <a:schemeClr val="tx1"/>
                 </a:solidFill>
@@ -2835,7 +2841,7 @@
               </a:rPr>
               <a:t> works:</a:t>
             </a:r>
-            <a:endParaRPr lang="en-US" sz="1200" kern="1200" dirty="0" smtClean="0">
+            <a:endParaRPr lang="en-US" sz="1200" kern="1200" dirty="0">
               <a:solidFill>
                 <a:schemeClr val="tx1"/>
               </a:solidFill>
@@ -3045,31 +3051,7 @@
                 <a:ea typeface="+mn-ea"/>
                 <a:cs typeface="+mn-cs"/>
               </a:rPr>
-              <a:t> </a:t>
-            </a:r>
-            <a:r>
-              <a:rPr lang="en-US" sz="1200" kern="1200" baseline="0" dirty="0" smtClean="0">
-                <a:solidFill>
-                  <a:schemeClr val="tx1"/>
-                </a:solidFill>
-                <a:effectLst/>
-                <a:latin typeface="+mn-lt"/>
-                <a:ea typeface="+mn-ea"/>
-                <a:cs typeface="+mn-cs"/>
-              </a:rPr>
-              <a:t>client then </a:t>
-            </a:r>
-            <a:r>
-              <a:rPr lang="en-US" sz="1200" kern="1200" dirty="0" smtClean="0">
-                <a:solidFill>
-                  <a:schemeClr val="tx1"/>
-                </a:solidFill>
-                <a:effectLst/>
-                <a:latin typeface="+mn-lt"/>
-                <a:ea typeface="+mn-ea"/>
-                <a:cs typeface="+mn-cs"/>
-              </a:rPr>
-              <a:t>concatenates </a:t>
+              <a:t> client then </a:t>
             </a:r>
             <a:r>
               <a:rPr lang="en-US" sz="1200" kern="1200" dirty="0">
@@ -3081,7 +3063,7 @@
                 <a:ea typeface="+mn-ea"/>
                 <a:cs typeface="+mn-cs"/>
               </a:rPr>
-              <a:t>the username, password, and nonce together,</a:t>
+              <a:t>concatenates the username, password, and nonce together,</a:t>
             </a:r>
             <a:r>
               <a:rPr lang="en-US" sz="1200" kern="1200" baseline="0" dirty="0">
@@ -3647,18 +3629,6 @@
               <a:buChar char="•"/>
             </a:pPr>
             <a:r>
-              <a:rPr lang="en-US" sz="1200" kern="1200" dirty="0" smtClean="0">
-                <a:solidFill>
-                  <a:schemeClr val="tx1"/>
-                </a:solidFill>
-                <a:effectLst/>
-                <a:latin typeface="+mn-lt"/>
-                <a:ea typeface="+mn-ea"/>
-                <a:cs typeface="+mn-cs"/>
-              </a:rPr>
-              <a:t>Client then </a:t>
-            </a:r>
-            <a:r>
               <a:rPr lang="en-US" sz="1200" kern="1200" dirty="0">
                 <a:solidFill>
                   <a:schemeClr val="tx1"/>
@@ -3668,7 +3638,7 @@
                 <a:ea typeface="+mn-ea"/>
                 <a:cs typeface="+mn-cs"/>
               </a:rPr>
-              <a:t>resubmits request, passing the username, the nonce, and computed hash value</a:t>
+              <a:t>Client then resubmits request, passing the username, the nonce, and computed hash value</a:t>
             </a:r>
             <a:r>
               <a:rPr lang="en-US" sz="1200" kern="1200" baseline="0" dirty="0">
@@ -3695,18 +3665,6 @@
               <a:t>in clear text </a:t>
             </a:r>
             <a:r>
-              <a:rPr lang="en-US" sz="1200" i="0" kern="1200" baseline="0" dirty="0" smtClean="0">
-                <a:solidFill>
-                  <a:schemeClr val="tx1"/>
-                </a:solidFill>
-                <a:effectLst/>
-                <a:latin typeface="+mn-lt"/>
-                <a:ea typeface="+mn-ea"/>
-                <a:cs typeface="+mn-cs"/>
-              </a:rPr>
-              <a:t>in a header</a:t>
-            </a:r>
-            <a:r>
               <a:rPr lang="en-US" sz="1200" i="0" kern="1200" baseline="0" dirty="0">
                 <a:solidFill>
                   <a:schemeClr val="tx1"/>
@@ -3716,9 +3674,15 @@
                 <a:ea typeface="+mn-ea"/>
                 <a:cs typeface="+mn-cs"/>
               </a:rPr>
-              <a:t>. </a:t>
-            </a:r>
-            <a:endParaRPr lang="en-US" sz="1200" i="0" kern="1200" baseline="0" dirty="0" smtClean="0">
+              <a:t>in a header. </a:t>
+            </a:r>
+          </a:p>
+          <a:p>
+            <a:pPr marL="171450" lvl="0" indent="-171450">
+              <a:buFont typeface="Arial" panose="020B0604020202020204" pitchFamily="34" charset="0"/>
+              <a:buChar char="•"/>
+            </a:pPr>
+            <a:endParaRPr lang="en-US" sz="1200" b="1" i="0" kern="1200" baseline="0" dirty="0">
               <a:solidFill>
                 <a:schemeClr val="tx1"/>
               </a:solidFill>
@@ -3733,7 +3697,19 @@
               <a:buFont typeface="Arial" panose="020B0604020202020204" pitchFamily="34" charset="0"/>
               <a:buChar char="•"/>
             </a:pPr>
-            <a:endParaRPr lang="en-US" sz="1200" b="1" i="0" kern="1200" baseline="0" dirty="0" smtClean="0">
+            <a:r>
+              <a:rPr lang="en-US" sz="1200" b="1" i="0" kern="1200" baseline="0" dirty="0">
+                <a:solidFill>
+                  <a:schemeClr val="tx1"/>
+                </a:solidFill>
+                <a:effectLst/>
+                <a:latin typeface="+mn-lt"/>
+                <a:ea typeface="+mn-ea"/>
+                <a:cs typeface="+mn-cs"/>
+              </a:rPr>
+              <a:t>The password itself is not sent over the wire.</a:t>
+            </a:r>
+            <a:endParaRPr lang="en-US" sz="1200" b="0" i="0" kern="1200" baseline="0" dirty="0">
               <a:solidFill>
                 <a:schemeClr val="tx1"/>
               </a:solidFill>
@@ -3748,43 +3724,7 @@
               <a:buFont typeface="Arial" panose="020B0604020202020204" pitchFamily="34" charset="0"/>
               <a:buChar char="•"/>
             </a:pPr>
-            <a:r>
-              <a:rPr lang="en-US" sz="1200" b="1" i="0" kern="1200" baseline="0" dirty="0" smtClean="0">
-                <a:solidFill>
-                  <a:schemeClr val="tx1"/>
-                </a:solidFill>
-                <a:effectLst/>
-                <a:latin typeface="+mn-lt"/>
-                <a:ea typeface="+mn-ea"/>
-                <a:cs typeface="+mn-cs"/>
-              </a:rPr>
-              <a:t>The </a:t>
-            </a:r>
-            <a:r>
-              <a:rPr lang="en-US" sz="1200" b="1" i="0" kern="1200" baseline="0" dirty="0">
-                <a:solidFill>
-                  <a:schemeClr val="tx1"/>
-                </a:solidFill>
-                <a:effectLst/>
-                <a:latin typeface="+mn-lt"/>
-                <a:ea typeface="+mn-ea"/>
-                <a:cs typeface="+mn-cs"/>
-              </a:rPr>
-              <a:t>password itself is not sent over the </a:t>
-            </a:r>
-            <a:r>
-              <a:rPr lang="en-US" sz="1200" b="1" i="0" kern="1200" baseline="0" dirty="0" smtClean="0">
-                <a:solidFill>
-                  <a:schemeClr val="tx1"/>
-                </a:solidFill>
-                <a:effectLst/>
-                <a:latin typeface="+mn-lt"/>
-                <a:ea typeface="+mn-ea"/>
-                <a:cs typeface="+mn-cs"/>
-              </a:rPr>
-              <a:t>wire.</a:t>
-            </a:r>
-            <a:endParaRPr lang="en-US" sz="1200" b="0" i="0" kern="1200" baseline="0" dirty="0" smtClean="0">
+            <a:endParaRPr lang="en-US" sz="1200" b="0" i="0" kern="1200" baseline="0" dirty="0">
               <a:solidFill>
                 <a:schemeClr val="tx1"/>
               </a:solidFill>
@@ -3795,37 +3735,10 @@
             </a:endParaRPr>
           </a:p>
           <a:p>
-            <a:pPr marL="171450" lvl="0" indent="-171450">
-              <a:buFont typeface="Arial" panose="020B0604020202020204" pitchFamily="34" charset="0"/>
-              <a:buChar char="•"/>
-            </a:pPr>
-            <a:endParaRPr lang="en-US" sz="1200" b="0" i="0" kern="1200" baseline="0" dirty="0" smtClean="0">
-              <a:solidFill>
-                <a:schemeClr val="tx1"/>
-              </a:solidFill>
-              <a:effectLst/>
-              <a:latin typeface="+mn-lt"/>
-              <a:ea typeface="+mn-ea"/>
-              <a:cs typeface="+mn-cs"/>
-            </a:endParaRPr>
-          </a:p>
-          <a:p>
             <a:pPr marL="0" lvl="0" indent="0">
               <a:buFont typeface="Arial" panose="020B0604020202020204" pitchFamily="34" charset="0"/>
               <a:buNone/>
             </a:pPr>
-            <a:r>
-              <a:rPr lang="en-US" sz="1200" i="0" kern="1200" baseline="0" dirty="0">
-                <a:solidFill>
-                  <a:schemeClr val="tx1"/>
-                </a:solidFill>
-                <a:effectLst/>
-                <a:latin typeface="+mn-lt"/>
-                <a:ea typeface="+mn-ea"/>
-                <a:cs typeface="+mn-cs"/>
-              </a:rPr>
-              <a:t/>
-            </a:r>
             <a:br>
               <a:rPr lang="en-US" sz="1200" i="0" kern="1200" baseline="0" dirty="0">
                 <a:solidFill>
@@ -3934,7 +3847,7 @@
               <a:buChar char="•"/>
             </a:pPr>
             <a:r>
-              <a:rPr lang="en-US" sz="1200" kern="1200" dirty="0" smtClean="0">
+              <a:rPr lang="en-US" sz="1200" kern="1200" dirty="0">
                 <a:solidFill>
                   <a:schemeClr val="tx1"/>
                 </a:solidFill>
@@ -3946,7 +3859,7 @@
               <a:t>Server then takes the username, looks up the user’s password, re-calculates the hash, compares it to what client sent</a:t>
             </a:r>
             <a:br>
-              <a:rPr lang="en-US" sz="1200" kern="1200" dirty="0" smtClean="0">
+              <a:rPr lang="en-US" sz="1200" kern="1200" dirty="0">
                 <a:solidFill>
                   <a:schemeClr val="tx1"/>
                 </a:solidFill>
@@ -3956,7 +3869,7 @@
                 <a:cs typeface="+mn-cs"/>
               </a:rPr>
             </a:br>
-            <a:endParaRPr lang="en-US" sz="1200" kern="1200" dirty="0" smtClean="0">
+            <a:endParaRPr lang="en-US" sz="1200" kern="1200" dirty="0">
               <a:solidFill>
                 <a:schemeClr val="tx1"/>
               </a:solidFill>
@@ -3972,7 +3885,7 @@
               <a:buChar char="•"/>
             </a:pPr>
             <a:r>
-              <a:rPr lang="en-US" sz="1200" kern="1200" dirty="0" smtClean="0">
+              <a:rPr lang="en-US" sz="1200" kern="1200" dirty="0">
                 <a:solidFill>
                   <a:schemeClr val="tx1"/>
                 </a:solidFill>
@@ -3984,7 +3897,7 @@
               <a:t>Only</a:t>
             </a:r>
             <a:r>
-              <a:rPr lang="en-US" sz="1200" kern="1200" baseline="0" dirty="0" smtClean="0">
+              <a:rPr lang="en-US" sz="1200" kern="1200" baseline="0" dirty="0">
                 <a:solidFill>
                   <a:schemeClr val="tx1"/>
                 </a:solidFill>
@@ -3996,7 +3909,7 @@
               <a:t> way hashes match is if client and server used same password to </a:t>
             </a:r>
             <a:r>
-              <a:rPr lang="en-US" sz="1200" kern="1200" baseline="0" dirty="0" err="1" smtClean="0">
+              <a:rPr lang="en-US" sz="1200" kern="1200" baseline="0" dirty="0" err="1">
                 <a:solidFill>
                   <a:schemeClr val="tx1"/>
                 </a:solidFill>
@@ -4008,7 +3921,7 @@
               <a:t>calc</a:t>
             </a:r>
             <a:r>
-              <a:rPr lang="en-US" sz="1200" kern="1200" baseline="0" dirty="0" smtClean="0">
+              <a:rPr lang="en-US" sz="1200" kern="1200" baseline="0" dirty="0">
                 <a:solidFill>
                   <a:schemeClr val="tx1"/>
                 </a:solidFill>
@@ -4019,7 +3932,7 @@
               </a:rPr>
               <a:t> hash == proof of identity</a:t>
             </a:r>
-            <a:endParaRPr lang="en-US" sz="1200" kern="1200" dirty="0" smtClean="0">
+            <a:endParaRPr lang="en-US" sz="1200" kern="1200" dirty="0">
               <a:solidFill>
                 <a:schemeClr val="tx1"/>
               </a:solidFill>
@@ -4243,22 +4156,10 @@
                 <a:ea typeface="+mn-ea"/>
                 <a:cs typeface="+mn-cs"/>
               </a:rPr>
-              <a:t> without a secure connection. </a:t>
-            </a:r>
-            <a:r>
-              <a:rPr lang="en-US" sz="1200" kern="1200" dirty="0" smtClean="0">
-                <a:solidFill>
-                  <a:schemeClr val="tx1"/>
-                </a:solidFill>
-                <a:effectLst/>
-                <a:latin typeface="+mn-lt"/>
-                <a:ea typeface="+mn-ea"/>
-                <a:cs typeface="+mn-cs"/>
-              </a:rPr>
-              <a:t>At worst, an attacker would see the username</a:t>
-            </a:r>
-            <a:r>
-              <a:rPr lang="en-US" sz="1200" kern="1200" baseline="0" dirty="0" smtClean="0">
+              <a:t> without a secure connection. At worst, an attacker would see the username</a:t>
+            </a:r>
+            <a:r>
+              <a:rPr lang="en-US" sz="1200" kern="1200" baseline="0" dirty="0">
                 <a:solidFill>
                   <a:schemeClr val="tx1"/>
                 </a:solidFill>
@@ -4775,7 +4676,7 @@
           </a:p>
           <a:p>
             <a:r>
-              <a:rPr lang="en-US" sz="1200" kern="1200" dirty="0" smtClean="0">
+              <a:rPr lang="en-US" sz="1200" kern="1200" dirty="0">
                 <a:solidFill>
                   <a:schemeClr val="tx1"/>
                 </a:solidFill>
@@ -4787,7 +4688,7 @@
               <a:t>The idea here is that it's generally more secure and more flexible to use</a:t>
             </a:r>
             <a:r>
-              <a:rPr lang="en-US" sz="1200" kern="1200" baseline="0" dirty="0" smtClean="0">
+              <a:rPr lang="en-US" sz="1200" kern="1200" baseline="0" dirty="0">
                 <a:solidFill>
                   <a:schemeClr val="tx1"/>
                 </a:solidFill>
@@ -4799,7 +4700,7 @@
               <a:t> something </a:t>
             </a:r>
             <a:r>
-              <a:rPr lang="en-US" sz="1200" i="1" kern="1200" baseline="0" dirty="0" smtClean="0">
+              <a:rPr lang="en-US" sz="1200" i="1" kern="1200" baseline="0" dirty="0">
                 <a:solidFill>
                   <a:schemeClr val="tx1"/>
                 </a:solidFill>
@@ -4811,7 +4712,7 @@
               <a:t>other than </a:t>
             </a:r>
             <a:r>
-              <a:rPr lang="en-US" sz="1200" i="0" kern="1200" baseline="0" dirty="0" smtClean="0">
+              <a:rPr lang="en-US" sz="1200" i="0" kern="1200" baseline="0" dirty="0">
                 <a:solidFill>
                   <a:schemeClr val="tx1"/>
                 </a:solidFill>
@@ -4915,7 +4816,7 @@
           <a:lstStyle/>
           <a:p>
             <a:r>
-              <a:rPr lang="en-US" sz="1200" kern="1200" dirty="0" smtClean="0">
+              <a:rPr lang="en-US" sz="1200" kern="1200" dirty="0">
                 <a:solidFill>
                   <a:schemeClr val="tx1"/>
                 </a:solidFill>
@@ -4927,7 +4828,7 @@
               <a:t>There's no "standard" of what an API key should look like, but in most cases</a:t>
             </a:r>
             <a:r>
-              <a:rPr lang="en-US" sz="1200" kern="1200" baseline="0" dirty="0" smtClean="0">
+              <a:rPr lang="en-US" sz="1200" kern="1200" baseline="0" dirty="0">
                 <a:solidFill>
                   <a:schemeClr val="tx1"/>
                 </a:solidFill>
@@ -4940,7 +4841,7 @@
             </a:r>
           </a:p>
           <a:p>
-            <a:endParaRPr lang="en-US" sz="1200" kern="1200" baseline="0" dirty="0" smtClean="0">
+            <a:endParaRPr lang="en-US" sz="1200" kern="1200" baseline="0" dirty="0">
               <a:solidFill>
                 <a:schemeClr val="tx1"/>
               </a:solidFill>
@@ -4952,7 +4853,7 @@
           </a:p>
           <a:p>
             <a:r>
-              <a:rPr lang="en-US" sz="1200" kern="1200" dirty="0" smtClean="0">
+              <a:rPr lang="en-US" sz="1200" kern="1200" dirty="0">
                 <a:solidFill>
                   <a:schemeClr val="tx1"/>
                 </a:solidFill>
@@ -4964,7 +4865,7 @@
               <a:t>It's also important that these be </a:t>
             </a:r>
             <a:r>
-              <a:rPr lang="en-US" sz="1200" b="1" kern="1200" dirty="0" smtClean="0">
+              <a:rPr lang="en-US" sz="1200" b="1" kern="1200" dirty="0">
                 <a:solidFill>
                   <a:schemeClr val="tx1"/>
                 </a:solidFill>
@@ -4976,7 +4877,7 @@
               <a:t>assigned by you,</a:t>
             </a:r>
             <a:r>
-              <a:rPr lang="en-US" sz="1200" b="1" kern="1200" baseline="0" dirty="0" smtClean="0">
+              <a:rPr lang="en-US" sz="1200" b="1" kern="1200" baseline="0" dirty="0">
                 <a:solidFill>
                   <a:schemeClr val="tx1"/>
                 </a:solidFill>
@@ -4988,7 +4889,7 @@
               <a:t> rather than chosen by the client</a:t>
             </a:r>
             <a:r>
-              <a:rPr lang="en-US" sz="1200" b="0" kern="1200" baseline="0" dirty="0" smtClean="0">
+              <a:rPr lang="en-US" sz="1200" b="0" kern="1200" baseline="0" dirty="0">
                 <a:solidFill>
                   <a:schemeClr val="tx1"/>
                 </a:solidFill>
@@ -5000,7 +4901,7 @@
               <a:t>. </a:t>
             </a:r>
             <a:r>
-              <a:rPr lang="en-US" sz="1200" b="0" i="0" kern="1200" baseline="0" dirty="0" smtClean="0">
+              <a:rPr lang="en-US" sz="1200" b="0" i="0" kern="1200" baseline="0" dirty="0">
                 <a:solidFill>
                   <a:schemeClr val="tx1"/>
                 </a:solidFill>
@@ -6170,19 +6071,19 @@
                 <a:ea typeface="+mn-ea"/>
                 <a:cs typeface="+mn-cs"/>
               </a:rPr>
-              <a:t>The other way to use </a:t>
-            </a:r>
-            <a:r>
-              <a:rPr lang="en-US" sz="1200" kern="1200" dirty="0" smtClean="0">
-                <a:solidFill>
-                  <a:schemeClr val="tx1"/>
-                </a:solidFill>
-                <a:effectLst/>
-                <a:latin typeface="+mn-lt"/>
-                <a:ea typeface="+mn-ea"/>
-                <a:cs typeface="+mn-cs"/>
-              </a:rPr>
-              <a:t>an API Key </a:t>
+              <a:t>The other way to use an API Key is to use it</a:t>
+            </a:r>
+            <a:r>
+              <a:rPr lang="en-US" sz="1200" kern="1200" baseline="0" dirty="0">
+                <a:solidFill>
+                  <a:schemeClr val="tx1"/>
+                </a:solidFill>
+                <a:effectLst/>
+                <a:latin typeface="+mn-lt"/>
+                <a:ea typeface="+mn-ea"/>
+                <a:cs typeface="+mn-cs"/>
+              </a:rPr>
+              <a:t> as a cryptographic key to sign the HTTP </a:t>
             </a:r>
             <a:r>
               <a:rPr lang="en-US" sz="1200" kern="1200" dirty="0">
@@ -6194,55 +6095,7 @@
                 <a:ea typeface="+mn-ea"/>
                 <a:cs typeface="+mn-cs"/>
               </a:rPr>
-              <a:t>is to use </a:t>
-            </a:r>
-            <a:r>
-              <a:rPr lang="en-US" sz="1200" kern="1200" dirty="0" smtClean="0">
-                <a:solidFill>
-                  <a:schemeClr val="tx1"/>
-                </a:solidFill>
-                <a:effectLst/>
-                <a:latin typeface="+mn-lt"/>
-                <a:ea typeface="+mn-ea"/>
-                <a:cs typeface="+mn-cs"/>
-              </a:rPr>
-              <a:t>it</a:t>
-            </a:r>
-            <a:r>
-              <a:rPr lang="en-US" sz="1200" kern="1200" baseline="0" dirty="0" smtClean="0">
-                <a:solidFill>
-                  <a:schemeClr val="tx1"/>
-                </a:solidFill>
-                <a:effectLst/>
-                <a:latin typeface="+mn-lt"/>
-                <a:ea typeface="+mn-ea"/>
-                <a:cs typeface="+mn-cs"/>
-              </a:rPr>
-              <a:t> as a cryptographic key to sign the HTTP </a:t>
-            </a:r>
-            <a:r>
-              <a:rPr lang="en-US" sz="1200" kern="1200" dirty="0" smtClean="0">
-                <a:solidFill>
-                  <a:schemeClr val="tx1"/>
-                </a:solidFill>
-                <a:effectLst/>
-                <a:latin typeface="+mn-lt"/>
-                <a:ea typeface="+mn-ea"/>
-                <a:cs typeface="+mn-cs"/>
-              </a:rPr>
-              <a:t>request</a:t>
-            </a:r>
-            <a:r>
-              <a:rPr lang="en-US" sz="1200" kern="1200" dirty="0">
-                <a:solidFill>
-                  <a:schemeClr val="tx1"/>
-                </a:solidFill>
-                <a:effectLst/>
-                <a:latin typeface="+mn-lt"/>
-                <a:ea typeface="+mn-ea"/>
-                <a:cs typeface="+mn-cs"/>
-              </a:rPr>
-              <a:t>.</a:t>
+              <a:t>request.</a:t>
             </a:r>
           </a:p>
           <a:p>
@@ -6303,29 +6156,8 @@
                 <a:ea typeface="+mn-ea"/>
                 <a:cs typeface="+mn-cs"/>
               </a:rPr>
-              <a:t>, but we use an API key to sign the request instead of a password. </a:t>
-            </a:r>
-            <a:r>
-              <a:rPr lang="en-US" sz="1200" kern="1200" baseline="0" dirty="0" smtClean="0">
-                <a:solidFill>
-                  <a:schemeClr val="tx1"/>
-                </a:solidFill>
-                <a:effectLst/>
-                <a:latin typeface="+mn-lt"/>
-                <a:ea typeface="+mn-ea"/>
-                <a:cs typeface="+mn-cs"/>
-              </a:rPr>
-              <a:t>This way the primary password can be properly encrypted at rest.</a:t>
-            </a:r>
-            <a:endParaRPr lang="en-US" sz="1200" kern="1200" baseline="0" dirty="0">
-              <a:solidFill>
-                <a:schemeClr val="tx1"/>
-              </a:solidFill>
-              <a:effectLst/>
-              <a:latin typeface="+mn-lt"/>
-              <a:ea typeface="+mn-ea"/>
-              <a:cs typeface="+mn-cs"/>
-            </a:endParaRPr>
+              <a:t>, but we use an API key to sign the request instead of a password. This way the primary password can be properly encrypted at rest.</a:t>
+            </a:r>
           </a:p>
         </p:txBody>
       </p:sp>
@@ -6424,18 +6256,6 @@
           </a:p>
           <a:p>
             <a:pPr lvl="0"/>
-            <a:r>
-              <a:rPr lang="en-US" sz="1200" kern="1200" dirty="0">
-                <a:solidFill>
-                  <a:schemeClr val="tx1"/>
-                </a:solidFill>
-                <a:effectLst/>
-                <a:latin typeface="+mn-lt"/>
-                <a:ea typeface="+mn-ea"/>
-                <a:cs typeface="+mn-cs"/>
-              </a:rPr>
-              <a:t/>
-            </a:r>
             <a:br>
               <a:rPr lang="en-US" sz="1200" kern="1200" dirty="0">
                 <a:solidFill>
@@ -6742,22 +6562,10 @@
                 <a:ea typeface="+mn-ea"/>
                 <a:cs typeface="+mn-cs"/>
               </a:rPr>
-              <a:t>If they match, server knows that client used same API </a:t>
-            </a:r>
-            <a:r>
-              <a:rPr lang="en-US" sz="1200" kern="1200" dirty="0" smtClean="0">
-                <a:solidFill>
-                  <a:schemeClr val="tx1"/>
-                </a:solidFill>
-                <a:effectLst/>
-                <a:latin typeface="+mn-lt"/>
-                <a:ea typeface="+mn-ea"/>
-                <a:cs typeface="+mn-cs"/>
-              </a:rPr>
-              <a:t>Key, which is proof of</a:t>
-            </a:r>
-            <a:r>
-              <a:rPr lang="en-US" sz="1200" kern="1200" baseline="0" dirty="0" smtClean="0">
+              <a:t>If they match, server knows that client used same API Key, which is proof of</a:t>
+            </a:r>
+            <a:r>
+              <a:rPr lang="en-US" sz="1200" kern="1200" baseline="0" dirty="0">
                 <a:solidFill>
                   <a:schemeClr val="tx1"/>
                 </a:solidFill>
@@ -6941,19 +6749,7 @@
                 <a:ea typeface="+mn-ea"/>
                 <a:cs typeface="+mn-cs"/>
               </a:rPr>
-              <a:t>First, no credentials are sent over the wire, </a:t>
-            </a:r>
-            <a:r>
-              <a:rPr lang="en-US" sz="1200" kern="1200" baseline="0" dirty="0" smtClean="0">
-                <a:solidFill>
-                  <a:schemeClr val="tx1"/>
-                </a:solidFill>
-                <a:effectLst/>
-                <a:latin typeface="+mn-lt"/>
-                <a:ea typeface="+mn-ea"/>
-                <a:cs typeface="+mn-cs"/>
-              </a:rPr>
-              <a:t>so there's less risk of them being stolen. As a result, this </a:t>
+              <a:t>First, no credentials are sent over the wire, so there's less risk of them being stolen. As a result, this </a:t>
             </a:r>
             <a:r>
               <a:rPr lang="en-US" sz="1200" b="1" kern="1200" baseline="0" dirty="0">
@@ -6965,22 +6761,10 @@
                 <a:ea typeface="+mn-ea"/>
                 <a:cs typeface="+mn-cs"/>
               </a:rPr>
-              <a:t>does not require </a:t>
-            </a:r>
-            <a:r>
-              <a:rPr lang="en-US" sz="1200" b="1" kern="1200" baseline="0" dirty="0" smtClean="0">
-                <a:solidFill>
-                  <a:schemeClr val="tx1"/>
-                </a:solidFill>
-                <a:effectLst/>
-                <a:latin typeface="+mn-lt"/>
-                <a:ea typeface="+mn-ea"/>
-                <a:cs typeface="+mn-cs"/>
-              </a:rPr>
-              <a:t>TLS</a:t>
-            </a:r>
-            <a:r>
-              <a:rPr lang="en-US" sz="1200" b="0" kern="1200" baseline="0" dirty="0" smtClean="0">
+              <a:t>does not require TLS</a:t>
+            </a:r>
+            <a:r>
+              <a:rPr lang="en-US" sz="1200" b="0" kern="1200" baseline="0" dirty="0">
                 <a:solidFill>
                   <a:schemeClr val="tx1"/>
                 </a:solidFill>
@@ -6992,7 +6776,7 @@
               <a:t>. If the request itself is sensitive then you should still use TLS, you just don't need it to keep the </a:t>
             </a:r>
             <a:r>
-              <a:rPr lang="en-US" sz="1200" b="0" i="1" kern="1200" baseline="0" dirty="0" smtClean="0">
+              <a:rPr lang="en-US" sz="1200" b="0" i="1" kern="1200" baseline="0" dirty="0">
                 <a:solidFill>
                   <a:schemeClr val="tx1"/>
                 </a:solidFill>
@@ -7004,7 +6788,7 @@
               <a:t>credentials </a:t>
             </a:r>
             <a:r>
-              <a:rPr lang="en-US" sz="1200" b="0" i="0" kern="1200" baseline="0" dirty="0" smtClean="0">
+              <a:rPr lang="en-US" sz="1200" b="0" i="0" kern="1200" baseline="0" dirty="0">
                 <a:solidFill>
                   <a:schemeClr val="tx1"/>
                 </a:solidFill>
@@ -7016,7 +6800,7 @@
               <a:t>safe</a:t>
             </a:r>
             <a:r>
-              <a:rPr lang="en-US" sz="1200" b="0" kern="1200" baseline="0" dirty="0" smtClean="0">
+              <a:rPr lang="en-US" sz="1200" b="0" kern="1200" baseline="0" dirty="0">
                 <a:solidFill>
                   <a:schemeClr val="tx1"/>
                 </a:solidFill>
@@ -7026,172 +6810,6 @@
                 <a:cs typeface="+mn-cs"/>
               </a:rPr>
               <a:t>.</a:t>
-            </a:r>
-            <a:endParaRPr lang="en-US" sz="1200" kern="1200" baseline="0" dirty="0" smtClean="0">
-              <a:solidFill>
-                <a:schemeClr val="tx1"/>
-              </a:solidFill>
-              <a:effectLst/>
-              <a:latin typeface="+mn-lt"/>
-              <a:ea typeface="+mn-ea"/>
-              <a:cs typeface="+mn-cs"/>
-            </a:endParaRPr>
-          </a:p>
-          <a:p>
-            <a:endParaRPr lang="en-US" sz="1200" b="0" kern="1200" baseline="0" dirty="0" smtClean="0">
-              <a:solidFill>
-                <a:schemeClr val="tx1"/>
-              </a:solidFill>
-              <a:effectLst/>
-              <a:latin typeface="+mn-lt"/>
-              <a:ea typeface="+mn-ea"/>
-              <a:cs typeface="+mn-cs"/>
-            </a:endParaRPr>
-          </a:p>
-          <a:p>
-            <a:r>
-              <a:rPr lang="en-US" sz="1200" b="0" kern="1200" baseline="0" dirty="0" smtClean="0">
-                <a:solidFill>
-                  <a:schemeClr val="tx1"/>
-                </a:solidFill>
-                <a:effectLst/>
-                <a:latin typeface="+mn-lt"/>
-                <a:ea typeface="+mn-ea"/>
-                <a:cs typeface="+mn-cs"/>
-              </a:rPr>
-              <a:t>Secondly, unlike </a:t>
-            </a:r>
-            <a:r>
-              <a:rPr lang="en-US" sz="1200" b="0" kern="1200" baseline="0" dirty="0">
-                <a:solidFill>
-                  <a:schemeClr val="tx1"/>
-                </a:solidFill>
-                <a:effectLst/>
-                <a:latin typeface="+mn-lt"/>
-                <a:ea typeface="+mn-ea"/>
-                <a:cs typeface="+mn-cs"/>
-              </a:rPr>
-              <a:t>with bearer tokens, </a:t>
-            </a:r>
-            <a:r>
-              <a:rPr lang="en-US" sz="1200" kern="1200" baseline="0" dirty="0" smtClean="0">
-                <a:solidFill>
-                  <a:schemeClr val="tx1"/>
-                </a:solidFill>
-                <a:effectLst/>
-                <a:latin typeface="+mn-lt"/>
-                <a:ea typeface="+mn-ea"/>
-                <a:cs typeface="+mn-cs"/>
-              </a:rPr>
-              <a:t>the server can guarantee that </a:t>
-            </a:r>
-            <a:r>
-              <a:rPr lang="en-US" sz="1200" kern="1200" baseline="0" dirty="0">
-                <a:solidFill>
-                  <a:schemeClr val="tx1"/>
-                </a:solidFill>
-                <a:effectLst/>
-                <a:latin typeface="+mn-lt"/>
-                <a:ea typeface="+mn-ea"/>
-                <a:cs typeface="+mn-cs"/>
-              </a:rPr>
-              <a:t>the message </a:t>
-            </a:r>
-            <a:r>
-              <a:rPr lang="en-US" sz="1200" kern="1200" baseline="0" dirty="0" smtClean="0">
-                <a:solidFill>
-                  <a:schemeClr val="tx1"/>
-                </a:solidFill>
-                <a:effectLst/>
-                <a:latin typeface="+mn-lt"/>
-                <a:ea typeface="+mn-ea"/>
-                <a:cs typeface="+mn-cs"/>
-              </a:rPr>
-              <a:t>contents themselves </a:t>
-            </a:r>
-            <a:r>
-              <a:rPr lang="en-US" sz="1200" b="1" kern="1200" baseline="0" dirty="0">
-                <a:solidFill>
-                  <a:schemeClr val="tx1"/>
-                </a:solidFill>
-                <a:effectLst/>
-                <a:latin typeface="+mn-lt"/>
-                <a:ea typeface="+mn-ea"/>
-                <a:cs typeface="+mn-cs"/>
-              </a:rPr>
-              <a:t>were not modified in transit</a:t>
-            </a:r>
-            <a:r>
-              <a:rPr lang="en-US" sz="1200" kern="1200" baseline="0" dirty="0">
-                <a:solidFill>
-                  <a:schemeClr val="tx1"/>
-                </a:solidFill>
-                <a:effectLst/>
-                <a:latin typeface="+mn-lt"/>
-                <a:ea typeface="+mn-ea"/>
-                <a:cs typeface="+mn-cs"/>
-              </a:rPr>
-              <a:t>. </a:t>
-            </a:r>
-            <a:r>
-              <a:rPr lang="en-US" sz="1200" kern="1200" baseline="0" dirty="0" smtClean="0">
-                <a:solidFill>
-                  <a:schemeClr val="tx1"/>
-                </a:solidFill>
-                <a:effectLst/>
-                <a:latin typeface="+mn-lt"/>
-                <a:ea typeface="+mn-ea"/>
-                <a:cs typeface="+mn-cs"/>
-              </a:rPr>
-              <a:t>This is because the URL parameters and form data are used to create the signature. If </a:t>
-            </a:r>
-            <a:r>
-              <a:rPr lang="en-US" sz="1200" kern="1200" baseline="0" dirty="0">
-                <a:solidFill>
-                  <a:schemeClr val="tx1"/>
-                </a:solidFill>
-                <a:effectLst/>
-                <a:latin typeface="+mn-lt"/>
-                <a:ea typeface="+mn-ea"/>
-                <a:cs typeface="+mn-cs"/>
-              </a:rPr>
-              <a:t>a middleman manipulates </a:t>
-            </a:r>
-            <a:r>
-              <a:rPr lang="en-US" sz="1200" kern="1200" baseline="0" dirty="0" smtClean="0">
-                <a:solidFill>
-                  <a:schemeClr val="tx1"/>
-                </a:solidFill>
-                <a:effectLst/>
-                <a:latin typeface="+mn-lt"/>
-                <a:ea typeface="+mn-ea"/>
-                <a:cs typeface="+mn-cs"/>
-              </a:rPr>
-              <a:t>those values in </a:t>
-            </a:r>
-            <a:r>
-              <a:rPr lang="en-US" sz="1200" kern="1200" baseline="0" dirty="0">
-                <a:solidFill>
-                  <a:schemeClr val="tx1"/>
-                </a:solidFill>
-                <a:effectLst/>
-                <a:latin typeface="+mn-lt"/>
-                <a:ea typeface="+mn-ea"/>
-                <a:cs typeface="+mn-cs"/>
-              </a:rPr>
-              <a:t>any way, </a:t>
-            </a:r>
-            <a:r>
-              <a:rPr lang="en-US" sz="1200" kern="1200" baseline="0" dirty="0" smtClean="0">
-                <a:solidFill>
-                  <a:schemeClr val="tx1"/>
-                </a:solidFill>
-                <a:effectLst/>
-                <a:latin typeface="+mn-lt"/>
-                <a:ea typeface="+mn-ea"/>
-                <a:cs typeface="+mn-cs"/>
-              </a:rPr>
-              <a:t>then the server will calculate a different hash value then the client provided.</a:t>
             </a:r>
             <a:endParaRPr lang="en-US" sz="1200" kern="1200" baseline="0" dirty="0">
               <a:solidFill>
@@ -7202,6 +6820,67 @@
               <a:ea typeface="+mn-ea"/>
               <a:cs typeface="+mn-cs"/>
             </a:endParaRPr>
+          </a:p>
+          <a:p>
+            <a:endParaRPr lang="en-US" sz="1200" b="0" kern="1200" baseline="0" dirty="0">
+              <a:solidFill>
+                <a:schemeClr val="tx1"/>
+              </a:solidFill>
+              <a:effectLst/>
+              <a:latin typeface="+mn-lt"/>
+              <a:ea typeface="+mn-ea"/>
+              <a:cs typeface="+mn-cs"/>
+            </a:endParaRPr>
+          </a:p>
+          <a:p>
+            <a:r>
+              <a:rPr lang="en-US" sz="1200" b="0" kern="1200" baseline="0" dirty="0">
+                <a:solidFill>
+                  <a:schemeClr val="tx1"/>
+                </a:solidFill>
+                <a:effectLst/>
+                <a:latin typeface="+mn-lt"/>
+                <a:ea typeface="+mn-ea"/>
+                <a:cs typeface="+mn-cs"/>
+              </a:rPr>
+              <a:t>Secondly, unlike with bearer tokens, </a:t>
+            </a:r>
+            <a:r>
+              <a:rPr lang="en-US" sz="1200" kern="1200" baseline="0" dirty="0">
+                <a:solidFill>
+                  <a:schemeClr val="tx1"/>
+                </a:solidFill>
+                <a:effectLst/>
+                <a:latin typeface="+mn-lt"/>
+                <a:ea typeface="+mn-ea"/>
+                <a:cs typeface="+mn-cs"/>
+              </a:rPr>
+              <a:t>the server can guarantee that the message contents themselves </a:t>
+            </a:r>
+            <a:r>
+              <a:rPr lang="en-US" sz="1200" b="1" kern="1200" baseline="0" dirty="0">
+                <a:solidFill>
+                  <a:schemeClr val="tx1"/>
+                </a:solidFill>
+                <a:effectLst/>
+                <a:latin typeface="+mn-lt"/>
+                <a:ea typeface="+mn-ea"/>
+                <a:cs typeface="+mn-cs"/>
+              </a:rPr>
+              <a:t>were not modified in transit</a:t>
+            </a:r>
+            <a:r>
+              <a:rPr lang="en-US" sz="1200" kern="1200" baseline="0" dirty="0">
+                <a:solidFill>
+                  <a:schemeClr val="tx1"/>
+                </a:solidFill>
+                <a:effectLst/>
+                <a:latin typeface="+mn-lt"/>
+                <a:ea typeface="+mn-ea"/>
+                <a:cs typeface="+mn-cs"/>
+              </a:rPr>
+              <a:t>. This is because the URL parameters and form data are used to create the signature. If a middleman manipulates those values in any way, then the server will calculate a different hash value then the client provided.</a:t>
+            </a:r>
           </a:p>
           <a:p>
             <a:pPr marL="0" indent="0">
@@ -7719,31 +7398,7 @@
                 <a:ea typeface="+mn-ea"/>
                 <a:cs typeface="+mn-cs"/>
               </a:rPr>
-              <a:t> </a:t>
-            </a:r>
-            <a:r>
-              <a:rPr lang="en-US" sz="1200" b="0" kern="1200" baseline="0" dirty="0" smtClean="0">
-                <a:solidFill>
-                  <a:schemeClr val="tx1"/>
-                </a:solidFill>
-                <a:effectLst/>
-                <a:latin typeface="+mn-lt"/>
-                <a:ea typeface="+mn-ea"/>
-                <a:cs typeface="+mn-cs"/>
-              </a:rPr>
-              <a:t>owns the API Key used to create the </a:t>
-            </a:r>
-            <a:r>
-              <a:rPr lang="en-US" sz="1200" b="0" kern="1200" baseline="0" dirty="0">
-                <a:solidFill>
-                  <a:schemeClr val="tx1"/>
-                </a:solidFill>
-                <a:effectLst/>
-                <a:latin typeface="+mn-lt"/>
-                <a:ea typeface="+mn-ea"/>
-                <a:cs typeface="+mn-cs"/>
-              </a:rPr>
-              <a:t>signature</a:t>
+              <a:t> owns the API Key used to create the signature</a:t>
             </a:r>
           </a:p>
           <a:p>
@@ -9286,7 +8941,7 @@
           <a:lstStyle/>
           <a:p>
             <a:r>
-              <a:rPr lang="en-US" sz="1200" kern="1200" dirty="0" smtClean="0">
+              <a:rPr lang="en-US" sz="1200" kern="1200" dirty="0">
                 <a:solidFill>
                   <a:schemeClr val="tx1"/>
                 </a:solidFill>
@@ -9299,29 +8954,6 @@
             </a:r>
           </a:p>
           <a:p>
-            <a:endParaRPr lang="en-US" sz="1200" kern="1200" dirty="0" smtClean="0">
-              <a:solidFill>
-                <a:schemeClr val="tx1"/>
-              </a:solidFill>
-              <a:effectLst/>
-              <a:latin typeface="+mn-lt"/>
-              <a:ea typeface="+mn-ea"/>
-              <a:cs typeface="+mn-cs"/>
-            </a:endParaRPr>
-          </a:p>
-          <a:p>
-            <a:r>
-              <a:rPr lang="en-US" sz="1200" kern="1200" dirty="0" smtClean="0">
-                <a:solidFill>
-                  <a:schemeClr val="tx1"/>
-                </a:solidFill>
-                <a:effectLst/>
-                <a:latin typeface="+mn-lt"/>
-                <a:ea typeface="+mn-ea"/>
-                <a:cs typeface="+mn-cs"/>
-              </a:rPr>
-              <a:t>Using JWT, the user still needs to securely authenticate themselves by logging in. We still need some way to securely authenticate the user behind the JS client. </a:t>
-            </a:r>
             <a:endParaRPr lang="en-US" sz="1200" kern="1200" dirty="0">
               <a:solidFill>
                 <a:schemeClr val="tx1"/>
@@ -9331,6 +8963,20 @@
               <a:ea typeface="+mn-ea"/>
               <a:cs typeface="+mn-cs"/>
             </a:endParaRPr>
+          </a:p>
+          <a:p>
+            <a:r>
+              <a:rPr lang="en-US" sz="1200" kern="1200" dirty="0">
+                <a:solidFill>
+                  <a:schemeClr val="tx1"/>
+                </a:solidFill>
+                <a:effectLst/>
+                <a:latin typeface="+mn-lt"/>
+                <a:ea typeface="+mn-ea"/>
+                <a:cs typeface="+mn-cs"/>
+              </a:rPr>
+              <a:t>Using JWT, the user still needs to securely authenticate themselves by logging in. We still need some way to securely authenticate the user behind the JS client. </a:t>
+            </a:r>
           </a:p>
         </p:txBody>
       </p:sp>
@@ -9663,7 +9309,7 @@
           <a:lstStyle/>
           <a:p>
             <a:r>
-              <a:rPr lang="en-US" sz="1200" kern="1200" dirty="0" smtClean="0">
+              <a:rPr lang="en-US" sz="1200" kern="1200" dirty="0">
                 <a:solidFill>
                   <a:schemeClr val="tx1"/>
                 </a:solidFill>
@@ -9676,7 +9322,7 @@
             </a:r>
           </a:p>
           <a:p>
-            <a:endParaRPr lang="en-US" sz="1200" kern="1200" dirty="0" smtClean="0">
+            <a:endParaRPr lang="en-US" sz="1200" kern="1200" dirty="0">
               <a:solidFill>
                 <a:schemeClr val="tx1"/>
               </a:solidFill>
@@ -9688,7 +9334,7 @@
           </a:p>
           <a:p>
             <a:r>
-              <a:rPr lang="en-US" sz="1200" kern="1200" dirty="0" smtClean="0">
+              <a:rPr lang="en-US" sz="1200" kern="1200" dirty="0">
                 <a:solidFill>
                   <a:schemeClr val="tx1"/>
                 </a:solidFill>
@@ -9700,7 +9346,7 @@
               <a:t>Those claims</a:t>
             </a:r>
             <a:r>
-              <a:rPr lang="en-US" sz="1200" kern="1200" baseline="0" dirty="0" smtClean="0">
+              <a:rPr lang="en-US" sz="1200" kern="1200" baseline="0" dirty="0">
                 <a:solidFill>
                   <a:schemeClr val="tx1"/>
                 </a:solidFill>
@@ -9711,7 +9357,7 @@
               </a:rPr>
               <a:t> are encoded as JSON.</a:t>
             </a:r>
-            <a:endParaRPr lang="en-US" sz="1200" kern="1200" dirty="0" smtClean="0">
+            <a:endParaRPr lang="en-US" sz="1200" kern="1200" dirty="0">
               <a:solidFill>
                 <a:schemeClr val="tx1"/>
               </a:solidFill>
@@ -9722,7 +9368,7 @@
             </a:endParaRPr>
           </a:p>
           <a:p>
-            <a:endParaRPr lang="en-US" sz="1200" kern="1200" dirty="0" smtClean="0">
+            <a:endParaRPr lang="en-US" sz="1200" kern="1200" dirty="0">
               <a:solidFill>
                 <a:schemeClr val="tx1"/>
               </a:solidFill>
@@ -9815,7 +9461,7 @@
           <a:lstStyle/>
           <a:p>
             <a:r>
-              <a:rPr lang="en-US" sz="1200" kern="1200" dirty="0" smtClean="0">
+              <a:rPr lang="en-US" sz="1200" kern="1200" dirty="0">
                 <a:solidFill>
                   <a:schemeClr val="tx1"/>
                 </a:solidFill>
@@ -9826,15 +9472,6 @@
               </a:rPr>
               <a:t>Using a secret key known only to the server, the claims are hashed to create a signature.</a:t>
             </a:r>
-            <a:endParaRPr lang="en-US" sz="1200" kern="1200" dirty="0">
-              <a:solidFill>
-                <a:schemeClr val="tx1"/>
-              </a:solidFill>
-              <a:effectLst/>
-              <a:latin typeface="+mn-lt"/>
-              <a:ea typeface="+mn-ea"/>
-              <a:cs typeface="+mn-cs"/>
-            </a:endParaRPr>
           </a:p>
         </p:txBody>
       </p:sp>
@@ -9919,19 +9556,43 @@
           <a:lstStyle/>
           <a:p>
             <a:r>
-              <a:rPr lang="en-US" sz="1200" kern="1200" dirty="0" smtClean="0">
-                <a:solidFill>
-                  <a:schemeClr val="tx1"/>
-                </a:solidFill>
-                <a:effectLst/>
-                <a:latin typeface="+mn-lt"/>
-                <a:ea typeface="+mn-ea"/>
-                <a:cs typeface="+mn-cs"/>
-              </a:rPr>
-              <a:t>Finally, a token is created that contains both the claims (in plain text) and the signature. This signature is sent back to</a:t>
-            </a:r>
-            <a:r>
-              <a:rPr lang="en-US" sz="1200" kern="1200" baseline="0" dirty="0" smtClean="0">
+              <a:rPr lang="en-US" sz="1200" kern="1200" dirty="0">
+                <a:solidFill>
+                  <a:schemeClr val="tx1"/>
+                </a:solidFill>
+                <a:effectLst/>
+                <a:latin typeface="+mn-lt"/>
+                <a:ea typeface="+mn-ea"/>
+                <a:cs typeface="+mn-cs"/>
+              </a:rPr>
+              <a:t>Finally, a token is created that contains both the claims (in plain text) and the signature. </a:t>
+            </a:r>
+            <a:r>
+              <a:rPr lang="en-US" sz="1200" kern="1200">
+                <a:solidFill>
+                  <a:schemeClr val="tx1"/>
+                </a:solidFill>
+                <a:effectLst/>
+                <a:latin typeface="+mn-lt"/>
+                <a:ea typeface="+mn-ea"/>
+                <a:cs typeface="+mn-cs"/>
+              </a:rPr>
+              <a:t>This token </a:t>
+            </a:r>
+            <a:r>
+              <a:rPr lang="en-US" sz="1200" kern="1200" dirty="0">
+                <a:solidFill>
+                  <a:schemeClr val="tx1"/>
+                </a:solidFill>
+                <a:effectLst/>
+                <a:latin typeface="+mn-lt"/>
+                <a:ea typeface="+mn-ea"/>
+                <a:cs typeface="+mn-cs"/>
+              </a:rPr>
+              <a:t>is sent back to</a:t>
+            </a:r>
+            <a:r>
+              <a:rPr lang="en-US" sz="1200" kern="1200" baseline="0" dirty="0">
                 <a:solidFill>
                   <a:schemeClr val="tx1"/>
                 </a:solidFill>
@@ -10035,7 +9696,7 @@
           <a:lstStyle/>
           <a:p>
             <a:r>
-              <a:rPr lang="en-US" sz="1200" kern="1200" dirty="0" smtClean="0">
+              <a:rPr lang="en-US" sz="1200" kern="1200" dirty="0">
                 <a:solidFill>
                   <a:schemeClr val="tx1"/>
                 </a:solidFill>
@@ -10048,7 +9709,7 @@
             </a:r>
           </a:p>
           <a:p>
-            <a:endParaRPr lang="en-US" sz="1200" kern="1200" dirty="0" smtClean="0">
+            <a:endParaRPr lang="en-US" sz="1200" kern="1200" dirty="0">
               <a:solidFill>
                 <a:schemeClr val="tx1"/>
               </a:solidFill>
@@ -10141,7 +9802,7 @@
           <a:lstStyle/>
           <a:p>
             <a:r>
-              <a:rPr lang="en-US" sz="1200" kern="1200" dirty="0" smtClean="0">
+              <a:rPr lang="en-US" sz="1200" kern="1200" dirty="0">
                 <a:solidFill>
                   <a:schemeClr val="tx1"/>
                 </a:solidFill>
@@ -10154,7 +9815,7 @@
             </a:r>
           </a:p>
           <a:p>
-            <a:endParaRPr lang="en-US" sz="1200" kern="1200" dirty="0" smtClean="0">
+            <a:endParaRPr lang="en-US" sz="1200" kern="1200" dirty="0">
               <a:solidFill>
                 <a:schemeClr val="tx1"/>
               </a:solidFill>
@@ -10166,7 +9827,7 @@
           </a:p>
           <a:p>
             <a:r>
-              <a:rPr lang="en-US" sz="1200" kern="1200" dirty="0" smtClean="0">
+              <a:rPr lang="en-US" sz="1200" kern="1200" dirty="0">
                 <a:solidFill>
                   <a:schemeClr val="tx1"/>
                 </a:solidFill>
@@ -10179,7 +9840,7 @@
             </a:r>
           </a:p>
           <a:p>
-            <a:endParaRPr lang="en-US" sz="1200" kern="1200" dirty="0" smtClean="0">
+            <a:endParaRPr lang="en-US" sz="1200" kern="1200" dirty="0">
               <a:solidFill>
                 <a:schemeClr val="tx1"/>
               </a:solidFill>
@@ -10191,7 +9852,7 @@
           </a:p>
           <a:p>
             <a:r>
-              <a:rPr lang="en-US" sz="1200" kern="1200" dirty="0" smtClean="0">
+              <a:rPr lang="en-US" sz="1200" kern="1200" dirty="0">
                 <a:solidFill>
                   <a:schemeClr val="tx1"/>
                 </a:solidFill>
@@ -10203,7 +9864,7 @@
               <a:t>Again, this is very similar to signing API keys, except in this case </a:t>
             </a:r>
             <a:r>
-              <a:rPr lang="en-US" sz="1200" i="1" kern="1200" dirty="0" smtClean="0">
+              <a:rPr lang="en-US" sz="1200" i="1" kern="1200" dirty="0">
                 <a:solidFill>
                   <a:schemeClr val="tx1"/>
                 </a:solidFill>
@@ -10215,7 +9876,7 @@
               <a:t>only the server knows the secret key</a:t>
             </a:r>
             <a:r>
-              <a:rPr lang="en-US" sz="1200" kern="1200" dirty="0" smtClean="0">
+              <a:rPr lang="en-US" sz="1200" kern="1200" dirty="0">
                 <a:solidFill>
                   <a:schemeClr val="tx1"/>
                 </a:solidFill>
@@ -10228,7 +9889,7 @@
             </a:r>
           </a:p>
           <a:p>
-            <a:endParaRPr lang="en-US" sz="1200" kern="1200" dirty="0" smtClean="0">
+            <a:endParaRPr lang="en-US" sz="1200" kern="1200" dirty="0">
               <a:solidFill>
                 <a:schemeClr val="tx1"/>
               </a:solidFill>
@@ -10240,7 +9901,7 @@
           </a:p>
           <a:p>
             <a:r>
-              <a:rPr lang="en-US" sz="1200" kern="1200" dirty="0" smtClean="0">
+              <a:rPr lang="en-US" sz="1200" kern="1200" dirty="0">
                 <a:solidFill>
                   <a:schemeClr val="tx1"/>
                 </a:solidFill>
@@ -10252,7 +9913,7 @@
               <a:t>And if the token passes validation, the server knows it can trust</a:t>
             </a:r>
             <a:r>
-              <a:rPr lang="en-US" sz="1200" kern="1200" baseline="0" dirty="0" smtClean="0">
+              <a:rPr lang="en-US" sz="1200" kern="1200" baseline="0" dirty="0">
                 <a:solidFill>
                   <a:schemeClr val="tx1"/>
                 </a:solidFill>
@@ -10263,7 +9924,7 @@
               </a:rPr>
               <a:t> the claims.</a:t>
             </a:r>
-            <a:endParaRPr lang="en-US" sz="1200" kern="1200" dirty="0" smtClean="0">
+            <a:endParaRPr lang="en-US" sz="1200" kern="1200" dirty="0">
               <a:solidFill>
                 <a:schemeClr val="tx1"/>
               </a:solidFill>
@@ -11340,19 +11001,19 @@
                 <a:ea typeface="+mn-ea"/>
                 <a:cs typeface="+mn-cs"/>
               </a:rPr>
-              <a:t> is that your JS code can access the claims. This is useful if </a:t>
-            </a:r>
-            <a:r>
-              <a:rPr lang="en-US" sz="1200" kern="1200" dirty="0" smtClean="0">
-                <a:solidFill>
-                  <a:schemeClr val="tx1"/>
-                </a:solidFill>
-                <a:effectLst/>
-                <a:latin typeface="+mn-lt"/>
-                <a:ea typeface="+mn-ea"/>
-                <a:cs typeface="+mn-cs"/>
-              </a:rPr>
-              <a:t>those claims contain </a:t>
+              <a:t> is that your JS code can access the claims. This is useful if those claims contain data that you need the</a:t>
+            </a:r>
+            <a:r>
+              <a:rPr lang="en-US" sz="1200" kern="1200" baseline="0" dirty="0">
+                <a:solidFill>
+                  <a:schemeClr val="tx1"/>
+                </a:solidFill>
+                <a:effectLst/>
+                <a:latin typeface="+mn-lt"/>
+                <a:ea typeface="+mn-ea"/>
+                <a:cs typeface="+mn-cs"/>
+              </a:rPr>
+              <a:t> app itself to have access to</a:t>
             </a:r>
             <a:r>
               <a:rPr lang="en-US" sz="1200" kern="1200" dirty="0">
@@ -11364,55 +11025,7 @@
                 <a:ea typeface="+mn-ea"/>
                 <a:cs typeface="+mn-cs"/>
               </a:rPr>
-              <a:t>data that you need </a:t>
-            </a:r>
-            <a:r>
-              <a:rPr lang="en-US" sz="1200" kern="1200" dirty="0" smtClean="0">
-                <a:solidFill>
-                  <a:schemeClr val="tx1"/>
-                </a:solidFill>
-                <a:effectLst/>
-                <a:latin typeface="+mn-lt"/>
-                <a:ea typeface="+mn-ea"/>
-                <a:cs typeface="+mn-cs"/>
-              </a:rPr>
-              <a:t>the</a:t>
-            </a:r>
-            <a:r>
-              <a:rPr lang="en-US" sz="1200" kern="1200" baseline="0" dirty="0" smtClean="0">
-                <a:solidFill>
-                  <a:schemeClr val="tx1"/>
-                </a:solidFill>
-                <a:effectLst/>
-                <a:latin typeface="+mn-lt"/>
-                <a:ea typeface="+mn-ea"/>
-                <a:cs typeface="+mn-cs"/>
-              </a:rPr>
-              <a:t> app itself to have access to</a:t>
-            </a:r>
-            <a:r>
-              <a:rPr lang="en-US" sz="1200" kern="1200" dirty="0" smtClean="0">
-                <a:solidFill>
-                  <a:schemeClr val="tx1"/>
-                </a:solidFill>
-                <a:effectLst/>
-                <a:latin typeface="+mn-lt"/>
-                <a:ea typeface="+mn-ea"/>
-                <a:cs typeface="+mn-cs"/>
-              </a:rPr>
-              <a:t>. </a:t>
-            </a:r>
-            <a:r>
-              <a:rPr lang="en-US" sz="1200" kern="1200" dirty="0">
-                <a:solidFill>
-                  <a:schemeClr val="tx1"/>
-                </a:solidFill>
-                <a:effectLst/>
-                <a:latin typeface="+mn-lt"/>
-                <a:ea typeface="+mn-ea"/>
-                <a:cs typeface="+mn-cs"/>
-              </a:rPr>
-              <a:t>The downside is that information stored in </a:t>
+              <a:t>. The downside is that information stored in </a:t>
             </a:r>
             <a:r>
               <a:rPr lang="en-US" sz="1200" kern="1200" dirty="0" err="1">
@@ -11485,22 +11098,10 @@
                 <a:ea typeface="+mn-ea"/>
                 <a:cs typeface="+mn-cs"/>
               </a:rPr>
-              <a:t> secure cookie. This way, the token is protected in transit by TLS, and </a:t>
-            </a:r>
-            <a:r>
-              <a:rPr lang="en-US" sz="1200" kern="1200" dirty="0" smtClean="0">
-                <a:solidFill>
-                  <a:schemeClr val="tx1"/>
-                </a:solidFill>
-                <a:effectLst/>
-                <a:latin typeface="+mn-lt"/>
-                <a:ea typeface="+mn-ea"/>
-                <a:cs typeface="+mn-cs"/>
-              </a:rPr>
-              <a:t>is also protected against XSS. However, the claims themselves will NOT</a:t>
-            </a:r>
-            <a:r>
-              <a:rPr lang="en-US" sz="1200" kern="1200" baseline="0" dirty="0" smtClean="0">
+              <a:t> secure cookie. This way, the token is protected in transit by TLS, and is also protected against XSS. However, the claims themselves will NOT</a:t>
+            </a:r>
+            <a:r>
+              <a:rPr lang="en-US" sz="1200" kern="1200" baseline="0" dirty="0">
                 <a:solidFill>
                   <a:schemeClr val="tx1"/>
                 </a:solidFill>
@@ -11512,7 +11113,7 @@
               <a:t> </a:t>
             </a:r>
             <a:r>
-              <a:rPr lang="en-US" sz="1200" kern="1200" dirty="0" smtClean="0">
+              <a:rPr lang="en-US" sz="1200" kern="1200" dirty="0">
                 <a:solidFill>
                   <a:schemeClr val="tx1"/>
                 </a:solidFill>
@@ -11524,7 +11125,7 @@
               <a:t>be visible</a:t>
             </a:r>
             <a:r>
-              <a:rPr lang="en-US" sz="1200" kern="1200" baseline="0" dirty="0" smtClean="0">
+              <a:rPr lang="en-US" sz="1200" kern="1200" baseline="0" dirty="0">
                 <a:solidFill>
                   <a:schemeClr val="tx1"/>
                 </a:solidFill>
@@ -11536,7 +11137,7 @@
               <a:t> </a:t>
             </a:r>
             <a:r>
-              <a:rPr lang="en-US" sz="1200" kern="1200" dirty="0" smtClean="0">
+              <a:rPr lang="en-US" sz="1200" kern="1200" dirty="0">
                 <a:solidFill>
                   <a:schemeClr val="tx1"/>
                 </a:solidFill>
@@ -11569,19 +11170,19 @@
                 <a:ea typeface="+mn-ea"/>
                 <a:cs typeface="+mn-cs"/>
               </a:rPr>
-              <a:t>. </a:t>
-            </a:r>
-            <a:r>
-              <a:rPr lang="en-US" sz="1200" kern="1200" dirty="0" smtClean="0">
-                <a:solidFill>
-                  <a:schemeClr val="tx1"/>
-                </a:solidFill>
-                <a:effectLst/>
-                <a:latin typeface="+mn-lt"/>
-                <a:ea typeface="+mn-ea"/>
-                <a:cs typeface="+mn-cs"/>
-              </a:rPr>
-              <a:t>That </a:t>
+              <a:t>. That means that the token can </a:t>
+            </a:r>
+            <a:r>
+              <a:rPr lang="en-US" sz="1200" i="1" kern="1200" dirty="0">
+                <a:solidFill>
+                  <a:schemeClr val="tx1"/>
+                </a:solidFill>
+                <a:effectLst/>
+                <a:latin typeface="+mn-lt"/>
+                <a:ea typeface="+mn-ea"/>
+                <a:cs typeface="+mn-cs"/>
+              </a:rPr>
+              <a:t>only </a:t>
             </a:r>
             <a:r>
               <a:rPr lang="en-US" sz="1200" kern="1200" dirty="0">
@@ -11593,53 +11194,8 @@
                 <a:ea typeface="+mn-ea"/>
                 <a:cs typeface="+mn-cs"/>
               </a:rPr>
-              <a:t>means that the token can </a:t>
-            </a:r>
-            <a:r>
-              <a:rPr lang="en-US" sz="1200" i="1" kern="1200" dirty="0">
-                <a:solidFill>
-                  <a:schemeClr val="tx1"/>
-                </a:solidFill>
-                <a:effectLst/>
-                <a:latin typeface="+mn-lt"/>
-                <a:ea typeface="+mn-ea"/>
-                <a:cs typeface="+mn-cs"/>
-              </a:rPr>
-              <a:t>only </a:t>
-            </a:r>
-            <a:r>
-              <a:rPr lang="en-US" sz="1200" kern="1200" dirty="0">
-                <a:solidFill>
-                  <a:schemeClr val="tx1"/>
-                </a:solidFill>
-                <a:effectLst/>
-                <a:latin typeface="+mn-lt"/>
-                <a:ea typeface="+mn-ea"/>
-                <a:cs typeface="+mn-cs"/>
-              </a:rPr>
-              <a:t>be used for server-side authentication and </a:t>
-            </a:r>
-            <a:r>
-              <a:rPr lang="en-US" sz="1200" kern="1200" dirty="0" smtClean="0">
-                <a:solidFill>
-                  <a:schemeClr val="tx1"/>
-                </a:solidFill>
-                <a:effectLst/>
-                <a:latin typeface="+mn-lt"/>
-                <a:ea typeface="+mn-ea"/>
-                <a:cs typeface="+mn-cs"/>
-              </a:rPr>
-              <a:t>authorization.</a:t>
-            </a:r>
-            <a:endParaRPr lang="en-US" sz="1200" kern="1200" dirty="0">
-              <a:solidFill>
-                <a:schemeClr val="tx1"/>
-              </a:solidFill>
-              <a:effectLst/>
-              <a:latin typeface="+mn-lt"/>
-              <a:ea typeface="+mn-ea"/>
-              <a:cs typeface="+mn-cs"/>
-            </a:endParaRPr>
+              <a:t>be used for server-side authentication and authorization.</a:t>
+            </a:r>
           </a:p>
         </p:txBody>
       </p:sp>
@@ -11733,22 +11289,10 @@
                 <a:ea typeface="+mn-ea"/>
                 <a:cs typeface="+mn-cs"/>
               </a:rPr>
-              <a:t>At this point we’ve discussed some </a:t>
-            </a:r>
-            <a:r>
-              <a:rPr lang="en-US" sz="1200" kern="1200" dirty="0" smtClean="0">
-                <a:solidFill>
-                  <a:schemeClr val="tx1"/>
-                </a:solidFill>
-                <a:effectLst/>
-                <a:latin typeface="+mn-lt"/>
-                <a:ea typeface="+mn-ea"/>
-                <a:cs typeface="+mn-cs"/>
-              </a:rPr>
-              <a:t>simple</a:t>
-            </a:r>
-            <a:r>
-              <a:rPr lang="en-US" sz="1200" kern="1200" baseline="0" dirty="0" smtClean="0">
+              <a:t>At this point we’ve discussed some simple</a:t>
+            </a:r>
+            <a:r>
+              <a:rPr lang="en-US" sz="1200" kern="1200" baseline="0" dirty="0">
                 <a:solidFill>
                   <a:schemeClr val="tx1"/>
                 </a:solidFill>
@@ -11760,18 +11304,6 @@
               <a:t> </a:t>
             </a:r>
             <a:r>
-              <a:rPr lang="en-US" sz="1200" kern="1200" dirty="0" smtClean="0">
-                <a:solidFill>
-                  <a:schemeClr val="tx1"/>
-                </a:solidFill>
-                <a:effectLst/>
-                <a:latin typeface="+mn-lt"/>
-                <a:ea typeface="+mn-ea"/>
-                <a:cs typeface="+mn-cs"/>
-              </a:rPr>
-              <a:t>authentication </a:t>
-            </a:r>
-            <a:r>
               <a:rPr lang="en-US" sz="1200" kern="1200" dirty="0">
                 <a:solidFill>
                   <a:schemeClr val="tx1"/>
@@ -11781,79 +11313,7 @@
                 <a:ea typeface="+mn-ea"/>
                 <a:cs typeface="+mn-cs"/>
               </a:rPr>
-              <a:t>schemes </a:t>
-            </a:r>
-            <a:r>
-              <a:rPr lang="en-US" sz="1200" kern="1200" dirty="0" smtClean="0">
-                <a:solidFill>
-                  <a:schemeClr val="tx1"/>
-                </a:solidFill>
-                <a:effectLst/>
-                <a:latin typeface="+mn-lt"/>
-                <a:ea typeface="+mn-ea"/>
-                <a:cs typeface="+mn-cs"/>
-              </a:rPr>
-              <a:t>supported </a:t>
-            </a:r>
-            <a:r>
-              <a:rPr lang="en-US" sz="1200" kern="1200" dirty="0">
-                <a:solidFill>
-                  <a:schemeClr val="tx1"/>
-                </a:solidFill>
-                <a:effectLst/>
-                <a:latin typeface="+mn-lt"/>
-                <a:ea typeface="+mn-ea"/>
-                <a:cs typeface="+mn-cs"/>
-              </a:rPr>
-              <a:t>natively by the web server itself and we’ve discussed </a:t>
-            </a:r>
-            <a:r>
-              <a:rPr lang="en-US" sz="1200" kern="1200" dirty="0" smtClean="0">
-                <a:solidFill>
-                  <a:schemeClr val="tx1"/>
-                </a:solidFill>
-                <a:effectLst/>
-                <a:latin typeface="+mn-lt"/>
-                <a:ea typeface="+mn-ea"/>
-                <a:cs typeface="+mn-cs"/>
-              </a:rPr>
-              <a:t>custom </a:t>
-            </a:r>
-            <a:r>
-              <a:rPr lang="en-US" sz="1200" kern="1200" dirty="0">
-                <a:solidFill>
-                  <a:schemeClr val="tx1"/>
-                </a:solidFill>
-                <a:effectLst/>
-                <a:latin typeface="+mn-lt"/>
-                <a:ea typeface="+mn-ea"/>
-                <a:cs typeface="+mn-cs"/>
-              </a:rPr>
-              <a:t>systems based around API </a:t>
-            </a:r>
-            <a:r>
-              <a:rPr lang="en-US" sz="1200" kern="1200" dirty="0" smtClean="0">
-                <a:solidFill>
-                  <a:schemeClr val="tx1"/>
-                </a:solidFill>
-                <a:effectLst/>
-                <a:latin typeface="+mn-lt"/>
-                <a:ea typeface="+mn-ea"/>
-                <a:cs typeface="+mn-cs"/>
-              </a:rPr>
-              <a:t>Keys and web tokens. </a:t>
-            </a:r>
-            <a:r>
-              <a:rPr lang="en-US" sz="1200" kern="1200" dirty="0">
-                <a:solidFill>
-                  <a:schemeClr val="tx1"/>
-                </a:solidFill>
-                <a:effectLst/>
-                <a:latin typeface="+mn-lt"/>
-                <a:ea typeface="+mn-ea"/>
-                <a:cs typeface="+mn-cs"/>
-              </a:rPr>
-              <a:t>Next on the agenda is </a:t>
+              <a:t>authentication schemes supported natively by the web server itself and we’ve discussed custom systems based around API Keys and web tokens. Next on the agenda is </a:t>
             </a:r>
             <a:r>
               <a:rPr lang="en-US" sz="1200" kern="1200" dirty="0" err="1">
@@ -12215,19 +11675,7 @@
                 <a:ea typeface="+mn-ea"/>
                 <a:cs typeface="+mn-cs"/>
               </a:rPr>
-              <a:t>In other cases, the client is acting ON BEHALF OF another </a:t>
-            </a:r>
-            <a:r>
-              <a:rPr lang="en-US" sz="1200" kern="1200" dirty="0" smtClean="0">
-                <a:solidFill>
-                  <a:schemeClr val="tx1"/>
-                </a:solidFill>
-                <a:effectLst/>
-                <a:latin typeface="+mn-lt"/>
-                <a:ea typeface="+mn-ea"/>
-                <a:cs typeface="+mn-cs"/>
-              </a:rPr>
-              <a:t>entity. </a:t>
+              <a:t>In other cases, the client is acting ON BEHALF OF another entity. </a:t>
             </a:r>
           </a:p>
           <a:p>
@@ -12252,31 +11700,7 @@
                 <a:ea typeface="+mn-ea"/>
                 <a:cs typeface="+mn-cs"/>
               </a:rPr>
-              <a:t>In those cases, client is not accessing its own resources but those of the </a:t>
-            </a:r>
-            <a:r>
-              <a:rPr lang="en-US" sz="1200" kern="1200" dirty="0" smtClean="0">
-                <a:solidFill>
-                  <a:schemeClr val="tx1"/>
-                </a:solidFill>
-                <a:effectLst/>
-                <a:latin typeface="+mn-lt"/>
-                <a:ea typeface="+mn-ea"/>
-                <a:cs typeface="+mn-cs"/>
-              </a:rPr>
-              <a:t>end user</a:t>
-            </a:r>
-            <a:r>
-              <a:rPr lang="en-US" sz="1200" kern="1200" dirty="0">
-                <a:solidFill>
-                  <a:schemeClr val="tx1"/>
-                </a:solidFill>
-                <a:effectLst/>
-                <a:latin typeface="+mn-lt"/>
-                <a:ea typeface="+mn-ea"/>
-                <a:cs typeface="+mn-cs"/>
-              </a:rPr>
-              <a:t>.</a:t>
+              <a:t>In those cases, client is not accessing its own resources but those of the end user.</a:t>
             </a:r>
           </a:p>
           <a:p>
@@ -12292,18 +11716,6 @@
           </a:p>
           <a:p>
             <a:r>
-              <a:rPr lang="en-US" sz="1200" kern="1200" dirty="0" smtClean="0">
-                <a:solidFill>
-                  <a:schemeClr val="tx1"/>
-                </a:solidFill>
-                <a:effectLst/>
-                <a:latin typeface="+mn-lt"/>
-                <a:ea typeface="+mn-ea"/>
-                <a:cs typeface="+mn-cs"/>
-              </a:rPr>
-              <a:t>One way to </a:t>
-            </a:r>
-            <a:r>
               <a:rPr lang="en-US" sz="1200" kern="1200" dirty="0">
                 <a:solidFill>
                   <a:schemeClr val="tx1"/>
@@ -12313,22 +11725,10 @@
                 <a:ea typeface="+mn-ea"/>
                 <a:cs typeface="+mn-cs"/>
               </a:rPr>
-              <a:t>do </a:t>
-            </a:r>
-            <a:r>
-              <a:rPr lang="en-US" sz="1200" kern="1200" dirty="0" smtClean="0">
-                <a:solidFill>
-                  <a:schemeClr val="tx1"/>
-                </a:solidFill>
-                <a:effectLst/>
-                <a:latin typeface="+mn-lt"/>
-                <a:ea typeface="+mn-ea"/>
-                <a:cs typeface="+mn-cs"/>
-              </a:rPr>
-              <a:t>this is for the user</a:t>
-            </a:r>
-            <a:r>
-              <a:rPr lang="en-US" sz="1200" kern="1200" baseline="0" dirty="0" smtClean="0">
+              <a:t>One way to do this is for the user</a:t>
+            </a:r>
+            <a:r>
+              <a:rPr lang="en-US" sz="1200" kern="1200" baseline="0" dirty="0">
                 <a:solidFill>
                   <a:schemeClr val="tx1"/>
                 </a:solidFill>
@@ -12340,7 +11740,7 @@
               <a:t> to </a:t>
             </a:r>
             <a:r>
-              <a:rPr lang="en-US" sz="1200" b="1" kern="1200" dirty="0" smtClean="0">
+              <a:rPr lang="en-US" sz="1200" b="1" kern="1200" dirty="0">
                 <a:solidFill>
                   <a:schemeClr val="tx1"/>
                 </a:solidFill>
@@ -12352,18 +11752,6 @@
               <a:t>share</a:t>
             </a:r>
             <a:r>
-              <a:rPr lang="en-US" sz="1200" kern="1200" dirty="0" smtClean="0">
-                <a:solidFill>
-                  <a:schemeClr val="tx1"/>
-                </a:solidFill>
-                <a:effectLst/>
-                <a:latin typeface="+mn-lt"/>
-                <a:ea typeface="+mn-ea"/>
-                <a:cs typeface="+mn-cs"/>
-              </a:rPr>
-              <a:t> </a:t>
-            </a:r>
-            <a:r>
               <a:rPr lang="en-US" sz="1200" kern="1200" dirty="0">
                 <a:solidFill>
                   <a:schemeClr val="tx1"/>
@@ -12373,7 +11761,7 @@
                 <a:ea typeface="+mn-ea"/>
                 <a:cs typeface="+mn-cs"/>
               </a:rPr>
-              <a:t>their credentials with the client so that the client can use them to make the authenticated request.</a:t>
+              <a:t> their credentials with the client so that the client can use them to make the authenticated request.</a:t>
             </a:r>
           </a:p>
           <a:p>
@@ -12398,31 +11786,7 @@
                 <a:ea typeface="+mn-ea"/>
                 <a:cs typeface="+mn-cs"/>
               </a:rPr>
-              <a:t>That’s fine if </a:t>
-            </a:r>
-            <a:r>
-              <a:rPr lang="en-US" sz="1200" kern="1200" dirty="0" smtClean="0">
-                <a:solidFill>
-                  <a:schemeClr val="tx1"/>
-                </a:solidFill>
-                <a:effectLst/>
-                <a:latin typeface="+mn-lt"/>
-                <a:ea typeface="+mn-ea"/>
-                <a:cs typeface="+mn-cs"/>
-              </a:rPr>
-              <a:t>I trust </a:t>
-            </a:r>
-            <a:r>
-              <a:rPr lang="en-US" sz="1200" kern="1200" dirty="0">
-                <a:solidFill>
-                  <a:schemeClr val="tx1"/>
-                </a:solidFill>
-                <a:effectLst/>
-                <a:latin typeface="+mn-lt"/>
-                <a:ea typeface="+mn-ea"/>
-                <a:cs typeface="+mn-cs"/>
-              </a:rPr>
-              <a:t>the client,</a:t>
+              <a:t>That’s fine if I trust the client,</a:t>
             </a:r>
             <a:r>
               <a:rPr lang="en-US" sz="1200" kern="1200" baseline="0" dirty="0">
@@ -12434,55 +11798,7 @@
                 <a:ea typeface="+mn-ea"/>
                 <a:cs typeface="+mn-cs"/>
               </a:rPr>
-              <a:t> and </a:t>
-            </a:r>
-            <a:r>
-              <a:rPr lang="en-US" sz="1200" kern="1200" baseline="0" dirty="0" smtClean="0">
-                <a:solidFill>
-                  <a:schemeClr val="tx1"/>
-                </a:solidFill>
-                <a:effectLst/>
-                <a:latin typeface="+mn-lt"/>
-                <a:ea typeface="+mn-ea"/>
-                <a:cs typeface="+mn-cs"/>
-              </a:rPr>
-              <a:t>I don’t </a:t>
-            </a:r>
-            <a:r>
-              <a:rPr lang="en-US" sz="1200" kern="1200" baseline="0" dirty="0">
-                <a:solidFill>
-                  <a:schemeClr val="tx1"/>
-                </a:solidFill>
-                <a:effectLst/>
-                <a:latin typeface="+mn-lt"/>
-                <a:ea typeface="+mn-ea"/>
-                <a:cs typeface="+mn-cs"/>
-              </a:rPr>
-              <a:t>mind the client impersonating </a:t>
-            </a:r>
-            <a:r>
-              <a:rPr lang="en-US" sz="1200" kern="1200" baseline="0" dirty="0" smtClean="0">
-                <a:solidFill>
-                  <a:schemeClr val="tx1"/>
-                </a:solidFill>
-                <a:effectLst/>
-                <a:latin typeface="+mn-lt"/>
-                <a:ea typeface="+mn-ea"/>
-                <a:cs typeface="+mn-cs"/>
-              </a:rPr>
-              <a:t>me when </a:t>
-            </a:r>
-            <a:r>
-              <a:rPr lang="en-US" sz="1200" kern="1200" baseline="0" dirty="0">
-                <a:solidFill>
-                  <a:schemeClr val="tx1"/>
-                </a:solidFill>
-                <a:effectLst/>
-                <a:latin typeface="+mn-lt"/>
-                <a:ea typeface="+mn-ea"/>
-                <a:cs typeface="+mn-cs"/>
-              </a:rPr>
-              <a:t>it talks to the server.</a:t>
+              <a:t> and I don’t mind the client impersonating me when it talks to the server.</a:t>
             </a:r>
             <a:endParaRPr lang="en-US" sz="1200" kern="1200" dirty="0">
               <a:solidFill>
@@ -12606,55 +11922,7 @@
                 <a:ea typeface="+mn-ea"/>
                 <a:cs typeface="+mn-cs"/>
               </a:rPr>
-              <a:t>But what if </a:t>
-            </a:r>
-            <a:r>
-              <a:rPr lang="en-US" sz="1200" kern="1200" dirty="0" smtClean="0">
-                <a:solidFill>
-                  <a:schemeClr val="tx1"/>
-                </a:solidFill>
-                <a:effectLst/>
-                <a:latin typeface="+mn-lt"/>
-                <a:ea typeface="+mn-ea"/>
-                <a:cs typeface="+mn-cs"/>
-              </a:rPr>
-              <a:t>I DON’T </a:t>
-            </a:r>
-            <a:r>
-              <a:rPr lang="en-US" sz="1200" kern="1200" dirty="0">
-                <a:solidFill>
-                  <a:schemeClr val="tx1"/>
-                </a:solidFill>
-                <a:effectLst/>
-                <a:latin typeface="+mn-lt"/>
-                <a:ea typeface="+mn-ea"/>
-                <a:cs typeface="+mn-cs"/>
-              </a:rPr>
-              <a:t>trust the client with </a:t>
-            </a:r>
-            <a:r>
-              <a:rPr lang="en-US" sz="1200" kern="1200" dirty="0" smtClean="0">
-                <a:solidFill>
-                  <a:schemeClr val="tx1"/>
-                </a:solidFill>
-                <a:effectLst/>
-                <a:latin typeface="+mn-lt"/>
-                <a:ea typeface="+mn-ea"/>
-                <a:cs typeface="+mn-cs"/>
-              </a:rPr>
-              <a:t>my credentials</a:t>
-            </a:r>
-            <a:r>
-              <a:rPr lang="en-US" sz="1200" kern="1200" dirty="0">
-                <a:solidFill>
-                  <a:schemeClr val="tx1"/>
-                </a:solidFill>
-                <a:effectLst/>
-                <a:latin typeface="+mn-lt"/>
-                <a:ea typeface="+mn-ea"/>
-                <a:cs typeface="+mn-cs"/>
-              </a:rPr>
-              <a:t>? </a:t>
+              <a:t>But what if I DON’T trust the client with my credentials? </a:t>
             </a:r>
           </a:p>
           <a:p>
@@ -12713,103 +11981,7 @@
                 <a:ea typeface="+mn-ea"/>
                 <a:cs typeface="+mn-cs"/>
               </a:rPr>
-              <a:t>Let’s say </a:t>
-            </a:r>
-            <a:r>
-              <a:rPr lang="en-US" sz="1200" kern="1200" dirty="0" smtClean="0">
-                <a:solidFill>
-                  <a:schemeClr val="tx1"/>
-                </a:solidFill>
-                <a:effectLst/>
-                <a:latin typeface="+mn-lt"/>
-                <a:ea typeface="+mn-ea"/>
-                <a:cs typeface="+mn-cs"/>
-              </a:rPr>
-              <a:t>I have </a:t>
-            </a:r>
-            <a:r>
-              <a:rPr lang="en-US" sz="1200" kern="1200" dirty="0">
-                <a:solidFill>
-                  <a:schemeClr val="tx1"/>
-                </a:solidFill>
-                <a:effectLst/>
-                <a:latin typeface="+mn-lt"/>
-                <a:ea typeface="+mn-ea"/>
-                <a:cs typeface="+mn-cs"/>
-              </a:rPr>
-              <a:t>some photos that </a:t>
-            </a:r>
-            <a:r>
-              <a:rPr lang="en-US" sz="1200" kern="1200" dirty="0" smtClean="0">
-                <a:solidFill>
-                  <a:schemeClr val="tx1"/>
-                </a:solidFill>
-                <a:effectLst/>
-                <a:latin typeface="+mn-lt"/>
-                <a:ea typeface="+mn-ea"/>
-                <a:cs typeface="+mn-cs"/>
-              </a:rPr>
-              <a:t>I've uploaded </a:t>
-            </a:r>
-            <a:r>
-              <a:rPr lang="en-US" sz="1200" kern="1200" dirty="0">
-                <a:solidFill>
-                  <a:schemeClr val="tx1"/>
-                </a:solidFill>
-                <a:effectLst/>
-                <a:latin typeface="+mn-lt"/>
-                <a:ea typeface="+mn-ea"/>
-                <a:cs typeface="+mn-cs"/>
-              </a:rPr>
-              <a:t>to Facebook and </a:t>
-            </a:r>
-            <a:r>
-              <a:rPr lang="en-US" sz="1200" kern="1200" dirty="0" smtClean="0">
-                <a:solidFill>
-                  <a:schemeClr val="tx1"/>
-                </a:solidFill>
-                <a:effectLst/>
-                <a:latin typeface="+mn-lt"/>
-                <a:ea typeface="+mn-ea"/>
-                <a:cs typeface="+mn-cs"/>
-              </a:rPr>
-              <a:t>I want </a:t>
-            </a:r>
-            <a:r>
-              <a:rPr lang="en-US" sz="1200" kern="1200" dirty="0">
-                <a:solidFill>
-                  <a:schemeClr val="tx1"/>
-                </a:solidFill>
-                <a:effectLst/>
-                <a:latin typeface="+mn-lt"/>
-                <a:ea typeface="+mn-ea"/>
-                <a:cs typeface="+mn-cs"/>
-              </a:rPr>
-              <a:t>to use </a:t>
-            </a:r>
-            <a:r>
-              <a:rPr lang="en-US" sz="1200" kern="1200" dirty="0" smtClean="0">
-                <a:solidFill>
-                  <a:schemeClr val="tx1"/>
-                </a:solidFill>
-                <a:effectLst/>
-                <a:latin typeface="+mn-lt"/>
-                <a:ea typeface="+mn-ea"/>
-                <a:cs typeface="+mn-cs"/>
-              </a:rPr>
-              <a:t>the ACME Photo Printing website to </a:t>
-            </a:r>
-            <a:r>
-              <a:rPr lang="en-US" sz="1200" kern="1200" dirty="0">
-                <a:solidFill>
-                  <a:schemeClr val="tx1"/>
-                </a:solidFill>
-                <a:effectLst/>
-                <a:latin typeface="+mn-lt"/>
-                <a:ea typeface="+mn-ea"/>
-                <a:cs typeface="+mn-cs"/>
-              </a:rPr>
-              <a:t>create greeting cards using those photos. </a:t>
+              <a:t>Let’s say I have some photos that I've uploaded to Facebook and I want to use the ACME Photo Printing website to create greeting cards using those photos. </a:t>
             </a:r>
           </a:p>
           <a:p>
@@ -12859,42 +12031,6 @@
               <a:defRPr/>
             </a:pPr>
             <a:r>
-              <a:rPr lang="en-US" sz="1200" kern="1200" dirty="0" smtClean="0">
-                <a:solidFill>
-                  <a:schemeClr val="tx1"/>
-                </a:solidFill>
-                <a:effectLst/>
-                <a:latin typeface="+mn-lt"/>
-                <a:ea typeface="+mn-ea"/>
-                <a:cs typeface="+mn-cs"/>
-              </a:rPr>
-              <a:t>I</a:t>
-            </a:r>
-            <a:r>
-              <a:rPr lang="en-US" sz="1200" kern="1200" baseline="0" dirty="0" smtClean="0">
-                <a:solidFill>
-                  <a:schemeClr val="tx1"/>
-                </a:solidFill>
-                <a:effectLst/>
-                <a:latin typeface="+mn-lt"/>
-                <a:ea typeface="+mn-ea"/>
-                <a:cs typeface="+mn-cs"/>
-              </a:rPr>
-              <a:t> </a:t>
-            </a:r>
-            <a:r>
-              <a:rPr lang="en-US" sz="1200" kern="1200" dirty="0" smtClean="0">
-                <a:solidFill>
-                  <a:schemeClr val="tx1"/>
-                </a:solidFill>
-                <a:effectLst/>
-                <a:latin typeface="+mn-lt"/>
-                <a:ea typeface="+mn-ea"/>
-                <a:cs typeface="+mn-cs"/>
-              </a:rPr>
-              <a:t>really </a:t>
-            </a:r>
-            <a:r>
               <a:rPr lang="en-US" sz="1200" kern="1200" dirty="0">
                 <a:solidFill>
                   <a:schemeClr val="tx1"/>
@@ -12904,31 +12040,138 @@
                 <a:ea typeface="+mn-ea"/>
                 <a:cs typeface="+mn-cs"/>
               </a:rPr>
-              <a:t>don’t want to give ACME </a:t>
-            </a:r>
-            <a:r>
-              <a:rPr lang="en-US" sz="1200" kern="1200" dirty="0" smtClean="0">
-                <a:solidFill>
-                  <a:schemeClr val="tx1"/>
-                </a:solidFill>
-                <a:effectLst/>
-                <a:latin typeface="+mn-lt"/>
-                <a:ea typeface="+mn-ea"/>
-                <a:cs typeface="+mn-cs"/>
-              </a:rPr>
-              <a:t>my Facebook password</a:t>
-            </a:r>
-            <a:r>
-              <a:rPr lang="en-US" sz="1200" kern="1200" dirty="0">
-                <a:solidFill>
-                  <a:schemeClr val="tx1"/>
-                </a:solidFill>
-                <a:effectLst/>
-                <a:latin typeface="+mn-lt"/>
-                <a:ea typeface="+mn-ea"/>
-                <a:cs typeface="+mn-cs"/>
-              </a:rPr>
-              <a:t>,</a:t>
+              <a:t>I </a:t>
+            </a:r>
+            <a:r>
+              <a:rPr lang="en-US" sz="1200" i="1" kern="1200" dirty="0">
+                <a:solidFill>
+                  <a:schemeClr val="tx1"/>
+                </a:solidFill>
+                <a:effectLst/>
+                <a:latin typeface="+mn-lt"/>
+                <a:ea typeface="+mn-ea"/>
+                <a:cs typeface="+mn-cs"/>
+              </a:rPr>
+              <a:t>could </a:t>
+            </a:r>
+            <a:r>
+              <a:rPr lang="en-US" sz="1200" i="0" kern="1200" dirty="0">
+                <a:solidFill>
+                  <a:schemeClr val="tx1"/>
+                </a:solidFill>
+                <a:effectLst/>
+                <a:latin typeface="+mn-lt"/>
+                <a:ea typeface="+mn-ea"/>
+                <a:cs typeface="+mn-cs"/>
+              </a:rPr>
+              <a:t>give ACME my Facebook password, and it could then make an </a:t>
+            </a:r>
+            <a:r>
+              <a:rPr lang="en-US" sz="1200" i="0" u="sng" kern="1200" dirty="0">
+                <a:solidFill>
+                  <a:schemeClr val="tx1"/>
+                </a:solidFill>
+                <a:effectLst/>
+                <a:latin typeface="+mn-lt"/>
+                <a:ea typeface="+mn-ea"/>
+                <a:cs typeface="+mn-cs"/>
+              </a:rPr>
+              <a:t>authenticated</a:t>
+            </a:r>
+            <a:r>
+              <a:rPr lang="en-US" sz="1200" i="0" kern="1200" dirty="0">
+                <a:solidFill>
+                  <a:schemeClr val="tx1"/>
+                </a:solidFill>
+                <a:effectLst/>
+                <a:latin typeface="+mn-lt"/>
+                <a:ea typeface="+mn-ea"/>
+                <a:cs typeface="+mn-cs"/>
+              </a:rPr>
+              <a:t> request to FB’s APIs. In this case, FB would think it was me accessing the data.</a:t>
+            </a:r>
+          </a:p>
+          <a:p>
+            <a:pPr marL="0" marR="0" indent="0" algn="l" defTabSz="914400" rtl="0" eaLnBrk="1" fontAlgn="auto" latinLnBrk="0" hangingPunct="1">
+              <a:lnSpc>
+                <a:spcPct val="100000"/>
+              </a:lnSpc>
+              <a:spcBef>
+                <a:spcPts val="0"/>
+              </a:spcBef>
+              <a:spcAft>
+                <a:spcPts val="0"/>
+              </a:spcAft>
+              <a:buClrTx/>
+              <a:buSzTx/>
+              <a:buFontTx/>
+              <a:buNone/>
+              <a:tabLst/>
+              <a:defRPr/>
+            </a:pPr>
+            <a:endParaRPr lang="en-US" sz="1200" i="0" kern="1200" dirty="0">
+              <a:solidFill>
+                <a:schemeClr val="tx1"/>
+              </a:solidFill>
+              <a:effectLst/>
+              <a:latin typeface="+mn-lt"/>
+              <a:ea typeface="+mn-ea"/>
+              <a:cs typeface="+mn-cs"/>
+            </a:endParaRPr>
+          </a:p>
+          <a:p>
+            <a:pPr marL="0" marR="0" indent="0" algn="l" defTabSz="914400" rtl="0" eaLnBrk="1" fontAlgn="auto" latinLnBrk="0" hangingPunct="1">
+              <a:lnSpc>
+                <a:spcPct val="100000"/>
+              </a:lnSpc>
+              <a:spcBef>
+                <a:spcPts val="0"/>
+              </a:spcBef>
+              <a:spcAft>
+                <a:spcPts val="0"/>
+              </a:spcAft>
+              <a:buClrTx/>
+              <a:buSzTx/>
+              <a:buFontTx/>
+              <a:buNone/>
+              <a:tabLst/>
+              <a:defRPr/>
+            </a:pPr>
+            <a:r>
+              <a:rPr lang="en-US" sz="1200" i="0" kern="1200" dirty="0">
+                <a:solidFill>
+                  <a:schemeClr val="tx1"/>
+                </a:solidFill>
+                <a:effectLst/>
+                <a:latin typeface="+mn-lt"/>
+                <a:ea typeface="+mn-ea"/>
+                <a:cs typeface="+mn-cs"/>
+              </a:rPr>
+              <a:t>But the thing is, I don’t </a:t>
+            </a:r>
+            <a:r>
+              <a:rPr lang="en-US" sz="1200" i="1" kern="1200" dirty="0">
+                <a:solidFill>
+                  <a:schemeClr val="tx1"/>
+                </a:solidFill>
+                <a:effectLst/>
+                <a:latin typeface="+mn-lt"/>
+                <a:ea typeface="+mn-ea"/>
+                <a:cs typeface="+mn-cs"/>
+              </a:rPr>
+              <a:t>want </a:t>
+            </a:r>
+            <a:r>
+              <a:rPr lang="en-US" sz="1200" i="0" kern="1200" dirty="0">
+                <a:solidFill>
+                  <a:schemeClr val="tx1"/>
+                </a:solidFill>
+                <a:effectLst/>
+                <a:latin typeface="+mn-lt"/>
+                <a:ea typeface="+mn-ea"/>
+                <a:cs typeface="+mn-cs"/>
+              </a:rPr>
+              <a:t>to give ACME my FB password. So how else is it </a:t>
             </a:r>
             <a:r>
               <a:rPr lang="en-US" sz="1200" kern="1200" baseline="0" dirty="0">
@@ -12940,19 +12183,7 @@
                 <a:ea typeface="+mn-ea"/>
                 <a:cs typeface="+mn-cs"/>
               </a:rPr>
-              <a:t> but how else does </a:t>
-            </a:r>
-            <a:r>
-              <a:rPr lang="en-US" sz="1200" kern="1200" baseline="0" dirty="0" smtClean="0">
-                <a:solidFill>
-                  <a:schemeClr val="tx1"/>
-                </a:solidFill>
-                <a:effectLst/>
-                <a:latin typeface="+mn-lt"/>
-                <a:ea typeface="+mn-ea"/>
-                <a:cs typeface="+mn-cs"/>
-              </a:rPr>
-              <a:t>is it supposed to get access to my photos?</a:t>
+              <a:t>supposed to get access to my photos?</a:t>
             </a:r>
             <a:endParaRPr lang="en-US" dirty="0"/>
           </a:p>
@@ -13073,55 +12304,7 @@
                 <a:ea typeface="+mn-ea"/>
                 <a:cs typeface="+mn-cs"/>
               </a:rPr>
-              <a:t>“3-legged” model because there are 3 parties involved: the Resource Owner that owns the </a:t>
-            </a:r>
-            <a:r>
-              <a:rPr lang="en-US" sz="1200" kern="1200" dirty="0" smtClean="0">
-                <a:solidFill>
-                  <a:schemeClr val="tx1"/>
-                </a:solidFill>
-                <a:effectLst/>
-                <a:latin typeface="+mn-lt"/>
-                <a:ea typeface="+mn-ea"/>
-                <a:cs typeface="+mn-cs"/>
-              </a:rPr>
-              <a:t>content (me), </a:t>
-            </a:r>
-            <a:r>
-              <a:rPr lang="en-US" sz="1200" kern="1200" dirty="0">
-                <a:solidFill>
-                  <a:schemeClr val="tx1"/>
-                </a:solidFill>
-                <a:effectLst/>
-                <a:latin typeface="+mn-lt"/>
-                <a:ea typeface="+mn-ea"/>
-                <a:cs typeface="+mn-cs"/>
-              </a:rPr>
-              <a:t>the Service Provider that hosts the </a:t>
-            </a:r>
-            <a:r>
-              <a:rPr lang="en-US" sz="1200" kern="1200" dirty="0" smtClean="0">
-                <a:solidFill>
-                  <a:schemeClr val="tx1"/>
-                </a:solidFill>
-                <a:effectLst/>
-                <a:latin typeface="+mn-lt"/>
-                <a:ea typeface="+mn-ea"/>
-                <a:cs typeface="+mn-cs"/>
-              </a:rPr>
-              <a:t>content (FB), </a:t>
-            </a:r>
-            <a:r>
-              <a:rPr lang="en-US" sz="1200" kern="1200" dirty="0">
-                <a:solidFill>
-                  <a:schemeClr val="tx1"/>
-                </a:solidFill>
-                <a:effectLst/>
-                <a:latin typeface="+mn-lt"/>
-                <a:ea typeface="+mn-ea"/>
-                <a:cs typeface="+mn-cs"/>
-              </a:rPr>
-              <a:t>and the Client that accesses the content. </a:t>
+              <a:t>“3-legged” model because there are 3 parties involved: the Resource Owner that owns the content (me), the Service Provider that hosts the content (FB), and the Client that accesses the content. </a:t>
             </a:r>
           </a:p>
           <a:p>
@@ -13829,14 +13012,10 @@
           <a:p>
             <a:r>
               <a:rPr lang="en-US" baseline="0" dirty="0"/>
-              <a:t>OAuth </a:t>
-            </a:r>
-            <a:r>
-              <a:rPr lang="en-US" baseline="0" dirty="0" smtClean="0"/>
-              <a:t>1.0 uses </a:t>
-            </a:r>
-            <a:r>
-              <a:rPr lang="en-US" sz="1200" kern="1200" dirty="0" smtClean="0">
+              <a:t>OAuth 1.0 uses </a:t>
+            </a:r>
+            <a:r>
+              <a:rPr lang="en-US" sz="1200" kern="1200" dirty="0">
                 <a:solidFill>
                   <a:schemeClr val="tx1"/>
                 </a:solidFill>
@@ -14382,31 +13561,7 @@
                 <a:ea typeface="+mn-ea"/>
                 <a:cs typeface="+mn-cs"/>
               </a:rPr>
-              <a:t>OAuth 2.0 was designed to </a:t>
-            </a:r>
-            <a:r>
-              <a:rPr lang="en-US" sz="1200" kern="1200" dirty="0" smtClean="0">
-                <a:solidFill>
-                  <a:schemeClr val="tx1"/>
-                </a:solidFill>
-                <a:effectLst/>
-                <a:latin typeface="+mn-lt"/>
-                <a:ea typeface="+mn-ea"/>
-                <a:cs typeface="+mn-cs"/>
-              </a:rPr>
-              <a:t>be simpler and to better support non-web clients. It </a:t>
-            </a:r>
-            <a:r>
-              <a:rPr lang="en-US" sz="1200" kern="1200" dirty="0">
-                <a:solidFill>
-                  <a:schemeClr val="tx1"/>
-                </a:solidFill>
-                <a:effectLst/>
-                <a:latin typeface="+mn-lt"/>
-                <a:ea typeface="+mn-ea"/>
-                <a:cs typeface="+mn-cs"/>
-              </a:rPr>
-              <a:t>is an </a:t>
+              <a:t>OAuth 2.0 was designed to be simpler and to better support non-web clients. It is an </a:t>
             </a:r>
             <a:r>
               <a:rPr lang="en-US" sz="1200" b="1" kern="1200" dirty="0">
@@ -14446,7 +13601,7 @@
           </a:p>
           <a:p>
             <a:r>
-              <a:rPr lang="en-US" sz="1200" kern="1200" dirty="0" smtClean="0">
+              <a:rPr lang="en-US" sz="1200" kern="1200" dirty="0">
                 <a:solidFill>
                   <a:schemeClr val="tx1"/>
                 </a:solidFill>
@@ -14458,7 +13613,7 @@
               <a:t>In technical terms, </a:t>
             </a:r>
             <a:r>
-              <a:rPr lang="en-US" sz="1200" kern="1200" dirty="0" err="1" smtClean="0">
+              <a:rPr lang="en-US" sz="1200" kern="1200" dirty="0" err="1">
                 <a:solidFill>
                   <a:schemeClr val="tx1"/>
                 </a:solidFill>
@@ -14470,7 +13625,7 @@
               <a:t>Oauth</a:t>
             </a:r>
             <a:r>
-              <a:rPr lang="en-US" sz="1200" kern="1200" dirty="0" smtClean="0">
+              <a:rPr lang="en-US" sz="1200" kern="1200" dirty="0">
                 <a:solidFill>
                   <a:schemeClr val="tx1"/>
                 </a:solidFill>
@@ -14482,7 +13637,7 @@
               <a:t> 2 uses bearer</a:t>
             </a:r>
             <a:r>
-              <a:rPr lang="en-US" sz="1200" kern="1200" baseline="0" dirty="0" smtClean="0">
+              <a:rPr lang="en-US" sz="1200" kern="1200" baseline="0" dirty="0">
                 <a:solidFill>
                   <a:schemeClr val="tx1"/>
                 </a:solidFill>
@@ -14493,7 +13648,7 @@
               </a:rPr>
               <a:t> tokens instead of request signing. This makes it easier to implement, but you must use TLS and you lose the ability to guarantee that a message wasn't modified in transit. </a:t>
             </a:r>
-            <a:endParaRPr lang="en-US" sz="1200" kern="1200" dirty="0" smtClean="0">
+            <a:endParaRPr lang="en-US" sz="1200" kern="1200" dirty="0">
               <a:solidFill>
                 <a:schemeClr val="tx1"/>
               </a:solidFill>
@@ -14520,18 +13675,6 @@
           </a:p>
           <a:p>
             <a:r>
-              <a:rPr lang="en-US" sz="1200" kern="1200" dirty="0" smtClean="0">
-                <a:solidFill>
-                  <a:schemeClr val="tx1"/>
-                </a:solidFill>
-                <a:effectLst/>
-                <a:latin typeface="+mn-lt"/>
-                <a:ea typeface="+mn-ea"/>
-                <a:cs typeface="+mn-cs"/>
-              </a:rPr>
-              <a:t>OAuth </a:t>
-            </a:r>
-            <a:r>
               <a:rPr lang="en-US" sz="1200" kern="1200" dirty="0">
                 <a:solidFill>
                   <a:schemeClr val="tx1"/>
@@ -14541,29 +13684,8 @@
                 <a:ea typeface="+mn-ea"/>
                 <a:cs typeface="+mn-cs"/>
               </a:rPr>
-              <a:t>2.0 also </a:t>
-            </a:r>
-            <a:r>
-              <a:rPr lang="en-US" sz="1200" kern="1200" dirty="0" smtClean="0">
-                <a:solidFill>
-                  <a:schemeClr val="tx1"/>
-                </a:solidFill>
-                <a:effectLst/>
-                <a:latin typeface="+mn-lt"/>
-                <a:ea typeface="+mn-ea"/>
-                <a:cs typeface="+mn-cs"/>
-              </a:rPr>
-              <a:t>supports more "flows" than 1.0 which makes it a better fit for some enterprise use cases.</a:t>
-            </a:r>
-            <a:endParaRPr lang="en-US" sz="1200" kern="1200" dirty="0">
-              <a:solidFill>
-                <a:schemeClr val="tx1"/>
-              </a:solidFill>
-              <a:effectLst/>
-              <a:latin typeface="+mn-lt"/>
-              <a:ea typeface="+mn-ea"/>
-              <a:cs typeface="+mn-cs"/>
-            </a:endParaRPr>
+              <a:t>OAuth 2.0 also supports more "flows" than 1.0 which makes it a better fit for some enterprise use cases.</a:t>
+            </a:r>
           </a:p>
           <a:p>
             <a:endParaRPr lang="en-US" dirty="0"/>
@@ -15517,6 +14639,25 @@
           <a:p>
             <a:endParaRPr lang="en-US" dirty="0"/>
           </a:p>
+          <a:p>
+            <a:r>
+              <a:rPr lang="en-US" b="1" dirty="0"/>
+              <a:t>You should not be using </a:t>
+            </a:r>
+            <a:r>
+              <a:rPr lang="en-US" b="1" dirty="0" err="1"/>
+              <a:t>Oauth</a:t>
+            </a:r>
+            <a:r>
+              <a:rPr lang="en-US" b="1" dirty="0"/>
+              <a:t> to figure out WHO is making the request</a:t>
+            </a:r>
+            <a:r>
+              <a:rPr lang="en-US" b="0" dirty="0"/>
+              <a:t>.</a:t>
+            </a:r>
+            <a:endParaRPr lang="en-US" b="1" dirty="0"/>
+          </a:p>
         </p:txBody>
       </p:sp>
       <p:sp>
@@ -15609,7 +14750,7 @@
                 <a:ea typeface="+mn-ea"/>
                 <a:cs typeface="+mn-cs"/>
               </a:rPr>
-              <a:t>First, whole point of </a:t>
+              <a:t>That’s because </a:t>
             </a:r>
             <a:r>
               <a:rPr lang="en-US" sz="1200" kern="1200" baseline="0" dirty="0">
@@ -15621,7 +14762,7 @@
                 <a:ea typeface="+mn-ea"/>
                 <a:cs typeface="+mn-cs"/>
               </a:rPr>
-              <a:t>authentication is to </a:t>
+              <a:t>OAuth access tokens </a:t>
             </a:r>
             <a:r>
               <a:rPr lang="en-US" sz="1200" b="1" kern="1200" baseline="0" dirty="0">
@@ -15633,19 +14774,19 @@
                 <a:ea typeface="+mn-ea"/>
                 <a:cs typeface="+mn-cs"/>
               </a:rPr>
-              <a:t>securely </a:t>
-            </a:r>
-            <a:r>
-              <a:rPr lang="en-US" sz="1200" b="1" kern="1200" baseline="0" dirty="0" smtClean="0">
-                <a:solidFill>
-                  <a:schemeClr val="tx1"/>
-                </a:solidFill>
-                <a:effectLst/>
-                <a:latin typeface="+mn-lt"/>
-                <a:ea typeface="+mn-ea"/>
-                <a:cs typeface="+mn-cs"/>
-              </a:rPr>
-              <a:t>associate a request to an identity</a:t>
+              <a:t>don’t tell the client</a:t>
+            </a:r>
+            <a:r>
+              <a:rPr lang="en-US" sz="1200" kern="1200" baseline="0" dirty="0">
+                <a:solidFill>
+                  <a:schemeClr val="tx1"/>
+                </a:solidFill>
+                <a:effectLst/>
+                <a:latin typeface="+mn-lt"/>
+                <a:ea typeface="+mn-ea"/>
+                <a:cs typeface="+mn-cs"/>
+              </a:rPr>
+              <a:t> anything about user identity. </a:t>
             </a:r>
           </a:p>
           <a:p>
@@ -15670,7 +14811,7 @@
                 <a:ea typeface="+mn-ea"/>
                 <a:cs typeface="+mn-cs"/>
               </a:rPr>
-              <a:t>OAuth access tokens </a:t>
+              <a:t>By definition, access tokens are </a:t>
             </a:r>
             <a:r>
               <a:rPr lang="en-US" sz="1200" b="1" kern="1200" baseline="0" dirty="0">
@@ -15682,7 +14823,7 @@
                 <a:ea typeface="+mn-ea"/>
                 <a:cs typeface="+mn-cs"/>
               </a:rPr>
-              <a:t>don’t tell the client</a:t>
+              <a:t>opaque</a:t>
             </a:r>
             <a:r>
               <a:rPr lang="en-US" sz="1200" kern="1200" baseline="0" dirty="0">
@@ -15694,7 +14835,67 @@
                 <a:ea typeface="+mn-ea"/>
                 <a:cs typeface="+mn-cs"/>
               </a:rPr>
-              <a:t> anything about user identity. </a:t>
+              <a:t> to the client. The client gets a token from the </a:t>
+            </a:r>
+            <a:r>
+              <a:rPr lang="en-US" sz="1200" kern="1200" baseline="0" dirty="0" err="1">
+                <a:solidFill>
+                  <a:schemeClr val="tx1"/>
+                </a:solidFill>
+                <a:effectLst/>
+                <a:latin typeface="+mn-lt"/>
+                <a:ea typeface="+mn-ea"/>
+                <a:cs typeface="+mn-cs"/>
+              </a:rPr>
+              <a:t>auth</a:t>
+            </a:r>
+            <a:r>
+              <a:rPr lang="en-US" sz="1200" kern="1200" baseline="0" dirty="0">
+                <a:solidFill>
+                  <a:schemeClr val="tx1"/>
+                </a:solidFill>
+                <a:effectLst/>
+                <a:latin typeface="+mn-lt"/>
+                <a:ea typeface="+mn-ea"/>
+                <a:cs typeface="+mn-cs"/>
+              </a:rPr>
+              <a:t> provider, and it uses the token to make API calls, but the token itself is a </a:t>
+            </a:r>
+            <a:r>
+              <a:rPr lang="en-US" sz="1200" b="1" kern="1200" baseline="0" dirty="0">
+                <a:solidFill>
+                  <a:schemeClr val="tx1"/>
+                </a:solidFill>
+                <a:effectLst/>
+                <a:latin typeface="+mn-lt"/>
+                <a:ea typeface="+mn-ea"/>
+                <a:cs typeface="+mn-cs"/>
+              </a:rPr>
+              <a:t>black box</a:t>
+            </a:r>
+            <a:r>
+              <a:rPr lang="en-US" sz="1200" b="0" kern="1200" baseline="0" dirty="0">
+                <a:solidFill>
+                  <a:schemeClr val="tx1"/>
+                </a:solidFill>
+                <a:effectLst/>
+                <a:latin typeface="+mn-lt"/>
+                <a:ea typeface="+mn-ea"/>
+                <a:cs typeface="+mn-cs"/>
+              </a:rPr>
+              <a:t> - </a:t>
+            </a:r>
+            <a:r>
+              <a:rPr lang="en-US" sz="1200" kern="1200" baseline="0" dirty="0">
+                <a:solidFill>
+                  <a:schemeClr val="tx1"/>
+                </a:solidFill>
+                <a:effectLst/>
+                <a:latin typeface="+mn-lt"/>
+                <a:ea typeface="+mn-ea"/>
+                <a:cs typeface="+mn-cs"/>
+              </a:rPr>
+              <a:t>client can’t parse it or extract data </a:t>
             </a:r>
           </a:p>
           <a:p>
@@ -15710,165 +14911,24 @@
           </a:p>
           <a:p>
             <a:r>
-              <a:rPr lang="en-US" sz="1200" kern="1200" baseline="0" dirty="0">
-                <a:solidFill>
-                  <a:schemeClr val="tx1"/>
-                </a:solidFill>
-                <a:effectLst/>
-                <a:latin typeface="+mn-lt"/>
-                <a:ea typeface="+mn-ea"/>
-                <a:cs typeface="+mn-cs"/>
-              </a:rPr>
-              <a:t>By definition, access tokens are </a:t>
-            </a:r>
-            <a:r>
-              <a:rPr lang="en-US" sz="1200" b="1" kern="1200" baseline="0" dirty="0">
-                <a:solidFill>
-                  <a:schemeClr val="tx1"/>
-                </a:solidFill>
-                <a:effectLst/>
-                <a:latin typeface="+mn-lt"/>
-                <a:ea typeface="+mn-ea"/>
-                <a:cs typeface="+mn-cs"/>
-              </a:rPr>
-              <a:t>opaque</a:t>
-            </a:r>
-            <a:r>
-              <a:rPr lang="en-US" sz="1200" kern="1200" baseline="0" dirty="0">
-                <a:solidFill>
-                  <a:schemeClr val="tx1"/>
-                </a:solidFill>
-                <a:effectLst/>
-                <a:latin typeface="+mn-lt"/>
-                <a:ea typeface="+mn-ea"/>
-                <a:cs typeface="+mn-cs"/>
-              </a:rPr>
-              <a:t> to the client. </a:t>
-            </a:r>
-            <a:r>
-              <a:rPr lang="en-US" sz="1200" kern="1200" baseline="0" dirty="0" smtClean="0">
-                <a:solidFill>
-                  <a:schemeClr val="tx1"/>
-                </a:solidFill>
-                <a:effectLst/>
-                <a:latin typeface="+mn-lt"/>
-                <a:ea typeface="+mn-ea"/>
-                <a:cs typeface="+mn-cs"/>
-              </a:rPr>
-              <a:t>The client gets a token from the </a:t>
-            </a:r>
-            <a:r>
-              <a:rPr lang="en-US" sz="1200" kern="1200" baseline="0" dirty="0" err="1" smtClean="0">
-                <a:solidFill>
-                  <a:schemeClr val="tx1"/>
-                </a:solidFill>
-                <a:effectLst/>
-                <a:latin typeface="+mn-lt"/>
-                <a:ea typeface="+mn-ea"/>
-                <a:cs typeface="+mn-cs"/>
-              </a:rPr>
-              <a:t>auth</a:t>
-            </a:r>
-            <a:r>
-              <a:rPr lang="en-US" sz="1200" kern="1200" baseline="0" dirty="0" smtClean="0">
-                <a:solidFill>
-                  <a:schemeClr val="tx1"/>
-                </a:solidFill>
-                <a:effectLst/>
-                <a:latin typeface="+mn-lt"/>
-                <a:ea typeface="+mn-ea"/>
-                <a:cs typeface="+mn-cs"/>
-              </a:rPr>
-              <a:t> provider, and it uses the token to make API calls, but the token itself is a </a:t>
-            </a:r>
-            <a:r>
-              <a:rPr lang="en-US" sz="1200" b="1" kern="1200" baseline="0" dirty="0" smtClean="0">
-                <a:solidFill>
-                  <a:schemeClr val="tx1"/>
-                </a:solidFill>
-                <a:effectLst/>
-                <a:latin typeface="+mn-lt"/>
-                <a:ea typeface="+mn-ea"/>
-                <a:cs typeface="+mn-cs"/>
-              </a:rPr>
-              <a:t>black box</a:t>
-            </a:r>
-            <a:r>
-              <a:rPr lang="en-US" sz="1200" b="0" kern="1200" baseline="0" dirty="0" smtClean="0">
-                <a:solidFill>
-                  <a:schemeClr val="tx1"/>
-                </a:solidFill>
-                <a:effectLst/>
-                <a:latin typeface="+mn-lt"/>
-                <a:ea typeface="+mn-ea"/>
-                <a:cs typeface="+mn-cs"/>
-              </a:rPr>
-              <a:t> - </a:t>
-            </a:r>
-            <a:r>
-              <a:rPr lang="en-US" sz="1200" kern="1200" baseline="0" dirty="0" smtClean="0">
-                <a:solidFill>
-                  <a:schemeClr val="tx1"/>
-                </a:solidFill>
-                <a:effectLst/>
-                <a:latin typeface="+mn-lt"/>
-                <a:ea typeface="+mn-ea"/>
-                <a:cs typeface="+mn-cs"/>
-              </a:rPr>
-              <a:t>client </a:t>
-            </a:r>
-            <a:r>
-              <a:rPr lang="en-US" sz="1200" kern="1200" baseline="0" dirty="0">
-                <a:solidFill>
-                  <a:schemeClr val="tx1"/>
-                </a:solidFill>
-                <a:effectLst/>
-                <a:latin typeface="+mn-lt"/>
-                <a:ea typeface="+mn-ea"/>
-                <a:cs typeface="+mn-cs"/>
-              </a:rPr>
-              <a:t>can’t parse it or extract data </a:t>
-            </a:r>
-          </a:p>
-          <a:p>
-            <a:endParaRPr lang="en-US" sz="1200" kern="1200" baseline="0" dirty="0">
-              <a:solidFill>
-                <a:schemeClr val="tx1"/>
-              </a:solidFill>
-              <a:effectLst/>
-              <a:latin typeface="+mn-lt"/>
-              <a:ea typeface="+mn-ea"/>
-              <a:cs typeface="+mn-cs"/>
-            </a:endParaRPr>
-          </a:p>
-          <a:p>
-            <a:r>
               <a:rPr lang="en-US" dirty="0"/>
               <a:t>Therefore,</a:t>
             </a:r>
             <a:r>
               <a:rPr lang="en-US" baseline="0" dirty="0"/>
-              <a:t> the access token </a:t>
-            </a:r>
-            <a:r>
-              <a:rPr lang="en-US" baseline="0" dirty="0" smtClean="0"/>
-              <a:t>can only tell us that the request is </a:t>
-            </a:r>
-            <a:r>
-              <a:rPr lang="en-US" i="1" baseline="0" dirty="0" smtClean="0"/>
+              <a:t> the access token can only tell us that the request is </a:t>
+            </a:r>
+            <a:r>
+              <a:rPr lang="en-US" i="1" baseline="0" dirty="0"/>
               <a:t>allowed</a:t>
             </a:r>
             <a:r>
-              <a:rPr lang="en-US" i="0" baseline="0" dirty="0" smtClean="0"/>
+              <a:rPr lang="en-US" i="0" baseline="0" dirty="0"/>
               <a:t>. The token alone</a:t>
             </a:r>
             <a:r>
-              <a:rPr lang="en-US" baseline="0" dirty="0" smtClean="0"/>
-              <a:t> </a:t>
-            </a:r>
-            <a:r>
               <a:rPr lang="en-US" baseline="0" dirty="0"/>
-              <a:t>cannot tell us </a:t>
+              <a:t> cannot tell us </a:t>
             </a:r>
             <a:r>
               <a:rPr lang="en-US" b="1" baseline="0" dirty="0"/>
@@ -15999,7 +15059,7 @@
               <a:t> that will provide user </a:t>
             </a:r>
             <a:r>
-              <a:rPr lang="en-US" sz="1200" kern="1200" baseline="0" dirty="0" smtClean="0">
+              <a:rPr lang="en-US" sz="1200" kern="1200" baseline="0" dirty="0">
                 <a:solidFill>
                   <a:schemeClr val="tx1"/>
                 </a:solidFill>
@@ -16010,6 +15070,8 @@
               </a:rPr>
               <a:t>information associated with that token? </a:t>
             </a:r>
+          </a:p>
+          <a:p>
             <a:endParaRPr lang="en-US" sz="1200" kern="1200" baseline="0" dirty="0">
               <a:solidFill>
                 <a:schemeClr val="tx1"/>
@@ -16021,19 +15083,8 @@
             </a:endParaRPr>
           </a:p>
           <a:p>
-            <a:endParaRPr lang="en-US" sz="1200" kern="1200" baseline="0" dirty="0">
-              <a:solidFill>
-                <a:schemeClr val="tx1"/>
-              </a:solidFill>
-              <a:effectLst/>
-              <a:latin typeface="+mn-lt"/>
-              <a:ea typeface="+mn-ea"/>
-              <a:cs typeface="+mn-cs"/>
-            </a:endParaRPr>
-          </a:p>
-          <a:p>
-            <a:r>
-              <a:rPr lang="en-US" sz="1200" kern="1200" baseline="0" dirty="0" smtClean="0">
+            <a:r>
+              <a:rPr lang="en-US" sz="1200" kern="1200" baseline="0" dirty="0">
                 <a:solidFill>
                   <a:schemeClr val="tx1"/>
                 </a:solidFill>
@@ -16045,7 +15096,7 @@
               <a:t>Let's say you call the authorization server and you get a token. And that token lets you call an API, which will return the email address associated with that token. Is </a:t>
             </a:r>
             <a:r>
-              <a:rPr lang="en-US" sz="1200" i="1" kern="1200" baseline="0" dirty="0" smtClean="0">
+              <a:rPr lang="en-US" sz="1200" i="1" kern="1200" baseline="0" dirty="0">
                 <a:solidFill>
                   <a:schemeClr val="tx1"/>
                 </a:solidFill>
@@ -16316,22 +15367,10 @@
                 <a:ea typeface="+mn-ea"/>
                 <a:cs typeface="+mn-cs"/>
               </a:rPr>
-              <a:t>Let’s say there is a website </a:t>
-            </a:r>
-            <a:r>
-              <a:rPr lang="en-US" sz="1200" kern="1200" dirty="0" smtClean="0">
-                <a:solidFill>
-                  <a:schemeClr val="tx1"/>
-                </a:solidFill>
-                <a:effectLst/>
-                <a:latin typeface="+mn-lt"/>
-                <a:ea typeface="+mn-ea"/>
-                <a:cs typeface="+mn-cs"/>
-              </a:rPr>
-              <a:t>called BadGuy.com</a:t>
-            </a:r>
-            <a:r>
-              <a:rPr lang="en-US" sz="1200" kern="1200" baseline="0" dirty="0" smtClean="0">
+              <a:t>Let’s say there is a website called BadGuy.com</a:t>
+            </a:r>
+            <a:r>
+              <a:rPr lang="en-US" sz="1200" kern="1200" baseline="0" dirty="0">
                 <a:solidFill>
                   <a:schemeClr val="tx1"/>
                 </a:solidFill>
@@ -16343,18 +15382,6 @@
               <a:t> </a:t>
             </a:r>
             <a:r>
-              <a:rPr lang="en-US" sz="1200" kern="1200" dirty="0" smtClean="0">
-                <a:solidFill>
-                  <a:schemeClr val="tx1"/>
-                </a:solidFill>
-                <a:effectLst/>
-                <a:latin typeface="+mn-lt"/>
-                <a:ea typeface="+mn-ea"/>
-                <a:cs typeface="+mn-cs"/>
-              </a:rPr>
-              <a:t>that </a:t>
-            </a:r>
-            <a:r>
               <a:rPr lang="en-US" sz="1200" kern="1200" dirty="0">
                 <a:solidFill>
                   <a:schemeClr val="tx1"/>
@@ -16364,7 +15391,7 @@
                 <a:ea typeface="+mn-ea"/>
                 <a:cs typeface="+mn-cs"/>
               </a:rPr>
-              <a:t>lets people “log in with Facebook”. </a:t>
+              <a:t>that lets people “log in with Facebook”. </a:t>
             </a:r>
           </a:p>
           <a:p>
@@ -16393,22 +15420,10 @@
                 <a:ea typeface="+mn-ea"/>
                 <a:cs typeface="+mn-cs"/>
               </a:rPr>
-              <a:t>I go to </a:t>
-            </a:r>
-            <a:r>
-              <a:rPr lang="en-US" sz="1200" kern="1200" dirty="0" smtClean="0">
-                <a:solidFill>
-                  <a:schemeClr val="tx1"/>
-                </a:solidFill>
-                <a:effectLst/>
-                <a:latin typeface="+mn-lt"/>
-                <a:ea typeface="+mn-ea"/>
-                <a:cs typeface="+mn-cs"/>
-              </a:rPr>
-              <a:t>BadGuy.com and, using the normal OAuth</a:t>
-            </a:r>
-            <a:r>
-              <a:rPr lang="en-US" sz="1200" kern="1200" baseline="0" dirty="0" smtClean="0">
+              <a:t>I go to BadGuy.com and, using the normal OAuth</a:t>
+            </a:r>
+            <a:r>
+              <a:rPr lang="en-US" sz="1200" kern="1200" baseline="0" dirty="0">
                 <a:solidFill>
                   <a:schemeClr val="tx1"/>
                 </a:solidFill>
@@ -16420,18 +15435,6 @@
               <a:t> flow, I </a:t>
             </a:r>
             <a:r>
-              <a:rPr lang="en-US" sz="1200" b="1" kern="1200" dirty="0" smtClean="0">
-                <a:solidFill>
-                  <a:schemeClr val="tx1"/>
-                </a:solidFill>
-                <a:effectLst/>
-                <a:latin typeface="+mn-lt"/>
-                <a:ea typeface="+mn-ea"/>
-                <a:cs typeface="+mn-cs"/>
-              </a:rPr>
-              <a:t>authenticate </a:t>
-            </a:r>
-            <a:r>
               <a:rPr lang="en-US" sz="1200" b="1" kern="1200" dirty="0">
                 <a:solidFill>
                   <a:schemeClr val="tx1"/>
@@ -16441,22 +15444,10 @@
                 <a:ea typeface="+mn-ea"/>
                 <a:cs typeface="+mn-cs"/>
               </a:rPr>
-              <a:t>against </a:t>
-            </a:r>
-            <a:r>
-              <a:rPr lang="en-US" sz="1200" b="1" kern="1200" dirty="0" smtClean="0">
-                <a:solidFill>
-                  <a:schemeClr val="tx1"/>
-                </a:solidFill>
-                <a:effectLst/>
-                <a:latin typeface="+mn-lt"/>
-                <a:ea typeface="+mn-ea"/>
-                <a:cs typeface="+mn-cs"/>
-              </a:rPr>
-              <a:t>Facebook</a:t>
-            </a:r>
-            <a:r>
-              <a:rPr lang="en-US" sz="1200" b="0" kern="1200" baseline="0" dirty="0" smtClean="0">
+              <a:t>authenticate against Facebook</a:t>
+            </a:r>
+            <a:r>
+              <a:rPr lang="en-US" sz="1200" b="0" kern="1200" baseline="0" dirty="0">
                 <a:solidFill>
                   <a:schemeClr val="tx1"/>
                 </a:solidFill>
@@ -16468,7 +15459,7 @@
               <a:t> and then </a:t>
             </a:r>
             <a:r>
-              <a:rPr lang="en-US" sz="1200" b="1" kern="1200" baseline="0" dirty="0" smtClean="0">
+              <a:rPr lang="en-US" sz="1200" b="1" kern="1200" baseline="0" dirty="0">
                 <a:solidFill>
                   <a:schemeClr val="tx1"/>
                 </a:solidFill>
@@ -16480,7 +15471,7 @@
               <a:t>authorize Facebook</a:t>
             </a:r>
             <a:r>
-              <a:rPr lang="en-US" sz="1200" b="0" kern="1200" baseline="0" dirty="0" smtClean="0">
+              <a:rPr lang="en-US" sz="1200" b="0" kern="1200" baseline="0" dirty="0">
                 <a:solidFill>
                   <a:schemeClr val="tx1"/>
                 </a:solidFill>
@@ -16507,7 +15498,7 @@
               <a:buChar char="•"/>
             </a:pPr>
             <a:r>
-              <a:rPr lang="en-US" sz="1200" kern="1200" dirty="0" smtClean="0">
+              <a:rPr lang="en-US" sz="1200" kern="1200" dirty="0">
                 <a:solidFill>
                   <a:schemeClr val="tx1"/>
                 </a:solidFill>
@@ -16519,7 +15510,7 @@
               <a:t>BadGuy.com</a:t>
             </a:r>
             <a:r>
-              <a:rPr lang="en-US" sz="1200" kern="1200" baseline="0" dirty="0" smtClean="0">
+              <a:rPr lang="en-US" sz="1200" kern="1200" baseline="0" dirty="0">
                 <a:solidFill>
                   <a:schemeClr val="tx1"/>
                 </a:solidFill>
@@ -16531,18 +15522,6 @@
               <a:t> </a:t>
             </a:r>
             <a:r>
-              <a:rPr lang="en-US" sz="1200" b="1" kern="1200" dirty="0" smtClean="0">
-                <a:solidFill>
-                  <a:schemeClr val="tx1"/>
-                </a:solidFill>
-                <a:effectLst/>
-                <a:latin typeface="+mn-lt"/>
-                <a:ea typeface="+mn-ea"/>
-                <a:cs typeface="+mn-cs"/>
-              </a:rPr>
-              <a:t>uses </a:t>
-            </a:r>
-            <a:r>
               <a:rPr lang="en-US" sz="1200" b="1" kern="1200" dirty="0">
                 <a:solidFill>
                   <a:schemeClr val="tx1"/>
@@ -16552,7 +15531,7 @@
                 <a:ea typeface="+mn-ea"/>
                 <a:cs typeface="+mn-cs"/>
               </a:rPr>
-              <a:t>token</a:t>
+              <a:t>uses token</a:t>
             </a:r>
             <a:r>
               <a:rPr lang="en-US" sz="1200" kern="1200" dirty="0">
@@ -16564,31 +15543,7 @@
                 <a:ea typeface="+mn-ea"/>
                 <a:cs typeface="+mn-cs"/>
               </a:rPr>
-              <a:t> to call Facebook’s API, gets my email address, and </a:t>
-            </a:r>
-            <a:r>
-              <a:rPr lang="en-US" sz="1200" kern="1200" dirty="0" smtClean="0">
-                <a:solidFill>
-                  <a:schemeClr val="tx1"/>
-                </a:solidFill>
-                <a:effectLst/>
-                <a:latin typeface="+mn-lt"/>
-                <a:ea typeface="+mn-ea"/>
-                <a:cs typeface="+mn-cs"/>
-              </a:rPr>
-              <a:t>now considers </a:t>
-            </a:r>
-            <a:r>
-              <a:rPr lang="en-US" sz="1200" kern="1200" dirty="0">
-                <a:solidFill>
-                  <a:schemeClr val="tx1"/>
-                </a:solidFill>
-                <a:effectLst/>
-                <a:latin typeface="+mn-lt"/>
-                <a:ea typeface="+mn-ea"/>
-                <a:cs typeface="+mn-cs"/>
-              </a:rPr>
-              <a:t>me </a:t>
+              <a:t> to call Facebook’s API, gets my email address, and now considers me </a:t>
             </a:r>
             <a:r>
               <a:rPr lang="en-US" sz="1200" b="1" kern="1200" dirty="0">
@@ -16600,56 +15555,40 @@
                 <a:ea typeface="+mn-ea"/>
                 <a:cs typeface="+mn-cs"/>
               </a:rPr>
-              <a:t>logged </a:t>
-            </a:r>
-            <a:r>
-              <a:rPr lang="en-US" sz="1200" b="1" kern="1200" dirty="0" smtClean="0">
-                <a:solidFill>
-                  <a:schemeClr val="tx1"/>
-                </a:solidFill>
-                <a:effectLst/>
-                <a:latin typeface="+mn-lt"/>
-                <a:ea typeface="+mn-ea"/>
-                <a:cs typeface="+mn-cs"/>
-              </a:rPr>
-              <a:t>in</a:t>
-            </a:r>
-          </a:p>
-          <a:p>
-            <a:endParaRPr lang="en-US" dirty="0" smtClean="0"/>
-          </a:p>
-          <a:p>
-            <a:r>
-              <a:rPr lang="en-US" dirty="0" smtClean="0"/>
-              <a:t>At </a:t>
-            </a:r>
+              <a:t>logged in</a:t>
+            </a:r>
+          </a:p>
+          <a:p>
+            <a:endParaRPr lang="en-US" dirty="0"/>
+          </a:p>
+          <a:p>
             <a:r>
               <a:rPr lang="en-US" dirty="0"/>
-              <a:t>this point, </a:t>
-            </a:r>
-            <a:r>
-              <a:rPr lang="en-US" baseline="0" dirty="0" err="1" smtClean="0"/>
+              <a:t>At this point, </a:t>
+            </a:r>
+            <a:r>
+              <a:rPr lang="en-US" baseline="0" dirty="0" err="1"/>
               <a:t>BadGuy</a:t>
             </a:r>
             <a:r>
-              <a:rPr lang="en-US" baseline="0" dirty="0" smtClean="0"/>
+              <a:rPr lang="en-US" baseline="0" dirty="0"/>
               <a:t> has access to the email address associated with my FB account, and I have full access to my account at </a:t>
             </a:r>
             <a:r>
-              <a:rPr lang="en-US" baseline="0" dirty="0" err="1" smtClean="0"/>
+              <a:rPr lang="en-US" baseline="0" dirty="0" err="1"/>
               <a:t>BadGuy</a:t>
             </a:r>
             <a:r>
-              <a:rPr lang="en-US" baseline="0" dirty="0" smtClean="0"/>
+              <a:rPr lang="en-US" baseline="0" dirty="0"/>
               <a:t>.</a:t>
             </a:r>
           </a:p>
           <a:p>
-            <a:endParaRPr lang="en-US" baseline="0" dirty="0" smtClean="0"/>
-          </a:p>
-          <a:p>
-            <a:r>
-              <a:rPr lang="en-US" baseline="0" dirty="0" smtClean="0"/>
+            <a:endParaRPr lang="en-US" baseline="0" dirty="0"/>
+          </a:p>
+          <a:p>
+            <a:r>
+              <a:rPr lang="en-US" baseline="0" dirty="0"/>
               <a:t>So far, so good.</a:t>
             </a:r>
             <a:endParaRPr lang="en-US" dirty="0"/>
@@ -16737,7 +15676,7 @@
           <a:lstStyle/>
           <a:p>
             <a:r>
-              <a:rPr lang="en-US" sz="1200" kern="1200" dirty="0" smtClean="0">
+              <a:rPr lang="en-US" sz="1200" kern="1200" dirty="0">
                 <a:solidFill>
                   <a:schemeClr val="tx1"/>
                 </a:solidFill>
@@ -16749,7 +15688,7 @@
               <a:t>Now, shocker, it</a:t>
             </a:r>
             <a:r>
-              <a:rPr lang="en-US" sz="1200" kern="1200" baseline="0" dirty="0" smtClean="0">
+              <a:rPr lang="en-US" sz="1200" kern="1200" baseline="0" dirty="0">
                 <a:solidFill>
                   <a:schemeClr val="tx1"/>
                 </a:solidFill>
@@ -16761,18 +15700,6 @@
               <a:t> turns out that BadGuy.com isn't trustworthy. </a:t>
             </a:r>
             <a:r>
-              <a:rPr lang="en-US" sz="1200" kern="1200" dirty="0" smtClean="0">
-                <a:solidFill>
-                  <a:schemeClr val="tx1"/>
-                </a:solidFill>
-                <a:effectLst/>
-                <a:latin typeface="+mn-lt"/>
-                <a:ea typeface="+mn-ea"/>
-                <a:cs typeface="+mn-cs"/>
-              </a:rPr>
-              <a:t>It </a:t>
-            </a:r>
-            <a:r>
               <a:rPr lang="en-US" sz="1200" kern="1200" dirty="0">
                 <a:solidFill>
                   <a:schemeClr val="tx1"/>
@@ -16782,22 +15709,10 @@
                 <a:ea typeface="+mn-ea"/>
                 <a:cs typeface="+mn-cs"/>
               </a:rPr>
-              <a:t>turns around and </a:t>
-            </a:r>
-            <a:r>
-              <a:rPr lang="en-US" sz="1200" kern="1200" dirty="0" smtClean="0">
-                <a:solidFill>
-                  <a:schemeClr val="tx1"/>
-                </a:solidFill>
-                <a:effectLst/>
-                <a:latin typeface="+mn-lt"/>
-                <a:ea typeface="+mn-ea"/>
-                <a:cs typeface="+mn-cs"/>
-              </a:rPr>
-              <a:t>tries to log in </a:t>
-            </a:r>
-            <a:r>
-              <a:rPr lang="en-US" sz="1200" u="sng" kern="1200" dirty="0" smtClean="0">
+              <a:t>It turns around and tries to log in </a:t>
+            </a:r>
+            <a:r>
+              <a:rPr lang="en-US" sz="1200" u="sng" kern="1200" dirty="0">
                 <a:solidFill>
                   <a:schemeClr val="tx1"/>
                 </a:solidFill>
@@ -16809,18 +15724,6 @@
               <a:t>as me</a:t>
             </a:r>
             <a:r>
-              <a:rPr lang="en-US" sz="1200" kern="1200" dirty="0" smtClean="0">
-                <a:solidFill>
-                  <a:schemeClr val="tx1"/>
-                </a:solidFill>
-                <a:effectLst/>
-                <a:latin typeface="+mn-lt"/>
-                <a:ea typeface="+mn-ea"/>
-                <a:cs typeface="+mn-cs"/>
-              </a:rPr>
-              <a:t> to Victim.com, </a:t>
-            </a:r>
-            <a:r>
               <a:rPr lang="en-US" sz="1200" kern="1200" dirty="0">
                 <a:solidFill>
                   <a:schemeClr val="tx1"/>
@@ -16830,11 +15733,11 @@
                 <a:ea typeface="+mn-ea"/>
                 <a:cs typeface="+mn-cs"/>
               </a:rPr>
-              <a:t>which also allows Facebook logins. </a:t>
-            </a:r>
-          </a:p>
-          <a:p>
-            <a:endParaRPr lang="en-US" sz="1200" kern="1200" dirty="0" smtClean="0">
+              <a:t> to Victim.com, which also allows Facebook logins. </a:t>
+            </a:r>
+          </a:p>
+          <a:p>
+            <a:endParaRPr lang="en-US" sz="1200" kern="1200" dirty="0">
               <a:solidFill>
                 <a:schemeClr val="tx1"/>
               </a:solidFill>
@@ -16846,7 +15749,7 @@
           </a:p>
           <a:p>
             <a:r>
-              <a:rPr lang="en-US" sz="1200" kern="1200" dirty="0" smtClean="0">
+              <a:rPr lang="en-US" sz="1200" kern="1200" dirty="0">
                 <a:solidFill>
                   <a:schemeClr val="tx1"/>
                 </a:solidFill>
@@ -16858,7 +15761,7 @@
               <a:t>But instead of going through the </a:t>
             </a:r>
             <a:r>
-              <a:rPr lang="en-US" sz="1200" kern="1200" dirty="0" err="1" smtClean="0">
+              <a:rPr lang="en-US" sz="1200" kern="1200" dirty="0" err="1">
                 <a:solidFill>
                   <a:schemeClr val="tx1"/>
                 </a:solidFill>
@@ -16870,7 +15773,7 @@
               <a:t>auth</a:t>
             </a:r>
             <a:r>
-              <a:rPr lang="en-US" sz="1200" kern="1200" baseline="0" dirty="0" smtClean="0">
+              <a:rPr lang="en-US" sz="1200" kern="1200" baseline="0" dirty="0">
                 <a:solidFill>
                   <a:schemeClr val="tx1"/>
                 </a:solidFill>
@@ -16882,18 +15785,6 @@
               <a:t> process, BadGuy.com </a:t>
             </a:r>
             <a:r>
-              <a:rPr lang="en-US" sz="1200" b="1" kern="1200" baseline="0" dirty="0" smtClean="0">
-                <a:solidFill>
-                  <a:schemeClr val="tx1"/>
-                </a:solidFill>
-                <a:effectLst/>
-                <a:latin typeface="+mn-lt"/>
-                <a:ea typeface="+mn-ea"/>
-                <a:cs typeface="+mn-cs"/>
-              </a:rPr>
-              <a:t>reuses the </a:t>
-            </a:r>
-            <a:r>
               <a:rPr lang="en-US" sz="1200" b="1" kern="1200" baseline="0" dirty="0">
                 <a:solidFill>
                   <a:schemeClr val="tx1"/>
@@ -16903,7 +15794,7 @@
                 <a:ea typeface="+mn-ea"/>
                 <a:cs typeface="+mn-cs"/>
               </a:rPr>
-              <a:t>access token </a:t>
+              <a:t>reuses the access token </a:t>
             </a:r>
             <a:r>
               <a:rPr lang="en-US" sz="1200" b="0" kern="1200" baseline="0" dirty="0">
@@ -16915,23 +15806,11 @@
                 <a:ea typeface="+mn-ea"/>
                 <a:cs typeface="+mn-cs"/>
               </a:rPr>
-              <a:t>they obtained </a:t>
-            </a:r>
-            <a:r>
-              <a:rPr lang="en-US" sz="1200" b="0" kern="1200" baseline="0" dirty="0" smtClean="0">
-                <a:solidFill>
-                  <a:schemeClr val="tx1"/>
-                </a:solidFill>
-                <a:effectLst/>
-                <a:latin typeface="+mn-lt"/>
-                <a:ea typeface="+mn-ea"/>
-                <a:cs typeface="+mn-cs"/>
-              </a:rPr>
-              <a:t>earlier, when I logged in.</a:t>
-            </a:r>
-          </a:p>
-          <a:p>
-            <a:endParaRPr lang="en-US" sz="1200" b="0" kern="1200" baseline="0" dirty="0" smtClean="0">
+              <a:t>they obtained earlier, when I logged in.</a:t>
+            </a:r>
+          </a:p>
+          <a:p>
+            <a:endParaRPr lang="en-US" sz="1200" b="0" kern="1200" baseline="0" dirty="0">
               <a:solidFill>
                 <a:schemeClr val="tx1"/>
               </a:solidFill>
@@ -16943,7 +15822,7 @@
           </a:p>
           <a:p>
             <a:r>
-              <a:rPr lang="en-US" sz="1200" b="0" kern="1200" baseline="0" dirty="0" smtClean="0">
+              <a:rPr lang="en-US" sz="1200" b="0" kern="1200" baseline="0" dirty="0">
                 <a:solidFill>
                   <a:schemeClr val="tx1"/>
                 </a:solidFill>
@@ -16955,7 +15834,7 @@
               <a:t>So now, when Victim.com calls the API to get the related user data, they </a:t>
             </a:r>
             <a:r>
-              <a:rPr lang="en-US" sz="1200" b="0" i="1" kern="1200" baseline="0" dirty="0" smtClean="0">
+              <a:rPr lang="en-US" sz="1200" b="0" i="1" kern="1200" baseline="0" dirty="0">
                 <a:solidFill>
                   <a:schemeClr val="tx1"/>
                 </a:solidFill>
@@ -16967,7 +15846,7 @@
               <a:t>also </a:t>
             </a:r>
             <a:r>
-              <a:rPr lang="en-US" sz="1200" b="0" i="0" kern="1200" baseline="0" dirty="0" smtClean="0">
+              <a:rPr lang="en-US" sz="1200" b="0" i="0" kern="1200" baseline="0" dirty="0">
                 <a:solidFill>
                   <a:schemeClr val="tx1"/>
                 </a:solidFill>
@@ -16980,7 +15859,7 @@
             </a:r>
           </a:p>
           <a:p>
-            <a:endParaRPr lang="en-US" sz="1200" b="0" i="0" kern="1200" baseline="0" dirty="0" smtClean="0">
+            <a:endParaRPr lang="en-US" sz="1200" b="0" i="0" kern="1200" baseline="0" dirty="0">
               <a:solidFill>
                 <a:schemeClr val="tx1"/>
               </a:solidFill>
@@ -16992,7 +15871,7 @@
           </a:p>
           <a:p>
             <a:r>
-              <a:rPr lang="en-US" sz="1200" b="0" i="0" kern="1200" baseline="0" dirty="0" smtClean="0">
+              <a:rPr lang="en-US" sz="1200" b="0" i="0" kern="1200" baseline="0" dirty="0">
                 <a:solidFill>
                   <a:schemeClr val="tx1"/>
                 </a:solidFill>
@@ -17004,7 +15883,7 @@
               <a:t>If Victim uses that as proof of authentication, then it will now have allowed </a:t>
             </a:r>
             <a:r>
-              <a:rPr lang="en-US" sz="1200" b="0" i="0" kern="1200" baseline="0" dirty="0" err="1" smtClean="0">
+              <a:rPr lang="en-US" sz="1200" b="0" i="0" kern="1200" baseline="0" dirty="0" err="1">
                 <a:solidFill>
                   <a:schemeClr val="tx1"/>
                 </a:solidFill>
@@ -17016,7 +15895,7 @@
               <a:t>BadGuy</a:t>
             </a:r>
             <a:r>
-              <a:rPr lang="en-US" sz="1200" b="0" i="0" kern="1200" baseline="0" dirty="0" smtClean="0">
+              <a:rPr lang="en-US" sz="1200" b="0" i="0" kern="1200" baseline="0" dirty="0">
                 <a:solidFill>
                   <a:schemeClr val="tx1"/>
                 </a:solidFill>
@@ -17029,7 +15908,7 @@
             </a:r>
           </a:p>
           <a:p>
-            <a:endParaRPr lang="en-US" sz="1200" b="0" kern="1200" baseline="0" dirty="0" smtClean="0">
+            <a:endParaRPr lang="en-US" sz="1200" b="0" kern="1200" baseline="0" dirty="0">
               <a:solidFill>
                 <a:schemeClr val="tx1"/>
               </a:solidFill>
@@ -17058,7 +15937,7 @@
               <a:defRPr/>
             </a:pPr>
             <a:r>
-              <a:rPr lang="en-US" sz="1200" kern="1200" dirty="0" smtClean="0">
+              <a:rPr lang="en-US" sz="1200" kern="1200" dirty="0">
                 <a:solidFill>
                   <a:schemeClr val="tx1"/>
                 </a:solidFill>
@@ -17070,7 +15949,7 @@
               <a:t>Neither</a:t>
             </a:r>
             <a:r>
-              <a:rPr lang="en-US" sz="1200" kern="1200" baseline="0" dirty="0" smtClean="0">
+              <a:rPr lang="en-US" sz="1200" kern="1200" baseline="0" dirty="0">
                 <a:solidFill>
                   <a:schemeClr val="tx1"/>
                 </a:solidFill>
@@ -17082,7 +15961,7 @@
               <a:t> </a:t>
             </a:r>
             <a:r>
-              <a:rPr lang="en-US" sz="1200" kern="1200" baseline="0" dirty="0" err="1" smtClean="0">
+              <a:rPr lang="en-US" sz="1200" kern="1200" baseline="0" dirty="0" err="1">
                 <a:solidFill>
                   <a:schemeClr val="tx1"/>
                 </a:solidFill>
@@ -17094,18 +15973,6 @@
               <a:t>BadGuy</a:t>
             </a:r>
             <a:r>
-              <a:rPr lang="en-US" sz="1200" kern="1200" baseline="0" dirty="0" smtClean="0">
-                <a:solidFill>
-                  <a:schemeClr val="tx1"/>
-                </a:solidFill>
-                <a:effectLst/>
-                <a:latin typeface="+mn-lt"/>
-                <a:ea typeface="+mn-ea"/>
-                <a:cs typeface="+mn-cs"/>
-              </a:rPr>
-              <a:t> nor Victim have </a:t>
-            </a:r>
-            <a:r>
               <a:rPr lang="en-US" sz="1200" kern="1200" baseline="0" dirty="0">
                 <a:solidFill>
                   <a:schemeClr val="tx1"/>
@@ -17115,7 +15982,7 @@
                 <a:ea typeface="+mn-ea"/>
                 <a:cs typeface="+mn-cs"/>
               </a:rPr>
-              <a:t>more access to </a:t>
+              <a:t> nor Victim have more access to </a:t>
             </a:r>
             <a:r>
               <a:rPr lang="en-US" sz="1200" b="1" kern="1200" baseline="0" dirty="0">
@@ -17139,22 +16006,10 @@
                 <a:ea typeface="+mn-ea"/>
                 <a:cs typeface="+mn-cs"/>
               </a:rPr>
-              <a:t>than was </a:t>
-            </a:r>
-            <a:r>
-              <a:rPr lang="en-US" sz="1200" b="0" kern="1200" baseline="0" dirty="0" smtClean="0">
-                <a:solidFill>
-                  <a:schemeClr val="tx1"/>
-                </a:solidFill>
-                <a:effectLst/>
-                <a:latin typeface="+mn-lt"/>
-                <a:ea typeface="+mn-ea"/>
-                <a:cs typeface="+mn-cs"/>
-              </a:rPr>
-              <a:t>authorized, but </a:t>
-            </a:r>
-            <a:r>
-              <a:rPr lang="en-US" sz="1200" b="0" kern="1200" baseline="0" dirty="0" err="1" smtClean="0">
+              <a:t>than was authorized, but </a:t>
+            </a:r>
+            <a:r>
+              <a:rPr lang="en-US" sz="1200" b="0" kern="1200" baseline="0" dirty="0" err="1">
                 <a:solidFill>
                   <a:schemeClr val="tx1"/>
                 </a:solidFill>
@@ -17166,7 +16021,7 @@
               <a:t>BadGuy</a:t>
             </a:r>
             <a:r>
-              <a:rPr lang="en-US" sz="1200" b="0" kern="1200" baseline="0" dirty="0" smtClean="0">
+              <a:rPr lang="en-US" sz="1200" b="0" kern="1200" baseline="0" dirty="0">
                 <a:solidFill>
                   <a:schemeClr val="tx1"/>
                 </a:solidFill>
@@ -17178,7 +16033,7 @@
               <a:t> now </a:t>
             </a:r>
             <a:r>
-              <a:rPr lang="en-US" sz="1200" b="0" i="1" kern="1200" baseline="0" dirty="0" smtClean="0">
+              <a:rPr lang="en-US" sz="1200" b="0" i="1" kern="1200" baseline="0" dirty="0">
                 <a:solidFill>
                   <a:schemeClr val="tx1"/>
                 </a:solidFill>
@@ -17190,7 +16045,7 @@
               <a:t>also </a:t>
             </a:r>
             <a:r>
-              <a:rPr lang="en-US" sz="1200" b="0" i="0" kern="1200" baseline="0" dirty="0" smtClean="0">
+              <a:rPr lang="en-US" sz="1200" b="0" i="0" kern="1200" baseline="0" dirty="0">
                 <a:solidFill>
                   <a:schemeClr val="tx1"/>
                 </a:solidFill>
@@ -17269,29 +16124,8 @@
                 <a:ea typeface="+mn-ea"/>
                 <a:cs typeface="+mn-cs"/>
               </a:rPr>
-              <a:t>. This is a problem with bearer </a:t>
-            </a:r>
-            <a:r>
-              <a:rPr lang="en-US" sz="1200" kern="1200" baseline="0" dirty="0" smtClean="0">
-                <a:solidFill>
-                  <a:schemeClr val="tx1"/>
-                </a:solidFill>
-                <a:effectLst/>
-                <a:latin typeface="+mn-lt"/>
-                <a:ea typeface="+mn-ea"/>
-                <a:cs typeface="+mn-cs"/>
-              </a:rPr>
-              <a:t>tokens in general; Victim has no way to know that it's being compromised.</a:t>
-            </a:r>
-            <a:endParaRPr lang="en-US" sz="1200" kern="1200" baseline="0" dirty="0">
-              <a:solidFill>
-                <a:schemeClr val="tx1"/>
-              </a:solidFill>
-              <a:effectLst/>
-              <a:latin typeface="+mn-lt"/>
-              <a:ea typeface="+mn-ea"/>
-              <a:cs typeface="+mn-cs"/>
-            </a:endParaRPr>
+              <a:t>. This is a problem with bearer tokens in general; Victim has no way to know that it's being compromised.</a:t>
+            </a:r>
           </a:p>
           <a:p>
             <a:endParaRPr lang="en-US" sz="1200" kern="1200" dirty="0">
@@ -17473,29 +16307,8 @@
                 <a:ea typeface="+mn-ea"/>
                 <a:cs typeface="+mn-cs"/>
               </a:rPr>
-              <a:t> need to </a:t>
-            </a:r>
-            <a:r>
-              <a:rPr lang="en-US" sz="1200" kern="1200" baseline="0" dirty="0" smtClean="0">
-                <a:solidFill>
-                  <a:schemeClr val="tx1"/>
-                </a:solidFill>
-                <a:effectLst/>
-                <a:latin typeface="+mn-lt"/>
-                <a:ea typeface="+mn-ea"/>
-                <a:cs typeface="+mn-cs"/>
-              </a:rPr>
-              <a:t>include some additional stuff:</a:t>
-            </a:r>
-            <a:endParaRPr lang="en-US" sz="1200" kern="1200" baseline="0" dirty="0">
-              <a:solidFill>
-                <a:schemeClr val="tx1"/>
-              </a:solidFill>
-              <a:effectLst/>
-              <a:latin typeface="+mn-lt"/>
-              <a:ea typeface="+mn-ea"/>
-              <a:cs typeface="+mn-cs"/>
-            </a:endParaRPr>
+              <a:t> need to include some additional stuff:</a:t>
+            </a:r>
           </a:p>
           <a:p>
             <a:pPr marL="171450" indent="-171450">
@@ -17623,22 +16436,10 @@
                 <a:ea typeface="+mn-ea"/>
                 <a:cs typeface="+mn-cs"/>
               </a:rPr>
-              <a:t>That way, </a:t>
-            </a:r>
-            <a:r>
-              <a:rPr lang="en-US" sz="1200" kern="1200" dirty="0" smtClean="0">
-                <a:solidFill>
-                  <a:schemeClr val="tx1"/>
-                </a:solidFill>
-                <a:effectLst/>
-                <a:latin typeface="+mn-lt"/>
-                <a:ea typeface="+mn-ea"/>
-                <a:cs typeface="+mn-cs"/>
-              </a:rPr>
-              <a:t>only </a:t>
-            </a:r>
-            <a:r>
-              <a:rPr lang="en-US" sz="1200" kern="1200" dirty="0" err="1" smtClean="0">
+              <a:t>That way, only </a:t>
+            </a:r>
+            <a:r>
+              <a:rPr lang="en-US" sz="1200" kern="1200" dirty="0" err="1">
                 <a:solidFill>
                   <a:schemeClr val="tx1"/>
                 </a:solidFill>
@@ -17650,7 +16451,7 @@
               <a:t>BadGuy</a:t>
             </a:r>
             <a:r>
-              <a:rPr lang="en-US" sz="1200" kern="1200" dirty="0" smtClean="0">
+              <a:rPr lang="en-US" sz="1200" kern="1200" dirty="0">
                 <a:solidFill>
                   <a:schemeClr val="tx1"/>
                 </a:solidFill>
@@ -17662,7 +16463,7 @@
               <a:t> would be able to use the token that I authorized, and the</a:t>
             </a:r>
             <a:r>
-              <a:rPr lang="en-US" sz="1200" kern="1200" baseline="0" dirty="0" smtClean="0">
+              <a:rPr lang="en-US" sz="1200" kern="1200" baseline="0" dirty="0">
                 <a:solidFill>
                   <a:schemeClr val="tx1"/>
                 </a:solidFill>
@@ -18509,103 +17310,7 @@
                 <a:ea typeface="+mn-ea"/>
                 <a:cs typeface="+mn-cs"/>
               </a:rPr>
-              <a:t>The first is SAML, which stands for “Security Assertion Markup Language”. </a:t>
-            </a:r>
-            <a:r>
-              <a:rPr lang="en-US" sz="1200" kern="1200" dirty="0" smtClean="0">
-                <a:solidFill>
-                  <a:schemeClr val="tx1"/>
-                </a:solidFill>
-                <a:effectLst/>
-                <a:latin typeface="+mn-lt"/>
-                <a:ea typeface="+mn-ea"/>
-                <a:cs typeface="+mn-cs"/>
-              </a:rPr>
-              <a:t>It basically does the same thing as JSON </a:t>
-            </a:r>
-            <a:r>
-              <a:rPr lang="en-US" sz="1200" kern="1200" dirty="0">
-                <a:solidFill>
-                  <a:schemeClr val="tx1"/>
-                </a:solidFill>
-                <a:effectLst/>
-                <a:latin typeface="+mn-lt"/>
-                <a:ea typeface="+mn-ea"/>
-                <a:cs typeface="+mn-cs"/>
-              </a:rPr>
-              <a:t>Web </a:t>
-            </a:r>
-            <a:r>
-              <a:rPr lang="en-US" sz="1200" kern="1200" dirty="0" smtClean="0">
-                <a:solidFill>
-                  <a:schemeClr val="tx1"/>
-                </a:solidFill>
-                <a:effectLst/>
-                <a:latin typeface="+mn-lt"/>
-                <a:ea typeface="+mn-ea"/>
-                <a:cs typeface="+mn-cs"/>
-              </a:rPr>
-              <a:t>Tokens, but uses SOAP </a:t>
-            </a:r>
-            <a:r>
-              <a:rPr lang="en-US" sz="1200" kern="1200" dirty="0">
-                <a:solidFill>
-                  <a:schemeClr val="tx1"/>
-                </a:solidFill>
-                <a:effectLst/>
-                <a:latin typeface="+mn-lt"/>
-                <a:ea typeface="+mn-ea"/>
-                <a:cs typeface="+mn-cs"/>
-              </a:rPr>
-              <a:t>and XML rather than JSON over HTTP. SAML is </a:t>
-            </a:r>
-            <a:r>
-              <a:rPr lang="en-US" sz="1200" kern="1200" dirty="0" smtClean="0">
-                <a:solidFill>
-                  <a:schemeClr val="tx1"/>
-                </a:solidFill>
-                <a:effectLst/>
-                <a:latin typeface="+mn-lt"/>
-                <a:ea typeface="+mn-ea"/>
-                <a:cs typeface="+mn-cs"/>
-              </a:rPr>
-              <a:t>older </a:t>
-            </a:r>
-            <a:r>
-              <a:rPr lang="en-US" sz="1200" kern="1200" dirty="0">
-                <a:solidFill>
-                  <a:schemeClr val="tx1"/>
-                </a:solidFill>
-                <a:effectLst/>
-                <a:latin typeface="+mn-lt"/>
-                <a:ea typeface="+mn-ea"/>
-                <a:cs typeface="+mn-cs"/>
-              </a:rPr>
-              <a:t>and more complex than JWT, but it does offer some additional </a:t>
-            </a:r>
-            <a:r>
-              <a:rPr lang="en-US" sz="1200" kern="1200" dirty="0" smtClean="0">
-                <a:solidFill>
-                  <a:schemeClr val="tx1"/>
-                </a:solidFill>
-                <a:effectLst/>
-                <a:latin typeface="+mn-lt"/>
-                <a:ea typeface="+mn-ea"/>
-                <a:cs typeface="+mn-cs"/>
-              </a:rPr>
-              <a:t>functionality. </a:t>
-            </a:r>
-            <a:r>
-              <a:rPr lang="en-US" sz="1200" kern="1200" dirty="0">
-                <a:solidFill>
-                  <a:schemeClr val="tx1"/>
-                </a:solidFill>
-                <a:effectLst/>
-                <a:latin typeface="+mn-lt"/>
-                <a:ea typeface="+mn-ea"/>
-                <a:cs typeface="+mn-cs"/>
-              </a:rPr>
-              <a:t>SAML is very commonly used for enterprise single-sign-on scenarios, although JWT is starting to see some adoption in this area.</a:t>
+              <a:t>The first is SAML, which stands for “Security Assertion Markup Language”. It basically does the same thing as JSON Web Tokens, but uses SOAP and XML rather than JSON over HTTP. SAML is older and more complex than JWT, but it does offer some additional functionality. SAML is very commonly used for enterprise single-sign-on scenarios, although JWT is starting to see some adoption in this area.</a:t>
             </a:r>
           </a:p>
           <a:p>
@@ -18725,20 +17430,21 @@
                 <a:ea typeface="+mn-ea"/>
                 <a:cs typeface="+mn-cs"/>
               </a:rPr>
-              <a:t>OK, so I just threw a metric </a:t>
-            </a:r>
-            <a:r>
-              <a:rPr lang="en-US" sz="1200" kern="1200" dirty="0" err="1">
-                <a:solidFill>
-                  <a:schemeClr val="tx1"/>
-                </a:solidFill>
-                <a:effectLst/>
-                <a:latin typeface="+mn-lt"/>
-                <a:ea typeface="+mn-ea"/>
-                <a:cs typeface="+mn-cs"/>
-              </a:rPr>
-              <a:t>crapton</a:t>
-            </a:r>
+              <a:t>So, which of those options should YOU use for your own APIs? </a:t>
+            </a:r>
+          </a:p>
+          <a:p>
+            <a:endParaRPr lang="en-US" sz="1200" kern="1200" dirty="0">
+              <a:solidFill>
+                <a:schemeClr val="tx1"/>
+              </a:solidFill>
+              <a:effectLst/>
+              <a:latin typeface="+mn-lt"/>
+              <a:ea typeface="+mn-ea"/>
+              <a:cs typeface="+mn-cs"/>
+            </a:endParaRPr>
+          </a:p>
+          <a:p>
             <a:r>
               <a:rPr lang="en-US" sz="1200" kern="1200" dirty="0">
                 <a:solidFill>
@@ -18749,7 +17455,7 @@
                 <a:ea typeface="+mn-ea"/>
                 <a:cs typeface="+mn-cs"/>
               </a:rPr>
-              <a:t> of information at you. We talked about a lot of different authentication choices with a lot of different trade-offs. Like most things in this industry, the correct answer to this question is “it depends”.</a:t>
+              <a:t>Like most things in this industry, the correct answer to this question is “it depends”.</a:t>
             </a:r>
           </a:p>
         </p:txBody>
@@ -18868,23 +17574,11 @@
                 <a:ea typeface="+mn-ea"/>
                 <a:cs typeface="+mn-cs"/>
               </a:rPr>
-              <a:t>. </a:t>
-            </a:r>
-            <a:r>
-              <a:rPr lang="en-US" sz="1200" kern="1200" dirty="0" smtClean="0">
-                <a:solidFill>
-                  <a:schemeClr val="tx1"/>
-                </a:solidFill>
-                <a:effectLst/>
-                <a:latin typeface="+mn-lt"/>
-                <a:ea typeface="+mn-ea"/>
-                <a:cs typeface="+mn-cs"/>
-              </a:rPr>
-              <a:t>They aren't a good fit for the public internet.</a:t>
-            </a:r>
-          </a:p>
-          <a:p>
-            <a:endParaRPr lang="en-US" sz="1200" kern="1200" dirty="0" smtClean="0">
+              <a:t>. They aren't a good fit for the public internet.</a:t>
+            </a:r>
+          </a:p>
+          <a:p>
+            <a:endParaRPr lang="en-US" sz="1200" kern="1200" dirty="0">
               <a:solidFill>
                 <a:schemeClr val="tx1"/>
               </a:solidFill>
@@ -18896,7 +17590,7 @@
           </a:p>
           <a:p>
             <a:r>
-              <a:rPr lang="en-US" sz="1200" kern="1200" dirty="0" smtClean="0">
+              <a:rPr lang="en-US" sz="1200" kern="1200" dirty="0">
                 <a:solidFill>
                   <a:schemeClr val="tx1"/>
                 </a:solidFill>
@@ -18908,7 +17602,7 @@
               <a:t>This is worth considering</a:t>
             </a:r>
             <a:r>
-              <a:rPr lang="en-US" sz="1200" kern="1200" baseline="0" dirty="0" smtClean="0">
+              <a:rPr lang="en-US" sz="1200" kern="1200" baseline="0" dirty="0">
                 <a:solidFill>
                   <a:schemeClr val="tx1"/>
                 </a:solidFill>
@@ -19012,7 +17706,7 @@
           <a:lstStyle/>
           <a:p>
             <a:r>
-              <a:rPr lang="en-US" sz="1200" kern="1200" dirty="0" smtClean="0">
+              <a:rPr lang="en-US" sz="1200" kern="1200" dirty="0">
                 <a:solidFill>
                   <a:schemeClr val="tx1"/>
                 </a:solidFill>
@@ -19024,7 +17718,7 @@
               <a:t>Basic </a:t>
             </a:r>
             <a:r>
-              <a:rPr lang="en-US" sz="1200" kern="1200" dirty="0" err="1" smtClean="0">
+              <a:rPr lang="en-US" sz="1200" kern="1200" dirty="0" err="1">
                 <a:solidFill>
                   <a:schemeClr val="tx1"/>
                 </a:solidFill>
@@ -19036,7 +17730,7 @@
               <a:t>Auth</a:t>
             </a:r>
             <a:r>
-              <a:rPr lang="en-US" sz="1200" kern="1200" dirty="0" smtClean="0">
+              <a:rPr lang="en-US" sz="1200" kern="1200" dirty="0">
                 <a:solidFill>
                   <a:schemeClr val="tx1"/>
                 </a:solidFill>
@@ -19048,7 +17742,7 @@
               <a:t> might</a:t>
             </a:r>
             <a:r>
-              <a:rPr lang="en-US" sz="1200" kern="1200" baseline="0" dirty="0" smtClean="0">
+              <a:rPr lang="en-US" sz="1200" kern="1200" baseline="0" dirty="0">
                 <a:solidFill>
                   <a:schemeClr val="tx1"/>
                 </a:solidFill>
@@ -19060,7 +17754,7 @@
               <a:t> be a good fit for </a:t>
             </a:r>
             <a:r>
-              <a:rPr lang="en-US" sz="1200" kern="1200" dirty="0" smtClean="0">
+              <a:rPr lang="en-US" sz="1200" kern="1200" dirty="0">
                 <a:solidFill>
                   <a:schemeClr val="tx1"/>
                 </a:solidFill>
@@ -19072,18 +17766,6 @@
               <a:t>server-to-server</a:t>
             </a:r>
             <a:r>
-              <a:rPr lang="en-US" sz="1200" kern="1200" baseline="0" dirty="0" smtClean="0">
-                <a:solidFill>
-                  <a:schemeClr val="tx1"/>
-                </a:solidFill>
-                <a:effectLst/>
-                <a:latin typeface="+mn-lt"/>
-                <a:ea typeface="+mn-ea"/>
-                <a:cs typeface="+mn-cs"/>
-              </a:rPr>
-              <a:t> </a:t>
-            </a:r>
-            <a:r>
               <a:rPr lang="en-US" sz="1200" kern="1200" baseline="0" dirty="0">
                 <a:solidFill>
                   <a:schemeClr val="tx1"/>
@@ -19093,10 +17775,10 @@
                 <a:ea typeface="+mn-ea"/>
                 <a:cs typeface="+mn-cs"/>
               </a:rPr>
-              <a:t>API calls against a standard user database such as </a:t>
-            </a:r>
-            <a:r>
-              <a:rPr lang="en-US" sz="1200" kern="1200" dirty="0" err="1" smtClean="0">
+              <a:t> API calls against a standard user database such as </a:t>
+            </a:r>
+            <a:r>
+              <a:rPr lang="en-US" sz="1200" kern="1200" dirty="0" err="1">
                 <a:solidFill>
                   <a:schemeClr val="tx1"/>
                 </a:solidFill>
@@ -19108,7 +17790,7 @@
               <a:t>ActiveDirectory</a:t>
             </a:r>
             <a:r>
-              <a:rPr lang="en-US" sz="1200" kern="1200" dirty="0" smtClean="0">
+              <a:rPr lang="en-US" sz="1200" kern="1200" dirty="0">
                 <a:solidFill>
                   <a:schemeClr val="tx1"/>
                 </a:solidFill>
@@ -19120,7 +17802,7 @@
               <a:t>. Just remember that you're passing the primary</a:t>
             </a:r>
             <a:r>
-              <a:rPr lang="en-US" sz="1200" kern="1200" baseline="0" dirty="0" smtClean="0">
+              <a:rPr lang="en-US" sz="1200" kern="1200" baseline="0" dirty="0">
                 <a:solidFill>
                   <a:schemeClr val="tx1"/>
                 </a:solidFill>
@@ -19339,45 +18021,10 @@
                 <a:ea typeface="+mn-ea"/>
                 <a:cs typeface="+mn-cs"/>
               </a:rPr>
-              <a:t>Using API Keys as “bearer tokens”, where you pass the key itself with each request, is really easy to implement so it’s great for rapidly standing up a new API when you don’t need top-notch security</a:t>
-            </a:r>
-            <a:r>
-              <a:rPr lang="en-US" sz="1200" kern="1200" dirty="0" smtClean="0">
-                <a:solidFill>
-                  <a:schemeClr val="tx1"/>
-                </a:solidFill>
-                <a:effectLst/>
-                <a:latin typeface="+mn-lt"/>
-                <a:ea typeface="+mn-ea"/>
-                <a:cs typeface="+mn-cs"/>
-              </a:rPr>
-              <a:t>.</a:t>
-            </a:r>
-          </a:p>
-          <a:p>
-            <a:endParaRPr lang="en-US" sz="1200" kern="1200" dirty="0" smtClean="0">
-              <a:solidFill>
-                <a:schemeClr val="tx1"/>
-              </a:solidFill>
-              <a:effectLst/>
-              <a:latin typeface="+mn-lt"/>
-              <a:ea typeface="+mn-ea"/>
-              <a:cs typeface="+mn-cs"/>
-            </a:endParaRPr>
-          </a:p>
-          <a:p>
-            <a:r>
-              <a:rPr lang="en-US" sz="1200" kern="1200" dirty="0" smtClean="0">
-                <a:solidFill>
-                  <a:schemeClr val="tx1"/>
-                </a:solidFill>
-                <a:effectLst/>
-                <a:latin typeface="+mn-lt"/>
-                <a:ea typeface="+mn-ea"/>
-                <a:cs typeface="+mn-cs"/>
-              </a:rPr>
-              <a:t>Just remember to use TLS for all requests.</a:t>
-            </a:r>
+              <a:t>Using API Keys as “bearer tokens”, where you pass the key itself with each request, is really easy to implement so it’s great for rapidly standing up a new API when you don’t need top-notch security.</a:t>
+            </a:r>
+          </a:p>
+          <a:p>
             <a:endParaRPr lang="en-US" sz="1200" kern="1200" dirty="0">
               <a:solidFill>
                 <a:schemeClr val="tx1"/>
@@ -19387,6 +18034,20 @@
               <a:ea typeface="+mn-ea"/>
               <a:cs typeface="+mn-cs"/>
             </a:endParaRPr>
+          </a:p>
+          <a:p>
+            <a:r>
+              <a:rPr lang="en-US" sz="1200" kern="1200" dirty="0">
+                <a:solidFill>
+                  <a:schemeClr val="tx1"/>
+                </a:solidFill>
+                <a:effectLst/>
+                <a:latin typeface="+mn-lt"/>
+                <a:ea typeface="+mn-ea"/>
+                <a:cs typeface="+mn-cs"/>
+              </a:rPr>
+              <a:t>Just remember to use TLS for all requests.</a:t>
+            </a:r>
           </a:p>
         </p:txBody>
       </p:sp>
@@ -19505,19 +18166,43 @@
                 <a:ea typeface="+mn-ea"/>
                 <a:cs typeface="+mn-cs"/>
               </a:rPr>
-              <a:t>Remember that creating the signature can be complex and requires that the client and server create the hash in exactly the same way. </a:t>
-            </a:r>
-            <a:r>
-              <a:rPr lang="en-US" sz="1200" kern="1200" dirty="0" smtClean="0">
-                <a:solidFill>
-                  <a:schemeClr val="tx1"/>
-                </a:solidFill>
-                <a:effectLst/>
-                <a:latin typeface="+mn-lt"/>
-                <a:ea typeface="+mn-ea"/>
-                <a:cs typeface="+mn-cs"/>
-              </a:rPr>
-              <a:t>The need to document and support the </a:t>
+              <a:t>Remember that creating the signature can be complex and requires that the client and server create the hash in exactly the same way. The need to document and support the canonicalization process may make</a:t>
+            </a:r>
+            <a:r>
+              <a:rPr lang="en-US" sz="1200" kern="1200" baseline="0" dirty="0">
+                <a:solidFill>
+                  <a:schemeClr val="tx1"/>
+                </a:solidFill>
+                <a:effectLst/>
+                <a:latin typeface="+mn-lt"/>
+                <a:ea typeface="+mn-ea"/>
+                <a:cs typeface="+mn-cs"/>
+              </a:rPr>
+              <a:t> supporting 3</a:t>
+            </a:r>
+            <a:r>
+              <a:rPr lang="en-US" sz="1200" kern="1200" baseline="30000" dirty="0">
+                <a:solidFill>
+                  <a:schemeClr val="tx1"/>
+                </a:solidFill>
+                <a:effectLst/>
+                <a:latin typeface="+mn-lt"/>
+                <a:ea typeface="+mn-ea"/>
+                <a:cs typeface="+mn-cs"/>
+              </a:rPr>
+              <a:t>rd</a:t>
+            </a:r>
+            <a:r>
+              <a:rPr lang="en-US" sz="1200" kern="1200" baseline="0" dirty="0">
+                <a:solidFill>
+                  <a:schemeClr val="tx1"/>
+                </a:solidFill>
+                <a:effectLst/>
+                <a:latin typeface="+mn-lt"/>
+                <a:ea typeface="+mn-ea"/>
+                <a:cs typeface="+mn-cs"/>
+              </a:rPr>
+              <a:t> party clients a pain, so this might be best when </a:t>
             </a:r>
             <a:r>
               <a:rPr lang="en-US" sz="1200" kern="1200" dirty="0">
@@ -19529,79 +18214,7 @@
                 <a:ea typeface="+mn-ea"/>
                 <a:cs typeface="+mn-cs"/>
               </a:rPr>
-              <a:t>canonicalization process </a:t>
-            </a:r>
-            <a:r>
-              <a:rPr lang="en-US" sz="1200" kern="1200" dirty="0" smtClean="0">
-                <a:solidFill>
-                  <a:schemeClr val="tx1"/>
-                </a:solidFill>
-                <a:effectLst/>
-                <a:latin typeface="+mn-lt"/>
-                <a:ea typeface="+mn-ea"/>
-                <a:cs typeface="+mn-cs"/>
-              </a:rPr>
-              <a:t>may make</a:t>
-            </a:r>
-            <a:r>
-              <a:rPr lang="en-US" sz="1200" kern="1200" baseline="0" dirty="0" smtClean="0">
-                <a:solidFill>
-                  <a:schemeClr val="tx1"/>
-                </a:solidFill>
-                <a:effectLst/>
-                <a:latin typeface="+mn-lt"/>
-                <a:ea typeface="+mn-ea"/>
-                <a:cs typeface="+mn-cs"/>
-              </a:rPr>
-              <a:t> supporting 3</a:t>
-            </a:r>
-            <a:r>
-              <a:rPr lang="en-US" sz="1200" kern="1200" baseline="30000" dirty="0" smtClean="0">
-                <a:solidFill>
-                  <a:schemeClr val="tx1"/>
-                </a:solidFill>
-                <a:effectLst/>
-                <a:latin typeface="+mn-lt"/>
-                <a:ea typeface="+mn-ea"/>
-                <a:cs typeface="+mn-cs"/>
-              </a:rPr>
-              <a:t>rd</a:t>
-            </a:r>
-            <a:r>
-              <a:rPr lang="en-US" sz="1200" kern="1200" baseline="0" dirty="0" smtClean="0">
-                <a:solidFill>
-                  <a:schemeClr val="tx1"/>
-                </a:solidFill>
-                <a:effectLst/>
-                <a:latin typeface="+mn-lt"/>
-                <a:ea typeface="+mn-ea"/>
-                <a:cs typeface="+mn-cs"/>
-              </a:rPr>
-              <a:t> party clients a pain, so this might be best when </a:t>
-            </a:r>
-            <a:r>
-              <a:rPr lang="en-US" sz="1200" kern="1200" dirty="0" smtClean="0">
-                <a:solidFill>
-                  <a:schemeClr val="tx1"/>
-                </a:solidFill>
-                <a:effectLst/>
-                <a:latin typeface="+mn-lt"/>
-                <a:ea typeface="+mn-ea"/>
-                <a:cs typeface="+mn-cs"/>
-              </a:rPr>
-              <a:t>you’re </a:t>
-            </a:r>
-            <a:r>
-              <a:rPr lang="en-US" sz="1200" kern="1200" dirty="0">
-                <a:solidFill>
-                  <a:schemeClr val="tx1"/>
-                </a:solidFill>
-                <a:effectLst/>
-                <a:latin typeface="+mn-lt"/>
-                <a:ea typeface="+mn-ea"/>
-                <a:cs typeface="+mn-cs"/>
-              </a:rPr>
-              <a:t>writing </a:t>
+              <a:t>you’re writing </a:t>
             </a:r>
             <a:r>
               <a:rPr lang="en-US" sz="1200" i="1" kern="1200" dirty="0">
@@ -19720,22 +18333,10 @@
                 <a:ea typeface="+mn-ea"/>
                 <a:cs typeface="+mn-cs"/>
               </a:rPr>
-              <a:t>JSON Web Tokens </a:t>
-            </a:r>
-            <a:r>
-              <a:rPr lang="en-US" sz="1200" kern="1200" dirty="0" smtClean="0">
-                <a:solidFill>
-                  <a:schemeClr val="tx1"/>
-                </a:solidFill>
-                <a:effectLst/>
-                <a:latin typeface="+mn-lt"/>
-                <a:ea typeface="+mn-ea"/>
-                <a:cs typeface="+mn-cs"/>
-              </a:rPr>
-              <a:t>are definitely</a:t>
-            </a:r>
-            <a:r>
-              <a:rPr lang="en-US" sz="1200" kern="1200" baseline="0" dirty="0" smtClean="0">
+              <a:t>JSON Web Tokens are definitely</a:t>
+            </a:r>
+            <a:r>
+              <a:rPr lang="en-US" sz="1200" kern="1200" baseline="0" dirty="0">
                 <a:solidFill>
                   <a:schemeClr val="tx1"/>
                 </a:solidFill>
@@ -19748,7 +18349,7 @@
             </a:r>
           </a:p>
           <a:p>
-            <a:endParaRPr lang="en-US" sz="1200" kern="1200" baseline="0" dirty="0" smtClean="0">
+            <a:endParaRPr lang="en-US" sz="1200" kern="1200" baseline="0" dirty="0">
               <a:solidFill>
                 <a:schemeClr val="tx1"/>
               </a:solidFill>
@@ -19760,7 +18361,7 @@
           </a:p>
           <a:p>
             <a:r>
-              <a:rPr lang="en-US" sz="1200" kern="1200" baseline="0" dirty="0" smtClean="0">
+              <a:rPr lang="en-US" sz="1200" kern="1200" baseline="0" dirty="0">
                 <a:solidFill>
                   <a:schemeClr val="tx1"/>
                 </a:solidFill>
@@ -19780,79 +18381,6 @@
               <a:ea typeface="+mn-ea"/>
               <a:cs typeface="+mn-cs"/>
             </a:endParaRPr>
-          </a:p>
-          <a:p>
-            <a:endParaRPr lang="en-US" sz="1200" kern="1200" dirty="0">
-              <a:solidFill>
-                <a:schemeClr val="tx1"/>
-              </a:solidFill>
-              <a:effectLst/>
-              <a:latin typeface="+mn-lt"/>
-              <a:ea typeface="+mn-ea"/>
-              <a:cs typeface="+mn-cs"/>
-            </a:endParaRPr>
-          </a:p>
-          <a:p>
-            <a:r>
-              <a:rPr lang="en-US" sz="1200" kern="1200" dirty="0">
-                <a:solidFill>
-                  <a:schemeClr val="tx1"/>
-                </a:solidFill>
-                <a:effectLst/>
-                <a:latin typeface="+mn-lt"/>
-                <a:ea typeface="+mn-ea"/>
-                <a:cs typeface="+mn-cs"/>
-              </a:rPr>
-              <a:t>Remember that this does require a secure login with user-entered credentials to initialize the token, so JWT isn’t a good fit for automated, server-to-server interaction. (Or more accurately, JWT is a fine way to handle </a:t>
-            </a:r>
-            <a:r>
-              <a:rPr lang="en-US" sz="1200" i="1" kern="1200" dirty="0">
-                <a:solidFill>
-                  <a:schemeClr val="tx1"/>
-                </a:solidFill>
-                <a:effectLst/>
-                <a:latin typeface="+mn-lt"/>
-                <a:ea typeface="+mn-ea"/>
-                <a:cs typeface="+mn-cs"/>
-              </a:rPr>
-              <a:t>authorization </a:t>
-            </a:r>
-            <a:r>
-              <a:rPr lang="en-US" sz="1200" kern="1200" dirty="0">
-                <a:solidFill>
-                  <a:schemeClr val="tx1"/>
-                </a:solidFill>
-                <a:effectLst/>
-                <a:latin typeface="+mn-lt"/>
-                <a:ea typeface="+mn-ea"/>
-                <a:cs typeface="+mn-cs"/>
-              </a:rPr>
-              <a:t>in a server-to-server model, but it relies on something else to handle the initial </a:t>
-            </a:r>
-            <a:r>
-              <a:rPr lang="en-US" sz="1200" i="1" kern="1200" dirty="0">
-                <a:solidFill>
-                  <a:schemeClr val="tx1"/>
-                </a:solidFill>
-                <a:effectLst/>
-                <a:latin typeface="+mn-lt"/>
-                <a:ea typeface="+mn-ea"/>
-                <a:cs typeface="+mn-cs"/>
-              </a:rPr>
-              <a:t>authentication</a:t>
-            </a:r>
-            <a:r>
-              <a:rPr lang="en-US" sz="1200" kern="1200" dirty="0">
-                <a:solidFill>
-                  <a:schemeClr val="tx1"/>
-                </a:solidFill>
-                <a:effectLst/>
-                <a:latin typeface="+mn-lt"/>
-                <a:ea typeface="+mn-ea"/>
-                <a:cs typeface="+mn-cs"/>
-              </a:rPr>
-              <a:t>)</a:t>
-            </a:r>
           </a:p>
         </p:txBody>
       </p:sp>
@@ -19971,19 +18499,7 @@
                 <a:ea typeface="+mn-ea"/>
                 <a:cs typeface="+mn-cs"/>
               </a:rPr>
-              <a:t>You should consider the 1.0 version if you </a:t>
-            </a:r>
-            <a:r>
-              <a:rPr lang="en-US" sz="1200" kern="1200" dirty="0" smtClean="0">
-                <a:solidFill>
-                  <a:schemeClr val="tx1"/>
-                </a:solidFill>
-                <a:effectLst/>
-                <a:latin typeface="+mn-lt"/>
-                <a:ea typeface="+mn-ea"/>
-                <a:cs typeface="+mn-cs"/>
-              </a:rPr>
-              <a:t>only need to support web-based clients and want maximum security.</a:t>
+              <a:t>You should consider the 1.0 version if you only need to support web-based clients and want maximum security.</a:t>
             </a:r>
           </a:p>
           <a:p>
@@ -19999,18 +18515,6 @@
           </a:p>
           <a:p>
             <a:r>
-              <a:rPr lang="en-US" sz="1200" kern="1200" dirty="0" smtClean="0">
-                <a:solidFill>
-                  <a:schemeClr val="tx1"/>
-                </a:solidFill>
-                <a:effectLst/>
-                <a:latin typeface="+mn-lt"/>
-                <a:ea typeface="+mn-ea"/>
-                <a:cs typeface="+mn-cs"/>
-              </a:rPr>
-              <a:t>Remember that the primary drawbacks </a:t>
-            </a:r>
-            <a:r>
               <a:rPr lang="en-US" sz="1200" kern="1200" dirty="0">
                 <a:solidFill>
                   <a:schemeClr val="tx1"/>
@@ -20020,29 +18524,8 @@
                 <a:ea typeface="+mn-ea"/>
                 <a:cs typeface="+mn-cs"/>
               </a:rPr>
-              <a:t>with OAuth 1.0 are the complexity involved in making signed requests and limited support for non-browser clients, so make sure you’re prepared to deal </a:t>
-            </a:r>
-            <a:r>
-              <a:rPr lang="en-US" sz="1200" kern="1200" dirty="0" smtClean="0">
-                <a:solidFill>
-                  <a:schemeClr val="tx1"/>
-                </a:solidFill>
-                <a:effectLst/>
-                <a:latin typeface="+mn-lt"/>
-                <a:ea typeface="+mn-ea"/>
-                <a:cs typeface="+mn-cs"/>
-              </a:rPr>
-              <a:t>with those things. </a:t>
-            </a:r>
-            <a:endParaRPr lang="en-US" sz="1200" kern="1200" dirty="0">
-              <a:solidFill>
-                <a:schemeClr val="tx1"/>
-              </a:solidFill>
-              <a:effectLst/>
-              <a:latin typeface="+mn-lt"/>
-              <a:ea typeface="+mn-ea"/>
-              <a:cs typeface="+mn-cs"/>
-            </a:endParaRPr>
+              <a:t>Remember that the primary drawbacks with OAuth 1.0 are the complexity involved in making signed requests and limited support for non-browser clients, so make sure you’re prepared to deal with those things. </a:t>
+            </a:r>
           </a:p>
         </p:txBody>
       </p:sp>
@@ -20448,7 +18931,7 @@
           <a:lstStyle/>
           <a:p>
             <a:r>
-              <a:rPr lang="en-US" sz="1200" kern="1200" dirty="0" smtClean="0">
+              <a:rPr lang="en-US" sz="1200" kern="1200" dirty="0">
                 <a:solidFill>
                   <a:schemeClr val="tx1"/>
                 </a:solidFill>
@@ -20460,7 +18943,7 @@
               <a:t>If you need to support a wider</a:t>
             </a:r>
             <a:r>
-              <a:rPr lang="en-US" sz="1200" kern="1200" baseline="0" dirty="0" smtClean="0">
+              <a:rPr lang="en-US" sz="1200" kern="1200" baseline="0" dirty="0">
                 <a:solidFill>
                   <a:schemeClr val="tx1"/>
                 </a:solidFill>
@@ -20472,18 +18955,6 @@
               <a:t> set of devices and authentication flows, or if you care more about </a:t>
             </a:r>
             <a:r>
-              <a:rPr lang="en-US" sz="1200" kern="1200" dirty="0" smtClean="0">
-                <a:solidFill>
-                  <a:schemeClr val="tx1"/>
-                </a:solidFill>
-                <a:effectLst/>
-                <a:latin typeface="+mn-lt"/>
-                <a:ea typeface="+mn-ea"/>
-                <a:cs typeface="+mn-cs"/>
-              </a:rPr>
-              <a:t>flexibility </a:t>
-            </a:r>
-            <a:r>
               <a:rPr lang="en-US" sz="1200" kern="1200" dirty="0">
                 <a:solidFill>
                   <a:schemeClr val="tx1"/>
@@ -20493,33 +18964,11 @@
                 <a:ea typeface="+mn-ea"/>
                 <a:cs typeface="+mn-cs"/>
               </a:rPr>
-              <a:t>and simplicity than </a:t>
-            </a:r>
-            <a:r>
-              <a:rPr lang="en-US" sz="1200" kern="1200" dirty="0" smtClean="0">
-                <a:solidFill>
-                  <a:schemeClr val="tx1"/>
-                </a:solidFill>
-                <a:effectLst/>
-                <a:latin typeface="+mn-lt"/>
-                <a:ea typeface="+mn-ea"/>
-                <a:cs typeface="+mn-cs"/>
-              </a:rPr>
-              <a:t>security, then </a:t>
-            </a:r>
-            <a:r>
-              <a:rPr lang="en-US" sz="1200" kern="1200" dirty="0">
-                <a:solidFill>
-                  <a:schemeClr val="tx1"/>
-                </a:solidFill>
-                <a:effectLst/>
-                <a:latin typeface="+mn-lt"/>
-                <a:ea typeface="+mn-ea"/>
-                <a:cs typeface="+mn-cs"/>
-              </a:rPr>
-              <a:t>OAuth 2.0 is a better fit than 1.0. </a:t>
-            </a:r>
-            <a:endParaRPr lang="en-US" sz="1200" kern="1200" dirty="0" smtClean="0">
+              <a:t>flexibility and simplicity than security, then OAuth 2.0 is a better fit than 1.0. </a:t>
+            </a:r>
+          </a:p>
+          <a:p>
+            <a:endParaRPr lang="en-US" sz="1200" kern="1200" dirty="0">
               <a:solidFill>
                 <a:schemeClr val="tx1"/>
               </a:solidFill>
@@ -20530,19 +18979,8 @@
             </a:endParaRPr>
           </a:p>
           <a:p>
-            <a:endParaRPr lang="en-US" sz="1200" kern="1200" dirty="0" smtClean="0">
-              <a:solidFill>
-                <a:schemeClr val="tx1"/>
-              </a:solidFill>
-              <a:effectLst/>
-              <a:latin typeface="+mn-lt"/>
-              <a:ea typeface="+mn-ea"/>
-              <a:cs typeface="+mn-cs"/>
-            </a:endParaRPr>
-          </a:p>
-          <a:p>
-            <a:r>
-              <a:rPr lang="en-US" sz="1200" kern="1200" dirty="0" smtClean="0">
+            <a:r>
+              <a:rPr lang="en-US" sz="1200" kern="1200" dirty="0">
                 <a:solidFill>
                   <a:schemeClr val="tx1"/>
                 </a:solidFill>
@@ -20554,7 +18992,7 @@
               <a:t>Just remember that OAuth 2 is a framework, not a protocol, and there may be big</a:t>
             </a:r>
             <a:r>
-              <a:rPr lang="en-US" sz="1200" kern="1200" baseline="0" dirty="0" smtClean="0">
+              <a:rPr lang="en-US" sz="1200" kern="1200" baseline="0" dirty="0">
                 <a:solidFill>
                   <a:schemeClr val="tx1"/>
                 </a:solidFill>
@@ -20853,15 +19291,6 @@
               </a:rPr>
               <a:t> Connect on top of OAuth 2.0. </a:t>
             </a:r>
-            <a:endParaRPr lang="en-US" sz="1200" b="0" kern="1200" baseline="0" dirty="0" smtClean="0">
-              <a:solidFill>
-                <a:schemeClr val="tx1"/>
-              </a:solidFill>
-              <a:effectLst/>
-              <a:latin typeface="+mn-lt"/>
-              <a:ea typeface="+mn-ea"/>
-              <a:cs typeface="+mn-cs"/>
-            </a:endParaRPr>
           </a:p>
         </p:txBody>
       </p:sp>
@@ -21099,21 +19528,7 @@
                 <a:ea typeface="+mn-ea"/>
                 <a:cs typeface="+mn-cs"/>
               </a:rPr>
-              <a:t>Research shows that attendees of a talk such as this will only remember 3 things. That means that most of the information I just shared with you will vanish quickly if you don’t act on it.</a:t>
-            </a:r>
-          </a:p>
-          <a:p>
-            <a:r>
-              <a:rPr lang="en-US" sz="1200" kern="1200" dirty="0">
-                <a:solidFill>
-                  <a:schemeClr val="tx1"/>
-                </a:solidFill>
-                <a:effectLst/>
-                <a:latin typeface="+mn-lt"/>
-                <a:ea typeface="+mn-ea"/>
-                <a:cs typeface="+mn-cs"/>
-              </a:rPr>
-              <a:t>So here are the 3 most important things I want you to remember:</a:t>
+              <a:t>Research shows that attendees of a talk such as this will only remember 3 things, so here are the 3 most important things I want you to take away.</a:t>
             </a:r>
           </a:p>
           <a:p>
@@ -21140,55 +19555,7 @@
                 <a:ea typeface="+mn-ea"/>
                 <a:cs typeface="+mn-cs"/>
               </a:rPr>
-              <a:t>You can use custom API keys as bearer tokens </a:t>
-            </a:r>
-            <a:r>
-              <a:rPr lang="en-US" sz="1200" kern="1200" dirty="0" smtClean="0">
-                <a:solidFill>
-                  <a:schemeClr val="tx1"/>
-                </a:solidFill>
-                <a:effectLst/>
-                <a:latin typeface="+mn-lt"/>
-                <a:ea typeface="+mn-ea"/>
-                <a:cs typeface="+mn-cs"/>
-              </a:rPr>
-              <a:t>for </a:t>
-            </a:r>
-            <a:r>
-              <a:rPr lang="en-US" sz="1200" kern="1200" dirty="0">
-                <a:solidFill>
-                  <a:schemeClr val="tx1"/>
-                </a:solidFill>
-                <a:effectLst/>
-                <a:latin typeface="+mn-lt"/>
-                <a:ea typeface="+mn-ea"/>
-                <a:cs typeface="+mn-cs"/>
-              </a:rPr>
-              <a:t>a quick and easy approach, or you can use API Keys to sign request using HMAC </a:t>
-            </a:r>
-            <a:r>
-              <a:rPr lang="en-US" sz="1200" kern="1200" dirty="0" smtClean="0">
-                <a:solidFill>
-                  <a:schemeClr val="tx1"/>
-                </a:solidFill>
-                <a:effectLst/>
-                <a:latin typeface="+mn-lt"/>
-                <a:ea typeface="+mn-ea"/>
-                <a:cs typeface="+mn-cs"/>
-              </a:rPr>
-              <a:t>for additional </a:t>
-            </a:r>
-            <a:r>
-              <a:rPr lang="en-US" sz="1200" kern="1200" dirty="0">
-                <a:solidFill>
-                  <a:schemeClr val="tx1"/>
-                </a:solidFill>
-                <a:effectLst/>
-                <a:latin typeface="+mn-lt"/>
-                <a:ea typeface="+mn-ea"/>
-                <a:cs typeface="+mn-cs"/>
-              </a:rPr>
-              <a:t>security.</a:t>
+              <a:t>* Use custom API keys as bearer tokens for a quick and easy approach, or to sign request using HMAC for additional security.</a:t>
             </a:r>
             <a:br>
               <a:rPr lang="en-US" sz="1200" kern="1200" dirty="0">
@@ -21201,6 +19568,43 @@
                 <a:cs typeface="+mn-cs"/>
               </a:rPr>
             </a:br>
+            <a:r>
+              <a:rPr lang="en-US" sz="1200" kern="1200" dirty="0">
+                <a:solidFill>
+                  <a:schemeClr val="tx1"/>
+                </a:solidFill>
+                <a:effectLst/>
+                <a:latin typeface="+mn-lt"/>
+                <a:ea typeface="+mn-ea"/>
+                <a:cs typeface="+mn-cs"/>
+              </a:rPr>
+              <a:t>* JSON Web Tokens are a secure, stateless way to share non-sensitive data. Be careful about cross-site scripting or cross-site request forgery.</a:t>
+            </a:r>
+            <a:br>
+              <a:rPr lang="en-US" sz="1200" kern="1200" dirty="0">
+                <a:solidFill>
+                  <a:schemeClr val="tx1"/>
+                </a:solidFill>
+                <a:effectLst/>
+                <a:latin typeface="+mn-lt"/>
+                <a:ea typeface="+mn-ea"/>
+                <a:cs typeface="+mn-cs"/>
+              </a:rPr>
+            </a:br>
+            <a:r>
+              <a:rPr lang="en-US" sz="1200" kern="1200" dirty="0">
+                <a:solidFill>
+                  <a:schemeClr val="tx1"/>
+                </a:solidFill>
+                <a:effectLst/>
+                <a:latin typeface="+mn-lt"/>
+                <a:ea typeface="+mn-ea"/>
+                <a:cs typeface="+mn-cs"/>
+              </a:rPr>
+              <a:t>* Lastly, OAuth is for authorization, not authentication. Use OpenID Connect if you need both.</a:t>
+            </a:r>
+          </a:p>
+          <a:p>
             <a:endParaRPr lang="en-US" sz="1200" kern="1200" dirty="0">
               <a:solidFill>
                 <a:schemeClr val="tx1"/>
@@ -21212,7 +19616,6 @@
             </a:endParaRPr>
           </a:p>
           <a:p>
-            <a:pPr lvl="0"/>
             <a:r>
               <a:rPr lang="en-US" sz="1200" kern="1200" dirty="0">
                 <a:solidFill>
@@ -21223,43 +19626,10 @@
                 <a:ea typeface="+mn-ea"/>
                 <a:cs typeface="+mn-cs"/>
               </a:rPr>
-              <a:t>JSON Web Tokens are a secure, stateless way to share non-sensitive data. </a:t>
-            </a:r>
-            <a:r>
-              <a:rPr lang="en-US" sz="1200" kern="1200" dirty="0" smtClean="0">
-                <a:solidFill>
-                  <a:schemeClr val="tx1"/>
-                </a:solidFill>
-                <a:effectLst/>
-                <a:latin typeface="+mn-lt"/>
-                <a:ea typeface="+mn-ea"/>
-                <a:cs typeface="+mn-cs"/>
-              </a:rPr>
-              <a:t>Be careful about cross-site </a:t>
-            </a:r>
-            <a:r>
-              <a:rPr lang="en-US" sz="1200" kern="1200" dirty="0">
-                <a:solidFill>
-                  <a:schemeClr val="tx1"/>
-                </a:solidFill>
-                <a:effectLst/>
-                <a:latin typeface="+mn-lt"/>
-                <a:ea typeface="+mn-ea"/>
-                <a:cs typeface="+mn-cs"/>
-              </a:rPr>
-              <a:t>scripting or cross-site request forgery.</a:t>
-            </a:r>
-            <a:br>
-              <a:rPr lang="en-US" sz="1200" kern="1200" dirty="0">
-                <a:solidFill>
-                  <a:schemeClr val="tx1"/>
-                </a:solidFill>
-                <a:effectLst/>
-                <a:latin typeface="+mn-lt"/>
-                <a:ea typeface="+mn-ea"/>
-                <a:cs typeface="+mn-cs"/>
-              </a:rPr>
-            </a:br>
+              <a:t>These slides and my narrative are all up on GitHub if you’d like to refer to them later.</a:t>
+            </a:r>
+          </a:p>
+          <a:p>
             <a:endParaRPr lang="en-US" sz="1200" kern="1200" dirty="0">
               <a:solidFill>
                 <a:schemeClr val="tx1"/>
@@ -21271,7 +19641,6 @@
             </a:endParaRPr>
           </a:p>
           <a:p>
-            <a:pPr lvl="0"/>
             <a:r>
               <a:rPr lang="en-US" sz="1200" kern="1200" dirty="0">
                 <a:solidFill>
@@ -21282,174 +19651,7 @@
                 <a:ea typeface="+mn-ea"/>
                 <a:cs typeface="+mn-cs"/>
               </a:rPr>
-              <a:t>Lastly, OAuth is for authorization, not authentication. Use OpenID Connect if you need both.</a:t>
-            </a:r>
-          </a:p>
-        </p:txBody>
-      </p:sp>
-      <p:sp>
-        <p:nvSpPr>
-          <p:cNvPr id="4" name="Slide Number Placeholder 3"/>
-          <p:cNvSpPr>
-            <a:spLocks noGrp="1"/>
-          </p:cNvSpPr>
-          <p:nvPr>
-            <p:ph type="sldNum" sz="quarter" idx="10"/>
-          </p:nvPr>
-        </p:nvSpPr>
-        <p:spPr/>
-        <p:txBody>
-          <a:bodyPr/>
-          <a:lstStyle/>
-          <a:p>
-            <a:fld id="{89029652-62E7-43D6-83B5-097D7B7AA5D8}" type="slidenum">
-              <a:rPr lang="en-US" smtClean="0"/>
-              <a:t>83</a:t>
-            </a:fld>
-            <a:endParaRPr lang="en-US"/>
-          </a:p>
-        </p:txBody>
-      </p:sp>
-    </p:spTree>
-    <p:extLst>
-      <p:ext uri="{BB962C8B-B14F-4D97-AF65-F5344CB8AC3E}">
-        <p14:creationId xmlns:p14="http://schemas.microsoft.com/office/powerpoint/2010/main" val="2778687346"/>
-      </p:ext>
-    </p:extLst>
-  </p:cSld>
-  <p:clrMapOvr>
-    <a:masterClrMapping/>
-  </p:clrMapOvr>
-</p:notes>
-</file>
-
-<file path=ppt/notesSlides/notesSlide84.xml><?xml version="1.0" encoding="utf-8"?>
-<p:notes xmlns:a="http://schemas.openxmlformats.org/drawingml/2006/main" xmlns:r="http://schemas.openxmlformats.org/officeDocument/2006/relationships" xmlns:p="http://schemas.openxmlformats.org/presentationml/2006/main">
-  <p:cSld>
-    <p:spTree>
-      <p:nvGrpSpPr>
-        <p:cNvPr id="1" name=""/>
-        <p:cNvGrpSpPr/>
-        <p:nvPr/>
-      </p:nvGrpSpPr>
-      <p:grpSpPr>
-        <a:xfrm>
-          <a:off x="0" y="0"/>
-          <a:ext cx="0" cy="0"/>
-          <a:chOff x="0" y="0"/>
-          <a:chExt cx="0" cy="0"/>
-        </a:xfrm>
-      </p:grpSpPr>
-      <p:sp>
-        <p:nvSpPr>
-          <p:cNvPr id="2" name="Slide Image Placeholder 1"/>
-          <p:cNvSpPr>
-            <a:spLocks noGrp="1" noRot="1" noChangeAspect="1"/>
-          </p:cNvSpPr>
-          <p:nvPr>
-            <p:ph type="sldImg"/>
-          </p:nvPr>
-        </p:nvSpPr>
-        <p:spPr/>
-      </p:sp>
-      <p:sp>
-        <p:nvSpPr>
-          <p:cNvPr id="3" name="Notes Placeholder 2"/>
-          <p:cNvSpPr>
-            <a:spLocks noGrp="1"/>
-          </p:cNvSpPr>
-          <p:nvPr>
-            <p:ph type="body" idx="1"/>
-          </p:nvPr>
-        </p:nvSpPr>
-        <p:spPr/>
-        <p:txBody>
-          <a:bodyPr/>
-          <a:lstStyle/>
-          <a:p>
-            <a:r>
-              <a:rPr lang="en-US" sz="1200" kern="1200" dirty="0">
-                <a:solidFill>
-                  <a:schemeClr val="tx1"/>
-                </a:solidFill>
-                <a:effectLst/>
-                <a:latin typeface="+mn-lt"/>
-                <a:ea typeface="+mn-ea"/>
-                <a:cs typeface="+mn-cs"/>
-              </a:rPr>
-              <a:t>Actually, you all look like smart people, so I want you to try really hard to remember a 4</a:t>
-            </a:r>
-            <a:r>
-              <a:rPr lang="en-US" sz="1200" kern="1200" baseline="30000" dirty="0">
-                <a:solidFill>
-                  <a:schemeClr val="tx1"/>
-                </a:solidFill>
-                <a:effectLst/>
-                <a:latin typeface="+mn-lt"/>
-                <a:ea typeface="+mn-ea"/>
-                <a:cs typeface="+mn-cs"/>
-              </a:rPr>
-              <a:t>th</a:t>
-            </a:r>
-            <a:r>
-              <a:rPr lang="en-US" sz="1200" kern="1200" dirty="0">
-                <a:solidFill>
-                  <a:schemeClr val="tx1"/>
-                </a:solidFill>
-                <a:effectLst/>
-                <a:latin typeface="+mn-lt"/>
-                <a:ea typeface="+mn-ea"/>
-                <a:cs typeface="+mn-cs"/>
-              </a:rPr>
-              <a:t> thing, and that’s my GitHub</a:t>
-            </a:r>
-            <a:r>
-              <a:rPr lang="en-US" sz="1200" kern="1200" baseline="0" dirty="0">
-                <a:solidFill>
-                  <a:schemeClr val="tx1"/>
-                </a:solidFill>
-                <a:effectLst/>
-                <a:latin typeface="+mn-lt"/>
-                <a:ea typeface="+mn-ea"/>
-                <a:cs typeface="+mn-cs"/>
-              </a:rPr>
-              <a:t> link</a:t>
-            </a:r>
-            <a:r>
-              <a:rPr lang="en-US" sz="1200" kern="1200" dirty="0">
-                <a:solidFill>
-                  <a:schemeClr val="tx1"/>
-                </a:solidFill>
-                <a:effectLst/>
-                <a:latin typeface="+mn-lt"/>
-                <a:ea typeface="+mn-ea"/>
-                <a:cs typeface="+mn-cs"/>
-              </a:rPr>
-              <a:t>. That's where these slides are kept along</a:t>
-            </a:r>
-            <a:r>
-              <a:rPr lang="en-US" sz="1200" kern="1200" baseline="0" dirty="0">
-                <a:solidFill>
-                  <a:schemeClr val="tx1"/>
-                </a:solidFill>
-                <a:effectLst/>
-                <a:latin typeface="+mn-lt"/>
-                <a:ea typeface="+mn-ea"/>
-                <a:cs typeface="+mn-cs"/>
-              </a:rPr>
-              <a:t> with all of my speaker notes</a:t>
-            </a:r>
-            <a:r>
-              <a:rPr lang="en-US" sz="1200" kern="1200" baseline="0">
-                <a:solidFill>
-                  <a:schemeClr val="tx1"/>
-                </a:solidFill>
-                <a:effectLst/>
-                <a:latin typeface="+mn-lt"/>
-                <a:ea typeface="+mn-ea"/>
-                <a:cs typeface="+mn-cs"/>
-              </a:rPr>
-              <a:t>. </a:t>
+              <a:t>Finally, please take the time to provide some feedback for this session in the mobile app, or you can also reach out to me directly on Twitter or email. I really do want to hear your feedback, good and bad, so that I can keep improving this session.</a:t>
             </a:r>
           </a:p>
           <a:p>
@@ -21474,20 +19676,6 @@
                 <a:ea typeface="+mn-ea"/>
                 <a:cs typeface="+mn-cs"/>
               </a:rPr>
-              <a:t>Please feel free to reach out with feedback, questions, comments, etc. I’d love to hear from you.</a:t>
-            </a:r>
-          </a:p>
-          <a:p>
-            <a:r>
-              <a:rPr lang="en-US" sz="1200" kern="1200" dirty="0">
-                <a:solidFill>
-                  <a:schemeClr val="tx1"/>
-                </a:solidFill>
-                <a:effectLst/>
-                <a:latin typeface="+mn-lt"/>
-                <a:ea typeface="+mn-ea"/>
-                <a:cs typeface="+mn-cs"/>
-              </a:rPr>
               <a:t>THANK YOU!</a:t>
             </a:r>
           </a:p>
@@ -21510,7 +19698,7 @@
           <a:p>
             <a:fld id="{89029652-62E7-43D6-83B5-097D7B7AA5D8}" type="slidenum">
               <a:rPr lang="en-US" smtClean="0"/>
-              <a:t>84</a:t>
+              <a:t>83</a:t>
             </a:fld>
             <a:endParaRPr lang="en-US"/>
           </a:p>
@@ -21519,7 +19707,7 @@
     </p:spTree>
     <p:extLst>
       <p:ext uri="{BB962C8B-B14F-4D97-AF65-F5344CB8AC3E}">
-        <p14:creationId xmlns:p14="http://schemas.microsoft.com/office/powerpoint/2010/main" val="1492457921"/>
+        <p14:creationId xmlns:p14="http://schemas.microsoft.com/office/powerpoint/2010/main" val="2778687346"/>
       </p:ext>
     </p:extLst>
   </p:cSld>
@@ -21878,7 +20066,7 @@
           <a:p>
             <a:fld id="{75AA6396-395E-4ADA-8EE5-F328BC863A04}" type="datetimeFigureOut">
               <a:rPr lang="en-US" smtClean="0"/>
-              <a:t>12/27/2018</a:t>
+              <a:t>1/8/2019</a:t>
             </a:fld>
             <a:endParaRPr lang="en-US"/>
           </a:p>
@@ -22046,7 +20234,7 @@
           <a:p>
             <a:fld id="{75AA6396-395E-4ADA-8EE5-F328BC863A04}" type="datetimeFigureOut">
               <a:rPr lang="en-US" smtClean="0"/>
-              <a:t>12/27/2018</a:t>
+              <a:t>1/8/2019</a:t>
             </a:fld>
             <a:endParaRPr lang="en-US"/>
           </a:p>
@@ -22224,7 +20412,7 @@
           <a:p>
             <a:fld id="{75AA6396-395E-4ADA-8EE5-F328BC863A04}" type="datetimeFigureOut">
               <a:rPr lang="en-US" smtClean="0"/>
-              <a:t>12/27/2018</a:t>
+              <a:t>1/8/2019</a:t>
             </a:fld>
             <a:endParaRPr lang="en-US"/>
           </a:p>
@@ -22442,7 +20630,7 @@
           <a:p>
             <a:fld id="{75AA6396-395E-4ADA-8EE5-F328BC863A04}" type="datetimeFigureOut">
               <a:rPr lang="en-US" smtClean="0"/>
-              <a:t>12/27/2018</a:t>
+              <a:t>1/8/2019</a:t>
             </a:fld>
             <a:endParaRPr lang="en-US"/>
           </a:p>
@@ -22687,7 +20875,7 @@
           <a:p>
             <a:fld id="{75AA6396-395E-4ADA-8EE5-F328BC863A04}" type="datetimeFigureOut">
               <a:rPr lang="en-US" smtClean="0"/>
-              <a:t>12/27/2018</a:t>
+              <a:t>1/8/2019</a:t>
             </a:fld>
             <a:endParaRPr lang="en-US"/>
           </a:p>
@@ -22916,7 +21104,7 @@
           <a:p>
             <a:fld id="{75AA6396-395E-4ADA-8EE5-F328BC863A04}" type="datetimeFigureOut">
               <a:rPr lang="en-US" smtClean="0"/>
-              <a:t>12/27/2018</a:t>
+              <a:t>1/8/2019</a:t>
             </a:fld>
             <a:endParaRPr lang="en-US"/>
           </a:p>
@@ -23280,7 +21468,7 @@
           <a:p>
             <a:fld id="{75AA6396-395E-4ADA-8EE5-F328BC863A04}" type="datetimeFigureOut">
               <a:rPr lang="en-US" smtClean="0"/>
-              <a:t>12/27/2018</a:t>
+              <a:t>1/8/2019</a:t>
             </a:fld>
             <a:endParaRPr lang="en-US"/>
           </a:p>
@@ -23397,7 +21585,7 @@
           <a:p>
             <a:fld id="{75AA6396-395E-4ADA-8EE5-F328BC863A04}" type="datetimeFigureOut">
               <a:rPr lang="en-US" smtClean="0"/>
-              <a:t>12/27/2018</a:t>
+              <a:t>1/8/2019</a:t>
             </a:fld>
             <a:endParaRPr lang="en-US"/>
           </a:p>
@@ -23492,7 +21680,7 @@
           <a:p>
             <a:fld id="{75AA6396-395E-4ADA-8EE5-F328BC863A04}" type="datetimeFigureOut">
               <a:rPr lang="en-US" smtClean="0"/>
-              <a:t>12/27/2018</a:t>
+              <a:t>1/8/2019</a:t>
             </a:fld>
             <a:endParaRPr lang="en-US"/>
           </a:p>
@@ -23767,7 +21955,7 @@
           <a:p>
             <a:fld id="{75AA6396-395E-4ADA-8EE5-F328BC863A04}" type="datetimeFigureOut">
               <a:rPr lang="en-US" smtClean="0"/>
-              <a:t>12/27/2018</a:t>
+              <a:t>1/8/2019</a:t>
             </a:fld>
             <a:endParaRPr lang="en-US"/>
           </a:p>
@@ -24019,7 +22207,7 @@
           <a:p>
             <a:fld id="{75AA6396-395E-4ADA-8EE5-F328BC863A04}" type="datetimeFigureOut">
               <a:rPr lang="en-US" smtClean="0"/>
-              <a:t>12/27/2018</a:t>
+              <a:t>1/8/2019</a:t>
             </a:fld>
             <a:endParaRPr lang="en-US"/>
           </a:p>
@@ -24230,7 +22418,7 @@
           <a:p>
             <a:fld id="{75AA6396-395E-4ADA-8EE5-F328BC863A04}" type="datetimeFigureOut">
               <a:rPr lang="en-US" smtClean="0"/>
-              <a:t>12/27/2018</a:t>
+              <a:t>1/8/2019</a:t>
             </a:fld>
             <a:endParaRPr lang="en-US"/>
           </a:p>
@@ -24662,17 +22850,9 @@
               <a:rPr lang="en-US" sz="5400" dirty="0"/>
               <a:t>Securing Your API Endpoints</a:t>
             </a:r>
-            <a:r>
-              <a:rPr lang="en-US" dirty="0"/>
-              <a:t/>
-            </a:r>
             <a:br>
               <a:rPr lang="en-US" dirty="0"/>
             </a:br>
-            <a:r>
-              <a:rPr lang="en-US" sz="1100" dirty="0"/>
-              <a:t/>
-            </a:r>
             <a:br>
               <a:rPr lang="en-US" sz="1100" dirty="0"/>
             </a:br>
@@ -24774,13 +22954,6 @@
   <p:clrMapOvr>
     <a:masterClrMapping/>
   </p:clrMapOvr>
-  <p:timing>
-    <p:tnLst>
-      <p:par>
-        <p:cTn id="1" dur="indefinite" restart="never" nodeType="tmRoot"/>
-      </p:par>
-    </p:tnLst>
-  </p:timing>
 </p:sld>
 </file>
 
@@ -24835,13 +23008,6 @@
   <p:clrMapOvr>
     <a:masterClrMapping/>
   </p:clrMapOvr>
-  <p:timing>
-    <p:tnLst>
-      <p:par>
-        <p:cTn id="1" dur="indefinite" restart="never" nodeType="tmRoot"/>
-      </p:par>
-    </p:tnLst>
-  </p:timing>
 </p:sld>
 </file>
 
@@ -24896,13 +23062,6 @@
   <p:clrMapOvr>
     <a:masterClrMapping/>
   </p:clrMapOvr>
-  <p:timing>
-    <p:tnLst>
-      <p:par>
-        <p:cTn id="1" dur="indefinite" restart="never" nodeType="tmRoot"/>
-      </p:par>
-    </p:tnLst>
-  </p:timing>
 </p:sld>
 </file>
 
@@ -25035,13 +23194,6 @@
   <p:clrMapOvr>
     <a:masterClrMapping/>
   </p:clrMapOvr>
-  <p:timing>
-    <p:tnLst>
-      <p:par>
-        <p:cTn id="1" dur="indefinite" restart="never" nodeType="tmRoot"/>
-      </p:par>
-    </p:tnLst>
-  </p:timing>
 </p:sld>
 </file>
 
@@ -25120,13 +23272,6 @@
   <p:clrMapOvr>
     <a:masterClrMapping/>
   </p:clrMapOvr>
-  <p:timing>
-    <p:tnLst>
-      <p:par>
-        <p:cTn id="1" dur="indefinite" restart="never" nodeType="tmRoot"/>
-      </p:par>
-    </p:tnLst>
-  </p:timing>
 </p:sld>
 </file>
 
@@ -25253,13 +23398,6 @@
   <p:clrMapOvr>
     <a:masterClrMapping/>
   </p:clrMapOvr>
-  <p:timing>
-    <p:tnLst>
-      <p:par>
-        <p:cTn id="1" dur="indefinite" restart="never" nodeType="tmRoot"/>
-      </p:par>
-    </p:tnLst>
-  </p:timing>
 </p:sld>
 </file>
 
@@ -25393,13 +23531,6 @@
   <p:clrMapOvr>
     <a:masterClrMapping/>
   </p:clrMapOvr>
-  <p:timing>
-    <p:tnLst>
-      <p:par>
-        <p:cTn id="1" dur="indefinite" restart="never" nodeType="tmRoot"/>
-      </p:par>
-    </p:tnLst>
-  </p:timing>
 </p:sld>
 </file>
 
@@ -25467,10 +23598,9 @@
           <a:lstStyle/>
           <a:p>
             <a:r>
-              <a:rPr lang="en-US" sz="4000" dirty="0" smtClean="0"/>
+              <a:rPr lang="en-US" sz="4000" dirty="0"/>
               <a:t>Couples API calls to primary account password</a:t>
             </a:r>
-            <a:endParaRPr lang="en-US" sz="4000" dirty="0"/>
           </a:p>
           <a:p>
             <a:endParaRPr lang="en-US" sz="4000" dirty="0"/>
@@ -25517,13 +23647,6 @@
   <p:clrMapOvr>
     <a:masterClrMapping/>
   </p:clrMapOvr>
-  <p:timing>
-    <p:tnLst>
-      <p:par>
-        <p:cTn id="1" dur="indefinite" restart="never" nodeType="tmRoot"/>
-      </p:par>
-    </p:tnLst>
-  </p:timing>
 </p:sld>
 </file>
 
@@ -25591,10 +23714,9 @@
           <a:lstStyle/>
           <a:p>
             <a:r>
-              <a:rPr lang="en-US" sz="4000" dirty="0" smtClean="0"/>
+              <a:rPr lang="en-US" sz="4000" dirty="0"/>
               <a:t>Couples API calls to primary account password</a:t>
             </a:r>
-            <a:endParaRPr lang="en-US" sz="4000" dirty="0"/>
           </a:p>
           <a:p>
             <a:endParaRPr lang="en-US" sz="4000" dirty="0"/>
@@ -25651,13 +23773,6 @@
   <p:clrMapOvr>
     <a:masterClrMapping/>
   </p:clrMapOvr>
-  <p:timing>
-    <p:tnLst>
-      <p:par>
-        <p:cTn id="1" dur="indefinite" restart="never" nodeType="tmRoot"/>
-      </p:par>
-    </p:tnLst>
-  </p:timing>
 </p:sld>
 </file>
 
@@ -25808,13 +23923,6 @@
   <p:clrMapOvr>
     <a:masterClrMapping/>
   </p:clrMapOvr>
-  <p:timing>
-    <p:tnLst>
-      <p:par>
-        <p:cTn id="1" dur="indefinite" restart="never" nodeType="tmRoot"/>
-      </p:par>
-    </p:tnLst>
-  </p:timing>
 </p:sld>
 </file>
 
@@ -25989,13 +24097,6 @@
   <p:clrMapOvr>
     <a:masterClrMapping/>
   </p:clrMapOvr>
-  <p:timing>
-    <p:tnLst>
-      <p:par>
-        <p:cTn id="1" dur="indefinite" restart="never" nodeType="tmRoot"/>
-      </p:par>
-    </p:tnLst>
-  </p:timing>
 </p:sld>
 </file>
 
@@ -26076,13 +24177,6 @@
   <p:clrMapOvr>
     <a:masterClrMapping/>
   </p:clrMapOvr>
-  <p:timing>
-    <p:tnLst>
-      <p:par>
-        <p:cTn id="1" dur="indefinite" restart="never" nodeType="tmRoot"/>
-      </p:par>
-    </p:tnLst>
-  </p:timing>
 </p:sld>
 </file>
 
@@ -26185,13 +24279,6 @@
   <p:clrMapOvr>
     <a:masterClrMapping/>
   </p:clrMapOvr>
-  <p:timing>
-    <p:tnLst>
-      <p:par>
-        <p:cTn id="1" dur="indefinite" restart="never" nodeType="tmRoot"/>
-      </p:par>
-    </p:tnLst>
-  </p:timing>
 </p:sld>
 </file>
 
@@ -26294,13 +24381,6 @@
   <p:clrMapOvr>
     <a:masterClrMapping/>
   </p:clrMapOvr>
-  <p:timing>
-    <p:tnLst>
-      <p:par>
-        <p:cTn id="1" dur="indefinite" restart="never" nodeType="tmRoot"/>
-      </p:par>
-    </p:tnLst>
-  </p:timing>
 </p:sld>
 </file>
 
@@ -26399,13 +24479,6 @@
   <p:clrMapOvr>
     <a:masterClrMapping/>
   </p:clrMapOvr>
-  <p:timing>
-    <p:tnLst>
-      <p:par>
-        <p:cTn id="1" dur="indefinite" restart="never" nodeType="tmRoot"/>
-      </p:par>
-    </p:tnLst>
-  </p:timing>
 </p:sld>
 </file>
 
@@ -26514,13 +24587,6 @@
   <p:clrMapOvr>
     <a:masterClrMapping/>
   </p:clrMapOvr>
-  <p:timing>
-    <p:tnLst>
-      <p:par>
-        <p:cTn id="1" dur="indefinite" restart="never" nodeType="tmRoot"/>
-      </p:par>
-    </p:tnLst>
-  </p:timing>
 </p:sld>
 </file>
 
@@ -26575,13 +24641,6 @@
   <p:clrMapOvr>
     <a:masterClrMapping/>
   </p:clrMapOvr>
-  <p:timing>
-    <p:tnLst>
-      <p:par>
-        <p:cTn id="1" dur="indefinite" restart="never" nodeType="tmRoot"/>
-      </p:par>
-    </p:tnLst>
-  </p:timing>
 </p:sld>
 </file>
 
@@ -26689,13 +24748,6 @@
   <p:clrMapOvr>
     <a:masterClrMapping/>
   </p:clrMapOvr>
-  <p:timing>
-    <p:tnLst>
-      <p:par>
-        <p:cTn id="1" dur="indefinite" restart="never" nodeType="tmRoot"/>
-      </p:par>
-    </p:tnLst>
-  </p:timing>
 </p:sld>
 </file>
 
@@ -26784,10 +24836,9 @@
           </a:p>
           <a:p>
             <a:r>
-              <a:rPr lang="en-US" sz="4000" dirty="0" smtClean="0"/>
+              <a:rPr lang="en-US" sz="4000" dirty="0"/>
               <a:t>Unique, random, site-assigned</a:t>
             </a:r>
-            <a:endParaRPr lang="en-US" sz="4000" dirty="0"/>
           </a:p>
           <a:p>
             <a:endParaRPr lang="en-US" sz="4000" dirty="0"/>
@@ -26804,13 +24855,6 @@
   <p:clrMapOvr>
     <a:masterClrMapping/>
   </p:clrMapOvr>
-  <p:timing>
-    <p:tnLst>
-      <p:par>
-        <p:cTn id="1" dur="indefinite" restart="never" nodeType="tmRoot"/>
-      </p:par>
-    </p:tnLst>
-  </p:timing>
 </p:sld>
 </file>
 
@@ -26944,13 +24988,6 @@
   <p:clrMapOvr>
     <a:masterClrMapping/>
   </p:clrMapOvr>
-  <p:timing>
-    <p:tnLst>
-      <p:par>
-        <p:cTn id="1" dur="indefinite" restart="never" nodeType="tmRoot"/>
-      </p:par>
-    </p:tnLst>
-  </p:timing>
 </p:sld>
 </file>
 
@@ -27127,13 +25164,6 @@
   <p:clrMapOvr>
     <a:masterClrMapping/>
   </p:clrMapOvr>
-  <p:timing>
-    <p:tnLst>
-      <p:par>
-        <p:cTn id="1" dur="indefinite" restart="never" nodeType="tmRoot"/>
-      </p:par>
-    </p:tnLst>
-  </p:timing>
 </p:sld>
 </file>
 
@@ -27272,13 +25302,6 @@
   <p:clrMapOvr>
     <a:masterClrMapping/>
   </p:clrMapOvr>
-  <p:timing>
-    <p:tnLst>
-      <p:par>
-        <p:cTn id="1" dur="indefinite" restart="never" nodeType="tmRoot"/>
-      </p:par>
-    </p:tnLst>
-  </p:timing>
 </p:sld>
 </file>
 
@@ -27339,13 +25362,6 @@
   <p:clrMapOvr>
     <a:masterClrMapping/>
   </p:clrMapOvr>
-  <p:timing>
-    <p:tnLst>
-      <p:par>
-        <p:cTn id="1" dur="indefinite" restart="never" nodeType="tmRoot"/>
-      </p:par>
-    </p:tnLst>
-  </p:timing>
 </p:sld>
 </file>
 
@@ -27486,13 +25502,6 @@
   <p:clrMapOvr>
     <a:masterClrMapping/>
   </p:clrMapOvr>
-  <p:timing>
-    <p:tnLst>
-      <p:par>
-        <p:cTn id="1" dur="indefinite" restart="never" nodeType="tmRoot"/>
-      </p:par>
-    </p:tnLst>
-  </p:timing>
 </p:sld>
 </file>
 
@@ -27581,13 +25590,6 @@
   <p:clrMapOvr>
     <a:masterClrMapping/>
   </p:clrMapOvr>
-  <p:timing>
-    <p:tnLst>
-      <p:par>
-        <p:cTn id="1" dur="indefinite" restart="never" nodeType="tmRoot"/>
-      </p:par>
-    </p:tnLst>
-  </p:timing>
 </p:sld>
 </file>
 
@@ -27655,20 +25657,18 @@
           <a:lstStyle/>
           <a:p>
             <a:r>
-              <a:rPr lang="en-US" sz="4000" dirty="0" smtClean="0"/>
+              <a:rPr lang="en-US" sz="4000" dirty="0"/>
               <a:t>Credentials not sent over the wire </a:t>
             </a:r>
-            <a:endParaRPr lang="en-US" sz="4000" dirty="0"/>
-          </a:p>
-          <a:p>
-            <a:endParaRPr lang="en-US" sz="4000" dirty="0"/>
-          </a:p>
-          <a:p>
-            <a:r>
-              <a:rPr lang="en-US" sz="4000" dirty="0" smtClean="0"/>
+          </a:p>
+          <a:p>
+            <a:endParaRPr lang="en-US" sz="4000" dirty="0"/>
+          </a:p>
+          <a:p>
+            <a:r>
+              <a:rPr lang="en-US" sz="4000" dirty="0"/>
               <a:t>Server knows message wasn't changed in transit</a:t>
             </a:r>
-            <a:endParaRPr lang="en-US" sz="4000" dirty="0"/>
           </a:p>
           <a:p>
             <a:endParaRPr lang="en-US" sz="4000" dirty="0"/>
@@ -27713,13 +25713,6 @@
   <p:clrMapOvr>
     <a:masterClrMapping/>
   </p:clrMapOvr>
-  <p:timing>
-    <p:tnLst>
-      <p:par>
-        <p:cTn id="1" dur="indefinite" restart="never" nodeType="tmRoot"/>
-      </p:par>
-    </p:tnLst>
-  </p:timing>
 </p:sld>
 </file>
 
@@ -27856,13 +25849,6 @@
   <p:clrMapOvr>
     <a:masterClrMapping/>
   </p:clrMapOvr>
-  <p:timing>
-    <p:tnLst>
-      <p:par>
-        <p:cTn id="1" dur="indefinite" restart="never" nodeType="tmRoot"/>
-      </p:par>
-    </p:tnLst>
-  </p:timing>
 </p:sld>
 </file>
 
@@ -27975,13 +25961,6 @@
   <p:clrMapOvr>
     <a:masterClrMapping/>
   </p:clrMapOvr>
-  <p:timing>
-    <p:tnLst>
-      <p:par>
-        <p:cTn id="1" dur="indefinite" restart="never" nodeType="tmRoot"/>
-      </p:par>
-    </p:tnLst>
-  </p:timing>
 </p:sld>
 </file>
 
@@ -28094,13 +26073,6 @@
   <p:clrMapOvr>
     <a:masterClrMapping/>
   </p:clrMapOvr>
-  <p:timing>
-    <p:tnLst>
-      <p:par>
-        <p:cTn id="1" dur="indefinite" restart="never" nodeType="tmRoot"/>
-      </p:par>
-    </p:tnLst>
-  </p:timing>
 </p:sld>
 </file>
 
@@ -28226,13 +26198,6 @@
   <p:clrMapOvr>
     <a:masterClrMapping/>
   </p:clrMapOvr>
-  <p:timing>
-    <p:tnLst>
-      <p:par>
-        <p:cTn id="1" dur="indefinite" restart="never" nodeType="tmRoot"/>
-      </p:par>
-    </p:tnLst>
-  </p:timing>
 </p:sld>
 </file>
 
@@ -28353,13 +26318,6 @@
   <p:clrMapOvr>
     <a:masterClrMapping/>
   </p:clrMapOvr>
-  <p:timing>
-    <p:tnLst>
-      <p:par>
-        <p:cTn id="1" dur="indefinite" restart="never" nodeType="tmRoot"/>
-      </p:par>
-    </p:tnLst>
-  </p:timing>
 </p:sld>
 </file>
 
@@ -28506,13 +26464,6 @@
   <p:clrMapOvr>
     <a:masterClrMapping/>
   </p:clrMapOvr>
-  <p:timing>
-    <p:tnLst>
-      <p:par>
-        <p:cTn id="1" dur="indefinite" restart="never" nodeType="tmRoot"/>
-      </p:par>
-    </p:tnLst>
-  </p:timing>
 </p:sld>
 </file>
 
@@ -28711,13 +26662,6 @@
   <p:clrMapOvr>
     <a:masterClrMapping/>
   </p:clrMapOvr>
-  <p:timing>
-    <p:tnLst>
-      <p:par>
-        <p:cTn id="1" dur="indefinite" restart="never" nodeType="tmRoot"/>
-      </p:par>
-    </p:tnLst>
-  </p:timing>
 </p:sld>
 </file>
 
@@ -28853,13 +26797,6 @@
   <p:clrMapOvr>
     <a:masterClrMapping/>
   </p:clrMapOvr>
-  <p:timing>
-    <p:tnLst>
-      <p:par>
-        <p:cTn id="1" dur="indefinite" restart="never" nodeType="tmRoot"/>
-      </p:par>
-    </p:tnLst>
-  </p:timing>
 </p:sld>
 </file>
 
@@ -29058,13 +26995,6 @@
   <p:clrMapOvr>
     <a:masterClrMapping/>
   </p:clrMapOvr>
-  <p:timing>
-    <p:tnLst>
-      <p:par>
-        <p:cTn id="1" dur="indefinite" restart="never" nodeType="tmRoot"/>
-      </p:par>
-    </p:tnLst>
-  </p:timing>
 </p:sld>
 </file>
 
@@ -29263,13 +27193,6 @@
   <p:clrMapOvr>
     <a:masterClrMapping/>
   </p:clrMapOvr>
-  <p:timing>
-    <p:tnLst>
-      <p:par>
-        <p:cTn id="1" dur="indefinite" restart="never" nodeType="tmRoot"/>
-      </p:par>
-    </p:tnLst>
-  </p:timing>
 </p:sld>
 </file>
 
@@ -29468,13 +27391,6 @@
   <p:clrMapOvr>
     <a:masterClrMapping/>
   </p:clrMapOvr>
-  <p:timing>
-    <p:tnLst>
-      <p:par>
-        <p:cTn id="1" dur="indefinite" restart="never" nodeType="tmRoot"/>
-      </p:par>
-    </p:tnLst>
-  </p:timing>
 </p:sld>
 </file>
 
@@ -29649,13 +27565,6 @@
   <p:clrMapOvr>
     <a:masterClrMapping/>
   </p:clrMapOvr>
-  <p:timing>
-    <p:tnLst>
-      <p:par>
-        <p:cTn id="1" dur="indefinite" restart="never" nodeType="tmRoot"/>
-      </p:par>
-    </p:tnLst>
-  </p:timing>
 </p:sld>
 </file>
 
@@ -29782,13 +27691,6 @@
   <p:clrMapOvr>
     <a:masterClrMapping/>
   </p:clrMapOvr>
-  <p:timing>
-    <p:tnLst>
-      <p:par>
-        <p:cTn id="1" dur="indefinite" restart="never" nodeType="tmRoot"/>
-      </p:par>
-    </p:tnLst>
-  </p:timing>
 </p:sld>
 </file>
 
@@ -29973,13 +27875,6 @@
   <p:clrMapOvr>
     <a:masterClrMapping/>
   </p:clrMapOvr>
-  <p:timing>
-    <p:tnLst>
-      <p:par>
-        <p:cTn id="1" dur="indefinite" restart="never" nodeType="tmRoot"/>
-      </p:par>
-    </p:tnLst>
-  </p:timing>
 </p:sld>
 </file>
 
@@ -30164,13 +28059,6 @@
   <p:clrMapOvr>
     <a:masterClrMapping/>
   </p:clrMapOvr>
-  <p:timing>
-    <p:tnLst>
-      <p:par>
-        <p:cTn id="1" dur="indefinite" restart="never" nodeType="tmRoot"/>
-      </p:par>
-    </p:tnLst>
-  </p:timing>
 </p:sld>
 </file>
 
@@ -30331,13 +28219,6 @@
   <p:clrMapOvr>
     <a:masterClrMapping/>
   </p:clrMapOvr>
-  <p:timing>
-    <p:tnLst>
-      <p:par>
-        <p:cTn id="1" dur="indefinite" restart="never" nodeType="tmRoot"/>
-      </p:par>
-    </p:tnLst>
-  </p:timing>
 </p:sld>
 </file>
 
@@ -30522,13 +28403,6 @@
   <p:clrMapOvr>
     <a:masterClrMapping/>
   </p:clrMapOvr>
-  <p:timing>
-    <p:tnLst>
-      <p:par>
-        <p:cTn id="1" dur="indefinite" restart="never" nodeType="tmRoot"/>
-      </p:par>
-    </p:tnLst>
-  </p:timing>
 </p:sld>
 </file>
 
@@ -30760,13 +28634,6 @@
   <p:clrMapOvr>
     <a:masterClrMapping/>
   </p:clrMapOvr>
-  <p:timing>
-    <p:tnLst>
-      <p:par>
-        <p:cTn id="1" dur="indefinite" restart="never" nodeType="tmRoot"/>
-      </p:par>
-    </p:tnLst>
-  </p:timing>
 </p:sld>
 </file>
 
@@ -30827,13 +28694,6 @@
   <p:clrMapOvr>
     <a:masterClrMapping/>
   </p:clrMapOvr>
-  <p:timing>
-    <p:tnLst>
-      <p:par>
-        <p:cTn id="1" dur="indefinite" restart="never" nodeType="tmRoot"/>
-      </p:par>
-    </p:tnLst>
-  </p:timing>
 </p:sld>
 </file>
 
@@ -30960,28 +28820,28 @@
                 <a:gridCol w="2589823">
                   <a:extLst>
                     <a:ext uri="{9D8B030D-6E8A-4147-A177-3AD203B41FA5}">
-                      <a16:colId xmlns="" xmlns:a16="http://schemas.microsoft.com/office/drawing/2014/main" val="20000"/>
+                      <a16:colId xmlns:a16="http://schemas.microsoft.com/office/drawing/2014/main" val="20000"/>
                     </a:ext>
                   </a:extLst>
                 </a:gridCol>
                 <a:gridCol w="2589823">
                   <a:extLst>
                     <a:ext uri="{9D8B030D-6E8A-4147-A177-3AD203B41FA5}">
-                      <a16:colId xmlns="" xmlns:a16="http://schemas.microsoft.com/office/drawing/2014/main" val="20001"/>
+                      <a16:colId xmlns:a16="http://schemas.microsoft.com/office/drawing/2014/main" val="20001"/>
                     </a:ext>
                   </a:extLst>
                 </a:gridCol>
                 <a:gridCol w="2589823">
                   <a:extLst>
                     <a:ext uri="{9D8B030D-6E8A-4147-A177-3AD203B41FA5}">
-                      <a16:colId xmlns="" xmlns:a16="http://schemas.microsoft.com/office/drawing/2014/main" val="20002"/>
+                      <a16:colId xmlns:a16="http://schemas.microsoft.com/office/drawing/2014/main" val="20002"/>
                     </a:ext>
                   </a:extLst>
                 </a:gridCol>
                 <a:gridCol w="2589823">
                   <a:extLst>
                     <a:ext uri="{9D8B030D-6E8A-4147-A177-3AD203B41FA5}">
-                      <a16:colId xmlns="" xmlns:a16="http://schemas.microsoft.com/office/drawing/2014/main" val="20003"/>
+                      <a16:colId xmlns:a16="http://schemas.microsoft.com/office/drawing/2014/main" val="20003"/>
                     </a:ext>
                   </a:extLst>
                 </a:gridCol>
@@ -31056,7 +28916,7 @@
                 </a:tc>
                 <a:extLst>
                   <a:ext uri="{0D108BD9-81ED-4DB2-BD59-A6C34878D82A}">
-                    <a16:rowId xmlns="" xmlns:a16="http://schemas.microsoft.com/office/drawing/2014/main" val="10000"/>
+                    <a16:rowId xmlns:a16="http://schemas.microsoft.com/office/drawing/2014/main" val="10000"/>
                   </a:ext>
                 </a:extLst>
               </a:tr>
@@ -31148,7 +29008,7 @@
                 </a:tc>
                 <a:extLst>
                   <a:ext uri="{0D108BD9-81ED-4DB2-BD59-A6C34878D82A}">
-                    <a16:rowId xmlns="" xmlns:a16="http://schemas.microsoft.com/office/drawing/2014/main" val="10001"/>
+                    <a16:rowId xmlns:a16="http://schemas.microsoft.com/office/drawing/2014/main" val="10001"/>
                   </a:ext>
                 </a:extLst>
               </a:tr>
@@ -31276,7 +29136,7 @@
                 </a:tc>
                 <a:extLst>
                   <a:ext uri="{0D108BD9-81ED-4DB2-BD59-A6C34878D82A}">
-                    <a16:rowId xmlns="" xmlns:a16="http://schemas.microsoft.com/office/drawing/2014/main" val="10002"/>
+                    <a16:rowId xmlns:a16="http://schemas.microsoft.com/office/drawing/2014/main" val="10002"/>
                   </a:ext>
                 </a:extLst>
               </a:tr>
@@ -31294,13 +29154,6 @@
   <p:clrMapOvr>
     <a:masterClrMapping/>
   </p:clrMapOvr>
-  <p:timing>
-    <p:tnLst>
-      <p:par>
-        <p:cTn id="1" dur="indefinite" restart="never" nodeType="tmRoot"/>
-      </p:par>
-    </p:tnLst>
-  </p:timing>
 </p:sld>
 </file>
 
@@ -31355,13 +29208,6 @@
   <p:clrMapOvr>
     <a:masterClrMapping/>
   </p:clrMapOvr>
-  <p:timing>
-    <p:tnLst>
-      <p:par>
-        <p:cTn id="1" dur="indefinite" restart="never" nodeType="tmRoot"/>
-      </p:par>
-    </p:tnLst>
-  </p:timing>
 </p:sld>
 </file>
 
@@ -31535,13 +29381,6 @@
   <p:clrMapOvr>
     <a:masterClrMapping/>
   </p:clrMapOvr>
-  <p:timing>
-    <p:tnLst>
-      <p:par>
-        <p:cTn id="1" dur="indefinite" restart="never" nodeType="tmRoot"/>
-      </p:par>
-    </p:tnLst>
-  </p:timing>
 </p:sld>
 </file>
 
@@ -31715,13 +29554,6 @@
   <p:clrMapOvr>
     <a:masterClrMapping/>
   </p:clrMapOvr>
-  <p:timing>
-    <p:tnLst>
-      <p:par>
-        <p:cTn id="1" dur="indefinite" restart="never" nodeType="tmRoot"/>
-      </p:par>
-    </p:tnLst>
-  </p:timing>
 </p:sld>
 </file>
 
@@ -31857,13 +29689,6 @@
   <p:clrMapOvr>
     <a:masterClrMapping/>
   </p:clrMapOvr>
-  <p:timing>
-    <p:tnLst>
-      <p:par>
-        <p:cTn id="1" dur="indefinite" restart="never" nodeType="tmRoot"/>
-      </p:par>
-    </p:tnLst>
-  </p:timing>
 </p:sld>
 </file>
 
@@ -31999,13 +29824,6 @@
   <p:clrMapOvr>
     <a:masterClrMapping/>
   </p:clrMapOvr>
-  <p:timing>
-    <p:tnLst>
-      <p:par>
-        <p:cTn id="1" dur="indefinite" restart="never" nodeType="tmRoot"/>
-      </p:par>
-    </p:tnLst>
-  </p:timing>
 </p:sld>
 </file>
 
@@ -32207,13 +30025,6 @@
   <p:clrMapOvr>
     <a:masterClrMapping/>
   </p:clrMapOvr>
-  <p:timing>
-    <p:tnLst>
-      <p:par>
-        <p:cTn id="1" dur="indefinite" restart="never" nodeType="tmRoot"/>
-      </p:par>
-    </p:tnLst>
-  </p:timing>
 </p:sld>
 </file>
 
@@ -32319,13 +30130,6 @@
   <p:clrMapOvr>
     <a:masterClrMapping/>
   </p:clrMapOvr>
-  <p:timing>
-    <p:tnLst>
-      <p:par>
-        <p:cTn id="1" dur="indefinite" restart="never" nodeType="tmRoot"/>
-      </p:par>
-    </p:tnLst>
-  </p:timing>
 </p:sld>
 </file>
 
@@ -32438,13 +30242,6 @@
   <p:clrMapOvr>
     <a:masterClrMapping/>
   </p:clrMapOvr>
-  <p:timing>
-    <p:tnLst>
-      <p:par>
-        <p:cTn id="1" dur="indefinite" restart="never" nodeType="tmRoot"/>
-      </p:par>
-    </p:tnLst>
-  </p:timing>
 </p:sld>
 </file>
 
@@ -32529,12 +30326,8 @@
           </a:p>
           <a:p>
             <a:r>
-              <a:rPr lang="en-US" sz="4000" dirty="0" smtClean="0"/>
-              <a:t>Best </a:t>
-            </a:r>
-            <a:r>
               <a:rPr lang="en-US" sz="4000" dirty="0"/>
-              <a:t>with web-based clients </a:t>
+              <a:t>Best with web-based clients </a:t>
             </a:r>
           </a:p>
           <a:p>
@@ -32597,13 +30390,6 @@
   <p:clrMapOvr>
     <a:masterClrMapping/>
   </p:clrMapOvr>
-  <p:timing>
-    <p:tnLst>
-      <p:par>
-        <p:cTn id="1" dur="indefinite" restart="never" nodeType="tmRoot"/>
-      </p:par>
-    </p:tnLst>
-  </p:timing>
 </p:sld>
 </file>
 
@@ -32664,13 +30450,6 @@
   <p:clrMapOvr>
     <a:masterClrMapping/>
   </p:clrMapOvr>
-  <p:timing>
-    <p:tnLst>
-      <p:par>
-        <p:cTn id="1" dur="indefinite" restart="never" nodeType="tmRoot"/>
-      </p:par>
-    </p:tnLst>
-  </p:timing>
 </p:sld>
 </file>
 
@@ -32743,29 +30522,21 @@
             </a:r>
           </a:p>
           <a:p>
-            <a:endParaRPr lang="en-US" sz="4000" dirty="0" smtClean="0"/>
-          </a:p>
-          <a:p>
-            <a:r>
-              <a:rPr lang="en-US" sz="4000" dirty="0" smtClean="0"/>
-              <a:t>Better </a:t>
-            </a:r>
+            <a:endParaRPr lang="en-US" sz="4000" dirty="0"/>
+          </a:p>
+          <a:p>
             <a:r>
               <a:rPr lang="en-US" sz="4000" dirty="0"/>
-              <a:t>support for enterprise &amp; non-web clients</a:t>
-            </a:r>
-          </a:p>
-          <a:p>
-            <a:endParaRPr lang="en-US" sz="4000" dirty="0" smtClean="0"/>
-          </a:p>
-          <a:p>
-            <a:r>
-              <a:rPr lang="en-US" sz="4000" dirty="0" smtClean="0"/>
-              <a:t>Not </a:t>
-            </a:r>
+              <a:t>Better support for enterprise &amp; non-web clients</a:t>
+            </a:r>
+          </a:p>
+          <a:p>
+            <a:endParaRPr lang="en-US" sz="4000" dirty="0"/>
+          </a:p>
+          <a:p>
             <a:r>
               <a:rPr lang="en-US" sz="4000" dirty="0"/>
-              <a:t>backwards compatible with 1.0/1.0a</a:t>
+              <a:t>Not backwards compatible with 1.0/1.0a</a:t>
             </a:r>
           </a:p>
           <a:p>
@@ -32825,13 +30596,6 @@
   <p:clrMapOvr>
     <a:masterClrMapping/>
   </p:clrMapOvr>
-  <p:timing>
-    <p:tnLst>
-      <p:par>
-        <p:cTn id="1" dur="indefinite" restart="never" nodeType="tmRoot"/>
-      </p:par>
-    </p:tnLst>
-  </p:timing>
 </p:sld>
 </file>
 
@@ -32964,13 +30728,6 @@
   <p:clrMapOvr>
     <a:masterClrMapping/>
   </p:clrMapOvr>
-  <p:timing>
-    <p:tnLst>
-      <p:par>
-        <p:cTn id="1" dur="indefinite" restart="never" nodeType="tmRoot"/>
-      </p:par>
-    </p:tnLst>
-  </p:timing>
 </p:sld>
 </file>
 
@@ -33194,13 +30951,6 @@
   <p:clrMapOvr>
     <a:masterClrMapping/>
   </p:clrMapOvr>
-  <p:timing>
-    <p:tnLst>
-      <p:par>
-        <p:cTn id="1" dur="indefinite" restart="never" nodeType="tmRoot"/>
-      </p:par>
-    </p:tnLst>
-  </p:timing>
 </p:sld>
 </file>
 
@@ -33392,13 +31142,6 @@
   <p:clrMapOvr>
     <a:masterClrMapping/>
   </p:clrMapOvr>
-  <p:timing>
-    <p:tnLst>
-      <p:par>
-        <p:cTn id="1" dur="indefinite" restart="never" nodeType="tmRoot"/>
-      </p:par>
-    </p:tnLst>
-  </p:timing>
 </p:sld>
 </file>
 
@@ -33467,13 +31210,6 @@
   <p:clrMapOvr>
     <a:masterClrMapping/>
   </p:clrMapOvr>
-  <p:timing>
-    <p:tnLst>
-      <p:par>
-        <p:cTn id="1" dur="indefinite" restart="never" nodeType="tmRoot"/>
-      </p:par>
-    </p:tnLst>
-  </p:timing>
 </p:sld>
 </file>
 
@@ -33632,13 +31368,6 @@
   <p:clrMapOvr>
     <a:masterClrMapping/>
   </p:clrMapOvr>
-  <p:timing>
-    <p:tnLst>
-      <p:par>
-        <p:cTn id="1" dur="indefinite" restart="never" nodeType="tmRoot"/>
-      </p:par>
-    </p:tnLst>
-  </p:timing>
 </p:sld>
 </file>
 
@@ -33783,13 +31512,6 @@
   <p:clrMapOvr>
     <a:masterClrMapping/>
   </p:clrMapOvr>
-  <p:timing>
-    <p:tnLst>
-      <p:par>
-        <p:cTn id="1" dur="indefinite" restart="never" nodeType="tmRoot"/>
-      </p:par>
-    </p:tnLst>
-  </p:timing>
 </p:sld>
 </file>
 
@@ -33958,13 +31680,6 @@
   <p:clrMapOvr>
     <a:masterClrMapping/>
   </p:clrMapOvr>
-  <p:timing>
-    <p:tnLst>
-      <p:par>
-        <p:cTn id="1" dur="indefinite" restart="never" nodeType="tmRoot"/>
-      </p:par>
-    </p:tnLst>
-  </p:timing>
 </p:sld>
 </file>
 
@@ -34133,13 +31848,6 @@
   <p:clrMapOvr>
     <a:masterClrMapping/>
   </p:clrMapOvr>
-  <p:timing>
-    <p:tnLst>
-      <p:par>
-        <p:cTn id="1" dur="indefinite" restart="never" nodeType="tmRoot"/>
-      </p:par>
-    </p:tnLst>
-  </p:timing>
 </p:sld>
 </file>
 
@@ -34272,13 +31980,6 @@
   <p:clrMapOvr>
     <a:masterClrMapping/>
   </p:clrMapOvr>
-  <p:timing>
-    <p:tnLst>
-      <p:par>
-        <p:cTn id="1" dur="indefinite" restart="never" nodeType="tmRoot"/>
-      </p:par>
-    </p:tnLst>
-  </p:timing>
 </p:sld>
 </file>
 
@@ -34339,13 +32040,6 @@
   <p:clrMapOvr>
     <a:masterClrMapping/>
   </p:clrMapOvr>
-  <p:timing>
-    <p:tnLst>
-      <p:par>
-        <p:cTn id="1" dur="indefinite" restart="never" nodeType="tmRoot"/>
-      </p:par>
-    </p:tnLst>
-  </p:timing>
 </p:sld>
 </file>
 
@@ -34533,13 +32227,6 @@
   <p:clrMapOvr>
     <a:masterClrMapping/>
   </p:clrMapOvr>
-  <p:timing>
-    <p:tnLst>
-      <p:par>
-        <p:cTn id="1" dur="indefinite" restart="never" nodeType="tmRoot"/>
-      </p:par>
-    </p:tnLst>
-  </p:timing>
 </p:sld>
 </file>
 
@@ -34594,13 +32281,6 @@
   <p:clrMapOvr>
     <a:masterClrMapping/>
   </p:clrMapOvr>
-  <p:timing>
-    <p:tnLst>
-      <p:par>
-        <p:cTn id="1" dur="indefinite" restart="never" nodeType="tmRoot"/>
-      </p:par>
-    </p:tnLst>
-  </p:timing>
 </p:sld>
 </file>
 
@@ -34670,13 +32350,6 @@
   <p:clrMapOvr>
     <a:masterClrMapping/>
   </p:clrMapOvr>
-  <p:timing>
-    <p:tnLst>
-      <p:par>
-        <p:cTn id="1" dur="indefinite" restart="never" nodeType="tmRoot"/>
-      </p:par>
-    </p:tnLst>
-  </p:timing>
 </p:sld>
 </file>
 
@@ -34756,33 +32429,27 @@
             </a:r>
             <a:r>
               <a:rPr lang="en-US" sz="4000" dirty="0"/>
-              <a:t> </a:t>
-            </a:r>
-            <a:r>
-              <a:rPr lang="en-US" sz="4000" dirty="0" smtClean="0"/>
-              <a:t>for…</a:t>
-            </a:r>
-            <a:endParaRPr lang="en-US" sz="4000" dirty="0"/>
-          </a:p>
-          <a:p>
-            <a:endParaRPr lang="en-US" sz="4000" dirty="0"/>
-          </a:p>
-          <a:p>
-            <a:r>
-              <a:rPr lang="en-US" sz="3600" dirty="0" smtClean="0"/>
+              <a:t> for…</a:t>
+            </a:r>
+          </a:p>
+          <a:p>
+            <a:endParaRPr lang="en-US" sz="4000" dirty="0"/>
+          </a:p>
+          <a:p>
+            <a:r>
+              <a:rPr lang="en-US" sz="3600" dirty="0"/>
               <a:t>Intranet logins against Active Directory, or</a:t>
             </a:r>
             <a:br>
-              <a:rPr lang="en-US" sz="3600" dirty="0" smtClean="0"/>
+              <a:rPr lang="en-US" sz="3600" dirty="0"/>
             </a:br>
-            <a:endParaRPr lang="en-US" sz="3600" dirty="0" smtClean="0"/>
-          </a:p>
-          <a:p>
-            <a:r>
-              <a:rPr lang="en-US" sz="3600" dirty="0" smtClean="0"/>
+            <a:endParaRPr lang="en-US" sz="3600" dirty="0"/>
+          </a:p>
+          <a:p>
+            <a:r>
+              <a:rPr lang="en-US" sz="3600" dirty="0"/>
               <a:t>Other enterprise scenarios</a:t>
             </a:r>
-            <a:endParaRPr lang="en-US" sz="3600" dirty="0"/>
           </a:p>
           <a:p>
             <a:endParaRPr lang="en-US" sz="3600" dirty="0"/>
@@ -34849,13 +32516,6 @@
   <p:clrMapOvr>
     <a:masterClrMapping/>
   </p:clrMapOvr>
-  <p:timing>
-    <p:tnLst>
-      <p:par>
-        <p:cTn id="1" dur="indefinite" restart="never" nodeType="tmRoot"/>
-      </p:par>
-    </p:tnLst>
-  </p:timing>
 </p:sld>
 </file>
 
@@ -34939,15 +32599,7 @@
             </a:r>
             <a:r>
               <a:rPr lang="en-US" sz="4000" dirty="0"/>
-              <a:t> </a:t>
-            </a:r>
-            <a:r>
-              <a:rPr lang="en-US" sz="4000" dirty="0" smtClean="0"/>
-              <a:t>for…</a:t>
-            </a:r>
-            <a:r>
-              <a:rPr lang="en-US" sz="4000" dirty="0"/>
-              <a:t/>
+              <a:t> for…</a:t>
             </a:r>
             <a:br>
               <a:rPr lang="en-US" sz="4000" dirty="0"/>
@@ -34956,23 +32608,11 @@
           </a:p>
           <a:p>
             <a:r>
-              <a:rPr lang="en-US" sz="3600" dirty="0" smtClean="0"/>
-              <a:t>Authenticating server-to-server </a:t>
-            </a:r>
-            <a:r>
               <a:rPr lang="en-US" sz="3600" dirty="0"/>
-              <a:t>API calls </a:t>
-            </a:r>
-            <a:r>
-              <a:rPr lang="en-US" sz="3600" dirty="0" smtClean="0"/>
-              <a:t>against a standard </a:t>
-            </a:r>
-            <a:r>
-              <a:rPr lang="en-US" sz="3600" dirty="0"/>
-              <a:t>database, like </a:t>
-            </a:r>
-            <a:r>
-              <a:rPr lang="en-US" sz="3600" dirty="0" err="1" smtClean="0"/>
+              <a:t>Authenticating server-to-server API calls against a standard database, like </a:t>
+            </a:r>
+            <a:r>
+              <a:rPr lang="en-US" sz="3600" dirty="0" err="1"/>
               <a:t>ActiveDirectory</a:t>
             </a:r>
             <a:endParaRPr lang="en-US" sz="3600" dirty="0"/>
@@ -35035,13 +32675,6 @@
   <p:clrMapOvr>
     <a:masterClrMapping/>
   </p:clrMapOvr>
-  <p:timing>
-    <p:tnLst>
-      <p:par>
-        <p:cTn id="1" dur="indefinite" restart="never" nodeType="tmRoot"/>
-      </p:par>
-    </p:tnLst>
-  </p:timing>
 </p:sld>
 </file>
 
@@ -35125,23 +32758,17 @@
             </a:r>
             <a:r>
               <a:rPr lang="en-US" sz="4000" dirty="0"/>
-              <a:t> </a:t>
-            </a:r>
-            <a:r>
-              <a:rPr lang="en-US" sz="4000" dirty="0" smtClean="0"/>
-              <a:t>for…</a:t>
-            </a:r>
-            <a:endParaRPr lang="en-US" sz="4000" dirty="0"/>
-          </a:p>
-          <a:p>
-            <a:endParaRPr lang="en-US" sz="4000" dirty="0"/>
-          </a:p>
-          <a:p>
-            <a:r>
-              <a:rPr lang="en-US" sz="3600" dirty="0" smtClean="0"/>
+              <a:t> for…</a:t>
+            </a:r>
+          </a:p>
+          <a:p>
+            <a:endParaRPr lang="en-US" sz="4000" dirty="0"/>
+          </a:p>
+          <a:p>
+            <a:r>
+              <a:rPr lang="en-US" sz="3600" dirty="0"/>
               <a:t>Nothing. Don't ever do this.</a:t>
             </a:r>
-            <a:endParaRPr lang="en-US" sz="3600" dirty="0"/>
           </a:p>
           <a:p>
             <a:endParaRPr lang="en-US" sz="3600" dirty="0"/>
@@ -35204,13 +32831,6 @@
   <p:clrMapOvr>
     <a:masterClrMapping/>
   </p:clrMapOvr>
-  <p:timing>
-    <p:tnLst>
-      <p:par>
-        <p:cTn id="1" dur="indefinite" restart="never" nodeType="tmRoot"/>
-      </p:par>
-    </p:tnLst>
-  </p:timing>
 </p:sld>
 </file>
 
@@ -35294,30 +32914,25 @@
             </a:r>
             <a:r>
               <a:rPr lang="en-US" sz="4000" dirty="0"/>
-              <a:t> </a:t>
-            </a:r>
-            <a:r>
-              <a:rPr lang="en-US" sz="4000" dirty="0" smtClean="0"/>
-              <a:t>for…</a:t>
-            </a:r>
-            <a:endParaRPr lang="en-US" sz="4000" dirty="0"/>
-          </a:p>
-          <a:p>
-            <a:endParaRPr lang="en-US" sz="4000" dirty="0"/>
-          </a:p>
-          <a:p>
-            <a:r>
-              <a:rPr lang="en-US" sz="3600" dirty="0" smtClean="0"/>
+              <a:t> for…</a:t>
+            </a:r>
+          </a:p>
+          <a:p>
+            <a:endParaRPr lang="en-US" sz="4000" dirty="0"/>
+          </a:p>
+          <a:p>
+            <a:r>
+              <a:rPr lang="en-US" sz="3600" dirty="0"/>
               <a:t>Rapidly standing up a new API;</a:t>
             </a:r>
             <a:br>
-              <a:rPr lang="en-US" sz="3600" dirty="0" smtClean="0"/>
+              <a:rPr lang="en-US" sz="3600" dirty="0"/>
             </a:br>
-            <a:endParaRPr lang="en-US" sz="3600" dirty="0" smtClean="0"/>
-          </a:p>
-          <a:p>
-            <a:r>
-              <a:rPr lang="en-US" sz="3600" dirty="0" smtClean="0"/>
+            <a:endParaRPr lang="en-US" sz="3600" dirty="0"/>
+          </a:p>
+          <a:p>
+            <a:r>
+              <a:rPr lang="en-US" sz="3600" dirty="0"/>
               <a:t>Scenarios where simplicity is more important than security</a:t>
             </a:r>
           </a:p>
@@ -35394,13 +33009,6 @@
   <p:clrMapOvr>
     <a:masterClrMapping/>
   </p:clrMapOvr>
-  <p:timing>
-    <p:tnLst>
-      <p:par>
-        <p:cTn id="1" dur="indefinite" restart="never" nodeType="tmRoot"/>
-      </p:par>
-    </p:tnLst>
-  </p:timing>
 </p:sld>
 </file>
 
@@ -35484,15 +33092,7 @@
             </a:r>
             <a:r>
               <a:rPr lang="en-US" sz="4000" dirty="0"/>
-              <a:t> </a:t>
-            </a:r>
-            <a:r>
-              <a:rPr lang="en-US" sz="4000" dirty="0" smtClean="0"/>
-              <a:t>when…</a:t>
-            </a:r>
-            <a:r>
-              <a:rPr lang="en-US" sz="4000" dirty="0"/>
-              <a:t/>
+              <a:t> when…</a:t>
             </a:r>
             <a:br>
               <a:rPr lang="en-US" sz="4000" dirty="0"/>
@@ -35502,15 +33102,7 @@
           <a:p>
             <a:r>
               <a:rPr lang="en-US" sz="3600" dirty="0"/>
-              <a:t>You </a:t>
-            </a:r>
-            <a:r>
-              <a:rPr lang="en-US" sz="3600" dirty="0" smtClean="0"/>
-              <a:t>need </a:t>
-            </a:r>
-            <a:r>
-              <a:rPr lang="en-US" sz="3600" dirty="0"/>
-              <a:t>extra security vs bearer tokens, and</a:t>
+              <a:t>You need extra security vs bearer tokens, and</a:t>
             </a:r>
             <a:br>
               <a:rPr lang="en-US" sz="3600" dirty="0"/>
@@ -35587,13 +33179,6 @@
   <p:clrMapOvr>
     <a:masterClrMapping/>
   </p:clrMapOvr>
-  <p:timing>
-    <p:tnLst>
-      <p:par>
-        <p:cTn id="1" dur="indefinite" restart="never" nodeType="tmRoot"/>
-      </p:par>
-    </p:tnLst>
-  </p:timing>
 </p:sld>
 </file>
 
@@ -35673,43 +33258,29 @@
             </a:r>
             <a:r>
               <a:rPr lang="en-US" sz="4000" dirty="0"/>
-              <a:t> </a:t>
-            </a:r>
-            <a:r>
-              <a:rPr lang="en-US" sz="4000" dirty="0" smtClean="0"/>
-              <a:t>for…</a:t>
-            </a:r>
-            <a:endParaRPr lang="en-US" sz="4000" dirty="0"/>
+              <a:t> for…</a:t>
+            </a:r>
           </a:p>
           <a:p>
             <a:endParaRPr lang="en-US" sz="3600" dirty="0"/>
           </a:p>
           <a:p>
             <a:r>
-              <a:rPr lang="en-US" sz="3600" dirty="0" smtClean="0"/>
+              <a:rPr lang="en-US" sz="3600" dirty="0"/>
               <a:t>JavaScript clients</a:t>
             </a:r>
           </a:p>
           <a:p>
             <a:r>
-              <a:rPr lang="en-US" sz="3600" dirty="0" smtClean="0"/>
-              <a:t>A stateless </a:t>
-            </a:r>
-            <a:r>
               <a:rPr lang="en-US" sz="3600" dirty="0"/>
-              <a:t>alternative to in-memory "sessions</a:t>
-            </a:r>
-            <a:r>
-              <a:rPr lang="en-US" sz="3600" dirty="0" smtClean="0"/>
-              <a:t>"</a:t>
-            </a:r>
-          </a:p>
-          <a:p>
-            <a:r>
-              <a:rPr lang="en-US" sz="3600" dirty="0" smtClean="0"/>
+              <a:t>A stateless alternative to in-memory "sessions"</a:t>
+            </a:r>
+          </a:p>
+          <a:p>
+            <a:r>
+              <a:rPr lang="en-US" sz="3600" dirty="0"/>
               <a:t>Lightweight SSO</a:t>
             </a:r>
-            <a:endParaRPr lang="en-US" sz="3600" dirty="0"/>
           </a:p>
           <a:p>
             <a:endParaRPr lang="en-US" sz="3600" dirty="0"/>
@@ -35772,13 +33343,6 @@
   <p:clrMapOvr>
     <a:masterClrMapping/>
   </p:clrMapOvr>
-  <p:timing>
-    <p:tnLst>
-      <p:par>
-        <p:cTn id="1" dur="indefinite" restart="never" nodeType="tmRoot"/>
-      </p:par>
-    </p:tnLst>
-  </p:timing>
 </p:sld>
 </file>
 
@@ -35862,41 +33426,29 @@
             </a:r>
             <a:r>
               <a:rPr lang="en-US" sz="4000" dirty="0"/>
-              <a:t> </a:t>
-            </a:r>
-            <a:r>
-              <a:rPr lang="en-US" sz="4000" dirty="0" smtClean="0"/>
-              <a:t>when…</a:t>
-            </a:r>
-            <a:endParaRPr lang="en-US" sz="4000" dirty="0"/>
-          </a:p>
-          <a:p>
-            <a:endParaRPr lang="en-US" sz="4000" dirty="0"/>
-          </a:p>
-          <a:p>
-            <a:r>
-              <a:rPr lang="en-US" sz="3600" dirty="0" smtClean="0"/>
+              <a:t> when…</a:t>
+            </a:r>
+          </a:p>
+          <a:p>
+            <a:endParaRPr lang="en-US" sz="4000" dirty="0"/>
+          </a:p>
+          <a:p>
+            <a:r>
+              <a:rPr lang="en-US" sz="3600" dirty="0"/>
               <a:t>You need to access user data, and</a:t>
             </a:r>
-            <a:endParaRPr lang="en-US" sz="3600" dirty="0"/>
           </a:p>
           <a:p>
             <a:r>
               <a:rPr lang="en-US" sz="3600" dirty="0"/>
-              <a:t>You only have web-based </a:t>
-            </a:r>
-            <a:r>
-              <a:rPr lang="en-US" sz="3600" dirty="0" smtClean="0"/>
-              <a:t>clients, and</a:t>
-            </a:r>
-            <a:endParaRPr lang="en-US" sz="3600" dirty="0"/>
-          </a:p>
-          <a:p>
-            <a:r>
-              <a:rPr lang="en-US" sz="3600" dirty="0" smtClean="0"/>
+              <a:t>You only have web-based clients, and</a:t>
+            </a:r>
+          </a:p>
+          <a:p>
+            <a:r>
+              <a:rPr lang="en-US" sz="3600" dirty="0"/>
               <a:t>You care more about security than complexity</a:t>
             </a:r>
-            <a:endParaRPr lang="en-US" sz="3600" dirty="0"/>
           </a:p>
           <a:p>
             <a:endParaRPr lang="en-US" sz="3600" dirty="0"/>
@@ -35959,13 +33511,6 @@
   <p:clrMapOvr>
     <a:masterClrMapping/>
   </p:clrMapOvr>
-  <p:timing>
-    <p:tnLst>
-      <p:par>
-        <p:cTn id="1" dur="indefinite" restart="never" nodeType="tmRoot"/>
-      </p:par>
-    </p:tnLst>
-  </p:timing>
 </p:sld>
 </file>
 
@@ -36098,13 +33643,6 @@
   <p:clrMapOvr>
     <a:masterClrMapping/>
   </p:clrMapOvr>
-  <p:timing>
-    <p:tnLst>
-      <p:par>
-        <p:cTn id="1" dur="indefinite" restart="never" nodeType="tmRoot"/>
-      </p:par>
-    </p:tnLst>
-  </p:timing>
 </p:sld>
 </file>
 
@@ -36188,13 +33726,8 @@
             </a:r>
             <a:r>
               <a:rPr lang="en-US" sz="4000" dirty="0"/>
-              <a:t> </a:t>
-            </a:r>
-            <a:r>
-              <a:rPr lang="en-US" sz="4000" dirty="0" smtClean="0"/>
-              <a:t>when…</a:t>
-            </a:r>
-            <a:endParaRPr lang="en-US" sz="4000" dirty="0"/>
+              <a:t> when…</a:t>
+            </a:r>
           </a:p>
           <a:p>
             <a:endParaRPr lang="en-US" sz="4000" dirty="0"/>
@@ -36207,32 +33740,15 @@
           </a:p>
           <a:p>
             <a:r>
-              <a:rPr lang="en-US" sz="3600" dirty="0" smtClean="0"/>
-              <a:t>You </a:t>
-            </a:r>
-            <a:r>
               <a:rPr lang="en-US" sz="3600" dirty="0"/>
-              <a:t>need to support a </a:t>
-            </a:r>
-            <a:r>
-              <a:rPr lang="en-US" sz="3600" dirty="0" smtClean="0"/>
-              <a:t>wide </a:t>
-            </a:r>
+              <a:t>You need to support a wide set of devices, or </a:t>
+            </a:r>
+          </a:p>
+          <a:p>
             <a:r>
               <a:rPr lang="en-US" sz="3600" dirty="0"/>
-              <a:t>set of </a:t>
-            </a:r>
-            <a:r>
-              <a:rPr lang="en-US" sz="3600" dirty="0" smtClean="0"/>
-              <a:t>devices, or </a:t>
-            </a:r>
-          </a:p>
-          <a:p>
-            <a:r>
-              <a:rPr lang="en-US" sz="3600" dirty="0" smtClean="0"/>
               <a:t>You want to avoid complexity of signing</a:t>
             </a:r>
-            <a:endParaRPr lang="en-US" sz="3600" dirty="0"/>
           </a:p>
           <a:p>
             <a:endParaRPr lang="en-US" sz="3600" dirty="0"/>
@@ -36298,13 +33814,6 @@
   <p:clrMapOvr>
     <a:masterClrMapping/>
   </p:clrMapOvr>
-  <p:timing>
-    <p:tnLst>
-      <p:par>
-        <p:cTn id="1" dur="indefinite" restart="never" nodeType="tmRoot"/>
-      </p:par>
-    </p:tnLst>
-  </p:timing>
 </p:sld>
 </file>
 
@@ -36384,13 +33893,8 @@
             </a:r>
             <a:r>
               <a:rPr lang="en-US" sz="4000" dirty="0"/>
-              <a:t> </a:t>
-            </a:r>
-            <a:r>
-              <a:rPr lang="en-US" sz="4000" dirty="0" smtClean="0"/>
-              <a:t>when…</a:t>
-            </a:r>
-            <a:endParaRPr lang="en-US" sz="4000" dirty="0"/>
+              <a:t> when…</a:t>
+            </a:r>
           </a:p>
           <a:p>
             <a:endParaRPr lang="en-US" sz="3200" dirty="0"/>
@@ -36422,16 +33926,8 @@
           </a:p>
           <a:p>
             <a:r>
-              <a:rPr lang="en-US" sz="3600" dirty="0" smtClean="0"/>
-              <a:t>You </a:t>
-            </a:r>
-            <a:r>
-              <a:rPr lang="en-US" sz="3600" dirty="0" smtClean="0"/>
-              <a:t>want a robust SSO option, without </a:t>
-            </a:r>
-            <a:r>
               <a:rPr lang="en-US" sz="3600" dirty="0"/>
-              <a:t>SAML</a:t>
+              <a:t>You want a robust SSO option, without SAML</a:t>
             </a:r>
           </a:p>
           <a:p>
@@ -36501,13 +33997,6 @@
   <p:clrMapOvr>
     <a:masterClrMapping/>
   </p:clrMapOvr>
-  <p:timing>
-    <p:tnLst>
-      <p:par>
-        <p:cTn id="1" dur="indefinite" restart="never" nodeType="tmRoot"/>
-      </p:par>
-    </p:tnLst>
-  </p:timing>
 </p:sld>
 </file>
 
@@ -36669,13 +34158,6 @@
   <p:clrMapOvr>
     <a:masterClrMapping/>
   </p:clrMapOvr>
-  <p:timing>
-    <p:tnLst>
-      <p:par>
-        <p:cTn id="1" dur="indefinite" restart="never" nodeType="tmRoot"/>
-      </p:par>
-    </p:tnLst>
-  </p:timing>
 </p:sld>
 </file>
 
@@ -36706,7 +34188,12 @@
             <p:ph type="title"/>
           </p:nvPr>
         </p:nvSpPr>
-        <p:spPr/>
+        <p:spPr>
+          <a:xfrm>
+            <a:off x="992024" y="74569"/>
+            <a:ext cx="10515600" cy="848378"/>
+          </a:xfrm>
+        </p:spPr>
         <p:txBody>
           <a:bodyPr>
             <a:normAutofit/>
@@ -36732,8 +34219,8 @@
         </p:nvSpPr>
         <p:spPr>
           <a:xfrm>
-            <a:off x="838200" y="1911620"/>
-            <a:ext cx="11215255" cy="4505498"/>
+            <a:off x="838200" y="1110953"/>
+            <a:ext cx="11215255" cy="5747047"/>
           </a:xfrm>
         </p:spPr>
         <p:txBody>
@@ -36748,54 +34235,128 @@
             </a:r>
             <a:r>
               <a:rPr lang="en-US" sz="4000" b="1" dirty="0"/>
-              <a:t>bearer tokens</a:t>
+              <a:t>bearer tokens </a:t>
             </a:r>
             <a:r>
               <a:rPr lang="en-US" sz="4000" dirty="0"/>
-              <a:t> or to </a:t>
+              <a:t>(</a:t>
+            </a:r>
+            <a:r>
+              <a:rPr lang="en-US" sz="4000" i="1" dirty="0"/>
+              <a:t>easy</a:t>
+            </a:r>
+            <a:r>
+              <a:rPr lang="en-US" sz="4000" dirty="0"/>
+              <a:t>) or to </a:t>
             </a:r>
             <a:r>
               <a:rPr lang="en-US" sz="4000" b="1" dirty="0"/>
-              <a:t>sign requests</a:t>
+              <a:t>sign requests </a:t>
             </a:r>
             <a:r>
               <a:rPr lang="en-US" sz="4000" dirty="0"/>
-              <a:t>, depending on security/convenience needs</a:t>
+              <a:t>(</a:t>
+            </a:r>
+            <a:r>
+              <a:rPr lang="en-US" sz="4000" i="1" dirty="0"/>
+              <a:t>more secure</a:t>
+            </a:r>
+            <a:r>
+              <a:rPr lang="en-US" sz="4000" dirty="0"/>
+              <a:t>)</a:t>
+            </a:r>
+          </a:p>
+          <a:p>
+            <a:pPr marL="0" indent="0">
+              <a:buNone/>
+            </a:pPr>
+            <a:endParaRPr lang="en-US" sz="1200" dirty="0"/>
+          </a:p>
+          <a:p>
+            <a:r>
+              <a:rPr lang="en-US" sz="4000" b="1" dirty="0"/>
+              <a:t>JSON Web Tokens</a:t>
+            </a:r>
+            <a:r>
+              <a:rPr lang="en-US" sz="4000" dirty="0"/>
+              <a:t> are a secure, stateless way to share </a:t>
+            </a:r>
+            <a:r>
+              <a:rPr lang="en-US" sz="4000" i="1" dirty="0"/>
+              <a:t>non-sensitive data</a:t>
+            </a:r>
+            <a:r>
+              <a:rPr lang="en-US" sz="4000" dirty="0"/>
+              <a:t>. Careful about XSS/CSRF!</a:t>
+            </a:r>
+          </a:p>
+          <a:p>
+            <a:endParaRPr lang="en-US" sz="1200" dirty="0"/>
+          </a:p>
+          <a:p>
+            <a:r>
+              <a:rPr lang="en-US" sz="4000" b="1" dirty="0"/>
+              <a:t>OAuth is for authorization, not authentication</a:t>
+            </a:r>
+            <a:r>
+              <a:rPr lang="en-US" sz="4000" dirty="0"/>
+              <a:t>. Use OpenID Connect if you need both</a:t>
             </a:r>
             <a:br>
               <a:rPr lang="en-US" sz="4000" dirty="0"/>
             </a:br>
-            <a:endParaRPr lang="en-US" sz="4000" dirty="0"/>
-          </a:p>
-          <a:p>
-            <a:r>
-              <a:rPr lang="en-US" sz="4000" b="1" dirty="0"/>
-              <a:t>JSON Web Tokens</a:t>
-            </a:r>
-            <a:r>
-              <a:rPr lang="en-US" sz="4000" dirty="0"/>
-              <a:t> are a secure, stateless way to share </a:t>
-            </a:r>
-            <a:r>
-              <a:rPr lang="en-US" sz="4000" i="1" dirty="0"/>
-              <a:t>non-sensitive data</a:t>
-            </a:r>
-            <a:r>
-              <a:rPr lang="en-US" sz="4000" dirty="0"/>
-              <a:t>. Careful about XSS/CSRF!</a:t>
-            </a:r>
-          </a:p>
-          <a:p>
-            <a:endParaRPr lang="en-US" sz="4000" dirty="0"/>
-          </a:p>
-          <a:p>
-            <a:r>
-              <a:rPr lang="en-US" sz="4000" b="1" dirty="0"/>
-              <a:t>OAuth is for authorization, not authentication</a:t>
-            </a:r>
-            <a:r>
-              <a:rPr lang="en-US" sz="4000" dirty="0"/>
-              <a:t>. Use OpenID Connect if you need both</a:t>
+            <a:endParaRPr lang="en-US" sz="1800" dirty="0"/>
+          </a:p>
+          <a:p>
+            <a:pPr marL="457200" lvl="1" indent="0" algn="ctr">
+              <a:buNone/>
+            </a:pPr>
+            <a:r>
+              <a:rPr lang="en-US" sz="4000" b="1" dirty="0">
+                <a:solidFill>
+                  <a:srgbClr val="FD7D00"/>
+                </a:solidFill>
+              </a:rPr>
+              <a:t>github.com/</a:t>
+            </a:r>
+            <a:r>
+              <a:rPr lang="en-US" sz="4000" b="1" dirty="0" err="1">
+                <a:solidFill>
+                  <a:srgbClr val="FD7D00"/>
+                </a:solidFill>
+              </a:rPr>
+              <a:t>spetryjohnson</a:t>
+            </a:r>
+            <a:br>
+              <a:rPr lang="en-US" sz="4000" b="1" dirty="0">
+                <a:solidFill>
+                  <a:srgbClr val="FD7D00"/>
+                </a:solidFill>
+              </a:rPr>
+            </a:br>
+            <a:r>
+              <a:rPr lang="en-US" sz="4000" dirty="0">
+                <a:solidFill>
+                  <a:srgbClr val="FD7D00"/>
+                </a:solidFill>
+              </a:rPr>
+              <a:t>@</a:t>
+            </a:r>
+            <a:r>
+              <a:rPr lang="en-US" sz="4000" dirty="0" err="1">
+                <a:solidFill>
+                  <a:srgbClr val="FD7D00"/>
+                </a:solidFill>
+              </a:rPr>
+              <a:t>spetryjohnson</a:t>
+            </a:r>
+            <a:r>
+              <a:rPr lang="en-US" sz="4000" dirty="0">
+                <a:solidFill>
+                  <a:srgbClr val="FD7D00"/>
+                </a:solidFill>
+              </a:rPr>
+              <a:t>   /   seth@petry-johnson.com</a:t>
             </a:r>
           </a:p>
           <a:p>
@@ -36859,153 +34420,6 @@
   <p:clrMapOvr>
     <a:masterClrMapping/>
   </p:clrMapOvr>
-  <p:timing>
-    <p:tnLst>
-      <p:par>
-        <p:cTn id="1" dur="indefinite" restart="never" nodeType="tmRoot"/>
-      </p:par>
-    </p:tnLst>
-  </p:timing>
-</p:sld>
-</file>
-
-<file path=ppt/slides/slide84.xml><?xml version="1.0" encoding="utf-8"?>
-<p:sld xmlns:a="http://schemas.openxmlformats.org/drawingml/2006/main" xmlns:r="http://schemas.openxmlformats.org/officeDocument/2006/relationships" xmlns:p="http://schemas.openxmlformats.org/presentationml/2006/main">
-  <p:cSld>
-    <p:spTree>
-      <p:nvGrpSpPr>
-        <p:cNvPr id="1" name=""/>
-        <p:cNvGrpSpPr/>
-        <p:nvPr/>
-      </p:nvGrpSpPr>
-      <p:grpSpPr>
-        <a:xfrm>
-          <a:off x="0" y="0"/>
-          <a:ext cx="0" cy="0"/>
-          <a:chOff x="0" y="0"/>
-          <a:chExt cx="0" cy="0"/>
-        </a:xfrm>
-      </p:grpSpPr>
-      <p:sp>
-        <p:nvSpPr>
-          <p:cNvPr id="2" name="Title 1"/>
-          <p:cNvSpPr>
-            <a:spLocks noGrp="1"/>
-          </p:cNvSpPr>
-          <p:nvPr>
-            <p:ph type="title"/>
-          </p:nvPr>
-        </p:nvSpPr>
-        <p:spPr/>
-        <p:txBody>
-          <a:bodyPr/>
-          <a:lstStyle/>
-          <a:p>
-            <a:r>
-              <a:rPr lang="en-US" dirty="0"/>
-              <a:t>That’s all, folks!</a:t>
-            </a:r>
-          </a:p>
-        </p:txBody>
-      </p:sp>
-      <p:sp>
-        <p:nvSpPr>
-          <p:cNvPr id="3" name="Content Placeholder 2"/>
-          <p:cNvSpPr>
-            <a:spLocks noGrp="1"/>
-          </p:cNvSpPr>
-          <p:nvPr>
-            <p:ph idx="1"/>
-          </p:nvPr>
-        </p:nvSpPr>
-        <p:spPr>
-          <a:xfrm>
-            <a:off x="838200" y="1825624"/>
-            <a:ext cx="10515600" cy="5032375"/>
-          </a:xfrm>
-        </p:spPr>
-        <p:txBody>
-          <a:bodyPr>
-            <a:normAutofit/>
-          </a:bodyPr>
-          <a:lstStyle/>
-          <a:p>
-            <a:endParaRPr lang="en-US" dirty="0"/>
-          </a:p>
-          <a:p>
-            <a:pPr marL="0" indent="0">
-              <a:buNone/>
-            </a:pPr>
-            <a:r>
-              <a:rPr lang="en-US" sz="4000" b="1" dirty="0"/>
-              <a:t>Materials</a:t>
-            </a:r>
-          </a:p>
-          <a:p>
-            <a:pPr lvl="1"/>
-            <a:r>
-              <a:rPr lang="en-US" sz="3600" dirty="0">
-                <a:hlinkClick r:id="rId3"/>
-              </a:rPr>
-              <a:t>www.petry-johnson.com</a:t>
-            </a:r>
-            <a:endParaRPr lang="en-US" sz="3600" dirty="0"/>
-          </a:p>
-          <a:p>
-            <a:pPr lvl="1"/>
-            <a:r>
-              <a:rPr lang="en-US" sz="3600" dirty="0">
-                <a:hlinkClick r:id="rId4"/>
-              </a:rPr>
-              <a:t>github.com/spetryjohnson</a:t>
-            </a:r>
-            <a:endParaRPr lang="en-US" sz="3600" dirty="0"/>
-          </a:p>
-          <a:p>
-            <a:endParaRPr lang="en-US" sz="4000" dirty="0"/>
-          </a:p>
-          <a:p>
-            <a:pPr marL="0" indent="0">
-              <a:buNone/>
-            </a:pPr>
-            <a:r>
-              <a:rPr lang="en-US" sz="4000" b="1" dirty="0"/>
-              <a:t>Contact</a:t>
-            </a:r>
-          </a:p>
-          <a:p>
-            <a:pPr lvl="1"/>
-            <a:r>
-              <a:rPr lang="en-US" sz="3600" dirty="0"/>
-              <a:t>@spetryjohnson</a:t>
-            </a:r>
-          </a:p>
-          <a:p>
-            <a:pPr lvl="1"/>
-            <a:r>
-              <a:rPr lang="en-US" sz="3600" dirty="0"/>
-              <a:t>seth@petry-johnson.com</a:t>
-            </a:r>
-          </a:p>
-        </p:txBody>
-      </p:sp>
-    </p:spTree>
-    <p:extLst>
-      <p:ext uri="{BB962C8B-B14F-4D97-AF65-F5344CB8AC3E}">
-        <p14:creationId xmlns:p14="http://schemas.microsoft.com/office/powerpoint/2010/main" val="2763957675"/>
-      </p:ext>
-    </p:extLst>
-  </p:cSld>
-  <p:clrMapOvr>
-    <a:masterClrMapping/>
-  </p:clrMapOvr>
-  <p:timing>
-    <p:tnLst>
-      <p:par>
-        <p:cTn id="1" dur="indefinite" restart="never" nodeType="tmRoot"/>
-      </p:par>
-    </p:tnLst>
-  </p:timing>
 </p:sld>
 </file>
 
@@ -37123,21 +34537,6 @@
   <p:clrMapOvr>
     <a:masterClrMapping/>
   </p:clrMapOvr>
-  <mc:AlternateContent xmlns:mc="http://schemas.openxmlformats.org/markup-compatibility/2006">
-    <mc:Choice xmlns:p14="http://schemas.microsoft.com/office/powerpoint/2010/main" Requires="p14">
-      <p:transition spd="slow" p14:dur="2000"/>
-    </mc:Choice>
-    <mc:Fallback>
-      <p:transition spd="slow"/>
-    </mc:Fallback>
-  </mc:AlternateContent>
-  <p:timing>
-    <p:tnLst>
-      <p:par>
-        <p:cTn id="1" dur="indefinite" restart="never" nodeType="tmRoot"/>
-      </p:par>
-    </p:tnLst>
-  </p:timing>
 </p:sld>
 </file>
 

--- a/Securing Your API Endpoints.pptx
+++ b/Securing Your API Endpoints.pptx
@@ -75,7 +75,7 @@
     <p:sldId id="498" r:id="rId66"/>
     <p:sldId id="577" r:id="rId67"/>
     <p:sldId id="578" r:id="rId68"/>
-    <p:sldId id="579" r:id="rId69"/>
+    <p:sldId id="580" r:id="rId69"/>
     <p:sldId id="501" r:id="rId70"/>
     <p:sldId id="502" r:id="rId71"/>
     <p:sldId id="538" r:id="rId72"/>
@@ -14633,16 +14633,11 @@
                 <a:ea typeface="+mn-ea"/>
                 <a:cs typeface="+mn-cs"/>
               </a:rPr>
-              <a:t> and should not be used as one, for two reasons.</a:t>
-            </a:r>
-          </a:p>
-          <a:p>
-            <a:endParaRPr lang="en-US" dirty="0"/>
-          </a:p>
-          <a:p>
+              <a:t> and </a:t>
+            </a:r>
             <a:r>
               <a:rPr lang="en-US" b="1" dirty="0"/>
-              <a:t>You should not be using </a:t>
+              <a:t>you should not be using </a:t>
             </a:r>
             <a:r>
               <a:rPr lang="en-US" b="1" dirty="0" err="1"/>
@@ -14652,11 +14647,6 @@
               <a:rPr lang="en-US" b="1" dirty="0"/>
               <a:t> to figure out WHO is making the request</a:t>
             </a:r>
-            <a:r>
-              <a:rPr lang="en-US" b="0" dirty="0"/>
-              <a:t>.</a:t>
-            </a:r>
-            <a:endParaRPr lang="en-US" b="1" dirty="0"/>
           </a:p>
         </p:txBody>
       </p:sp>
@@ -15056,7 +15046,7 @@
                 <a:ea typeface="+mn-ea"/>
                 <a:cs typeface="+mn-cs"/>
               </a:rPr>
-              <a:t> that will provide user </a:t>
+              <a:t> that will provide the “who” associated </a:t>
             </a:r>
             <a:r>
               <a:rPr lang="en-US" sz="1200" kern="1200" baseline="0" dirty="0">
@@ -15068,7 +15058,7 @@
                 <a:ea typeface="+mn-ea"/>
                 <a:cs typeface="+mn-cs"/>
               </a:rPr>
-              <a:t>information associated with that token? </a:t>
+              <a:t>with that token? </a:t>
             </a:r>
           </a:p>
           <a:p>
@@ -15093,7 +15083,31 @@
                 <a:ea typeface="+mn-ea"/>
                 <a:cs typeface="+mn-cs"/>
               </a:rPr>
-              <a:t>Let's say you call the authorization server and you get a token. And that token lets you call an API, which will return the email address associated with that token. Is </a:t>
+              <a:t>For instance, let’s say the token lets you call this “</a:t>
+            </a:r>
+            <a:r>
+              <a:rPr lang="en-US" sz="1200" kern="1200" baseline="0" dirty="0" err="1">
+                <a:solidFill>
+                  <a:schemeClr val="tx1"/>
+                </a:solidFill>
+                <a:effectLst/>
+                <a:latin typeface="+mn-lt"/>
+                <a:ea typeface="+mn-ea"/>
+                <a:cs typeface="+mn-cs"/>
+              </a:rPr>
+              <a:t>getEmail</a:t>
+            </a:r>
+            <a:r>
+              <a:rPr lang="en-US" sz="1200" kern="1200" baseline="0" dirty="0">
+                <a:solidFill>
+                  <a:schemeClr val="tx1"/>
+                </a:solidFill>
+                <a:effectLst/>
+                <a:latin typeface="+mn-lt"/>
+                <a:ea typeface="+mn-ea"/>
+                <a:cs typeface="+mn-cs"/>
+              </a:rPr>
+              <a:t>” API, which then returns the email address that owns the data that access has been granted to. Is </a:t>
             </a:r>
             <a:r>
               <a:rPr lang="en-US" sz="1200" i="1" kern="1200" baseline="0" dirty="0">
@@ -15480,7 +15494,55 @@
                 <a:ea typeface="+mn-ea"/>
                 <a:cs typeface="+mn-cs"/>
               </a:rPr>
-              <a:t> to give my profile data to BadGuy.com</a:t>
+              <a:t> to give my profile data to BadGuy.com. This results in </a:t>
+            </a:r>
+            <a:r>
+              <a:rPr lang="en-US" sz="1200" b="0" kern="1200" baseline="0" dirty="0" err="1">
+                <a:solidFill>
+                  <a:schemeClr val="tx1"/>
+                </a:solidFill>
+                <a:effectLst/>
+                <a:latin typeface="+mn-lt"/>
+                <a:ea typeface="+mn-ea"/>
+                <a:cs typeface="+mn-cs"/>
+              </a:rPr>
+              <a:t>BadGuy</a:t>
+            </a:r>
+            <a:r>
+              <a:rPr lang="en-US" sz="1200" b="0" kern="1200" baseline="0" dirty="0">
+                <a:solidFill>
+                  <a:schemeClr val="tx1"/>
+                </a:solidFill>
+                <a:effectLst/>
+                <a:latin typeface="+mn-lt"/>
+                <a:ea typeface="+mn-ea"/>
+                <a:cs typeface="+mn-cs"/>
+              </a:rPr>
+              <a:t> getting an </a:t>
+            </a:r>
+            <a:r>
+              <a:rPr lang="en-US" sz="1200" b="0" kern="1200" baseline="0" dirty="0" err="1">
+                <a:solidFill>
+                  <a:schemeClr val="tx1"/>
+                </a:solidFill>
+                <a:effectLst/>
+                <a:latin typeface="+mn-lt"/>
+                <a:ea typeface="+mn-ea"/>
+                <a:cs typeface="+mn-cs"/>
+              </a:rPr>
+              <a:t>Oauth</a:t>
+            </a:r>
+            <a:r>
+              <a:rPr lang="en-US" sz="1200" b="0" kern="1200" baseline="0" dirty="0">
+                <a:solidFill>
+                  <a:schemeClr val="tx1"/>
+                </a:solidFill>
+                <a:effectLst/>
+                <a:latin typeface="+mn-lt"/>
+                <a:ea typeface="+mn-ea"/>
+                <a:cs typeface="+mn-cs"/>
+              </a:rPr>
+              <a:t> token that can access my data.</a:t>
             </a:r>
             <a:endParaRPr lang="en-US" sz="1200" kern="1200" dirty="0">
               <a:solidFill>
@@ -15543,7 +15605,64 @@
                 <a:ea typeface="+mn-ea"/>
                 <a:cs typeface="+mn-cs"/>
               </a:rPr>
-              <a:t> to call Facebook’s API, gets my email address, and now considers me </a:t>
+              <a:t> to call Facebook’s API and gets my email address, so they now know that the token grants access to my data</a:t>
+            </a:r>
+          </a:p>
+          <a:p>
+            <a:pPr marL="171450" indent="-171450">
+              <a:buFont typeface="Arial" panose="020B0604020202020204" pitchFamily="34" charset="0"/>
+              <a:buChar char="•"/>
+            </a:pPr>
+            <a:endParaRPr lang="en-US" sz="1200" kern="1200" dirty="0">
+              <a:solidFill>
+                <a:schemeClr val="tx1"/>
+              </a:solidFill>
+              <a:effectLst/>
+              <a:latin typeface="+mn-lt"/>
+              <a:ea typeface="+mn-ea"/>
+              <a:cs typeface="+mn-cs"/>
+            </a:endParaRPr>
+          </a:p>
+          <a:p>
+            <a:pPr marL="0" indent="0">
+              <a:buFont typeface="Arial" panose="020B0604020202020204" pitchFamily="34" charset="0"/>
+              <a:buNone/>
+            </a:pPr>
+            <a:r>
+              <a:rPr lang="en-US" sz="1200" kern="1200" dirty="0">
+                <a:solidFill>
+                  <a:schemeClr val="tx1"/>
+                </a:solidFill>
+                <a:effectLst/>
+                <a:latin typeface="+mn-lt"/>
+                <a:ea typeface="+mn-ea"/>
+                <a:cs typeface="+mn-cs"/>
+              </a:rPr>
+              <a:t>If I already have an account at </a:t>
+            </a:r>
+            <a:r>
+              <a:rPr lang="en-US" sz="1200" kern="1200" dirty="0" err="1">
+                <a:solidFill>
+                  <a:schemeClr val="tx1"/>
+                </a:solidFill>
+                <a:effectLst/>
+                <a:latin typeface="+mn-lt"/>
+                <a:ea typeface="+mn-ea"/>
+                <a:cs typeface="+mn-cs"/>
+              </a:rPr>
+              <a:t>BadGuy</a:t>
+            </a:r>
+            <a:r>
+              <a:rPr lang="en-US" sz="1200" kern="1200" dirty="0">
+                <a:solidFill>
+                  <a:schemeClr val="tx1"/>
+                </a:solidFill>
+                <a:effectLst/>
+                <a:latin typeface="+mn-lt"/>
+                <a:ea typeface="+mn-ea"/>
+                <a:cs typeface="+mn-cs"/>
+              </a:rPr>
+              <a:t>, they might go ahead and consider me </a:t>
             </a:r>
             <a:r>
               <a:rPr lang="en-US" sz="1200" b="1" kern="1200" dirty="0">
@@ -15555,7 +15674,7 @@
                 <a:ea typeface="+mn-ea"/>
                 <a:cs typeface="+mn-cs"/>
               </a:rPr>
-              <a:t>logged in</a:t>
+              <a:t>logged in.</a:t>
             </a:r>
           </a:p>
           <a:p>
@@ -15709,68 +15828,7 @@
                 <a:ea typeface="+mn-ea"/>
                 <a:cs typeface="+mn-cs"/>
               </a:rPr>
-              <a:t>It turns around and tries to log in </a:t>
-            </a:r>
-            <a:r>
-              <a:rPr lang="en-US" sz="1200" u="sng" kern="1200" dirty="0">
-                <a:solidFill>
-                  <a:schemeClr val="tx1"/>
-                </a:solidFill>
-                <a:effectLst/>
-                <a:latin typeface="+mn-lt"/>
-                <a:ea typeface="+mn-ea"/>
-                <a:cs typeface="+mn-cs"/>
-              </a:rPr>
-              <a:t>as me</a:t>
-            </a:r>
-            <a:r>
-              <a:rPr lang="en-US" sz="1200" kern="1200" dirty="0">
-                <a:solidFill>
-                  <a:schemeClr val="tx1"/>
-                </a:solidFill>
-                <a:effectLst/>
-                <a:latin typeface="+mn-lt"/>
-                <a:ea typeface="+mn-ea"/>
-                <a:cs typeface="+mn-cs"/>
-              </a:rPr>
-              <a:t> to Victim.com, which also allows Facebook logins. </a:t>
-            </a:r>
-          </a:p>
-          <a:p>
-            <a:endParaRPr lang="en-US" sz="1200" kern="1200" dirty="0">
-              <a:solidFill>
-                <a:schemeClr val="tx1"/>
-              </a:solidFill>
-              <a:effectLst/>
-              <a:latin typeface="+mn-lt"/>
-              <a:ea typeface="+mn-ea"/>
-              <a:cs typeface="+mn-cs"/>
-            </a:endParaRPr>
-          </a:p>
-          <a:p>
-            <a:r>
-              <a:rPr lang="en-US" sz="1200" kern="1200" dirty="0">
-                <a:solidFill>
-                  <a:schemeClr val="tx1"/>
-                </a:solidFill>
-                <a:effectLst/>
-                <a:latin typeface="+mn-lt"/>
-                <a:ea typeface="+mn-ea"/>
-                <a:cs typeface="+mn-cs"/>
-              </a:rPr>
-              <a:t>But instead of going through the </a:t>
-            </a:r>
-            <a:r>
-              <a:rPr lang="en-US" sz="1200" kern="1200" dirty="0" err="1">
-                <a:solidFill>
-                  <a:schemeClr val="tx1"/>
-                </a:solidFill>
-                <a:effectLst/>
-                <a:latin typeface="+mn-lt"/>
-                <a:ea typeface="+mn-ea"/>
-                <a:cs typeface="+mn-cs"/>
-              </a:rPr>
-              <a:t>auth</a:t>
+              <a:t>They go over to Victim.com, which also allows FB logins, but instead of going through the auth</a:t>
             </a:r>
             <a:r>
               <a:rPr lang="en-US" sz="1200" kern="1200" baseline="0" dirty="0">
@@ -15785,6 +15843,30 @@
               <a:t> process, BadGuy.com </a:t>
             </a:r>
             <a:r>
+              <a:rPr lang="en-US" sz="1200" i="1" kern="1200" baseline="0" dirty="0">
+                <a:solidFill>
+                  <a:schemeClr val="tx1"/>
+                </a:solidFill>
+                <a:effectLst/>
+                <a:latin typeface="+mn-lt"/>
+                <a:ea typeface="+mn-ea"/>
+                <a:cs typeface="+mn-cs"/>
+              </a:rPr>
+              <a:t>pretends</a:t>
+            </a:r>
+            <a:r>
+              <a:rPr lang="en-US" sz="1200" kern="1200" baseline="0" dirty="0">
+                <a:solidFill>
+                  <a:schemeClr val="tx1"/>
+                </a:solidFill>
+                <a:effectLst/>
+                <a:latin typeface="+mn-lt"/>
+                <a:ea typeface="+mn-ea"/>
+                <a:cs typeface="+mn-cs"/>
+              </a:rPr>
+              <a:t> that they are being redirected back from FB and they </a:t>
+            </a:r>
+            <a:r>
               <a:rPr lang="en-US" sz="1200" b="1" kern="1200" baseline="0" dirty="0">
                 <a:solidFill>
                   <a:schemeClr val="tx1"/>
@@ -15794,7 +15876,7 @@
                 <a:ea typeface="+mn-ea"/>
                 <a:cs typeface="+mn-cs"/>
               </a:rPr>
-              <a:t>reuses the access token </a:t>
+              <a:t>reuse the access token </a:t>
             </a:r>
             <a:r>
               <a:rPr lang="en-US" sz="1200" b="0" kern="1200" baseline="0" dirty="0">
@@ -15806,7 +15888,7 @@
                 <a:ea typeface="+mn-ea"/>
                 <a:cs typeface="+mn-cs"/>
               </a:rPr>
-              <a:t>they obtained earlier, when I logged in.</a:t>
+              <a:t>they obtained earlier, when I authorized it.</a:t>
             </a:r>
           </a:p>
           <a:p>
@@ -15880,7 +15962,7 @@
                 <a:ea typeface="+mn-ea"/>
                 <a:cs typeface="+mn-cs"/>
               </a:rPr>
-              <a:t>If Victim uses that as proof of authentication, then it will now have allowed </a:t>
+              <a:t>If Victim uses the ability to call that API as proof that it is ME on the line, then it will now have allowed </a:t>
             </a:r>
             <a:r>
               <a:rPr lang="en-US" sz="1200" b="0" i="0" kern="1200" baseline="0" dirty="0" err="1">
@@ -16169,7 +16251,7 @@
     </p:spTree>
     <p:extLst>
       <p:ext uri="{BB962C8B-B14F-4D97-AF65-F5344CB8AC3E}">
-        <p14:creationId xmlns:p14="http://schemas.microsoft.com/office/powerpoint/2010/main" val="3998374396"/>
+        <p14:creationId xmlns:p14="http://schemas.microsoft.com/office/powerpoint/2010/main" val="2453094483"/>
       </p:ext>
     </p:extLst>
   </p:cSld>
@@ -16436,7 +16518,7 @@
                 <a:ea typeface="+mn-ea"/>
                 <a:cs typeface="+mn-cs"/>
               </a:rPr>
-              <a:t>That way, only </a:t>
+              <a:t>IF the access token contained those things, then Victim would be able to identify when </a:t>
             </a:r>
             <a:r>
               <a:rPr lang="en-US" sz="1200" kern="1200" dirty="0" err="1">
@@ -16460,19 +16542,19 @@
                 <a:ea typeface="+mn-ea"/>
                 <a:cs typeface="+mn-cs"/>
               </a:rPr>
-              <a:t> would be able to use the token that I authorized, and the</a:t>
-            </a:r>
-            <a:r>
-              <a:rPr lang="en-US" sz="1200" kern="1200" baseline="0" dirty="0">
-                <a:solidFill>
-                  <a:schemeClr val="tx1"/>
-                </a:solidFill>
-                <a:effectLst/>
-                <a:latin typeface="+mn-lt"/>
-                <a:ea typeface="+mn-ea"/>
-                <a:cs typeface="+mn-cs"/>
-              </a:rPr>
-              <a:t> token could also serve as proof of identity to that authorized client only.</a:t>
+              <a:t> was trying to hack it, and it would be able to use the access token as proof of identity as well as proof </a:t>
+            </a:r>
+            <a:r>
+              <a:rPr lang="en-US" sz="1200" kern="1200">
+                <a:solidFill>
+                  <a:schemeClr val="tx1"/>
+                </a:solidFill>
+                <a:effectLst/>
+                <a:latin typeface="+mn-lt"/>
+                <a:ea typeface="+mn-ea"/>
+                <a:cs typeface="+mn-cs"/>
+              </a:rPr>
+              <a:t>of authorization,</a:t>
             </a:r>
             <a:endParaRPr lang="en-US" sz="1200" kern="1200" dirty="0">
               <a:solidFill>
@@ -31624,7 +31706,13 @@
       </p:sp>
       <p:pic>
         <p:nvPicPr>
-          <p:cNvPr id="5" name="Picture 4"/>
+          <p:cNvPr id="8" name="Picture 7">
+            <a:extLst>
+              <a:ext uri="{FF2B5EF4-FFF2-40B4-BE49-F238E27FC236}">
+                <a16:creationId xmlns:a16="http://schemas.microsoft.com/office/drawing/2014/main" id="{9187D1EF-8FD0-4858-8B59-A846070B676A}"/>
+              </a:ext>
+            </a:extLst>
+          </p:cNvPr>
           <p:cNvPicPr>
             <a:picLocks noChangeAspect="1"/>
           </p:cNvPicPr>
@@ -31638,32 +31726,8 @@
         </p:blipFill>
         <p:spPr>
           <a:xfrm>
-            <a:off x="2095500" y="1911620"/>
-            <a:ext cx="8420100" cy="4904750"/>
-          </a:xfrm>
-          <a:prstGeom prst="rect">
-            <a:avLst/>
-          </a:prstGeom>
-        </p:spPr>
-      </p:pic>
-      <p:pic>
-        <p:nvPicPr>
-          <p:cNvPr id="6" name="Picture 5"/>
-          <p:cNvPicPr>
-            <a:picLocks noChangeAspect="1"/>
-          </p:cNvPicPr>
-          <p:nvPr/>
-        </p:nvPicPr>
-        <p:blipFill>
-          <a:blip r:embed="rId4"/>
-          <a:stretch>
-            <a:fillRect/>
-          </a:stretch>
-        </p:blipFill>
-        <p:spPr>
-          <a:xfrm>
-            <a:off x="3390900" y="5950393"/>
-            <a:ext cx="5407938" cy="865977"/>
+            <a:off x="1713120" y="1690688"/>
+            <a:ext cx="8765759" cy="5117734"/>
           </a:xfrm>
           <a:prstGeom prst="rect">
             <a:avLst/>
@@ -31792,7 +31856,7 @@
       </p:sp>
       <p:pic>
         <p:nvPicPr>
-          <p:cNvPr id="6" name="Picture 5"/>
+          <p:cNvPr id="5" name="Picture 4"/>
           <p:cNvPicPr>
             <a:picLocks noChangeAspect="1"/>
           </p:cNvPicPr>
@@ -31806,8 +31870,8 @@
         </p:blipFill>
         <p:spPr>
           <a:xfrm>
-            <a:off x="2081212" y="1551676"/>
-            <a:ext cx="8396288" cy="5306324"/>
+            <a:off x="2095500" y="1937258"/>
+            <a:ext cx="8420100" cy="4904750"/>
           </a:xfrm>
           <a:prstGeom prst="rect">
             <a:avLst/>
@@ -31816,7 +31880,7 @@
       </p:pic>
       <p:pic>
         <p:nvPicPr>
-          <p:cNvPr id="8" name="Picture 7"/>
+          <p:cNvPr id="6" name="Picture 5"/>
           <p:cNvPicPr>
             <a:picLocks noChangeAspect="1"/>
           </p:cNvPicPr>
@@ -31830,8 +31894,38 @@
         </p:blipFill>
         <p:spPr>
           <a:xfrm>
-            <a:off x="5910262" y="5124450"/>
-            <a:ext cx="433388" cy="979834"/>
+            <a:off x="3390900" y="5950393"/>
+            <a:ext cx="5407938" cy="865977"/>
+          </a:xfrm>
+          <a:prstGeom prst="rect">
+            <a:avLst/>
+          </a:prstGeom>
+        </p:spPr>
+      </p:pic>
+      <p:pic>
+        <p:nvPicPr>
+          <p:cNvPr id="4" name="Picture 3">
+            <a:extLst>
+              <a:ext uri="{FF2B5EF4-FFF2-40B4-BE49-F238E27FC236}">
+                <a16:creationId xmlns:a16="http://schemas.microsoft.com/office/drawing/2014/main" id="{D58E6808-238A-498E-8989-E656F81821DB}"/>
+              </a:ext>
+            </a:extLst>
+          </p:cNvPr>
+          <p:cNvPicPr>
+            <a:picLocks noChangeAspect="1"/>
+          </p:cNvPicPr>
+          <p:nvPr/>
+        </p:nvPicPr>
+        <p:blipFill>
+          <a:blip r:embed="rId5"/>
+          <a:stretch>
+            <a:fillRect/>
+          </a:stretch>
+        </p:blipFill>
+        <p:spPr>
+          <a:xfrm>
+            <a:off x="1573834" y="1647209"/>
+            <a:ext cx="9231238" cy="5194799"/>
           </a:xfrm>
           <a:prstGeom prst="rect">
             <a:avLst/>
@@ -31841,7 +31935,7 @@
     </p:spTree>
     <p:extLst>
       <p:ext uri="{BB962C8B-B14F-4D97-AF65-F5344CB8AC3E}">
-        <p14:creationId xmlns:p14="http://schemas.microsoft.com/office/powerpoint/2010/main" val="2766265650"/>
+        <p14:creationId xmlns:p14="http://schemas.microsoft.com/office/powerpoint/2010/main" val="4139404127"/>
       </p:ext>
     </p:extLst>
   </p:cSld>

--- a/Securing Your API Endpoints.pptx
+++ b/Securing Your API Endpoints.pptx
@@ -60,8 +60,8 @@
     <p:sldId id="534" r:id="rId51"/>
     <p:sldId id="536" r:id="rId52"/>
     <p:sldId id="476" r:id="rId53"/>
-    <p:sldId id="472" r:id="rId54"/>
-    <p:sldId id="475" r:id="rId55"/>
+    <p:sldId id="475" r:id="rId54"/>
+    <p:sldId id="581" r:id="rId55"/>
     <p:sldId id="490" r:id="rId56"/>
     <p:sldId id="486" r:id="rId57"/>
     <p:sldId id="576" r:id="rId58"/>
@@ -290,7 +290,7 @@
           <a:p>
             <a:fld id="{C54A4886-B4AF-42F7-97BE-95CDF82A73E3}" type="datetimeFigureOut">
               <a:rPr lang="en-US" smtClean="0"/>
-              <a:t>1/8/2019</a:t>
+              <a:t>1/10/2019</a:t>
             </a:fld>
             <a:endParaRPr lang="en-US"/>
           </a:p>
@@ -612,7 +612,16 @@
           <a:p>
             <a:r>
               <a:rPr lang="en-US" dirty="0"/>
-              <a:t>This is one of my favorite talks to give and I'm excited to share it with you. Over the next hour I'm going to take you on a journey of discovery, at the conclusion of which you'll leave this room a bit wiser and a bit more knowledgeable than you are right now.</a:t>
+              <a:t>This is one of my favorite talks to give and I'm excited to share it with you. </a:t>
+            </a:r>
+          </a:p>
+          <a:p>
+            <a:endParaRPr lang="en-US" dirty="0"/>
+          </a:p>
+          <a:p>
+            <a:r>
+              <a:rPr lang="en-US" dirty="0"/>
+              <a:t>Over the next hour I'm going to take you on a journey of knowledge and discovery, at the conclusion of which you'll leave this room a bit wiser and more prepared to handle API authentication than you are today. </a:t>
             </a:r>
           </a:p>
         </p:txBody>
@@ -3190,7 +3199,7 @@
                 <a:ea typeface="+mn-ea"/>
                 <a:cs typeface="+mn-cs"/>
               </a:rPr>
-              <a:t>Our journey begins with a confession. A few years ago, I made a huge rookie mistake.</a:t>
+              <a:t>Our journey begins with a confession. A few years ago, I was not educated about this stuff and I made a huge rookie mistake.</a:t>
             </a:r>
           </a:p>
           <a:p>
@@ -11289,31 +11298,7 @@
                 <a:ea typeface="+mn-ea"/>
                 <a:cs typeface="+mn-cs"/>
               </a:rPr>
-              <a:t>At this point we’ve discussed some simple</a:t>
-            </a:r>
-            <a:r>
-              <a:rPr lang="en-US" sz="1200" kern="1200" baseline="0" dirty="0">
-                <a:solidFill>
-                  <a:schemeClr val="tx1"/>
-                </a:solidFill>
-                <a:effectLst/>
-                <a:latin typeface="+mn-lt"/>
-                <a:ea typeface="+mn-ea"/>
-                <a:cs typeface="+mn-cs"/>
-              </a:rPr>
-              <a:t> </a:t>
-            </a:r>
-            <a:r>
-              <a:rPr lang="en-US" sz="1200" kern="1200" dirty="0">
-                <a:solidFill>
-                  <a:schemeClr val="tx1"/>
-                </a:solidFill>
-                <a:effectLst/>
-                <a:latin typeface="+mn-lt"/>
-                <a:ea typeface="+mn-ea"/>
-                <a:cs typeface="+mn-cs"/>
-              </a:rPr>
-              <a:t>authentication schemes supported natively by the web server itself and we’ve discussed custom systems based around API Keys and web tokens. Next on the agenda is </a:t>
+              <a:t>Moving on! Next on the agenda is </a:t>
             </a:r>
             <a:r>
               <a:rPr lang="en-US" sz="1200" kern="1200" dirty="0" err="1">
@@ -11385,55 +11370,6 @@
               <a:ea typeface="+mn-ea"/>
               <a:cs typeface="+mn-cs"/>
             </a:endParaRPr>
-          </a:p>
-          <a:p>
-            <a:endParaRPr lang="en-US" sz="1200" kern="1200" dirty="0">
-              <a:solidFill>
-                <a:schemeClr val="tx1"/>
-              </a:solidFill>
-              <a:effectLst/>
-              <a:latin typeface="+mn-lt"/>
-              <a:ea typeface="+mn-ea"/>
-              <a:cs typeface="+mn-cs"/>
-            </a:endParaRPr>
-          </a:p>
-          <a:p>
-            <a:r>
-              <a:rPr lang="en-US" sz="1200" kern="1200" dirty="0">
-                <a:solidFill>
-                  <a:schemeClr val="tx1"/>
-                </a:solidFill>
-                <a:effectLst/>
-                <a:latin typeface="+mn-lt"/>
-                <a:ea typeface="+mn-ea"/>
-                <a:cs typeface="+mn-cs"/>
-              </a:rPr>
-              <a:t>We’re going to discuss a few different things: the difference between 2- and 3-party authorization, the differences between OAuth versions 1.0 and 2.0, and what it means for OAuth to be an </a:t>
-            </a:r>
-            <a:r>
-              <a:rPr lang="en-US" sz="1200" u="sng" kern="1200" dirty="0">
-                <a:solidFill>
-                  <a:schemeClr val="tx1"/>
-                </a:solidFill>
-                <a:effectLst/>
-                <a:latin typeface="+mn-lt"/>
-                <a:ea typeface="+mn-ea"/>
-                <a:cs typeface="+mn-cs"/>
-              </a:rPr>
-              <a:t>authorization</a:t>
-            </a:r>
-            <a:r>
-              <a:rPr lang="en-US" sz="1200" kern="1200" dirty="0">
-                <a:solidFill>
-                  <a:schemeClr val="tx1"/>
-                </a:solidFill>
-                <a:effectLst/>
-                <a:latin typeface="+mn-lt"/>
-                <a:ea typeface="+mn-ea"/>
-                <a:cs typeface="+mn-cs"/>
-              </a:rPr>
-              <a:t> framework, not an authentication one.</a:t>
-            </a:r>
           </a:p>
         </p:txBody>
       </p:sp>
@@ -11841,7 +11777,7 @@
     </p:spTree>
     <p:extLst>
       <p:ext uri="{BB962C8B-B14F-4D97-AF65-F5344CB8AC3E}">
-        <p14:creationId xmlns:p14="http://schemas.microsoft.com/office/powerpoint/2010/main" val="2080529362"/>
+        <p14:creationId xmlns:p14="http://schemas.microsoft.com/office/powerpoint/2010/main" val="434420155"/>
       </p:ext>
     </p:extLst>
   </p:cSld>
@@ -12215,7 +12151,7 @@
     </p:spTree>
     <p:extLst>
       <p:ext uri="{BB962C8B-B14F-4D97-AF65-F5344CB8AC3E}">
-        <p14:creationId xmlns:p14="http://schemas.microsoft.com/office/powerpoint/2010/main" val="434420155"/>
+        <p14:creationId xmlns:p14="http://schemas.microsoft.com/office/powerpoint/2010/main" val="308401887"/>
       </p:ext>
     </p:extLst>
   </p:cSld>
@@ -16315,7 +16251,7 @@
                 <a:ea typeface="+mn-ea"/>
                 <a:cs typeface="+mn-cs"/>
               </a:rPr>
-              <a:t>To avoid that problem, ONLY use access tokens</a:t>
+              <a:t>To avoid that problem, DO NOT use any data that you obtain from an authorized API call as proof of identity for the request</a:t>
             </a:r>
             <a:r>
               <a:rPr lang="en-US" sz="1200" kern="1200" baseline="0" dirty="0">
@@ -16327,32 +16263,7 @@
                 <a:ea typeface="+mn-ea"/>
                 <a:cs typeface="+mn-cs"/>
               </a:rPr>
-              <a:t> to access the authorized resource. </a:t>
-            </a:r>
-          </a:p>
-          <a:p>
-            <a:endParaRPr lang="en-US" sz="1200" kern="1200" baseline="0" dirty="0">
-              <a:solidFill>
-                <a:schemeClr val="tx1"/>
-              </a:solidFill>
-              <a:effectLst/>
-              <a:latin typeface="+mn-lt"/>
-              <a:ea typeface="+mn-ea"/>
-              <a:cs typeface="+mn-cs"/>
-            </a:endParaRPr>
-          </a:p>
-          <a:p>
-            <a:r>
-              <a:rPr lang="en-US" sz="1200" kern="1200" dirty="0">
-                <a:solidFill>
-                  <a:schemeClr val="tx1"/>
-                </a:solidFill>
-                <a:effectLst/>
-                <a:latin typeface="+mn-lt"/>
-                <a:ea typeface="+mn-ea"/>
-                <a:cs typeface="+mn-cs"/>
-              </a:rPr>
-              <a:t>If you use possession of an access token as proof of authentication, you are vulnerable.</a:t>
+              <a:t>. </a:t>
             </a:r>
           </a:p>
           <a:p>
@@ -16542,29 +16453,8 @@
                 <a:ea typeface="+mn-ea"/>
                 <a:cs typeface="+mn-cs"/>
               </a:rPr>
-              <a:t> was trying to hack it, and it would be able to use the access token as proof of identity as well as proof </a:t>
-            </a:r>
-            <a:r>
-              <a:rPr lang="en-US" sz="1200" kern="1200">
-                <a:solidFill>
-                  <a:schemeClr val="tx1"/>
-                </a:solidFill>
-                <a:effectLst/>
-                <a:latin typeface="+mn-lt"/>
-                <a:ea typeface="+mn-ea"/>
-                <a:cs typeface="+mn-cs"/>
-              </a:rPr>
-              <a:t>of authorization,</a:t>
-            </a:r>
-            <a:endParaRPr lang="en-US" sz="1200" kern="1200" dirty="0">
-              <a:solidFill>
-                <a:schemeClr val="tx1"/>
-              </a:solidFill>
-              <a:effectLst/>
-              <a:latin typeface="+mn-lt"/>
-              <a:ea typeface="+mn-ea"/>
-              <a:cs typeface="+mn-cs"/>
-            </a:endParaRPr>
+              <a:t> was trying to hack it, and it would be able to use the access token as proof of identity as well as proof of authorization,</a:t>
+            </a:r>
           </a:p>
           <a:p>
             <a:endParaRPr lang="en-US" dirty="0"/>
@@ -18919,6 +18809,40 @@
                 <a:cs typeface="+mn-cs"/>
               </a:rPr>
               <a:t>oAuth</a:t>
+            </a:r>
+            <a:endParaRPr lang="en-US" sz="1200" kern="1200" baseline="0" dirty="0">
+              <a:solidFill>
+                <a:schemeClr val="tx1"/>
+              </a:solidFill>
+              <a:effectLst/>
+              <a:latin typeface="+mn-lt"/>
+              <a:ea typeface="+mn-ea"/>
+              <a:cs typeface="+mn-cs"/>
+            </a:endParaRPr>
+          </a:p>
+          <a:p>
+            <a:endParaRPr lang="en-US" sz="1200" kern="1200" baseline="0" dirty="0">
+              <a:solidFill>
+                <a:schemeClr val="tx1"/>
+              </a:solidFill>
+              <a:effectLst/>
+              <a:latin typeface="+mn-lt"/>
+              <a:ea typeface="+mn-ea"/>
+              <a:cs typeface="+mn-cs"/>
+            </a:endParaRPr>
+          </a:p>
+          <a:p>
+            <a:r>
+              <a:rPr lang="en-US" sz="1200" kern="1200" baseline="0" dirty="0">
+                <a:solidFill>
+                  <a:schemeClr val="tx1"/>
+                </a:solidFill>
+                <a:effectLst/>
+                <a:latin typeface="+mn-lt"/>
+                <a:ea typeface="+mn-ea"/>
+                <a:cs typeface="+mn-cs"/>
+              </a:rPr>
+              <a:t>Most of this session is about AUTHENTICATION, which is determining WHO is making the request. I’m assuming that once you have a WHO, your custom app logic will handle authorization</a:t>
             </a:r>
             <a:endParaRPr lang="en-US" sz="1200" kern="1200" dirty="0">
               <a:solidFill>
@@ -20148,7 +20072,7 @@
           <a:p>
             <a:fld id="{75AA6396-395E-4ADA-8EE5-F328BC863A04}" type="datetimeFigureOut">
               <a:rPr lang="en-US" smtClean="0"/>
-              <a:t>1/8/2019</a:t>
+              <a:t>1/10/2019</a:t>
             </a:fld>
             <a:endParaRPr lang="en-US"/>
           </a:p>
@@ -20316,7 +20240,7 @@
           <a:p>
             <a:fld id="{75AA6396-395E-4ADA-8EE5-F328BC863A04}" type="datetimeFigureOut">
               <a:rPr lang="en-US" smtClean="0"/>
-              <a:t>1/8/2019</a:t>
+              <a:t>1/10/2019</a:t>
             </a:fld>
             <a:endParaRPr lang="en-US"/>
           </a:p>
@@ -20494,7 +20418,7 @@
           <a:p>
             <a:fld id="{75AA6396-395E-4ADA-8EE5-F328BC863A04}" type="datetimeFigureOut">
               <a:rPr lang="en-US" smtClean="0"/>
-              <a:t>1/8/2019</a:t>
+              <a:t>1/10/2019</a:t>
             </a:fld>
             <a:endParaRPr lang="en-US"/>
           </a:p>
@@ -20712,7 +20636,7 @@
           <a:p>
             <a:fld id="{75AA6396-395E-4ADA-8EE5-F328BC863A04}" type="datetimeFigureOut">
               <a:rPr lang="en-US" smtClean="0"/>
-              <a:t>1/8/2019</a:t>
+              <a:t>1/10/2019</a:t>
             </a:fld>
             <a:endParaRPr lang="en-US"/>
           </a:p>
@@ -20957,7 +20881,7 @@
           <a:p>
             <a:fld id="{75AA6396-395E-4ADA-8EE5-F328BC863A04}" type="datetimeFigureOut">
               <a:rPr lang="en-US" smtClean="0"/>
-              <a:t>1/8/2019</a:t>
+              <a:t>1/10/2019</a:t>
             </a:fld>
             <a:endParaRPr lang="en-US"/>
           </a:p>
@@ -21186,7 +21110,7 @@
           <a:p>
             <a:fld id="{75AA6396-395E-4ADA-8EE5-F328BC863A04}" type="datetimeFigureOut">
               <a:rPr lang="en-US" smtClean="0"/>
-              <a:t>1/8/2019</a:t>
+              <a:t>1/10/2019</a:t>
             </a:fld>
             <a:endParaRPr lang="en-US"/>
           </a:p>
@@ -21550,7 +21474,7 @@
           <a:p>
             <a:fld id="{75AA6396-395E-4ADA-8EE5-F328BC863A04}" type="datetimeFigureOut">
               <a:rPr lang="en-US" smtClean="0"/>
-              <a:t>1/8/2019</a:t>
+              <a:t>1/10/2019</a:t>
             </a:fld>
             <a:endParaRPr lang="en-US"/>
           </a:p>
@@ -21667,7 +21591,7 @@
           <a:p>
             <a:fld id="{75AA6396-395E-4ADA-8EE5-F328BC863A04}" type="datetimeFigureOut">
               <a:rPr lang="en-US" smtClean="0"/>
-              <a:t>1/8/2019</a:t>
+              <a:t>1/10/2019</a:t>
             </a:fld>
             <a:endParaRPr lang="en-US"/>
           </a:p>
@@ -21762,7 +21686,7 @@
           <a:p>
             <a:fld id="{75AA6396-395E-4ADA-8EE5-F328BC863A04}" type="datetimeFigureOut">
               <a:rPr lang="en-US" smtClean="0"/>
-              <a:t>1/8/2019</a:t>
+              <a:t>1/10/2019</a:t>
             </a:fld>
             <a:endParaRPr lang="en-US"/>
           </a:p>
@@ -22037,7 +21961,7 @@
           <a:p>
             <a:fld id="{75AA6396-395E-4ADA-8EE5-F328BC863A04}" type="datetimeFigureOut">
               <a:rPr lang="en-US" smtClean="0"/>
-              <a:t>1/8/2019</a:t>
+              <a:t>1/10/2019</a:t>
             </a:fld>
             <a:endParaRPr lang="en-US"/>
           </a:p>
@@ -22289,7 +22213,7 @@
           <a:p>
             <a:fld id="{75AA6396-395E-4ADA-8EE5-F328BC863A04}" type="datetimeFigureOut">
               <a:rPr lang="en-US" smtClean="0"/>
-              <a:t>1/8/2019</a:t>
+              <a:t>1/10/2019</a:t>
             </a:fld>
             <a:endParaRPr lang="en-US"/>
           </a:p>
@@ -22500,7 +22424,7 @@
           <a:p>
             <a:fld id="{75AA6396-395E-4ADA-8EE5-F328BC863A04}" type="datetimeFigureOut">
               <a:rPr lang="en-US" smtClean="0"/>
-              <a:t>1/8/2019</a:t>
+              <a:t>1/10/2019</a:t>
             </a:fld>
             <a:endParaRPr lang="en-US"/>
           </a:p>
@@ -29529,20 +29453,6 @@
           </a:bodyPr>
           <a:lstStyle/>
           <a:p>
-            <a:r>
-              <a:rPr lang="en-US" sz="4000" dirty="0"/>
-              <a:t>Client acts </a:t>
-            </a:r>
-            <a:r>
-              <a:rPr lang="en-US" sz="4000" b="1" dirty="0"/>
-              <a:t>on behalf of</a:t>
-            </a:r>
-            <a:r>
-              <a:rPr lang="en-US" sz="4000" dirty="0"/>
-              <a:t> the resource owner</a:t>
-            </a:r>
-          </a:p>
-          <a:p>
             <a:pPr lvl="1"/>
             <a:endParaRPr lang="en-US" sz="3600" dirty="0"/>
           </a:p>
@@ -29555,56 +29465,32 @@
             <a:endParaRPr lang="en-US" sz="3600" dirty="0"/>
           </a:p>
           <a:p>
+            <a:endParaRPr lang="en-US" sz="4000" dirty="0"/>
+          </a:p>
+          <a:p>
+            <a:endParaRPr lang="en-US" sz="4000" dirty="0"/>
+          </a:p>
+          <a:p>
+            <a:endParaRPr lang="en-US" sz="4000" dirty="0"/>
+          </a:p>
+          <a:p>
+            <a:endParaRPr lang="en-US" sz="4000" dirty="0"/>
+          </a:p>
+          <a:p>
+            <a:endParaRPr lang="en-US" sz="4000" dirty="0"/>
+          </a:p>
+          <a:p>
             <a:pPr lvl="1"/>
             <a:endParaRPr lang="en-US" sz="3600" dirty="0"/>
           </a:p>
           <a:p>
-            <a:pPr lvl="1"/>
-            <a:endParaRPr lang="en-US" sz="3600" dirty="0"/>
-          </a:p>
-          <a:p>
-            <a:pPr lvl="1"/>
-            <a:endParaRPr lang="en-US" sz="3600" dirty="0"/>
-          </a:p>
-          <a:p>
-            <a:pPr lvl="1"/>
-            <a:endParaRPr lang="en-US" sz="3600" dirty="0"/>
-          </a:p>
-          <a:p>
-            <a:pPr lvl="1"/>
-            <a:endParaRPr lang="en-US" sz="3600" dirty="0"/>
-          </a:p>
-          <a:p>
-            <a:pPr lvl="1"/>
-            <a:endParaRPr lang="en-US" sz="3600" dirty="0"/>
-          </a:p>
-          <a:p>
-            <a:endParaRPr lang="en-US" sz="4000" dirty="0"/>
-          </a:p>
-          <a:p>
-            <a:endParaRPr lang="en-US" sz="4000" dirty="0"/>
-          </a:p>
-          <a:p>
-            <a:endParaRPr lang="en-US" sz="4000" dirty="0"/>
-          </a:p>
-          <a:p>
-            <a:endParaRPr lang="en-US" sz="4000" dirty="0"/>
-          </a:p>
-          <a:p>
-            <a:endParaRPr lang="en-US" sz="4000" dirty="0"/>
-          </a:p>
-          <a:p>
-            <a:pPr lvl="1"/>
-            <a:endParaRPr lang="en-US" sz="3600" dirty="0"/>
-          </a:p>
-          <a:p>
             <a:endParaRPr lang="en-US" sz="4000" dirty="0"/>
           </a:p>
         </p:txBody>
       </p:sp>
       <p:pic>
         <p:nvPicPr>
-          <p:cNvPr id="7" name="Picture 6"/>
+          <p:cNvPr id="4" name="Picture 3"/>
           <p:cNvPicPr>
             <a:picLocks noChangeAspect="1"/>
           </p:cNvPicPr>
@@ -29618,8 +29504,38 @@
         </p:blipFill>
         <p:spPr>
           <a:xfrm>
-            <a:off x="1694756" y="3198928"/>
-            <a:ext cx="8401719" cy="3472988"/>
+            <a:off x="1354667" y="1577923"/>
+            <a:ext cx="8882871" cy="5221688"/>
+          </a:xfrm>
+          <a:prstGeom prst="rect">
+            <a:avLst/>
+          </a:prstGeom>
+        </p:spPr>
+      </p:pic>
+      <p:pic>
+        <p:nvPicPr>
+          <p:cNvPr id="5" name="Picture 4">
+            <a:extLst>
+              <a:ext uri="{FF2B5EF4-FFF2-40B4-BE49-F238E27FC236}">
+                <a16:creationId xmlns:a16="http://schemas.microsoft.com/office/drawing/2014/main" id="{8BBAEC6E-071A-49C8-8594-3226E031D827}"/>
+              </a:ext>
+            </a:extLst>
+          </p:cNvPr>
+          <p:cNvPicPr>
+            <a:picLocks noChangeAspect="1"/>
+          </p:cNvPicPr>
+          <p:nvPr/>
+        </p:nvPicPr>
+        <p:blipFill>
+          <a:blip r:embed="rId4"/>
+          <a:stretch>
+            <a:fillRect/>
+          </a:stretch>
+        </p:blipFill>
+        <p:spPr>
+          <a:xfrm>
+            <a:off x="6274348" y="4605251"/>
+            <a:ext cx="4057517" cy="1828800"/>
           </a:xfrm>
           <a:prstGeom prst="rect">
             <a:avLst/>
@@ -29629,7 +29545,7 @@
     </p:spTree>
     <p:extLst>
       <p:ext uri="{BB962C8B-B14F-4D97-AF65-F5344CB8AC3E}">
-        <p14:creationId xmlns:p14="http://schemas.microsoft.com/office/powerpoint/2010/main" val="99670264"/>
+        <p14:creationId xmlns:p14="http://schemas.microsoft.com/office/powerpoint/2010/main" val="1887857253"/>
       </p:ext>
     </p:extLst>
   </p:cSld>
@@ -29764,7 +29680,7 @@
     </p:spTree>
     <p:extLst>
       <p:ext uri="{BB962C8B-B14F-4D97-AF65-F5344CB8AC3E}">
-        <p14:creationId xmlns:p14="http://schemas.microsoft.com/office/powerpoint/2010/main" val="1887857253"/>
+        <p14:creationId xmlns:p14="http://schemas.microsoft.com/office/powerpoint/2010/main" val="323648048"/>
       </p:ext>
     </p:extLst>
   </p:cSld>
@@ -32010,7 +31926,7 @@
           <a:p>
             <a:r>
               <a:rPr lang="en-US" sz="4000" dirty="0"/>
-              <a:t>DO NOT use resource authorization as proof of authentication</a:t>
+              <a:t>DO NOT use data from an authorized API call as proof of identity</a:t>
             </a:r>
           </a:p>
           <a:p>
